--- a/SSCI文章汇报-卢波.pptx
+++ b/SSCI文章汇报-卢波.pptx
@@ -5,7 +5,7 @@
     <p:sldMasterId id="2147483670" r:id="rId1"/>
   </p:sldMasterIdLst>
   <p:notesMasterIdLst>
-    <p:notesMasterId r:id="rId24"/>
+    <p:notesMasterId r:id="rId27"/>
   </p:notesMasterIdLst>
   <p:sldIdLst>
     <p:sldId id="390" r:id="rId2"/>
@@ -21,20 +21,23 @@
     <p:sldId id="556" r:id="rId12"/>
     <p:sldId id="558" r:id="rId13"/>
     <p:sldId id="561" r:id="rId14"/>
-    <p:sldId id="563" r:id="rId15"/>
-    <p:sldId id="564" r:id="rId16"/>
-    <p:sldId id="265" r:id="rId17"/>
-    <p:sldId id="551" r:id="rId18"/>
-    <p:sldId id="565" r:id="rId19"/>
-    <p:sldId id="566" r:id="rId20"/>
-    <p:sldId id="533" r:id="rId21"/>
-    <p:sldId id="567" r:id="rId22"/>
-    <p:sldId id="388" r:id="rId23"/>
+    <p:sldId id="569" r:id="rId15"/>
+    <p:sldId id="570" r:id="rId16"/>
+    <p:sldId id="563" r:id="rId17"/>
+    <p:sldId id="564" r:id="rId18"/>
+    <p:sldId id="265" r:id="rId19"/>
+    <p:sldId id="551" r:id="rId20"/>
+    <p:sldId id="565" r:id="rId21"/>
+    <p:sldId id="566" r:id="rId22"/>
+    <p:sldId id="533" r:id="rId23"/>
+    <p:sldId id="567" r:id="rId24"/>
+    <p:sldId id="571" r:id="rId25"/>
+    <p:sldId id="388" r:id="rId26"/>
   </p:sldIdLst>
   <p:sldSz cx="12192000" cy="6858000"/>
   <p:notesSz cx="6858000" cy="9144000"/>
   <p:custDataLst>
-    <p:tags r:id="rId25"/>
+    <p:tags r:id="rId28"/>
   </p:custDataLst>
   <p:defaultTextStyle>
     <a:defPPr>
@@ -583,6 +586,266 @@
 </p:notes>
 </file>
 
+<file path=ppt/notesSlides/notesSlide10.xml><?xml version="1.0" encoding="utf-8"?>
+<p:notes xmlns:a="http://schemas.openxmlformats.org/drawingml/2006/main" xmlns:r="http://schemas.openxmlformats.org/officeDocument/2006/relationships" xmlns:p="http://schemas.openxmlformats.org/presentationml/2006/main">
+  <p:cSld>
+    <p:spTree>
+      <p:nvGrpSpPr>
+        <p:cNvPr id="1" name=""/>
+        <p:cNvGrpSpPr/>
+        <p:nvPr/>
+      </p:nvGrpSpPr>
+      <p:grpSpPr>
+        <a:xfrm>
+          <a:off x="0" y="0"/>
+          <a:ext cx="0" cy="0"/>
+          <a:chOff x="0" y="0"/>
+          <a:chExt cx="0" cy="0"/>
+        </a:xfrm>
+      </p:grpSpPr>
+      <p:sp>
+        <p:nvSpPr>
+          <p:cNvPr id="2" name="幻灯片图像占位符 1"/>
+          <p:cNvSpPr>
+            <a:spLocks noGrp="1" noRot="1" noChangeAspect="1"/>
+          </p:cNvSpPr>
+          <p:nvPr>
+            <p:ph type="sldImg"/>
+          </p:nvPr>
+        </p:nvSpPr>
+        <p:spPr/>
+      </p:sp>
+      <p:sp>
+        <p:nvSpPr>
+          <p:cNvPr id="3" name="备注占位符 2"/>
+          <p:cNvSpPr>
+            <a:spLocks noGrp="1"/>
+          </p:cNvSpPr>
+          <p:nvPr>
+            <p:ph type="body" idx="1"/>
+          </p:nvPr>
+        </p:nvSpPr>
+        <p:spPr/>
+        <p:txBody>
+          <a:bodyPr/>
+          <a:lstStyle/>
+          <a:p>
+            <a:endParaRPr lang="zh-CN" altLang="en-US"/>
+          </a:p>
+        </p:txBody>
+      </p:sp>
+      <p:sp>
+        <p:nvSpPr>
+          <p:cNvPr id="4" name="灯片编号占位符 3"/>
+          <p:cNvSpPr>
+            <a:spLocks noGrp="1"/>
+          </p:cNvSpPr>
+          <p:nvPr>
+            <p:ph type="sldNum" sz="quarter" idx="10"/>
+          </p:nvPr>
+        </p:nvSpPr>
+        <p:spPr/>
+        <p:txBody>
+          <a:bodyPr/>
+          <a:lstStyle/>
+          <a:p>
+            <a:fld id="{2B735503-9D21-443F-BC18-5459550EB72F}" type="slidenum">
+              <a:rPr lang="zh-CN" altLang="en-US" smtClean="0"/>
+              <a:t>19</a:t>
+            </a:fld>
+            <a:endParaRPr lang="zh-CN" altLang="en-US"/>
+          </a:p>
+        </p:txBody>
+      </p:sp>
+    </p:spTree>
+    <p:extLst>
+      <p:ext uri="{BB962C8B-B14F-4D97-AF65-F5344CB8AC3E}">
+        <p14:creationId xmlns:p14="http://schemas.microsoft.com/office/powerpoint/2010/main" val="2834868723"/>
+      </p:ext>
+    </p:extLst>
+  </p:cSld>
+  <p:clrMapOvr>
+    <a:masterClrMapping/>
+  </p:clrMapOvr>
+</p:notes>
+</file>
+
+<file path=ppt/notesSlides/notesSlide11.xml><?xml version="1.0" encoding="utf-8"?>
+<p:notes xmlns:a="http://schemas.openxmlformats.org/drawingml/2006/main" xmlns:r="http://schemas.openxmlformats.org/officeDocument/2006/relationships" xmlns:p="http://schemas.openxmlformats.org/presentationml/2006/main">
+  <p:cSld>
+    <p:spTree>
+      <p:nvGrpSpPr>
+        <p:cNvPr id="1" name=""/>
+        <p:cNvGrpSpPr/>
+        <p:nvPr/>
+      </p:nvGrpSpPr>
+      <p:grpSpPr>
+        <a:xfrm>
+          <a:off x="0" y="0"/>
+          <a:ext cx="0" cy="0"/>
+          <a:chOff x="0" y="0"/>
+          <a:chExt cx="0" cy="0"/>
+        </a:xfrm>
+      </p:grpSpPr>
+      <p:sp>
+        <p:nvSpPr>
+          <p:cNvPr id="2" name="幻灯片图像占位符 1"/>
+          <p:cNvSpPr>
+            <a:spLocks noGrp="1" noRot="1" noChangeAspect="1"/>
+          </p:cNvSpPr>
+          <p:nvPr>
+            <p:ph type="sldImg"/>
+          </p:nvPr>
+        </p:nvSpPr>
+        <p:spPr/>
+      </p:sp>
+      <p:sp>
+        <p:nvSpPr>
+          <p:cNvPr id="3" name="备注占位符 2"/>
+          <p:cNvSpPr>
+            <a:spLocks noGrp="1"/>
+          </p:cNvSpPr>
+          <p:nvPr>
+            <p:ph type="body" idx="1"/>
+          </p:nvPr>
+        </p:nvSpPr>
+        <p:spPr/>
+        <p:txBody>
+          <a:bodyPr/>
+          <a:lstStyle/>
+          <a:p>
+            <a:endParaRPr lang="zh-CN" altLang="en-US" dirty="0"/>
+          </a:p>
+        </p:txBody>
+      </p:sp>
+      <p:sp>
+        <p:nvSpPr>
+          <p:cNvPr id="4" name="灯片编号占位符 3"/>
+          <p:cNvSpPr>
+            <a:spLocks noGrp="1"/>
+          </p:cNvSpPr>
+          <p:nvPr>
+            <p:ph type="sldNum" sz="quarter" idx="5"/>
+          </p:nvPr>
+        </p:nvSpPr>
+        <p:spPr/>
+        <p:txBody>
+          <a:bodyPr/>
+          <a:lstStyle/>
+          <a:p>
+            <a:fld id="{2B735503-9D21-443F-BC18-5459550EB72F}" type="slidenum">
+              <a:rPr lang="zh-CN" altLang="en-US" smtClean="0"/>
+              <a:t>22</a:t>
+            </a:fld>
+            <a:endParaRPr lang="zh-CN" altLang="en-US"/>
+          </a:p>
+        </p:txBody>
+      </p:sp>
+    </p:spTree>
+    <p:extLst>
+      <p:ext uri="{BB962C8B-B14F-4D97-AF65-F5344CB8AC3E}">
+        <p14:creationId xmlns:p14="http://schemas.microsoft.com/office/powerpoint/2010/main" val="1539725000"/>
+      </p:ext>
+    </p:extLst>
+  </p:cSld>
+  <p:clrMapOvr>
+    <a:masterClrMapping/>
+  </p:clrMapOvr>
+</p:notes>
+</file>
+
+<file path=ppt/notesSlides/notesSlide12.xml><?xml version="1.0" encoding="utf-8"?>
+<p:notes xmlns:a="http://schemas.openxmlformats.org/drawingml/2006/main" xmlns:r="http://schemas.openxmlformats.org/officeDocument/2006/relationships" xmlns:p="http://schemas.openxmlformats.org/presentationml/2006/main">
+  <p:cSld>
+    <p:spTree>
+      <p:nvGrpSpPr>
+        <p:cNvPr id="1" name=""/>
+        <p:cNvGrpSpPr/>
+        <p:nvPr/>
+      </p:nvGrpSpPr>
+      <p:grpSpPr>
+        <a:xfrm>
+          <a:off x="0" y="0"/>
+          <a:ext cx="0" cy="0"/>
+          <a:chOff x="0" y="0"/>
+          <a:chExt cx="0" cy="0"/>
+        </a:xfrm>
+      </p:grpSpPr>
+      <p:sp>
+        <p:nvSpPr>
+          <p:cNvPr id="2" name="幻灯片图像占位符 1"/>
+          <p:cNvSpPr>
+            <a:spLocks noGrp="1" noRot="1" noChangeAspect="1"/>
+          </p:cNvSpPr>
+          <p:nvPr>
+            <p:ph type="sldImg"/>
+          </p:nvPr>
+        </p:nvSpPr>
+        <p:spPr/>
+      </p:sp>
+      <p:sp>
+        <p:nvSpPr>
+          <p:cNvPr id="3" name="备注占位符 2"/>
+          <p:cNvSpPr>
+            <a:spLocks noGrp="1"/>
+          </p:cNvSpPr>
+          <p:nvPr>
+            <p:ph type="body" idx="1"/>
+          </p:nvPr>
+        </p:nvSpPr>
+        <p:spPr/>
+        <p:txBody>
+          <a:bodyPr/>
+          <a:lstStyle/>
+          <a:p>
+            <a:endParaRPr lang="zh-CN" altLang="en-US" sz="1200" b="0" i="0" kern="1200" smtClean="0">
+              <a:solidFill>
+                <a:schemeClr val="tx1"/>
+              </a:solidFill>
+              <a:effectLst/>
+              <a:latin typeface="+mn-lt"/>
+              <a:ea typeface="+mn-ea"/>
+              <a:cs typeface="+mn-cs"/>
+            </a:endParaRPr>
+          </a:p>
+        </p:txBody>
+      </p:sp>
+      <p:sp>
+        <p:nvSpPr>
+          <p:cNvPr id="4" name="灯片编号占位符 3"/>
+          <p:cNvSpPr>
+            <a:spLocks noGrp="1"/>
+          </p:cNvSpPr>
+          <p:nvPr>
+            <p:ph type="sldNum" sz="quarter" idx="10"/>
+          </p:nvPr>
+        </p:nvSpPr>
+        <p:spPr/>
+        <p:txBody>
+          <a:bodyPr/>
+          <a:lstStyle/>
+          <a:p>
+            <a:fld id="{2B735503-9D21-443F-BC18-5459550EB72F}" type="slidenum">
+              <a:rPr lang="zh-CN" altLang="en-US" smtClean="0"/>
+              <a:t>24</a:t>
+            </a:fld>
+            <a:endParaRPr lang="zh-CN" altLang="en-US"/>
+          </a:p>
+        </p:txBody>
+      </p:sp>
+    </p:spTree>
+    <p:extLst>
+      <p:ext uri="{BB962C8B-B14F-4D97-AF65-F5344CB8AC3E}">
+        <p14:creationId xmlns:p14="http://schemas.microsoft.com/office/powerpoint/2010/main" val="3564749519"/>
+      </p:ext>
+    </p:extLst>
+  </p:cSld>
+  <p:clrMapOvr>
+    <a:masterClrMapping/>
+  </p:clrMapOvr>
+</p:notes>
+</file>
+
 <file path=ppt/notesSlides/notesSlide2.xml><?xml version="1.0" encoding="utf-8"?>
 <p:notes xmlns:a="http://schemas.openxmlformats.org/drawingml/2006/main" xmlns:r="http://schemas.openxmlformats.org/officeDocument/2006/relationships" xmlns:p="http://schemas.openxmlformats.org/presentationml/2006/main">
   <p:cSld>
@@ -999,7 +1262,7 @@
     </p:spTree>
     <p:extLst>
       <p:ext uri="{BB962C8B-B14F-4D97-AF65-F5344CB8AC3E}">
-        <p14:creationId xmlns:p14="http://schemas.microsoft.com/office/powerpoint/2010/main" val="353704886"/>
+        <p14:creationId xmlns:p14="http://schemas.microsoft.com/office/powerpoint/2010/main" val="27182683"/>
       </p:ext>
     </p:extLst>
   </p:cSld>
@@ -1085,7 +1348,7 @@
     </p:spTree>
     <p:extLst>
       <p:ext uri="{BB962C8B-B14F-4D97-AF65-F5344CB8AC3E}">
-        <p14:creationId xmlns:p14="http://schemas.microsoft.com/office/powerpoint/2010/main" val="2176782097"/>
+        <p14:creationId xmlns:p14="http://schemas.microsoft.com/office/powerpoint/2010/main" val="577861255"/>
       </p:ext>
     </p:extLst>
   </p:cSld>
@@ -1139,18 +1402,24 @@
           <a:bodyPr/>
           <a:lstStyle/>
           <a:p>
-            <a:endParaRPr lang="zh-CN" altLang="en-US"/>
+            <a:endParaRPr lang="zh-CN" altLang="en-US" dirty="0"/>
           </a:p>
         </p:txBody>
       </p:sp>
       <p:sp>
         <p:nvSpPr>
-          <p:cNvPr id="4" name="灯片编号占位符 3"/>
+          <p:cNvPr id="5" name="页脚占位符 4">
+            <a:extLst>
+              <a:ext uri="{FF2B5EF4-FFF2-40B4-BE49-F238E27FC236}">
+                <a16:creationId xmlns="" xmlns:a16="http://schemas.microsoft.com/office/drawing/2014/main" id="{34E2B2ED-BCBA-6CD5-24CF-41B319692AA8}"/>
+              </a:ext>
+            </a:extLst>
+          </p:cNvPr>
           <p:cNvSpPr>
             <a:spLocks noGrp="1"/>
           </p:cNvSpPr>
           <p:nvPr>
-            <p:ph type="sldNum" sz="quarter" idx="10"/>
+            <p:ph type="ftr" sz="quarter" idx="4"/>
           </p:nvPr>
         </p:nvSpPr>
         <p:spPr/>
@@ -1158,10 +1427,6 @@
           <a:bodyPr/>
           <a:lstStyle/>
           <a:p>
-            <a:fld id="{2B735503-9D21-443F-BC18-5459550EB72F}" type="slidenum">
-              <a:rPr lang="zh-CN" altLang="en-US" smtClean="0"/>
-              <a:t>17</a:t>
-            </a:fld>
             <a:endParaRPr lang="zh-CN" altLang="en-US"/>
           </a:p>
         </p:txBody>
@@ -1169,7 +1434,7 @@
     </p:spTree>
     <p:extLst>
       <p:ext uri="{BB962C8B-B14F-4D97-AF65-F5344CB8AC3E}">
-        <p14:creationId xmlns:p14="http://schemas.microsoft.com/office/powerpoint/2010/main" val="2834868723"/>
+        <p14:creationId xmlns:p14="http://schemas.microsoft.com/office/powerpoint/2010/main" val="353704886"/>
       </p:ext>
     </p:extLst>
   </p:cSld>
@@ -1229,12 +1494,18 @@
       </p:sp>
       <p:sp>
         <p:nvSpPr>
-          <p:cNvPr id="4" name="灯片编号占位符 3"/>
+          <p:cNvPr id="5" name="页脚占位符 4">
+            <a:extLst>
+              <a:ext uri="{FF2B5EF4-FFF2-40B4-BE49-F238E27FC236}">
+                <a16:creationId xmlns="" xmlns:a16="http://schemas.microsoft.com/office/drawing/2014/main" id="{34E2B2ED-BCBA-6CD5-24CF-41B319692AA8}"/>
+              </a:ext>
+            </a:extLst>
+          </p:cNvPr>
           <p:cNvSpPr>
             <a:spLocks noGrp="1"/>
           </p:cNvSpPr>
           <p:nvPr>
-            <p:ph type="sldNum" sz="quarter" idx="5"/>
+            <p:ph type="ftr" sz="quarter" idx="4"/>
           </p:nvPr>
         </p:nvSpPr>
         <p:spPr/>
@@ -1242,10 +1513,6 @@
           <a:bodyPr/>
           <a:lstStyle/>
           <a:p>
-            <a:fld id="{2B735503-9D21-443F-BC18-5459550EB72F}" type="slidenum">
-              <a:rPr lang="zh-CN" altLang="en-US" smtClean="0"/>
-              <a:t>20</a:t>
-            </a:fld>
             <a:endParaRPr lang="zh-CN" altLang="en-US"/>
           </a:p>
         </p:txBody>
@@ -1253,7 +1520,7 @@
     </p:spTree>
     <p:extLst>
       <p:ext uri="{BB962C8B-B14F-4D97-AF65-F5344CB8AC3E}">
-        <p14:creationId xmlns:p14="http://schemas.microsoft.com/office/powerpoint/2010/main" val="1539725000"/>
+        <p14:creationId xmlns:p14="http://schemas.microsoft.com/office/powerpoint/2010/main" val="2176782097"/>
       </p:ext>
     </p:extLst>
   </p:cSld>
@@ -12501,35 +12768,7 @@
                 <a:cs typeface="+mn-ea"/>
                 <a:sym typeface="+mn-lt"/>
               </a:rPr>
-              <a:t>人类转型</a:t>
-            </a:r>
-            <a:r>
-              <a:rPr lang="zh-CN" altLang="en-US" sz="3200" smtClean="0">
-                <a:solidFill>
-                  <a:schemeClr val="accent2">
-                    <a:lumMod val="75000"/>
-                  </a:schemeClr>
-                </a:solidFill>
-                <a:latin typeface="+mn-lt"/>
-                <a:ea typeface="+mn-ea"/>
-                <a:cs typeface="+mn-ea"/>
-                <a:sym typeface="+mn-lt"/>
-              </a:rPr>
-              <a:t>时代的设计</a:t>
-            </a:r>
-            <a:r>
-              <a:rPr lang="zh-CN" altLang="en-US" sz="3200" smtClean="0">
-                <a:solidFill>
-                  <a:schemeClr val="accent2">
-                    <a:lumMod val="75000"/>
-                  </a:schemeClr>
-                </a:solidFill>
-                <a:latin typeface="+mn-lt"/>
-                <a:ea typeface="+mn-ea"/>
-                <a:cs typeface="+mn-ea"/>
-                <a:sym typeface="+mn-lt"/>
-              </a:rPr>
-              <a:t>体验：</a:t>
+              <a:t>人类转型时代的设计体验：</a:t>
             </a:r>
             <a:r>
               <a:rPr lang="zh-CN" altLang="en-US" sz="3200">
@@ -12626,68 +12865,61 @@
         <p:spPr>
           <a:xfrm>
             <a:off x="5109550" y="4072505"/>
-            <a:ext cx="3764575" cy="415788"/>
+            <a:ext cx="4138082" cy="415788"/>
           </a:xfrm>
         </p:spPr>
         <p:txBody>
           <a:bodyPr>
-            <a:normAutofit fontScale="85000" lnSpcReduction="10000"/>
+            <a:normAutofit fontScale="92500"/>
           </a:bodyPr>
           <a:lstStyle/>
           <a:p>
+            <a:pPr algn="l"/>
             <a:r>
-              <a:rPr lang="en-US" altLang="zh-CN" dirty="0">
-                <a:cs typeface="+mn-ea"/>
-                <a:sym typeface="+mn-lt"/>
-              </a:rPr>
-              <a:t>From: </a:t>
-            </a:r>
-            <a:r>
-              <a:rPr lang="en-US" altLang="zh-CN" sz="1800" dirty="0">
+              <a:rPr lang="en-US" altLang="zh-CN" smtClean="0">
                 <a:solidFill>
                   <a:srgbClr val="231F20"/>
                 </a:solidFill>
                 <a:effectLst/>
               </a:rPr>
-              <a:t>Annals of </a:t>
+              <a:t>Annals </a:t>
             </a:r>
             <a:r>
-              <a:rPr lang="en-US" altLang="zh-CN" sz="1800">
+              <a:rPr lang="en-US" altLang="zh-CN" dirty="0">
                 <a:solidFill>
                   <a:srgbClr val="231F20"/>
                 </a:solidFill>
                 <a:effectLst/>
               </a:rPr>
-              <a:t>Tourism Research</a:t>
+              <a:t>of </a:t>
             </a:r>
             <a:r>
-              <a:rPr lang="zh-CN" altLang="en-US" sz="1800">
+              <a:rPr lang="en-US" altLang="zh-CN">
                 <a:solidFill>
                   <a:srgbClr val="231F20"/>
                 </a:solidFill>
                 <a:effectLst/>
               </a:rPr>
-              <a:t>（</a:t>
+              <a:t>Tourism </a:t>
             </a:r>
             <a:r>
-              <a:rPr lang="en-US" altLang="zh-CN" sz="1800">
+              <a:rPr lang="en-US" altLang="zh-CN" smtClean="0">
                 <a:solidFill>
                   <a:srgbClr val="231F20"/>
                 </a:solidFill>
                 <a:effectLst/>
               </a:rPr>
-              <a:t>2021</a:t>
+              <a:t>Research</a:t>
             </a:r>
             <a:r>
-              <a:rPr lang="zh-CN" altLang="en-US" sz="1800">
+              <a:rPr lang="en-US" altLang="zh-CN">
                 <a:solidFill>
                   <a:srgbClr val="231F20"/>
                 </a:solidFill>
-                <a:effectLst/>
               </a:rPr>
-              <a:t>）</a:t>
+              <a:t>(2021, Volume 91)</a:t>
             </a:r>
-            <a:endParaRPr lang="en-GB" dirty="0">
+            <a:endParaRPr lang="en-GB" sz="1400" dirty="0">
               <a:cs typeface="+mn-ea"/>
               <a:sym typeface="+mn-lt"/>
             </a:endParaRPr>
@@ -12821,6 +13053,246 @@
           </a:extLst>
         </p:spPr>
       </p:pic>
+      <p:sp>
+        <p:nvSpPr>
+          <p:cNvPr id="10" name="îśḻiḋé">
+            <a:extLst>
+              <a:ext uri="{FF2B5EF4-FFF2-40B4-BE49-F238E27FC236}">
+                <a16:creationId xmlns="" xmlns:a16="http://schemas.microsoft.com/office/drawing/2014/main" id="{DCDA415B-D2CA-4B5D-946C-BED37DC879BE}"/>
+              </a:ext>
+            </a:extLst>
+          </p:cNvPr>
+          <p:cNvSpPr txBox="1">
+            <a:spLocks/>
+          </p:cNvSpPr>
+          <p:nvPr/>
+        </p:nvSpPr>
+        <p:spPr>
+          <a:xfrm>
+            <a:off x="5109550" y="4438786"/>
+            <a:ext cx="3764574" cy="415788"/>
+          </a:xfrm>
+          <a:prstGeom prst="rect">
+            <a:avLst/>
+          </a:prstGeom>
+        </p:spPr>
+        <p:txBody>
+          <a:bodyPr vert="horz" lIns="91440" tIns="45720" rIns="91440" bIns="45720" rtlCol="0" anchor="ctr" anchorCtr="0">
+            <a:noAutofit/>
+          </a:bodyPr>
+          <a:lstStyle>
+            <a:lvl1pPr marL="0" indent="0" algn="ctr" defTabSz="914400" rtl="0" eaLnBrk="1" latinLnBrk="0" hangingPunct="1">
+              <a:lnSpc>
+                <a:spcPct val="90000"/>
+              </a:lnSpc>
+              <a:spcBef>
+                <a:spcPts val="0"/>
+              </a:spcBef>
+              <a:buFont typeface="Arial" panose="020B0604020202020204" pitchFamily="34" charset="0"/>
+              <a:buNone/>
+              <a:defRPr lang="zh-CN" altLang="en-US" sz="1600" kern="1200">
+                <a:solidFill>
+                  <a:schemeClr val="tx1"/>
+                </a:solidFill>
+                <a:latin typeface="+mn-lt"/>
+                <a:ea typeface="+mn-ea"/>
+                <a:cs typeface="+mn-cs"/>
+              </a:defRPr>
+            </a:lvl1pPr>
+            <a:lvl2pPr marL="685800" indent="-228600" algn="l" defTabSz="914400" rtl="0" eaLnBrk="1" latinLnBrk="0" hangingPunct="1">
+              <a:lnSpc>
+                <a:spcPct val="90000"/>
+              </a:lnSpc>
+              <a:spcBef>
+                <a:spcPts val="500"/>
+              </a:spcBef>
+              <a:buFont typeface="Arial" panose="020B0604020202020204" pitchFamily="34" charset="0"/>
+              <a:buChar char="•"/>
+              <a:defRPr sz="1600" kern="1200">
+                <a:solidFill>
+                  <a:schemeClr val="tx1"/>
+                </a:solidFill>
+                <a:latin typeface="+mn-lt"/>
+                <a:ea typeface="+mn-ea"/>
+                <a:cs typeface="+mn-cs"/>
+              </a:defRPr>
+            </a:lvl2pPr>
+            <a:lvl3pPr marL="1143000" indent="-228600" algn="l" defTabSz="914400" rtl="0" eaLnBrk="1" latinLnBrk="0" hangingPunct="1">
+              <a:lnSpc>
+                <a:spcPct val="90000"/>
+              </a:lnSpc>
+              <a:spcBef>
+                <a:spcPts val="500"/>
+              </a:spcBef>
+              <a:buFont typeface="Arial" panose="020B0604020202020204" pitchFamily="34" charset="0"/>
+              <a:buChar char="•"/>
+              <a:defRPr sz="1400" kern="1200">
+                <a:solidFill>
+                  <a:schemeClr val="tx1"/>
+                </a:solidFill>
+                <a:latin typeface="+mn-lt"/>
+                <a:ea typeface="+mn-ea"/>
+                <a:cs typeface="+mn-cs"/>
+              </a:defRPr>
+            </a:lvl3pPr>
+            <a:lvl4pPr marL="1600200" indent="-228600" algn="l" defTabSz="914400" rtl="0" eaLnBrk="1" latinLnBrk="0" hangingPunct="1">
+              <a:lnSpc>
+                <a:spcPct val="90000"/>
+              </a:lnSpc>
+              <a:spcBef>
+                <a:spcPts val="500"/>
+              </a:spcBef>
+              <a:buFont typeface="Arial" panose="020B0604020202020204" pitchFamily="34" charset="0"/>
+              <a:buChar char="•"/>
+              <a:defRPr sz="1200" kern="1200">
+                <a:solidFill>
+                  <a:schemeClr val="tx1"/>
+                </a:solidFill>
+                <a:latin typeface="+mn-lt"/>
+                <a:ea typeface="+mn-ea"/>
+                <a:cs typeface="+mn-cs"/>
+              </a:defRPr>
+            </a:lvl4pPr>
+            <a:lvl5pPr marL="2057400" indent="-228600" algn="l" defTabSz="914400" rtl="0" eaLnBrk="1" latinLnBrk="0" hangingPunct="1">
+              <a:lnSpc>
+                <a:spcPct val="90000"/>
+              </a:lnSpc>
+              <a:spcBef>
+                <a:spcPts val="500"/>
+              </a:spcBef>
+              <a:buFont typeface="Arial" panose="020B0604020202020204" pitchFamily="34" charset="0"/>
+              <a:buChar char="•"/>
+              <a:defRPr sz="1200" kern="1200">
+                <a:solidFill>
+                  <a:schemeClr val="tx1"/>
+                </a:solidFill>
+                <a:latin typeface="+mn-lt"/>
+                <a:ea typeface="+mn-ea"/>
+                <a:cs typeface="+mn-cs"/>
+              </a:defRPr>
+            </a:lvl5pPr>
+            <a:lvl6pPr marL="2514600" indent="-228600" algn="l" defTabSz="914400" rtl="0" eaLnBrk="1" latinLnBrk="0" hangingPunct="1">
+              <a:lnSpc>
+                <a:spcPct val="90000"/>
+              </a:lnSpc>
+              <a:spcBef>
+                <a:spcPts val="500"/>
+              </a:spcBef>
+              <a:buFont typeface="Arial" panose="020B0604020202020204" pitchFamily="34" charset="0"/>
+              <a:buChar char="•"/>
+              <a:defRPr sz="1800" kern="1200">
+                <a:solidFill>
+                  <a:schemeClr val="tx1"/>
+                </a:solidFill>
+                <a:latin typeface="+mn-lt"/>
+                <a:ea typeface="+mn-ea"/>
+                <a:cs typeface="+mn-cs"/>
+              </a:defRPr>
+            </a:lvl6pPr>
+            <a:lvl7pPr marL="2971800" indent="-228600" algn="l" defTabSz="914400" rtl="0" eaLnBrk="1" latinLnBrk="0" hangingPunct="1">
+              <a:lnSpc>
+                <a:spcPct val="90000"/>
+              </a:lnSpc>
+              <a:spcBef>
+                <a:spcPts val="500"/>
+              </a:spcBef>
+              <a:buFont typeface="Arial" panose="020B0604020202020204" pitchFamily="34" charset="0"/>
+              <a:buChar char="•"/>
+              <a:defRPr sz="1800" kern="1200">
+                <a:solidFill>
+                  <a:schemeClr val="tx1"/>
+                </a:solidFill>
+                <a:latin typeface="+mn-lt"/>
+                <a:ea typeface="+mn-ea"/>
+                <a:cs typeface="+mn-cs"/>
+              </a:defRPr>
+            </a:lvl7pPr>
+            <a:lvl8pPr marL="3429000" indent="-228600" algn="l" defTabSz="914400" rtl="0" eaLnBrk="1" latinLnBrk="0" hangingPunct="1">
+              <a:lnSpc>
+                <a:spcPct val="90000"/>
+              </a:lnSpc>
+              <a:spcBef>
+                <a:spcPts val="500"/>
+              </a:spcBef>
+              <a:buFont typeface="Arial" panose="020B0604020202020204" pitchFamily="34" charset="0"/>
+              <a:buChar char="•"/>
+              <a:defRPr sz="1800" kern="1200">
+                <a:solidFill>
+                  <a:schemeClr val="tx1"/>
+                </a:solidFill>
+                <a:latin typeface="+mn-lt"/>
+                <a:ea typeface="+mn-ea"/>
+                <a:cs typeface="+mn-cs"/>
+              </a:defRPr>
+            </a:lvl8pPr>
+            <a:lvl9pPr marL="3886200" indent="-228600" algn="l" defTabSz="914400" rtl="0" eaLnBrk="1" latinLnBrk="0" hangingPunct="1">
+              <a:lnSpc>
+                <a:spcPct val="90000"/>
+              </a:lnSpc>
+              <a:spcBef>
+                <a:spcPts val="500"/>
+              </a:spcBef>
+              <a:buFont typeface="Arial" panose="020B0604020202020204" pitchFamily="34" charset="0"/>
+              <a:buChar char="•"/>
+              <a:defRPr sz="1800" kern="1200">
+                <a:solidFill>
+                  <a:schemeClr val="tx1"/>
+                </a:solidFill>
+                <a:latin typeface="+mn-lt"/>
+                <a:ea typeface="+mn-ea"/>
+                <a:cs typeface="+mn-cs"/>
+              </a:defRPr>
+            </a:lvl9pPr>
+          </a:lstStyle>
+          <a:p>
+            <a:pPr algn="l">
+              <a:spcBef>
+                <a:spcPts val="600"/>
+              </a:spcBef>
+            </a:pPr>
+            <a:r>
+              <a:rPr lang="en-US" altLang="zh-CN" sz="1200"/>
+              <a:t>Barbara </a:t>
+            </a:r>
+            <a:r>
+              <a:rPr lang="en-US" altLang="zh-CN" sz="1200" smtClean="0"/>
+              <a:t>Neuhofer</a:t>
+            </a:r>
+            <a:endParaRPr lang="en-US" altLang="zh-CN" sz="1200"/>
+          </a:p>
+          <a:p>
+            <a:pPr algn="l">
+              <a:spcBef>
+                <a:spcPts val="600"/>
+              </a:spcBef>
+            </a:pPr>
+            <a:r>
+              <a:rPr lang="en-US" altLang="zh-CN" sz="1200" smtClean="0"/>
+              <a:t>Salzburg </a:t>
+            </a:r>
+            <a:r>
+              <a:rPr lang="en-US" altLang="zh-CN" sz="1200"/>
+              <a:t>University of Applied </a:t>
+            </a:r>
+            <a:r>
+              <a:rPr lang="en-US" altLang="zh-CN" sz="1200" smtClean="0"/>
+              <a:t>Sciences(</a:t>
+            </a:r>
+            <a:r>
+              <a:rPr lang="en-US" altLang="zh-CN" sz="1200"/>
+              <a:t>Austria</a:t>
+            </a:r>
+            <a:r>
+              <a:rPr lang="en-US" altLang="zh-CN" sz="1200" smtClean="0"/>
+              <a:t>)</a:t>
+            </a:r>
+            <a:endParaRPr lang="en-US" sz="1200" dirty="0">
+              <a:cs typeface="+mn-ea"/>
+              <a:sym typeface="+mn-lt"/>
+            </a:endParaRPr>
+          </a:p>
+        </p:txBody>
+      </p:sp>
     </p:spTree>
     <p:custDataLst>
       <p:tags r:id="rId2"/>
@@ -13451,7 +13923,7 @@
                         <a:t>来源：</a:t>
                       </a:r>
                       <a:r>
-                        <a:rPr kumimoji="1" lang="en-US" altLang="zh-CN" sz="1400" dirty="0">
+                        <a:rPr kumimoji="1" lang="en-US" altLang="zh-CN" sz="1400">
                           <a:solidFill>
                             <a:schemeClr val="tx1"/>
                           </a:solidFill>
@@ -13461,17 +13933,27 @@
                         <a:t>INS</a:t>
                       </a:r>
                       <a:r>
-                        <a:rPr kumimoji="1" lang="zh-CN" altLang="en-US" sz="1400" dirty="0">
+                        <a:rPr kumimoji="1" lang="zh-CN" altLang="en-US" sz="1400" smtClean="0">
                           <a:solidFill>
                             <a:schemeClr val="tx1"/>
                           </a:solidFill>
                           <a:cs typeface="+mn-ea"/>
                           <a:sym typeface="+mn-lt"/>
                         </a:rPr>
-                        <a:t>话题（</a:t>
+                        <a:t>话题</a:t>
                       </a:r>
                       <a:r>
-                        <a:rPr kumimoji="1" lang="en-US" altLang="zh-CN" sz="1400" dirty="0">
+                        <a:rPr kumimoji="1" lang="en-US" altLang="zh-CN" sz="1400" smtClean="0">
+                          <a:solidFill>
+                            <a:schemeClr val="tx1"/>
+                          </a:solidFill>
+                          <a:cs typeface="+mn-ea"/>
+                          <a:sym typeface="+mn-lt"/>
+                        </a:rPr>
+                        <a:t>(</a:t>
+                      </a:r>
+                      <a:r>
+                        <a:rPr kumimoji="1" lang="en-US" altLang="zh-CN" sz="1400">
                           <a:solidFill>
                             <a:schemeClr val="tx1"/>
                           </a:solidFill>
@@ -13481,14 +13963,24 @@
                         <a:t>#burningman2019</a:t>
                       </a:r>
                       <a:r>
-                        <a:rPr kumimoji="1" lang="zh-CN" altLang="en-US" sz="1400" dirty="0">
+                        <a:rPr kumimoji="1" lang="en-US" altLang="zh-CN" sz="1400" smtClean="0">
                           <a:solidFill>
                             <a:schemeClr val="tx1"/>
                           </a:solidFill>
                           <a:cs typeface="+mn-ea"/>
                           <a:sym typeface="+mn-lt"/>
                         </a:rPr>
-                        <a:t>）数据</a:t>
+                        <a:t>)</a:t>
+                      </a:r>
+                      <a:r>
+                        <a:rPr kumimoji="1" lang="zh-CN" altLang="en-US" sz="1400" smtClean="0">
+                          <a:solidFill>
+                            <a:schemeClr val="tx1"/>
+                          </a:solidFill>
+                          <a:cs typeface="+mn-ea"/>
+                          <a:sym typeface="+mn-lt"/>
+                        </a:rPr>
+                        <a:t>数据</a:t>
                       </a:r>
                       <a:endParaRPr kumimoji="1" lang="en-US" altLang="zh-CN" sz="1400" dirty="0">
                         <a:solidFill>
@@ -13790,6 +14282,46 @@
                         <a:t>原理：</a:t>
                       </a:r>
                       <a:r>
+                        <a:rPr kumimoji="1" lang="zh-CN" altLang="en-US" sz="1400">
+                          <a:solidFill>
+                            <a:schemeClr val="tx1"/>
+                          </a:solidFill>
+                          <a:cs typeface="+mn-ea"/>
+                          <a:sym typeface="+mn-lt"/>
+                        </a:rPr>
+                        <a:t>拓扑</a:t>
+                      </a:r>
+                      <a:r>
+                        <a:rPr kumimoji="1" lang="zh-CN" altLang="en-US" sz="1400" smtClean="0">
+                          <a:solidFill>
+                            <a:schemeClr val="tx1"/>
+                          </a:solidFill>
+                          <a:cs typeface="+mn-ea"/>
+                          <a:sym typeface="+mn-lt"/>
+                        </a:rPr>
+                        <a:t>数据分析</a:t>
+                      </a:r>
+                      <a:r>
+                        <a:rPr kumimoji="1" lang="en-US" altLang="zh-CN" sz="1400">
+                          <a:solidFill>
+                            <a:schemeClr val="tx1"/>
+                          </a:solidFill>
+                          <a:cs typeface="+mn-ea"/>
+                          <a:sym typeface="+mn-lt"/>
+                        </a:rPr>
+                        <a:t>(TDA)</a:t>
+                      </a:r>
+                      <a:r>
+                        <a:rPr kumimoji="1" lang="zh-CN" altLang="en-US" sz="1400" smtClean="0">
+                          <a:solidFill>
+                            <a:schemeClr val="tx1"/>
+                          </a:solidFill>
+                          <a:cs typeface="+mn-ea"/>
+                          <a:sym typeface="+mn-lt"/>
+                        </a:rPr>
+                        <a:t>和</a:t>
+                      </a:r>
+                      <a:r>
                         <a:rPr kumimoji="1" lang="zh-CN" altLang="en-US" sz="1400" dirty="0">
                           <a:solidFill>
                             <a:schemeClr val="tx1"/>
@@ -13797,7 +14329,57 @@
                           <a:cs typeface="+mn-ea"/>
                           <a:sym typeface="+mn-lt"/>
                         </a:rPr>
-                        <a:t>拓扑数据分析和深度生成模型的结合</a:t>
+                        <a:t>深度</a:t>
+                      </a:r>
+                      <a:r>
+                        <a:rPr kumimoji="1" lang="zh-CN" altLang="en-US" sz="1400">
+                          <a:solidFill>
+                            <a:schemeClr val="tx1"/>
+                          </a:solidFill>
+                          <a:cs typeface="+mn-ea"/>
+                          <a:sym typeface="+mn-lt"/>
+                        </a:rPr>
+                        <a:t>生成</a:t>
+                      </a:r>
+                      <a:r>
+                        <a:rPr kumimoji="1" lang="zh-CN" altLang="en-US" sz="1400" smtClean="0">
+                          <a:solidFill>
+                            <a:schemeClr val="tx1"/>
+                          </a:solidFill>
+                          <a:cs typeface="+mn-ea"/>
+                          <a:sym typeface="+mn-lt"/>
+                        </a:rPr>
+                        <a:t>模型</a:t>
+                      </a:r>
+                      <a:r>
+                        <a:rPr kumimoji="1" lang="en-US" altLang="zh-CN" sz="1400">
+                          <a:solidFill>
+                            <a:schemeClr val="tx1"/>
+                          </a:solidFill>
+                          <a:cs typeface="+mn-ea"/>
+                          <a:sym typeface="+mn-lt"/>
+                        </a:rPr>
+                        <a:t>(DGM)</a:t>
+                      </a:r>
+                      <a:r>
+                        <a:rPr kumimoji="1" lang="zh-CN" altLang="en-US" sz="1400" smtClean="0">
+                          <a:solidFill>
+                            <a:schemeClr val="tx1"/>
+                          </a:solidFill>
+                          <a:cs typeface="+mn-ea"/>
+                          <a:sym typeface="+mn-lt"/>
+                        </a:rPr>
+                        <a:t>的</a:t>
+                      </a:r>
+                      <a:r>
+                        <a:rPr kumimoji="1" lang="zh-CN" altLang="en-US" sz="1400" dirty="0">
+                          <a:solidFill>
+                            <a:schemeClr val="tx1"/>
+                          </a:solidFill>
+                          <a:cs typeface="+mn-ea"/>
+                          <a:sym typeface="+mn-lt"/>
+                        </a:rPr>
+                        <a:t>结合</a:t>
                       </a:r>
                       <a:endParaRPr kumimoji="1" lang="en-US" altLang="zh-CN" sz="1400" dirty="0">
                         <a:solidFill>
@@ -13814,7 +14396,7 @@
                         </a:lnSpc>
                       </a:pPr>
                       <a:r>
-                        <a:rPr kumimoji="1" lang="zh-CN" altLang="en-US" sz="1400" b="1" dirty="0">
+                        <a:rPr kumimoji="1" lang="zh-CN" altLang="en-US" sz="1400" b="1" smtClean="0">
                           <a:solidFill>
                             <a:schemeClr val="tx1"/>
                           </a:solidFill>
@@ -13824,26 +14406,6 @@
                         <a:t>目的：</a:t>
                       </a:r>
                       <a:r>
-                        <a:rPr kumimoji="1" lang="zh-CN" altLang="en-US" sz="1400" dirty="0">
-                          <a:solidFill>
-                            <a:schemeClr val="tx1"/>
-                          </a:solidFill>
-                          <a:cs typeface="+mn-ea"/>
-                          <a:sym typeface="+mn-lt"/>
-                        </a:rPr>
-                        <a:t>识别帖子</a:t>
-                      </a:r>
-                      <a:r>
-                        <a:rPr kumimoji="1" lang="zh-CN" altLang="en-US" sz="1400">
-                          <a:solidFill>
-                            <a:schemeClr val="tx1"/>
-                          </a:solidFill>
-                          <a:cs typeface="+mn-ea"/>
-                          <a:sym typeface="+mn-lt"/>
-                        </a:rPr>
-                        <a:t>中</a:t>
-                      </a:r>
-                      <a:r>
                         <a:rPr kumimoji="1" lang="zh-CN" altLang="en-US" sz="1400" smtClean="0">
                           <a:solidFill>
                             <a:schemeClr val="tx1"/>
@@ -13851,37 +14413,7 @@
                           <a:cs typeface="+mn-ea"/>
                           <a:sym typeface="+mn-lt"/>
                         </a:rPr>
-                        <a:t>诱导</a:t>
-                      </a:r>
-                      <a:r>
-                        <a:rPr kumimoji="1" lang="zh-CN" altLang="en-US" sz="1400">
-                          <a:solidFill>
-                            <a:schemeClr val="tx1"/>
-                          </a:solidFill>
-                          <a:cs typeface="+mn-ea"/>
-                          <a:sym typeface="+mn-lt"/>
-                        </a:rPr>
-                        <a:t>人类</a:t>
-                      </a:r>
-                      <a:r>
-                        <a:rPr kumimoji="1" lang="zh-CN" altLang="en-US" sz="1400" smtClean="0">
-                          <a:solidFill>
-                            <a:schemeClr val="tx1"/>
-                          </a:solidFill>
-                          <a:cs typeface="+mn-ea"/>
-                          <a:sym typeface="+mn-lt"/>
-                        </a:rPr>
-                        <a:t>转型</a:t>
-                      </a:r>
-                      <a:r>
-                        <a:rPr kumimoji="1" lang="zh-CN" altLang="en-US" sz="1400" dirty="0">
-                          <a:solidFill>
-                            <a:schemeClr val="tx1"/>
-                          </a:solidFill>
-                          <a:cs typeface="+mn-ea"/>
-                          <a:sym typeface="+mn-lt"/>
-                        </a:rPr>
-                        <a:t>的社会环境和内在心理因素</a:t>
+                        <a:t>识别诱导人类转型的外部社会环境和内部社会心理因素</a:t>
                       </a:r>
                       <a:endParaRPr kumimoji="1" lang="en-US" altLang="zh-CN" sz="1400" dirty="0">
                         <a:solidFill>
@@ -14021,9 +14553,9 @@
               <p:grpSpPr>
                 <a:xfrm>
                   <a:off x="4344667" y="3446488"/>
-                  <a:ext cx="3489964" cy="2527577"/>
+                  <a:ext cx="3489964" cy="2487566"/>
                   <a:chOff x="7886122" y="3060408"/>
-                  <a:chExt cx="3489964" cy="2527577"/>
+                  <a:chExt cx="3489964" cy="2487566"/>
                 </a:xfrm>
               </p:grpSpPr>
               <p:grpSp>
@@ -14041,9 +14573,9 @@
                 <p:grpSpPr>
                   <a:xfrm>
                     <a:off x="7886122" y="3944470"/>
-                    <a:ext cx="3489964" cy="1643515"/>
+                    <a:ext cx="3489964" cy="1603504"/>
                     <a:chOff x="1188720" y="4853663"/>
-                    <a:chExt cx="3489964" cy="1643515"/>
+                    <a:chExt cx="3489964" cy="1603504"/>
                   </a:xfrm>
                 </p:grpSpPr>
                 <p:sp>
@@ -14061,7 +14593,7 @@
                   <p:spPr>
                     <a:xfrm>
                       <a:off x="1339853" y="5284538"/>
-                      <a:ext cx="3187699" cy="1212640"/>
+                      <a:ext cx="3187699" cy="1172629"/>
                     </a:xfrm>
                     <a:prstGeom prst="rect">
                       <a:avLst/>
@@ -14159,14 +14691,14 @@
                         <a:t>NLP</a:t>
                       </a:r>
                       <a:r>
-                        <a:rPr kumimoji="1" lang="zh-CN" altLang="en-US" sz="1400">
+                        <a:rPr kumimoji="1" lang="zh-CN" altLang="en-US" sz="1400" smtClean="0">
                           <a:solidFill>
                             <a:schemeClr val="tx1"/>
                           </a:solidFill>
                           <a:cs typeface="+mn-ea"/>
                           <a:sym typeface="+mn-lt"/>
                         </a:rPr>
-                        <a:t>库（判断是否为英语）</a:t>
+                        <a:t>库</a:t>
                       </a:r>
                       <a:endParaRPr kumimoji="1" lang="en-US" altLang="zh-CN" sz="1400">
                         <a:solidFill>
@@ -14210,9 +14742,109 @@
                           <a:cs typeface="+mn-ea"/>
                           <a:sym typeface="Wingdings" panose="05000000000000000000" pitchFamily="2" charset="2"/>
                         </a:rPr>
-                        <a:t>官方贴、商业帖、无内容贴、重复贴</a:t>
+                        <a:t>官方贴、商业帖、无内容贴、重复</a:t>
                       </a:r>
-                      <a:endParaRPr kumimoji="1" lang="en-US" altLang="zh-CN" sz="1400" dirty="0">
+                      <a:r>
+                        <a:rPr kumimoji="1" lang="zh-CN" altLang="en-US" sz="1400" smtClean="0">
+                          <a:solidFill>
+                            <a:schemeClr val="tx1"/>
+                          </a:solidFill>
+                          <a:cs typeface="+mn-ea"/>
+                          <a:sym typeface="Wingdings" panose="05000000000000000000" pitchFamily="2" charset="2"/>
+                        </a:rPr>
+                        <a:t>贴</a:t>
+                      </a:r>
+                      <a:r>
+                        <a:rPr kumimoji="1" lang="zh-CN" altLang="en-US" sz="1200" smtClean="0">
+                          <a:solidFill>
+                            <a:schemeClr val="tx1"/>
+                          </a:solidFill>
+                          <a:cs typeface="+mn-ea"/>
+                          <a:sym typeface="Wingdings" panose="05000000000000000000" pitchFamily="2" charset="2"/>
+                        </a:rPr>
+                        <a:t>（剩余总计</a:t>
+                      </a:r>
+                      <a:r>
+                        <a:rPr kumimoji="1" lang="en-US" altLang="zh-CN" sz="1200" smtClean="0">
+                          <a:solidFill>
+                            <a:schemeClr val="tx1"/>
+                          </a:solidFill>
+                          <a:cs typeface="+mn-ea"/>
+                          <a:sym typeface="Wingdings" panose="05000000000000000000" pitchFamily="2" charset="2"/>
+                        </a:rPr>
+                        <a:t>35802</a:t>
+                      </a:r>
+                      <a:r>
+                        <a:rPr kumimoji="1" lang="zh-CN" altLang="en-US" sz="1200" smtClean="0">
+                          <a:solidFill>
+                            <a:schemeClr val="tx1"/>
+                          </a:solidFill>
+                          <a:cs typeface="+mn-ea"/>
+                          <a:sym typeface="Wingdings" panose="05000000000000000000" pitchFamily="2" charset="2"/>
+                        </a:rPr>
+                        <a:t>条，活动前</a:t>
+                      </a:r>
+                      <a:r>
+                        <a:rPr kumimoji="1" lang="en-US" altLang="zh-CN" sz="1200" smtClean="0">
+                          <a:solidFill>
+                            <a:schemeClr val="tx1"/>
+                          </a:solidFill>
+                          <a:cs typeface="+mn-ea"/>
+                          <a:sym typeface="Wingdings" panose="05000000000000000000" pitchFamily="2" charset="2"/>
+                        </a:rPr>
+                        <a:t>8953</a:t>
+                      </a:r>
+                      <a:r>
+                        <a:rPr kumimoji="1" lang="zh-CN" altLang="en-US" sz="1200" smtClean="0">
+                          <a:solidFill>
+                            <a:schemeClr val="tx1"/>
+                          </a:solidFill>
+                          <a:cs typeface="+mn-ea"/>
+                          <a:sym typeface="Wingdings" panose="05000000000000000000" pitchFamily="2" charset="2"/>
+                        </a:rPr>
+                        <a:t>条，活动中</a:t>
+                      </a:r>
+                      <a:r>
+                        <a:rPr kumimoji="1" lang="en-US" altLang="zh-CN" sz="1200" smtClean="0">
+                          <a:solidFill>
+                            <a:schemeClr val="tx1"/>
+                          </a:solidFill>
+                          <a:cs typeface="+mn-ea"/>
+                          <a:sym typeface="Wingdings" panose="05000000000000000000" pitchFamily="2" charset="2"/>
+                        </a:rPr>
+                        <a:t>2840</a:t>
+                      </a:r>
+                      <a:r>
+                        <a:rPr kumimoji="1" lang="zh-CN" altLang="en-US" sz="1200" smtClean="0">
+                          <a:solidFill>
+                            <a:schemeClr val="tx1"/>
+                          </a:solidFill>
+                          <a:cs typeface="+mn-ea"/>
+                          <a:sym typeface="Wingdings" panose="05000000000000000000" pitchFamily="2" charset="2"/>
+                        </a:rPr>
+                        <a:t>条，活动后</a:t>
+                      </a:r>
+                      <a:r>
+                        <a:rPr kumimoji="1" lang="en-US" altLang="zh-CN" sz="1200" smtClean="0">
+                          <a:solidFill>
+                            <a:schemeClr val="tx1"/>
+                          </a:solidFill>
+                          <a:cs typeface="+mn-ea"/>
+                          <a:sym typeface="Wingdings" panose="05000000000000000000" pitchFamily="2" charset="2"/>
+                        </a:rPr>
+                        <a:t>24009</a:t>
+                      </a:r>
+                      <a:r>
+                        <a:rPr kumimoji="1" lang="zh-CN" altLang="en-US" sz="1200" smtClean="0">
+                          <a:solidFill>
+                            <a:schemeClr val="tx1"/>
+                          </a:solidFill>
+                          <a:cs typeface="+mn-ea"/>
+                          <a:sym typeface="Wingdings" panose="05000000000000000000" pitchFamily="2" charset="2"/>
+                        </a:rPr>
+                        <a:t>条）</a:t>
+                      </a:r>
+                      <a:endParaRPr kumimoji="1" lang="en-US" altLang="zh-CN" sz="1200" dirty="0">
                         <a:solidFill>
                           <a:schemeClr val="tx1"/>
                         </a:solidFill>
@@ -14624,7 +15256,7 @@
         <p:spPr>
           <a:xfrm>
             <a:off x="660400" y="3429000"/>
-            <a:ext cx="1916498" cy="987130"/>
+            <a:ext cx="1916498" cy="1015663"/>
           </a:xfrm>
           <a:prstGeom prst="rect">
             <a:avLst/>
@@ -14651,8 +15283,17 @@
             </a:r>
             <a:r>
               <a:rPr lang="zh-CN" altLang="en-US" sz="1600"/>
-              <a:t>深度拓扑数据分析的迭代框架示意图</a:t>
+              <a:t>深度拓扑数据分析的迭代框架</a:t>
             </a:r>
+            <a:r>
+              <a:rPr lang="zh-CN" altLang="en-US" sz="1600" smtClean="0"/>
+              <a:t>示意图</a:t>
+            </a:r>
+            <a:r>
+              <a:rPr lang="en-US" altLang="zh-CN" sz="1600" smtClean="0"/>
+              <a:t>(Page 4)</a:t>
+            </a:r>
+            <a:endParaRPr lang="zh-CN" altLang="en-US" sz="1600"/>
           </a:p>
         </p:txBody>
       </p:sp>
@@ -14923,8 +15564,8 @@
         </p:nvSpPr>
         <p:spPr>
           <a:xfrm>
-            <a:off x="666750" y="1343672"/>
-            <a:ext cx="10858500" cy="826124"/>
+            <a:off x="666750" y="1308022"/>
+            <a:ext cx="10858500" cy="861774"/>
           </a:xfrm>
           <a:prstGeom prst="rect">
             <a:avLst/>
@@ -14963,7 +15604,7 @@
               <a:buSzPct val="25000"/>
             </a:pPr>
             <a:r>
-              <a:rPr lang="zh-CN" altLang="en-US" sz="2000" dirty="0">
+              <a:rPr lang="zh-CN" altLang="en-US" sz="2000" smtClean="0">
                 <a:solidFill>
                   <a:schemeClr val="tx1"/>
                 </a:solidFill>
@@ -14973,7 +15614,7 @@
               <a:t>以环境心理学的理论框架为主导，基于对</a:t>
             </a:r>
             <a:r>
-              <a:rPr lang="en-US" altLang="zh-CN" sz="2000" dirty="0">
+              <a:rPr lang="en-US" altLang="zh-CN" sz="2000" smtClean="0">
                 <a:solidFill>
                   <a:schemeClr val="tx1"/>
                 </a:solidFill>
@@ -14983,7 +15624,7 @@
               <a:t>35802</a:t>
             </a:r>
             <a:r>
-              <a:rPr lang="zh-CN" altLang="en-US" sz="2000" dirty="0">
+              <a:rPr lang="zh-CN" altLang="en-US" sz="2000" smtClean="0">
                 <a:solidFill>
                   <a:schemeClr val="tx1"/>
                 </a:solidFill>
@@ -14993,7 +15634,7 @@
               <a:t>个</a:t>
             </a:r>
             <a:r>
-              <a:rPr lang="en-US" altLang="zh-CN" sz="2000" dirty="0">
+              <a:rPr lang="en-US" altLang="zh-CN" sz="2000" smtClean="0">
                 <a:solidFill>
                   <a:schemeClr val="tx1"/>
                 </a:solidFill>
@@ -15003,7 +15644,7 @@
               <a:t>Instagram</a:t>
             </a:r>
             <a:r>
-              <a:rPr lang="zh-CN" altLang="en-US" sz="2000" dirty="0">
+              <a:rPr lang="zh-CN" altLang="en-US" sz="2000" smtClean="0">
                 <a:solidFill>
                   <a:schemeClr val="tx1"/>
                 </a:solidFill>
@@ -15013,7 +15654,7 @@
               <a:t>帖子的分析，将</a:t>
             </a:r>
             <a:r>
-              <a:rPr lang="en-US" altLang="zh-CN" sz="2000" dirty="0">
+              <a:rPr lang="en-US" altLang="zh-CN" sz="2000" smtClean="0">
                 <a:solidFill>
                   <a:schemeClr val="tx1"/>
                 </a:solidFill>
@@ -15023,7 +15664,7 @@
               <a:t>30</a:t>
             </a:r>
             <a:r>
-              <a:rPr lang="zh-CN" altLang="en-US" sz="2000" dirty="0">
+              <a:rPr lang="zh-CN" altLang="en-US" sz="2000" smtClean="0">
                 <a:solidFill>
                   <a:schemeClr val="tx1"/>
                 </a:solidFill>
@@ -15033,7 +15674,7 @@
               <a:t>个已确定的聚类分为两个主要维度：</a:t>
             </a:r>
             <a:r>
-              <a:rPr lang="zh-CN" altLang="en-US" sz="2000" b="1" dirty="0">
+              <a:rPr lang="zh-CN" altLang="en-US" sz="2000" b="1" smtClean="0">
                 <a:solidFill>
                   <a:schemeClr val="tx1"/>
                 </a:solidFill>
@@ -15043,7 +15684,7 @@
               <a:t>（</a:t>
             </a:r>
             <a:r>
-              <a:rPr lang="en-US" altLang="zh-CN" sz="2000" b="1" dirty="0">
+              <a:rPr lang="en-US" altLang="zh-CN" sz="2000" b="1" smtClean="0">
                 <a:solidFill>
                   <a:schemeClr val="tx1"/>
                 </a:solidFill>
@@ -15053,7 +15694,7 @@
               <a:t>1</a:t>
             </a:r>
             <a:r>
-              <a:rPr lang="zh-CN" altLang="en-US" sz="2000" b="1" dirty="0">
+              <a:rPr lang="zh-CN" altLang="en-US" sz="2000" b="1" smtClean="0">
                 <a:solidFill>
                   <a:schemeClr val="tx1"/>
                 </a:solidFill>
@@ -15063,7 +15704,7 @@
               <a:t>）外部社会环境范畴；（</a:t>
             </a:r>
             <a:r>
-              <a:rPr lang="en-US" altLang="zh-CN" sz="2000" b="1" dirty="0">
+              <a:rPr lang="en-US" altLang="zh-CN" sz="2000" b="1" smtClean="0">
                 <a:solidFill>
                   <a:schemeClr val="tx1"/>
                 </a:solidFill>
@@ -15073,7 +15714,7 @@
               <a:t>2</a:t>
             </a:r>
             <a:r>
-              <a:rPr lang="zh-CN" altLang="en-US" sz="2000" b="1" dirty="0">
+              <a:rPr lang="zh-CN" altLang="en-US" sz="2000" b="1" smtClean="0">
                 <a:solidFill>
                   <a:schemeClr val="tx1"/>
                 </a:solidFill>
@@ -15082,6 +15723,13 @@
               </a:rPr>
               <a:t>）内部社会心理范畴。</a:t>
             </a:r>
+            <a:endParaRPr lang="zh-CN" altLang="en-US" sz="2000" b="1" dirty="0">
+              <a:solidFill>
+                <a:schemeClr val="tx1"/>
+              </a:solidFill>
+              <a:cs typeface="+mn-ea"/>
+              <a:sym typeface="+mn-lt"/>
+            </a:endParaRPr>
           </a:p>
         </p:txBody>
       </p:sp>
@@ -15157,8 +15805,17 @@
             </a:r>
             <a:r>
               <a:rPr lang="zh-CN" altLang="en-US" sz="1400"/>
-              <a:t>聚类可视化图。注：图表按聚类着色。</a:t>
+              <a:t>聚类可视化图。注：图表按聚类着色</a:t>
             </a:r>
+            <a:r>
+              <a:rPr lang="zh-CN" altLang="en-US" sz="1400" smtClean="0"/>
+              <a:t>。</a:t>
+            </a:r>
+            <a:r>
+              <a:rPr lang="en-US" altLang="zh-CN" sz="1400" smtClean="0"/>
+              <a:t>(Page 6)</a:t>
+            </a:r>
+            <a:endParaRPr lang="zh-CN" altLang="en-US" sz="1400"/>
           </a:p>
         </p:txBody>
       </p:sp>
@@ -15279,13 +15936,13 @@
       </p:sp>
       <p:pic>
         <p:nvPicPr>
-          <p:cNvPr id="3074" name="Picture 2" descr="Fig. 3"/>
+          <p:cNvPr id="4" name="图片 3"/>
           <p:cNvPicPr>
-            <a:picLocks noChangeAspect="1" noChangeArrowheads="1"/>
+            <a:picLocks noChangeAspect="1"/>
           </p:cNvPicPr>
           <p:nvPr/>
         </p:nvPicPr>
-        <p:blipFill>
+        <p:blipFill rotWithShape="1">
           <a:blip r:embed="rId5">
             <a:extLst>
               <a:ext uri="{28A0092B-C50C-407E-A947-70E740481C1C}">
@@ -15293,41 +15950,29 @@
               </a:ext>
             </a:extLst>
           </a:blip>
-          <a:srcRect/>
-          <a:stretch>
-            <a:fillRect/>
-          </a:stretch>
+          <a:srcRect r="2477"/>
+          <a:stretch/>
         </p:blipFill>
-        <p:spPr bwMode="auto">
+        <p:spPr>
           <a:xfrm>
-            <a:off x="0" y="1259760"/>
-            <a:ext cx="8197052" cy="4948080"/>
+            <a:off x="1016214" y="1028700"/>
+            <a:ext cx="9497392" cy="5199167"/>
           </a:xfrm>
           <a:prstGeom prst="rect">
             <a:avLst/>
           </a:prstGeom>
-          <a:noFill/>
-          <a:extLst>
-            <a:ext uri="{909E8E84-426E-40DD-AFC4-6F175D3DCCD1}">
-              <a14:hiddenFill xmlns:a14="http://schemas.microsoft.com/office/drawing/2010/main">
-                <a:solidFill>
-                  <a:srgbClr val="FFFFFF"/>
-                </a:solidFill>
-              </a14:hiddenFill>
-            </a:ext>
-          </a:extLst>
         </p:spPr>
       </p:pic>
       <p:sp>
         <p:nvSpPr>
-          <p:cNvPr id="8" name="矩形 7"/>
+          <p:cNvPr id="5" name="矩形 4"/>
           <p:cNvSpPr/>
           <p:nvPr/>
         </p:nvSpPr>
         <p:spPr>
           <a:xfrm>
-            <a:off x="8520902" y="1487031"/>
-            <a:ext cx="3488218" cy="4493538"/>
+            <a:off x="927100" y="6187540"/>
+            <a:ext cx="5405120" cy="361637"/>
           </a:xfrm>
           <a:prstGeom prst="rect">
             <a:avLst/>
@@ -15339,197 +15984,44 @@
           </a:bodyPr>
           <a:lstStyle/>
           <a:p>
-            <a:r>
-              <a:rPr lang="zh-CN" altLang="en-US" sz="2800" b="1" dirty="0">
-                <a:solidFill>
-                  <a:schemeClr val="accent4">
-                    <a:lumMod val="75000"/>
-                  </a:schemeClr>
-                </a:solidFill>
-              </a:rPr>
-              <a:t>外部社会环境范畴</a:t>
-            </a:r>
-            <a:endParaRPr lang="en-US" altLang="zh-CN" sz="2800" b="1" dirty="0">
-              <a:solidFill>
-                <a:schemeClr val="accent4">
-                  <a:lumMod val="75000"/>
-                </a:schemeClr>
-              </a:solidFill>
-            </a:endParaRPr>
-          </a:p>
-          <a:p>
-            <a:endParaRPr lang="en-US" altLang="zh-CN" sz="2000" b="1" i="0" dirty="0">
-              <a:solidFill>
-                <a:schemeClr val="accent4">
-                  <a:lumMod val="75000"/>
-                </a:schemeClr>
-              </a:solidFill>
-              <a:effectLst/>
-            </a:endParaRPr>
-          </a:p>
-          <a:p>
-            <a:pPr marL="342900" indent="-342900">
-              <a:buAutoNum type="arabicPeriod"/>
+            <a:pPr>
+              <a:lnSpc>
+                <a:spcPct val="125000"/>
+              </a:lnSpc>
             </a:pPr>
             <a:r>
-              <a:rPr lang="zh-CN" altLang="en-US" sz="2000" dirty="0"/>
-              <a:t>艺术与互动建筑</a:t>
-            </a:r>
-            <a:endParaRPr lang="en-US" altLang="zh-CN" sz="2000" dirty="0"/>
-          </a:p>
-          <a:p>
-            <a:pPr marL="342900" indent="-342900">
-              <a:buAutoNum type="arabicPeriod"/>
-            </a:pPr>
-            <a:r>
-              <a:rPr lang="zh-CN" altLang="en-US" sz="2000" dirty="0"/>
-              <a:t>节日区域与黑石城</a:t>
-            </a:r>
-            <a:endParaRPr lang="en-US" altLang="zh-CN" sz="2000" dirty="0"/>
-          </a:p>
-          <a:p>
-            <a:pPr marL="342900" indent="-342900">
-              <a:buAutoNum type="arabicPeriod"/>
-            </a:pPr>
-            <a:r>
-              <a:rPr lang="zh-CN" altLang="en-US" sz="2000" dirty="0"/>
-              <a:t>时尚与配饰</a:t>
-            </a:r>
-            <a:endParaRPr lang="en-US" altLang="zh-CN" sz="2000" dirty="0"/>
-          </a:p>
-          <a:p>
-            <a:pPr marL="342900" indent="-342900">
-              <a:buAutoNum type="arabicPeriod"/>
-            </a:pPr>
-            <a:r>
-              <a:rPr lang="zh-CN" altLang="en-US" sz="2000"/>
-              <a:t>木偶人</a:t>
+              <a:rPr lang="zh-CN" altLang="en-US" sz="1400"/>
+              <a:t>表</a:t>
             </a:r>
             <a:r>
-              <a:rPr lang="zh-CN" altLang="en-US" sz="2000" smtClean="0"/>
-              <a:t>焚毁</a:t>
-            </a:r>
-            <a:r>
-              <a:rPr lang="zh-CN" altLang="en-US" sz="2000" dirty="0"/>
-              <a:t>和派对</a:t>
-            </a:r>
-            <a:endParaRPr lang="en-US" altLang="zh-CN" sz="2000" dirty="0"/>
-          </a:p>
-          <a:p>
-            <a:pPr marL="342900" indent="-342900">
-              <a:buAutoNum type="arabicPeriod"/>
-            </a:pPr>
-            <a:r>
-              <a:rPr lang="zh-CN" altLang="en-US" sz="2000" dirty="0"/>
-              <a:t>氛围印象</a:t>
-            </a:r>
-            <a:endParaRPr lang="en-US" altLang="zh-CN" sz="2000" dirty="0"/>
-          </a:p>
-          <a:p>
-            <a:pPr marL="342900" indent="-342900">
-              <a:buAutoNum type="arabicPeriod"/>
-            </a:pPr>
-            <a:r>
-              <a:rPr lang="zh-CN" altLang="en-US" sz="2000" dirty="0"/>
-              <a:t>魔力艺术装置</a:t>
-            </a:r>
-            <a:endParaRPr lang="en-US" altLang="zh-CN" sz="2000" dirty="0"/>
-          </a:p>
-          <a:p>
-            <a:pPr marL="342900" indent="-342900">
-              <a:buAutoNum type="arabicPeriod"/>
-            </a:pPr>
-            <a:r>
-              <a:rPr lang="zh-CN" altLang="en-US" sz="2000" dirty="0"/>
-              <a:t>服装和设计</a:t>
-            </a:r>
-            <a:endParaRPr lang="en-US" altLang="zh-CN" sz="2000" dirty="0"/>
-          </a:p>
-          <a:p>
-            <a:pPr marL="342900" indent="-342900">
-              <a:buAutoNum type="arabicPeriod"/>
-            </a:pPr>
-            <a:r>
-              <a:rPr lang="zh-CN" altLang="en-US" sz="2000" dirty="0"/>
-              <a:t>音乐和艺术</a:t>
-            </a:r>
-            <a:endParaRPr lang="en-US" altLang="zh-CN" sz="2000" dirty="0"/>
-          </a:p>
-          <a:p>
-            <a:pPr marL="342900" indent="-342900">
-              <a:buAutoNum type="arabicPeriod"/>
-            </a:pPr>
-            <a:r>
-              <a:rPr lang="zh-CN" altLang="en-US" sz="2000" dirty="0"/>
-              <a:t>营地家庭共同体</a:t>
-            </a:r>
-            <a:endParaRPr lang="en-US" altLang="zh-CN" sz="2000" dirty="0"/>
-          </a:p>
-          <a:p>
-            <a:pPr marL="342900" indent="-342900">
-              <a:buAutoNum type="arabicPeriod"/>
-            </a:pPr>
-            <a:r>
-              <a:rPr lang="zh-CN" altLang="en-US" sz="2000" dirty="0"/>
-              <a:t>旅行途中</a:t>
-            </a:r>
-            <a:endParaRPr lang="en-US" altLang="zh-CN" sz="2000" dirty="0"/>
-          </a:p>
-          <a:p>
-            <a:pPr marL="342900" indent="-342900">
-              <a:buAutoNum type="arabicPeriod"/>
-            </a:pPr>
-            <a:r>
-              <a:rPr lang="zh-CN" altLang="en-US" sz="2000" dirty="0"/>
-              <a:t>音乐和汽车</a:t>
-            </a:r>
-            <a:endParaRPr lang="en-US" altLang="zh-CN" sz="2000" dirty="0"/>
-          </a:p>
-          <a:p>
-            <a:pPr marL="342900" indent="-342900">
-              <a:buAutoNum type="arabicPeriod"/>
-            </a:pPr>
-            <a:r>
-              <a:rPr lang="zh-CN" altLang="en-US" sz="2000" dirty="0"/>
-              <a:t>公共艺术作品</a:t>
-            </a:r>
-            <a:endParaRPr lang="en-US" altLang="zh-CN" sz="2000" dirty="0"/>
-          </a:p>
-        </p:txBody>
-      </p:sp>
-      <p:sp>
-        <p:nvSpPr>
-          <p:cNvPr id="4" name="矩形 3"/>
-          <p:cNvSpPr/>
-          <p:nvPr/>
-        </p:nvSpPr>
-        <p:spPr>
-          <a:xfrm>
-            <a:off x="660400" y="6235700"/>
-            <a:ext cx="6096000" cy="307777"/>
-          </a:xfrm>
-          <a:prstGeom prst="rect">
-            <a:avLst/>
-          </a:prstGeom>
-        </p:spPr>
-        <p:txBody>
-          <a:bodyPr>
-            <a:spAutoFit/>
-          </a:bodyPr>
-          <a:lstStyle/>
-          <a:p>
-            <a:r>
-              <a:rPr lang="zh-CN" altLang="en-US" sz="1400"/>
-              <a:t>图</a:t>
-            </a:r>
-            <a:r>
-              <a:rPr lang="en-US" altLang="zh-CN" sz="1400"/>
-              <a:t>3. </a:t>
+              <a:rPr lang="en-US" altLang="zh-CN" sz="1400" smtClean="0"/>
+              <a:t>1.</a:t>
             </a:r>
             <a:r>
               <a:rPr lang="zh-CN" altLang="en-US" sz="1400"/>
-              <a:t>历时研究中的外部社会环境范畴与内部社会心理范畴聚类贡献度</a:t>
+              <a:t>外部社会环境范畴与内部</a:t>
             </a:r>
+            <a:r>
+              <a:rPr lang="zh-CN" altLang="en-US" sz="1400"/>
+              <a:t>社会</a:t>
+            </a:r>
+            <a:r>
+              <a:rPr lang="zh-CN" altLang="en-US" sz="1400" smtClean="0"/>
+              <a:t>心理范畴要素总表</a:t>
+            </a:r>
+            <a:r>
+              <a:rPr lang="en-US" altLang="zh-CN" sz="1400" smtClean="0"/>
+              <a:t>(</a:t>
+            </a:r>
+            <a:r>
+              <a:rPr lang="en-US" altLang="zh-CN" sz="1400" smtClean="0"/>
+              <a:t>Page </a:t>
+            </a:r>
+            <a:r>
+              <a:rPr lang="en-US" altLang="zh-CN" sz="1400" smtClean="0"/>
+              <a:t>7)</a:t>
+            </a:r>
+            <a:endParaRPr lang="zh-CN" altLang="en-US" sz="1400"/>
           </a:p>
         </p:txBody>
       </p:sp>
@@ -15539,7 +16031,7 @@
     </p:custDataLst>
     <p:extLst>
       <p:ext uri="{BB962C8B-B14F-4D97-AF65-F5344CB8AC3E}">
-        <p14:creationId xmlns:p14="http://schemas.microsoft.com/office/powerpoint/2010/main" val="303532921"/>
+        <p14:creationId xmlns:p14="http://schemas.microsoft.com/office/powerpoint/2010/main" val="3122513743"/>
       </p:ext>
     </p:extLst>
   </p:cSld>
@@ -15648,16 +16140,658 @@
           </a:p>
         </p:txBody>
       </p:sp>
+      <p:grpSp>
+        <p:nvGrpSpPr>
+          <p:cNvPr id="7" name="组合 6"/>
+          <p:cNvGrpSpPr/>
+          <p:nvPr/>
+        </p:nvGrpSpPr>
+        <p:grpSpPr>
+          <a:xfrm>
+            <a:off x="2176780" y="1028700"/>
+            <a:ext cx="8659924" cy="5829300"/>
+            <a:chOff x="1055315" y="1200908"/>
+            <a:chExt cx="9651815" cy="6496977"/>
+          </a:xfrm>
+        </p:grpSpPr>
+        <p:pic>
+          <p:nvPicPr>
+            <p:cNvPr id="5" name="图片 4"/>
+            <p:cNvPicPr>
+              <a:picLocks noChangeAspect="1"/>
+            </p:cNvPicPr>
+            <p:nvPr/>
+          </p:nvPicPr>
+          <p:blipFill>
+            <a:blip r:embed="rId5">
+              <a:extLst>
+                <a:ext uri="{28A0092B-C50C-407E-A947-70E740481C1C}">
+                  <a14:useLocalDpi xmlns:a14="http://schemas.microsoft.com/office/drawing/2010/main" val="0"/>
+                </a:ext>
+              </a:extLst>
+            </a:blip>
+            <a:stretch>
+              <a:fillRect/>
+            </a:stretch>
+          </p:blipFill>
+          <p:spPr>
+            <a:xfrm>
+              <a:off x="1055315" y="1973992"/>
+              <a:ext cx="9651815" cy="5723893"/>
+            </a:xfrm>
+            <a:prstGeom prst="rect">
+              <a:avLst/>
+            </a:prstGeom>
+          </p:spPr>
+        </p:pic>
+        <p:pic>
+          <p:nvPicPr>
+            <p:cNvPr id="6" name="图片 5"/>
+            <p:cNvPicPr>
+              <a:picLocks noChangeAspect="1"/>
+            </p:cNvPicPr>
+            <p:nvPr/>
+          </p:nvPicPr>
+          <p:blipFill>
+            <a:blip r:embed="rId6">
+              <a:extLst>
+                <a:ext uri="{28A0092B-C50C-407E-A947-70E740481C1C}">
+                  <a14:useLocalDpi xmlns:a14="http://schemas.microsoft.com/office/drawing/2010/main" val="0"/>
+                </a:ext>
+              </a:extLst>
+            </a:blip>
+            <a:stretch>
+              <a:fillRect/>
+            </a:stretch>
+          </p:blipFill>
+          <p:spPr>
+            <a:xfrm>
+              <a:off x="1055315" y="1200908"/>
+              <a:ext cx="9651815" cy="773083"/>
+            </a:xfrm>
+            <a:prstGeom prst="rect">
+              <a:avLst/>
+            </a:prstGeom>
+          </p:spPr>
+        </p:pic>
+      </p:grpSp>
+      <p:sp>
+        <p:nvSpPr>
+          <p:cNvPr id="8" name="矩形 7"/>
+          <p:cNvSpPr/>
+          <p:nvPr/>
+        </p:nvSpPr>
+        <p:spPr>
+          <a:xfrm>
+            <a:off x="127000" y="3389922"/>
+            <a:ext cx="2049780" cy="900246"/>
+          </a:xfrm>
+          <a:prstGeom prst="rect">
+            <a:avLst/>
+          </a:prstGeom>
+        </p:spPr>
+        <p:txBody>
+          <a:bodyPr wrap="square">
+            <a:spAutoFit/>
+          </a:bodyPr>
+          <a:lstStyle/>
+          <a:p>
+            <a:pPr>
+              <a:lnSpc>
+                <a:spcPct val="125000"/>
+              </a:lnSpc>
+            </a:pPr>
+            <a:r>
+              <a:rPr lang="zh-CN" altLang="en-US" sz="1400"/>
+              <a:t>表</a:t>
+            </a:r>
+            <a:r>
+              <a:rPr lang="en-US" altLang="zh-CN" sz="1400" smtClean="0"/>
+              <a:t>1.</a:t>
+            </a:r>
+            <a:r>
+              <a:rPr lang="zh-CN" altLang="en-US" sz="1400"/>
+              <a:t>外部社会环境范畴与内部</a:t>
+            </a:r>
+            <a:r>
+              <a:rPr lang="zh-CN" altLang="en-US" sz="1400"/>
+              <a:t>社会</a:t>
+            </a:r>
+            <a:r>
+              <a:rPr lang="zh-CN" altLang="en-US" sz="1400" smtClean="0"/>
+              <a:t>心理范畴聚类总表</a:t>
+            </a:r>
+            <a:r>
+              <a:rPr lang="en-US" altLang="zh-CN" sz="1400" smtClean="0"/>
+              <a:t>(</a:t>
+            </a:r>
+            <a:r>
+              <a:rPr lang="en-US" altLang="zh-CN" sz="1400" smtClean="0"/>
+              <a:t>Page </a:t>
+            </a:r>
+            <a:r>
+              <a:rPr lang="en-US" altLang="zh-CN" sz="1400" smtClean="0"/>
+              <a:t>7)</a:t>
+            </a:r>
+            <a:endParaRPr lang="zh-CN" altLang="en-US" sz="1400"/>
+          </a:p>
+        </p:txBody>
+      </p:sp>
+    </p:spTree>
+    <p:custDataLst>
+      <p:tags r:id="rId2"/>
+    </p:custDataLst>
+    <p:extLst>
+      <p:ext uri="{BB962C8B-B14F-4D97-AF65-F5344CB8AC3E}">
+        <p14:creationId xmlns:p14="http://schemas.microsoft.com/office/powerpoint/2010/main" val="4281350883"/>
+      </p:ext>
+    </p:extLst>
+  </p:cSld>
+  <p:clrMapOvr>
+    <a:masterClrMapping/>
+  </p:clrMapOvr>
+  <p:timing>
+    <p:tnLst>
+      <p:par>
+        <p:cTn id="1" dur="indefinite" restart="never" nodeType="tmRoot"/>
+      </p:par>
+    </p:tnLst>
+  </p:timing>
+</p:sld>
+</file>
+
+<file path=ppt/slides/slide16.xml><?xml version="1.0" encoding="utf-8"?>
+<p:sld xmlns:a="http://schemas.openxmlformats.org/drawingml/2006/main" xmlns:r="http://schemas.openxmlformats.org/officeDocument/2006/relationships" xmlns:p="http://schemas.openxmlformats.org/presentationml/2006/main">
+  <p:cSld>
+    <p:spTree>
+      <p:nvGrpSpPr>
+        <p:cNvPr id="1" name="ïşļïḍé"/>
+        <p:cNvGrpSpPr/>
+        <p:nvPr/>
+      </p:nvGrpSpPr>
+      <p:grpSpPr>
+        <a:xfrm>
+          <a:off x="0" y="0"/>
+          <a:ext cx="0" cy="0"/>
+          <a:chOff x="0" y="0"/>
+          <a:chExt cx="0" cy="0"/>
+        </a:xfrm>
+      </p:grpSpPr>
+      <p:sp>
+        <p:nvSpPr>
+          <p:cNvPr id="2" name="íṧļîḍe">
+            <a:extLst>
+              <a:ext uri="{FF2B5EF4-FFF2-40B4-BE49-F238E27FC236}">
+                <a16:creationId xmlns="" xmlns:a16="http://schemas.microsoft.com/office/drawing/2014/main" id="{6AD7DE2F-2C25-C25A-957B-4AC542D02BC6}"/>
+              </a:ext>
+            </a:extLst>
+          </p:cNvPr>
+          <p:cNvSpPr>
+            <a:spLocks noGrp="1"/>
+          </p:cNvSpPr>
+          <p:nvPr>
+            <p:ph type="title"/>
+          </p:nvPr>
+        </p:nvSpPr>
+        <p:spPr/>
+        <p:txBody>
+          <a:bodyPr/>
+          <a:lstStyle/>
+          <a:p>
+            <a:r>
+              <a:rPr lang="zh-CN" altLang="en-US">
+                <a:latin typeface="+mn-lt"/>
+                <a:ea typeface="+mn-ea"/>
+                <a:cs typeface="+mn-ea"/>
+                <a:sym typeface="+mn-lt"/>
+              </a:rPr>
+              <a:t>主要结论</a:t>
+            </a:r>
+            <a:endParaRPr lang="zh-CN" altLang="en-US" dirty="0">
+              <a:latin typeface="+mn-lt"/>
+              <a:ea typeface="+mn-ea"/>
+              <a:cs typeface="+mn-ea"/>
+              <a:sym typeface="+mn-lt"/>
+            </a:endParaRPr>
+          </a:p>
+        </p:txBody>
+      </p:sp>
+      <p:sp>
+        <p:nvSpPr>
+          <p:cNvPr id="3" name="ïśḷíḓè">
+            <a:extLst>
+              <a:ext uri="{FF2B5EF4-FFF2-40B4-BE49-F238E27FC236}">
+                <a16:creationId xmlns="" xmlns:a16="http://schemas.microsoft.com/office/drawing/2014/main" id="{8266A897-12C8-B861-AB61-6E0288D5149F}"/>
+              </a:ext>
+            </a:extLst>
+          </p:cNvPr>
+          <p:cNvSpPr>
+            <a:spLocks noGrp="1"/>
+          </p:cNvSpPr>
+          <p:nvPr>
+            <p:ph type="sldNum" sz="quarter" idx="4"/>
+          </p:nvPr>
+        </p:nvSpPr>
+        <p:spPr/>
+        <p:txBody>
+          <a:bodyPr/>
+          <a:lstStyle/>
+          <a:p>
+            <a:fld id="{7F65B630-C7FF-41C0-9923-C5E5E29EED81}" type="slidenum">
+              <a:rPr lang="en-US" altLang="zh-CN" smtClean="0">
+                <a:cs typeface="+mn-ea"/>
+                <a:sym typeface="+mn-lt"/>
+              </a:rPr>
+              <a:pPr/>
+              <a:t>16</a:t>
+            </a:fld>
+            <a:endParaRPr lang="en-US" altLang="zh-CN">
+              <a:cs typeface="+mn-ea"/>
+              <a:sym typeface="+mn-lt"/>
+            </a:endParaRPr>
+          </a:p>
+        </p:txBody>
+      </p:sp>
+      <p:sp>
+        <p:nvSpPr>
+          <p:cNvPr id="8" name="矩形 7"/>
+          <p:cNvSpPr/>
+          <p:nvPr/>
+        </p:nvSpPr>
+        <p:spPr>
+          <a:xfrm>
+            <a:off x="8555626" y="1762036"/>
+            <a:ext cx="3488218" cy="4093428"/>
+          </a:xfrm>
+          <a:prstGeom prst="rect">
+            <a:avLst/>
+          </a:prstGeom>
+        </p:spPr>
+        <p:txBody>
+          <a:bodyPr wrap="square">
+            <a:spAutoFit/>
+          </a:bodyPr>
+          <a:lstStyle/>
+          <a:p>
+            <a:r>
+              <a:rPr lang="zh-CN" altLang="en-US" sz="2400" b="1" dirty="0">
+                <a:solidFill>
+                  <a:schemeClr val="accent4">
+                    <a:lumMod val="75000"/>
+                  </a:schemeClr>
+                </a:solidFill>
+              </a:rPr>
+              <a:t>外部</a:t>
+            </a:r>
+            <a:r>
+              <a:rPr lang="zh-CN" altLang="en-US" sz="2400" b="1">
+                <a:solidFill>
+                  <a:schemeClr val="accent4">
+                    <a:lumMod val="75000"/>
+                  </a:schemeClr>
+                </a:solidFill>
+              </a:rPr>
+              <a:t>社会环境</a:t>
+            </a:r>
+            <a:r>
+              <a:rPr lang="zh-CN" altLang="en-US" sz="2400" b="1" smtClean="0">
+                <a:solidFill>
+                  <a:schemeClr val="accent4">
+                    <a:lumMod val="75000"/>
+                  </a:schemeClr>
+                </a:solidFill>
+              </a:rPr>
+              <a:t>范畴</a:t>
+            </a:r>
+            <a:r>
+              <a:rPr lang="en-US" altLang="zh-CN" sz="2400" b="1" smtClean="0">
+                <a:solidFill>
+                  <a:schemeClr val="accent4">
+                    <a:lumMod val="75000"/>
+                  </a:schemeClr>
+                </a:solidFill>
+              </a:rPr>
+              <a:t>(P7)</a:t>
+            </a:r>
+            <a:endParaRPr lang="en-US" altLang="zh-CN" sz="2400" b="1" dirty="0">
+              <a:solidFill>
+                <a:schemeClr val="accent4">
+                  <a:lumMod val="75000"/>
+                </a:schemeClr>
+              </a:solidFill>
+            </a:endParaRPr>
+          </a:p>
+          <a:p>
+            <a:endParaRPr lang="en-US" altLang="zh-CN" sz="2000" b="1" i="0" dirty="0">
+              <a:solidFill>
+                <a:schemeClr val="accent4">
+                  <a:lumMod val="75000"/>
+                </a:schemeClr>
+              </a:solidFill>
+              <a:effectLst/>
+            </a:endParaRPr>
+          </a:p>
+          <a:p>
+            <a:pPr marL="342900" indent="-342900">
+              <a:buAutoNum type="arabicPeriod"/>
+            </a:pPr>
+            <a:r>
+              <a:rPr lang="zh-CN" altLang="en-US" dirty="0"/>
+              <a:t>艺术与</a:t>
+            </a:r>
+            <a:r>
+              <a:rPr lang="zh-CN" altLang="en-US"/>
+              <a:t>互动</a:t>
+            </a:r>
+            <a:r>
+              <a:rPr lang="zh-CN" altLang="en-US" smtClean="0"/>
+              <a:t>建筑</a:t>
+            </a:r>
+            <a:r>
+              <a:rPr lang="en-US" altLang="zh-CN" smtClean="0"/>
+              <a:t>(5.7%)</a:t>
+            </a:r>
+            <a:endParaRPr lang="en-US" altLang="zh-CN" dirty="0"/>
+          </a:p>
+          <a:p>
+            <a:pPr marL="342900" indent="-342900">
+              <a:buAutoNum type="arabicPeriod"/>
+            </a:pPr>
+            <a:r>
+              <a:rPr lang="zh-CN" altLang="en-US" dirty="0"/>
+              <a:t>节日区域与</a:t>
+            </a:r>
+            <a:r>
+              <a:rPr lang="zh-CN" altLang="en-US"/>
+              <a:t>黑</a:t>
+            </a:r>
+            <a:r>
+              <a:rPr lang="zh-CN" altLang="en-US" smtClean="0"/>
+              <a:t>石城</a:t>
+            </a:r>
+            <a:r>
+              <a:rPr lang="en-US" altLang="zh-CN" smtClean="0"/>
+              <a:t>(5.0%)</a:t>
+            </a:r>
+            <a:endParaRPr lang="en-US" altLang="zh-CN" dirty="0"/>
+          </a:p>
+          <a:p>
+            <a:pPr marL="342900" indent="-342900">
+              <a:buAutoNum type="arabicPeriod"/>
+            </a:pPr>
+            <a:r>
+              <a:rPr lang="zh-CN" altLang="en-US" dirty="0"/>
+              <a:t>时尚</a:t>
+            </a:r>
+            <a:r>
+              <a:rPr lang="zh-CN" altLang="en-US"/>
+              <a:t>与</a:t>
+            </a:r>
+            <a:r>
+              <a:rPr lang="zh-CN" altLang="en-US" smtClean="0"/>
+              <a:t>配饰</a:t>
+            </a:r>
+            <a:r>
+              <a:rPr lang="en-US" altLang="zh-CN" smtClean="0"/>
+              <a:t>(3.9%)</a:t>
+            </a:r>
+            <a:endParaRPr lang="en-US" altLang="zh-CN" dirty="0"/>
+          </a:p>
+          <a:p>
+            <a:pPr marL="342900" indent="-342900">
+              <a:buAutoNum type="arabicPeriod"/>
+            </a:pPr>
+            <a:r>
+              <a:rPr lang="zh-CN" altLang="en-US"/>
+              <a:t>木偶人</a:t>
+            </a:r>
+            <a:r>
+              <a:rPr lang="zh-CN" altLang="en-US" smtClean="0"/>
+              <a:t>焚毁</a:t>
+            </a:r>
+            <a:r>
+              <a:rPr lang="zh-CN" altLang="en-US" dirty="0"/>
+              <a:t>和</a:t>
+            </a:r>
+            <a:r>
+              <a:rPr lang="zh-CN" altLang="en-US"/>
+              <a:t>派</a:t>
+            </a:r>
+            <a:r>
+              <a:rPr lang="zh-CN" altLang="en-US" smtClean="0"/>
+              <a:t>对</a:t>
+            </a:r>
+            <a:r>
+              <a:rPr lang="en-US" altLang="zh-CN" smtClean="0"/>
+              <a:t>(2.5%)</a:t>
+            </a:r>
+            <a:endParaRPr lang="en-US" altLang="zh-CN" dirty="0"/>
+          </a:p>
+          <a:p>
+            <a:pPr marL="342900" indent="-342900">
+              <a:buAutoNum type="arabicPeriod"/>
+            </a:pPr>
+            <a:r>
+              <a:rPr lang="zh-CN" altLang="en-US"/>
+              <a:t>氛围</a:t>
+            </a:r>
+            <a:r>
+              <a:rPr lang="zh-CN" altLang="en-US" smtClean="0"/>
+              <a:t>印象</a:t>
+            </a:r>
+            <a:r>
+              <a:rPr lang="en-US" altLang="zh-CN" smtClean="0"/>
+              <a:t>(2.2%)</a:t>
+            </a:r>
+            <a:endParaRPr lang="en-US" altLang="zh-CN" dirty="0"/>
+          </a:p>
+          <a:p>
+            <a:pPr marL="342900" indent="-342900">
+              <a:buAutoNum type="arabicPeriod"/>
+            </a:pPr>
+            <a:r>
+              <a:rPr lang="zh-CN" altLang="en-US" dirty="0"/>
+              <a:t>魔力</a:t>
+            </a:r>
+            <a:r>
+              <a:rPr lang="zh-CN" altLang="en-US"/>
+              <a:t>艺术</a:t>
+            </a:r>
+            <a:r>
+              <a:rPr lang="zh-CN" altLang="en-US" smtClean="0"/>
+              <a:t>装置</a:t>
+            </a:r>
+            <a:r>
+              <a:rPr lang="en-US" altLang="zh-CN" smtClean="0"/>
+              <a:t>(2.1%)</a:t>
+            </a:r>
+            <a:endParaRPr lang="en-US" altLang="zh-CN" dirty="0"/>
+          </a:p>
+          <a:p>
+            <a:pPr marL="342900" indent="-342900">
+              <a:buAutoNum type="arabicPeriod"/>
+            </a:pPr>
+            <a:r>
+              <a:rPr lang="zh-CN" altLang="en-US" dirty="0"/>
+              <a:t>服装</a:t>
+            </a:r>
+            <a:r>
+              <a:rPr lang="zh-CN" altLang="en-US"/>
+              <a:t>和</a:t>
+            </a:r>
+            <a:r>
+              <a:rPr lang="zh-CN" altLang="en-US" smtClean="0"/>
+              <a:t>设计</a:t>
+            </a:r>
+            <a:r>
+              <a:rPr lang="en-US" altLang="zh-CN" smtClean="0"/>
+              <a:t>(1.4%)</a:t>
+            </a:r>
+            <a:endParaRPr lang="en-US" altLang="zh-CN" dirty="0"/>
+          </a:p>
+          <a:p>
+            <a:pPr marL="342900" indent="-342900">
+              <a:buAutoNum type="arabicPeriod"/>
+            </a:pPr>
+            <a:r>
+              <a:rPr lang="zh-CN" altLang="en-US" dirty="0"/>
+              <a:t>音乐</a:t>
+            </a:r>
+            <a:r>
+              <a:rPr lang="zh-CN" altLang="en-US"/>
+              <a:t>和</a:t>
+            </a:r>
+            <a:r>
+              <a:rPr lang="zh-CN" altLang="en-US" smtClean="0"/>
+              <a:t>艺术</a:t>
+            </a:r>
+            <a:r>
+              <a:rPr lang="en-US" altLang="zh-CN" smtClean="0"/>
+              <a:t>(1.3%)</a:t>
+            </a:r>
+            <a:endParaRPr lang="en-US" altLang="zh-CN" dirty="0"/>
+          </a:p>
+          <a:p>
+            <a:pPr marL="342900" indent="-342900">
+              <a:buAutoNum type="arabicPeriod"/>
+            </a:pPr>
+            <a:r>
+              <a:rPr lang="zh-CN" altLang="en-US" dirty="0"/>
+              <a:t>营地</a:t>
+            </a:r>
+            <a:r>
+              <a:rPr lang="zh-CN" altLang="en-US"/>
+              <a:t>家庭</a:t>
+            </a:r>
+            <a:r>
+              <a:rPr lang="zh-CN" altLang="en-US" smtClean="0"/>
+              <a:t>共同体</a:t>
+            </a:r>
+            <a:r>
+              <a:rPr lang="en-US" altLang="zh-CN" smtClean="0"/>
+              <a:t>(1.3%)</a:t>
+            </a:r>
+            <a:endParaRPr lang="en-US" altLang="zh-CN" dirty="0"/>
+          </a:p>
+          <a:p>
+            <a:pPr marL="342900" indent="-342900">
+              <a:buAutoNum type="arabicPeriod"/>
+            </a:pPr>
+            <a:r>
+              <a:rPr lang="zh-CN" altLang="en-US"/>
+              <a:t>旅行</a:t>
+            </a:r>
+            <a:r>
+              <a:rPr lang="zh-CN" altLang="en-US" smtClean="0"/>
+              <a:t>途中</a:t>
+            </a:r>
+            <a:r>
+              <a:rPr lang="en-US" altLang="zh-CN" smtClean="0"/>
+              <a:t>(1.2%)</a:t>
+            </a:r>
+            <a:endParaRPr lang="en-US" altLang="zh-CN" dirty="0"/>
+          </a:p>
+          <a:p>
+            <a:pPr marL="342900" indent="-342900">
+              <a:buAutoNum type="arabicPeriod"/>
+            </a:pPr>
+            <a:r>
+              <a:rPr lang="zh-CN" altLang="en-US" dirty="0"/>
+              <a:t>音乐</a:t>
+            </a:r>
+            <a:r>
+              <a:rPr lang="zh-CN" altLang="en-US"/>
+              <a:t>和</a:t>
+            </a:r>
+            <a:r>
+              <a:rPr lang="zh-CN" altLang="en-US" smtClean="0"/>
+              <a:t>汽车</a:t>
+            </a:r>
+            <a:r>
+              <a:rPr lang="en-US" altLang="zh-CN" smtClean="0"/>
+              <a:t>(0.9%)</a:t>
+            </a:r>
+            <a:endParaRPr lang="en-US" altLang="zh-CN" dirty="0"/>
+          </a:p>
+          <a:p>
+            <a:pPr marL="342900" indent="-342900">
+              <a:buAutoNum type="arabicPeriod"/>
+            </a:pPr>
+            <a:r>
+              <a:rPr lang="zh-CN" altLang="en-US" dirty="0"/>
+              <a:t>公共</a:t>
+            </a:r>
+            <a:r>
+              <a:rPr lang="zh-CN" altLang="en-US"/>
+              <a:t>艺术</a:t>
+            </a:r>
+            <a:r>
+              <a:rPr lang="zh-CN" altLang="en-US" smtClean="0"/>
+              <a:t>作品</a:t>
+            </a:r>
+            <a:r>
+              <a:rPr lang="en-US" altLang="zh-CN" smtClean="0"/>
+              <a:t>(0.6%)</a:t>
+            </a:r>
+            <a:endParaRPr lang="en-US" altLang="zh-CN" dirty="0"/>
+          </a:p>
+        </p:txBody>
+      </p:sp>
+      <p:sp>
+        <p:nvSpPr>
+          <p:cNvPr id="4" name="矩形 3"/>
+          <p:cNvSpPr/>
+          <p:nvPr/>
+        </p:nvSpPr>
+        <p:spPr>
+          <a:xfrm>
+            <a:off x="660400" y="6235700"/>
+            <a:ext cx="6423306" cy="307777"/>
+          </a:xfrm>
+          <a:prstGeom prst="rect">
+            <a:avLst/>
+          </a:prstGeom>
+        </p:spPr>
+        <p:txBody>
+          <a:bodyPr wrap="square">
+            <a:spAutoFit/>
+          </a:bodyPr>
+          <a:lstStyle/>
+          <a:p>
+            <a:r>
+              <a:rPr lang="zh-CN" altLang="en-US" sz="1400"/>
+              <a:t>图</a:t>
+            </a:r>
+            <a:r>
+              <a:rPr lang="en-US" altLang="zh-CN" sz="1400"/>
+              <a:t>3. </a:t>
+            </a:r>
+            <a:r>
+              <a:rPr lang="zh-CN" altLang="en-US" sz="1400"/>
+              <a:t>历时研究中的外部社会环境范畴与内部社会心理范畴聚类贡献</a:t>
+            </a:r>
+            <a:r>
+              <a:rPr lang="zh-CN" altLang="en-US" sz="1400" smtClean="0"/>
+              <a:t>度</a:t>
+            </a:r>
+            <a:r>
+              <a:rPr lang="en-US" altLang="zh-CN" sz="1400" smtClean="0"/>
+              <a:t>(Page 8)</a:t>
+            </a:r>
+            <a:endParaRPr lang="zh-CN" altLang="en-US" sz="1400"/>
+          </a:p>
+        </p:txBody>
+      </p:sp>
       <p:pic>
         <p:nvPicPr>
-          <p:cNvPr id="3074" name="Picture 2" descr="Fig. 3"/>
+          <p:cNvPr id="1026" name="Picture 2" descr="https://ars.els-cdn.com/content/image/1-s2.0-S0160738321001882-gr3_lrg.jpg"/>
           <p:cNvPicPr>
             <a:picLocks noChangeAspect="1" noChangeArrowheads="1"/>
           </p:cNvPicPr>
           <p:nvPr/>
         </p:nvPicPr>
         <p:blipFill>
-          <a:blip r:embed="rId5">
+          <a:blip r:embed="rId5" cstate="print">
             <a:extLst>
               <a:ext uri="{28A0092B-C50C-407E-A947-70E740481C1C}">
                 <a14:useLocalDpi xmlns:a14="http://schemas.microsoft.com/office/drawing/2010/main" val="0"/>
@@ -15671,8 +16805,8 @@
         </p:blipFill>
         <p:spPr bwMode="auto">
           <a:xfrm>
-            <a:off x="0" y="1259760"/>
-            <a:ext cx="8197052" cy="4948080"/>
+            <a:off x="660400" y="1487031"/>
+            <a:ext cx="7689046" cy="4643438"/>
           </a:xfrm>
           <a:prstGeom prst="rect">
             <a:avLst/>
@@ -15689,6 +16823,121 @@
           </a:extLst>
         </p:spPr>
       </p:pic>
+    </p:spTree>
+    <p:custDataLst>
+      <p:tags r:id="rId2"/>
+    </p:custDataLst>
+    <p:extLst>
+      <p:ext uri="{BB962C8B-B14F-4D97-AF65-F5344CB8AC3E}">
+        <p14:creationId xmlns:p14="http://schemas.microsoft.com/office/powerpoint/2010/main" val="303532921"/>
+      </p:ext>
+    </p:extLst>
+  </p:cSld>
+  <p:clrMapOvr>
+    <a:masterClrMapping/>
+  </p:clrMapOvr>
+  <p:timing>
+    <p:tnLst>
+      <p:par>
+        <p:cTn id="1" dur="indefinite" restart="never" nodeType="tmRoot"/>
+      </p:par>
+    </p:tnLst>
+  </p:timing>
+</p:sld>
+</file>
+
+<file path=ppt/slides/slide17.xml><?xml version="1.0" encoding="utf-8"?>
+<p:sld xmlns:a="http://schemas.openxmlformats.org/drawingml/2006/main" xmlns:r="http://schemas.openxmlformats.org/officeDocument/2006/relationships" xmlns:p="http://schemas.openxmlformats.org/presentationml/2006/main">
+  <p:cSld>
+    <p:spTree>
+      <p:nvGrpSpPr>
+        <p:cNvPr id="1" name="ïşļïḍé"/>
+        <p:cNvGrpSpPr/>
+        <p:nvPr/>
+      </p:nvGrpSpPr>
+      <p:grpSpPr>
+        <a:xfrm>
+          <a:off x="0" y="0"/>
+          <a:ext cx="0" cy="0"/>
+          <a:chOff x="0" y="0"/>
+          <a:chExt cx="0" cy="0"/>
+        </a:xfrm>
+      </p:grpSpPr>
+      <p:sp>
+        <p:nvSpPr>
+          <p:cNvPr id="2" name="íṧļîḍe">
+            <a:extLst>
+              <a:ext uri="{FF2B5EF4-FFF2-40B4-BE49-F238E27FC236}">
+                <a16:creationId xmlns="" xmlns:a16="http://schemas.microsoft.com/office/drawing/2014/main" id="{6AD7DE2F-2C25-C25A-957B-4AC542D02BC6}"/>
+              </a:ext>
+            </a:extLst>
+          </p:cNvPr>
+          <p:cNvSpPr>
+            <a:spLocks noGrp="1"/>
+          </p:cNvSpPr>
+          <p:nvPr>
+            <p:ph type="title"/>
+          </p:nvPr>
+        </p:nvSpPr>
+        <p:spPr/>
+        <p:txBody>
+          <a:bodyPr/>
+          <a:lstStyle/>
+          <a:p>
+            <a:r>
+              <a:rPr lang="zh-CN" altLang="en-US">
+                <a:latin typeface="+mn-lt"/>
+                <a:ea typeface="+mn-ea"/>
+                <a:cs typeface="+mn-ea"/>
+                <a:sym typeface="+mn-lt"/>
+              </a:rPr>
+              <a:t>主要结论</a:t>
+            </a:r>
+            <a:endParaRPr lang="zh-CN" altLang="en-US" dirty="0">
+              <a:latin typeface="+mn-lt"/>
+              <a:ea typeface="+mn-ea"/>
+              <a:cs typeface="+mn-ea"/>
+              <a:sym typeface="+mn-lt"/>
+            </a:endParaRPr>
+          </a:p>
+        </p:txBody>
+      </p:sp>
+      <p:sp>
+        <p:nvSpPr>
+          <p:cNvPr id="3" name="ïśḷíḓè">
+            <a:extLst>
+              <a:ext uri="{FF2B5EF4-FFF2-40B4-BE49-F238E27FC236}">
+                <a16:creationId xmlns="" xmlns:a16="http://schemas.microsoft.com/office/drawing/2014/main" id="{8266A897-12C8-B861-AB61-6E0288D5149F}"/>
+              </a:ext>
+            </a:extLst>
+          </p:cNvPr>
+          <p:cNvSpPr>
+            <a:spLocks noGrp="1"/>
+          </p:cNvSpPr>
+          <p:nvPr>
+            <p:ph type="sldNum" sz="quarter" idx="4"/>
+          </p:nvPr>
+        </p:nvSpPr>
+        <p:spPr/>
+        <p:txBody>
+          <a:bodyPr/>
+          <a:lstStyle/>
+          <a:p>
+            <a:fld id="{7F65B630-C7FF-41C0-9923-C5E5E29EED81}" type="slidenum">
+              <a:rPr lang="en-US" altLang="zh-CN" smtClean="0">
+                <a:cs typeface="+mn-ea"/>
+                <a:sym typeface="+mn-lt"/>
+              </a:rPr>
+              <a:pPr/>
+              <a:t>17</a:t>
+            </a:fld>
+            <a:endParaRPr lang="en-US" altLang="zh-CN">
+              <a:cs typeface="+mn-ea"/>
+              <a:sym typeface="+mn-lt"/>
+            </a:endParaRPr>
+          </a:p>
+        </p:txBody>
+      </p:sp>
       <p:sp>
         <p:nvSpPr>
           <p:cNvPr id="8" name="矩形 7"/>
@@ -15718,7 +16967,27 @@
                   </a:schemeClr>
                 </a:solidFill>
               </a:rPr>
-              <a:t>内部社会心理范畴</a:t>
+              <a:t>内部社会心理</a:t>
+            </a:r>
+            <a:r>
+              <a:rPr lang="zh-CN" altLang="en-US" sz="2400" b="1" smtClean="0">
+                <a:solidFill>
+                  <a:schemeClr val="accent4">
+                    <a:lumMod val="75000"/>
+                  </a:schemeClr>
+                </a:solidFill>
+              </a:rPr>
+              <a:t>范畴</a:t>
+            </a:r>
+            <a:r>
+              <a:rPr lang="en-US" altLang="zh-CN" sz="2400" b="1" smtClean="0">
+                <a:solidFill>
+                  <a:schemeClr val="accent4">
+                    <a:lumMod val="75000"/>
+                  </a:schemeClr>
+                </a:solidFill>
+              </a:rPr>
+              <a:t>(P7)</a:t>
             </a:r>
             <a:endParaRPr lang="en-US" altLang="zh-CN" sz="2400" b="1">
               <a:solidFill>
@@ -15744,7 +17013,15 @@
             </a:pPr>
             <a:r>
               <a:rPr lang="zh-CN" altLang="en-US"/>
-              <a:t>期待重游</a:t>
+              <a:t>期待</a:t>
+            </a:r>
+            <a:r>
+              <a:rPr lang="zh-CN" altLang="en-US" smtClean="0"/>
+              <a:t>重游</a:t>
+            </a:r>
+            <a:r>
+              <a:rPr lang="en-US" altLang="zh-CN" smtClean="0"/>
+              <a:t>(11%)</a:t>
             </a:r>
             <a:endParaRPr lang="en-US" altLang="zh-CN"/>
           </a:p>
@@ -15754,7 +17031,15 @@
             </a:pPr>
             <a:r>
               <a:rPr lang="zh-CN" altLang="en-US"/>
-              <a:t>新奇的夜间体验</a:t>
+              <a:t>新奇的夜间</a:t>
+            </a:r>
+            <a:r>
+              <a:rPr lang="zh-CN" altLang="en-US" smtClean="0"/>
+              <a:t>体验</a:t>
+            </a:r>
+            <a:r>
+              <a:rPr lang="en-US" altLang="zh-CN" smtClean="0"/>
+              <a:t>(7.2%)</a:t>
             </a:r>
             <a:endParaRPr lang="en-US" altLang="zh-CN"/>
           </a:p>
@@ -15764,7 +17049,29 @@
             </a:pPr>
             <a:r>
               <a:rPr lang="zh-CN" altLang="en-US"/>
-              <a:t>感恩与惊叹</a:t>
+              <a:t>感恩与</a:t>
+            </a:r>
+            <a:r>
+              <a:rPr lang="zh-CN" altLang="en-US" smtClean="0"/>
+              <a:t>惊叹</a:t>
+            </a:r>
+            <a:r>
+              <a:rPr lang="en-US" altLang="zh-CN" smtClean="0"/>
+              <a:t>(7.1%)</a:t>
+            </a:r>
+            <a:endParaRPr lang="en-US" altLang="zh-CN"/>
+          </a:p>
+          <a:p>
+            <a:pPr marL="342900" indent="-342900">
+              <a:buAutoNum type="arabicPeriod"/>
+            </a:pPr>
+            <a:r>
+              <a:rPr lang="zh-CN" altLang="en-US" smtClean="0"/>
+              <a:t>准备参与火人节</a:t>
+            </a:r>
+            <a:r>
+              <a:rPr lang="en-US" altLang="zh-CN" smtClean="0"/>
+              <a:t>(5.9%)</a:t>
             </a:r>
             <a:endParaRPr lang="en-US" altLang="zh-CN"/>
           </a:p>
@@ -15774,7 +17081,15 @@
             </a:pPr>
             <a:r>
               <a:rPr lang="zh-CN" altLang="en-US"/>
-              <a:t>为干旱沙漠音乐节做准备</a:t>
+              <a:t>早晨日出与</a:t>
+            </a:r>
+            <a:r>
+              <a:rPr lang="zh-CN" altLang="en-US" smtClean="0"/>
+              <a:t>蜕变</a:t>
+            </a:r>
+            <a:r>
+              <a:rPr lang="en-US" altLang="zh-CN" smtClean="0"/>
+              <a:t>(3.6%)</a:t>
             </a:r>
             <a:endParaRPr lang="en-US" altLang="zh-CN"/>
           </a:p>
@@ -15784,7 +17099,15 @@
             </a:pPr>
             <a:r>
               <a:rPr lang="zh-CN" altLang="en-US"/>
-              <a:t>早晨日出与蜕变</a:t>
+              <a:t>思考</a:t>
+            </a:r>
+            <a:r>
+              <a:rPr lang="zh-CN" altLang="en-US" smtClean="0"/>
+              <a:t>人生</a:t>
+            </a:r>
+            <a:r>
+              <a:rPr lang="en-US" altLang="zh-CN" smtClean="0"/>
+              <a:t>(3.5%)</a:t>
             </a:r>
             <a:endParaRPr lang="en-US" altLang="zh-CN"/>
           </a:p>
@@ -15794,7 +17117,15 @@
             </a:pPr>
             <a:r>
               <a:rPr lang="zh-CN" altLang="en-US"/>
-              <a:t>思考人生</a:t>
+              <a:t>跳舞</a:t>
+            </a:r>
+            <a:r>
+              <a:rPr lang="zh-CN" altLang="en-US" smtClean="0"/>
+              <a:t>记忆</a:t>
+            </a:r>
+            <a:r>
+              <a:rPr lang="en-US" altLang="zh-CN" smtClean="0"/>
+              <a:t>(3.5%)</a:t>
             </a:r>
             <a:endParaRPr lang="en-US" altLang="zh-CN"/>
           </a:p>
@@ -15804,7 +17135,15 @@
             </a:pPr>
             <a:r>
               <a:rPr lang="zh-CN" altLang="en-US"/>
-              <a:t>跳舞记忆</a:t>
+              <a:t>活动</a:t>
+            </a:r>
+            <a:r>
+              <a:rPr lang="zh-CN" altLang="en-US" smtClean="0"/>
+              <a:t>倒计时</a:t>
+            </a:r>
+            <a:r>
+              <a:rPr lang="en-US" altLang="zh-CN" smtClean="0"/>
+              <a:t>(3.1%)</a:t>
             </a:r>
             <a:endParaRPr lang="en-US" altLang="zh-CN"/>
           </a:p>
@@ -15814,7 +17153,15 @@
             </a:pPr>
             <a:r>
               <a:rPr lang="zh-CN" altLang="en-US"/>
-              <a:t>活动倒计时</a:t>
+              <a:t>回家与</a:t>
+            </a:r>
+            <a:r>
+              <a:rPr lang="zh-CN" altLang="en-US" smtClean="0"/>
+              <a:t>意料改变</a:t>
+            </a:r>
+            <a:r>
+              <a:rPr lang="en-US" altLang="zh-CN" smtClean="0"/>
+              <a:t>(2.1%)</a:t>
             </a:r>
             <a:endParaRPr lang="en-US" altLang="zh-CN"/>
           </a:p>
@@ -15824,7 +17171,15 @@
             </a:pPr>
             <a:r>
               <a:rPr lang="zh-CN" altLang="en-US"/>
-              <a:t>回家与意料之外的改变</a:t>
+              <a:t>如梦如幻</a:t>
+            </a:r>
+            <a:r>
+              <a:rPr lang="zh-CN" altLang="en-US" smtClean="0"/>
+              <a:t>与转型</a:t>
+            </a:r>
+            <a:r>
+              <a:rPr lang="en-US" altLang="zh-CN" smtClean="0"/>
+              <a:t>(2.1%)</a:t>
             </a:r>
             <a:endParaRPr lang="en-US" altLang="zh-CN"/>
           </a:p>
@@ -15834,7 +17189,15 @@
             </a:pPr>
             <a:r>
               <a:rPr lang="zh-CN" altLang="en-US"/>
-              <a:t>如梦如幻与转型</a:t>
+              <a:t>激进的自我表达，灵魂、他人、群体</a:t>
+            </a:r>
+            <a:r>
+              <a:rPr lang="zh-CN" altLang="en-US" smtClean="0"/>
+              <a:t>共同体</a:t>
+            </a:r>
+            <a:r>
+              <a:rPr lang="en-US" altLang="zh-CN" smtClean="0"/>
+              <a:t>(2.0%)</a:t>
             </a:r>
             <a:endParaRPr lang="en-US" altLang="zh-CN"/>
           </a:p>
@@ -15844,7 +17207,15 @@
             </a:pPr>
             <a:r>
               <a:rPr lang="zh-CN" altLang="en-US"/>
-              <a:t>激进的自我表达，灵魂、他人、群体共同体</a:t>
+              <a:t>探索与</a:t>
+            </a:r>
+            <a:r>
+              <a:rPr lang="zh-CN" altLang="en-US" smtClean="0"/>
+              <a:t>娱乐</a:t>
+            </a:r>
+            <a:r>
+              <a:rPr lang="en-US" altLang="zh-CN" smtClean="0"/>
+              <a:t>(1.8%)</a:t>
             </a:r>
             <a:endParaRPr lang="en-US" altLang="zh-CN"/>
           </a:p>
@@ -15854,7 +17225,15 @@
             </a:pPr>
             <a:r>
               <a:rPr lang="zh-CN" altLang="en-US"/>
-              <a:t>探索与娱乐</a:t>
+              <a:t>回顾与</a:t>
+            </a:r>
+            <a:r>
+              <a:rPr lang="zh-CN" altLang="en-US" smtClean="0"/>
+              <a:t>感恩</a:t>
+            </a:r>
+            <a:r>
+              <a:rPr lang="en-US" altLang="zh-CN" smtClean="0"/>
+              <a:t>(0.5%)</a:t>
             </a:r>
             <a:endParaRPr lang="en-US" altLang="zh-CN"/>
           </a:p>
@@ -15864,7 +17243,15 @@
             </a:pPr>
             <a:r>
               <a:rPr lang="zh-CN" altLang="en-US"/>
-              <a:t>回顾与感恩</a:t>
+              <a:t>场景照片和</a:t>
+            </a:r>
+            <a:r>
+              <a:rPr lang="zh-CN" altLang="en-US" smtClean="0"/>
+              <a:t>准备</a:t>
+            </a:r>
+            <a:r>
+              <a:rPr lang="en-US" altLang="zh-CN" smtClean="0"/>
+              <a:t>(0.5%)</a:t>
             </a:r>
             <a:endParaRPr lang="en-US" altLang="zh-CN"/>
           </a:p>
@@ -15874,39 +17261,78 @@
             </a:pPr>
             <a:r>
               <a:rPr lang="zh-CN" altLang="en-US"/>
-              <a:t>场景照片和准备工作</a:t>
+              <a:t>回忆时间和</a:t>
             </a:r>
-            <a:endParaRPr lang="en-US" altLang="zh-CN"/>
-          </a:p>
-          <a:p>
-            <a:pPr marL="342900" indent="-342900">
-              <a:buAutoNum type="arabicPeriod"/>
-            </a:pPr>
             <a:r>
-              <a:rPr lang="zh-CN" altLang="en-US"/>
-              <a:t>回忆时间和地点</a:t>
+              <a:rPr lang="zh-CN" altLang="en-US" smtClean="0"/>
+              <a:t>地点</a:t>
+            </a:r>
+            <a:r>
+              <a:rPr lang="en-US" altLang="zh-CN" smtClean="0"/>
+              <a:t>(0.4%)</a:t>
             </a:r>
             <a:endParaRPr lang="en-US" altLang="zh-CN"/>
           </a:p>
         </p:txBody>
       </p:sp>
+      <p:pic>
+        <p:nvPicPr>
+          <p:cNvPr id="9" name="Picture 2" descr="https://ars.els-cdn.com/content/image/1-s2.0-S0160738321001882-gr3_lrg.jpg"/>
+          <p:cNvPicPr>
+            <a:picLocks noChangeAspect="1" noChangeArrowheads="1"/>
+          </p:cNvPicPr>
+          <p:nvPr/>
+        </p:nvPicPr>
+        <p:blipFill>
+          <a:blip r:embed="rId5" cstate="print">
+            <a:extLst>
+              <a:ext uri="{28A0092B-C50C-407E-A947-70E740481C1C}">
+                <a14:useLocalDpi xmlns:a14="http://schemas.microsoft.com/office/drawing/2010/main" val="0"/>
+              </a:ext>
+            </a:extLst>
+          </a:blip>
+          <a:srcRect/>
+          <a:stretch>
+            <a:fillRect/>
+          </a:stretch>
+        </p:blipFill>
+        <p:spPr bwMode="auto">
+          <a:xfrm>
+            <a:off x="660400" y="1487031"/>
+            <a:ext cx="7689046" cy="4643438"/>
+          </a:xfrm>
+          <a:prstGeom prst="rect">
+            <a:avLst/>
+          </a:prstGeom>
+          <a:noFill/>
+          <a:extLst>
+            <a:ext uri="{909E8E84-426E-40DD-AFC4-6F175D3DCCD1}">
+              <a14:hiddenFill xmlns:a14="http://schemas.microsoft.com/office/drawing/2010/main">
+                <a:solidFill>
+                  <a:srgbClr val="FFFFFF"/>
+                </a:solidFill>
+              </a14:hiddenFill>
+            </a:ext>
+          </a:extLst>
+        </p:spPr>
+      </p:pic>
       <p:sp>
         <p:nvSpPr>
-          <p:cNvPr id="7" name="矩形 6"/>
+          <p:cNvPr id="10" name="矩形 9"/>
           <p:cNvSpPr/>
           <p:nvPr/>
         </p:nvSpPr>
         <p:spPr>
           <a:xfrm>
             <a:off x="660400" y="6235700"/>
-            <a:ext cx="6096000" cy="307777"/>
+            <a:ext cx="6423306" cy="307777"/>
           </a:xfrm>
           <a:prstGeom prst="rect">
             <a:avLst/>
           </a:prstGeom>
         </p:spPr>
         <p:txBody>
-          <a:bodyPr>
+          <a:bodyPr wrap="square">
             <a:spAutoFit/>
           </a:bodyPr>
           <a:lstStyle/>
@@ -15921,8 +17347,17 @@
             </a:r>
             <a:r>
               <a:rPr lang="zh-CN" altLang="en-US" sz="1400"/>
-              <a:t>历时研究中的外部社会环境范畴与内部社会心理范畴聚类贡献度</a:t>
+              <a:t>历时研究中的外部社会环境范畴与内部社会心理范畴聚类贡献</a:t>
             </a:r>
+            <a:r>
+              <a:rPr lang="zh-CN" altLang="en-US" sz="1400" smtClean="0"/>
+              <a:t>度</a:t>
+            </a:r>
+            <a:r>
+              <a:rPr lang="en-US" altLang="zh-CN" sz="1400" smtClean="0"/>
+              <a:t>(Page 8)</a:t>
+            </a:r>
+            <a:endParaRPr lang="zh-CN" altLang="en-US" sz="1400"/>
           </a:p>
         </p:txBody>
       </p:sp>
@@ -15949,7 +17384,7 @@
 </p:sld>
 </file>
 
-<file path=ppt/slides/slide16.xml><?xml version="1.0" encoding="utf-8"?>
+<file path=ppt/slides/slide18.xml><?xml version="1.0" encoding="utf-8"?>
 <p:sld xmlns:a="http://schemas.openxmlformats.org/drawingml/2006/main" xmlns:r="http://schemas.openxmlformats.org/officeDocument/2006/relationships" xmlns:p="http://schemas.openxmlformats.org/presentationml/2006/main">
   <p:cSld>
     <p:spTree>
@@ -16133,7 +17568,7 @@
 </p:sld>
 </file>
 
-<file path=ppt/slides/slide17.xml><?xml version="1.0" encoding="utf-8"?>
+<file path=ppt/slides/slide19.xml><?xml version="1.0" encoding="utf-8"?>
 <p:sld xmlns:a="http://schemas.openxmlformats.org/drawingml/2006/main" xmlns:r="http://schemas.openxmlformats.org/officeDocument/2006/relationships" xmlns:p="http://schemas.openxmlformats.org/presentationml/2006/main">
   <p:cSld>
     <p:spTree>
@@ -16216,7 +17651,7 @@
                 <a:sym typeface="+mn-lt"/>
               </a:rPr>
               <a:pPr/>
-              <a:t>17</a:t>
+              <a:t>19</a:t>
             </a:fld>
             <a:endParaRPr lang="en-US" altLang="zh-CN">
               <a:cs typeface="+mn-ea"/>
@@ -16317,7 +17752,55 @@
             </a:r>
             <a:r>
               <a:rPr lang="zh-CN" altLang="en-US" sz="2000" dirty="0"/>
-              <a:t>艺术作品与积极情绪（如爱、惊人、难以置信、感恩等）密切相关。艺术车为参与者带来了“在云中荡秋千”等具有惊叹感、敬畏感的体验。</a:t>
+              <a:t>艺术作品与积极</a:t>
+            </a:r>
+            <a:r>
+              <a:rPr lang="zh-CN" altLang="en-US" sz="2000"/>
+              <a:t>情绪</a:t>
+            </a:r>
+            <a:r>
+              <a:rPr lang="zh-CN" altLang="en-US" sz="2000" smtClean="0"/>
+              <a:t>（</a:t>
+            </a:r>
+            <a:r>
+              <a:rPr lang="en-US" altLang="zh-CN" sz="2000"/>
+              <a:t>e.g., love, amazing, incredible</a:t>
+            </a:r>
+            <a:r>
+              <a:rPr lang="zh-CN" altLang="en-US" sz="2000" smtClean="0"/>
+              <a:t>）密切相关</a:t>
+            </a:r>
+            <a:r>
+              <a:rPr lang="zh-CN" altLang="en-US" sz="2000"/>
+              <a:t>，</a:t>
+            </a:r>
+            <a:r>
+              <a:rPr lang="zh-CN" altLang="en-US" sz="2000" smtClean="0"/>
+              <a:t>为</a:t>
+            </a:r>
+            <a:r>
+              <a:rPr lang="zh-CN" altLang="en-US" sz="2000" dirty="0"/>
+              <a:t>参与者带来</a:t>
+            </a:r>
+            <a:r>
+              <a:rPr lang="zh-CN" altLang="en-US" sz="2000"/>
+              <a:t>了</a:t>
+            </a:r>
+            <a:r>
+              <a:rPr lang="zh-CN" altLang="en-US" sz="2000" smtClean="0"/>
+              <a:t>“</a:t>
+            </a:r>
+            <a:r>
+              <a:rPr lang="en-US" altLang="zh-CN" sz="2000"/>
+              <a:t>Would you like to swing in clouds?</a:t>
+            </a:r>
+            <a:r>
+              <a:rPr lang="zh-CN" altLang="en-US" sz="2000" smtClean="0"/>
+              <a:t>”</a:t>
+            </a:r>
+            <a:r>
+              <a:rPr lang="zh-CN" altLang="en-US" sz="2000" dirty="0"/>
+              <a:t>等具有惊叹感、敬畏感的体验。</a:t>
             </a:r>
             <a:endParaRPr lang="en-US" altLang="zh-CN" sz="2000" dirty="0"/>
           </a:p>
@@ -16339,11 +17822,83 @@
                   </a:schemeClr>
                 </a:solidFill>
               </a:rPr>
-              <a:t>独特活动强化了火人节的差异性。</a:t>
+              <a:t>独特活动强化了火人节的差异</a:t>
+            </a:r>
+            <a:r>
+              <a:rPr lang="zh-CN" altLang="en-US" sz="2000" b="1">
+                <a:solidFill>
+                  <a:schemeClr val="accent4">
+                    <a:lumMod val="75000"/>
+                  </a:schemeClr>
+                </a:solidFill>
+              </a:rPr>
+              <a:t>性</a:t>
+            </a:r>
+            <a:r>
+              <a:rPr lang="zh-CN" altLang="en-US" sz="2000" b="1" smtClean="0">
+                <a:solidFill>
+                  <a:schemeClr val="accent4">
+                    <a:lumMod val="75000"/>
+                  </a:schemeClr>
+                </a:solidFill>
+              </a:rPr>
+              <a:t>。</a:t>
+            </a:r>
+            <a:r>
+              <a:rPr lang="zh-CN" altLang="en-US" sz="2000" smtClean="0"/>
+              <a:t>火</a:t>
             </a:r>
             <a:r>
               <a:rPr lang="zh-CN" altLang="en-US" sz="2000" dirty="0"/>
-              <a:t>因火人节举办地位于沙漠且拥有“木偶人燃烧”“沙漠音乐节”等独特活动，参与者形成了差异化且宏大的火人节形象感知。</a:t>
+              <a:t>人节举办地位于沙漠</a:t>
+            </a:r>
+            <a:r>
+              <a:rPr lang="zh-CN" altLang="en-US" sz="2000"/>
+              <a:t>且</a:t>
+            </a:r>
+            <a:r>
+              <a:rPr lang="zh-CN" altLang="en-US" sz="2000" smtClean="0"/>
+              <a:t>拥有</a:t>
+            </a:r>
+            <a:r>
+              <a:rPr lang="en-US" altLang="zh-CN" sz="2000" smtClean="0"/>
+              <a:t>”</a:t>
+            </a:r>
+            <a:r>
+              <a:rPr lang="en-US" altLang="zh-CN" sz="2000"/>
+              <a:t> Temple Burn</a:t>
+            </a:r>
+            <a:r>
+              <a:rPr lang="en-US" altLang="zh-CN" sz="2000" smtClean="0"/>
+              <a:t>””</a:t>
+            </a:r>
+            <a:r>
+              <a:rPr lang="en-US" altLang="zh-CN" sz="2000"/>
+              <a:t> Music &amp; Art</a:t>
+            </a:r>
+            <a:r>
+              <a:rPr lang="en-US" altLang="zh-CN" sz="2000" smtClean="0"/>
+              <a:t>”</a:t>
+            </a:r>
+            <a:r>
+              <a:rPr lang="zh-CN" altLang="en-US" sz="2000" smtClean="0"/>
+              <a:t>等</a:t>
+            </a:r>
+            <a:r>
+              <a:rPr lang="zh-CN" altLang="en-US" sz="2000" dirty="0"/>
+              <a:t>独特</a:t>
+            </a:r>
+            <a:r>
+              <a:rPr lang="zh-CN" altLang="en-US" sz="2000"/>
+              <a:t>活动</a:t>
+            </a:r>
+            <a:r>
+              <a:rPr lang="zh-CN" altLang="en-US" sz="2000" smtClean="0"/>
+              <a:t>，形成</a:t>
+            </a:r>
+            <a:r>
+              <a:rPr lang="zh-CN" altLang="en-US" sz="2000" dirty="0"/>
+              <a:t>了差异化且宏大的火人节形象感知。</a:t>
             </a:r>
             <a:endParaRPr lang="en-US" altLang="zh-CN" sz="2000" dirty="0"/>
           </a:p>
@@ -16430,7 +17985,1277 @@
 </p:sld>
 </file>
 
-<file path=ppt/slides/slide18.xml><?xml version="1.0" encoding="utf-8"?>
+<file path=ppt/slides/slide2.xml><?xml version="1.0" encoding="utf-8"?>
+<p:sld xmlns:a="http://schemas.openxmlformats.org/drawingml/2006/main" xmlns:r="http://schemas.openxmlformats.org/officeDocument/2006/relationships" xmlns:p="http://schemas.openxmlformats.org/presentationml/2006/main">
+  <p:cSld>
+    <p:spTree>
+      <p:nvGrpSpPr>
+        <p:cNvPr id="1" name="îṥľîḍê"/>
+        <p:cNvGrpSpPr/>
+        <p:nvPr/>
+      </p:nvGrpSpPr>
+      <p:grpSpPr>
+        <a:xfrm>
+          <a:off x="0" y="0"/>
+          <a:ext cx="0" cy="0"/>
+          <a:chOff x="0" y="0"/>
+          <a:chExt cx="0" cy="0"/>
+        </a:xfrm>
+      </p:grpSpPr>
+      <p:sp>
+        <p:nvSpPr>
+          <p:cNvPr id="3" name="îś1iḑe">
+            <a:extLst>
+              <a:ext uri="{FF2B5EF4-FFF2-40B4-BE49-F238E27FC236}">
+                <a16:creationId xmlns="" xmlns:a16="http://schemas.microsoft.com/office/drawing/2014/main" id="{D0354FBB-2958-5F50-F024-31B27882F4EE}"/>
+              </a:ext>
+            </a:extLst>
+          </p:cNvPr>
+          <p:cNvSpPr/>
+          <p:nvPr/>
+        </p:nvSpPr>
+        <p:spPr>
+          <a:xfrm flipH="1">
+            <a:off x="4605565" y="1314966"/>
+            <a:ext cx="2968171" cy="1012755"/>
+          </a:xfrm>
+          <a:prstGeom prst="rect">
+            <a:avLst/>
+          </a:prstGeom>
+          <a:noFill/>
+          <a:ln>
+            <a:noFill/>
+          </a:ln>
+        </p:spPr>
+        <p:style>
+          <a:lnRef idx="2">
+            <a:schemeClr val="accent1">
+              <a:shade val="50000"/>
+            </a:schemeClr>
+          </a:lnRef>
+          <a:fillRef idx="1">
+            <a:schemeClr val="accent1"/>
+          </a:fillRef>
+          <a:effectRef idx="0">
+            <a:schemeClr val="accent1"/>
+          </a:effectRef>
+          <a:fontRef idx="minor">
+            <a:schemeClr val="lt1"/>
+          </a:fontRef>
+        </p:style>
+        <p:txBody>
+          <a:bodyPr vert="horz" wrap="square" tIns="90000" bIns="90000" rtlCol="0" anchor="b" anchorCtr="0">
+            <a:spAutoFit/>
+          </a:bodyPr>
+          <a:lstStyle>
+            <a:defPPr>
+              <a:defRPr lang="zh-CN"/>
+            </a:defPPr>
+            <a:lvl1pPr marL="0" algn="l" defTabSz="914400" rtl="0" eaLnBrk="1" latinLnBrk="0" hangingPunct="1">
+              <a:defRPr sz="1800" kern="1200">
+                <a:solidFill>
+                  <a:schemeClr val="lt1"/>
+                </a:solidFill>
+              </a:defRPr>
+            </a:lvl1pPr>
+            <a:lvl2pPr marL="457200" algn="l" defTabSz="914400" rtl="0" eaLnBrk="1" latinLnBrk="0" hangingPunct="1">
+              <a:defRPr sz="1800" kern="1200">
+                <a:solidFill>
+                  <a:schemeClr val="lt1"/>
+                </a:solidFill>
+              </a:defRPr>
+            </a:lvl2pPr>
+            <a:lvl3pPr marL="914400" algn="l" defTabSz="914400" rtl="0" eaLnBrk="1" latinLnBrk="0" hangingPunct="1">
+              <a:defRPr sz="1800" kern="1200">
+                <a:solidFill>
+                  <a:schemeClr val="lt1"/>
+                </a:solidFill>
+              </a:defRPr>
+            </a:lvl3pPr>
+            <a:lvl4pPr marL="1371600" algn="l" defTabSz="914400" rtl="0" eaLnBrk="1" latinLnBrk="0" hangingPunct="1">
+              <a:defRPr sz="1800" kern="1200">
+                <a:solidFill>
+                  <a:schemeClr val="lt1"/>
+                </a:solidFill>
+              </a:defRPr>
+            </a:lvl4pPr>
+            <a:lvl5pPr marL="1828800" algn="l" defTabSz="914400" rtl="0" eaLnBrk="1" latinLnBrk="0" hangingPunct="1">
+              <a:defRPr sz="1800" kern="1200">
+                <a:solidFill>
+                  <a:schemeClr val="lt1"/>
+                </a:solidFill>
+              </a:defRPr>
+            </a:lvl5pPr>
+            <a:lvl6pPr marL="2286000" algn="l" defTabSz="914400" rtl="0" eaLnBrk="1" latinLnBrk="0" hangingPunct="1">
+              <a:defRPr sz="1800" kern="1200">
+                <a:solidFill>
+                  <a:schemeClr val="lt1"/>
+                </a:solidFill>
+              </a:defRPr>
+            </a:lvl6pPr>
+            <a:lvl7pPr marL="2743200" algn="l" defTabSz="914400" rtl="0" eaLnBrk="1" latinLnBrk="0" hangingPunct="1">
+              <a:defRPr sz="1800" kern="1200">
+                <a:solidFill>
+                  <a:schemeClr val="lt1"/>
+                </a:solidFill>
+              </a:defRPr>
+            </a:lvl7pPr>
+            <a:lvl8pPr marL="3200400" algn="l" defTabSz="914400" rtl="0" eaLnBrk="1" latinLnBrk="0" hangingPunct="1">
+              <a:defRPr sz="1800" kern="1200">
+                <a:solidFill>
+                  <a:schemeClr val="lt1"/>
+                </a:solidFill>
+              </a:defRPr>
+            </a:lvl8pPr>
+            <a:lvl9pPr marL="3657600" algn="l" defTabSz="914400" rtl="0" eaLnBrk="1" latinLnBrk="0" hangingPunct="1">
+              <a:defRPr sz="1800" kern="1200">
+                <a:solidFill>
+                  <a:schemeClr val="lt1"/>
+                </a:solidFill>
+              </a:defRPr>
+            </a:lvl9pPr>
+          </a:lstStyle>
+          <a:p>
+            <a:pPr algn="ctr"/>
+            <a:r>
+              <a:rPr kumimoji="1" lang="zh-CN" altLang="en-US" sz="5400" b="1">
+                <a:solidFill>
+                  <a:schemeClr val="tx1"/>
+                </a:solidFill>
+                <a:cs typeface="+mn-ea"/>
+                <a:sym typeface="+mn-lt"/>
+              </a:rPr>
+              <a:t>目  录</a:t>
+            </a:r>
+            <a:endParaRPr kumimoji="1" lang="zh-CN" altLang="en-US" sz="5400" b="1" dirty="0">
+              <a:solidFill>
+                <a:schemeClr val="tx1"/>
+              </a:solidFill>
+              <a:cs typeface="+mn-ea"/>
+              <a:sym typeface="+mn-lt"/>
+            </a:endParaRPr>
+          </a:p>
+        </p:txBody>
+      </p:sp>
+      <p:grpSp>
+        <p:nvGrpSpPr>
+          <p:cNvPr id="28" name="ïṡ1ïďê">
+            <a:extLst>
+              <a:ext uri="{FF2B5EF4-FFF2-40B4-BE49-F238E27FC236}">
+                <a16:creationId xmlns="" xmlns:a16="http://schemas.microsoft.com/office/drawing/2014/main" id="{401E74F1-26A2-4054-3FE5-34F17BBBD947}"/>
+              </a:ext>
+            </a:extLst>
+          </p:cNvPr>
+          <p:cNvGrpSpPr/>
+          <p:nvPr/>
+        </p:nvGrpSpPr>
+        <p:grpSpPr>
+          <a:xfrm>
+            <a:off x="660400" y="2611171"/>
+            <a:ext cx="10858500" cy="3553770"/>
+            <a:chOff x="660400" y="2611171"/>
+            <a:chExt cx="10858500" cy="3553770"/>
+          </a:xfrm>
+        </p:grpSpPr>
+        <p:grpSp>
+          <p:nvGrpSpPr>
+            <p:cNvPr id="4" name="ïs1îdé">
+              <a:extLst>
+                <a:ext uri="{FF2B5EF4-FFF2-40B4-BE49-F238E27FC236}">
+                  <a16:creationId xmlns="" xmlns:a16="http://schemas.microsoft.com/office/drawing/2014/main" id="{A59C4AA7-1E2D-9B78-4676-CAC1DD6A8512}"/>
+                </a:ext>
+              </a:extLst>
+            </p:cNvPr>
+            <p:cNvGrpSpPr/>
+            <p:nvPr/>
+          </p:nvGrpSpPr>
+          <p:grpSpPr>
+            <a:xfrm>
+              <a:off x="660400" y="2611171"/>
+              <a:ext cx="5007242" cy="1615334"/>
+              <a:chOff x="4738440" y="1443865"/>
+              <a:chExt cx="3404076" cy="1615334"/>
+            </a:xfrm>
+          </p:grpSpPr>
+          <p:grpSp>
+            <p:nvGrpSpPr>
+              <p:cNvPr id="23" name="îṡḷîḍê">
+                <a:extLst>
+                  <a:ext uri="{FF2B5EF4-FFF2-40B4-BE49-F238E27FC236}">
+                    <a16:creationId xmlns="" xmlns:a16="http://schemas.microsoft.com/office/drawing/2014/main" id="{83A16A7A-BAB6-5F7E-B9C7-C9DF9D8C87FE}"/>
+                  </a:ext>
+                </a:extLst>
+              </p:cNvPr>
+              <p:cNvGrpSpPr/>
+              <p:nvPr/>
+            </p:nvGrpSpPr>
+            <p:grpSpPr>
+              <a:xfrm>
+                <a:off x="4738440" y="2216562"/>
+                <a:ext cx="3389088" cy="842637"/>
+                <a:chOff x="6774974" y="1992682"/>
+                <a:chExt cx="3389088" cy="842637"/>
+              </a:xfrm>
+            </p:grpSpPr>
+            <p:sp>
+              <p:nvSpPr>
+                <p:cNvPr id="26" name="îṡļîḍé">
+                  <a:extLst>
+                    <a:ext uri="{FF2B5EF4-FFF2-40B4-BE49-F238E27FC236}">
+                      <a16:creationId xmlns="" xmlns:a16="http://schemas.microsoft.com/office/drawing/2014/main" id="{974BC2CC-C69D-C78B-0327-CE16D187A56D}"/>
+                    </a:ext>
+                  </a:extLst>
+                </p:cNvPr>
+                <p:cNvSpPr/>
+                <p:nvPr/>
+              </p:nvSpPr>
+              <p:spPr>
+                <a:xfrm>
+                  <a:off x="6774974" y="2532929"/>
+                  <a:ext cx="3389088" cy="302390"/>
+                </a:xfrm>
+                <a:prstGeom prst="rect">
+                  <a:avLst/>
+                </a:prstGeom>
+                <a:noFill/>
+                <a:ln>
+                  <a:noFill/>
+                </a:ln>
+              </p:spPr>
+              <p:style>
+                <a:lnRef idx="2">
+                  <a:schemeClr val="accent1">
+                    <a:shade val="50000"/>
+                  </a:schemeClr>
+                </a:lnRef>
+                <a:fillRef idx="1">
+                  <a:schemeClr val="accent1"/>
+                </a:fillRef>
+                <a:effectRef idx="0">
+                  <a:schemeClr val="accent1"/>
+                </a:effectRef>
+                <a:fontRef idx="minor">
+                  <a:schemeClr val="lt1"/>
+                </a:fontRef>
+              </p:style>
+              <p:txBody>
+                <a:bodyPr wrap="square" lIns="91440" tIns="45720" rIns="91440" bIns="45720" rtlCol="0" anchor="t" anchorCtr="0">
+                  <a:spAutoFit/>
+                </a:bodyPr>
+                <a:lstStyle/>
+                <a:p>
+                  <a:pPr>
+                    <a:lnSpc>
+                      <a:spcPct val="130000"/>
+                    </a:lnSpc>
+                  </a:pPr>
+                  <a:r>
+                    <a:rPr kumimoji="1" lang="en-US" altLang="zh-CN" sz="1050">
+                      <a:solidFill>
+                        <a:schemeClr val="tx1"/>
+                      </a:solidFill>
+                      <a:cs typeface="+mn-ea"/>
+                      <a:sym typeface="+mn-lt"/>
+                    </a:rPr>
+                    <a:t>Abstract</a:t>
+                  </a:r>
+                  <a:endParaRPr kumimoji="1" lang="en-US" altLang="zh-CN" sz="1050" dirty="0">
+                    <a:solidFill>
+                      <a:schemeClr val="tx1"/>
+                    </a:solidFill>
+                    <a:cs typeface="+mn-ea"/>
+                    <a:sym typeface="+mn-lt"/>
+                  </a:endParaRPr>
+                </a:p>
+              </p:txBody>
+            </p:sp>
+            <p:sp>
+              <p:nvSpPr>
+                <p:cNvPr id="27" name="íṣḷíḍê">
+                  <a:extLst>
+                    <a:ext uri="{FF2B5EF4-FFF2-40B4-BE49-F238E27FC236}">
+                      <a16:creationId xmlns="" xmlns:a16="http://schemas.microsoft.com/office/drawing/2014/main" id="{A0274DD3-C0CF-66A0-76C7-92563CE77AF4}"/>
+                    </a:ext>
+                  </a:extLst>
+                </p:cNvPr>
+                <p:cNvSpPr txBox="1"/>
+                <p:nvPr/>
+              </p:nvSpPr>
+              <p:spPr>
+                <a:xfrm>
+                  <a:off x="6774976" y="1992682"/>
+                  <a:ext cx="3389086" cy="523220"/>
+                </a:xfrm>
+                <a:prstGeom prst="rect">
+                  <a:avLst/>
+                </a:prstGeom>
+                <a:noFill/>
+              </p:spPr>
+              <p:txBody>
+                <a:bodyPr wrap="square" lIns="91440" tIns="45720" rIns="91440" bIns="45720" rtlCol="0" anchor="b" anchorCtr="0">
+                  <a:spAutoFit/>
+                </a:bodyPr>
+                <a:lstStyle/>
+                <a:p>
+                  <a:r>
+                    <a:rPr kumimoji="1" lang="zh-CN" altLang="en-US" sz="2800" b="1">
+                      <a:cs typeface="+mn-ea"/>
+                      <a:sym typeface="+mn-lt"/>
+                    </a:rPr>
+                    <a:t>论文</a:t>
+                  </a:r>
+                  <a:r>
+                    <a:rPr kumimoji="1" lang="zh-CN" altLang="en-US" sz="2800" b="1" smtClean="0">
+                      <a:cs typeface="+mn-ea"/>
+                      <a:sym typeface="+mn-lt"/>
+                    </a:rPr>
+                    <a:t>摘要（</a:t>
+                  </a:r>
+                  <a:r>
+                    <a:rPr kumimoji="1" lang="zh-CN" altLang="en-US" sz="2800" b="1">
+                      <a:cs typeface="+mn-ea"/>
+                      <a:sym typeface="+mn-lt"/>
+                    </a:rPr>
+                    <a:t>总</a:t>
+                  </a:r>
+                  <a:r>
+                    <a:rPr kumimoji="1" lang="zh-CN" altLang="en-US" sz="2800" b="1" smtClean="0">
+                      <a:cs typeface="+mn-ea"/>
+                      <a:sym typeface="+mn-lt"/>
+                    </a:rPr>
+                    <a:t>）</a:t>
+                  </a:r>
+                  <a:endParaRPr kumimoji="1" lang="zh-CN" altLang="en-US" sz="2800" b="1" dirty="0">
+                    <a:cs typeface="+mn-ea"/>
+                    <a:sym typeface="+mn-lt"/>
+                  </a:endParaRPr>
+                </a:p>
+              </p:txBody>
+            </p:sp>
+          </p:grpSp>
+          <p:sp>
+            <p:nvSpPr>
+              <p:cNvPr id="24" name="í$ľîḑé">
+                <a:extLst>
+                  <a:ext uri="{FF2B5EF4-FFF2-40B4-BE49-F238E27FC236}">
+                    <a16:creationId xmlns="" xmlns:a16="http://schemas.microsoft.com/office/drawing/2014/main" id="{979C6938-A6F8-AAF2-46B0-E3F2126FF04A}"/>
+                  </a:ext>
+                </a:extLst>
+              </p:cNvPr>
+              <p:cNvSpPr txBox="1"/>
+              <p:nvPr/>
+            </p:nvSpPr>
+            <p:spPr>
+              <a:xfrm>
+                <a:off x="4738442" y="1443865"/>
+                <a:ext cx="3404074" cy="707886"/>
+              </a:xfrm>
+              <a:prstGeom prst="rect">
+                <a:avLst/>
+              </a:prstGeom>
+              <a:noFill/>
+            </p:spPr>
+            <p:txBody>
+              <a:bodyPr wrap="square" lIns="91440" tIns="45720" rIns="91440" bIns="45720" rtlCol="0" anchor="b" anchorCtr="0">
+                <a:spAutoFit/>
+              </a:bodyPr>
+              <a:lstStyle/>
+              <a:p>
+                <a:r>
+                  <a:rPr kumimoji="1" lang="en-US" altLang="zh-CN" sz="4000" b="1" dirty="0">
+                    <a:solidFill>
+                      <a:schemeClr val="accent1"/>
+                    </a:solidFill>
+                    <a:cs typeface="+mn-ea"/>
+                    <a:sym typeface="+mn-lt"/>
+                  </a:rPr>
+                  <a:t>01</a:t>
+                </a:r>
+              </a:p>
+            </p:txBody>
+          </p:sp>
+          <p:cxnSp>
+            <p:nvCxnSpPr>
+              <p:cNvPr id="25" name="ïş1íḍé">
+                <a:extLst>
+                  <a:ext uri="{FF2B5EF4-FFF2-40B4-BE49-F238E27FC236}">
+                    <a16:creationId xmlns="" xmlns:a16="http://schemas.microsoft.com/office/drawing/2014/main" id="{D5825AA2-9950-0400-5DEF-2AF023D0C64C}"/>
+                  </a:ext>
+                </a:extLst>
+              </p:cNvPr>
+              <p:cNvCxnSpPr>
+                <a:cxnSpLocks/>
+              </p:cNvCxnSpPr>
+              <p:nvPr/>
+            </p:nvCxnSpPr>
+            <p:spPr>
+              <a:xfrm>
+                <a:off x="4738440" y="2151751"/>
+                <a:ext cx="3152113" cy="0"/>
+              </a:xfrm>
+              <a:prstGeom prst="line">
+                <a:avLst/>
+              </a:prstGeom>
+              <a:ln>
+                <a:solidFill>
+                  <a:schemeClr val="tx2">
+                    <a:alpha val="70000"/>
+                  </a:schemeClr>
+                </a:solidFill>
+              </a:ln>
+            </p:spPr>
+            <p:style>
+              <a:lnRef idx="1">
+                <a:schemeClr val="accent1"/>
+              </a:lnRef>
+              <a:fillRef idx="0">
+                <a:schemeClr val="accent1"/>
+              </a:fillRef>
+              <a:effectRef idx="0">
+                <a:schemeClr val="accent1"/>
+              </a:effectRef>
+              <a:fontRef idx="minor">
+                <a:schemeClr val="tx1"/>
+              </a:fontRef>
+            </p:style>
+          </p:cxnSp>
+        </p:grpSp>
+        <p:grpSp>
+          <p:nvGrpSpPr>
+            <p:cNvPr id="5" name="işļïďe">
+              <a:extLst>
+                <a:ext uri="{FF2B5EF4-FFF2-40B4-BE49-F238E27FC236}">
+                  <a16:creationId xmlns="" xmlns:a16="http://schemas.microsoft.com/office/drawing/2014/main" id="{680FF075-5785-C39F-CF6A-060A778FC165}"/>
+                </a:ext>
+              </a:extLst>
+            </p:cNvPr>
+            <p:cNvGrpSpPr/>
+            <p:nvPr/>
+          </p:nvGrpSpPr>
+          <p:grpSpPr>
+            <a:xfrm>
+              <a:off x="6467568" y="2611171"/>
+              <a:ext cx="5007239" cy="1615334"/>
+              <a:chOff x="4723454" y="1443865"/>
+              <a:chExt cx="3404074" cy="1615334"/>
+            </a:xfrm>
+          </p:grpSpPr>
+          <p:grpSp>
+            <p:nvGrpSpPr>
+              <p:cNvPr id="18" name="iṧḻiḑe">
+                <a:extLst>
+                  <a:ext uri="{FF2B5EF4-FFF2-40B4-BE49-F238E27FC236}">
+                    <a16:creationId xmlns="" xmlns:a16="http://schemas.microsoft.com/office/drawing/2014/main" id="{70E30EDB-7B75-6D8A-1BBF-1A2FC1BEE801}"/>
+                  </a:ext>
+                </a:extLst>
+              </p:cNvPr>
+              <p:cNvGrpSpPr/>
+              <p:nvPr/>
+            </p:nvGrpSpPr>
+            <p:grpSpPr>
+              <a:xfrm>
+                <a:off x="4738440" y="2216562"/>
+                <a:ext cx="3389088" cy="842637"/>
+                <a:chOff x="6774974" y="1992682"/>
+                <a:chExt cx="3389088" cy="842637"/>
+              </a:xfrm>
+            </p:grpSpPr>
+            <p:sp>
+              <p:nvSpPr>
+                <p:cNvPr id="21" name="î$ḻíḓe">
+                  <a:extLst>
+                    <a:ext uri="{FF2B5EF4-FFF2-40B4-BE49-F238E27FC236}">
+                      <a16:creationId xmlns="" xmlns:a16="http://schemas.microsoft.com/office/drawing/2014/main" id="{2B4705B8-0650-B985-369F-C2EE665081DA}"/>
+                    </a:ext>
+                  </a:extLst>
+                </p:cNvPr>
+                <p:cNvSpPr/>
+                <p:nvPr/>
+              </p:nvSpPr>
+              <p:spPr>
+                <a:xfrm>
+                  <a:off x="6774974" y="2532929"/>
+                  <a:ext cx="3389088" cy="302390"/>
+                </a:xfrm>
+                <a:prstGeom prst="rect">
+                  <a:avLst/>
+                </a:prstGeom>
+                <a:noFill/>
+                <a:ln>
+                  <a:noFill/>
+                </a:ln>
+              </p:spPr>
+              <p:style>
+                <a:lnRef idx="2">
+                  <a:schemeClr val="accent1">
+                    <a:shade val="50000"/>
+                  </a:schemeClr>
+                </a:lnRef>
+                <a:fillRef idx="1">
+                  <a:schemeClr val="accent1"/>
+                </a:fillRef>
+                <a:effectRef idx="0">
+                  <a:schemeClr val="accent1"/>
+                </a:effectRef>
+                <a:fontRef idx="minor">
+                  <a:schemeClr val="lt1"/>
+                </a:fontRef>
+              </p:style>
+              <p:txBody>
+                <a:bodyPr wrap="square" lIns="91440" tIns="45720" rIns="91440" bIns="45720" rtlCol="0" anchor="t" anchorCtr="0">
+                  <a:spAutoFit/>
+                </a:bodyPr>
+                <a:lstStyle/>
+                <a:p>
+                  <a:pPr>
+                    <a:lnSpc>
+                      <a:spcPct val="130000"/>
+                    </a:lnSpc>
+                  </a:pPr>
+                  <a:r>
+                    <a:rPr kumimoji="1" lang="en-US" altLang="zh-CN" sz="1050">
+                      <a:solidFill>
+                        <a:schemeClr val="tx1"/>
+                      </a:solidFill>
+                      <a:cs typeface="+mn-ea"/>
+                      <a:sym typeface="+mn-lt"/>
+                    </a:rPr>
+                    <a:t>Research Background and Topic</a:t>
+                  </a:r>
+                  <a:endParaRPr kumimoji="1" lang="en-US" altLang="zh-CN" sz="1050" dirty="0">
+                    <a:solidFill>
+                      <a:schemeClr val="tx1"/>
+                    </a:solidFill>
+                    <a:cs typeface="+mn-ea"/>
+                    <a:sym typeface="+mn-lt"/>
+                  </a:endParaRPr>
+                </a:p>
+              </p:txBody>
+            </p:sp>
+            <p:sp>
+              <p:nvSpPr>
+                <p:cNvPr id="22" name="ïṡḷiḋê">
+                  <a:extLst>
+                    <a:ext uri="{FF2B5EF4-FFF2-40B4-BE49-F238E27FC236}">
+                      <a16:creationId xmlns="" xmlns:a16="http://schemas.microsoft.com/office/drawing/2014/main" id="{08308386-E14E-B76B-24F2-4625C2F22BB8}"/>
+                    </a:ext>
+                  </a:extLst>
+                </p:cNvPr>
+                <p:cNvSpPr txBox="1"/>
+                <p:nvPr/>
+              </p:nvSpPr>
+              <p:spPr>
+                <a:xfrm>
+                  <a:off x="6774976" y="1992682"/>
+                  <a:ext cx="3389086" cy="523220"/>
+                </a:xfrm>
+                <a:prstGeom prst="rect">
+                  <a:avLst/>
+                </a:prstGeom>
+                <a:noFill/>
+              </p:spPr>
+              <p:txBody>
+                <a:bodyPr wrap="square" lIns="91440" tIns="45720" rIns="91440" bIns="45720" rtlCol="0" anchor="b" anchorCtr="0">
+                  <a:spAutoFit/>
+                </a:bodyPr>
+                <a:lstStyle/>
+                <a:p>
+                  <a:r>
+                    <a:rPr kumimoji="1" lang="zh-CN" altLang="en-US" sz="2800" b="1">
+                      <a:cs typeface="+mn-ea"/>
+                      <a:sym typeface="+mn-lt"/>
+                    </a:rPr>
+                    <a:t>研究背景与研究主题</a:t>
+                  </a:r>
+                  <a:r>
+                    <a:rPr kumimoji="1" lang="zh-CN" altLang="en-US" sz="2800" b="1" smtClean="0">
+                      <a:cs typeface="+mn-ea"/>
+                      <a:sym typeface="+mn-lt"/>
+                    </a:rPr>
+                    <a:t>（分）</a:t>
+                  </a:r>
+                  <a:endParaRPr kumimoji="1" lang="zh-CN" altLang="en-US" sz="2800" b="1">
+                    <a:cs typeface="+mn-ea"/>
+                    <a:sym typeface="+mn-lt"/>
+                  </a:endParaRPr>
+                </a:p>
+              </p:txBody>
+            </p:sp>
+          </p:grpSp>
+          <p:sp>
+            <p:nvSpPr>
+              <p:cNvPr id="19" name="iSḷiḓè">
+                <a:extLst>
+                  <a:ext uri="{FF2B5EF4-FFF2-40B4-BE49-F238E27FC236}">
+                    <a16:creationId xmlns="" xmlns:a16="http://schemas.microsoft.com/office/drawing/2014/main" id="{1C7B2D58-D572-5556-A2BE-70A6FFFFABEC}"/>
+                  </a:ext>
+                </a:extLst>
+              </p:cNvPr>
+              <p:cNvSpPr txBox="1"/>
+              <p:nvPr/>
+            </p:nvSpPr>
+            <p:spPr>
+              <a:xfrm>
+                <a:off x="4723454" y="1443865"/>
+                <a:ext cx="3404074" cy="707886"/>
+              </a:xfrm>
+              <a:prstGeom prst="rect">
+                <a:avLst/>
+              </a:prstGeom>
+              <a:noFill/>
+            </p:spPr>
+            <p:txBody>
+              <a:bodyPr wrap="square" lIns="91440" tIns="45720" rIns="91440" bIns="45720" rtlCol="0" anchor="b" anchorCtr="0">
+                <a:spAutoFit/>
+              </a:bodyPr>
+              <a:lstStyle/>
+              <a:p>
+                <a:r>
+                  <a:rPr kumimoji="1" lang="en-US" altLang="zh-CN" sz="4000" b="1" dirty="0">
+                    <a:solidFill>
+                      <a:schemeClr val="accent2"/>
+                    </a:solidFill>
+                    <a:cs typeface="+mn-ea"/>
+                    <a:sym typeface="+mn-lt"/>
+                  </a:rPr>
+                  <a:t>02</a:t>
+                </a:r>
+              </a:p>
+            </p:txBody>
+          </p:sp>
+          <p:cxnSp>
+            <p:nvCxnSpPr>
+              <p:cNvPr id="20" name="ïs1ïḑè">
+                <a:extLst>
+                  <a:ext uri="{FF2B5EF4-FFF2-40B4-BE49-F238E27FC236}">
+                    <a16:creationId xmlns="" xmlns:a16="http://schemas.microsoft.com/office/drawing/2014/main" id="{833515B7-2AE8-189A-B30D-C1B938DA6302}"/>
+                  </a:ext>
+                </a:extLst>
+              </p:cNvPr>
+              <p:cNvCxnSpPr>
+                <a:cxnSpLocks/>
+              </p:cNvCxnSpPr>
+              <p:nvPr/>
+            </p:nvCxnSpPr>
+            <p:spPr>
+              <a:xfrm>
+                <a:off x="4738440" y="2151751"/>
+                <a:ext cx="3152113" cy="0"/>
+              </a:xfrm>
+              <a:prstGeom prst="line">
+                <a:avLst/>
+              </a:prstGeom>
+              <a:ln>
+                <a:solidFill>
+                  <a:schemeClr val="tx2">
+                    <a:alpha val="70000"/>
+                  </a:schemeClr>
+                </a:solidFill>
+              </a:ln>
+            </p:spPr>
+            <p:style>
+              <a:lnRef idx="1">
+                <a:schemeClr val="accent1"/>
+              </a:lnRef>
+              <a:fillRef idx="0">
+                <a:schemeClr val="accent1"/>
+              </a:fillRef>
+              <a:effectRef idx="0">
+                <a:schemeClr val="accent1"/>
+              </a:effectRef>
+              <a:fontRef idx="minor">
+                <a:schemeClr val="tx1"/>
+              </a:fontRef>
+            </p:style>
+          </p:cxnSp>
+        </p:grpSp>
+        <p:grpSp>
+          <p:nvGrpSpPr>
+            <p:cNvPr id="6" name="iṩḷîḋé">
+              <a:extLst>
+                <a:ext uri="{FF2B5EF4-FFF2-40B4-BE49-F238E27FC236}">
+                  <a16:creationId xmlns="" xmlns:a16="http://schemas.microsoft.com/office/drawing/2014/main" id="{6D098F7F-9C77-5459-2FAD-72CC6EDC7FA4}"/>
+                </a:ext>
+              </a:extLst>
+            </p:cNvPr>
+            <p:cNvGrpSpPr/>
+            <p:nvPr/>
+          </p:nvGrpSpPr>
+          <p:grpSpPr>
+            <a:xfrm>
+              <a:off x="682447" y="4549607"/>
+              <a:ext cx="5007242" cy="1615334"/>
+              <a:chOff x="4738440" y="1443865"/>
+              <a:chExt cx="3404076" cy="1615334"/>
+            </a:xfrm>
+          </p:grpSpPr>
+          <p:grpSp>
+            <p:nvGrpSpPr>
+              <p:cNvPr id="13" name="iṡḷiďè">
+                <a:extLst>
+                  <a:ext uri="{FF2B5EF4-FFF2-40B4-BE49-F238E27FC236}">
+                    <a16:creationId xmlns="" xmlns:a16="http://schemas.microsoft.com/office/drawing/2014/main" id="{996B5D98-2A51-C0A3-4319-301329AF01F4}"/>
+                  </a:ext>
+                </a:extLst>
+              </p:cNvPr>
+              <p:cNvGrpSpPr/>
+              <p:nvPr/>
+            </p:nvGrpSpPr>
+            <p:grpSpPr>
+              <a:xfrm>
+                <a:off x="4738440" y="2216562"/>
+                <a:ext cx="3389088" cy="842637"/>
+                <a:chOff x="6774974" y="1992682"/>
+                <a:chExt cx="3389088" cy="842637"/>
+              </a:xfrm>
+            </p:grpSpPr>
+            <p:sp>
+              <p:nvSpPr>
+                <p:cNvPr id="16" name="îṥlïḍe">
+                  <a:extLst>
+                    <a:ext uri="{FF2B5EF4-FFF2-40B4-BE49-F238E27FC236}">
+                      <a16:creationId xmlns="" xmlns:a16="http://schemas.microsoft.com/office/drawing/2014/main" id="{8D74F945-68CE-99E6-1A41-77206B4DA5B8}"/>
+                    </a:ext>
+                  </a:extLst>
+                </p:cNvPr>
+                <p:cNvSpPr/>
+                <p:nvPr/>
+              </p:nvSpPr>
+              <p:spPr>
+                <a:xfrm>
+                  <a:off x="6774974" y="2532929"/>
+                  <a:ext cx="3389088" cy="302390"/>
+                </a:xfrm>
+                <a:prstGeom prst="rect">
+                  <a:avLst/>
+                </a:prstGeom>
+                <a:noFill/>
+                <a:ln>
+                  <a:noFill/>
+                </a:ln>
+              </p:spPr>
+              <p:style>
+                <a:lnRef idx="2">
+                  <a:schemeClr val="accent1">
+                    <a:shade val="50000"/>
+                  </a:schemeClr>
+                </a:lnRef>
+                <a:fillRef idx="1">
+                  <a:schemeClr val="accent1"/>
+                </a:fillRef>
+                <a:effectRef idx="0">
+                  <a:schemeClr val="accent1"/>
+                </a:effectRef>
+                <a:fontRef idx="minor">
+                  <a:schemeClr val="lt1"/>
+                </a:fontRef>
+              </p:style>
+              <p:txBody>
+                <a:bodyPr wrap="square" lIns="91440" tIns="45720" rIns="91440" bIns="45720" rtlCol="0" anchor="t" anchorCtr="0">
+                  <a:spAutoFit/>
+                </a:bodyPr>
+                <a:lstStyle/>
+                <a:p>
+                  <a:pPr>
+                    <a:lnSpc>
+                      <a:spcPct val="130000"/>
+                    </a:lnSpc>
+                  </a:pPr>
+                  <a:r>
+                    <a:rPr kumimoji="1" lang="en-US" altLang="zh-CN" sz="1050">
+                      <a:solidFill>
+                        <a:schemeClr val="tx1"/>
+                      </a:solidFill>
+                      <a:cs typeface="+mn-ea"/>
+                      <a:sym typeface="+mn-lt"/>
+                    </a:rPr>
+                    <a:t>Research Method and Conclusion</a:t>
+                  </a:r>
+                  <a:endParaRPr kumimoji="1" lang="en-US" altLang="zh-CN" sz="1050" dirty="0">
+                    <a:solidFill>
+                      <a:schemeClr val="tx1"/>
+                    </a:solidFill>
+                    <a:cs typeface="+mn-ea"/>
+                    <a:sym typeface="+mn-lt"/>
+                  </a:endParaRPr>
+                </a:p>
+              </p:txBody>
+            </p:sp>
+            <p:sp>
+              <p:nvSpPr>
+                <p:cNvPr id="17" name="iSḷîḑê">
+                  <a:extLst>
+                    <a:ext uri="{FF2B5EF4-FFF2-40B4-BE49-F238E27FC236}">
+                      <a16:creationId xmlns="" xmlns:a16="http://schemas.microsoft.com/office/drawing/2014/main" id="{87F9B404-1775-97DE-9D1D-0C35E29630ED}"/>
+                    </a:ext>
+                  </a:extLst>
+                </p:cNvPr>
+                <p:cNvSpPr txBox="1"/>
+                <p:nvPr/>
+              </p:nvSpPr>
+              <p:spPr>
+                <a:xfrm>
+                  <a:off x="6774976" y="1992682"/>
+                  <a:ext cx="3389086" cy="523220"/>
+                </a:xfrm>
+                <a:prstGeom prst="rect">
+                  <a:avLst/>
+                </a:prstGeom>
+                <a:noFill/>
+              </p:spPr>
+              <p:txBody>
+                <a:bodyPr wrap="square" lIns="91440" tIns="45720" rIns="91440" bIns="45720" rtlCol="0" anchor="b" anchorCtr="0">
+                  <a:spAutoFit/>
+                </a:bodyPr>
+                <a:lstStyle/>
+                <a:p>
+                  <a:r>
+                    <a:rPr kumimoji="1" lang="zh-CN" altLang="en-US" sz="2800" b="1">
+                      <a:cs typeface="+mn-ea"/>
+                      <a:sym typeface="+mn-lt"/>
+                    </a:rPr>
+                    <a:t>研究方法与主要</a:t>
+                  </a:r>
+                  <a:r>
+                    <a:rPr kumimoji="1" lang="zh-CN" altLang="en-US" sz="2800" b="1" smtClean="0">
+                      <a:cs typeface="+mn-ea"/>
+                      <a:sym typeface="+mn-lt"/>
+                    </a:rPr>
+                    <a:t>结论（</a:t>
+                  </a:r>
+                  <a:r>
+                    <a:rPr kumimoji="1" lang="zh-CN" altLang="en-US" sz="2800" b="1">
+                      <a:cs typeface="+mn-ea"/>
+                      <a:sym typeface="+mn-lt"/>
+                    </a:rPr>
+                    <a:t>分</a:t>
+                  </a:r>
+                  <a:r>
+                    <a:rPr kumimoji="1" lang="zh-CN" altLang="en-US" sz="2800" b="1" smtClean="0">
+                      <a:cs typeface="+mn-ea"/>
+                      <a:sym typeface="+mn-lt"/>
+                    </a:rPr>
+                    <a:t>）</a:t>
+                  </a:r>
+                  <a:endParaRPr kumimoji="1" lang="zh-CN" altLang="en-US" sz="2800" b="1" dirty="0">
+                    <a:cs typeface="+mn-ea"/>
+                    <a:sym typeface="+mn-lt"/>
+                  </a:endParaRPr>
+                </a:p>
+              </p:txBody>
+            </p:sp>
+          </p:grpSp>
+          <p:sp>
+            <p:nvSpPr>
+              <p:cNvPr id="14" name="íSḻíḋè">
+                <a:extLst>
+                  <a:ext uri="{FF2B5EF4-FFF2-40B4-BE49-F238E27FC236}">
+                    <a16:creationId xmlns="" xmlns:a16="http://schemas.microsoft.com/office/drawing/2014/main" id="{75931950-4D40-8687-2D8D-44E9A0839485}"/>
+                  </a:ext>
+                </a:extLst>
+              </p:cNvPr>
+              <p:cNvSpPr txBox="1"/>
+              <p:nvPr/>
+            </p:nvSpPr>
+            <p:spPr>
+              <a:xfrm>
+                <a:off x="4738442" y="1443865"/>
+                <a:ext cx="3404074" cy="707886"/>
+              </a:xfrm>
+              <a:prstGeom prst="rect">
+                <a:avLst/>
+              </a:prstGeom>
+              <a:noFill/>
+            </p:spPr>
+            <p:txBody>
+              <a:bodyPr wrap="square" lIns="91440" tIns="45720" rIns="91440" bIns="45720" rtlCol="0" anchor="b" anchorCtr="0">
+                <a:spAutoFit/>
+              </a:bodyPr>
+              <a:lstStyle/>
+              <a:p>
+                <a:r>
+                  <a:rPr kumimoji="1" lang="en-US" altLang="zh-CN" sz="4000" b="1" dirty="0">
+                    <a:solidFill>
+                      <a:schemeClr val="accent1"/>
+                    </a:solidFill>
+                    <a:cs typeface="+mn-ea"/>
+                    <a:sym typeface="+mn-lt"/>
+                  </a:rPr>
+                  <a:t>03</a:t>
+                </a:r>
+              </a:p>
+            </p:txBody>
+          </p:sp>
+          <p:cxnSp>
+            <p:nvCxnSpPr>
+              <p:cNvPr id="15" name="išļîde">
+                <a:extLst>
+                  <a:ext uri="{FF2B5EF4-FFF2-40B4-BE49-F238E27FC236}">
+                    <a16:creationId xmlns="" xmlns:a16="http://schemas.microsoft.com/office/drawing/2014/main" id="{E8D3AF1E-1F3E-F6DB-B267-0393C1522B7F}"/>
+                  </a:ext>
+                </a:extLst>
+              </p:cNvPr>
+              <p:cNvCxnSpPr>
+                <a:cxnSpLocks/>
+              </p:cNvCxnSpPr>
+              <p:nvPr/>
+            </p:nvCxnSpPr>
+            <p:spPr>
+              <a:xfrm>
+                <a:off x="4738440" y="2151751"/>
+                <a:ext cx="3152113" cy="0"/>
+              </a:xfrm>
+              <a:prstGeom prst="line">
+                <a:avLst/>
+              </a:prstGeom>
+              <a:ln>
+                <a:solidFill>
+                  <a:schemeClr val="tx2">
+                    <a:alpha val="70000"/>
+                  </a:schemeClr>
+                </a:solidFill>
+              </a:ln>
+            </p:spPr>
+            <p:style>
+              <a:lnRef idx="1">
+                <a:schemeClr val="accent1"/>
+              </a:lnRef>
+              <a:fillRef idx="0">
+                <a:schemeClr val="accent1"/>
+              </a:fillRef>
+              <a:effectRef idx="0">
+                <a:schemeClr val="accent1"/>
+              </a:effectRef>
+              <a:fontRef idx="minor">
+                <a:schemeClr val="tx1"/>
+              </a:fontRef>
+            </p:style>
+          </p:cxnSp>
+        </p:grpSp>
+        <p:grpSp>
+          <p:nvGrpSpPr>
+            <p:cNvPr id="7" name="îś1idê">
+              <a:extLst>
+                <a:ext uri="{FF2B5EF4-FFF2-40B4-BE49-F238E27FC236}">
+                  <a16:creationId xmlns="" xmlns:a16="http://schemas.microsoft.com/office/drawing/2014/main" id="{1412C11E-84B5-12D9-3749-B91867A79C1D}"/>
+                </a:ext>
+              </a:extLst>
+            </p:cNvPr>
+            <p:cNvGrpSpPr/>
+            <p:nvPr/>
+          </p:nvGrpSpPr>
+          <p:grpSpPr>
+            <a:xfrm>
+              <a:off x="6511658" y="4549607"/>
+              <a:ext cx="5007242" cy="1615334"/>
+              <a:chOff x="4738440" y="1443865"/>
+              <a:chExt cx="3404076" cy="1615334"/>
+            </a:xfrm>
+          </p:grpSpPr>
+          <p:grpSp>
+            <p:nvGrpSpPr>
+              <p:cNvPr id="8" name="iS1íḍe">
+                <a:extLst>
+                  <a:ext uri="{FF2B5EF4-FFF2-40B4-BE49-F238E27FC236}">
+                    <a16:creationId xmlns="" xmlns:a16="http://schemas.microsoft.com/office/drawing/2014/main" id="{4928AA6A-28DD-B913-64B2-14161535DFE2}"/>
+                  </a:ext>
+                </a:extLst>
+              </p:cNvPr>
+              <p:cNvGrpSpPr/>
+              <p:nvPr/>
+            </p:nvGrpSpPr>
+            <p:grpSpPr>
+              <a:xfrm>
+                <a:off x="4738440" y="2216562"/>
+                <a:ext cx="3389088" cy="842637"/>
+                <a:chOff x="6774974" y="1992682"/>
+                <a:chExt cx="3389088" cy="842637"/>
+              </a:xfrm>
+            </p:grpSpPr>
+            <p:sp>
+              <p:nvSpPr>
+                <p:cNvPr id="11" name="iSļïḓé">
+                  <a:extLst>
+                    <a:ext uri="{FF2B5EF4-FFF2-40B4-BE49-F238E27FC236}">
+                      <a16:creationId xmlns="" xmlns:a16="http://schemas.microsoft.com/office/drawing/2014/main" id="{984ED1D8-BCB5-96B2-4C34-3A8FD6C27169}"/>
+                    </a:ext>
+                  </a:extLst>
+                </p:cNvPr>
+                <p:cNvSpPr/>
+                <p:nvPr/>
+              </p:nvSpPr>
+              <p:spPr>
+                <a:xfrm>
+                  <a:off x="6774974" y="2532929"/>
+                  <a:ext cx="3389088" cy="302390"/>
+                </a:xfrm>
+                <a:prstGeom prst="rect">
+                  <a:avLst/>
+                </a:prstGeom>
+                <a:noFill/>
+                <a:ln>
+                  <a:noFill/>
+                </a:ln>
+              </p:spPr>
+              <p:style>
+                <a:lnRef idx="2">
+                  <a:schemeClr val="accent1">
+                    <a:shade val="50000"/>
+                  </a:schemeClr>
+                </a:lnRef>
+                <a:fillRef idx="1">
+                  <a:schemeClr val="accent1"/>
+                </a:fillRef>
+                <a:effectRef idx="0">
+                  <a:schemeClr val="accent1"/>
+                </a:effectRef>
+                <a:fontRef idx="minor">
+                  <a:schemeClr val="lt1"/>
+                </a:fontRef>
+              </p:style>
+              <p:txBody>
+                <a:bodyPr wrap="square" lIns="91440" tIns="45720" rIns="91440" bIns="45720" rtlCol="0" anchor="t" anchorCtr="0">
+                  <a:spAutoFit/>
+                </a:bodyPr>
+                <a:lstStyle/>
+                <a:p>
+                  <a:pPr>
+                    <a:lnSpc>
+                      <a:spcPct val="130000"/>
+                    </a:lnSpc>
+                  </a:pPr>
+                  <a:r>
+                    <a:rPr kumimoji="1" lang="en-US" altLang="zh-CN" sz="1050">
+                      <a:solidFill>
+                        <a:schemeClr val="tx1"/>
+                      </a:solidFill>
+                      <a:cs typeface="+mn-ea"/>
+                      <a:sym typeface="+mn-lt"/>
+                    </a:rPr>
+                    <a:t>Discussion and Future Outlook</a:t>
+                  </a:r>
+                  <a:endParaRPr kumimoji="1" lang="en-US" altLang="zh-CN" sz="1050" dirty="0">
+                    <a:solidFill>
+                      <a:schemeClr val="tx1"/>
+                    </a:solidFill>
+                    <a:cs typeface="+mn-ea"/>
+                    <a:sym typeface="+mn-lt"/>
+                  </a:endParaRPr>
+                </a:p>
+              </p:txBody>
+            </p:sp>
+            <p:sp>
+              <p:nvSpPr>
+                <p:cNvPr id="12" name="îṩḻïḋe">
+                  <a:extLst>
+                    <a:ext uri="{FF2B5EF4-FFF2-40B4-BE49-F238E27FC236}">
+                      <a16:creationId xmlns="" xmlns:a16="http://schemas.microsoft.com/office/drawing/2014/main" id="{DBA6279E-2EA4-29C7-9BFA-FF464E8B1CA7}"/>
+                    </a:ext>
+                  </a:extLst>
+                </p:cNvPr>
+                <p:cNvSpPr txBox="1"/>
+                <p:nvPr/>
+              </p:nvSpPr>
+              <p:spPr>
+                <a:xfrm>
+                  <a:off x="6774976" y="1992682"/>
+                  <a:ext cx="3389086" cy="523220"/>
+                </a:xfrm>
+                <a:prstGeom prst="rect">
+                  <a:avLst/>
+                </a:prstGeom>
+                <a:noFill/>
+              </p:spPr>
+              <p:txBody>
+                <a:bodyPr wrap="square" lIns="91440" tIns="45720" rIns="91440" bIns="45720" rtlCol="0" anchor="b" anchorCtr="0">
+                  <a:spAutoFit/>
+                </a:bodyPr>
+                <a:lstStyle/>
+                <a:p>
+                  <a:r>
+                    <a:rPr kumimoji="1" lang="zh-CN" altLang="en-US" sz="2800" b="1">
+                      <a:cs typeface="+mn-ea"/>
+                      <a:sym typeface="+mn-lt"/>
+                    </a:rPr>
+                    <a:t>研究讨论与未来</a:t>
+                  </a:r>
+                  <a:r>
+                    <a:rPr kumimoji="1" lang="zh-CN" altLang="en-US" sz="2800" b="1" smtClean="0">
+                      <a:cs typeface="+mn-ea"/>
+                      <a:sym typeface="+mn-lt"/>
+                    </a:rPr>
+                    <a:t>展望（</a:t>
+                  </a:r>
+                  <a:r>
+                    <a:rPr kumimoji="1" lang="zh-CN" altLang="en-US" sz="2800" b="1">
+                      <a:cs typeface="+mn-ea"/>
+                      <a:sym typeface="+mn-lt"/>
+                    </a:rPr>
+                    <a:t>分</a:t>
+                  </a:r>
+                  <a:r>
+                    <a:rPr kumimoji="1" lang="zh-CN" altLang="en-US" sz="2800" b="1" smtClean="0">
+                      <a:cs typeface="+mn-ea"/>
+                      <a:sym typeface="+mn-lt"/>
+                    </a:rPr>
+                    <a:t>）</a:t>
+                  </a:r>
+                  <a:endParaRPr kumimoji="1" lang="zh-CN" altLang="en-US" sz="2800" b="1" dirty="0">
+                    <a:cs typeface="+mn-ea"/>
+                    <a:sym typeface="+mn-lt"/>
+                  </a:endParaRPr>
+                </a:p>
+              </p:txBody>
+            </p:sp>
+          </p:grpSp>
+          <p:sp>
+            <p:nvSpPr>
+              <p:cNvPr id="9" name="îṣ1íďe">
+                <a:extLst>
+                  <a:ext uri="{FF2B5EF4-FFF2-40B4-BE49-F238E27FC236}">
+                    <a16:creationId xmlns="" xmlns:a16="http://schemas.microsoft.com/office/drawing/2014/main" id="{7FF47380-800B-B23A-2417-D7CE7AC57D9D}"/>
+                  </a:ext>
+                </a:extLst>
+              </p:cNvPr>
+              <p:cNvSpPr txBox="1"/>
+              <p:nvPr/>
+            </p:nvSpPr>
+            <p:spPr>
+              <a:xfrm>
+                <a:off x="4738442" y="1443865"/>
+                <a:ext cx="3404074" cy="707886"/>
+              </a:xfrm>
+              <a:prstGeom prst="rect">
+                <a:avLst/>
+              </a:prstGeom>
+              <a:noFill/>
+            </p:spPr>
+            <p:txBody>
+              <a:bodyPr wrap="square" lIns="91440" tIns="45720" rIns="91440" bIns="45720" rtlCol="0" anchor="b" anchorCtr="0">
+                <a:spAutoFit/>
+              </a:bodyPr>
+              <a:lstStyle/>
+              <a:p>
+                <a:r>
+                  <a:rPr kumimoji="1" lang="en-US" altLang="zh-CN" sz="4000" b="1" dirty="0">
+                    <a:solidFill>
+                      <a:schemeClr val="accent1"/>
+                    </a:solidFill>
+                    <a:cs typeface="+mn-ea"/>
+                    <a:sym typeface="+mn-lt"/>
+                  </a:rPr>
+                  <a:t>04</a:t>
+                </a:r>
+              </a:p>
+            </p:txBody>
+          </p:sp>
+          <p:cxnSp>
+            <p:nvCxnSpPr>
+              <p:cNvPr id="10" name="îsľiḍe">
+                <a:extLst>
+                  <a:ext uri="{FF2B5EF4-FFF2-40B4-BE49-F238E27FC236}">
+                    <a16:creationId xmlns="" xmlns:a16="http://schemas.microsoft.com/office/drawing/2014/main" id="{684C9C73-BE0A-6D72-531F-BC3C57FBBFFE}"/>
+                  </a:ext>
+                </a:extLst>
+              </p:cNvPr>
+              <p:cNvCxnSpPr>
+                <a:cxnSpLocks/>
+              </p:cNvCxnSpPr>
+              <p:nvPr/>
+            </p:nvCxnSpPr>
+            <p:spPr>
+              <a:xfrm>
+                <a:off x="4738440" y="2151751"/>
+                <a:ext cx="3152113" cy="0"/>
+              </a:xfrm>
+              <a:prstGeom prst="line">
+                <a:avLst/>
+              </a:prstGeom>
+              <a:ln>
+                <a:solidFill>
+                  <a:schemeClr val="tx2">
+                    <a:alpha val="70000"/>
+                  </a:schemeClr>
+                </a:solidFill>
+              </a:ln>
+            </p:spPr>
+            <p:style>
+              <a:lnRef idx="1">
+                <a:schemeClr val="accent1"/>
+              </a:lnRef>
+              <a:fillRef idx="0">
+                <a:schemeClr val="accent1"/>
+              </a:fillRef>
+              <a:effectRef idx="0">
+                <a:schemeClr val="accent1"/>
+              </a:effectRef>
+              <a:fontRef idx="minor">
+                <a:schemeClr val="tx1"/>
+              </a:fontRef>
+            </p:style>
+          </p:cxnSp>
+        </p:grpSp>
+      </p:grpSp>
+      <p:sp>
+        <p:nvSpPr>
+          <p:cNvPr id="29" name="ïş1ïḑé">
+            <a:extLst>
+              <a:ext uri="{FF2B5EF4-FFF2-40B4-BE49-F238E27FC236}">
+                <a16:creationId xmlns="" xmlns:a16="http://schemas.microsoft.com/office/drawing/2014/main" id="{F5C008A4-AC33-5C84-D26C-D1BB479E1BD9}"/>
+              </a:ext>
+            </a:extLst>
+          </p:cNvPr>
+          <p:cNvSpPr>
+            <a:spLocks noGrp="1"/>
+          </p:cNvSpPr>
+          <p:nvPr>
+            <p:ph type="sldNum" sz="quarter" idx="4"/>
+          </p:nvPr>
+        </p:nvSpPr>
+        <p:spPr/>
+        <p:txBody>
+          <a:bodyPr/>
+          <a:lstStyle/>
+          <a:p>
+            <a:fld id="{7F65B630-C7FF-41C0-9923-C5E5E29EED81}" type="slidenum">
+              <a:rPr lang="en-US" altLang="zh-CN" smtClean="0">
+                <a:cs typeface="+mn-ea"/>
+                <a:sym typeface="+mn-lt"/>
+              </a:rPr>
+              <a:pPr/>
+              <a:t>2</a:t>
+            </a:fld>
+            <a:endParaRPr lang="en-US" altLang="zh-CN">
+              <a:cs typeface="+mn-ea"/>
+              <a:sym typeface="+mn-lt"/>
+            </a:endParaRPr>
+          </a:p>
+        </p:txBody>
+      </p:sp>
+    </p:spTree>
+    <p:custDataLst>
+      <p:tags r:id="rId2"/>
+    </p:custDataLst>
+    <p:extLst>
+      <p:ext uri="{BB962C8B-B14F-4D97-AF65-F5344CB8AC3E}">
+        <p14:creationId xmlns:p14="http://schemas.microsoft.com/office/powerpoint/2010/main" val="3211939069"/>
+      </p:ext>
+    </p:extLst>
+  </p:cSld>
+  <p:clrMapOvr>
+    <a:masterClrMapping/>
+  </p:clrMapOvr>
+  <p:timing>
+    <p:tnLst>
+      <p:par>
+        <p:cTn id="1" dur="indefinite" restart="never" nodeType="tmRoot"/>
+      </p:par>
+    </p:tnLst>
+  </p:timing>
+</p:sld>
+</file>
+
+<file path=ppt/slides/slide20.xml><?xml version="1.0" encoding="utf-8"?>
 <p:sld xmlns:a="http://schemas.openxmlformats.org/drawingml/2006/main" xmlns:r="http://schemas.openxmlformats.org/officeDocument/2006/relationships" xmlns:p="http://schemas.openxmlformats.org/presentationml/2006/main">
   <p:cSld>
     <p:spTree>
@@ -16513,7 +19338,7 @@
                 <a:sym typeface="+mn-lt"/>
               </a:rPr>
               <a:pPr/>
-              <a:t>18</a:t>
+              <a:t>20</a:t>
             </a:fld>
             <a:endParaRPr lang="en-US" altLang="zh-CN">
               <a:cs typeface="+mn-ea"/>
@@ -16603,6 +19428,36 @@
               <a:buSzPct val="25000"/>
             </a:pPr>
             <a:r>
+              <a:rPr lang="zh-CN" altLang="en-US" sz="2000" b="1" smtClean="0">
+                <a:solidFill>
+                  <a:schemeClr val="accent4">
+                    <a:lumMod val="75000"/>
+                  </a:schemeClr>
+                </a:solidFill>
+              </a:rPr>
+              <a:t>“</a:t>
+            </a:r>
+            <a:r>
+              <a:rPr lang="en-US" altLang="zh-CN" sz="2000" b="1">
+                <a:solidFill>
+                  <a:schemeClr val="accent4">
+                    <a:lumMod val="75000"/>
+                  </a:schemeClr>
+                </a:solidFill>
+              </a:rPr>
+              <a:t>Countdown</a:t>
+            </a:r>
+            <a:r>
+              <a:rPr lang="zh-CN" altLang="en-US" sz="2000" b="1" smtClean="0">
+                <a:solidFill>
+                  <a:schemeClr val="accent4">
+                    <a:lumMod val="75000"/>
+                  </a:schemeClr>
+                </a:solidFill>
+              </a:rPr>
+              <a:t>”</a:t>
+            </a:r>
+            <a:r>
               <a:rPr lang="zh-CN" altLang="en-US" sz="2000" b="1" dirty="0">
                 <a:solidFill>
                   <a:schemeClr val="accent4">
@@ -16610,11 +19465,43 @@
                   </a:schemeClr>
                 </a:solidFill>
               </a:rPr>
-              <a:t>“倒计时”活动强烈反映了参与者在烧人节前的兴奋感。</a:t>
+              <a:t>活动强烈反映了参与者在烧人节前的兴奋感。</a:t>
             </a:r>
             <a:r>
               <a:rPr lang="zh-CN" altLang="en-US" sz="2000" dirty="0"/>
-              <a:t>参与者从活动开始四月前发帖倒数计时并持续到开始前最后一天，表明参与者对活动期待和参与程度很高，反映了强烈的情感表达。</a:t>
+              <a:t>参与者从活动开始四月前发帖倒数计时并</a:t>
+            </a:r>
+            <a:r>
+              <a:rPr lang="zh-CN" altLang="en-US" sz="2000"/>
+              <a:t>持续</a:t>
+            </a:r>
+            <a:r>
+              <a:rPr lang="zh-CN" altLang="en-US" sz="2000" smtClean="0"/>
+              <a:t>到最后</a:t>
+            </a:r>
+            <a:r>
+              <a:rPr lang="zh-CN" altLang="en-US" sz="2000" dirty="0"/>
+              <a:t>一天，</a:t>
+            </a:r>
+            <a:r>
+              <a:rPr lang="zh-CN" altLang="en-US" sz="2000"/>
+              <a:t>表明</a:t>
+            </a:r>
+            <a:r>
+              <a:rPr lang="zh-CN" altLang="en-US" sz="2000" smtClean="0"/>
+              <a:t>参与者</a:t>
+            </a:r>
+            <a:r>
+              <a:rPr lang="zh-CN" altLang="en-US" sz="2000"/>
+              <a:t>期待</a:t>
+            </a:r>
+            <a:r>
+              <a:rPr lang="zh-CN" altLang="en-US" sz="2000" smtClean="0"/>
+              <a:t>值和参与制都很高，体现了</a:t>
+            </a:r>
+            <a:r>
+              <a:rPr lang="zh-CN" altLang="en-US" sz="2000" dirty="0"/>
+              <a:t>强烈的情感表达。</a:t>
             </a:r>
             <a:endParaRPr lang="en-US" altLang="zh-CN" sz="2000" dirty="0"/>
           </a:p>
@@ -16640,7 +19527,35 @@
             </a:r>
             <a:r>
               <a:rPr lang="zh-CN" altLang="en-US" sz="2000" dirty="0"/>
-              <a:t>参与者在活动结束后的帖子中写到“生命中的一切都是暂时的，这就是它的美丽”，这反映了对参与者对生命有限性的思考。同时，在激进的自我表达中，参与者发现了内心本我，践行了尊重他人权利与自由。</a:t>
+              <a:t>参与者在活动结束后的帖子中</a:t>
+            </a:r>
+            <a:r>
+              <a:rPr lang="zh-CN" altLang="en-US" sz="2000"/>
+              <a:t>写</a:t>
+            </a:r>
+            <a:r>
+              <a:rPr lang="zh-CN" altLang="en-US" sz="2000" smtClean="0"/>
+              <a:t>到</a:t>
+            </a:r>
+            <a:r>
+              <a:rPr lang="en-US" altLang="zh-CN" sz="2000" smtClean="0"/>
+              <a:t>”</a:t>
+            </a:r>
+            <a:r>
+              <a:rPr lang="en-US" altLang="zh-CN" sz="2000"/>
+              <a:t> Everything in life is temporary and that is the beauty of it</a:t>
+            </a:r>
+            <a:r>
+              <a:rPr lang="en-US" altLang="zh-CN" sz="2000" smtClean="0"/>
+              <a:t>”</a:t>
+            </a:r>
+            <a:r>
+              <a:rPr lang="zh-CN" altLang="en-US" sz="2000" smtClean="0"/>
+              <a:t>，</a:t>
+            </a:r>
+            <a:r>
+              <a:rPr lang="zh-CN" altLang="en-US" sz="2000" dirty="0"/>
+              <a:t>这反映了对参与者对生命有限性的思考。同时，在激进的自我表达中，参与者发现了内心本我，践行了尊重他人权利与自由。</a:t>
             </a:r>
             <a:endParaRPr lang="en-US" altLang="zh-CN" sz="2000" dirty="0"/>
           </a:p>
@@ -16662,27 +19577,87 @@
                   </a:schemeClr>
                 </a:solidFill>
               </a:rPr>
-              <a:t>参与者表达爱、欣赏和感激等情感，与幸福感紧密相关。</a:t>
+              <a:t>参与者表达爱、欣赏和感激等情感，与幸福感紧密</a:t>
+            </a:r>
+            <a:r>
+              <a:rPr lang="zh-CN" altLang="en-US" sz="2000" b="1">
+                <a:solidFill>
+                  <a:schemeClr val="accent4">
+                    <a:lumMod val="75000"/>
+                  </a:schemeClr>
+                </a:solidFill>
+              </a:rPr>
+              <a:t>相关</a:t>
+            </a:r>
+            <a:r>
+              <a:rPr lang="zh-CN" altLang="en-US" sz="2000" b="1" smtClean="0">
+                <a:solidFill>
+                  <a:schemeClr val="accent4">
+                    <a:lumMod val="75000"/>
+                  </a:schemeClr>
+                </a:solidFill>
+              </a:rPr>
+              <a:t>。</a:t>
+            </a:r>
+            <a:r>
+              <a:rPr lang="zh-CN" altLang="en-US" sz="2000" smtClean="0"/>
+              <a:t>“感激”</a:t>
             </a:r>
             <a:r>
               <a:rPr lang="zh-CN" altLang="en-US" sz="2000" dirty="0"/>
-              <a:t>“感谢”“感激”“爱”和“启发”等高频关键词直观表现了参与者的积极情绪。如“如此美好的时光，充满爱和笑声”和“这是一个非常美丽的地方，值得感恩”。同时，强烈的情感表达和社交实践似乎会推动</a:t>
+              <a:t>“爱”和“启发”等高频关键词直观表现了参与者的积极情绪。</a:t>
             </a:r>
             <a:r>
               <a:rPr lang="zh-CN" altLang="en-US" sz="2000"/>
-              <a:t>长期</a:t>
+              <a:t>如</a:t>
             </a:r>
             <a:r>
               <a:rPr lang="zh-CN" altLang="en-US" sz="2000" smtClean="0"/>
-              <a:t>的</a:t>
+              <a:t>“</a:t>
+            </a:r>
+            <a:r>
+              <a:rPr lang="en-US" altLang="zh-CN" sz="2000"/>
+              <a:t>Such a beautiful time full of love and laughter</a:t>
+            </a:r>
+            <a:r>
+              <a:rPr lang="zh-CN" altLang="en-US" sz="2000" smtClean="0"/>
+              <a:t>”和</a:t>
+            </a:r>
+            <a:r>
+              <a:rPr lang="en-US" altLang="zh-CN" sz="2000" smtClean="0"/>
+              <a:t>”</a:t>
+            </a:r>
+            <a:r>
+              <a:rPr lang="en-US" altLang="zh-CN" sz="2000"/>
+              <a:t> Such a beautiful place to give thanks</a:t>
+            </a:r>
+            <a:r>
+              <a:rPr lang="en-US" altLang="zh-CN" sz="2000" smtClean="0"/>
+              <a:t>”</a:t>
+            </a:r>
+            <a:r>
+              <a:rPr lang="zh-CN" altLang="en-US" sz="2000" smtClean="0"/>
+              <a:t>。强烈情感</a:t>
+            </a:r>
+            <a:r>
+              <a:rPr lang="zh-CN" altLang="en-US" sz="2000" dirty="0"/>
+              <a:t>表达和</a:t>
             </a:r>
             <a:r>
               <a:rPr lang="zh-CN" altLang="en-US" sz="2000"/>
-              <a:t>人类</a:t>
+              <a:t>社交</a:t>
             </a:r>
             <a:r>
               <a:rPr lang="zh-CN" altLang="en-US" sz="2000" smtClean="0"/>
-              <a:t>转型</a:t>
+              <a:t>实践</a:t>
+            </a:r>
+            <a:r>
+              <a:rPr lang="zh-CN" altLang="en-US" sz="2000"/>
+              <a:t>可能</a:t>
+            </a:r>
+            <a:r>
+              <a:rPr lang="zh-CN" altLang="en-US" sz="2000" smtClean="0"/>
+              <a:t>推动长期人类转型</a:t>
             </a:r>
             <a:r>
               <a:rPr lang="zh-CN" altLang="en-US" sz="2000" dirty="0"/>
@@ -16715,7 +19690,7 @@
 </p:sld>
 </file>
 
-<file path=ppt/slides/slide19.xml><?xml version="1.0" encoding="utf-8"?>
+<file path=ppt/slides/slide21.xml><?xml version="1.0" encoding="utf-8"?>
 <p:sld xmlns:a="http://schemas.openxmlformats.org/drawingml/2006/main" xmlns:r="http://schemas.openxmlformats.org/officeDocument/2006/relationships" xmlns:p="http://schemas.openxmlformats.org/presentationml/2006/main">
   <p:cSld>
     <p:spTree>
@@ -16798,7 +19773,7 @@
                 <a:sym typeface="+mn-lt"/>
               </a:rPr>
               <a:pPr/>
-              <a:t>19</a:t>
+              <a:t>21</a:t>
             </a:fld>
             <a:endParaRPr lang="en-US" altLang="zh-CN">
               <a:cs typeface="+mn-ea"/>
@@ -17994,1284 +20969,7 @@
 </p:sld>
 </file>
 
-<file path=ppt/slides/slide2.xml><?xml version="1.0" encoding="utf-8"?>
-<p:sld xmlns:a="http://schemas.openxmlformats.org/drawingml/2006/main" xmlns:r="http://schemas.openxmlformats.org/officeDocument/2006/relationships" xmlns:p="http://schemas.openxmlformats.org/presentationml/2006/main">
-  <p:cSld>
-    <p:spTree>
-      <p:nvGrpSpPr>
-        <p:cNvPr id="1" name="îṥľîḍê"/>
-        <p:cNvGrpSpPr/>
-        <p:nvPr/>
-      </p:nvGrpSpPr>
-      <p:grpSpPr>
-        <a:xfrm>
-          <a:off x="0" y="0"/>
-          <a:ext cx="0" cy="0"/>
-          <a:chOff x="0" y="0"/>
-          <a:chExt cx="0" cy="0"/>
-        </a:xfrm>
-      </p:grpSpPr>
-      <p:sp>
-        <p:nvSpPr>
-          <p:cNvPr id="3" name="îś1iḑe">
-            <a:extLst>
-              <a:ext uri="{FF2B5EF4-FFF2-40B4-BE49-F238E27FC236}">
-                <a16:creationId xmlns="" xmlns:a16="http://schemas.microsoft.com/office/drawing/2014/main" id="{D0354FBB-2958-5F50-F024-31B27882F4EE}"/>
-              </a:ext>
-            </a:extLst>
-          </p:cNvPr>
-          <p:cNvSpPr/>
-          <p:nvPr/>
-        </p:nvSpPr>
-        <p:spPr>
-          <a:xfrm flipH="1">
-            <a:off x="4605565" y="1314966"/>
-            <a:ext cx="2968171" cy="1012755"/>
-          </a:xfrm>
-          <a:prstGeom prst="rect">
-            <a:avLst/>
-          </a:prstGeom>
-          <a:noFill/>
-          <a:ln>
-            <a:noFill/>
-          </a:ln>
-        </p:spPr>
-        <p:style>
-          <a:lnRef idx="2">
-            <a:schemeClr val="accent1">
-              <a:shade val="50000"/>
-            </a:schemeClr>
-          </a:lnRef>
-          <a:fillRef idx="1">
-            <a:schemeClr val="accent1"/>
-          </a:fillRef>
-          <a:effectRef idx="0">
-            <a:schemeClr val="accent1"/>
-          </a:effectRef>
-          <a:fontRef idx="minor">
-            <a:schemeClr val="lt1"/>
-          </a:fontRef>
-        </p:style>
-        <p:txBody>
-          <a:bodyPr vert="horz" wrap="square" tIns="90000" bIns="90000" rtlCol="0" anchor="b" anchorCtr="0">
-            <a:spAutoFit/>
-          </a:bodyPr>
-          <a:lstStyle>
-            <a:defPPr>
-              <a:defRPr lang="zh-CN"/>
-            </a:defPPr>
-            <a:lvl1pPr marL="0" algn="l" defTabSz="914400" rtl="0" eaLnBrk="1" latinLnBrk="0" hangingPunct="1">
-              <a:defRPr sz="1800" kern="1200">
-                <a:solidFill>
-                  <a:schemeClr val="lt1"/>
-                </a:solidFill>
-              </a:defRPr>
-            </a:lvl1pPr>
-            <a:lvl2pPr marL="457200" algn="l" defTabSz="914400" rtl="0" eaLnBrk="1" latinLnBrk="0" hangingPunct="1">
-              <a:defRPr sz="1800" kern="1200">
-                <a:solidFill>
-                  <a:schemeClr val="lt1"/>
-                </a:solidFill>
-              </a:defRPr>
-            </a:lvl2pPr>
-            <a:lvl3pPr marL="914400" algn="l" defTabSz="914400" rtl="0" eaLnBrk="1" latinLnBrk="0" hangingPunct="1">
-              <a:defRPr sz="1800" kern="1200">
-                <a:solidFill>
-                  <a:schemeClr val="lt1"/>
-                </a:solidFill>
-              </a:defRPr>
-            </a:lvl3pPr>
-            <a:lvl4pPr marL="1371600" algn="l" defTabSz="914400" rtl="0" eaLnBrk="1" latinLnBrk="0" hangingPunct="1">
-              <a:defRPr sz="1800" kern="1200">
-                <a:solidFill>
-                  <a:schemeClr val="lt1"/>
-                </a:solidFill>
-              </a:defRPr>
-            </a:lvl4pPr>
-            <a:lvl5pPr marL="1828800" algn="l" defTabSz="914400" rtl="0" eaLnBrk="1" latinLnBrk="0" hangingPunct="1">
-              <a:defRPr sz="1800" kern="1200">
-                <a:solidFill>
-                  <a:schemeClr val="lt1"/>
-                </a:solidFill>
-              </a:defRPr>
-            </a:lvl5pPr>
-            <a:lvl6pPr marL="2286000" algn="l" defTabSz="914400" rtl="0" eaLnBrk="1" latinLnBrk="0" hangingPunct="1">
-              <a:defRPr sz="1800" kern="1200">
-                <a:solidFill>
-                  <a:schemeClr val="lt1"/>
-                </a:solidFill>
-              </a:defRPr>
-            </a:lvl6pPr>
-            <a:lvl7pPr marL="2743200" algn="l" defTabSz="914400" rtl="0" eaLnBrk="1" latinLnBrk="0" hangingPunct="1">
-              <a:defRPr sz="1800" kern="1200">
-                <a:solidFill>
-                  <a:schemeClr val="lt1"/>
-                </a:solidFill>
-              </a:defRPr>
-            </a:lvl7pPr>
-            <a:lvl8pPr marL="3200400" algn="l" defTabSz="914400" rtl="0" eaLnBrk="1" latinLnBrk="0" hangingPunct="1">
-              <a:defRPr sz="1800" kern="1200">
-                <a:solidFill>
-                  <a:schemeClr val="lt1"/>
-                </a:solidFill>
-              </a:defRPr>
-            </a:lvl8pPr>
-            <a:lvl9pPr marL="3657600" algn="l" defTabSz="914400" rtl="0" eaLnBrk="1" latinLnBrk="0" hangingPunct="1">
-              <a:defRPr sz="1800" kern="1200">
-                <a:solidFill>
-                  <a:schemeClr val="lt1"/>
-                </a:solidFill>
-              </a:defRPr>
-            </a:lvl9pPr>
-          </a:lstStyle>
-          <a:p>
-            <a:pPr algn="ctr"/>
-            <a:r>
-              <a:rPr kumimoji="1" lang="zh-CN" altLang="en-US" sz="5400" b="1">
-                <a:solidFill>
-                  <a:schemeClr val="tx1"/>
-                </a:solidFill>
-                <a:cs typeface="+mn-ea"/>
-                <a:sym typeface="+mn-lt"/>
-              </a:rPr>
-              <a:t>目  录</a:t>
-            </a:r>
-            <a:endParaRPr kumimoji="1" lang="zh-CN" altLang="en-US" sz="5400" b="1" dirty="0">
-              <a:solidFill>
-                <a:schemeClr val="tx1"/>
-              </a:solidFill>
-              <a:cs typeface="+mn-ea"/>
-              <a:sym typeface="+mn-lt"/>
-            </a:endParaRPr>
-          </a:p>
-        </p:txBody>
-      </p:sp>
-      <p:grpSp>
-        <p:nvGrpSpPr>
-          <p:cNvPr id="28" name="ïṡ1ïďê">
-            <a:extLst>
-              <a:ext uri="{FF2B5EF4-FFF2-40B4-BE49-F238E27FC236}">
-                <a16:creationId xmlns="" xmlns:a16="http://schemas.microsoft.com/office/drawing/2014/main" id="{401E74F1-26A2-4054-3FE5-34F17BBBD947}"/>
-              </a:ext>
-            </a:extLst>
-          </p:cNvPr>
-          <p:cNvGrpSpPr/>
-          <p:nvPr/>
-        </p:nvGrpSpPr>
-        <p:grpSpPr>
-          <a:xfrm>
-            <a:off x="660400" y="2611171"/>
-            <a:ext cx="10858500" cy="3553770"/>
-            <a:chOff x="660400" y="2611171"/>
-            <a:chExt cx="10858500" cy="3553770"/>
-          </a:xfrm>
-        </p:grpSpPr>
-        <p:grpSp>
-          <p:nvGrpSpPr>
-            <p:cNvPr id="4" name="ïs1îdé">
-              <a:extLst>
-                <a:ext uri="{FF2B5EF4-FFF2-40B4-BE49-F238E27FC236}">
-                  <a16:creationId xmlns="" xmlns:a16="http://schemas.microsoft.com/office/drawing/2014/main" id="{A59C4AA7-1E2D-9B78-4676-CAC1DD6A8512}"/>
-                </a:ext>
-              </a:extLst>
-            </p:cNvPr>
-            <p:cNvGrpSpPr/>
-            <p:nvPr/>
-          </p:nvGrpSpPr>
-          <p:grpSpPr>
-            <a:xfrm>
-              <a:off x="660400" y="2611171"/>
-              <a:ext cx="5007242" cy="1615334"/>
-              <a:chOff x="4738440" y="1443865"/>
-              <a:chExt cx="3404076" cy="1615334"/>
-            </a:xfrm>
-          </p:grpSpPr>
-          <p:grpSp>
-            <p:nvGrpSpPr>
-              <p:cNvPr id="23" name="îṡḷîḍê">
-                <a:extLst>
-                  <a:ext uri="{FF2B5EF4-FFF2-40B4-BE49-F238E27FC236}">
-                    <a16:creationId xmlns="" xmlns:a16="http://schemas.microsoft.com/office/drawing/2014/main" id="{83A16A7A-BAB6-5F7E-B9C7-C9DF9D8C87FE}"/>
-                  </a:ext>
-                </a:extLst>
-              </p:cNvPr>
-              <p:cNvGrpSpPr/>
-              <p:nvPr/>
-            </p:nvGrpSpPr>
-            <p:grpSpPr>
-              <a:xfrm>
-                <a:off x="4738440" y="2216562"/>
-                <a:ext cx="3389088" cy="842637"/>
-                <a:chOff x="6774974" y="1992682"/>
-                <a:chExt cx="3389088" cy="842637"/>
-              </a:xfrm>
-            </p:grpSpPr>
-            <p:sp>
-              <p:nvSpPr>
-                <p:cNvPr id="26" name="îṡļîḍé">
-                  <a:extLst>
-                    <a:ext uri="{FF2B5EF4-FFF2-40B4-BE49-F238E27FC236}">
-                      <a16:creationId xmlns="" xmlns:a16="http://schemas.microsoft.com/office/drawing/2014/main" id="{974BC2CC-C69D-C78B-0327-CE16D187A56D}"/>
-                    </a:ext>
-                  </a:extLst>
-                </p:cNvPr>
-                <p:cNvSpPr/>
-                <p:nvPr/>
-              </p:nvSpPr>
-              <p:spPr>
-                <a:xfrm>
-                  <a:off x="6774974" y="2532929"/>
-                  <a:ext cx="3389088" cy="302390"/>
-                </a:xfrm>
-                <a:prstGeom prst="rect">
-                  <a:avLst/>
-                </a:prstGeom>
-                <a:noFill/>
-                <a:ln>
-                  <a:noFill/>
-                </a:ln>
-              </p:spPr>
-              <p:style>
-                <a:lnRef idx="2">
-                  <a:schemeClr val="accent1">
-                    <a:shade val="50000"/>
-                  </a:schemeClr>
-                </a:lnRef>
-                <a:fillRef idx="1">
-                  <a:schemeClr val="accent1"/>
-                </a:fillRef>
-                <a:effectRef idx="0">
-                  <a:schemeClr val="accent1"/>
-                </a:effectRef>
-                <a:fontRef idx="minor">
-                  <a:schemeClr val="lt1"/>
-                </a:fontRef>
-              </p:style>
-              <p:txBody>
-                <a:bodyPr wrap="square" lIns="91440" tIns="45720" rIns="91440" bIns="45720" rtlCol="0" anchor="t" anchorCtr="0">
-                  <a:spAutoFit/>
-                </a:bodyPr>
-                <a:lstStyle/>
-                <a:p>
-                  <a:pPr>
-                    <a:lnSpc>
-                      <a:spcPct val="130000"/>
-                    </a:lnSpc>
-                  </a:pPr>
-                  <a:r>
-                    <a:rPr kumimoji="1" lang="en-US" altLang="zh-CN" sz="1050">
-                      <a:solidFill>
-                        <a:schemeClr val="tx1"/>
-                      </a:solidFill>
-                      <a:cs typeface="+mn-ea"/>
-                      <a:sym typeface="+mn-lt"/>
-                    </a:rPr>
-                    <a:t>Abstract</a:t>
-                  </a:r>
-                  <a:endParaRPr kumimoji="1" lang="en-US" altLang="zh-CN" sz="1050" dirty="0">
-                    <a:solidFill>
-                      <a:schemeClr val="tx1"/>
-                    </a:solidFill>
-                    <a:cs typeface="+mn-ea"/>
-                    <a:sym typeface="+mn-lt"/>
-                  </a:endParaRPr>
-                </a:p>
-              </p:txBody>
-            </p:sp>
-            <p:sp>
-              <p:nvSpPr>
-                <p:cNvPr id="27" name="íṣḷíḍê">
-                  <a:extLst>
-                    <a:ext uri="{FF2B5EF4-FFF2-40B4-BE49-F238E27FC236}">
-                      <a16:creationId xmlns="" xmlns:a16="http://schemas.microsoft.com/office/drawing/2014/main" id="{A0274DD3-C0CF-66A0-76C7-92563CE77AF4}"/>
-                    </a:ext>
-                  </a:extLst>
-                </p:cNvPr>
-                <p:cNvSpPr txBox="1"/>
-                <p:nvPr/>
-              </p:nvSpPr>
-              <p:spPr>
-                <a:xfrm>
-                  <a:off x="6774976" y="1992682"/>
-                  <a:ext cx="3389086" cy="523220"/>
-                </a:xfrm>
-                <a:prstGeom prst="rect">
-                  <a:avLst/>
-                </a:prstGeom>
-                <a:noFill/>
-              </p:spPr>
-              <p:txBody>
-                <a:bodyPr wrap="square" lIns="91440" tIns="45720" rIns="91440" bIns="45720" rtlCol="0" anchor="b" anchorCtr="0">
-                  <a:spAutoFit/>
-                </a:bodyPr>
-                <a:lstStyle/>
-                <a:p>
-                  <a:r>
-                    <a:rPr kumimoji="1" lang="zh-CN" altLang="en-US" sz="2800" b="1">
-                      <a:cs typeface="+mn-ea"/>
-                      <a:sym typeface="+mn-lt"/>
-                    </a:rPr>
-                    <a:t>论文</a:t>
-                  </a:r>
-                  <a:r>
-                    <a:rPr kumimoji="1" lang="zh-CN" altLang="en-US" sz="2800" b="1" smtClean="0">
-                      <a:cs typeface="+mn-ea"/>
-                      <a:sym typeface="+mn-lt"/>
-                    </a:rPr>
-                    <a:t>摘要（</a:t>
-                  </a:r>
-                  <a:r>
-                    <a:rPr kumimoji="1" lang="zh-CN" altLang="en-US" sz="2800" b="1">
-                      <a:cs typeface="+mn-ea"/>
-                      <a:sym typeface="+mn-lt"/>
-                    </a:rPr>
-                    <a:t>总</a:t>
-                  </a:r>
-                  <a:r>
-                    <a:rPr kumimoji="1" lang="zh-CN" altLang="en-US" sz="2800" b="1" smtClean="0">
-                      <a:cs typeface="+mn-ea"/>
-                      <a:sym typeface="+mn-lt"/>
-                    </a:rPr>
-                    <a:t>）</a:t>
-                  </a:r>
-                  <a:endParaRPr kumimoji="1" lang="zh-CN" altLang="en-US" sz="2800" b="1" dirty="0">
-                    <a:cs typeface="+mn-ea"/>
-                    <a:sym typeface="+mn-lt"/>
-                  </a:endParaRPr>
-                </a:p>
-              </p:txBody>
-            </p:sp>
-          </p:grpSp>
-          <p:sp>
-            <p:nvSpPr>
-              <p:cNvPr id="24" name="í$ľîḑé">
-                <a:extLst>
-                  <a:ext uri="{FF2B5EF4-FFF2-40B4-BE49-F238E27FC236}">
-                    <a16:creationId xmlns="" xmlns:a16="http://schemas.microsoft.com/office/drawing/2014/main" id="{979C6938-A6F8-AAF2-46B0-E3F2126FF04A}"/>
-                  </a:ext>
-                </a:extLst>
-              </p:cNvPr>
-              <p:cNvSpPr txBox="1"/>
-              <p:nvPr/>
-            </p:nvSpPr>
-            <p:spPr>
-              <a:xfrm>
-                <a:off x="4738442" y="1443865"/>
-                <a:ext cx="3404074" cy="707886"/>
-              </a:xfrm>
-              <a:prstGeom prst="rect">
-                <a:avLst/>
-              </a:prstGeom>
-              <a:noFill/>
-            </p:spPr>
-            <p:txBody>
-              <a:bodyPr wrap="square" lIns="91440" tIns="45720" rIns="91440" bIns="45720" rtlCol="0" anchor="b" anchorCtr="0">
-                <a:spAutoFit/>
-              </a:bodyPr>
-              <a:lstStyle/>
-              <a:p>
-                <a:r>
-                  <a:rPr kumimoji="1" lang="en-US" altLang="zh-CN" sz="4000" b="1" dirty="0">
-                    <a:solidFill>
-                      <a:schemeClr val="accent1"/>
-                    </a:solidFill>
-                    <a:cs typeface="+mn-ea"/>
-                    <a:sym typeface="+mn-lt"/>
-                  </a:rPr>
-                  <a:t>01</a:t>
-                </a:r>
-              </a:p>
-            </p:txBody>
-          </p:sp>
-          <p:cxnSp>
-            <p:nvCxnSpPr>
-              <p:cNvPr id="25" name="ïş1íḍé">
-                <a:extLst>
-                  <a:ext uri="{FF2B5EF4-FFF2-40B4-BE49-F238E27FC236}">
-                    <a16:creationId xmlns="" xmlns:a16="http://schemas.microsoft.com/office/drawing/2014/main" id="{D5825AA2-9950-0400-5DEF-2AF023D0C64C}"/>
-                  </a:ext>
-                </a:extLst>
-              </p:cNvPr>
-              <p:cNvCxnSpPr>
-                <a:cxnSpLocks/>
-              </p:cNvCxnSpPr>
-              <p:nvPr/>
-            </p:nvCxnSpPr>
-            <p:spPr>
-              <a:xfrm>
-                <a:off x="4738440" y="2151751"/>
-                <a:ext cx="3152113" cy="0"/>
-              </a:xfrm>
-              <a:prstGeom prst="line">
-                <a:avLst/>
-              </a:prstGeom>
-              <a:ln>
-                <a:solidFill>
-                  <a:schemeClr val="tx2">
-                    <a:alpha val="70000"/>
-                  </a:schemeClr>
-                </a:solidFill>
-              </a:ln>
-            </p:spPr>
-            <p:style>
-              <a:lnRef idx="1">
-                <a:schemeClr val="accent1"/>
-              </a:lnRef>
-              <a:fillRef idx="0">
-                <a:schemeClr val="accent1"/>
-              </a:fillRef>
-              <a:effectRef idx="0">
-                <a:schemeClr val="accent1"/>
-              </a:effectRef>
-              <a:fontRef idx="minor">
-                <a:schemeClr val="tx1"/>
-              </a:fontRef>
-            </p:style>
-          </p:cxnSp>
-        </p:grpSp>
-        <p:grpSp>
-          <p:nvGrpSpPr>
-            <p:cNvPr id="5" name="işļïďe">
-              <a:extLst>
-                <a:ext uri="{FF2B5EF4-FFF2-40B4-BE49-F238E27FC236}">
-                  <a16:creationId xmlns="" xmlns:a16="http://schemas.microsoft.com/office/drawing/2014/main" id="{680FF075-5785-C39F-CF6A-060A778FC165}"/>
-                </a:ext>
-              </a:extLst>
-            </p:cNvPr>
-            <p:cNvGrpSpPr/>
-            <p:nvPr/>
-          </p:nvGrpSpPr>
-          <p:grpSpPr>
-            <a:xfrm>
-              <a:off x="6467568" y="2611171"/>
-              <a:ext cx="5007239" cy="1615334"/>
-              <a:chOff x="4723454" y="1443865"/>
-              <a:chExt cx="3404074" cy="1615334"/>
-            </a:xfrm>
-          </p:grpSpPr>
-          <p:grpSp>
-            <p:nvGrpSpPr>
-              <p:cNvPr id="18" name="iṧḻiḑe">
-                <a:extLst>
-                  <a:ext uri="{FF2B5EF4-FFF2-40B4-BE49-F238E27FC236}">
-                    <a16:creationId xmlns="" xmlns:a16="http://schemas.microsoft.com/office/drawing/2014/main" id="{70E30EDB-7B75-6D8A-1BBF-1A2FC1BEE801}"/>
-                  </a:ext>
-                </a:extLst>
-              </p:cNvPr>
-              <p:cNvGrpSpPr/>
-              <p:nvPr/>
-            </p:nvGrpSpPr>
-            <p:grpSpPr>
-              <a:xfrm>
-                <a:off x="4738440" y="2216562"/>
-                <a:ext cx="3389088" cy="842637"/>
-                <a:chOff x="6774974" y="1992682"/>
-                <a:chExt cx="3389088" cy="842637"/>
-              </a:xfrm>
-            </p:grpSpPr>
-            <p:sp>
-              <p:nvSpPr>
-                <p:cNvPr id="21" name="î$ḻíḓe">
-                  <a:extLst>
-                    <a:ext uri="{FF2B5EF4-FFF2-40B4-BE49-F238E27FC236}">
-                      <a16:creationId xmlns="" xmlns:a16="http://schemas.microsoft.com/office/drawing/2014/main" id="{2B4705B8-0650-B985-369F-C2EE665081DA}"/>
-                    </a:ext>
-                  </a:extLst>
-                </p:cNvPr>
-                <p:cNvSpPr/>
-                <p:nvPr/>
-              </p:nvSpPr>
-              <p:spPr>
-                <a:xfrm>
-                  <a:off x="6774974" y="2532929"/>
-                  <a:ext cx="3389088" cy="302390"/>
-                </a:xfrm>
-                <a:prstGeom prst="rect">
-                  <a:avLst/>
-                </a:prstGeom>
-                <a:noFill/>
-                <a:ln>
-                  <a:noFill/>
-                </a:ln>
-              </p:spPr>
-              <p:style>
-                <a:lnRef idx="2">
-                  <a:schemeClr val="accent1">
-                    <a:shade val="50000"/>
-                  </a:schemeClr>
-                </a:lnRef>
-                <a:fillRef idx="1">
-                  <a:schemeClr val="accent1"/>
-                </a:fillRef>
-                <a:effectRef idx="0">
-                  <a:schemeClr val="accent1"/>
-                </a:effectRef>
-                <a:fontRef idx="minor">
-                  <a:schemeClr val="lt1"/>
-                </a:fontRef>
-              </p:style>
-              <p:txBody>
-                <a:bodyPr wrap="square" lIns="91440" tIns="45720" rIns="91440" bIns="45720" rtlCol="0" anchor="t" anchorCtr="0">
-                  <a:spAutoFit/>
-                </a:bodyPr>
-                <a:lstStyle/>
-                <a:p>
-                  <a:pPr>
-                    <a:lnSpc>
-                      <a:spcPct val="130000"/>
-                    </a:lnSpc>
-                  </a:pPr>
-                  <a:r>
-                    <a:rPr kumimoji="1" lang="en-US" altLang="zh-CN" sz="1050">
-                      <a:solidFill>
-                        <a:schemeClr val="tx1"/>
-                      </a:solidFill>
-                      <a:cs typeface="+mn-ea"/>
-                      <a:sym typeface="+mn-lt"/>
-                    </a:rPr>
-                    <a:t>Research Background and Topic</a:t>
-                  </a:r>
-                  <a:endParaRPr kumimoji="1" lang="en-US" altLang="zh-CN" sz="1050" dirty="0">
-                    <a:solidFill>
-                      <a:schemeClr val="tx1"/>
-                    </a:solidFill>
-                    <a:cs typeface="+mn-ea"/>
-                    <a:sym typeface="+mn-lt"/>
-                  </a:endParaRPr>
-                </a:p>
-              </p:txBody>
-            </p:sp>
-            <p:sp>
-              <p:nvSpPr>
-                <p:cNvPr id="22" name="ïṡḷiḋê">
-                  <a:extLst>
-                    <a:ext uri="{FF2B5EF4-FFF2-40B4-BE49-F238E27FC236}">
-                      <a16:creationId xmlns="" xmlns:a16="http://schemas.microsoft.com/office/drawing/2014/main" id="{08308386-E14E-B76B-24F2-4625C2F22BB8}"/>
-                    </a:ext>
-                  </a:extLst>
-                </p:cNvPr>
-                <p:cNvSpPr txBox="1"/>
-                <p:nvPr/>
-              </p:nvSpPr>
-              <p:spPr>
-                <a:xfrm>
-                  <a:off x="6774976" y="1992682"/>
-                  <a:ext cx="3389086" cy="523220"/>
-                </a:xfrm>
-                <a:prstGeom prst="rect">
-                  <a:avLst/>
-                </a:prstGeom>
-                <a:noFill/>
-              </p:spPr>
-              <p:txBody>
-                <a:bodyPr wrap="square" lIns="91440" tIns="45720" rIns="91440" bIns="45720" rtlCol="0" anchor="b" anchorCtr="0">
-                  <a:spAutoFit/>
-                </a:bodyPr>
-                <a:lstStyle/>
-                <a:p>
-                  <a:r>
-                    <a:rPr kumimoji="1" lang="zh-CN" altLang="en-US" sz="2800" b="1">
-                      <a:cs typeface="+mn-ea"/>
-                      <a:sym typeface="+mn-lt"/>
-                    </a:rPr>
-                    <a:t>研究背景与研究</a:t>
-                  </a:r>
-                  <a:r>
-                    <a:rPr kumimoji="1" lang="zh-CN" altLang="en-US" sz="2800" b="1">
-                      <a:cs typeface="+mn-ea"/>
-                      <a:sym typeface="+mn-lt"/>
-                    </a:rPr>
-                    <a:t>主题</a:t>
-                  </a:r>
-                  <a:r>
-                    <a:rPr kumimoji="1" lang="zh-CN" altLang="en-US" sz="2800" b="1" smtClean="0">
-                      <a:cs typeface="+mn-ea"/>
-                      <a:sym typeface="+mn-lt"/>
-                    </a:rPr>
-                    <a:t>（分）</a:t>
-                  </a:r>
-                  <a:endParaRPr kumimoji="1" lang="zh-CN" altLang="en-US" sz="2800" b="1">
-                    <a:cs typeface="+mn-ea"/>
-                    <a:sym typeface="+mn-lt"/>
-                  </a:endParaRPr>
-                </a:p>
-              </p:txBody>
-            </p:sp>
-          </p:grpSp>
-          <p:sp>
-            <p:nvSpPr>
-              <p:cNvPr id="19" name="iSḷiḓè">
-                <a:extLst>
-                  <a:ext uri="{FF2B5EF4-FFF2-40B4-BE49-F238E27FC236}">
-                    <a16:creationId xmlns="" xmlns:a16="http://schemas.microsoft.com/office/drawing/2014/main" id="{1C7B2D58-D572-5556-A2BE-70A6FFFFABEC}"/>
-                  </a:ext>
-                </a:extLst>
-              </p:cNvPr>
-              <p:cNvSpPr txBox="1"/>
-              <p:nvPr/>
-            </p:nvSpPr>
-            <p:spPr>
-              <a:xfrm>
-                <a:off x="4723454" y="1443865"/>
-                <a:ext cx="3404074" cy="707886"/>
-              </a:xfrm>
-              <a:prstGeom prst="rect">
-                <a:avLst/>
-              </a:prstGeom>
-              <a:noFill/>
-            </p:spPr>
-            <p:txBody>
-              <a:bodyPr wrap="square" lIns="91440" tIns="45720" rIns="91440" bIns="45720" rtlCol="0" anchor="b" anchorCtr="0">
-                <a:spAutoFit/>
-              </a:bodyPr>
-              <a:lstStyle/>
-              <a:p>
-                <a:r>
-                  <a:rPr kumimoji="1" lang="en-US" altLang="zh-CN" sz="4000" b="1" dirty="0">
-                    <a:solidFill>
-                      <a:schemeClr val="accent2"/>
-                    </a:solidFill>
-                    <a:cs typeface="+mn-ea"/>
-                    <a:sym typeface="+mn-lt"/>
-                  </a:rPr>
-                  <a:t>02</a:t>
-                </a:r>
-              </a:p>
-            </p:txBody>
-          </p:sp>
-          <p:cxnSp>
-            <p:nvCxnSpPr>
-              <p:cNvPr id="20" name="ïs1ïḑè">
-                <a:extLst>
-                  <a:ext uri="{FF2B5EF4-FFF2-40B4-BE49-F238E27FC236}">
-                    <a16:creationId xmlns="" xmlns:a16="http://schemas.microsoft.com/office/drawing/2014/main" id="{833515B7-2AE8-189A-B30D-C1B938DA6302}"/>
-                  </a:ext>
-                </a:extLst>
-              </p:cNvPr>
-              <p:cNvCxnSpPr>
-                <a:cxnSpLocks/>
-              </p:cNvCxnSpPr>
-              <p:nvPr/>
-            </p:nvCxnSpPr>
-            <p:spPr>
-              <a:xfrm>
-                <a:off x="4738440" y="2151751"/>
-                <a:ext cx="3152113" cy="0"/>
-              </a:xfrm>
-              <a:prstGeom prst="line">
-                <a:avLst/>
-              </a:prstGeom>
-              <a:ln>
-                <a:solidFill>
-                  <a:schemeClr val="tx2">
-                    <a:alpha val="70000"/>
-                  </a:schemeClr>
-                </a:solidFill>
-              </a:ln>
-            </p:spPr>
-            <p:style>
-              <a:lnRef idx="1">
-                <a:schemeClr val="accent1"/>
-              </a:lnRef>
-              <a:fillRef idx="0">
-                <a:schemeClr val="accent1"/>
-              </a:fillRef>
-              <a:effectRef idx="0">
-                <a:schemeClr val="accent1"/>
-              </a:effectRef>
-              <a:fontRef idx="minor">
-                <a:schemeClr val="tx1"/>
-              </a:fontRef>
-            </p:style>
-          </p:cxnSp>
-        </p:grpSp>
-        <p:grpSp>
-          <p:nvGrpSpPr>
-            <p:cNvPr id="6" name="iṩḷîḋé">
-              <a:extLst>
-                <a:ext uri="{FF2B5EF4-FFF2-40B4-BE49-F238E27FC236}">
-                  <a16:creationId xmlns="" xmlns:a16="http://schemas.microsoft.com/office/drawing/2014/main" id="{6D098F7F-9C77-5459-2FAD-72CC6EDC7FA4}"/>
-                </a:ext>
-              </a:extLst>
-            </p:cNvPr>
-            <p:cNvGrpSpPr/>
-            <p:nvPr/>
-          </p:nvGrpSpPr>
-          <p:grpSpPr>
-            <a:xfrm>
-              <a:off x="682447" y="4549607"/>
-              <a:ext cx="5007242" cy="1615334"/>
-              <a:chOff x="4738440" y="1443865"/>
-              <a:chExt cx="3404076" cy="1615334"/>
-            </a:xfrm>
-          </p:grpSpPr>
-          <p:grpSp>
-            <p:nvGrpSpPr>
-              <p:cNvPr id="13" name="iṡḷiďè">
-                <a:extLst>
-                  <a:ext uri="{FF2B5EF4-FFF2-40B4-BE49-F238E27FC236}">
-                    <a16:creationId xmlns="" xmlns:a16="http://schemas.microsoft.com/office/drawing/2014/main" id="{996B5D98-2A51-C0A3-4319-301329AF01F4}"/>
-                  </a:ext>
-                </a:extLst>
-              </p:cNvPr>
-              <p:cNvGrpSpPr/>
-              <p:nvPr/>
-            </p:nvGrpSpPr>
-            <p:grpSpPr>
-              <a:xfrm>
-                <a:off x="4738440" y="2216562"/>
-                <a:ext cx="3389088" cy="842637"/>
-                <a:chOff x="6774974" y="1992682"/>
-                <a:chExt cx="3389088" cy="842637"/>
-              </a:xfrm>
-            </p:grpSpPr>
-            <p:sp>
-              <p:nvSpPr>
-                <p:cNvPr id="16" name="îṥlïḍe">
-                  <a:extLst>
-                    <a:ext uri="{FF2B5EF4-FFF2-40B4-BE49-F238E27FC236}">
-                      <a16:creationId xmlns="" xmlns:a16="http://schemas.microsoft.com/office/drawing/2014/main" id="{8D74F945-68CE-99E6-1A41-77206B4DA5B8}"/>
-                    </a:ext>
-                  </a:extLst>
-                </p:cNvPr>
-                <p:cNvSpPr/>
-                <p:nvPr/>
-              </p:nvSpPr>
-              <p:spPr>
-                <a:xfrm>
-                  <a:off x="6774974" y="2532929"/>
-                  <a:ext cx="3389088" cy="302390"/>
-                </a:xfrm>
-                <a:prstGeom prst="rect">
-                  <a:avLst/>
-                </a:prstGeom>
-                <a:noFill/>
-                <a:ln>
-                  <a:noFill/>
-                </a:ln>
-              </p:spPr>
-              <p:style>
-                <a:lnRef idx="2">
-                  <a:schemeClr val="accent1">
-                    <a:shade val="50000"/>
-                  </a:schemeClr>
-                </a:lnRef>
-                <a:fillRef idx="1">
-                  <a:schemeClr val="accent1"/>
-                </a:fillRef>
-                <a:effectRef idx="0">
-                  <a:schemeClr val="accent1"/>
-                </a:effectRef>
-                <a:fontRef idx="minor">
-                  <a:schemeClr val="lt1"/>
-                </a:fontRef>
-              </p:style>
-              <p:txBody>
-                <a:bodyPr wrap="square" lIns="91440" tIns="45720" rIns="91440" bIns="45720" rtlCol="0" anchor="t" anchorCtr="0">
-                  <a:spAutoFit/>
-                </a:bodyPr>
-                <a:lstStyle/>
-                <a:p>
-                  <a:pPr>
-                    <a:lnSpc>
-                      <a:spcPct val="130000"/>
-                    </a:lnSpc>
-                  </a:pPr>
-                  <a:r>
-                    <a:rPr kumimoji="1" lang="en-US" altLang="zh-CN" sz="1050">
-                      <a:solidFill>
-                        <a:schemeClr val="tx1"/>
-                      </a:solidFill>
-                      <a:cs typeface="+mn-ea"/>
-                      <a:sym typeface="+mn-lt"/>
-                    </a:rPr>
-                    <a:t>Research Method and Conclusion</a:t>
-                  </a:r>
-                  <a:endParaRPr kumimoji="1" lang="en-US" altLang="zh-CN" sz="1050" dirty="0">
-                    <a:solidFill>
-                      <a:schemeClr val="tx1"/>
-                    </a:solidFill>
-                    <a:cs typeface="+mn-ea"/>
-                    <a:sym typeface="+mn-lt"/>
-                  </a:endParaRPr>
-                </a:p>
-              </p:txBody>
-            </p:sp>
-            <p:sp>
-              <p:nvSpPr>
-                <p:cNvPr id="17" name="iSḷîḑê">
-                  <a:extLst>
-                    <a:ext uri="{FF2B5EF4-FFF2-40B4-BE49-F238E27FC236}">
-                      <a16:creationId xmlns="" xmlns:a16="http://schemas.microsoft.com/office/drawing/2014/main" id="{87F9B404-1775-97DE-9D1D-0C35E29630ED}"/>
-                    </a:ext>
-                  </a:extLst>
-                </p:cNvPr>
-                <p:cNvSpPr txBox="1"/>
-                <p:nvPr/>
-              </p:nvSpPr>
-              <p:spPr>
-                <a:xfrm>
-                  <a:off x="6774976" y="1992682"/>
-                  <a:ext cx="3389086" cy="523220"/>
-                </a:xfrm>
-                <a:prstGeom prst="rect">
-                  <a:avLst/>
-                </a:prstGeom>
-                <a:noFill/>
-              </p:spPr>
-              <p:txBody>
-                <a:bodyPr wrap="square" lIns="91440" tIns="45720" rIns="91440" bIns="45720" rtlCol="0" anchor="b" anchorCtr="0">
-                  <a:spAutoFit/>
-                </a:bodyPr>
-                <a:lstStyle/>
-                <a:p>
-                  <a:r>
-                    <a:rPr kumimoji="1" lang="zh-CN" altLang="en-US" sz="2800" b="1">
-                      <a:cs typeface="+mn-ea"/>
-                      <a:sym typeface="+mn-lt"/>
-                    </a:rPr>
-                    <a:t>研究方法与主要</a:t>
-                  </a:r>
-                  <a:r>
-                    <a:rPr kumimoji="1" lang="zh-CN" altLang="en-US" sz="2800" b="1" smtClean="0">
-                      <a:cs typeface="+mn-ea"/>
-                      <a:sym typeface="+mn-lt"/>
-                    </a:rPr>
-                    <a:t>结论（</a:t>
-                  </a:r>
-                  <a:r>
-                    <a:rPr kumimoji="1" lang="zh-CN" altLang="en-US" sz="2800" b="1">
-                      <a:cs typeface="+mn-ea"/>
-                      <a:sym typeface="+mn-lt"/>
-                    </a:rPr>
-                    <a:t>分</a:t>
-                  </a:r>
-                  <a:r>
-                    <a:rPr kumimoji="1" lang="zh-CN" altLang="en-US" sz="2800" b="1" smtClean="0">
-                      <a:cs typeface="+mn-ea"/>
-                      <a:sym typeface="+mn-lt"/>
-                    </a:rPr>
-                    <a:t>）</a:t>
-                  </a:r>
-                  <a:endParaRPr kumimoji="1" lang="zh-CN" altLang="en-US" sz="2800" b="1" dirty="0">
-                    <a:cs typeface="+mn-ea"/>
-                    <a:sym typeface="+mn-lt"/>
-                  </a:endParaRPr>
-                </a:p>
-              </p:txBody>
-            </p:sp>
-          </p:grpSp>
-          <p:sp>
-            <p:nvSpPr>
-              <p:cNvPr id="14" name="íSḻíḋè">
-                <a:extLst>
-                  <a:ext uri="{FF2B5EF4-FFF2-40B4-BE49-F238E27FC236}">
-                    <a16:creationId xmlns="" xmlns:a16="http://schemas.microsoft.com/office/drawing/2014/main" id="{75931950-4D40-8687-2D8D-44E9A0839485}"/>
-                  </a:ext>
-                </a:extLst>
-              </p:cNvPr>
-              <p:cNvSpPr txBox="1"/>
-              <p:nvPr/>
-            </p:nvSpPr>
-            <p:spPr>
-              <a:xfrm>
-                <a:off x="4738442" y="1443865"/>
-                <a:ext cx="3404074" cy="707886"/>
-              </a:xfrm>
-              <a:prstGeom prst="rect">
-                <a:avLst/>
-              </a:prstGeom>
-              <a:noFill/>
-            </p:spPr>
-            <p:txBody>
-              <a:bodyPr wrap="square" lIns="91440" tIns="45720" rIns="91440" bIns="45720" rtlCol="0" anchor="b" anchorCtr="0">
-                <a:spAutoFit/>
-              </a:bodyPr>
-              <a:lstStyle/>
-              <a:p>
-                <a:r>
-                  <a:rPr kumimoji="1" lang="en-US" altLang="zh-CN" sz="4000" b="1" dirty="0">
-                    <a:solidFill>
-                      <a:schemeClr val="accent1"/>
-                    </a:solidFill>
-                    <a:cs typeface="+mn-ea"/>
-                    <a:sym typeface="+mn-lt"/>
-                  </a:rPr>
-                  <a:t>03</a:t>
-                </a:r>
-              </a:p>
-            </p:txBody>
-          </p:sp>
-          <p:cxnSp>
-            <p:nvCxnSpPr>
-              <p:cNvPr id="15" name="išļîde">
-                <a:extLst>
-                  <a:ext uri="{FF2B5EF4-FFF2-40B4-BE49-F238E27FC236}">
-                    <a16:creationId xmlns="" xmlns:a16="http://schemas.microsoft.com/office/drawing/2014/main" id="{E8D3AF1E-1F3E-F6DB-B267-0393C1522B7F}"/>
-                  </a:ext>
-                </a:extLst>
-              </p:cNvPr>
-              <p:cNvCxnSpPr>
-                <a:cxnSpLocks/>
-              </p:cNvCxnSpPr>
-              <p:nvPr/>
-            </p:nvCxnSpPr>
-            <p:spPr>
-              <a:xfrm>
-                <a:off x="4738440" y="2151751"/>
-                <a:ext cx="3152113" cy="0"/>
-              </a:xfrm>
-              <a:prstGeom prst="line">
-                <a:avLst/>
-              </a:prstGeom>
-              <a:ln>
-                <a:solidFill>
-                  <a:schemeClr val="tx2">
-                    <a:alpha val="70000"/>
-                  </a:schemeClr>
-                </a:solidFill>
-              </a:ln>
-            </p:spPr>
-            <p:style>
-              <a:lnRef idx="1">
-                <a:schemeClr val="accent1"/>
-              </a:lnRef>
-              <a:fillRef idx="0">
-                <a:schemeClr val="accent1"/>
-              </a:fillRef>
-              <a:effectRef idx="0">
-                <a:schemeClr val="accent1"/>
-              </a:effectRef>
-              <a:fontRef idx="minor">
-                <a:schemeClr val="tx1"/>
-              </a:fontRef>
-            </p:style>
-          </p:cxnSp>
-        </p:grpSp>
-        <p:grpSp>
-          <p:nvGrpSpPr>
-            <p:cNvPr id="7" name="îś1idê">
-              <a:extLst>
-                <a:ext uri="{FF2B5EF4-FFF2-40B4-BE49-F238E27FC236}">
-                  <a16:creationId xmlns="" xmlns:a16="http://schemas.microsoft.com/office/drawing/2014/main" id="{1412C11E-84B5-12D9-3749-B91867A79C1D}"/>
-                </a:ext>
-              </a:extLst>
-            </p:cNvPr>
-            <p:cNvGrpSpPr/>
-            <p:nvPr/>
-          </p:nvGrpSpPr>
-          <p:grpSpPr>
-            <a:xfrm>
-              <a:off x="6511658" y="4549607"/>
-              <a:ext cx="5007242" cy="1615334"/>
-              <a:chOff x="4738440" y="1443865"/>
-              <a:chExt cx="3404076" cy="1615334"/>
-            </a:xfrm>
-          </p:grpSpPr>
-          <p:grpSp>
-            <p:nvGrpSpPr>
-              <p:cNvPr id="8" name="iS1íḍe">
-                <a:extLst>
-                  <a:ext uri="{FF2B5EF4-FFF2-40B4-BE49-F238E27FC236}">
-                    <a16:creationId xmlns="" xmlns:a16="http://schemas.microsoft.com/office/drawing/2014/main" id="{4928AA6A-28DD-B913-64B2-14161535DFE2}"/>
-                  </a:ext>
-                </a:extLst>
-              </p:cNvPr>
-              <p:cNvGrpSpPr/>
-              <p:nvPr/>
-            </p:nvGrpSpPr>
-            <p:grpSpPr>
-              <a:xfrm>
-                <a:off x="4738440" y="2216562"/>
-                <a:ext cx="3389088" cy="842637"/>
-                <a:chOff x="6774974" y="1992682"/>
-                <a:chExt cx="3389088" cy="842637"/>
-              </a:xfrm>
-            </p:grpSpPr>
-            <p:sp>
-              <p:nvSpPr>
-                <p:cNvPr id="11" name="iSļïḓé">
-                  <a:extLst>
-                    <a:ext uri="{FF2B5EF4-FFF2-40B4-BE49-F238E27FC236}">
-                      <a16:creationId xmlns="" xmlns:a16="http://schemas.microsoft.com/office/drawing/2014/main" id="{984ED1D8-BCB5-96B2-4C34-3A8FD6C27169}"/>
-                    </a:ext>
-                  </a:extLst>
-                </p:cNvPr>
-                <p:cNvSpPr/>
-                <p:nvPr/>
-              </p:nvSpPr>
-              <p:spPr>
-                <a:xfrm>
-                  <a:off x="6774974" y="2532929"/>
-                  <a:ext cx="3389088" cy="302390"/>
-                </a:xfrm>
-                <a:prstGeom prst="rect">
-                  <a:avLst/>
-                </a:prstGeom>
-                <a:noFill/>
-                <a:ln>
-                  <a:noFill/>
-                </a:ln>
-              </p:spPr>
-              <p:style>
-                <a:lnRef idx="2">
-                  <a:schemeClr val="accent1">
-                    <a:shade val="50000"/>
-                  </a:schemeClr>
-                </a:lnRef>
-                <a:fillRef idx="1">
-                  <a:schemeClr val="accent1"/>
-                </a:fillRef>
-                <a:effectRef idx="0">
-                  <a:schemeClr val="accent1"/>
-                </a:effectRef>
-                <a:fontRef idx="minor">
-                  <a:schemeClr val="lt1"/>
-                </a:fontRef>
-              </p:style>
-              <p:txBody>
-                <a:bodyPr wrap="square" lIns="91440" tIns="45720" rIns="91440" bIns="45720" rtlCol="0" anchor="t" anchorCtr="0">
-                  <a:spAutoFit/>
-                </a:bodyPr>
-                <a:lstStyle/>
-                <a:p>
-                  <a:pPr>
-                    <a:lnSpc>
-                      <a:spcPct val="130000"/>
-                    </a:lnSpc>
-                  </a:pPr>
-                  <a:r>
-                    <a:rPr kumimoji="1" lang="en-US" altLang="zh-CN" sz="1050">
-                      <a:solidFill>
-                        <a:schemeClr val="tx1"/>
-                      </a:solidFill>
-                      <a:cs typeface="+mn-ea"/>
-                      <a:sym typeface="+mn-lt"/>
-                    </a:rPr>
-                    <a:t>Discussion and Future Outlook</a:t>
-                  </a:r>
-                  <a:endParaRPr kumimoji="1" lang="en-US" altLang="zh-CN" sz="1050" dirty="0">
-                    <a:solidFill>
-                      <a:schemeClr val="tx1"/>
-                    </a:solidFill>
-                    <a:cs typeface="+mn-ea"/>
-                    <a:sym typeface="+mn-lt"/>
-                  </a:endParaRPr>
-                </a:p>
-              </p:txBody>
-            </p:sp>
-            <p:sp>
-              <p:nvSpPr>
-                <p:cNvPr id="12" name="îṩḻïḋe">
-                  <a:extLst>
-                    <a:ext uri="{FF2B5EF4-FFF2-40B4-BE49-F238E27FC236}">
-                      <a16:creationId xmlns="" xmlns:a16="http://schemas.microsoft.com/office/drawing/2014/main" id="{DBA6279E-2EA4-29C7-9BFA-FF464E8B1CA7}"/>
-                    </a:ext>
-                  </a:extLst>
-                </p:cNvPr>
-                <p:cNvSpPr txBox="1"/>
-                <p:nvPr/>
-              </p:nvSpPr>
-              <p:spPr>
-                <a:xfrm>
-                  <a:off x="6774976" y="1992682"/>
-                  <a:ext cx="3389086" cy="523220"/>
-                </a:xfrm>
-                <a:prstGeom prst="rect">
-                  <a:avLst/>
-                </a:prstGeom>
-                <a:noFill/>
-              </p:spPr>
-              <p:txBody>
-                <a:bodyPr wrap="square" lIns="91440" tIns="45720" rIns="91440" bIns="45720" rtlCol="0" anchor="b" anchorCtr="0">
-                  <a:spAutoFit/>
-                </a:bodyPr>
-                <a:lstStyle/>
-                <a:p>
-                  <a:r>
-                    <a:rPr kumimoji="1" lang="zh-CN" altLang="en-US" sz="2800" b="1">
-                      <a:cs typeface="+mn-ea"/>
-                      <a:sym typeface="+mn-lt"/>
-                    </a:rPr>
-                    <a:t>研究讨论与未来</a:t>
-                  </a:r>
-                  <a:r>
-                    <a:rPr kumimoji="1" lang="zh-CN" altLang="en-US" sz="2800" b="1" smtClean="0">
-                      <a:cs typeface="+mn-ea"/>
-                      <a:sym typeface="+mn-lt"/>
-                    </a:rPr>
-                    <a:t>展望（</a:t>
-                  </a:r>
-                  <a:r>
-                    <a:rPr kumimoji="1" lang="zh-CN" altLang="en-US" sz="2800" b="1">
-                      <a:cs typeface="+mn-ea"/>
-                      <a:sym typeface="+mn-lt"/>
-                    </a:rPr>
-                    <a:t>分</a:t>
-                  </a:r>
-                  <a:r>
-                    <a:rPr kumimoji="1" lang="zh-CN" altLang="en-US" sz="2800" b="1" smtClean="0">
-                      <a:cs typeface="+mn-ea"/>
-                      <a:sym typeface="+mn-lt"/>
-                    </a:rPr>
-                    <a:t>）</a:t>
-                  </a:r>
-                  <a:endParaRPr kumimoji="1" lang="zh-CN" altLang="en-US" sz="2800" b="1" dirty="0">
-                    <a:cs typeface="+mn-ea"/>
-                    <a:sym typeface="+mn-lt"/>
-                  </a:endParaRPr>
-                </a:p>
-              </p:txBody>
-            </p:sp>
-          </p:grpSp>
-          <p:sp>
-            <p:nvSpPr>
-              <p:cNvPr id="9" name="îṣ1íďe">
-                <a:extLst>
-                  <a:ext uri="{FF2B5EF4-FFF2-40B4-BE49-F238E27FC236}">
-                    <a16:creationId xmlns="" xmlns:a16="http://schemas.microsoft.com/office/drawing/2014/main" id="{7FF47380-800B-B23A-2417-D7CE7AC57D9D}"/>
-                  </a:ext>
-                </a:extLst>
-              </p:cNvPr>
-              <p:cNvSpPr txBox="1"/>
-              <p:nvPr/>
-            </p:nvSpPr>
-            <p:spPr>
-              <a:xfrm>
-                <a:off x="4738442" y="1443865"/>
-                <a:ext cx="3404074" cy="707886"/>
-              </a:xfrm>
-              <a:prstGeom prst="rect">
-                <a:avLst/>
-              </a:prstGeom>
-              <a:noFill/>
-            </p:spPr>
-            <p:txBody>
-              <a:bodyPr wrap="square" lIns="91440" tIns="45720" rIns="91440" bIns="45720" rtlCol="0" anchor="b" anchorCtr="0">
-                <a:spAutoFit/>
-              </a:bodyPr>
-              <a:lstStyle/>
-              <a:p>
-                <a:r>
-                  <a:rPr kumimoji="1" lang="en-US" altLang="zh-CN" sz="4000" b="1" dirty="0">
-                    <a:solidFill>
-                      <a:schemeClr val="accent1"/>
-                    </a:solidFill>
-                    <a:cs typeface="+mn-ea"/>
-                    <a:sym typeface="+mn-lt"/>
-                  </a:rPr>
-                  <a:t>04</a:t>
-                </a:r>
-              </a:p>
-            </p:txBody>
-          </p:sp>
-          <p:cxnSp>
-            <p:nvCxnSpPr>
-              <p:cNvPr id="10" name="îsľiḍe">
-                <a:extLst>
-                  <a:ext uri="{FF2B5EF4-FFF2-40B4-BE49-F238E27FC236}">
-                    <a16:creationId xmlns="" xmlns:a16="http://schemas.microsoft.com/office/drawing/2014/main" id="{684C9C73-BE0A-6D72-531F-BC3C57FBBFFE}"/>
-                  </a:ext>
-                </a:extLst>
-              </p:cNvPr>
-              <p:cNvCxnSpPr>
-                <a:cxnSpLocks/>
-              </p:cNvCxnSpPr>
-              <p:nvPr/>
-            </p:nvCxnSpPr>
-            <p:spPr>
-              <a:xfrm>
-                <a:off x="4738440" y="2151751"/>
-                <a:ext cx="3152113" cy="0"/>
-              </a:xfrm>
-              <a:prstGeom prst="line">
-                <a:avLst/>
-              </a:prstGeom>
-              <a:ln>
-                <a:solidFill>
-                  <a:schemeClr val="tx2">
-                    <a:alpha val="70000"/>
-                  </a:schemeClr>
-                </a:solidFill>
-              </a:ln>
-            </p:spPr>
-            <p:style>
-              <a:lnRef idx="1">
-                <a:schemeClr val="accent1"/>
-              </a:lnRef>
-              <a:fillRef idx="0">
-                <a:schemeClr val="accent1"/>
-              </a:fillRef>
-              <a:effectRef idx="0">
-                <a:schemeClr val="accent1"/>
-              </a:effectRef>
-              <a:fontRef idx="minor">
-                <a:schemeClr val="tx1"/>
-              </a:fontRef>
-            </p:style>
-          </p:cxnSp>
-        </p:grpSp>
-      </p:grpSp>
-      <p:sp>
-        <p:nvSpPr>
-          <p:cNvPr id="29" name="ïş1ïḑé">
-            <a:extLst>
-              <a:ext uri="{FF2B5EF4-FFF2-40B4-BE49-F238E27FC236}">
-                <a16:creationId xmlns="" xmlns:a16="http://schemas.microsoft.com/office/drawing/2014/main" id="{F5C008A4-AC33-5C84-D26C-D1BB479E1BD9}"/>
-              </a:ext>
-            </a:extLst>
-          </p:cNvPr>
-          <p:cNvSpPr>
-            <a:spLocks noGrp="1"/>
-          </p:cNvSpPr>
-          <p:nvPr>
-            <p:ph type="sldNum" sz="quarter" idx="4"/>
-          </p:nvPr>
-        </p:nvSpPr>
-        <p:spPr/>
-        <p:txBody>
-          <a:bodyPr/>
-          <a:lstStyle/>
-          <a:p>
-            <a:fld id="{7F65B630-C7FF-41C0-9923-C5E5E29EED81}" type="slidenum">
-              <a:rPr lang="en-US" altLang="zh-CN" smtClean="0">
-                <a:cs typeface="+mn-ea"/>
-                <a:sym typeface="+mn-lt"/>
-              </a:rPr>
-              <a:pPr/>
-              <a:t>2</a:t>
-            </a:fld>
-            <a:endParaRPr lang="en-US" altLang="zh-CN">
-              <a:cs typeface="+mn-ea"/>
-              <a:sym typeface="+mn-lt"/>
-            </a:endParaRPr>
-          </a:p>
-        </p:txBody>
-      </p:sp>
-    </p:spTree>
-    <p:custDataLst>
-      <p:tags r:id="rId2"/>
-    </p:custDataLst>
-    <p:extLst>
-      <p:ext uri="{BB962C8B-B14F-4D97-AF65-F5344CB8AC3E}">
-        <p14:creationId xmlns:p14="http://schemas.microsoft.com/office/powerpoint/2010/main" val="3211939069"/>
-      </p:ext>
-    </p:extLst>
-  </p:cSld>
-  <p:clrMapOvr>
-    <a:masterClrMapping/>
-  </p:clrMapOvr>
-  <p:timing>
-    <p:tnLst>
-      <p:par>
-        <p:cTn id="1" dur="indefinite" restart="never" nodeType="tmRoot"/>
-      </p:par>
-    </p:tnLst>
-  </p:timing>
-</p:sld>
-</file>
-
-<file path=ppt/slides/slide20.xml><?xml version="1.0" encoding="utf-8"?>
+<file path=ppt/slides/slide22.xml><?xml version="1.0" encoding="utf-8"?>
 <p:sld xmlns:a="http://schemas.openxmlformats.org/drawingml/2006/main" xmlns:r="http://schemas.openxmlformats.org/officeDocument/2006/relationships" xmlns:p="http://schemas.openxmlformats.org/presentationml/2006/main">
   <p:cSld>
     <p:spTree>
@@ -19354,7 +21052,7 @@
                 <a:sym typeface="+mn-lt"/>
               </a:rPr>
               <a:pPr/>
-              <a:t>20</a:t>
+              <a:t>22</a:t>
             </a:fld>
             <a:endParaRPr lang="en-US" altLang="zh-CN" dirty="0">
               <a:cs typeface="+mn-ea"/>
@@ -20052,7 +21750,7 @@
 </p:sld>
 </file>
 
-<file path=ppt/slides/slide21.xml><?xml version="1.0" encoding="utf-8"?>
+<file path=ppt/slides/slide23.xml><?xml version="1.0" encoding="utf-8"?>
 <p:sld xmlns:a="http://schemas.openxmlformats.org/drawingml/2006/main" xmlns:r="http://schemas.openxmlformats.org/officeDocument/2006/relationships" xmlns:p="http://schemas.openxmlformats.org/presentationml/2006/main">
   <p:cSld>
     <p:spTree>
@@ -20129,7 +21827,7 @@
                 <a:sym typeface="+mn-lt"/>
               </a:rPr>
               <a:pPr/>
-              <a:t>21</a:t>
+              <a:t>23</a:t>
             </a:fld>
             <a:endParaRPr lang="en-US" altLang="zh-CN">
               <a:cs typeface="+mn-ea"/>
@@ -20153,9 +21851,9 @@
         <p:grpSpPr>
           <a:xfrm>
             <a:off x="4784556" y="1934070"/>
-            <a:ext cx="6457970" cy="3370378"/>
+            <a:ext cx="6457970" cy="3419751"/>
             <a:chOff x="4784556" y="1945633"/>
-            <a:chExt cx="6457970" cy="3370378"/>
+            <a:chExt cx="6457970" cy="3419751"/>
           </a:xfrm>
         </p:grpSpPr>
         <p:grpSp>
@@ -20383,9 +22081,9 @@
           <p:grpSpPr>
             <a:xfrm>
               <a:off x="4784556" y="3937131"/>
-              <a:ext cx="6457970" cy="1378880"/>
+              <a:ext cx="6457970" cy="1428253"/>
               <a:chOff x="4652279" y="3077955"/>
-              <a:chExt cx="6457970" cy="1378880"/>
+              <a:chExt cx="6457970" cy="1428253"/>
             </a:xfrm>
           </p:grpSpPr>
           <p:sp>
@@ -20463,7 +22161,7 @@
             <p:spPr>
               <a:xfrm flipH="1">
                 <a:off x="4652279" y="3077955"/>
-                <a:ext cx="4809220" cy="1378880"/>
+                <a:ext cx="4809220" cy="1428253"/>
               </a:xfrm>
               <a:prstGeom prst="rect">
                 <a:avLst/>
@@ -20564,11 +22262,15 @@
                 </a:r>
                 <a:r>
                   <a:rPr lang="zh-CN" altLang="en-US" sz="1800" dirty="0"/>
-                  <a:t>、难以理解</a:t>
+                  <a:t>、难以</a:t>
                 </a:r>
                 <a:r>
-                  <a:rPr lang="zh-CN" altLang="en-US" dirty="0"/>
-                  <a:t>聚类具体含义与分类</a:t>
+                  <a:rPr lang="zh-CN" altLang="en-US" sz="1800"/>
+                  <a:t>理解</a:t>
+                </a:r>
+                <a:r>
+                  <a:rPr lang="zh-CN" altLang="en-US" smtClean="0"/>
+                  <a:t>聚类的分类和相关性</a:t>
                 </a:r>
                 <a:endParaRPr lang="en-US" altLang="zh-CN" sz="1800" dirty="0"/>
               </a:p>
@@ -20621,6 +22323,94 @@
           </a:extLst>
         </p:spPr>
       </p:pic>
+      <p:sp>
+        <p:nvSpPr>
+          <p:cNvPr id="4" name="矩形 3"/>
+          <p:cNvSpPr/>
+          <p:nvPr/>
+        </p:nvSpPr>
+        <p:spPr>
+          <a:xfrm>
+            <a:off x="660400" y="5634750"/>
+            <a:ext cx="10858500" cy="523220"/>
+          </a:xfrm>
+          <a:prstGeom prst="rect">
+            <a:avLst/>
+          </a:prstGeom>
+        </p:spPr>
+        <p:txBody>
+          <a:bodyPr wrap="square">
+            <a:spAutoFit/>
+          </a:bodyPr>
+          <a:lstStyle/>
+          <a:p>
+            <a:r>
+              <a:rPr lang="en-US" altLang="zh-CN" sz="1400" smtClean="0"/>
+              <a:t>TDA by Python</a:t>
+            </a:r>
+            <a:endParaRPr lang="en-US" altLang="zh-CN" sz="1400" smtClean="0"/>
+          </a:p>
+          <a:p>
+            <a:r>
+              <a:rPr lang="zh-CN" altLang="en-US" sz="1400" smtClean="0">
+                <a:hlinkClick r:id="rId5"/>
+              </a:rPr>
+              <a:t>https</a:t>
+            </a:r>
+            <a:r>
+              <a:rPr lang="zh-CN" altLang="en-US" sz="1400">
+                <a:hlinkClick r:id="rId5"/>
+              </a:rPr>
+              <a:t>://gudhi.inria.fr/introduction</a:t>
+            </a:r>
+            <a:r>
+              <a:rPr lang="zh-CN" altLang="en-US" sz="1400" smtClean="0">
+                <a:hlinkClick r:id="rId5"/>
+              </a:rPr>
+              <a:t>/</a:t>
+            </a:r>
+            <a:r>
+              <a:rPr lang="en-US" altLang="zh-CN" sz="1400" smtClean="0"/>
+              <a:t>; </a:t>
+            </a:r>
+            <a:r>
+              <a:rPr lang="zh-CN" altLang="en-US" sz="1400" smtClean="0">
+                <a:hlinkClick r:id="rId6"/>
+              </a:rPr>
+              <a:t>https</a:t>
+            </a:r>
+            <a:r>
+              <a:rPr lang="zh-CN" altLang="en-US" sz="1400">
+                <a:hlinkClick r:id="rId6"/>
+              </a:rPr>
+              <a:t>://scikit-learn.org/stable</a:t>
+            </a:r>
+            <a:r>
+              <a:rPr lang="zh-CN" altLang="en-US" sz="1400" smtClean="0">
+                <a:hlinkClick r:id="rId6"/>
+              </a:rPr>
+              <a:t>/</a:t>
+            </a:r>
+            <a:r>
+              <a:rPr lang="en-US" altLang="zh-CN" sz="1400" smtClean="0"/>
+              <a:t>; </a:t>
+            </a:r>
+            <a:r>
+              <a:rPr lang="zh-CN" altLang="en-US" sz="1400" smtClean="0"/>
+              <a:t>https</a:t>
+            </a:r>
+            <a:r>
+              <a:rPr lang="zh-CN" altLang="en-US" sz="1400"/>
+              <a:t>://www.tensorflow.org/?hl=zh-</a:t>
+            </a:r>
+            <a:r>
+              <a:rPr lang="zh-CN" altLang="en-US" sz="1400" smtClean="0"/>
+              <a:t>cn</a:t>
+            </a:r>
+            <a:endParaRPr lang="zh-CN" altLang="en-US" sz="1400"/>
+          </a:p>
+        </p:txBody>
+      </p:sp>
     </p:spTree>
     <p:custDataLst>
       <p:tags r:id="rId2"/>
@@ -20644,7 +22434,406 @@
 </p:sld>
 </file>
 
-<file path=ppt/slides/slide22.xml><?xml version="1.0" encoding="utf-8"?>
+<file path=ppt/slides/slide24.xml><?xml version="1.0" encoding="utf-8"?>
+<p:sld xmlns:a="http://schemas.openxmlformats.org/drawingml/2006/main" xmlns:r="http://schemas.openxmlformats.org/officeDocument/2006/relationships" xmlns:p="http://schemas.openxmlformats.org/presentationml/2006/main">
+  <p:cSld>
+    <p:spTree>
+      <p:nvGrpSpPr>
+        <p:cNvPr id="1" name="ïśļíḑè"/>
+        <p:cNvGrpSpPr/>
+        <p:nvPr/>
+      </p:nvGrpSpPr>
+      <p:grpSpPr>
+        <a:xfrm>
+          <a:off x="0" y="0"/>
+          <a:ext cx="0" cy="0"/>
+          <a:chOff x="0" y="0"/>
+          <a:chExt cx="0" cy="0"/>
+        </a:xfrm>
+      </p:grpSpPr>
+      <p:sp>
+        <p:nvSpPr>
+          <p:cNvPr id="2" name="ïṡḻïḓê">
+            <a:extLst>
+              <a:ext uri="{FF2B5EF4-FFF2-40B4-BE49-F238E27FC236}">
+                <a16:creationId xmlns="" xmlns:a16="http://schemas.microsoft.com/office/drawing/2014/main" id="{FA50EBB2-8FFA-9D47-A68A-ACED34B79B3A}"/>
+              </a:ext>
+            </a:extLst>
+          </p:cNvPr>
+          <p:cNvSpPr>
+            <a:spLocks noGrp="1"/>
+          </p:cNvSpPr>
+          <p:nvPr>
+            <p:ph type="title"/>
+          </p:nvPr>
+        </p:nvSpPr>
+        <p:spPr/>
+        <p:txBody>
+          <a:bodyPr/>
+          <a:lstStyle/>
+          <a:p>
+            <a:r>
+              <a:rPr lang="zh-CN" altLang="en-US" dirty="0">
+                <a:latin typeface="+mn-lt"/>
+                <a:ea typeface="+mn-ea"/>
+                <a:cs typeface="+mn-ea"/>
+                <a:sym typeface="+mn-lt"/>
+              </a:rPr>
+              <a:t>学习心得</a:t>
+            </a:r>
+          </a:p>
+        </p:txBody>
+      </p:sp>
+      <p:sp>
+        <p:nvSpPr>
+          <p:cNvPr id="3" name="iṡľïďe">
+            <a:extLst>
+              <a:ext uri="{FF2B5EF4-FFF2-40B4-BE49-F238E27FC236}">
+                <a16:creationId xmlns="" xmlns:a16="http://schemas.microsoft.com/office/drawing/2014/main" id="{9591A418-03ED-8F81-3AC6-C20EBC502C8A}"/>
+              </a:ext>
+            </a:extLst>
+          </p:cNvPr>
+          <p:cNvSpPr>
+            <a:spLocks noGrp="1"/>
+          </p:cNvSpPr>
+          <p:nvPr>
+            <p:ph type="sldNum" sz="quarter" idx="4"/>
+          </p:nvPr>
+        </p:nvSpPr>
+        <p:spPr/>
+        <p:txBody>
+          <a:bodyPr/>
+          <a:lstStyle/>
+          <a:p>
+            <a:fld id="{7F65B630-C7FF-41C0-9923-C5E5E29EED81}" type="slidenum">
+              <a:rPr lang="en-US" altLang="zh-CN" smtClean="0">
+                <a:cs typeface="+mn-ea"/>
+                <a:sym typeface="+mn-lt"/>
+              </a:rPr>
+              <a:pPr/>
+              <a:t>24</a:t>
+            </a:fld>
+            <a:endParaRPr lang="en-US" altLang="zh-CN">
+              <a:cs typeface="+mn-ea"/>
+              <a:sym typeface="+mn-lt"/>
+            </a:endParaRPr>
+          </a:p>
+        </p:txBody>
+      </p:sp>
+      <p:grpSp>
+        <p:nvGrpSpPr>
+          <p:cNvPr id="13" name="组合 12"/>
+          <p:cNvGrpSpPr/>
+          <p:nvPr/>
+        </p:nvGrpSpPr>
+        <p:grpSpPr>
+          <a:xfrm>
+            <a:off x="433306" y="1307595"/>
+            <a:ext cx="11325388" cy="4832092"/>
+            <a:chOff x="193512" y="1246635"/>
+            <a:chExt cx="11325388" cy="4832092"/>
+          </a:xfrm>
+        </p:grpSpPr>
+        <p:pic>
+          <p:nvPicPr>
+            <p:cNvPr id="14" name="图片 13"/>
+            <p:cNvPicPr>
+              <a:picLocks noChangeAspect="1"/>
+            </p:cNvPicPr>
+            <p:nvPr/>
+          </p:nvPicPr>
+          <p:blipFill rotWithShape="1">
+            <a:blip r:embed="rId5">
+              <a:extLst>
+                <a:ext uri="{28A0092B-C50C-407E-A947-70E740481C1C}">
+                  <a14:useLocalDpi xmlns:a14="http://schemas.microsoft.com/office/drawing/2010/main" val="0"/>
+                </a:ext>
+              </a:extLst>
+            </a:blip>
+            <a:srcRect l="5207" t="10304" r="8334" b="3350"/>
+            <a:stretch/>
+          </p:blipFill>
+          <p:spPr>
+            <a:xfrm>
+              <a:off x="5189606" y="1246635"/>
+              <a:ext cx="6329294" cy="4740701"/>
+            </a:xfrm>
+            <a:prstGeom prst="rect">
+              <a:avLst/>
+            </a:prstGeom>
+          </p:spPr>
+        </p:pic>
+        <p:sp>
+          <p:nvSpPr>
+            <p:cNvPr id="5" name="矩形 4"/>
+            <p:cNvSpPr/>
+            <p:nvPr/>
+          </p:nvSpPr>
+          <p:spPr>
+            <a:xfrm>
+              <a:off x="193512" y="1246635"/>
+              <a:ext cx="4996094" cy="4832092"/>
+            </a:xfrm>
+            <a:prstGeom prst="rect">
+              <a:avLst/>
+            </a:prstGeom>
+          </p:spPr>
+          <p:txBody>
+            <a:bodyPr wrap="square">
+              <a:spAutoFit/>
+            </a:bodyPr>
+            <a:lstStyle/>
+            <a:p>
+              <a:r>
+                <a:rPr lang="en-US" altLang="zh-CN" sz="1400">
+                  <a:latin typeface="Consolas" panose="020B0609020204030204" pitchFamily="49" charset="0"/>
+                </a:rPr>
+                <a:t>import numpy as np</a:t>
+              </a:r>
+            </a:p>
+            <a:p>
+              <a:r>
+                <a:rPr lang="en-US" altLang="zh-CN" sz="1400">
+                  <a:latin typeface="Consolas" panose="020B0609020204030204" pitchFamily="49" charset="0"/>
+                </a:rPr>
+                <a:t>import gudhi as gd</a:t>
+              </a:r>
+            </a:p>
+            <a:p>
+              <a:r>
+                <a:rPr lang="en-US" altLang="zh-CN" sz="1400">
+                  <a:latin typeface="Consolas" panose="020B0609020204030204" pitchFamily="49" charset="0"/>
+                </a:rPr>
+                <a:t>from sklearn.cluster import KMeans</a:t>
+              </a:r>
+            </a:p>
+            <a:p>
+              <a:r>
+                <a:rPr lang="en-US" altLang="zh-CN" sz="1400">
+                  <a:latin typeface="Consolas" panose="020B0609020204030204" pitchFamily="49" charset="0"/>
+                </a:rPr>
+                <a:t>import matplotlib.pyplot as plt</a:t>
+              </a:r>
+            </a:p>
+            <a:p>
+              <a:r>
+                <a:rPr lang="en-US" altLang="zh-CN" sz="1400">
+                  <a:latin typeface="Consolas" panose="020B0609020204030204" pitchFamily="49" charset="0"/>
+                </a:rPr>
+                <a:t/>
+              </a:r>
+              <a:br>
+                <a:rPr lang="en-US" altLang="zh-CN" sz="1400">
+                  <a:latin typeface="Consolas" panose="020B0609020204030204" pitchFamily="49" charset="0"/>
+                </a:rPr>
+              </a:br>
+              <a:r>
+                <a:rPr lang="en-US" altLang="zh-CN" sz="1400">
+                  <a:solidFill>
+                    <a:srgbClr val="00B050"/>
+                  </a:solidFill>
+                  <a:latin typeface="Consolas" panose="020B0609020204030204" pitchFamily="49" charset="0"/>
+                </a:rPr>
+                <a:t># </a:t>
+              </a:r>
+              <a:r>
+                <a:rPr lang="zh-CN" altLang="en-US" sz="1400">
+                  <a:solidFill>
+                    <a:srgbClr val="00B050"/>
+                  </a:solidFill>
+                  <a:latin typeface="Consolas" panose="020B0609020204030204" pitchFamily="49" charset="0"/>
+                </a:rPr>
+                <a:t>生成示例数据</a:t>
+              </a:r>
+            </a:p>
+            <a:p>
+              <a:r>
+                <a:rPr lang="en-US" altLang="zh-CN" sz="1400">
+                  <a:latin typeface="Consolas" panose="020B0609020204030204" pitchFamily="49" charset="0"/>
+                </a:rPr>
+                <a:t>data = np.random.random((100, 2))</a:t>
+              </a:r>
+            </a:p>
+            <a:p>
+              <a:r>
+                <a:rPr lang="en-US" altLang="zh-CN" sz="1400">
+                  <a:latin typeface="Consolas" panose="020B0609020204030204" pitchFamily="49" charset="0"/>
+                </a:rPr>
+                <a:t/>
+              </a:r>
+              <a:br>
+                <a:rPr lang="en-US" altLang="zh-CN" sz="1400">
+                  <a:latin typeface="Consolas" panose="020B0609020204030204" pitchFamily="49" charset="0"/>
+                </a:rPr>
+              </a:br>
+              <a:r>
+                <a:rPr lang="en-US" altLang="zh-CN" sz="1400">
+                  <a:solidFill>
+                    <a:srgbClr val="00B050"/>
+                  </a:solidFill>
+                  <a:latin typeface="Consolas" panose="020B0609020204030204" pitchFamily="49" charset="0"/>
+                </a:rPr>
+                <a:t># </a:t>
+              </a:r>
+              <a:r>
+                <a:rPr lang="zh-CN" altLang="en-US" sz="1400">
+                  <a:solidFill>
+                    <a:srgbClr val="00B050"/>
+                  </a:solidFill>
+                  <a:latin typeface="Consolas" panose="020B0609020204030204" pitchFamily="49" charset="0"/>
+                </a:rPr>
+                <a:t>计算持久同调</a:t>
+              </a:r>
+            </a:p>
+            <a:p>
+              <a:r>
+                <a:rPr lang="en-US" altLang="zh-CN" sz="1400">
+                  <a:latin typeface="Consolas" panose="020B0609020204030204" pitchFamily="49" charset="0"/>
+                </a:rPr>
+                <a:t>rips_complex = gd.RipsComplex(points=data)</a:t>
+              </a:r>
+            </a:p>
+            <a:p>
+              <a:r>
+                <a:rPr lang="en-US" altLang="zh-CN" sz="1400">
+                  <a:latin typeface="Consolas" panose="020B0609020204030204" pitchFamily="49" charset="0"/>
+                </a:rPr>
+                <a:t>simplex_tree = rips_complex.create_simplex_tree(max_dimension=2)</a:t>
+              </a:r>
+            </a:p>
+            <a:p>
+              <a:r>
+                <a:rPr lang="en-US" altLang="zh-CN" sz="1400">
+                  <a:latin typeface="Consolas" panose="020B0609020204030204" pitchFamily="49" charset="0"/>
+                </a:rPr>
+                <a:t>diag = simplex_tree.persistence()</a:t>
+              </a:r>
+            </a:p>
+            <a:p>
+              <a:r>
+                <a:rPr lang="en-US" altLang="zh-CN" sz="1400">
+                  <a:latin typeface="Consolas" panose="020B0609020204030204" pitchFamily="49" charset="0"/>
+                </a:rPr>
+                <a:t/>
+              </a:r>
+              <a:br>
+                <a:rPr lang="en-US" altLang="zh-CN" sz="1400">
+                  <a:latin typeface="Consolas" panose="020B0609020204030204" pitchFamily="49" charset="0"/>
+                </a:rPr>
+              </a:br>
+              <a:r>
+                <a:rPr lang="en-US" altLang="zh-CN" sz="1400">
+                  <a:solidFill>
+                    <a:srgbClr val="00B050"/>
+                  </a:solidFill>
+                  <a:latin typeface="Consolas" panose="020B0609020204030204" pitchFamily="49" charset="0"/>
+                </a:rPr>
+                <a:t># </a:t>
+              </a:r>
+              <a:r>
+                <a:rPr lang="zh-CN" altLang="en-US" sz="1400">
+                  <a:solidFill>
+                    <a:srgbClr val="00B050"/>
+                  </a:solidFill>
+                  <a:latin typeface="Consolas" panose="020B0609020204030204" pitchFamily="49" charset="0"/>
+                </a:rPr>
+                <a:t>聚类分析</a:t>
+              </a:r>
+            </a:p>
+            <a:p>
+              <a:r>
+                <a:rPr lang="en-US" altLang="zh-CN" sz="1400">
+                  <a:latin typeface="Consolas" panose="020B0609020204030204" pitchFamily="49" charset="0"/>
+                </a:rPr>
+                <a:t>kmeans = KMeans(n_clusters=3)</a:t>
+              </a:r>
+            </a:p>
+            <a:p>
+              <a:r>
+                <a:rPr lang="en-US" altLang="zh-CN" sz="1400">
+                  <a:latin typeface="Consolas" panose="020B0609020204030204" pitchFamily="49" charset="0"/>
+                </a:rPr>
+                <a:t>kmeans.fit(data)</a:t>
+              </a:r>
+            </a:p>
+            <a:p>
+              <a:r>
+                <a:rPr lang="en-US" altLang="zh-CN" sz="1400">
+                  <a:latin typeface="Consolas" panose="020B0609020204030204" pitchFamily="49" charset="0"/>
+                </a:rPr>
+                <a:t/>
+              </a:r>
+              <a:br>
+                <a:rPr lang="en-US" altLang="zh-CN" sz="1400">
+                  <a:latin typeface="Consolas" panose="020B0609020204030204" pitchFamily="49" charset="0"/>
+                </a:rPr>
+              </a:br>
+              <a:r>
+                <a:rPr lang="en-US" altLang="zh-CN" sz="1400">
+                  <a:solidFill>
+                    <a:srgbClr val="00B050"/>
+                  </a:solidFill>
+                  <a:latin typeface="Consolas" panose="020B0609020204030204" pitchFamily="49" charset="0"/>
+                </a:rPr>
+                <a:t># </a:t>
+              </a:r>
+              <a:r>
+                <a:rPr lang="zh-CN" altLang="en-US" sz="1400">
+                  <a:solidFill>
+                    <a:srgbClr val="00B050"/>
+                  </a:solidFill>
+                  <a:latin typeface="Consolas" panose="020B0609020204030204" pitchFamily="49" charset="0"/>
+                </a:rPr>
+                <a:t>可视化表达</a:t>
+              </a:r>
+            </a:p>
+            <a:p>
+              <a:r>
+                <a:rPr lang="en-US" altLang="zh-CN" sz="1400">
+                  <a:latin typeface="Consolas" panose="020B0609020204030204" pitchFamily="49" charset="0"/>
+                </a:rPr>
+                <a:t>plt.scatter(data[:, 0], data[:, 1], c=kmeans.labels_)</a:t>
+              </a:r>
+            </a:p>
+            <a:p>
+              <a:r>
+                <a:rPr lang="en-US" altLang="zh-CN" sz="1400">
+                  <a:latin typeface="Consolas" panose="020B0609020204030204" pitchFamily="49" charset="0"/>
+                </a:rPr>
+                <a:t>plt.show()</a:t>
+              </a:r>
+              <a:endParaRPr lang="en-US" altLang="zh-CN" sz="1400">
+                <a:effectLst/>
+                <a:latin typeface="Consolas" panose="020B0609020204030204" pitchFamily="49" charset="0"/>
+              </a:endParaRPr>
+            </a:p>
+          </p:txBody>
+        </p:sp>
+      </p:grpSp>
+    </p:spTree>
+    <p:custDataLst>
+      <p:tags r:id="rId2"/>
+    </p:custDataLst>
+    <p:extLst>
+      <p:ext uri="{BB962C8B-B14F-4D97-AF65-F5344CB8AC3E}">
+        <p14:creationId xmlns:p14="http://schemas.microsoft.com/office/powerpoint/2010/main" val="1645381110"/>
+      </p:ext>
+    </p:extLst>
+  </p:cSld>
+  <p:clrMapOvr>
+    <a:masterClrMapping/>
+  </p:clrMapOvr>
+  <p:timing>
+    <p:tnLst>
+      <p:par>
+        <p:cTn id="1" dur="indefinite" restart="never" nodeType="tmRoot"/>
+      </p:par>
+    </p:tnLst>
+  </p:timing>
+</p:sld>
+</file>
+
+<file path=ppt/slides/slide25.xml><?xml version="1.0" encoding="utf-8"?>
 <p:sld xmlns:a="http://schemas.openxmlformats.org/drawingml/2006/main" xmlns:r="http://schemas.openxmlformats.org/officeDocument/2006/relationships" xmlns:p="http://schemas.openxmlformats.org/presentationml/2006/main">
   <p:cSld>
     <p:spTree>
@@ -21625,7 +23814,7 @@
                     <a:buChar char="•"/>
                   </a:pPr>
                   <a:r>
-                    <a:rPr kumimoji="1" lang="zh-CN" altLang="en-US" sz="2000">
+                    <a:rPr kumimoji="1" lang="zh-CN" altLang="en-US" sz="1600">
                       <a:solidFill>
                         <a:schemeClr val="tx1"/>
                       </a:solidFill>
@@ -21635,17 +23824,47 @@
                     <a:t>人类</a:t>
                   </a:r>
                   <a:r>
-                    <a:rPr kumimoji="1" lang="zh-CN" altLang="en-US" sz="2000" smtClean="0">
+                    <a:rPr kumimoji="1" lang="zh-CN" altLang="en-US" sz="1600" smtClean="0">
                       <a:solidFill>
                         <a:schemeClr val="tx1"/>
                       </a:solidFill>
                       <a:cs typeface="+mn-ea"/>
                       <a:sym typeface="+mn-lt"/>
                     </a:rPr>
-                    <a:t>转型时代背景下，</a:t>
+                    <a:t>转型（</a:t>
                   </a:r>
                   <a:r>
-                    <a:rPr kumimoji="1" lang="zh-CN" altLang="en-US" sz="2000" dirty="0">
+                    <a:rPr kumimoji="1" lang="en-US" altLang="zh-CN" sz="1600">
+                      <a:solidFill>
+                        <a:schemeClr val="tx1"/>
+                      </a:solidFill>
+                      <a:cs typeface="+mn-ea"/>
+                      <a:sym typeface="+mn-lt"/>
+                    </a:rPr>
+                    <a:t> </a:t>
+                  </a:r>
+                  <a:r>
+                    <a:rPr kumimoji="1" lang="en-US" altLang="zh-CN" sz="1600" smtClean="0">
+                      <a:solidFill>
+                        <a:schemeClr val="tx1"/>
+                      </a:solidFill>
+                      <a:cs typeface="+mn-ea"/>
+                      <a:sym typeface="+mn-lt"/>
+                    </a:rPr>
+                    <a:t>Human transformation </a:t>
+                  </a:r>
+                  <a:r>
+                    <a:rPr kumimoji="1" lang="zh-CN" altLang="en-US" sz="1600" smtClean="0">
+                      <a:solidFill>
+                        <a:schemeClr val="tx1"/>
+                      </a:solidFill>
+                      <a:cs typeface="+mn-ea"/>
+                      <a:sym typeface="+mn-lt"/>
+                    </a:rPr>
+                    <a:t>）时代背景下，</a:t>
+                  </a:r>
+                  <a:r>
+                    <a:rPr kumimoji="1" lang="zh-CN" altLang="en-US" sz="1600" dirty="0">
                       <a:solidFill>
                         <a:schemeClr val="tx1"/>
                       </a:solidFill>
@@ -21655,7 +23874,7 @@
                     <a:t>具有</a:t>
                   </a:r>
                   <a:r>
-                    <a:rPr kumimoji="1" lang="zh-CN" altLang="en-US" sz="2000" b="1" dirty="0">
+                    <a:rPr kumimoji="1" lang="zh-CN" altLang="en-US" sz="1600" b="1" dirty="0">
                       <a:solidFill>
                         <a:schemeClr val="tx1"/>
                       </a:solidFill>
@@ -21665,7 +23884,7 @@
                     <a:t>转型功能的体验</a:t>
                   </a:r>
                   <a:r>
-                    <a:rPr kumimoji="1" lang="zh-CN" altLang="en-US" sz="2000" dirty="0">
+                    <a:rPr kumimoji="1" lang="zh-CN" altLang="en-US" sz="1600" dirty="0">
                       <a:solidFill>
                         <a:schemeClr val="tx1"/>
                       </a:solidFill>
@@ -21675,7 +23894,7 @@
                     <a:t>不仅是偶然发生的，更是</a:t>
                   </a:r>
                   <a:r>
-                    <a:rPr kumimoji="1" lang="zh-CN" altLang="en-US" sz="2000" b="1" dirty="0">
+                    <a:rPr kumimoji="1" lang="zh-CN" altLang="en-US" sz="1600" b="1" dirty="0">
                       <a:solidFill>
                         <a:schemeClr val="tx1"/>
                       </a:solidFill>
@@ -21685,7 +23904,7 @@
                     <a:t>通过有意识的设计引导实现的</a:t>
                   </a:r>
                   <a:r>
-                    <a:rPr kumimoji="1" lang="zh-CN" altLang="en-US" dirty="0">
+                    <a:rPr kumimoji="1" lang="zh-CN" altLang="en-US" sz="1400" dirty="0">
                       <a:solidFill>
                         <a:schemeClr val="tx1"/>
                       </a:solidFill>
@@ -21871,7 +24090,7 @@
                     <a:buChar char="•"/>
                   </a:pPr>
                   <a:r>
-                    <a:rPr kumimoji="1" lang="zh-CN" altLang="en-US" sz="2000" dirty="0">
+                    <a:rPr kumimoji="1" lang="zh-CN" altLang="en-US" sz="1600" dirty="0">
                       <a:solidFill>
                         <a:schemeClr val="tx1"/>
                       </a:solidFill>
@@ -21881,7 +24100,7 @@
                     <a:t>文章调查研究了人类活动聚集地</a:t>
                   </a:r>
                   <a:r>
-                    <a:rPr kumimoji="1" lang="en-US" altLang="zh-CN" sz="2000" dirty="0">
+                    <a:rPr kumimoji="1" lang="en-US" altLang="zh-CN" sz="1600" dirty="0">
                       <a:solidFill>
                         <a:schemeClr val="tx1"/>
                       </a:solidFill>
@@ -21891,24 +24110,74 @@
                     <a:t>——</a:t>
                   </a:r>
                   <a:r>
-                    <a:rPr kumimoji="1" lang="zh-CN" altLang="en-US" sz="2000" b="1" dirty="0">
+                    <a:rPr kumimoji="1" lang="zh-CN" altLang="en-US" sz="1600" b="1" dirty="0">
                       <a:solidFill>
                         <a:schemeClr val="tx1"/>
                       </a:solidFill>
                       <a:cs typeface="+mn-ea"/>
                       <a:sym typeface="+mn-lt"/>
                     </a:rPr>
-                    <a:t>火人节</a:t>
+                    <a:t>火</a:t>
                   </a:r>
                   <a:r>
-                    <a:rPr kumimoji="1" lang="zh-CN" altLang="en-US" sz="2000" dirty="0">
+                    <a:rPr kumimoji="1" lang="zh-CN" altLang="en-US" sz="1600" b="1">
                       <a:solidFill>
                         <a:schemeClr val="tx1"/>
                       </a:solidFill>
                       <a:cs typeface="+mn-ea"/>
                       <a:sym typeface="+mn-lt"/>
                     </a:rPr>
-                    <a:t>，因为它被认为是世界上最具转型性的大型体验活动之一。</a:t>
+                    <a:t>人</a:t>
+                  </a:r>
+                  <a:r>
+                    <a:rPr kumimoji="1" lang="zh-CN" altLang="en-US" sz="1600" b="1" smtClean="0">
+                      <a:solidFill>
+                        <a:schemeClr val="tx1"/>
+                      </a:solidFill>
+                      <a:cs typeface="+mn-ea"/>
+                      <a:sym typeface="+mn-lt"/>
+                    </a:rPr>
+                    <a:t>节（</a:t>
+                  </a:r>
+                  <a:r>
+                    <a:rPr kumimoji="1" lang="en-US" altLang="zh-CN" sz="1600" b="1">
+                      <a:solidFill>
+                        <a:schemeClr val="tx1"/>
+                      </a:solidFill>
+                      <a:cs typeface="+mn-ea"/>
+                      <a:sym typeface="+mn-lt"/>
+                    </a:rPr>
+                    <a:t>Burning Man</a:t>
+                  </a:r>
+                  <a:r>
+                    <a:rPr kumimoji="1" lang="zh-CN" altLang="en-US" sz="1600" b="1" smtClean="0">
+                      <a:solidFill>
+                        <a:schemeClr val="tx1"/>
+                      </a:solidFill>
+                      <a:cs typeface="+mn-ea"/>
+                      <a:sym typeface="+mn-lt"/>
+                    </a:rPr>
+                    <a:t>）</a:t>
+                  </a:r>
+                  <a:r>
+                    <a:rPr kumimoji="1" lang="zh-CN" altLang="en-US" sz="1600" smtClean="0">
+                      <a:solidFill>
+                        <a:schemeClr val="tx1"/>
+                      </a:solidFill>
+                      <a:cs typeface="+mn-ea"/>
+                      <a:sym typeface="+mn-lt"/>
+                    </a:rPr>
+                    <a:t>，</a:t>
+                  </a:r>
+                  <a:r>
+                    <a:rPr kumimoji="1" lang="zh-CN" altLang="en-US" sz="1600" dirty="0">
+                      <a:solidFill>
+                        <a:schemeClr val="tx1"/>
+                      </a:solidFill>
+                      <a:cs typeface="+mn-ea"/>
+                      <a:sym typeface="+mn-lt"/>
+                    </a:rPr>
+                    <a:t>因为它被认为是世界上最具转型性的大型体验活动之一。</a:t>
                   </a:r>
                 </a:p>
               </p:txBody>
@@ -21993,17 +24262,7 @@
                       <a:cs typeface="+mn-ea"/>
                       <a:sym typeface="+mn-lt"/>
                     </a:rPr>
-                    <a:t>节是</a:t>
-                  </a:r>
-                  <a:r>
-                    <a:rPr kumimoji="1" lang="zh-CN" altLang="en-US" b="1" smtClean="0">
-                      <a:solidFill>
-                        <a:srgbClr val="FFFFFF"/>
-                      </a:solidFill>
-                      <a:cs typeface="+mn-ea"/>
-                      <a:sym typeface="+mn-lt"/>
-                    </a:rPr>
-                    <a:t>典型案例</a:t>
+                    <a:t>节是典型案例</a:t>
                   </a:r>
                   <a:endParaRPr kumimoji="1" lang="zh-CN" altLang="en-US" b="1" dirty="0">
                     <a:solidFill>
@@ -22062,6 +24321,163 @@
           </p:txBody>
         </p:sp>
       </p:grpSp>
+      <p:sp>
+        <p:nvSpPr>
+          <p:cNvPr id="14" name="íṣḷíḍê">
+            <a:extLst>
+              <a:ext uri="{FF2B5EF4-FFF2-40B4-BE49-F238E27FC236}">
+                <a16:creationId xmlns="" xmlns:a16="http://schemas.microsoft.com/office/drawing/2014/main" id="{A0274DD3-C0CF-66A0-76C7-92563CE77AF4}"/>
+              </a:ext>
+            </a:extLst>
+          </p:cNvPr>
+          <p:cNvSpPr txBox="1"/>
+          <p:nvPr/>
+        </p:nvSpPr>
+        <p:spPr>
+          <a:xfrm>
+            <a:off x="574160" y="1954967"/>
+            <a:ext cx="10944740" cy="261610"/>
+          </a:xfrm>
+          <a:prstGeom prst="rect">
+            <a:avLst/>
+          </a:prstGeom>
+          <a:noFill/>
+        </p:spPr>
+        <p:txBody>
+          <a:bodyPr wrap="square" lIns="91440" tIns="45720" rIns="91440" bIns="45720" rtlCol="0" anchor="b" anchorCtr="0">
+            <a:spAutoFit/>
+          </a:bodyPr>
+          <a:lstStyle/>
+          <a:p>
+            <a:pPr algn="ctr"/>
+            <a:r>
+              <a:rPr kumimoji="1" lang="zh-CN" altLang="en-US" sz="1100" b="1" smtClean="0">
+                <a:cs typeface="+mn-ea"/>
+                <a:sym typeface="+mn-lt"/>
+              </a:rPr>
+              <a:t>关键词：</a:t>
+            </a:r>
+            <a:r>
+              <a:rPr kumimoji="1" lang="zh-CN" altLang="en-US" sz="1100" smtClean="0">
+                <a:cs typeface="+mn-ea"/>
+                <a:sym typeface="+mn-lt"/>
+              </a:rPr>
+              <a:t>人类转型</a:t>
+            </a:r>
+            <a:r>
+              <a:rPr kumimoji="1" lang="en-US" altLang="zh-CN" sz="1100" smtClean="0">
+                <a:cs typeface="+mn-ea"/>
+                <a:sym typeface="+mn-lt"/>
+              </a:rPr>
+              <a:t>(</a:t>
+            </a:r>
+            <a:r>
+              <a:rPr lang="en-US" altLang="zh-CN" sz="1100"/>
+              <a:t>Human transformation</a:t>
+            </a:r>
+            <a:r>
+              <a:rPr kumimoji="1" lang="en-US" altLang="zh-CN" sz="1100" smtClean="0">
+                <a:cs typeface="+mn-ea"/>
+                <a:sym typeface="+mn-lt"/>
+              </a:rPr>
+              <a:t>)</a:t>
+            </a:r>
+            <a:r>
+              <a:rPr kumimoji="1" lang="zh-CN" altLang="en-US" sz="1100" smtClean="0">
+                <a:cs typeface="+mn-ea"/>
+                <a:sym typeface="+mn-lt"/>
+              </a:rPr>
+              <a:t>、</a:t>
+            </a:r>
+            <a:r>
+              <a:rPr kumimoji="1" lang="en-US" altLang="zh-CN" sz="1100" smtClean="0">
+                <a:cs typeface="+mn-ea"/>
+                <a:sym typeface="+mn-lt"/>
+              </a:rPr>
+              <a:t>Instagram(INS)</a:t>
+            </a:r>
+            <a:r>
+              <a:rPr kumimoji="1" lang="zh-CN" altLang="en-US" sz="1100" smtClean="0">
+                <a:cs typeface="+mn-ea"/>
+                <a:sym typeface="+mn-lt"/>
+              </a:rPr>
+              <a:t>、体验设计</a:t>
+            </a:r>
+            <a:r>
+              <a:rPr kumimoji="1" lang="en-US" altLang="zh-CN" sz="1100" smtClean="0">
+                <a:cs typeface="+mn-ea"/>
+                <a:sym typeface="+mn-lt"/>
+              </a:rPr>
+              <a:t>(</a:t>
+            </a:r>
+            <a:r>
+              <a:rPr lang="en-US" altLang="zh-CN" sz="1100"/>
+              <a:t>Experience design</a:t>
+            </a:r>
+            <a:r>
+              <a:rPr kumimoji="1" lang="en-US" altLang="zh-CN" sz="1100" smtClean="0">
+                <a:cs typeface="+mn-ea"/>
+                <a:sym typeface="+mn-lt"/>
+              </a:rPr>
+              <a:t>)</a:t>
+            </a:r>
+            <a:r>
+              <a:rPr kumimoji="1" lang="zh-CN" altLang="en-US" sz="1100" smtClean="0">
+                <a:cs typeface="+mn-ea"/>
+                <a:sym typeface="+mn-lt"/>
+              </a:rPr>
+              <a:t>、转型设计</a:t>
+            </a:r>
+            <a:r>
+              <a:rPr kumimoji="1" lang="en-US" altLang="zh-CN" sz="1100" smtClean="0">
+                <a:cs typeface="+mn-ea"/>
+                <a:sym typeface="+mn-lt"/>
+              </a:rPr>
+              <a:t>(</a:t>
+            </a:r>
+            <a:r>
+              <a:rPr lang="en-US" altLang="zh-CN" sz="1100"/>
+              <a:t>Transformation design</a:t>
+            </a:r>
+            <a:r>
+              <a:rPr kumimoji="1" lang="en-US" altLang="zh-CN" sz="1100" smtClean="0">
+                <a:cs typeface="+mn-ea"/>
+                <a:sym typeface="+mn-lt"/>
+              </a:rPr>
+              <a:t>)</a:t>
+            </a:r>
+            <a:r>
+              <a:rPr kumimoji="1" lang="zh-CN" altLang="en-US" sz="1100" smtClean="0">
+                <a:cs typeface="+mn-ea"/>
+                <a:sym typeface="+mn-lt"/>
+              </a:rPr>
+              <a:t>、环境心理学</a:t>
+            </a:r>
+            <a:r>
+              <a:rPr kumimoji="1" lang="en-US" altLang="zh-CN" sz="1100" smtClean="0">
+                <a:cs typeface="+mn-ea"/>
+                <a:sym typeface="+mn-lt"/>
+              </a:rPr>
+              <a:t>(</a:t>
+            </a:r>
+            <a:r>
+              <a:rPr lang="en-US" altLang="zh-CN" sz="1100"/>
+              <a:t>Environmental psychology</a:t>
+            </a:r>
+            <a:r>
+              <a:rPr kumimoji="1" lang="en-US" altLang="zh-CN" sz="1100" smtClean="0">
+                <a:cs typeface="+mn-ea"/>
+                <a:sym typeface="+mn-lt"/>
+              </a:rPr>
+              <a:t>)</a:t>
+            </a:r>
+            <a:endParaRPr kumimoji="1" lang="zh-CN" altLang="en-US" sz="1100" dirty="0">
+              <a:cs typeface="+mn-ea"/>
+              <a:sym typeface="+mn-lt"/>
+            </a:endParaRPr>
+          </a:p>
+        </p:txBody>
+      </p:sp>
     </p:spTree>
     <p:custDataLst>
       <p:tags r:id="rId2"/>
@@ -22201,9 +24617,9 @@
         <p:grpSpPr>
           <a:xfrm>
             <a:off x="501135" y="1153890"/>
-            <a:ext cx="11189730" cy="4457166"/>
+            <a:ext cx="11189730" cy="4383300"/>
             <a:chOff x="660400" y="1153890"/>
-            <a:chExt cx="11189730" cy="4457166"/>
+            <a:chExt cx="11189730" cy="4383300"/>
           </a:xfrm>
         </p:grpSpPr>
         <p:cxnSp>
@@ -22346,7 +24762,7 @@
               <p:spPr>
                 <a:xfrm>
                   <a:off x="2234748" y="5646572"/>
-                  <a:ext cx="6314231" cy="783585"/>
+                  <a:ext cx="6314231" cy="993706"/>
                 </a:xfrm>
                 <a:prstGeom prst="rect">
                   <a:avLst/>
@@ -22451,15 +24867,71 @@
                     </a:lnSpc>
                   </a:pPr>
                   <a:r>
-                    <a:rPr lang="zh-CN" altLang="en-US" sz="1600" kern="100" dirty="0">
+                    <a:rPr lang="zh-CN" altLang="en-US" sz="1400" kern="100">
                       <a:solidFill>
                         <a:schemeClr val="tx1"/>
                       </a:solidFill>
                     </a:rPr>
-                    <a:t>基于环境心理学理论视角，通过深度拓扑分析</a:t>
+                    <a:t>基于</a:t>
                   </a:r>
                   <a:r>
-                    <a:rPr lang="en-US" altLang="zh-CN" sz="1600" kern="100" dirty="0">
+                    <a:rPr lang="zh-CN" altLang="en-US" sz="1400" kern="100" smtClean="0">
+                      <a:solidFill>
+                        <a:schemeClr val="tx1"/>
+                      </a:solidFill>
+                    </a:rPr>
+                    <a:t>环境心理学</a:t>
+                  </a:r>
+                  <a:r>
+                    <a:rPr lang="en-US" altLang="zh-CN" sz="1400" kern="100">
+                      <a:solidFill>
+                        <a:schemeClr val="tx1"/>
+                      </a:solidFill>
+                    </a:rPr>
+                    <a:t>(Environmental psychology)</a:t>
+                  </a:r>
+                  <a:r>
+                    <a:rPr lang="zh-CN" altLang="en-US" sz="1400" kern="100" smtClean="0">
+                      <a:solidFill>
+                        <a:schemeClr val="tx1"/>
+                      </a:solidFill>
+                    </a:rPr>
+                    <a:t>理论</a:t>
+                  </a:r>
+                  <a:r>
+                    <a:rPr lang="zh-CN" altLang="en-US" sz="1400" kern="100">
+                      <a:solidFill>
+                        <a:schemeClr val="tx1"/>
+                      </a:solidFill>
+                    </a:rPr>
+                    <a:t>视角</a:t>
+                  </a:r>
+                  <a:r>
+                    <a:rPr lang="zh-CN" altLang="en-US" sz="1400" kern="100" smtClean="0">
+                      <a:solidFill>
+                        <a:schemeClr val="tx1"/>
+                      </a:solidFill>
+                    </a:rPr>
+                    <a:t>，深度</a:t>
+                  </a:r>
+                  <a:r>
+                    <a:rPr lang="zh-CN" altLang="en-US" sz="1400" kern="100">
+                      <a:solidFill>
+                        <a:schemeClr val="tx1"/>
+                      </a:solidFill>
+                    </a:rPr>
+                    <a:t>拓扑</a:t>
+                  </a:r>
+                  <a:r>
+                    <a:rPr lang="zh-CN" altLang="en-US" sz="1400" kern="100" smtClean="0">
+                      <a:solidFill>
+                        <a:schemeClr val="tx1"/>
+                      </a:solidFill>
+                    </a:rPr>
+                    <a:t>分析</a:t>
+                  </a:r>
+                  <a:r>
+                    <a:rPr lang="en-US" altLang="zh-CN" sz="1400" kern="100" smtClean="0">
                       <a:solidFill>
                         <a:schemeClr val="tx1"/>
                       </a:solidFill>
@@ -22467,14 +24939,38 @@
                     <a:t>Instagram</a:t>
                   </a:r>
                   <a:r>
-                    <a:rPr lang="zh-CN" altLang="en-US" sz="1600" kern="100" dirty="0">
+                    <a:rPr lang="zh-CN" altLang="en-US" sz="1400" kern="100" dirty="0">
                       <a:solidFill>
                         <a:schemeClr val="tx1"/>
                       </a:solidFill>
                     </a:rPr>
-                    <a:t>数据，梳理参与者的数字化外在表达，进而探寻发帖者内心深处的转型机制。</a:t>
+                    <a:t>数据，梳理参与者的数字化外在</a:t>
                   </a:r>
-                  <a:endParaRPr lang="en-US" altLang="zh-CN" sz="1600" kern="100" dirty="0">
+                  <a:r>
+                    <a:rPr lang="zh-CN" altLang="en-US" sz="1400" kern="100">
+                      <a:solidFill>
+                        <a:schemeClr val="tx1"/>
+                      </a:solidFill>
+                    </a:rPr>
+                    <a:t>表达</a:t>
+                  </a:r>
+                  <a:r>
+                    <a:rPr lang="zh-CN" altLang="en-US" sz="1400" kern="100" smtClean="0">
+                      <a:solidFill>
+                        <a:schemeClr val="tx1"/>
+                      </a:solidFill>
+                    </a:rPr>
+                    <a:t>，探寻</a:t>
+                  </a:r>
+                  <a:r>
+                    <a:rPr lang="zh-CN" altLang="en-US" sz="1400" kern="100" dirty="0">
+                      <a:solidFill>
+                        <a:schemeClr val="tx1"/>
+                      </a:solidFill>
+                    </a:rPr>
+                    <a:t>发帖者内心深处的转型机制。</a:t>
+                  </a:r>
+                  <a:endParaRPr lang="en-US" altLang="zh-CN" sz="1400" kern="100" dirty="0">
                     <a:solidFill>
                       <a:schemeClr val="tx1"/>
                     </a:solidFill>
@@ -22744,9 +25240,9 @@
           <p:grpSpPr>
             <a:xfrm>
               <a:off x="4250798" y="4031239"/>
-              <a:ext cx="6453003" cy="1579817"/>
+              <a:ext cx="6453003" cy="1505951"/>
               <a:chOff x="887363" y="2190902"/>
-              <a:chExt cx="6453003" cy="1579817"/>
+              <a:chExt cx="6453003" cy="1505951"/>
             </a:xfrm>
           </p:grpSpPr>
           <p:grpSp>
@@ -22764,9 +25260,9 @@
             <p:grpSpPr>
               <a:xfrm>
                 <a:off x="887363" y="2190902"/>
-                <a:ext cx="6453003" cy="1579817"/>
+                <a:ext cx="6453003" cy="1505951"/>
                 <a:chOff x="1893968" y="4702195"/>
-                <a:chExt cx="6453003" cy="1579817"/>
+                <a:chExt cx="6453003" cy="1505951"/>
               </a:xfrm>
             </p:grpSpPr>
             <p:sp>
@@ -22784,7 +25280,7 @@
               <p:spPr>
                 <a:xfrm>
                   <a:off x="2234748" y="5472972"/>
-                  <a:ext cx="6112223" cy="809040"/>
+                  <a:ext cx="6112223" cy="735174"/>
                 </a:xfrm>
                 <a:prstGeom prst="rect">
                   <a:avLst/>
@@ -22889,23 +25385,39 @@
                     </a:lnSpc>
                   </a:pPr>
                   <a:r>
-                    <a:rPr lang="zh-CN" altLang="en-US" sz="1600" kern="100">
+                    <a:rPr lang="zh-CN" altLang="en-US" sz="1400" kern="100" smtClean="0">
                       <a:solidFill>
                         <a:schemeClr val="tx1"/>
                       </a:solidFill>
                     </a:rPr>
-                    <a:t>通过整体分析</a:t>
+                    <a:t>通过分析</a:t>
                   </a:r>
                   <a:r>
-                    <a:rPr lang="zh-CN" altLang="en-US" sz="1600" b="1" kern="100">
+                    <a:rPr lang="zh-CN" altLang="en-US" sz="1400" b="1" kern="100">
                       <a:solidFill>
                         <a:schemeClr val="tx1"/>
                       </a:solidFill>
                     </a:rPr>
-                    <a:t>活动开始前半年内、活动进行中和活动结束后半年内</a:t>
+                    <a:t>活动开始前半</a:t>
                   </a:r>
                   <a:r>
-                    <a:rPr lang="zh-CN" altLang="en-US" sz="1600" kern="100">
+                    <a:rPr lang="zh-CN" altLang="en-US" sz="1400" b="1" kern="100" smtClean="0">
+                      <a:solidFill>
+                        <a:schemeClr val="tx1"/>
+                      </a:solidFill>
+                    </a:rPr>
+                    <a:t>年内、</a:t>
+                  </a:r>
+                  <a:r>
+                    <a:rPr lang="zh-CN" altLang="en-US" sz="1400" b="1" kern="100">
+                      <a:solidFill>
+                        <a:schemeClr val="tx1"/>
+                      </a:solidFill>
+                    </a:rPr>
+                    <a:t>活动进行中和活动结束后半年内</a:t>
+                  </a:r>
+                  <a:r>
+                    <a:rPr lang="zh-CN" altLang="en-US" sz="1400" kern="100" smtClean="0">
                       <a:solidFill>
                         <a:schemeClr val="tx1"/>
                       </a:solidFill>
@@ -22913,23 +25425,39 @@
                     <a:t>的</a:t>
                   </a:r>
                   <a:r>
-                    <a:rPr lang="zh-CN" altLang="en-US" sz="1600" b="1" kern="100">
+                    <a:rPr lang="zh-CN" altLang="en-US" sz="1400" b="1" kern="100" smtClean="0">
                       <a:solidFill>
                         <a:schemeClr val="tx1"/>
                       </a:solidFill>
                     </a:rPr>
-                    <a:t>社会环境和社会心理</a:t>
+                    <a:t>社会环境</a:t>
                   </a:r>
                   <a:r>
-                    <a:rPr lang="zh-CN" altLang="en-US" sz="1600" kern="100">
+                    <a:rPr lang="zh-CN" altLang="en-US" sz="1400" b="1" kern="100">
                       <a:solidFill>
                         <a:schemeClr val="tx1"/>
                       </a:solidFill>
                     </a:rPr>
-                    <a:t>因素，形成了</a:t>
+                    <a:t>和社会心理</a:t>
                   </a:r>
                   <a:r>
-                    <a:rPr lang="en-US" altLang="zh-CN" sz="1600" b="1" kern="100">
+                    <a:rPr lang="zh-CN" altLang="en-US" sz="1400" kern="100">
+                      <a:solidFill>
+                        <a:schemeClr val="tx1"/>
+                      </a:solidFill>
+                    </a:rPr>
+                    <a:t>因素，</a:t>
+                  </a:r>
+                  <a:r>
+                    <a:rPr lang="zh-CN" altLang="en-US" sz="1400" kern="100" smtClean="0">
+                      <a:solidFill>
+                        <a:schemeClr val="tx1"/>
+                      </a:solidFill>
+                    </a:rPr>
+                    <a:t>形成</a:t>
+                  </a:r>
+                  <a:r>
+                    <a:rPr lang="en-US" altLang="zh-CN" sz="1400" b="1" kern="100" smtClean="0">
                       <a:solidFill>
                         <a:schemeClr val="tx1"/>
                       </a:solidFill>
@@ -22937,22 +25465,62 @@
                     <a:t>30</a:t>
                   </a:r>
                   <a:r>
-                    <a:rPr lang="zh-CN" altLang="en-US" sz="1600" b="1" kern="100">
+                    <a:rPr lang="zh-CN" altLang="en-US" sz="1400" b="1" kern="100">
                       <a:solidFill>
                         <a:schemeClr val="tx1"/>
                       </a:solidFill>
                     </a:rPr>
-                    <a:t>个可能引发转型的聚类</a:t>
+                    <a:t>个可能</a:t>
                   </a:r>
                   <a:r>
-                    <a:rPr lang="zh-CN" altLang="en-US" sz="1600" kern="100">
+                    <a:rPr lang="zh-CN" altLang="en-US" sz="1400" b="1" kern="100" smtClean="0">
+                      <a:solidFill>
+                        <a:schemeClr val="tx1"/>
+                      </a:solidFill>
+                    </a:rPr>
+                    <a:t>引发人类转型</a:t>
+                  </a:r>
+                  <a:r>
+                    <a:rPr lang="zh-CN" altLang="en-US" sz="1400" b="1" kern="100">
+                      <a:solidFill>
+                        <a:schemeClr val="tx1"/>
+                      </a:solidFill>
+                    </a:rPr>
+                    <a:t>的</a:t>
+                  </a:r>
+                  <a:r>
+                    <a:rPr lang="zh-CN" altLang="en-US" sz="1400" b="1" kern="100" smtClean="0">
+                      <a:solidFill>
+                        <a:schemeClr val="tx1"/>
+                      </a:solidFill>
+                    </a:rPr>
+                    <a:t>聚类</a:t>
+                  </a:r>
+                  <a:r>
+                    <a:rPr lang="en-US" altLang="zh-CN" sz="1400" b="1" kern="100" smtClean="0">
+                      <a:solidFill>
+                        <a:schemeClr val="tx1"/>
+                      </a:solidFill>
+                    </a:rPr>
+                    <a:t>(Clusters</a:t>
+                  </a:r>
+                  <a:r>
+                    <a:rPr lang="en-US" altLang="zh-CN" sz="1400" b="1" kern="100">
+                      <a:solidFill>
+                        <a:schemeClr val="tx1"/>
+                      </a:solidFill>
+                    </a:rPr>
+                    <a:t>)</a:t>
+                  </a:r>
+                  <a:r>
+                    <a:rPr lang="zh-CN" altLang="en-US" sz="1400" kern="100" smtClean="0">
                       <a:solidFill>
                         <a:schemeClr val="tx1"/>
                       </a:solidFill>
                     </a:rPr>
                     <a:t>。</a:t>
                   </a:r>
-                  <a:endParaRPr lang="en-US" altLang="zh-CN" sz="1600" kern="100" dirty="0">
+                  <a:endParaRPr lang="en-US" altLang="zh-CN" sz="1400" kern="100" dirty="0">
                     <a:solidFill>
                       <a:schemeClr val="tx1"/>
                     </a:solidFill>
@@ -23262,7 +25830,7 @@
               <p:spPr>
                 <a:xfrm>
                   <a:off x="2234749" y="5646572"/>
-                  <a:ext cx="3895116" cy="809040"/>
+                  <a:ext cx="3895116" cy="993706"/>
                 </a:xfrm>
                 <a:prstGeom prst="rect">
                   <a:avLst/>
@@ -23367,7 +25935,7 @@
                     </a:lnSpc>
                   </a:pPr>
                   <a:r>
-                    <a:rPr lang="zh-CN" altLang="en-US" sz="1600" kern="100">
+                    <a:rPr lang="zh-CN" altLang="en-US" sz="1400" kern="100">
                       <a:solidFill>
                         <a:schemeClr val="tx1"/>
                       </a:solidFill>
@@ -23375,7 +25943,7 @@
                     <a:t>该文</a:t>
                   </a:r>
                   <a:r>
-                    <a:rPr lang="zh-CN" altLang="en-US" sz="1600" kern="100" smtClean="0">
+                    <a:rPr lang="zh-CN" altLang="en-US" sz="1400" kern="100" smtClean="0">
                       <a:solidFill>
                         <a:schemeClr val="tx1"/>
                       </a:solidFill>
@@ -23383,7 +25951,7 @@
                     <a:t>是</a:t>
                   </a:r>
                   <a:r>
-                    <a:rPr lang="zh-CN" altLang="en-US" sz="1600" kern="100" dirty="0">
+                    <a:rPr lang="zh-CN" altLang="en-US" sz="1400" kern="100" dirty="0">
                       <a:solidFill>
                         <a:schemeClr val="tx1"/>
                       </a:solidFill>
@@ -23391,7 +25959,7 @@
                     <a:t>旅游、活动和体验</a:t>
                   </a:r>
                   <a:r>
-                    <a:rPr lang="zh-CN" altLang="en-US" sz="1600" kern="100">
+                    <a:rPr lang="zh-CN" altLang="en-US" sz="1400" kern="100">
                       <a:solidFill>
                         <a:schemeClr val="tx1"/>
                       </a:solidFill>
@@ -23399,38 +25967,54 @@
                     <a:t>领域</a:t>
                   </a:r>
                   <a:r>
-                    <a:rPr lang="zh-CN" altLang="en-US" sz="1600" kern="100" smtClean="0">
+                    <a:rPr lang="zh-CN" altLang="en-US" sz="1400" kern="100" smtClean="0">
                       <a:solidFill>
                         <a:schemeClr val="tx1"/>
                       </a:solidFill>
                     </a:rPr>
-                    <a:t>中，探讨人类</a:t>
+                    <a:t>中，探讨人类转型</a:t>
                   </a:r>
                   <a:r>
-                    <a:rPr lang="zh-CN" altLang="en-US" sz="1600" kern="100">
+                    <a:rPr lang="en-US" altLang="zh-CN" sz="1400" kern="100">
                       <a:solidFill>
                         <a:schemeClr val="tx1"/>
                       </a:solidFill>
                     </a:rPr>
-                    <a:t>转型</a:t>
+                    <a:t>(Human transformation)</a:t>
                   </a:r>
                   <a:r>
-                    <a:rPr lang="zh-CN" altLang="en-US" sz="1600" kern="100" smtClean="0">
+                    <a:rPr lang="zh-CN" altLang="en-US" sz="1400" kern="100" smtClean="0">
                       <a:solidFill>
                         <a:schemeClr val="tx1"/>
                       </a:solidFill>
                     </a:rPr>
-                    <a:t>和体验设计关系的</a:t>
+                    <a:t>和体验设计</a:t>
                   </a:r>
                   <a:r>
-                    <a:rPr lang="zh-CN" altLang="en-US" sz="1600" kern="100" dirty="0">
+                    <a:rPr lang="en-US" altLang="zh-CN" sz="1400" kern="100">
+                      <a:solidFill>
+                        <a:schemeClr val="tx1"/>
+                      </a:solidFill>
+                    </a:rPr>
+                    <a:t>(Experience design)</a:t>
+                  </a:r>
+                  <a:r>
+                    <a:rPr lang="zh-CN" altLang="en-US" sz="1400" kern="100" smtClean="0">
+                      <a:solidFill>
+                        <a:schemeClr val="tx1"/>
+                      </a:solidFill>
+                    </a:rPr>
+                    <a:t>关系的</a:t>
+                  </a:r>
+                  <a:r>
+                    <a:rPr lang="zh-CN" altLang="en-US" sz="1400" kern="100" dirty="0">
                       <a:solidFill>
                         <a:schemeClr val="tx1"/>
                       </a:solidFill>
                     </a:rPr>
                     <a:t>跨学科研究。</a:t>
                   </a:r>
-                  <a:endParaRPr lang="en-US" altLang="zh-CN" sz="1600" kern="100" dirty="0">
+                  <a:endParaRPr lang="en-US" altLang="zh-CN" sz="1400" kern="100" dirty="0">
                     <a:solidFill>
                       <a:schemeClr val="tx1"/>
                     </a:solidFill>
@@ -23686,69 +26270,6 @@
           </p:cxnSp>
         </p:grpSp>
       </p:grpSp>
-      <p:sp>
-        <p:nvSpPr>
-          <p:cNvPr id="42" name="íṣḷíḍê">
-            <a:extLst>
-              <a:ext uri="{FF2B5EF4-FFF2-40B4-BE49-F238E27FC236}">
-                <a16:creationId xmlns="" xmlns:a16="http://schemas.microsoft.com/office/drawing/2014/main" id="{A0274DD3-C0CF-66A0-76C7-92563CE77AF4}"/>
-              </a:ext>
-            </a:extLst>
-          </p:cNvPr>
-          <p:cNvSpPr txBox="1"/>
-          <p:nvPr/>
-        </p:nvSpPr>
-        <p:spPr>
-          <a:xfrm>
-            <a:off x="574160" y="5954481"/>
-            <a:ext cx="9886963" cy="369332"/>
-          </a:xfrm>
-          <a:prstGeom prst="rect">
-            <a:avLst/>
-          </a:prstGeom>
-          <a:noFill/>
-        </p:spPr>
-        <p:txBody>
-          <a:bodyPr wrap="square" lIns="91440" tIns="45720" rIns="91440" bIns="45720" rtlCol="0" anchor="b" anchorCtr="0">
-            <a:spAutoFit/>
-          </a:bodyPr>
-          <a:lstStyle/>
-          <a:p>
-            <a:r>
-              <a:rPr kumimoji="1" lang="zh-CN" altLang="en-US" smtClean="0">
-                <a:cs typeface="+mn-ea"/>
-                <a:sym typeface="+mn-lt"/>
-              </a:rPr>
-              <a:t>关键词：人类转型</a:t>
-            </a:r>
-            <a:r>
-              <a:rPr kumimoji="1" lang="zh-CN" altLang="en-US">
-                <a:cs typeface="+mn-ea"/>
-                <a:sym typeface="+mn-lt"/>
-              </a:rPr>
-              <a:t>、</a:t>
-            </a:r>
-            <a:r>
-              <a:rPr kumimoji="1" lang="en-US" altLang="zh-CN" smtClean="0">
-                <a:cs typeface="+mn-ea"/>
-                <a:sym typeface="+mn-lt"/>
-              </a:rPr>
-              <a:t>Instagram</a:t>
-            </a:r>
-            <a:r>
-              <a:rPr kumimoji="1" lang="zh-CN" altLang="en-US" smtClean="0">
-                <a:cs typeface="+mn-ea"/>
-                <a:sym typeface="+mn-lt"/>
-              </a:rPr>
-              <a:t>、体验设计、转型设计、环境心理学</a:t>
-            </a:r>
-            <a:endParaRPr kumimoji="1" lang="zh-CN" altLang="en-US" dirty="0">
-              <a:cs typeface="+mn-ea"/>
-              <a:sym typeface="+mn-lt"/>
-            </a:endParaRPr>
-          </a:p>
-        </p:txBody>
-      </p:sp>
     </p:spTree>
     <p:custDataLst>
       <p:tags r:id="rId2"/>
@@ -24916,11 +27437,7 @@
             </a:r>
             <a:r>
               <a:rPr lang="zh-CN" altLang="en-US" sz="1400" smtClean="0"/>
-              <a:t>技术</a:t>
-            </a:r>
-            <a:r>
-              <a:rPr lang="zh-CN" altLang="en-US" sz="1400" smtClean="0"/>
-              <a:t>发展</a:t>
+              <a:t>技术发展</a:t>
             </a:r>
             <a:endParaRPr lang="en-US" altLang="zh-CN" sz="1400" dirty="0"/>
           </a:p>
@@ -25040,7 +27557,7 @@
                   <a:schemeClr val="bg1"/>
                 </a:solidFill>
               </a:rPr>
-              <a:t>规模宏大且经由设计人类聚集情境下（火人</a:t>
+              <a:t>规模宏大且经由设计人类聚集情境下（火</a:t>
             </a:r>
             <a:r>
               <a:rPr lang="zh-CN" altLang="en-US" sz="1400">
@@ -25048,7 +27565,23 @@
                   <a:schemeClr val="bg1"/>
                 </a:solidFill>
               </a:rPr>
+              <a:t>人</a:t>
+            </a:r>
+            <a:r>
+              <a:rPr lang="zh-CN" altLang="en-US" sz="1400" smtClean="0">
+                <a:solidFill>
+                  <a:schemeClr val="bg1"/>
+                </a:solidFill>
+              </a:rPr>
               <a:t>节</a:t>
+            </a:r>
+            <a:r>
+              <a:rPr lang="en-US" altLang="zh-CN" sz="1400">
+                <a:solidFill>
+                  <a:schemeClr val="bg1"/>
+                </a:solidFill>
+              </a:rPr>
+              <a:t>, Burning Man</a:t>
             </a:r>
             <a:r>
               <a:rPr lang="zh-CN" altLang="en-US" sz="1400" smtClean="0">
@@ -26208,7 +28741,7 @@
                     </a:lnSpc>
                   </a:pPr>
                   <a:r>
-                    <a:rPr kumimoji="1" lang="zh-CN" altLang="en-US" sz="1400" dirty="0">
+                    <a:rPr kumimoji="1" lang="zh-CN" altLang="en-US" sz="1400" smtClean="0">
                       <a:solidFill>
                         <a:schemeClr val="tx1"/>
                       </a:solidFill>
@@ -26218,7 +28751,7 @@
                     <a:t>基于</a:t>
                   </a:r>
                   <a:r>
-                    <a:rPr kumimoji="1" lang="en-US" altLang="zh-CN" sz="1400" dirty="0">
+                    <a:rPr kumimoji="1" lang="en-US" altLang="zh-CN" sz="1400" smtClean="0">
                       <a:solidFill>
                         <a:schemeClr val="tx1"/>
                       </a:solidFill>
@@ -26228,6 +28761,16 @@
                     <a:t>INS</a:t>
                   </a:r>
                   <a:r>
+                    <a:rPr kumimoji="1" lang="zh-CN" altLang="en-US" sz="1400" smtClean="0">
+                      <a:solidFill>
+                        <a:schemeClr val="tx1"/>
+                      </a:solidFill>
+                      <a:cs typeface="+mn-ea"/>
+                      <a:sym typeface="+mn-lt"/>
+                    </a:rPr>
+                    <a:t>中</a:t>
+                  </a:r>
+                  <a:r>
                     <a:rPr kumimoji="1" lang="zh-CN" altLang="en-US" sz="1400" dirty="0">
                       <a:solidFill>
                         <a:schemeClr val="tx1"/>
@@ -26235,7 +28778,7 @@
                       <a:cs typeface="+mn-ea"/>
                       <a:sym typeface="+mn-lt"/>
                     </a:rPr>
-                    <a:t>中的话题数据，在环境心理学理论框架下、时空视角下，实现定量方法与定性理论结合</a:t>
+                    <a:t>的话题数据，在环境心理学理论框架下、时空视角下，实现定量方法与定性理论结合</a:t>
                   </a:r>
                   <a:endParaRPr kumimoji="1" lang="en-US" altLang="zh-CN" sz="1400" dirty="0">
                     <a:solidFill>
@@ -36947,21 +39490,23 @@
 
 <file path=ppt/tags/tag17.xml><?xml version="1.0" encoding="utf-8"?>
 <p:tagLst xmlns:a="http://schemas.openxmlformats.org/drawingml/2006/main" xmlns:r="http://schemas.openxmlformats.org/officeDocument/2006/relationships" xmlns:p="http://schemas.openxmlformats.org/presentationml/2006/main">
-  <p:tag name="ISLIDE.THEME" val="https://www.islide.cc;"/>
+  <p:tag name="ISLIDE.SMARTDIAGRAM" val="#951018;"/>
+  <p:tag name="ISLIDE.DIAGRAM" val="#959827;#914598;#954148;#914598;#954262;#949774;#940057;#940062;"/>
   <p:tag name="ISLIDE.TEMPLATE" val="https://www.islide.cc;"/>
 </p:tagLst>
 </file>
 
 <file path=ppt/tags/tag18.xml><?xml version="1.0" encoding="utf-8"?>
 <p:tagLst xmlns:a="http://schemas.openxmlformats.org/drawingml/2006/main" xmlns:r="http://schemas.openxmlformats.org/officeDocument/2006/relationships" xmlns:p="http://schemas.openxmlformats.org/presentationml/2006/main">
-  <p:tag name="ISLIDE.DIAGRAM" val="#947466;#861525;"/>
+  <p:tag name="ISLIDE.SMARTDIAGRAM" val="#951018;"/>
+  <p:tag name="ISLIDE.DIAGRAM" val="#959827;#914598;#954148;#914598;#954262;#949774;#940057;#940062;"/>
   <p:tag name="ISLIDE.TEMPLATE" val="https://www.islide.cc;"/>
 </p:tagLst>
 </file>
 
 <file path=ppt/tags/tag19.xml><?xml version="1.0" encoding="utf-8"?>
 <p:tagLst xmlns:a="http://schemas.openxmlformats.org/drawingml/2006/main" xmlns:r="http://schemas.openxmlformats.org/officeDocument/2006/relationships" xmlns:p="http://schemas.openxmlformats.org/presentationml/2006/main">
-  <p:tag name="ISLIDE.DIAGRAM" val="#947466;#861525;"/>
+  <p:tag name="ISLIDE.THEME" val="https://www.islide.cc;"/>
   <p:tag name="ISLIDE.TEMPLATE" val="https://www.islide.cc;"/>
 </p:tagLst>
 </file>
@@ -36974,26 +39519,47 @@
 
 <file path=ppt/tags/tag20.xml><?xml version="1.0" encoding="utf-8"?>
 <p:tagLst xmlns:a="http://schemas.openxmlformats.org/drawingml/2006/main" xmlns:r="http://schemas.openxmlformats.org/officeDocument/2006/relationships" xmlns:p="http://schemas.openxmlformats.org/presentationml/2006/main">
-  <p:tag name="ISLIDE.DIAGRAM" val="#967444;#918555;"/>
+  <p:tag name="ISLIDE.DIAGRAM" val="#947466;#861525;"/>
   <p:tag name="ISLIDE.TEMPLATE" val="https://www.islide.cc;"/>
 </p:tagLst>
 </file>
 
 <file path=ppt/tags/tag21.xml><?xml version="1.0" encoding="utf-8"?>
 <p:tagLst xmlns:a="http://schemas.openxmlformats.org/drawingml/2006/main" xmlns:r="http://schemas.openxmlformats.org/officeDocument/2006/relationships" xmlns:p="http://schemas.openxmlformats.org/presentationml/2006/main">
+  <p:tag name="ISLIDE.DIAGRAM" val="#947466;#861525;"/>
+  <p:tag name="ISLIDE.TEMPLATE" val="https://www.islide.cc;"/>
+</p:tagLst>
+</file>
+
+<file path=ppt/tags/tag22.xml><?xml version="1.0" encoding="utf-8"?>
+<p:tagLst xmlns:a="http://schemas.openxmlformats.org/drawingml/2006/main" xmlns:r="http://schemas.openxmlformats.org/officeDocument/2006/relationships" xmlns:p="http://schemas.openxmlformats.org/presentationml/2006/main">
+  <p:tag name="ISLIDE.DIAGRAM" val="#967444;#918555;"/>
+  <p:tag name="ISLIDE.TEMPLATE" val="https://www.islide.cc;"/>
+</p:tagLst>
+</file>
+
+<file path=ppt/tags/tag23.xml><?xml version="1.0" encoding="utf-8"?>
+<p:tagLst xmlns:a="http://schemas.openxmlformats.org/drawingml/2006/main" xmlns:r="http://schemas.openxmlformats.org/officeDocument/2006/relationships" xmlns:p="http://schemas.openxmlformats.org/presentationml/2006/main">
   <p:tag name="ISLIDE.TEMPLATE" val="https://www.islide.cc;"/>
   <p:tag name="ISLIDE.DIAGRAM" val="#967444;#918555;#938142;#932863;"/>
 </p:tagLst>
 </file>
 
-<file path=ppt/tags/tag22.xml><?xml version="1.0" encoding="utf-8"?>
+<file path=ppt/tags/tag24.xml><?xml version="1.0" encoding="utf-8"?>
 <p:tagLst xmlns:a="http://schemas.openxmlformats.org/drawingml/2006/main" xmlns:r="http://schemas.openxmlformats.org/officeDocument/2006/relationships" xmlns:p="http://schemas.openxmlformats.org/presentationml/2006/main">
   <p:tag name="ISLIDE.TEMPLATE" val="https://www.islide.cc;"/>
   <p:tag name="ISLIDE.DIAGRAM" val="#967444;#918555;#938142;#954267;"/>
 </p:tagLst>
 </file>
 
-<file path=ppt/tags/tag23.xml><?xml version="1.0" encoding="utf-8"?>
+<file path=ppt/tags/tag25.xml><?xml version="1.0" encoding="utf-8"?>
+<p:tagLst xmlns:a="http://schemas.openxmlformats.org/drawingml/2006/main" xmlns:r="http://schemas.openxmlformats.org/officeDocument/2006/relationships" xmlns:p="http://schemas.openxmlformats.org/presentationml/2006/main">
+  <p:tag name="ISLIDE.TEMPLATE" val="https://www.islide.cc;"/>
+  <p:tag name="ISLIDE.DIAGRAM" val="#967444;#918555;#938142;#954267;"/>
+</p:tagLst>
+</file>
+
+<file path=ppt/tags/tag26.xml><?xml version="1.0" encoding="utf-8"?>
 <p:tagLst xmlns:a="http://schemas.openxmlformats.org/drawingml/2006/main" xmlns:r="http://schemas.openxmlformats.org/officeDocument/2006/relationships" xmlns:p="http://schemas.openxmlformats.org/presentationml/2006/main">
   <p:tag name="ISLIDE.TEMPLATE" val="https://www.islide.cc;"/>
 </p:tagLst>
@@ -38191,6 +40757,135 @@
 </a:themeOverride>
 </file>
 
+<file path=ppt/theme/themeOverride23.xml><?xml version="1.0" encoding="utf-8"?>
+<a:themeOverride xmlns:a="http://schemas.openxmlformats.org/drawingml/2006/main">
+  <a:clrScheme name="iSlide VI标准">
+    <a:dk1>
+      <a:srgbClr val="2F2F2F"/>
+    </a:dk1>
+    <a:lt1>
+      <a:srgbClr val="FFFFFF"/>
+    </a:lt1>
+    <a:dk2>
+      <a:srgbClr val="778495"/>
+    </a:dk2>
+    <a:lt2>
+      <a:srgbClr val="F0F0F0"/>
+    </a:lt2>
+    <a:accent1>
+      <a:srgbClr val="F3B34E"/>
+    </a:accent1>
+    <a:accent2>
+      <a:srgbClr val="00B4B3"/>
+    </a:accent2>
+    <a:accent3>
+      <a:srgbClr val="2C415E"/>
+    </a:accent3>
+    <a:accent4>
+      <a:srgbClr val="C88820"/>
+    </a:accent4>
+    <a:accent5>
+      <a:srgbClr val="947D58"/>
+    </a:accent5>
+    <a:accent6>
+      <a:srgbClr val="8D631F"/>
+    </a:accent6>
+    <a:hlink>
+      <a:srgbClr val="F84D4D"/>
+    </a:hlink>
+    <a:folHlink>
+      <a:srgbClr val="979797"/>
+    </a:folHlink>
+  </a:clrScheme>
+</a:themeOverride>
+</file>
+
+<file path=ppt/theme/themeOverride24.xml><?xml version="1.0" encoding="utf-8"?>
+<a:themeOverride xmlns:a="http://schemas.openxmlformats.org/drawingml/2006/main">
+  <a:clrScheme name="iSlide VI标准">
+    <a:dk1>
+      <a:srgbClr val="2F2F2F"/>
+    </a:dk1>
+    <a:lt1>
+      <a:srgbClr val="FFFFFF"/>
+    </a:lt1>
+    <a:dk2>
+      <a:srgbClr val="778495"/>
+    </a:dk2>
+    <a:lt2>
+      <a:srgbClr val="F0F0F0"/>
+    </a:lt2>
+    <a:accent1>
+      <a:srgbClr val="F3B34E"/>
+    </a:accent1>
+    <a:accent2>
+      <a:srgbClr val="00B4B3"/>
+    </a:accent2>
+    <a:accent3>
+      <a:srgbClr val="2C415E"/>
+    </a:accent3>
+    <a:accent4>
+      <a:srgbClr val="C88820"/>
+    </a:accent4>
+    <a:accent5>
+      <a:srgbClr val="947D58"/>
+    </a:accent5>
+    <a:accent6>
+      <a:srgbClr val="8D631F"/>
+    </a:accent6>
+    <a:hlink>
+      <a:srgbClr val="F84D4D"/>
+    </a:hlink>
+    <a:folHlink>
+      <a:srgbClr val="979797"/>
+    </a:folHlink>
+  </a:clrScheme>
+</a:themeOverride>
+</file>
+
+<file path=ppt/theme/themeOverride25.xml><?xml version="1.0" encoding="utf-8"?>
+<a:themeOverride xmlns:a="http://schemas.openxmlformats.org/drawingml/2006/main">
+  <a:clrScheme name="iSlide VI标准">
+    <a:dk1>
+      <a:srgbClr val="2F2F2F"/>
+    </a:dk1>
+    <a:lt1>
+      <a:srgbClr val="FFFFFF"/>
+    </a:lt1>
+    <a:dk2>
+      <a:srgbClr val="778495"/>
+    </a:dk2>
+    <a:lt2>
+      <a:srgbClr val="F0F0F0"/>
+    </a:lt2>
+    <a:accent1>
+      <a:srgbClr val="F3B34E"/>
+    </a:accent1>
+    <a:accent2>
+      <a:srgbClr val="00B4B3"/>
+    </a:accent2>
+    <a:accent3>
+      <a:srgbClr val="2C415E"/>
+    </a:accent3>
+    <a:accent4>
+      <a:srgbClr val="C88820"/>
+    </a:accent4>
+    <a:accent5>
+      <a:srgbClr val="947D58"/>
+    </a:accent5>
+    <a:accent6>
+      <a:srgbClr val="8D631F"/>
+    </a:accent6>
+    <a:hlink>
+      <a:srgbClr val="F84D4D"/>
+    </a:hlink>
+    <a:folHlink>
+      <a:srgbClr val="979797"/>
+    </a:folHlink>
+  </a:clrScheme>
+</a:themeOverride>
+</file>
+
 <file path=ppt/theme/themeOverride3.xml><?xml version="1.0" encoding="utf-8"?>
 <a:themeOverride xmlns:a="http://schemas.openxmlformats.org/drawingml/2006/main">
   <a:clrScheme name="iSlide VI标准">

--- a/SSCI文章汇报-卢波.pptx
+++ b/SSCI文章汇报-卢波.pptx
@@ -798,7 +798,7 @@
           <a:bodyPr/>
           <a:lstStyle/>
           <a:p>
-            <a:endParaRPr lang="zh-CN" altLang="en-US" sz="1200" b="0" i="0" kern="1200" smtClean="0">
+            <a:endParaRPr lang="zh-CN" altLang="en-US" sz="1200" b="0" i="0" kern="1200">
               <a:solidFill>
                 <a:schemeClr val="tx1"/>
               </a:solidFill>
@@ -1067,7 +1067,7 @@
           <p:cNvPr id="5" name="页脚占位符 4">
             <a:extLst>
               <a:ext uri="{FF2B5EF4-FFF2-40B4-BE49-F238E27FC236}">
-                <a16:creationId xmlns="" xmlns:a16="http://schemas.microsoft.com/office/drawing/2014/main" id="{AD17ABA3-C525-329A-C352-C5F5E428645A}"/>
+                <a16:creationId xmlns:a16="http://schemas.microsoft.com/office/drawing/2014/main" id="{AD17ABA3-C525-329A-C352-C5F5E428645A}"/>
               </a:ext>
             </a:extLst>
           </p:cNvPr>
@@ -1153,7 +1153,7 @@
           <p:cNvPr id="5" name="页脚占位符 4">
             <a:extLst>
               <a:ext uri="{FF2B5EF4-FFF2-40B4-BE49-F238E27FC236}">
-                <a16:creationId xmlns="" xmlns:a16="http://schemas.microsoft.com/office/drawing/2014/main" id="{34E2B2ED-BCBA-6CD5-24CF-41B319692AA8}"/>
+                <a16:creationId xmlns:a16="http://schemas.microsoft.com/office/drawing/2014/main" id="{34E2B2ED-BCBA-6CD5-24CF-41B319692AA8}"/>
               </a:ext>
             </a:extLst>
           </p:cNvPr>
@@ -1239,7 +1239,7 @@
           <p:cNvPr id="5" name="页脚占位符 4">
             <a:extLst>
               <a:ext uri="{FF2B5EF4-FFF2-40B4-BE49-F238E27FC236}">
-                <a16:creationId xmlns="" xmlns:a16="http://schemas.microsoft.com/office/drawing/2014/main" id="{34E2B2ED-BCBA-6CD5-24CF-41B319692AA8}"/>
+                <a16:creationId xmlns:a16="http://schemas.microsoft.com/office/drawing/2014/main" id="{34E2B2ED-BCBA-6CD5-24CF-41B319692AA8}"/>
               </a:ext>
             </a:extLst>
           </p:cNvPr>
@@ -1325,7 +1325,7 @@
           <p:cNvPr id="5" name="页脚占位符 4">
             <a:extLst>
               <a:ext uri="{FF2B5EF4-FFF2-40B4-BE49-F238E27FC236}">
-                <a16:creationId xmlns="" xmlns:a16="http://schemas.microsoft.com/office/drawing/2014/main" id="{34E2B2ED-BCBA-6CD5-24CF-41B319692AA8}"/>
+                <a16:creationId xmlns:a16="http://schemas.microsoft.com/office/drawing/2014/main" id="{34E2B2ED-BCBA-6CD5-24CF-41B319692AA8}"/>
               </a:ext>
             </a:extLst>
           </p:cNvPr>
@@ -1411,7 +1411,7 @@
           <p:cNvPr id="5" name="页脚占位符 4">
             <a:extLst>
               <a:ext uri="{FF2B5EF4-FFF2-40B4-BE49-F238E27FC236}">
-                <a16:creationId xmlns="" xmlns:a16="http://schemas.microsoft.com/office/drawing/2014/main" id="{34E2B2ED-BCBA-6CD5-24CF-41B319692AA8}"/>
+                <a16:creationId xmlns:a16="http://schemas.microsoft.com/office/drawing/2014/main" id="{34E2B2ED-BCBA-6CD5-24CF-41B319692AA8}"/>
               </a:ext>
             </a:extLst>
           </p:cNvPr>
@@ -1497,7 +1497,7 @@
           <p:cNvPr id="5" name="页脚占位符 4">
             <a:extLst>
               <a:ext uri="{FF2B5EF4-FFF2-40B4-BE49-F238E27FC236}">
-                <a16:creationId xmlns="" xmlns:a16="http://schemas.microsoft.com/office/drawing/2014/main" id="{34E2B2ED-BCBA-6CD5-24CF-41B319692AA8}"/>
+                <a16:creationId xmlns:a16="http://schemas.microsoft.com/office/drawing/2014/main" id="{34E2B2ED-BCBA-6CD5-24CF-41B319692AA8}"/>
               </a:ext>
             </a:extLst>
           </p:cNvPr>
@@ -1564,7 +1564,7 @@
           <p:cNvPr id="75" name="îṥlíde">
             <a:extLst>
               <a:ext uri="{FF2B5EF4-FFF2-40B4-BE49-F238E27FC236}">
-                <a16:creationId xmlns="" xmlns:a16="http://schemas.microsoft.com/office/drawing/2014/main" id="{12A217FB-D0A5-B1FC-0A9C-09C81766B0EC}"/>
+                <a16:creationId xmlns:a16="http://schemas.microsoft.com/office/drawing/2014/main" id="{12A217FB-D0A5-B1FC-0A9C-09C81766B0EC}"/>
               </a:ext>
             </a:extLst>
           </p:cNvPr>
@@ -1692,7 +1692,7 @@
           <p:cNvPr id="2" name="标题 1">
             <a:extLst>
               <a:ext uri="{FF2B5EF4-FFF2-40B4-BE49-F238E27FC236}">
-                <a16:creationId xmlns="" xmlns:a16="http://schemas.microsoft.com/office/drawing/2014/main" id="{E545B57F-7D9D-4AD8-9FE4-E5267D65BB87}"/>
+                <a16:creationId xmlns:a16="http://schemas.microsoft.com/office/drawing/2014/main" id="{E545B57F-7D9D-4AD8-9FE4-E5267D65BB87}"/>
               </a:ext>
             </a:extLst>
           </p:cNvPr>
@@ -1743,7 +1743,7 @@
           <p:cNvPr id="3" name="副标题 2">
             <a:extLst>
               <a:ext uri="{FF2B5EF4-FFF2-40B4-BE49-F238E27FC236}">
-                <a16:creationId xmlns="" xmlns:a16="http://schemas.microsoft.com/office/drawing/2014/main" id="{42DDB65F-C302-4F35-9CCB-12FB82E2590D}"/>
+                <a16:creationId xmlns:a16="http://schemas.microsoft.com/office/drawing/2014/main" id="{42DDB65F-C302-4F35-9CCB-12FB82E2590D}"/>
               </a:ext>
             </a:extLst>
           </p:cNvPr>
@@ -1788,7 +1788,7 @@
           <p:cNvPr id="8" name="文本占位符 7">
             <a:extLst>
               <a:ext uri="{FF2B5EF4-FFF2-40B4-BE49-F238E27FC236}">
-                <a16:creationId xmlns="" xmlns:a16="http://schemas.microsoft.com/office/drawing/2014/main" id="{44C4A721-803B-47CB-B99E-1D01E8E0169F}"/>
+                <a16:creationId xmlns:a16="http://schemas.microsoft.com/office/drawing/2014/main" id="{44C4A721-803B-47CB-B99E-1D01E8E0169F}"/>
               </a:ext>
             </a:extLst>
           </p:cNvPr>
@@ -1840,7 +1840,7 @@
           <p:cNvPr id="9" name="文本占位符 8">
             <a:extLst>
               <a:ext uri="{FF2B5EF4-FFF2-40B4-BE49-F238E27FC236}">
-                <a16:creationId xmlns="" xmlns:a16="http://schemas.microsoft.com/office/drawing/2014/main" id="{CA939A61-406D-45DC-B757-059EFAA05866}"/>
+                <a16:creationId xmlns:a16="http://schemas.microsoft.com/office/drawing/2014/main" id="{CA939A61-406D-45DC-B757-059EFAA05866}"/>
               </a:ext>
             </a:extLst>
           </p:cNvPr>
@@ -1893,7 +1893,7 @@
           <p:cNvPr id="46" name="išḻîḓe">
             <a:extLst>
               <a:ext uri="{FF2B5EF4-FFF2-40B4-BE49-F238E27FC236}">
-                <a16:creationId xmlns="" xmlns:a16="http://schemas.microsoft.com/office/drawing/2014/main" id="{80AEC717-C4EE-1CC1-A470-5119FAB08767}"/>
+                <a16:creationId xmlns:a16="http://schemas.microsoft.com/office/drawing/2014/main" id="{80AEC717-C4EE-1CC1-A470-5119FAB08767}"/>
               </a:ext>
             </a:extLst>
           </p:cNvPr>
@@ -1971,7 +1971,7 @@
           <p:cNvPr id="102" name="组合 101">
             <a:extLst>
               <a:ext uri="{FF2B5EF4-FFF2-40B4-BE49-F238E27FC236}">
-                <a16:creationId xmlns="" xmlns:a16="http://schemas.microsoft.com/office/drawing/2014/main" id="{5ED31935-D353-C095-52C9-6F04B518D7F9}"/>
+                <a16:creationId xmlns:a16="http://schemas.microsoft.com/office/drawing/2014/main" id="{5ED31935-D353-C095-52C9-6F04B518D7F9}"/>
               </a:ext>
             </a:extLst>
           </p:cNvPr>
@@ -1994,7 +1994,7 @@
             <p:cNvPr id="61" name="íṥlíďê">
               <a:extLst>
                 <a:ext uri="{FF2B5EF4-FFF2-40B4-BE49-F238E27FC236}">
-                  <a16:creationId xmlns="" xmlns:a16="http://schemas.microsoft.com/office/drawing/2014/main" id="{170F4112-1C32-DD4B-B107-A3842CFD609D}"/>
+                  <a16:creationId xmlns:a16="http://schemas.microsoft.com/office/drawing/2014/main" id="{170F4112-1C32-DD4B-B107-A3842CFD609D}"/>
                 </a:ext>
               </a:extLst>
             </p:cNvPr>
@@ -2088,7 +2088,7 @@
             <p:cNvPr id="62" name="íṥ1iďê">
               <a:extLst>
                 <a:ext uri="{FF2B5EF4-FFF2-40B4-BE49-F238E27FC236}">
-                  <a16:creationId xmlns="" xmlns:a16="http://schemas.microsoft.com/office/drawing/2014/main" id="{CF4F3986-F688-E973-34A4-0F85C3D9BA51}"/>
+                  <a16:creationId xmlns:a16="http://schemas.microsoft.com/office/drawing/2014/main" id="{CF4F3986-F688-E973-34A4-0F85C3D9BA51}"/>
                 </a:ext>
               </a:extLst>
             </p:cNvPr>
@@ -2182,7 +2182,7 @@
             <p:cNvPr id="63" name="iṣľíḓe">
               <a:extLst>
                 <a:ext uri="{FF2B5EF4-FFF2-40B4-BE49-F238E27FC236}">
-                  <a16:creationId xmlns="" xmlns:a16="http://schemas.microsoft.com/office/drawing/2014/main" id="{943E6ED9-B168-9714-793B-9FD764097EA2}"/>
+                  <a16:creationId xmlns:a16="http://schemas.microsoft.com/office/drawing/2014/main" id="{943E6ED9-B168-9714-793B-9FD764097EA2}"/>
                 </a:ext>
               </a:extLst>
             </p:cNvPr>
@@ -2276,7 +2276,7 @@
             <p:cNvPr id="64" name="îśľîḍê">
               <a:extLst>
                 <a:ext uri="{FF2B5EF4-FFF2-40B4-BE49-F238E27FC236}">
-                  <a16:creationId xmlns="" xmlns:a16="http://schemas.microsoft.com/office/drawing/2014/main" id="{B21B8C84-5250-5732-8907-C6DD254E0911}"/>
+                  <a16:creationId xmlns:a16="http://schemas.microsoft.com/office/drawing/2014/main" id="{B21B8C84-5250-5732-8907-C6DD254E0911}"/>
                 </a:ext>
               </a:extLst>
             </p:cNvPr>
@@ -2370,7 +2370,7 @@
             <p:cNvPr id="65" name="íśļïḍè">
               <a:extLst>
                 <a:ext uri="{FF2B5EF4-FFF2-40B4-BE49-F238E27FC236}">
-                  <a16:creationId xmlns="" xmlns:a16="http://schemas.microsoft.com/office/drawing/2014/main" id="{397AFC15-6E03-DBDE-0527-948024A5559B}"/>
+                  <a16:creationId xmlns:a16="http://schemas.microsoft.com/office/drawing/2014/main" id="{397AFC15-6E03-DBDE-0527-948024A5559B}"/>
                 </a:ext>
               </a:extLst>
             </p:cNvPr>
@@ -2464,7 +2464,7 @@
             <p:cNvPr id="66" name="íṡḷïďê">
               <a:extLst>
                 <a:ext uri="{FF2B5EF4-FFF2-40B4-BE49-F238E27FC236}">
-                  <a16:creationId xmlns="" xmlns:a16="http://schemas.microsoft.com/office/drawing/2014/main" id="{392352D8-B171-08C3-8EC9-F089D139E3ED}"/>
+                  <a16:creationId xmlns:a16="http://schemas.microsoft.com/office/drawing/2014/main" id="{392352D8-B171-08C3-8EC9-F089D139E3ED}"/>
                 </a:ext>
               </a:extLst>
             </p:cNvPr>
@@ -2568,7 +2568,7 @@
             <p:cNvPr id="67" name="îṩḻiḋé">
               <a:extLst>
                 <a:ext uri="{FF2B5EF4-FFF2-40B4-BE49-F238E27FC236}">
-                  <a16:creationId xmlns="" xmlns:a16="http://schemas.microsoft.com/office/drawing/2014/main" id="{2E840FA0-A34F-0E3C-CD72-A3C9C9E21C75}"/>
+                  <a16:creationId xmlns:a16="http://schemas.microsoft.com/office/drawing/2014/main" id="{2E840FA0-A34F-0E3C-CD72-A3C9C9E21C75}"/>
                 </a:ext>
               </a:extLst>
             </p:cNvPr>
@@ -2662,7 +2662,7 @@
             <p:cNvPr id="68" name="iṩļíḋé">
               <a:extLst>
                 <a:ext uri="{FF2B5EF4-FFF2-40B4-BE49-F238E27FC236}">
-                  <a16:creationId xmlns="" xmlns:a16="http://schemas.microsoft.com/office/drawing/2014/main" id="{CB1404D4-E74D-F135-C33E-423931C8DC54}"/>
+                  <a16:creationId xmlns:a16="http://schemas.microsoft.com/office/drawing/2014/main" id="{CB1404D4-E74D-F135-C33E-423931C8DC54}"/>
                 </a:ext>
               </a:extLst>
             </p:cNvPr>
@@ -2766,7 +2766,7 @@
             <p:cNvPr id="69" name="îṣ1ïďé">
               <a:extLst>
                 <a:ext uri="{FF2B5EF4-FFF2-40B4-BE49-F238E27FC236}">
-                  <a16:creationId xmlns="" xmlns:a16="http://schemas.microsoft.com/office/drawing/2014/main" id="{C8CB8D5A-08BF-D381-FD99-C4FAC830C677}"/>
+                  <a16:creationId xmlns:a16="http://schemas.microsoft.com/office/drawing/2014/main" id="{C8CB8D5A-08BF-D381-FD99-C4FAC830C677}"/>
                 </a:ext>
               </a:extLst>
             </p:cNvPr>
@@ -2860,7 +2860,7 @@
             <p:cNvPr id="70" name="îŝ1íḓé">
               <a:extLst>
                 <a:ext uri="{FF2B5EF4-FFF2-40B4-BE49-F238E27FC236}">
-                  <a16:creationId xmlns="" xmlns:a16="http://schemas.microsoft.com/office/drawing/2014/main" id="{D207EB95-B23E-8A36-2D5A-6AD32DE39599}"/>
+                  <a16:creationId xmlns:a16="http://schemas.microsoft.com/office/drawing/2014/main" id="{D207EB95-B23E-8A36-2D5A-6AD32DE39599}"/>
                 </a:ext>
               </a:extLst>
             </p:cNvPr>
@@ -2954,7 +2954,7 @@
             <p:cNvPr id="71" name="iṩlîḓé">
               <a:extLst>
                 <a:ext uri="{FF2B5EF4-FFF2-40B4-BE49-F238E27FC236}">
-                  <a16:creationId xmlns="" xmlns:a16="http://schemas.microsoft.com/office/drawing/2014/main" id="{74E9B1BB-CD49-15D8-FB76-6B4A74302380}"/>
+                  <a16:creationId xmlns:a16="http://schemas.microsoft.com/office/drawing/2014/main" id="{74E9B1BB-CD49-15D8-FB76-6B4A74302380}"/>
                 </a:ext>
               </a:extLst>
             </p:cNvPr>
@@ -3048,7 +3048,7 @@
             <p:cNvPr id="72" name="iśļíďè">
               <a:extLst>
                 <a:ext uri="{FF2B5EF4-FFF2-40B4-BE49-F238E27FC236}">
-                  <a16:creationId xmlns="" xmlns:a16="http://schemas.microsoft.com/office/drawing/2014/main" id="{0EF3F4F0-E140-4ED3-2953-6910006204A5}"/>
+                  <a16:creationId xmlns:a16="http://schemas.microsoft.com/office/drawing/2014/main" id="{0EF3F4F0-E140-4ED3-2953-6910006204A5}"/>
                 </a:ext>
               </a:extLst>
             </p:cNvPr>
@@ -3142,7 +3142,7 @@
             <p:cNvPr id="73" name="iṩḻïḍe">
               <a:extLst>
                 <a:ext uri="{FF2B5EF4-FFF2-40B4-BE49-F238E27FC236}">
-                  <a16:creationId xmlns="" xmlns:a16="http://schemas.microsoft.com/office/drawing/2014/main" id="{3B8ECEE2-AF90-20F6-1816-D94D9BC00576}"/>
+                  <a16:creationId xmlns:a16="http://schemas.microsoft.com/office/drawing/2014/main" id="{3B8ECEE2-AF90-20F6-1816-D94D9BC00576}"/>
                 </a:ext>
               </a:extLst>
             </p:cNvPr>
@@ -3246,7 +3246,7 @@
             <p:cNvPr id="74" name="íS1iḋé">
               <a:extLst>
                 <a:ext uri="{FF2B5EF4-FFF2-40B4-BE49-F238E27FC236}">
-                  <a16:creationId xmlns="" xmlns:a16="http://schemas.microsoft.com/office/drawing/2014/main" id="{7874BC37-D362-2E46-BC5C-E01352414C6F}"/>
+                  <a16:creationId xmlns:a16="http://schemas.microsoft.com/office/drawing/2014/main" id="{7874BC37-D362-2E46-BC5C-E01352414C6F}"/>
                 </a:ext>
               </a:extLst>
             </p:cNvPr>
@@ -3341,7 +3341,7 @@
           <p:cNvPr id="77" name="íṣľiḋè">
             <a:extLst>
               <a:ext uri="{FF2B5EF4-FFF2-40B4-BE49-F238E27FC236}">
-                <a16:creationId xmlns="" xmlns:a16="http://schemas.microsoft.com/office/drawing/2014/main" id="{32E0C55D-7D9F-AF1E-4D42-F6F5CB490267}"/>
+                <a16:creationId xmlns:a16="http://schemas.microsoft.com/office/drawing/2014/main" id="{32E0C55D-7D9F-AF1E-4D42-F6F5CB490267}"/>
               </a:ext>
             </a:extLst>
           </p:cNvPr>
@@ -3469,7 +3469,7 @@
           <p:cNvPr id="25" name="ïsḷídê">
             <a:extLst>
               <a:ext uri="{FF2B5EF4-FFF2-40B4-BE49-F238E27FC236}">
-                <a16:creationId xmlns="" xmlns:a16="http://schemas.microsoft.com/office/drawing/2014/main" id="{4AD3E173-DEA6-52DC-101D-FC28146B5E21}"/>
+                <a16:creationId xmlns:a16="http://schemas.microsoft.com/office/drawing/2014/main" id="{4AD3E173-DEA6-52DC-101D-FC28146B5E21}"/>
               </a:ext>
             </a:extLst>
           </p:cNvPr>
@@ -3569,7 +3569,7 @@
           <p:cNvPr id="26" name="íṣḷïḍe">
             <a:extLst>
               <a:ext uri="{FF2B5EF4-FFF2-40B4-BE49-F238E27FC236}">
-                <a16:creationId xmlns="" xmlns:a16="http://schemas.microsoft.com/office/drawing/2014/main" id="{97B4B254-7339-6AD7-F5A7-44C5BB38510F}"/>
+                <a16:creationId xmlns:a16="http://schemas.microsoft.com/office/drawing/2014/main" id="{97B4B254-7339-6AD7-F5A7-44C5BB38510F}"/>
               </a:ext>
             </a:extLst>
           </p:cNvPr>
@@ -3649,7 +3649,7 @@
           <p:cNvPr id="27" name="ï$ḷîḓè">
             <a:extLst>
               <a:ext uri="{FF2B5EF4-FFF2-40B4-BE49-F238E27FC236}">
-                <a16:creationId xmlns="" xmlns:a16="http://schemas.microsoft.com/office/drawing/2014/main" id="{5CAE6D5F-289F-F240-0D3B-786902A6C861}"/>
+                <a16:creationId xmlns:a16="http://schemas.microsoft.com/office/drawing/2014/main" id="{5CAE6D5F-289F-F240-0D3B-786902A6C861}"/>
               </a:ext>
             </a:extLst>
           </p:cNvPr>
@@ -3739,7 +3739,7 @@
           <p:cNvPr id="28" name="îṣlidê">
             <a:extLst>
               <a:ext uri="{FF2B5EF4-FFF2-40B4-BE49-F238E27FC236}">
-                <a16:creationId xmlns="" xmlns:a16="http://schemas.microsoft.com/office/drawing/2014/main" id="{9F6C8D2B-C1B6-06EE-0945-EADF5D680BBC}"/>
+                <a16:creationId xmlns:a16="http://schemas.microsoft.com/office/drawing/2014/main" id="{9F6C8D2B-C1B6-06EE-0945-EADF5D680BBC}"/>
               </a:ext>
             </a:extLst>
           </p:cNvPr>
@@ -3776,7 +3776,7 @@
           <p:cNvPr id="30" name="îşlîde">
             <a:extLst>
               <a:ext uri="{FF2B5EF4-FFF2-40B4-BE49-F238E27FC236}">
-                <a16:creationId xmlns="" xmlns:a16="http://schemas.microsoft.com/office/drawing/2014/main" id="{BD06D9E2-4A0E-81FD-4F84-03F7D7FA4588}"/>
+                <a16:creationId xmlns:a16="http://schemas.microsoft.com/office/drawing/2014/main" id="{BD06D9E2-4A0E-81FD-4F84-03F7D7FA4588}"/>
               </a:ext>
             </a:extLst>
           </p:cNvPr>
@@ -3813,7 +3813,7 @@
           <p:cNvPr id="86" name="iş1íḑé">
             <a:extLst>
               <a:ext uri="{FF2B5EF4-FFF2-40B4-BE49-F238E27FC236}">
-                <a16:creationId xmlns="" xmlns:a16="http://schemas.microsoft.com/office/drawing/2014/main" id="{9EE12DE3-6D56-CDFB-5EC8-D37BF86EEDE5}"/>
+                <a16:creationId xmlns:a16="http://schemas.microsoft.com/office/drawing/2014/main" id="{9EE12DE3-6D56-CDFB-5EC8-D37BF86EEDE5}"/>
               </a:ext>
             </a:extLst>
           </p:cNvPr>
@@ -3958,7 +3958,7 @@
           <p:cNvPr id="121" name="îŝľiḓê">
             <a:extLst>
               <a:ext uri="{FF2B5EF4-FFF2-40B4-BE49-F238E27FC236}">
-                <a16:creationId xmlns="" xmlns:a16="http://schemas.microsoft.com/office/drawing/2014/main" id="{FD8054AF-9D46-E54E-FDD0-1D6436A080AE}"/>
+                <a16:creationId xmlns:a16="http://schemas.microsoft.com/office/drawing/2014/main" id="{FD8054AF-9D46-E54E-FDD0-1D6436A080AE}"/>
               </a:ext>
             </a:extLst>
           </p:cNvPr>
@@ -4048,7 +4048,7 @@
           <p:cNvPr id="88" name="组合 87">
             <a:extLst>
               <a:ext uri="{FF2B5EF4-FFF2-40B4-BE49-F238E27FC236}">
-                <a16:creationId xmlns="" xmlns:a16="http://schemas.microsoft.com/office/drawing/2014/main" id="{89CEE876-DCCB-5BC9-81E7-8096A2DFC556}"/>
+                <a16:creationId xmlns:a16="http://schemas.microsoft.com/office/drawing/2014/main" id="{89CEE876-DCCB-5BC9-81E7-8096A2DFC556}"/>
               </a:ext>
             </a:extLst>
           </p:cNvPr>
@@ -4068,7 +4068,7 @@
             <p:cNvPr id="78" name="iṡḷiḋe">
               <a:extLst>
                 <a:ext uri="{FF2B5EF4-FFF2-40B4-BE49-F238E27FC236}">
-                  <a16:creationId xmlns="" xmlns:a16="http://schemas.microsoft.com/office/drawing/2014/main" id="{162945E0-3623-82C9-E071-0D683009C3F9}"/>
+                  <a16:creationId xmlns:a16="http://schemas.microsoft.com/office/drawing/2014/main" id="{162945E0-3623-82C9-E071-0D683009C3F9}"/>
                 </a:ext>
               </a:extLst>
             </p:cNvPr>
@@ -4195,7 +4195,7 @@
             <p:cNvPr id="79" name="ïŝḷïḑé">
               <a:extLst>
                 <a:ext uri="{FF2B5EF4-FFF2-40B4-BE49-F238E27FC236}">
-                  <a16:creationId xmlns="" xmlns:a16="http://schemas.microsoft.com/office/drawing/2014/main" id="{A2C51E6F-85D1-F108-0B04-74473199E1F8}"/>
+                  <a16:creationId xmlns:a16="http://schemas.microsoft.com/office/drawing/2014/main" id="{A2C51E6F-85D1-F108-0B04-74473199E1F8}"/>
                 </a:ext>
               </a:extLst>
             </p:cNvPr>
@@ -4310,7 +4310,7 @@
             <p:cNvPr id="80" name="iš1ïḓe">
               <a:extLst>
                 <a:ext uri="{FF2B5EF4-FFF2-40B4-BE49-F238E27FC236}">
-                  <a16:creationId xmlns="" xmlns:a16="http://schemas.microsoft.com/office/drawing/2014/main" id="{92F436AE-C605-168A-78DD-9B14E2C9A8EA}"/>
+                  <a16:creationId xmlns:a16="http://schemas.microsoft.com/office/drawing/2014/main" id="{92F436AE-C605-168A-78DD-9B14E2C9A8EA}"/>
                 </a:ext>
               </a:extLst>
             </p:cNvPr>
@@ -4720,7 +4720,7 @@
             <p:cNvPr id="81" name="îŝļîďè">
               <a:extLst>
                 <a:ext uri="{FF2B5EF4-FFF2-40B4-BE49-F238E27FC236}">
-                  <a16:creationId xmlns="" xmlns:a16="http://schemas.microsoft.com/office/drawing/2014/main" id="{5B52A11E-8BA3-9C39-CF5E-D7451B460C08}"/>
+                  <a16:creationId xmlns:a16="http://schemas.microsoft.com/office/drawing/2014/main" id="{5B52A11E-8BA3-9C39-CF5E-D7451B460C08}"/>
                 </a:ext>
               </a:extLst>
             </p:cNvPr>
@@ -4803,7 +4803,7 @@
             <p:cNvPr id="82" name="ïṥļide">
               <a:extLst>
                 <a:ext uri="{FF2B5EF4-FFF2-40B4-BE49-F238E27FC236}">
-                  <a16:creationId xmlns="" xmlns:a16="http://schemas.microsoft.com/office/drawing/2014/main" id="{5C955823-5C23-803E-CA12-3DBCBE287A82}"/>
+                  <a16:creationId xmlns:a16="http://schemas.microsoft.com/office/drawing/2014/main" id="{5C955823-5C23-803E-CA12-3DBCBE287A82}"/>
                 </a:ext>
               </a:extLst>
             </p:cNvPr>
@@ -4883,7 +4883,7 @@
             <p:cNvPr id="83" name="iṥḻíḓé">
               <a:extLst>
                 <a:ext uri="{FF2B5EF4-FFF2-40B4-BE49-F238E27FC236}">
-                  <a16:creationId xmlns="" xmlns:a16="http://schemas.microsoft.com/office/drawing/2014/main" id="{0958D633-1F32-381D-B4C6-644DFF5B68D1}"/>
+                  <a16:creationId xmlns:a16="http://schemas.microsoft.com/office/drawing/2014/main" id="{0958D633-1F32-381D-B4C6-644DFF5B68D1}"/>
                 </a:ext>
               </a:extLst>
             </p:cNvPr>
@@ -5023,7 +5023,7 @@
             <p:cNvPr id="84" name="iṣḷiḑè">
               <a:extLst>
                 <a:ext uri="{FF2B5EF4-FFF2-40B4-BE49-F238E27FC236}">
-                  <a16:creationId xmlns="" xmlns:a16="http://schemas.microsoft.com/office/drawing/2014/main" id="{D96565D9-71AD-C5D2-5FA5-AF4C6622B9CD}"/>
+                  <a16:creationId xmlns:a16="http://schemas.microsoft.com/office/drawing/2014/main" id="{D96565D9-71AD-C5D2-5FA5-AF4C6622B9CD}"/>
                 </a:ext>
               </a:extLst>
             </p:cNvPr>
@@ -5164,7 +5164,7 @@
           <p:cNvPr id="97" name="组合 96">
             <a:extLst>
               <a:ext uri="{FF2B5EF4-FFF2-40B4-BE49-F238E27FC236}">
-                <a16:creationId xmlns="" xmlns:a16="http://schemas.microsoft.com/office/drawing/2014/main" id="{AE73A4EE-0452-FB26-3969-9CAD01CF09DA}"/>
+                <a16:creationId xmlns:a16="http://schemas.microsoft.com/office/drawing/2014/main" id="{AE73A4EE-0452-FB26-3969-9CAD01CF09DA}"/>
               </a:ext>
             </a:extLst>
           </p:cNvPr>
@@ -5184,7 +5184,7 @@
             <p:cNvPr id="14" name="ísľíḍé">
               <a:extLst>
                 <a:ext uri="{FF2B5EF4-FFF2-40B4-BE49-F238E27FC236}">
-                  <a16:creationId xmlns="" xmlns:a16="http://schemas.microsoft.com/office/drawing/2014/main" id="{23CAB1F0-2F9A-1151-E151-85AD5AE6CB00}"/>
+                  <a16:creationId xmlns:a16="http://schemas.microsoft.com/office/drawing/2014/main" id="{23CAB1F0-2F9A-1151-E151-85AD5AE6CB00}"/>
                 </a:ext>
               </a:extLst>
             </p:cNvPr>
@@ -5292,7 +5292,7 @@
             <p:cNvPr id="94" name="îŝḻíḍê">
               <a:extLst>
                 <a:ext uri="{FF2B5EF4-FFF2-40B4-BE49-F238E27FC236}">
-                  <a16:creationId xmlns="" xmlns:a16="http://schemas.microsoft.com/office/drawing/2014/main" id="{1CE40423-F8B7-ABA7-E389-20EFC902D7DE}"/>
+                  <a16:creationId xmlns:a16="http://schemas.microsoft.com/office/drawing/2014/main" id="{1CE40423-F8B7-ABA7-E389-20EFC902D7DE}"/>
                 </a:ext>
               </a:extLst>
             </p:cNvPr>
@@ -5388,7 +5388,7 @@
             <p:cNvPr id="17" name="íṥľídé">
               <a:extLst>
                 <a:ext uri="{FF2B5EF4-FFF2-40B4-BE49-F238E27FC236}">
-                  <a16:creationId xmlns="" xmlns:a16="http://schemas.microsoft.com/office/drawing/2014/main" id="{538CE06F-D033-E869-7802-5E57A07754C4}"/>
+                  <a16:creationId xmlns:a16="http://schemas.microsoft.com/office/drawing/2014/main" id="{538CE06F-D033-E869-7802-5E57A07754C4}"/>
                 </a:ext>
               </a:extLst>
             </p:cNvPr>
@@ -5425,7 +5425,7 @@
             <p:cNvPr id="18" name="íşļîďe">
               <a:extLst>
                 <a:ext uri="{FF2B5EF4-FFF2-40B4-BE49-F238E27FC236}">
-                  <a16:creationId xmlns="" xmlns:a16="http://schemas.microsoft.com/office/drawing/2014/main" id="{AF90DCF2-D861-8DC7-39D1-91F5366300D6}"/>
+                  <a16:creationId xmlns:a16="http://schemas.microsoft.com/office/drawing/2014/main" id="{AF90DCF2-D861-8DC7-39D1-91F5366300D6}"/>
                 </a:ext>
               </a:extLst>
             </p:cNvPr>
@@ -5545,7 +5545,7 @@
             <p:cNvPr id="19" name="îṣ1íďe">
               <a:extLst>
                 <a:ext uri="{FF2B5EF4-FFF2-40B4-BE49-F238E27FC236}">
-                  <a16:creationId xmlns="" xmlns:a16="http://schemas.microsoft.com/office/drawing/2014/main" id="{DCFCB9E0-6E7C-3437-2921-EA4A275F8C69}"/>
+                  <a16:creationId xmlns:a16="http://schemas.microsoft.com/office/drawing/2014/main" id="{DCFCB9E0-6E7C-3437-2921-EA4A275F8C69}"/>
                 </a:ext>
               </a:extLst>
             </p:cNvPr>
@@ -5656,7 +5656,7 @@
           <p:cNvPr id="2" name="标题 1">
             <a:extLst>
               <a:ext uri="{FF2B5EF4-FFF2-40B4-BE49-F238E27FC236}">
-                <a16:creationId xmlns="" xmlns:a16="http://schemas.microsoft.com/office/drawing/2014/main" id="{95DC6DA8-D137-41D2-A934-63CB8FFB8B81}"/>
+                <a16:creationId xmlns:a16="http://schemas.microsoft.com/office/drawing/2014/main" id="{95DC6DA8-D137-41D2-A934-63CB8FFB8B81}"/>
               </a:ext>
             </a:extLst>
           </p:cNvPr>
@@ -5685,7 +5685,7 @@
           <p:cNvPr id="3" name="内容占位符 2">
             <a:extLst>
               <a:ext uri="{FF2B5EF4-FFF2-40B4-BE49-F238E27FC236}">
-                <a16:creationId xmlns="" xmlns:a16="http://schemas.microsoft.com/office/drawing/2014/main" id="{0CED916A-3E34-4B9E-8F9F-7A8921A30F99}"/>
+                <a16:creationId xmlns:a16="http://schemas.microsoft.com/office/drawing/2014/main" id="{0CED916A-3E34-4B9E-8F9F-7A8921A30F99}"/>
               </a:ext>
             </a:extLst>
           </p:cNvPr>
@@ -5773,7 +5773,7 @@
           <p:cNvPr id="2" name="页脚占位符 1">
             <a:extLst>
               <a:ext uri="{FF2B5EF4-FFF2-40B4-BE49-F238E27FC236}">
-                <a16:creationId xmlns="" xmlns:a16="http://schemas.microsoft.com/office/drawing/2014/main" id="{6D160AEA-4983-67A9-19B6-ED8B1C254947}"/>
+                <a16:creationId xmlns:a16="http://schemas.microsoft.com/office/drawing/2014/main" id="{6D160AEA-4983-67A9-19B6-ED8B1C254947}"/>
               </a:ext>
             </a:extLst>
           </p:cNvPr>
@@ -5817,7 +5817,7 @@
           <p:cNvPr id="3" name="日期占位符 2">
             <a:extLst>
               <a:ext uri="{FF2B5EF4-FFF2-40B4-BE49-F238E27FC236}">
-                <a16:creationId xmlns="" xmlns:a16="http://schemas.microsoft.com/office/drawing/2014/main" id="{4DDED93D-2867-D391-5044-BA1D6CE379CA}"/>
+                <a16:creationId xmlns:a16="http://schemas.microsoft.com/office/drawing/2014/main" id="{4DDED93D-2867-D391-5044-BA1D6CE379CA}"/>
               </a:ext>
             </a:extLst>
           </p:cNvPr>
@@ -5865,7 +5865,7 @@
           <p:cNvPr id="4" name="灯片编号占位符 3">
             <a:extLst>
               <a:ext uri="{FF2B5EF4-FFF2-40B4-BE49-F238E27FC236}">
-                <a16:creationId xmlns="" xmlns:a16="http://schemas.microsoft.com/office/drawing/2014/main" id="{D692E5A6-4C14-C05D-4BB2-4D73FC0FD7DC}"/>
+                <a16:creationId xmlns:a16="http://schemas.microsoft.com/office/drawing/2014/main" id="{D692E5A6-4C14-C05D-4BB2-4D73FC0FD7DC}"/>
               </a:ext>
             </a:extLst>
           </p:cNvPr>
@@ -5956,7 +5956,7 @@
           <p:cNvPr id="2" name="标题 1">
             <a:extLst>
               <a:ext uri="{FF2B5EF4-FFF2-40B4-BE49-F238E27FC236}">
-                <a16:creationId xmlns="" xmlns:a16="http://schemas.microsoft.com/office/drawing/2014/main" id="{000C7662-4F6D-4B06-BB36-235FC06BF816}"/>
+                <a16:creationId xmlns:a16="http://schemas.microsoft.com/office/drawing/2014/main" id="{000C7662-4F6D-4B06-BB36-235FC06BF816}"/>
               </a:ext>
             </a:extLst>
           </p:cNvPr>
@@ -5997,7 +5997,7 @@
           <p:cNvPr id="3" name="文本占位符 2">
             <a:extLst>
               <a:ext uri="{FF2B5EF4-FFF2-40B4-BE49-F238E27FC236}">
-                <a16:creationId xmlns="" xmlns:a16="http://schemas.microsoft.com/office/drawing/2014/main" id="{9FF9930E-40DF-417D-8161-BD38EB172DC1}"/>
+                <a16:creationId xmlns:a16="http://schemas.microsoft.com/office/drawing/2014/main" id="{9FF9930E-40DF-417D-8161-BD38EB172DC1}"/>
               </a:ext>
             </a:extLst>
           </p:cNvPr>
@@ -6125,7 +6125,7 @@
           <p:cNvPr id="4" name="组合 3">
             <a:extLst>
               <a:ext uri="{FF2B5EF4-FFF2-40B4-BE49-F238E27FC236}">
-                <a16:creationId xmlns="" xmlns:a16="http://schemas.microsoft.com/office/drawing/2014/main" id="{10AFC526-DAC5-EAAE-A5B3-463C8F4F9180}"/>
+                <a16:creationId xmlns:a16="http://schemas.microsoft.com/office/drawing/2014/main" id="{10AFC526-DAC5-EAAE-A5B3-463C8F4F9180}"/>
               </a:ext>
             </a:extLst>
           </p:cNvPr>
@@ -6145,7 +6145,7 @@
             <p:cNvPr id="5" name="组合 4">
               <a:extLst>
                 <a:ext uri="{FF2B5EF4-FFF2-40B4-BE49-F238E27FC236}">
-                  <a16:creationId xmlns="" xmlns:a16="http://schemas.microsoft.com/office/drawing/2014/main" id="{9D3AF3B7-4256-C455-5947-653FD6C4EA60}"/>
+                  <a16:creationId xmlns:a16="http://schemas.microsoft.com/office/drawing/2014/main" id="{9D3AF3B7-4256-C455-5947-653FD6C4EA60}"/>
                 </a:ext>
               </a:extLst>
             </p:cNvPr>
@@ -6165,7 +6165,7 @@
               <p:cNvPr id="12" name="iṥ1iḍê">
                 <a:extLst>
                   <a:ext uri="{FF2B5EF4-FFF2-40B4-BE49-F238E27FC236}">
-                    <a16:creationId xmlns="" xmlns:a16="http://schemas.microsoft.com/office/drawing/2014/main" id="{588A8CE3-1D73-022F-3A06-EF33CDB05929}"/>
+                    <a16:creationId xmlns:a16="http://schemas.microsoft.com/office/drawing/2014/main" id="{588A8CE3-1D73-022F-3A06-EF33CDB05929}"/>
                   </a:ext>
                 </a:extLst>
               </p:cNvPr>
@@ -6265,7 +6265,7 @@
               <p:cNvPr id="13" name="iṩlïḍè">
                 <a:extLst>
                   <a:ext uri="{FF2B5EF4-FFF2-40B4-BE49-F238E27FC236}">
-                    <a16:creationId xmlns="" xmlns:a16="http://schemas.microsoft.com/office/drawing/2014/main" id="{F3312BE4-1FA8-7BCF-9D15-AD4B7A82DAAB}"/>
+                    <a16:creationId xmlns:a16="http://schemas.microsoft.com/office/drawing/2014/main" id="{F3312BE4-1FA8-7BCF-9D15-AD4B7A82DAAB}"/>
                   </a:ext>
                 </a:extLst>
               </p:cNvPr>
@@ -6345,7 +6345,7 @@
               <p:cNvPr id="14" name="iŝ1ide">
                 <a:extLst>
                   <a:ext uri="{FF2B5EF4-FFF2-40B4-BE49-F238E27FC236}">
-                    <a16:creationId xmlns="" xmlns:a16="http://schemas.microsoft.com/office/drawing/2014/main" id="{E22BDA8B-F11B-159C-0F72-A1E6FD282A61}"/>
+                    <a16:creationId xmlns:a16="http://schemas.microsoft.com/office/drawing/2014/main" id="{E22BDA8B-F11B-159C-0F72-A1E6FD282A61}"/>
                   </a:ext>
                 </a:extLst>
               </p:cNvPr>
@@ -6435,7 +6435,7 @@
               <p:cNvPr id="15" name="íṧļiḑé">
                 <a:extLst>
                   <a:ext uri="{FF2B5EF4-FFF2-40B4-BE49-F238E27FC236}">
-                    <a16:creationId xmlns="" xmlns:a16="http://schemas.microsoft.com/office/drawing/2014/main" id="{240A2BD8-BAE7-F09E-16D2-A6ABB546D12D}"/>
+                    <a16:creationId xmlns:a16="http://schemas.microsoft.com/office/drawing/2014/main" id="{240A2BD8-BAE7-F09E-16D2-A6ABB546D12D}"/>
                   </a:ext>
                 </a:extLst>
               </p:cNvPr>
@@ -6472,7 +6472,7 @@
               <p:cNvPr id="16" name="ïṣlíďê">
                 <a:extLst>
                   <a:ext uri="{FF2B5EF4-FFF2-40B4-BE49-F238E27FC236}">
-                    <a16:creationId xmlns="" xmlns:a16="http://schemas.microsoft.com/office/drawing/2014/main" id="{6FA1E17C-96E8-4E0E-964B-870009C3F94D}"/>
+                    <a16:creationId xmlns:a16="http://schemas.microsoft.com/office/drawing/2014/main" id="{6FA1E17C-96E8-4E0E-964B-870009C3F94D}"/>
                   </a:ext>
                 </a:extLst>
               </p:cNvPr>
@@ -6509,7 +6509,7 @@
               <p:cNvPr id="17" name="î$ḻïdê">
                 <a:extLst>
                   <a:ext uri="{FF2B5EF4-FFF2-40B4-BE49-F238E27FC236}">
-                    <a16:creationId xmlns="" xmlns:a16="http://schemas.microsoft.com/office/drawing/2014/main" id="{17988211-5353-F8E3-E1DA-32CFB2E50A97}"/>
+                    <a16:creationId xmlns:a16="http://schemas.microsoft.com/office/drawing/2014/main" id="{17988211-5353-F8E3-E1DA-32CFB2E50A97}"/>
                   </a:ext>
                 </a:extLst>
               </p:cNvPr>
@@ -6654,7 +6654,7 @@
               <p:cNvPr id="18" name="ï$lîḋé">
                 <a:extLst>
                   <a:ext uri="{FF2B5EF4-FFF2-40B4-BE49-F238E27FC236}">
-                    <a16:creationId xmlns="" xmlns:a16="http://schemas.microsoft.com/office/drawing/2014/main" id="{9D74C169-F84B-223F-9CDA-038151BE1465}"/>
+                    <a16:creationId xmlns:a16="http://schemas.microsoft.com/office/drawing/2014/main" id="{9D74C169-F84B-223F-9CDA-038151BE1465}"/>
                   </a:ext>
                 </a:extLst>
               </p:cNvPr>
@@ -6744,7 +6744,7 @@
               <p:cNvPr id="19" name="组合 18">
                 <a:extLst>
                   <a:ext uri="{FF2B5EF4-FFF2-40B4-BE49-F238E27FC236}">
-                    <a16:creationId xmlns="" xmlns:a16="http://schemas.microsoft.com/office/drawing/2014/main" id="{B8A95CE0-17D8-C667-18A1-4CC27B8BBF64}"/>
+                    <a16:creationId xmlns:a16="http://schemas.microsoft.com/office/drawing/2014/main" id="{B8A95CE0-17D8-C667-18A1-4CC27B8BBF64}"/>
                   </a:ext>
                 </a:extLst>
               </p:cNvPr>
@@ -6764,7 +6764,7 @@
                 <p:cNvPr id="20" name="íṣļíḑe">
                   <a:extLst>
                     <a:ext uri="{FF2B5EF4-FFF2-40B4-BE49-F238E27FC236}">
-                      <a16:creationId xmlns="" xmlns:a16="http://schemas.microsoft.com/office/drawing/2014/main" id="{179573F6-886F-3E62-75EC-4096E140DA6D}"/>
+                      <a16:creationId xmlns:a16="http://schemas.microsoft.com/office/drawing/2014/main" id="{179573F6-886F-3E62-75EC-4096E140DA6D}"/>
                     </a:ext>
                   </a:extLst>
                 </p:cNvPr>
@@ -6891,7 +6891,7 @@
                 <p:cNvPr id="21" name="iṣľïde">
                   <a:extLst>
                     <a:ext uri="{FF2B5EF4-FFF2-40B4-BE49-F238E27FC236}">
-                      <a16:creationId xmlns="" xmlns:a16="http://schemas.microsoft.com/office/drawing/2014/main" id="{BFFACE22-EB54-F070-BB7B-C6C3E4640259}"/>
+                      <a16:creationId xmlns:a16="http://schemas.microsoft.com/office/drawing/2014/main" id="{BFFACE22-EB54-F070-BB7B-C6C3E4640259}"/>
                     </a:ext>
                   </a:extLst>
                 </p:cNvPr>
@@ -7006,7 +7006,7 @@
                 <p:cNvPr id="22" name="îsḻíḍé">
                   <a:extLst>
                     <a:ext uri="{FF2B5EF4-FFF2-40B4-BE49-F238E27FC236}">
-                      <a16:creationId xmlns="" xmlns:a16="http://schemas.microsoft.com/office/drawing/2014/main" id="{84FAA037-0A19-203C-FF51-85788C9C0650}"/>
+                      <a16:creationId xmlns:a16="http://schemas.microsoft.com/office/drawing/2014/main" id="{84FAA037-0A19-203C-FF51-85788C9C0650}"/>
                     </a:ext>
                   </a:extLst>
                 </p:cNvPr>
@@ -7416,7 +7416,7 @@
                 <p:cNvPr id="23" name="îŝļíḋe">
                   <a:extLst>
                     <a:ext uri="{FF2B5EF4-FFF2-40B4-BE49-F238E27FC236}">
-                      <a16:creationId xmlns="" xmlns:a16="http://schemas.microsoft.com/office/drawing/2014/main" id="{29E0F079-8C74-F278-978C-7E8D85A06FD0}"/>
+                      <a16:creationId xmlns:a16="http://schemas.microsoft.com/office/drawing/2014/main" id="{29E0F079-8C74-F278-978C-7E8D85A06FD0}"/>
                     </a:ext>
                   </a:extLst>
                 </p:cNvPr>
@@ -7499,7 +7499,7 @@
                 <p:cNvPr id="24" name="îśļiḋê">
                   <a:extLst>
                     <a:ext uri="{FF2B5EF4-FFF2-40B4-BE49-F238E27FC236}">
-                      <a16:creationId xmlns="" xmlns:a16="http://schemas.microsoft.com/office/drawing/2014/main" id="{25B6CA19-17AF-CC05-1740-3134AF62452B}"/>
+                      <a16:creationId xmlns:a16="http://schemas.microsoft.com/office/drawing/2014/main" id="{25B6CA19-17AF-CC05-1740-3134AF62452B}"/>
                     </a:ext>
                   </a:extLst>
                 </p:cNvPr>
@@ -7579,7 +7579,7 @@
                 <p:cNvPr id="25" name="iṣļïḓe">
                   <a:extLst>
                     <a:ext uri="{FF2B5EF4-FFF2-40B4-BE49-F238E27FC236}">
-                      <a16:creationId xmlns="" xmlns:a16="http://schemas.microsoft.com/office/drawing/2014/main" id="{B3253454-47EB-9207-B999-6E63FD295F02}"/>
+                      <a16:creationId xmlns:a16="http://schemas.microsoft.com/office/drawing/2014/main" id="{B3253454-47EB-9207-B999-6E63FD295F02}"/>
                     </a:ext>
                   </a:extLst>
                 </p:cNvPr>
@@ -7719,7 +7719,7 @@
                 <p:cNvPr id="26" name="iṥ1ïḋe">
                   <a:extLst>
                     <a:ext uri="{FF2B5EF4-FFF2-40B4-BE49-F238E27FC236}">
-                      <a16:creationId xmlns="" xmlns:a16="http://schemas.microsoft.com/office/drawing/2014/main" id="{FD08EE81-9525-410B-39BD-4067FBACC6BA}"/>
+                      <a16:creationId xmlns:a16="http://schemas.microsoft.com/office/drawing/2014/main" id="{FD08EE81-9525-410B-39BD-4067FBACC6BA}"/>
                     </a:ext>
                   </a:extLst>
                 </p:cNvPr>
@@ -7861,7 +7861,7 @@
             <p:cNvPr id="6" name="组合 5">
               <a:extLst>
                 <a:ext uri="{FF2B5EF4-FFF2-40B4-BE49-F238E27FC236}">
-                  <a16:creationId xmlns="" xmlns:a16="http://schemas.microsoft.com/office/drawing/2014/main" id="{62223DD0-7C40-8EC6-56D4-79A746581DD7}"/>
+                  <a16:creationId xmlns:a16="http://schemas.microsoft.com/office/drawing/2014/main" id="{62223DD0-7C40-8EC6-56D4-79A746581DD7}"/>
                 </a:ext>
               </a:extLst>
             </p:cNvPr>
@@ -7881,7 +7881,7 @@
               <p:cNvPr id="7" name="íṧ1ïḋe">
                 <a:extLst>
                   <a:ext uri="{FF2B5EF4-FFF2-40B4-BE49-F238E27FC236}">
-                    <a16:creationId xmlns="" xmlns:a16="http://schemas.microsoft.com/office/drawing/2014/main" id="{5256C40E-89C3-F351-16EF-5890495F4936}"/>
+                    <a16:creationId xmlns:a16="http://schemas.microsoft.com/office/drawing/2014/main" id="{5256C40E-89C3-F351-16EF-5890495F4936}"/>
                   </a:ext>
                 </a:extLst>
               </p:cNvPr>
@@ -7989,7 +7989,7 @@
               <p:cNvPr id="8" name="iśḻídé">
                 <a:extLst>
                   <a:ext uri="{FF2B5EF4-FFF2-40B4-BE49-F238E27FC236}">
-                    <a16:creationId xmlns="" xmlns:a16="http://schemas.microsoft.com/office/drawing/2014/main" id="{905B1235-6028-B16D-25F4-2A77EC2C9D69}"/>
+                    <a16:creationId xmlns:a16="http://schemas.microsoft.com/office/drawing/2014/main" id="{905B1235-6028-B16D-25F4-2A77EC2C9D69}"/>
                   </a:ext>
                 </a:extLst>
               </p:cNvPr>
@@ -8085,7 +8085,7 @@
               <p:cNvPr id="9" name="iSlíḓe">
                 <a:extLst>
                   <a:ext uri="{FF2B5EF4-FFF2-40B4-BE49-F238E27FC236}">
-                    <a16:creationId xmlns="" xmlns:a16="http://schemas.microsoft.com/office/drawing/2014/main" id="{3376EA8E-F34B-DB71-3415-1F057E04C432}"/>
+                    <a16:creationId xmlns:a16="http://schemas.microsoft.com/office/drawing/2014/main" id="{3376EA8E-F34B-DB71-3415-1F057E04C432}"/>
                   </a:ext>
                 </a:extLst>
               </p:cNvPr>
@@ -8122,7 +8122,7 @@
               <p:cNvPr id="10" name="îSľîḓé">
                 <a:extLst>
                   <a:ext uri="{FF2B5EF4-FFF2-40B4-BE49-F238E27FC236}">
-                    <a16:creationId xmlns="" xmlns:a16="http://schemas.microsoft.com/office/drawing/2014/main" id="{E4455960-7294-145B-29DA-6C274F2880A8}"/>
+                    <a16:creationId xmlns:a16="http://schemas.microsoft.com/office/drawing/2014/main" id="{E4455960-7294-145B-29DA-6C274F2880A8}"/>
                   </a:ext>
                 </a:extLst>
               </p:cNvPr>
@@ -8242,7 +8242,7 @@
               <p:cNvPr id="11" name="îŝľïḍê">
                 <a:extLst>
                   <a:ext uri="{FF2B5EF4-FFF2-40B4-BE49-F238E27FC236}">
-                    <a16:creationId xmlns="" xmlns:a16="http://schemas.microsoft.com/office/drawing/2014/main" id="{B8F31017-D5B3-C512-02C9-21ABD4953308}"/>
+                    <a16:creationId xmlns:a16="http://schemas.microsoft.com/office/drawing/2014/main" id="{B8F31017-D5B3-C512-02C9-21ABD4953308}"/>
                   </a:ext>
                 </a:extLst>
               </p:cNvPr>
@@ -8324,7 +8324,7 @@
           <p:cNvPr id="27" name="îṣľídé">
             <a:extLst>
               <a:ext uri="{FF2B5EF4-FFF2-40B4-BE49-F238E27FC236}">
-                <a16:creationId xmlns="" xmlns:a16="http://schemas.microsoft.com/office/drawing/2014/main" id="{D52A52CC-8962-A15D-B52A-F3F691402290}"/>
+                <a16:creationId xmlns:a16="http://schemas.microsoft.com/office/drawing/2014/main" id="{D52A52CC-8962-A15D-B52A-F3F691402290}"/>
               </a:ext>
             </a:extLst>
           </p:cNvPr>
@@ -8452,7 +8452,7 @@
           <p:cNvPr id="28" name="iŝ1îďê">
             <a:extLst>
               <a:ext uri="{FF2B5EF4-FFF2-40B4-BE49-F238E27FC236}">
-                <a16:creationId xmlns="" xmlns:a16="http://schemas.microsoft.com/office/drawing/2014/main" id="{72BCF91E-A67C-AE22-C004-5C2F1861DCF3}"/>
+                <a16:creationId xmlns:a16="http://schemas.microsoft.com/office/drawing/2014/main" id="{72BCF91E-A67C-AE22-C004-5C2F1861DCF3}"/>
               </a:ext>
             </a:extLst>
           </p:cNvPr>
@@ -8610,7 +8610,7 @@
           <p:cNvPr id="2" name="标题 1">
             <a:extLst>
               <a:ext uri="{FF2B5EF4-FFF2-40B4-BE49-F238E27FC236}">
-                <a16:creationId xmlns="" xmlns:a16="http://schemas.microsoft.com/office/drawing/2014/main" id="{652EDE83-63CC-4B33-B715-3953EADE2100}"/>
+                <a16:creationId xmlns:a16="http://schemas.microsoft.com/office/drawing/2014/main" id="{652EDE83-63CC-4B33-B715-3953EADE2100}"/>
               </a:ext>
             </a:extLst>
           </p:cNvPr>
@@ -8639,7 +8639,7 @@
           <p:cNvPr id="3" name="页脚占位符 2">
             <a:extLst>
               <a:ext uri="{FF2B5EF4-FFF2-40B4-BE49-F238E27FC236}">
-                <a16:creationId xmlns="" xmlns:a16="http://schemas.microsoft.com/office/drawing/2014/main" id="{FE5F449D-E441-3E44-B684-1CE68D0FEFAA}"/>
+                <a16:creationId xmlns:a16="http://schemas.microsoft.com/office/drawing/2014/main" id="{FE5F449D-E441-3E44-B684-1CE68D0FEFAA}"/>
               </a:ext>
             </a:extLst>
           </p:cNvPr>
@@ -8683,7 +8683,7 @@
           <p:cNvPr id="4" name="日期占位符 3">
             <a:extLst>
               <a:ext uri="{FF2B5EF4-FFF2-40B4-BE49-F238E27FC236}">
-                <a16:creationId xmlns="" xmlns:a16="http://schemas.microsoft.com/office/drawing/2014/main" id="{1DA3991D-E254-A726-0767-E24FAF08533E}"/>
+                <a16:creationId xmlns:a16="http://schemas.microsoft.com/office/drawing/2014/main" id="{1DA3991D-E254-A726-0767-E24FAF08533E}"/>
               </a:ext>
             </a:extLst>
           </p:cNvPr>
@@ -8731,7 +8731,7 @@
           <p:cNvPr id="5" name="灯片编号占位符 4">
             <a:extLst>
               <a:ext uri="{FF2B5EF4-FFF2-40B4-BE49-F238E27FC236}">
-                <a16:creationId xmlns="" xmlns:a16="http://schemas.microsoft.com/office/drawing/2014/main" id="{7C9DB515-64BA-9BFC-76C7-2E4514D742AE}"/>
+                <a16:creationId xmlns:a16="http://schemas.microsoft.com/office/drawing/2014/main" id="{7C9DB515-64BA-9BFC-76C7-2E4514D742AE}"/>
               </a:ext>
             </a:extLst>
           </p:cNvPr>
@@ -8852,7 +8852,7 @@
           <p:cNvPr id="2" name="组合 1">
             <a:extLst>
               <a:ext uri="{FF2B5EF4-FFF2-40B4-BE49-F238E27FC236}">
-                <a16:creationId xmlns="" xmlns:a16="http://schemas.microsoft.com/office/drawing/2014/main" id="{DC965CDB-AA9E-09E9-6543-AC4EB155DAE9}"/>
+                <a16:creationId xmlns:a16="http://schemas.microsoft.com/office/drawing/2014/main" id="{DC965CDB-AA9E-09E9-6543-AC4EB155DAE9}"/>
               </a:ext>
             </a:extLst>
           </p:cNvPr>
@@ -8872,7 +8872,7 @@
             <p:cNvPr id="3" name="组合 2">
               <a:extLst>
                 <a:ext uri="{FF2B5EF4-FFF2-40B4-BE49-F238E27FC236}">
-                  <a16:creationId xmlns="" xmlns:a16="http://schemas.microsoft.com/office/drawing/2014/main" id="{E9B47411-3B9C-4D89-46F9-224244584C43}"/>
+                  <a16:creationId xmlns:a16="http://schemas.microsoft.com/office/drawing/2014/main" id="{E9B47411-3B9C-4D89-46F9-224244584C43}"/>
                 </a:ext>
               </a:extLst>
             </p:cNvPr>
@@ -8892,7 +8892,7 @@
               <p:cNvPr id="13" name="îŝľídê">
                 <a:extLst>
                   <a:ext uri="{FF2B5EF4-FFF2-40B4-BE49-F238E27FC236}">
-                    <a16:creationId xmlns="" xmlns:a16="http://schemas.microsoft.com/office/drawing/2014/main" id="{2BC344C3-B7D4-DFEC-B263-90E5CB4F781A}"/>
+                    <a16:creationId xmlns:a16="http://schemas.microsoft.com/office/drawing/2014/main" id="{2BC344C3-B7D4-DFEC-B263-90E5CB4F781A}"/>
                   </a:ext>
                 </a:extLst>
               </p:cNvPr>
@@ -8992,7 +8992,7 @@
               <p:cNvPr id="14" name="ï$lïḑê">
                 <a:extLst>
                   <a:ext uri="{FF2B5EF4-FFF2-40B4-BE49-F238E27FC236}">
-                    <a16:creationId xmlns="" xmlns:a16="http://schemas.microsoft.com/office/drawing/2014/main" id="{3150DA2F-697B-7D09-A839-CE3534481250}"/>
+                    <a16:creationId xmlns:a16="http://schemas.microsoft.com/office/drawing/2014/main" id="{3150DA2F-697B-7D09-A839-CE3534481250}"/>
                   </a:ext>
                 </a:extLst>
               </p:cNvPr>
@@ -9072,7 +9072,7 @@
               <p:cNvPr id="15" name="iSḷïḋè">
                 <a:extLst>
                   <a:ext uri="{FF2B5EF4-FFF2-40B4-BE49-F238E27FC236}">
-                    <a16:creationId xmlns="" xmlns:a16="http://schemas.microsoft.com/office/drawing/2014/main" id="{0E72B0EF-C0F0-217A-5888-8A58F0DF5B2A}"/>
+                    <a16:creationId xmlns:a16="http://schemas.microsoft.com/office/drawing/2014/main" id="{0E72B0EF-C0F0-217A-5888-8A58F0DF5B2A}"/>
                   </a:ext>
                 </a:extLst>
               </p:cNvPr>
@@ -9162,7 +9162,7 @@
               <p:cNvPr id="16" name="îṥlïďé">
                 <a:extLst>
                   <a:ext uri="{FF2B5EF4-FFF2-40B4-BE49-F238E27FC236}">
-                    <a16:creationId xmlns="" xmlns:a16="http://schemas.microsoft.com/office/drawing/2014/main" id="{A4BD8FD1-9ABB-648D-2F8C-8505B96E6FEF}"/>
+                    <a16:creationId xmlns:a16="http://schemas.microsoft.com/office/drawing/2014/main" id="{A4BD8FD1-9ABB-648D-2F8C-8505B96E6FEF}"/>
                   </a:ext>
                 </a:extLst>
               </p:cNvPr>
@@ -9199,7 +9199,7 @@
               <p:cNvPr id="17" name="isļíḋe">
                 <a:extLst>
                   <a:ext uri="{FF2B5EF4-FFF2-40B4-BE49-F238E27FC236}">
-                    <a16:creationId xmlns="" xmlns:a16="http://schemas.microsoft.com/office/drawing/2014/main" id="{BC09BA9A-2504-3A20-CC9D-EB6B71B2C4FE}"/>
+                    <a16:creationId xmlns:a16="http://schemas.microsoft.com/office/drawing/2014/main" id="{BC09BA9A-2504-3A20-CC9D-EB6B71B2C4FE}"/>
                   </a:ext>
                 </a:extLst>
               </p:cNvPr>
@@ -9236,7 +9236,7 @@
               <p:cNvPr id="18" name="íŝľîdé">
                 <a:extLst>
                   <a:ext uri="{FF2B5EF4-FFF2-40B4-BE49-F238E27FC236}">
-                    <a16:creationId xmlns="" xmlns:a16="http://schemas.microsoft.com/office/drawing/2014/main" id="{A310AE23-4614-6AB8-1FD6-8F35BE112830}"/>
+                    <a16:creationId xmlns:a16="http://schemas.microsoft.com/office/drawing/2014/main" id="{A310AE23-4614-6AB8-1FD6-8F35BE112830}"/>
                   </a:ext>
                 </a:extLst>
               </p:cNvPr>
@@ -9381,7 +9381,7 @@
               <p:cNvPr id="19" name="işḻïḍe">
                 <a:extLst>
                   <a:ext uri="{FF2B5EF4-FFF2-40B4-BE49-F238E27FC236}">
-                    <a16:creationId xmlns="" xmlns:a16="http://schemas.microsoft.com/office/drawing/2014/main" id="{8EE26B8E-4EE8-9232-E38F-242E00246AC8}"/>
+                    <a16:creationId xmlns:a16="http://schemas.microsoft.com/office/drawing/2014/main" id="{8EE26B8E-4EE8-9232-E38F-242E00246AC8}"/>
                   </a:ext>
                 </a:extLst>
               </p:cNvPr>
@@ -9471,7 +9471,7 @@
               <p:cNvPr id="20" name="组合 19">
                 <a:extLst>
                   <a:ext uri="{FF2B5EF4-FFF2-40B4-BE49-F238E27FC236}">
-                    <a16:creationId xmlns="" xmlns:a16="http://schemas.microsoft.com/office/drawing/2014/main" id="{50014DDC-BA0B-E3A8-6438-B57F368D1184}"/>
+                    <a16:creationId xmlns:a16="http://schemas.microsoft.com/office/drawing/2014/main" id="{50014DDC-BA0B-E3A8-6438-B57F368D1184}"/>
                   </a:ext>
                 </a:extLst>
               </p:cNvPr>
@@ -9491,7 +9491,7 @@
                 <p:cNvPr id="21" name="iṣľídê">
                   <a:extLst>
                     <a:ext uri="{FF2B5EF4-FFF2-40B4-BE49-F238E27FC236}">
-                      <a16:creationId xmlns="" xmlns:a16="http://schemas.microsoft.com/office/drawing/2014/main" id="{96B1E9F6-861C-2D74-736D-BB86A6E14193}"/>
+                      <a16:creationId xmlns:a16="http://schemas.microsoft.com/office/drawing/2014/main" id="{96B1E9F6-861C-2D74-736D-BB86A6E14193}"/>
                     </a:ext>
                   </a:extLst>
                 </p:cNvPr>
@@ -9618,7 +9618,7 @@
                 <p:cNvPr id="22" name="îṧľïḑê">
                   <a:extLst>
                     <a:ext uri="{FF2B5EF4-FFF2-40B4-BE49-F238E27FC236}">
-                      <a16:creationId xmlns="" xmlns:a16="http://schemas.microsoft.com/office/drawing/2014/main" id="{4FBE7095-1646-998C-8338-8C9DA182D928}"/>
+                      <a16:creationId xmlns:a16="http://schemas.microsoft.com/office/drawing/2014/main" id="{4FBE7095-1646-998C-8338-8C9DA182D928}"/>
                     </a:ext>
                   </a:extLst>
                 </p:cNvPr>
@@ -9733,7 +9733,7 @@
                 <p:cNvPr id="23" name="iṧḷîḋe">
                   <a:extLst>
                     <a:ext uri="{FF2B5EF4-FFF2-40B4-BE49-F238E27FC236}">
-                      <a16:creationId xmlns="" xmlns:a16="http://schemas.microsoft.com/office/drawing/2014/main" id="{EE356CDF-49B0-0E65-5160-E5ADC6081D37}"/>
+                      <a16:creationId xmlns:a16="http://schemas.microsoft.com/office/drawing/2014/main" id="{EE356CDF-49B0-0E65-5160-E5ADC6081D37}"/>
                     </a:ext>
                   </a:extLst>
                 </p:cNvPr>
@@ -10143,7 +10143,7 @@
                 <p:cNvPr id="24" name="íṩḻiḍê">
                   <a:extLst>
                     <a:ext uri="{FF2B5EF4-FFF2-40B4-BE49-F238E27FC236}">
-                      <a16:creationId xmlns="" xmlns:a16="http://schemas.microsoft.com/office/drawing/2014/main" id="{C5EB7D9D-ECE1-6FB4-AFB9-F07DBB62ADBA}"/>
+                      <a16:creationId xmlns:a16="http://schemas.microsoft.com/office/drawing/2014/main" id="{C5EB7D9D-ECE1-6FB4-AFB9-F07DBB62ADBA}"/>
                     </a:ext>
                   </a:extLst>
                 </p:cNvPr>
@@ -10226,7 +10226,7 @@
                 <p:cNvPr id="25" name="íṩḻiḓè">
                   <a:extLst>
                     <a:ext uri="{FF2B5EF4-FFF2-40B4-BE49-F238E27FC236}">
-                      <a16:creationId xmlns="" xmlns:a16="http://schemas.microsoft.com/office/drawing/2014/main" id="{8DBE0FFF-BADA-E707-86DC-BF9BEB0CD355}"/>
+                      <a16:creationId xmlns:a16="http://schemas.microsoft.com/office/drawing/2014/main" id="{8DBE0FFF-BADA-E707-86DC-BF9BEB0CD355}"/>
                     </a:ext>
                   </a:extLst>
                 </p:cNvPr>
@@ -10306,7 +10306,7 @@
                 <p:cNvPr id="26" name="íṧliďè">
                   <a:extLst>
                     <a:ext uri="{FF2B5EF4-FFF2-40B4-BE49-F238E27FC236}">
-                      <a16:creationId xmlns="" xmlns:a16="http://schemas.microsoft.com/office/drawing/2014/main" id="{874C2D24-4998-CEDA-040D-D878B9F9A102}"/>
+                      <a16:creationId xmlns:a16="http://schemas.microsoft.com/office/drawing/2014/main" id="{874C2D24-4998-CEDA-040D-D878B9F9A102}"/>
                     </a:ext>
                   </a:extLst>
                 </p:cNvPr>
@@ -10446,7 +10446,7 @@
                 <p:cNvPr id="27" name="íš1ïḑé">
                   <a:extLst>
                     <a:ext uri="{FF2B5EF4-FFF2-40B4-BE49-F238E27FC236}">
-                      <a16:creationId xmlns="" xmlns:a16="http://schemas.microsoft.com/office/drawing/2014/main" id="{B7768695-09CA-152E-5F07-ABAF4F574580}"/>
+                      <a16:creationId xmlns:a16="http://schemas.microsoft.com/office/drawing/2014/main" id="{B7768695-09CA-152E-5F07-ABAF4F574580}"/>
                     </a:ext>
                   </a:extLst>
                 </p:cNvPr>
@@ -10588,7 +10588,7 @@
             <p:cNvPr id="4" name="组合 3">
               <a:extLst>
                 <a:ext uri="{FF2B5EF4-FFF2-40B4-BE49-F238E27FC236}">
-                  <a16:creationId xmlns="" xmlns:a16="http://schemas.microsoft.com/office/drawing/2014/main" id="{02E00922-1735-CB0F-FCB9-9523384C0C2E}"/>
+                  <a16:creationId xmlns:a16="http://schemas.microsoft.com/office/drawing/2014/main" id="{02E00922-1735-CB0F-FCB9-9523384C0C2E}"/>
                 </a:ext>
               </a:extLst>
             </p:cNvPr>
@@ -10608,7 +10608,7 @@
               <p:cNvPr id="5" name="îṣ1îḑè">
                 <a:extLst>
                   <a:ext uri="{FF2B5EF4-FFF2-40B4-BE49-F238E27FC236}">
-                    <a16:creationId xmlns="" xmlns:a16="http://schemas.microsoft.com/office/drawing/2014/main" id="{2A252D04-C6EA-36E4-9EA8-273F582DE290}"/>
+                    <a16:creationId xmlns:a16="http://schemas.microsoft.com/office/drawing/2014/main" id="{2A252D04-C6EA-36E4-9EA8-273F582DE290}"/>
                   </a:ext>
                 </a:extLst>
               </p:cNvPr>
@@ -10716,7 +10716,7 @@
               <p:cNvPr id="6" name="ïṡļïḍê">
                 <a:extLst>
                   <a:ext uri="{FF2B5EF4-FFF2-40B4-BE49-F238E27FC236}">
-                    <a16:creationId xmlns="" xmlns:a16="http://schemas.microsoft.com/office/drawing/2014/main" id="{C8D9A68A-D2C5-1535-DBE4-EF7420E74078}"/>
+                    <a16:creationId xmlns:a16="http://schemas.microsoft.com/office/drawing/2014/main" id="{C8D9A68A-D2C5-1535-DBE4-EF7420E74078}"/>
                   </a:ext>
                 </a:extLst>
               </p:cNvPr>
@@ -10812,7 +10812,7 @@
               <p:cNvPr id="10" name="išlîďé">
                 <a:extLst>
                   <a:ext uri="{FF2B5EF4-FFF2-40B4-BE49-F238E27FC236}">
-                    <a16:creationId xmlns="" xmlns:a16="http://schemas.microsoft.com/office/drawing/2014/main" id="{E6146418-706F-9705-DFD1-9192E742F099}"/>
+                    <a16:creationId xmlns:a16="http://schemas.microsoft.com/office/drawing/2014/main" id="{E6146418-706F-9705-DFD1-9192E742F099}"/>
                   </a:ext>
                 </a:extLst>
               </p:cNvPr>
@@ -10849,7 +10849,7 @@
               <p:cNvPr id="11" name="ïṥ1iḍê">
                 <a:extLst>
                   <a:ext uri="{FF2B5EF4-FFF2-40B4-BE49-F238E27FC236}">
-                    <a16:creationId xmlns="" xmlns:a16="http://schemas.microsoft.com/office/drawing/2014/main" id="{06D0FD64-8ED1-22DE-FA58-6E2991A38E26}"/>
+                    <a16:creationId xmlns:a16="http://schemas.microsoft.com/office/drawing/2014/main" id="{06D0FD64-8ED1-22DE-FA58-6E2991A38E26}"/>
                   </a:ext>
                 </a:extLst>
               </p:cNvPr>
@@ -10969,7 +10969,7 @@
               <p:cNvPr id="12" name="îṧḻíḋè">
                 <a:extLst>
                   <a:ext uri="{FF2B5EF4-FFF2-40B4-BE49-F238E27FC236}">
-                    <a16:creationId xmlns="" xmlns:a16="http://schemas.microsoft.com/office/drawing/2014/main" id="{33C618C6-4891-7FAA-0D18-0D042E8CF2BD}"/>
+                    <a16:creationId xmlns:a16="http://schemas.microsoft.com/office/drawing/2014/main" id="{33C618C6-4891-7FAA-0D18-0D042E8CF2BD}"/>
                   </a:ext>
                 </a:extLst>
               </p:cNvPr>
@@ -11051,7 +11051,7 @@
           <p:cNvPr id="7" name="文本占位符 6">
             <a:extLst>
               <a:ext uri="{FF2B5EF4-FFF2-40B4-BE49-F238E27FC236}">
-                <a16:creationId xmlns="" xmlns:a16="http://schemas.microsoft.com/office/drawing/2014/main" id="{C2320649-ACD7-42E9-A261-E6ED46ACB452}"/>
+                <a16:creationId xmlns:a16="http://schemas.microsoft.com/office/drawing/2014/main" id="{C2320649-ACD7-42E9-A261-E6ED46ACB452}"/>
               </a:ext>
             </a:extLst>
           </p:cNvPr>
@@ -11113,7 +11113,7 @@
           <p:cNvPr id="8" name="文本占位符 7">
             <a:extLst>
               <a:ext uri="{FF2B5EF4-FFF2-40B4-BE49-F238E27FC236}">
-                <a16:creationId xmlns="" xmlns:a16="http://schemas.microsoft.com/office/drawing/2014/main" id="{DC428848-58C6-4501-8214-B803889F273E}"/>
+                <a16:creationId xmlns:a16="http://schemas.microsoft.com/office/drawing/2014/main" id="{DC428848-58C6-4501-8214-B803889F273E}"/>
               </a:ext>
             </a:extLst>
           </p:cNvPr>
@@ -11165,7 +11165,7 @@
           <p:cNvPr id="9" name="文本占位符 8">
             <a:extLst>
               <a:ext uri="{FF2B5EF4-FFF2-40B4-BE49-F238E27FC236}">
-                <a16:creationId xmlns="" xmlns:a16="http://schemas.microsoft.com/office/drawing/2014/main" id="{A01EED25-4D2A-435D-A5F9-01DCC2F07486}"/>
+                <a16:creationId xmlns:a16="http://schemas.microsoft.com/office/drawing/2014/main" id="{A01EED25-4D2A-435D-A5F9-01DCC2F07486}"/>
               </a:ext>
             </a:extLst>
           </p:cNvPr>
@@ -11218,7 +11218,7 @@
           <p:cNvPr id="28" name="ïṣḷíḍê">
             <a:extLst>
               <a:ext uri="{FF2B5EF4-FFF2-40B4-BE49-F238E27FC236}">
-                <a16:creationId xmlns="" xmlns:a16="http://schemas.microsoft.com/office/drawing/2014/main" id="{B0EC168C-2D07-3BD8-4053-9CD8A0FF27BD}"/>
+                <a16:creationId xmlns:a16="http://schemas.microsoft.com/office/drawing/2014/main" id="{B0EC168C-2D07-3BD8-4053-9CD8A0FF27BD}"/>
               </a:ext>
             </a:extLst>
           </p:cNvPr>
@@ -11346,7 +11346,7 @@
           <p:cNvPr id="29" name="îšḻîdè">
             <a:extLst>
               <a:ext uri="{FF2B5EF4-FFF2-40B4-BE49-F238E27FC236}">
-                <a16:creationId xmlns="" xmlns:a16="http://schemas.microsoft.com/office/drawing/2014/main" id="{29C37B12-F620-9EA1-8F28-DA1924C66FF6}"/>
+                <a16:creationId xmlns:a16="http://schemas.microsoft.com/office/drawing/2014/main" id="{29C37B12-F620-9EA1-8F28-DA1924C66FF6}"/>
               </a:ext>
             </a:extLst>
           </p:cNvPr>
@@ -11516,7 +11516,7 @@
           <p:cNvPr id="19" name="组合 18">
             <a:extLst>
               <a:ext uri="{FF2B5EF4-FFF2-40B4-BE49-F238E27FC236}">
-                <a16:creationId xmlns="" xmlns:a16="http://schemas.microsoft.com/office/drawing/2014/main" id="{65459514-128D-FF50-576A-9D6BAE41CC2D}"/>
+                <a16:creationId xmlns:a16="http://schemas.microsoft.com/office/drawing/2014/main" id="{65459514-128D-FF50-576A-9D6BAE41CC2D}"/>
               </a:ext>
             </a:extLst>
           </p:cNvPr>
@@ -11538,7 +11538,7 @@
             <p:cNvPr id="17" name="ï$ľîḑè">
               <a:extLst>
                 <a:ext uri="{FF2B5EF4-FFF2-40B4-BE49-F238E27FC236}">
-                  <a16:creationId xmlns="" xmlns:a16="http://schemas.microsoft.com/office/drawing/2014/main" id="{0E862B1A-D6A9-F1F0-DE44-EA7978337AFE}"/>
+                  <a16:creationId xmlns:a16="http://schemas.microsoft.com/office/drawing/2014/main" id="{0E862B1A-D6A9-F1F0-DE44-EA7978337AFE}"/>
                 </a:ext>
               </a:extLst>
             </p:cNvPr>
@@ -11577,7 +11577,7 @@
             <p:cNvPr id="18" name="îṥlîḑè">
               <a:extLst>
                 <a:ext uri="{FF2B5EF4-FFF2-40B4-BE49-F238E27FC236}">
-                  <a16:creationId xmlns="" xmlns:a16="http://schemas.microsoft.com/office/drawing/2014/main" id="{3A753439-39DC-55D0-EC08-316EA8E5CAFB}"/>
+                  <a16:creationId xmlns:a16="http://schemas.microsoft.com/office/drawing/2014/main" id="{3A753439-39DC-55D0-EC08-316EA8E5CAFB}"/>
                 </a:ext>
               </a:extLst>
             </p:cNvPr>
@@ -11670,7 +11670,7 @@
           <p:cNvPr id="2" name="标题占位符 1">
             <a:extLst>
               <a:ext uri="{FF2B5EF4-FFF2-40B4-BE49-F238E27FC236}">
-                <a16:creationId xmlns="" xmlns:a16="http://schemas.microsoft.com/office/drawing/2014/main" id="{89307103-D92B-4D3C-B386-9FD58793CACA}"/>
+                <a16:creationId xmlns:a16="http://schemas.microsoft.com/office/drawing/2014/main" id="{89307103-D92B-4D3C-B386-9FD58793CACA}"/>
               </a:ext>
             </a:extLst>
           </p:cNvPr>
@@ -11710,7 +11710,7 @@
           <p:cNvPr id="3" name="文本占位符 2">
             <a:extLst>
               <a:ext uri="{FF2B5EF4-FFF2-40B4-BE49-F238E27FC236}">
-                <a16:creationId xmlns="" xmlns:a16="http://schemas.microsoft.com/office/drawing/2014/main" id="{0F8920D0-E0E5-40BB-AEDA-3D7A0909240E}"/>
+                <a16:creationId xmlns:a16="http://schemas.microsoft.com/office/drawing/2014/main" id="{0F8920D0-E0E5-40BB-AEDA-3D7A0909240E}"/>
               </a:ext>
             </a:extLst>
           </p:cNvPr>
@@ -11778,7 +11778,7 @@
           <p:cNvPr id="5" name="页脚占位符 4">
             <a:extLst>
               <a:ext uri="{FF2B5EF4-FFF2-40B4-BE49-F238E27FC236}">
-                <a16:creationId xmlns="" xmlns:a16="http://schemas.microsoft.com/office/drawing/2014/main" id="{10B16C00-AE39-4635-9F10-B7233D2AC2F8}"/>
+                <a16:creationId xmlns:a16="http://schemas.microsoft.com/office/drawing/2014/main" id="{10B16C00-AE39-4635-9F10-B7233D2AC2F8}"/>
               </a:ext>
             </a:extLst>
           </p:cNvPr>
@@ -11822,7 +11822,7 @@
           <p:cNvPr id="4" name="日期占位符 3">
             <a:extLst>
               <a:ext uri="{FF2B5EF4-FFF2-40B4-BE49-F238E27FC236}">
-                <a16:creationId xmlns="" xmlns:a16="http://schemas.microsoft.com/office/drawing/2014/main" id="{0C12D871-753D-4991-B44B-EFAE9F8682B5}"/>
+                <a16:creationId xmlns:a16="http://schemas.microsoft.com/office/drawing/2014/main" id="{0C12D871-753D-4991-B44B-EFAE9F8682B5}"/>
               </a:ext>
             </a:extLst>
           </p:cNvPr>
@@ -11870,7 +11870,7 @@
           <p:cNvPr id="6" name="灯片编号占位符 5">
             <a:extLst>
               <a:ext uri="{FF2B5EF4-FFF2-40B4-BE49-F238E27FC236}">
-                <a16:creationId xmlns="" xmlns:a16="http://schemas.microsoft.com/office/drawing/2014/main" id="{6D23E9ED-4E00-42D1-BFBF-5EBD27D29806}"/>
+                <a16:creationId xmlns:a16="http://schemas.microsoft.com/office/drawing/2014/main" id="{6D23E9ED-4E00-42D1-BFBF-5EBD27D29806}"/>
               </a:ext>
             </a:extLst>
           </p:cNvPr>
@@ -11919,7 +11919,7 @@
           <p:cNvPr id="20" name="组合 19">
             <a:extLst>
               <a:ext uri="{FF2B5EF4-FFF2-40B4-BE49-F238E27FC236}">
-                <a16:creationId xmlns="" xmlns:a16="http://schemas.microsoft.com/office/drawing/2014/main" id="{506C399C-A235-2368-53A5-263656A044A8}"/>
+                <a16:creationId xmlns:a16="http://schemas.microsoft.com/office/drawing/2014/main" id="{506C399C-A235-2368-53A5-263656A044A8}"/>
               </a:ext>
             </a:extLst>
           </p:cNvPr>
@@ -11939,7 +11939,7 @@
             <p:cNvPr id="21" name="iṣḷïḓé">
               <a:extLst>
                 <a:ext uri="{FF2B5EF4-FFF2-40B4-BE49-F238E27FC236}">
-                  <a16:creationId xmlns="" xmlns:a16="http://schemas.microsoft.com/office/drawing/2014/main" id="{B01BEE72-C7D1-BBAC-61F0-1414A5728224}"/>
+                  <a16:creationId xmlns:a16="http://schemas.microsoft.com/office/drawing/2014/main" id="{B01BEE72-C7D1-BBAC-61F0-1414A5728224}"/>
                 </a:ext>
               </a:extLst>
             </p:cNvPr>
@@ -12047,7 +12047,7 @@
             <p:cNvPr id="22" name="ïṧḻïḍé">
               <a:extLst>
                 <a:ext uri="{FF2B5EF4-FFF2-40B4-BE49-F238E27FC236}">
-                  <a16:creationId xmlns="" xmlns:a16="http://schemas.microsoft.com/office/drawing/2014/main" id="{61654483-C666-8DD1-9A92-31F6449C17DD}"/>
+                  <a16:creationId xmlns:a16="http://schemas.microsoft.com/office/drawing/2014/main" id="{61654483-C666-8DD1-9A92-31F6449C17DD}"/>
                 </a:ext>
               </a:extLst>
             </p:cNvPr>
@@ -12143,7 +12143,7 @@
             <p:cNvPr id="23" name="ísḷiḋè">
               <a:extLst>
                 <a:ext uri="{FF2B5EF4-FFF2-40B4-BE49-F238E27FC236}">
-                  <a16:creationId xmlns="" xmlns:a16="http://schemas.microsoft.com/office/drawing/2014/main" id="{EE28AD1E-35EB-7912-9AFC-EB376C4CCF92}"/>
+                  <a16:creationId xmlns:a16="http://schemas.microsoft.com/office/drawing/2014/main" id="{EE28AD1E-35EB-7912-9AFC-EB376C4CCF92}"/>
                 </a:ext>
               </a:extLst>
             </p:cNvPr>
@@ -12180,7 +12180,7 @@
             <p:cNvPr id="24" name="îš1iďè">
               <a:extLst>
                 <a:ext uri="{FF2B5EF4-FFF2-40B4-BE49-F238E27FC236}">
-                  <a16:creationId xmlns="" xmlns:a16="http://schemas.microsoft.com/office/drawing/2014/main" id="{9248126E-0B4B-4A6D-789D-C8B9B4BE101D}"/>
+                  <a16:creationId xmlns:a16="http://schemas.microsoft.com/office/drawing/2014/main" id="{9248126E-0B4B-4A6D-789D-C8B9B4BE101D}"/>
                 </a:ext>
               </a:extLst>
             </p:cNvPr>
@@ -12300,7 +12300,7 @@
             <p:cNvPr id="25" name="îṣliḍè">
               <a:extLst>
                 <a:ext uri="{FF2B5EF4-FFF2-40B4-BE49-F238E27FC236}">
-                  <a16:creationId xmlns="" xmlns:a16="http://schemas.microsoft.com/office/drawing/2014/main" id="{2B989397-68D5-4C10-1326-5142E80DA1E2}"/>
+                  <a16:creationId xmlns:a16="http://schemas.microsoft.com/office/drawing/2014/main" id="{2B989397-68D5-4C10-1326-5142E80DA1E2}"/>
                 </a:ext>
               </a:extLst>
             </p:cNvPr>
@@ -12735,7 +12735,7 @@
           <p:cNvPr id="5" name="iṧļíďê">
             <a:extLst>
               <a:ext uri="{FF2B5EF4-FFF2-40B4-BE49-F238E27FC236}">
-                <a16:creationId xmlns="" xmlns:a16="http://schemas.microsoft.com/office/drawing/2014/main" id="{8CE23D49-F448-4BBF-A47A-77B2478718E0}"/>
+                <a16:creationId xmlns:a16="http://schemas.microsoft.com/office/drawing/2014/main" id="{8CE23D49-F448-4BBF-A47A-77B2478718E0}"/>
               </a:ext>
             </a:extLst>
           </p:cNvPr>
@@ -12757,20 +12757,6 @@
           <a:lstStyle/>
           <a:p>
             <a:r>
-              <a:rPr lang="zh-CN" altLang="en-US" sz="3200" smtClean="0">
-                <a:solidFill>
-                  <a:schemeClr val="accent2">
-                    <a:lumMod val="75000"/>
-                  </a:schemeClr>
-                </a:solidFill>
-                <a:latin typeface="+mn-lt"/>
-                <a:ea typeface="+mn-ea"/>
-                <a:cs typeface="+mn-ea"/>
-                <a:sym typeface="+mn-lt"/>
-              </a:rPr>
-              <a:t>人类转型时代的设计体验：</a:t>
-            </a:r>
-            <a:r>
               <a:rPr lang="zh-CN" altLang="en-US" sz="3200">
                 <a:solidFill>
                   <a:schemeClr val="accent2">
@@ -12782,16 +12768,7 @@
                 <a:cs typeface="+mn-ea"/>
                 <a:sym typeface="+mn-lt"/>
               </a:rPr>
-              <a:t>以火人节为例</a:t>
-            </a:r>
-            <a:r>
-              <a:rPr lang="en-US" altLang="zh-CN" sz="3200">
-                <a:latin typeface="+mn-lt"/>
-                <a:ea typeface="+mn-ea"/>
-                <a:cs typeface="+mn-ea"/>
-                <a:sym typeface="+mn-lt"/>
-              </a:rPr>
-              <a:t/>
+              <a:t>人类转型时代的设计体验：以火人节为例</a:t>
             </a:r>
             <a:br>
               <a:rPr lang="en-US" altLang="zh-CN" sz="3200">
@@ -12851,7 +12828,7 @@
           <p:cNvPr id="6" name="îśḻiḋé">
             <a:extLst>
               <a:ext uri="{FF2B5EF4-FFF2-40B4-BE49-F238E27FC236}">
-                <a16:creationId xmlns="" xmlns:a16="http://schemas.microsoft.com/office/drawing/2014/main" id="{DCDA415B-D2CA-4B5D-946C-BED37DC879BE}"/>
+                <a16:creationId xmlns:a16="http://schemas.microsoft.com/office/drawing/2014/main" id="{DCDA415B-D2CA-4B5D-946C-BED37DC879BE}"/>
               </a:ext>
             </a:extLst>
           </p:cNvPr>
@@ -12876,7 +12853,7 @@
           <a:p>
             <a:pPr algn="l"/>
             <a:r>
-              <a:rPr lang="en-US" altLang="zh-CN" smtClean="0">
+              <a:rPr lang="en-US" altLang="zh-CN">
                 <a:solidFill>
                   <a:srgbClr val="231F20"/>
                 </a:solidFill>
@@ -12900,16 +12877,7 @@
                 </a:solidFill>
                 <a:effectLst/>
               </a:rPr>
-              <a:t>Tourism </a:t>
-            </a:r>
-            <a:r>
-              <a:rPr lang="en-US" altLang="zh-CN" smtClean="0">
-                <a:solidFill>
-                  <a:srgbClr val="231F20"/>
-                </a:solidFill>
-                <a:effectLst/>
-              </a:rPr>
-              <a:t>Research</a:t>
+              <a:t>Tourism Research</a:t>
             </a:r>
             <a:r>
               <a:rPr lang="en-US" altLang="zh-CN">
@@ -12931,7 +12899,7 @@
           <p:cNvPr id="7" name="íśľïḋé">
             <a:extLst>
               <a:ext uri="{FF2B5EF4-FFF2-40B4-BE49-F238E27FC236}">
-                <a16:creationId xmlns="" xmlns:a16="http://schemas.microsoft.com/office/drawing/2014/main" id="{2B0AB185-4AC2-48CD-88D7-90E0E8842ACB}"/>
+                <a16:creationId xmlns:a16="http://schemas.microsoft.com/office/drawing/2014/main" id="{2B0AB185-4AC2-48CD-88D7-90E0E8842ACB}"/>
               </a:ext>
             </a:extLst>
           </p:cNvPr>
@@ -12971,7 +12939,7 @@
           <p:cNvPr id="8" name="íSḻîďê">
             <a:extLst>
               <a:ext uri="{FF2B5EF4-FFF2-40B4-BE49-F238E27FC236}">
-                <a16:creationId xmlns="" xmlns:a16="http://schemas.microsoft.com/office/drawing/2014/main" id="{94053447-3F3F-4FA0-A3BF-A65449901A9B}"/>
+                <a16:creationId xmlns:a16="http://schemas.microsoft.com/office/drawing/2014/main" id="{94053447-3F3F-4FA0-A3BF-A65449901A9B}"/>
               </a:ext>
             </a:extLst>
           </p:cNvPr>
@@ -13011,7 +12979,7 @@
           <p:cNvPr id="1030" name="Picture 6" descr="undefined">
             <a:extLst>
               <a:ext uri="{FF2B5EF4-FFF2-40B4-BE49-F238E27FC236}">
-                <a16:creationId xmlns="" xmlns:a16="http://schemas.microsoft.com/office/drawing/2014/main" id="{6B7CCF50-0D5F-EA74-6E6D-447AEFBB8E72}"/>
+                <a16:creationId xmlns:a16="http://schemas.microsoft.com/office/drawing/2014/main" id="{6B7CCF50-0D5F-EA74-6E6D-447AEFBB8E72}"/>
               </a:ext>
             </a:extLst>
           </p:cNvPr>
@@ -13058,7 +13026,7 @@
           <p:cNvPr id="10" name="îśḻiḋé">
             <a:extLst>
               <a:ext uri="{FF2B5EF4-FFF2-40B4-BE49-F238E27FC236}">
-                <a16:creationId xmlns="" xmlns:a16="http://schemas.microsoft.com/office/drawing/2014/main" id="{DCDA415B-D2CA-4B5D-946C-BED37DC879BE}"/>
+                <a16:creationId xmlns:a16="http://schemas.microsoft.com/office/drawing/2014/main" id="{DCDA415B-D2CA-4B5D-946C-BED37DC879BE}"/>
               </a:ext>
             </a:extLst>
           </p:cNvPr>
@@ -13252,13 +13220,8 @@
             </a:pPr>
             <a:r>
               <a:rPr lang="en-US" altLang="zh-CN" sz="1200"/>
-              <a:t>Barbara </a:t>
+              <a:t>Barbara Neuhofer</a:t>
             </a:r>
-            <a:r>
-              <a:rPr lang="en-US" altLang="zh-CN" sz="1200" smtClean="0"/>
-              <a:t>Neuhofer</a:t>
-            </a:r>
-            <a:endParaRPr lang="en-US" altLang="zh-CN" sz="1200"/>
           </a:p>
           <a:p>
             <a:pPr algn="l">
@@ -13267,24 +13230,8 @@
               </a:spcBef>
             </a:pPr>
             <a:r>
-              <a:rPr lang="en-US" altLang="zh-CN" sz="1200" smtClean="0"/>
-              <a:t>Salzburg </a:t>
-            </a:r>
-            <a:r>
               <a:rPr lang="en-US" altLang="zh-CN" sz="1200"/>
-              <a:t>University of Applied </a:t>
-            </a:r>
-            <a:r>
-              <a:rPr lang="en-US" altLang="zh-CN" sz="1200" smtClean="0"/>
-              <a:t>Sciences(</a:t>
-            </a:r>
-            <a:r>
-              <a:rPr lang="en-US" altLang="zh-CN" sz="1200"/>
-              <a:t>Austria</a:t>
-            </a:r>
-            <a:r>
-              <a:rPr lang="en-US" altLang="zh-CN" sz="1200" smtClean="0"/>
-              <a:t>)</a:t>
+              <a:t>Salzburg University of Applied Sciences(Austria)</a:t>
             </a:r>
             <a:endParaRPr lang="en-US" sz="1200" dirty="0">
               <a:cs typeface="+mn-ea"/>
@@ -13306,13 +13253,6 @@
   <p:clrMapOvr>
     <a:masterClrMapping/>
   </p:clrMapOvr>
-  <p:timing>
-    <p:tnLst>
-      <p:par>
-        <p:cTn id="1" dur="indefinite" restart="never" nodeType="tmRoot"/>
-      </p:par>
-    </p:tnLst>
-  </p:timing>
 </p:sld>
 </file>
 
@@ -13338,7 +13278,7 @@
           <p:cNvPr id="4" name="îSļíďé">
             <a:extLst>
               <a:ext uri="{FF2B5EF4-FFF2-40B4-BE49-F238E27FC236}">
-                <a16:creationId xmlns="" xmlns:a16="http://schemas.microsoft.com/office/drawing/2014/main" id="{3E7816B9-4368-481C-AF7D-011CB1B5D3BB}"/>
+                <a16:creationId xmlns:a16="http://schemas.microsoft.com/office/drawing/2014/main" id="{3E7816B9-4368-481C-AF7D-011CB1B5D3BB}"/>
               </a:ext>
             </a:extLst>
           </p:cNvPr>
@@ -13378,7 +13318,7 @@
           <p:cNvPr id="6" name="íš1íďe">
             <a:extLst>
               <a:ext uri="{FF2B5EF4-FFF2-40B4-BE49-F238E27FC236}">
-                <a16:creationId xmlns="" xmlns:a16="http://schemas.microsoft.com/office/drawing/2014/main" id="{1FFCCE90-16F5-0303-15F0-CC1BF812DD35}"/>
+                <a16:creationId xmlns:a16="http://schemas.microsoft.com/office/drawing/2014/main" id="{1FFCCE90-16F5-0303-15F0-CC1BF812DD35}"/>
               </a:ext>
             </a:extLst>
           </p:cNvPr>
@@ -13423,7 +13363,7 @@
           <p:cNvPr id="7" name="iṩľîḍe">
             <a:extLst>
               <a:ext uri="{FF2B5EF4-FFF2-40B4-BE49-F238E27FC236}">
-                <a16:creationId xmlns="" xmlns:a16="http://schemas.microsoft.com/office/drawing/2014/main" id="{0E44FB1F-DB9A-86CB-C5F5-F71F31E4F62B}"/>
+                <a16:creationId xmlns:a16="http://schemas.microsoft.com/office/drawing/2014/main" id="{0E44FB1F-DB9A-86CB-C5F5-F71F31E4F62B}"/>
               </a:ext>
             </a:extLst>
           </p:cNvPr>
@@ -13496,13 +13436,6 @@
   <p:clrMapOvr>
     <a:masterClrMapping/>
   </p:clrMapOvr>
-  <p:timing>
-    <p:tnLst>
-      <p:par>
-        <p:cTn id="1" dur="indefinite" restart="never" nodeType="tmRoot"/>
-      </p:par>
-    </p:tnLst>
-  </p:timing>
 </p:sld>
 </file>
 
@@ -13528,7 +13461,7 @@
           <p:cNvPr id="56" name="iṡ1íďê">
             <a:extLst>
               <a:ext uri="{FF2B5EF4-FFF2-40B4-BE49-F238E27FC236}">
-                <a16:creationId xmlns="" xmlns:a16="http://schemas.microsoft.com/office/drawing/2014/main" id="{067962CB-5CA2-D1BB-2EE3-7CD79E9D52CC}"/>
+                <a16:creationId xmlns:a16="http://schemas.microsoft.com/office/drawing/2014/main" id="{067962CB-5CA2-D1BB-2EE3-7CD79E9D52CC}"/>
               </a:ext>
             </a:extLst>
           </p:cNvPr>
@@ -13548,7 +13481,7 @@
             <p:cNvPr id="34" name="iš1ïḍé">
               <a:extLst>
                 <a:ext uri="{FF2B5EF4-FFF2-40B4-BE49-F238E27FC236}">
-                  <a16:creationId xmlns="" xmlns:a16="http://schemas.microsoft.com/office/drawing/2014/main" id="{AC7AFC13-41B7-FD32-1A69-F3E6106B121E}"/>
+                  <a16:creationId xmlns:a16="http://schemas.microsoft.com/office/drawing/2014/main" id="{AC7AFC13-41B7-FD32-1A69-F3E6106B121E}"/>
                 </a:ext>
               </a:extLst>
             </p:cNvPr>
@@ -13568,7 +13501,7 @@
               <p:cNvPr id="54" name="îṥḻïḓè">
                 <a:extLst>
                   <a:ext uri="{FF2B5EF4-FFF2-40B4-BE49-F238E27FC236}">
-                    <a16:creationId xmlns="" xmlns:a16="http://schemas.microsoft.com/office/drawing/2014/main" id="{7B4FA2D9-736B-F588-2407-2334BB08DD30}"/>
+                    <a16:creationId xmlns:a16="http://schemas.microsoft.com/office/drawing/2014/main" id="{7B4FA2D9-736B-F588-2407-2334BB08DD30}"/>
                   </a:ext>
                 </a:extLst>
               </p:cNvPr>
@@ -13625,7 +13558,7 @@
               <p:cNvPr id="55" name="îṡlïḑe">
                 <a:extLst>
                   <a:ext uri="{FF2B5EF4-FFF2-40B4-BE49-F238E27FC236}">
-                    <a16:creationId xmlns="" xmlns:a16="http://schemas.microsoft.com/office/drawing/2014/main" id="{0766C71F-98DD-7977-550B-02FC5A1B259F}"/>
+                    <a16:creationId xmlns:a16="http://schemas.microsoft.com/office/drawing/2014/main" id="{0766C71F-98DD-7977-550B-02FC5A1B259F}"/>
                   </a:ext>
                 </a:extLst>
               </p:cNvPr>
@@ -13695,7 +13628,7 @@
             <p:cNvPr id="35" name="îṩḻíḋè">
               <a:extLst>
                 <a:ext uri="{FF2B5EF4-FFF2-40B4-BE49-F238E27FC236}">
-                  <a16:creationId xmlns="" xmlns:a16="http://schemas.microsoft.com/office/drawing/2014/main" id="{00A91AAC-144D-9617-78B3-48B8AE0E23D3}"/>
+                  <a16:creationId xmlns:a16="http://schemas.microsoft.com/office/drawing/2014/main" id="{00A91AAC-144D-9617-78B3-48B8AE0E23D3}"/>
                 </a:ext>
               </a:extLst>
             </p:cNvPr>
@@ -13715,7 +13648,7 @@
               <p:cNvPr id="36" name="ïsľïḋè">
                 <a:extLst>
                   <a:ext uri="{FF2B5EF4-FFF2-40B4-BE49-F238E27FC236}">
-                    <a16:creationId xmlns="" xmlns:a16="http://schemas.microsoft.com/office/drawing/2014/main" id="{27195CF6-D5F2-F5DC-7C55-C62BD567C441}"/>
+                    <a16:creationId xmlns:a16="http://schemas.microsoft.com/office/drawing/2014/main" id="{27195CF6-D5F2-F5DC-7C55-C62BD567C441}"/>
                   </a:ext>
                 </a:extLst>
               </p:cNvPr>
@@ -13761,7 +13694,7 @@
               <p:cNvPr id="37" name="í$ļíḍê">
                 <a:extLst>
                   <a:ext uri="{FF2B5EF4-FFF2-40B4-BE49-F238E27FC236}">
-                    <a16:creationId xmlns="" xmlns:a16="http://schemas.microsoft.com/office/drawing/2014/main" id="{67539E6D-2F08-CB63-2BF5-295ABF1CB561}"/>
+                    <a16:creationId xmlns:a16="http://schemas.microsoft.com/office/drawing/2014/main" id="{67539E6D-2F08-CB63-2BF5-295ABF1CB561}"/>
                   </a:ext>
                 </a:extLst>
               </p:cNvPr>
@@ -13781,7 +13714,7 @@
                 <p:cNvPr id="39" name="iŝḻïḓé">
                   <a:extLst>
                     <a:ext uri="{FF2B5EF4-FFF2-40B4-BE49-F238E27FC236}">
-                      <a16:creationId xmlns="" xmlns:a16="http://schemas.microsoft.com/office/drawing/2014/main" id="{EF37FFE4-A68E-CD29-28E7-32EF0AC0F801}"/>
+                      <a16:creationId xmlns:a16="http://schemas.microsoft.com/office/drawing/2014/main" id="{EF37FFE4-A68E-CD29-28E7-32EF0AC0F801}"/>
                     </a:ext>
                   </a:extLst>
                 </p:cNvPr>
@@ -13801,7 +13734,7 @@
                   <p:cNvPr id="50" name="îsḻidé">
                     <a:extLst>
                       <a:ext uri="{FF2B5EF4-FFF2-40B4-BE49-F238E27FC236}">
-                        <a16:creationId xmlns="" xmlns:a16="http://schemas.microsoft.com/office/drawing/2014/main" id="{4732832D-DB78-88D3-8B46-4AD3BAD4CB07}"/>
+                        <a16:creationId xmlns:a16="http://schemas.microsoft.com/office/drawing/2014/main" id="{4732832D-DB78-88D3-8B46-4AD3BAD4CB07}"/>
                       </a:ext>
                     </a:extLst>
                   </p:cNvPr>
@@ -13821,7 +13754,7 @@
                     <p:cNvPr id="52" name="ïśḷïḓè">
                       <a:extLst>
                         <a:ext uri="{FF2B5EF4-FFF2-40B4-BE49-F238E27FC236}">
-                          <a16:creationId xmlns="" xmlns:a16="http://schemas.microsoft.com/office/drawing/2014/main" id="{303B8D2E-0EE0-9806-2D6E-00EE54B0F17B}"/>
+                          <a16:creationId xmlns:a16="http://schemas.microsoft.com/office/drawing/2014/main" id="{303B8D2E-0EE0-9806-2D6E-00EE54B0F17B}"/>
                         </a:ext>
                       </a:extLst>
                     </p:cNvPr>
@@ -13933,7 +13866,7 @@
                         <a:t>INS</a:t>
                       </a:r>
                       <a:r>
-                        <a:rPr kumimoji="1" lang="zh-CN" altLang="en-US" sz="1400" smtClean="0">
+                        <a:rPr kumimoji="1" lang="zh-CN" altLang="en-US" sz="1400">
                           <a:solidFill>
                             <a:schemeClr val="tx1"/>
                           </a:solidFill>
@@ -13943,16 +13876,6 @@
                         <a:t>话题</a:t>
                       </a:r>
                       <a:r>
-                        <a:rPr kumimoji="1" lang="en-US" altLang="zh-CN" sz="1400" smtClean="0">
-                          <a:solidFill>
-                            <a:schemeClr val="tx1"/>
-                          </a:solidFill>
-                          <a:cs typeface="+mn-ea"/>
-                          <a:sym typeface="+mn-lt"/>
-                        </a:rPr>
-                        <a:t>(</a:t>
-                      </a:r>
-                      <a:r>
                         <a:rPr kumimoji="1" lang="en-US" altLang="zh-CN" sz="1400">
                           <a:solidFill>
                             <a:schemeClr val="tx1"/>
@@ -13960,20 +13883,10 @@
                           <a:cs typeface="+mn-ea"/>
                           <a:sym typeface="+mn-lt"/>
                         </a:rPr>
-                        <a:t>#burningman2019</a:t>
+                        <a:t>(#burningman2019)</a:t>
                       </a:r>
                       <a:r>
-                        <a:rPr kumimoji="1" lang="en-US" altLang="zh-CN" sz="1400" smtClean="0">
-                          <a:solidFill>
-                            <a:schemeClr val="tx1"/>
-                          </a:solidFill>
-                          <a:cs typeface="+mn-ea"/>
-                          <a:sym typeface="+mn-lt"/>
-                        </a:rPr>
-                        <a:t>)</a:t>
-                      </a:r>
-                      <a:r>
-                        <a:rPr kumimoji="1" lang="zh-CN" altLang="en-US" sz="1400" smtClean="0">
+                        <a:rPr kumimoji="1" lang="zh-CN" altLang="en-US" sz="1400">
                           <a:solidFill>
                             <a:schemeClr val="tx1"/>
                           </a:solidFill>
@@ -14071,7 +13984,7 @@
                     <p:cNvPr id="53" name="ïŝḷïḋè">
                       <a:extLst>
                         <a:ext uri="{FF2B5EF4-FFF2-40B4-BE49-F238E27FC236}">
-                          <a16:creationId xmlns="" xmlns:a16="http://schemas.microsoft.com/office/drawing/2014/main" id="{99D0B5A7-E621-4D8F-38AE-A63601378BF9}"/>
+                          <a16:creationId xmlns:a16="http://schemas.microsoft.com/office/drawing/2014/main" id="{99D0B5A7-E621-4D8F-38AE-A63601378BF9}"/>
                         </a:ext>
                       </a:extLst>
                     </p:cNvPr>
@@ -14115,7 +14028,7 @@
                   <p:cNvPr id="51" name="iṣľíḑé">
                     <a:extLst>
                       <a:ext uri="{FF2B5EF4-FFF2-40B4-BE49-F238E27FC236}">
-                        <a16:creationId xmlns="" xmlns:a16="http://schemas.microsoft.com/office/drawing/2014/main" id="{92A3B3F2-B4C5-3729-A799-F9E355A9F1C0}"/>
+                        <a16:creationId xmlns:a16="http://schemas.microsoft.com/office/drawing/2014/main" id="{92A3B3F2-B4C5-3729-A799-F9E355A9F1C0}"/>
                       </a:ext>
                     </a:extLst>
                   </p:cNvPr>
@@ -14184,7 +14097,7 @@
                 <p:cNvPr id="40" name="îśḻíďê">
                   <a:extLst>
                     <a:ext uri="{FF2B5EF4-FFF2-40B4-BE49-F238E27FC236}">
-                      <a16:creationId xmlns="" xmlns:a16="http://schemas.microsoft.com/office/drawing/2014/main" id="{8094C280-A5CA-6C91-1A42-4B5771D59C12}"/>
+                      <a16:creationId xmlns:a16="http://schemas.microsoft.com/office/drawing/2014/main" id="{8094C280-A5CA-6C91-1A42-4B5771D59C12}"/>
                     </a:ext>
                   </a:extLst>
                 </p:cNvPr>
@@ -14204,7 +14117,7 @@
                   <p:cNvPr id="46" name="iŝḷíḓe">
                     <a:extLst>
                       <a:ext uri="{FF2B5EF4-FFF2-40B4-BE49-F238E27FC236}">
-                        <a16:creationId xmlns="" xmlns:a16="http://schemas.microsoft.com/office/drawing/2014/main" id="{0CFDCB3A-B0E1-B5D4-5410-7B2E271CA9D6}"/>
+                        <a16:creationId xmlns:a16="http://schemas.microsoft.com/office/drawing/2014/main" id="{0CFDCB3A-B0E1-B5D4-5410-7B2E271CA9D6}"/>
                       </a:ext>
                     </a:extLst>
                   </p:cNvPr>
@@ -14224,7 +14137,7 @@
                     <p:cNvPr id="48" name="íŝ1ïdê">
                       <a:extLst>
                         <a:ext uri="{FF2B5EF4-FFF2-40B4-BE49-F238E27FC236}">
-                          <a16:creationId xmlns="" xmlns:a16="http://schemas.microsoft.com/office/drawing/2014/main" id="{2DD3AE0B-6EEF-27F2-BAAF-E7C321F1FC30}"/>
+                          <a16:creationId xmlns:a16="http://schemas.microsoft.com/office/drawing/2014/main" id="{2DD3AE0B-6EEF-27F2-BAAF-E7C321F1FC30}"/>
                         </a:ext>
                       </a:extLst>
                     </p:cNvPr>
@@ -14289,17 +14202,7 @@
                           <a:cs typeface="+mn-ea"/>
                           <a:sym typeface="+mn-lt"/>
                         </a:rPr>
-                        <a:t>拓扑</a:t>
-                      </a:r>
-                      <a:r>
-                        <a:rPr kumimoji="1" lang="zh-CN" altLang="en-US" sz="1400" smtClean="0">
-                          <a:solidFill>
-                            <a:schemeClr val="tx1"/>
-                          </a:solidFill>
-                          <a:cs typeface="+mn-ea"/>
-                          <a:sym typeface="+mn-lt"/>
-                        </a:rPr>
-                        <a:t>数据分析</a:t>
+                        <a:t>拓扑数据分析</a:t>
                       </a:r>
                       <a:r>
                         <a:rPr kumimoji="1" lang="en-US" altLang="zh-CN" sz="1400">
@@ -14312,7 +14215,7 @@
                         <a:t>(TDA)</a:t>
                       </a:r>
                       <a:r>
-                        <a:rPr kumimoji="1" lang="zh-CN" altLang="en-US" sz="1400" smtClean="0">
+                        <a:rPr kumimoji="1" lang="zh-CN" altLang="en-US" sz="1400">
                           <a:solidFill>
                             <a:schemeClr val="tx1"/>
                           </a:solidFill>
@@ -14339,17 +14242,7 @@
                           <a:cs typeface="+mn-ea"/>
                           <a:sym typeface="+mn-lt"/>
                         </a:rPr>
-                        <a:t>生成</a:t>
-                      </a:r>
-                      <a:r>
-                        <a:rPr kumimoji="1" lang="zh-CN" altLang="en-US" sz="1400" smtClean="0">
-                          <a:solidFill>
-                            <a:schemeClr val="tx1"/>
-                          </a:solidFill>
-                          <a:cs typeface="+mn-ea"/>
-                          <a:sym typeface="+mn-lt"/>
-                        </a:rPr>
-                        <a:t>模型</a:t>
+                        <a:t>生成模型</a:t>
                       </a:r>
                       <a:r>
                         <a:rPr kumimoji="1" lang="en-US" altLang="zh-CN" sz="1400">
@@ -14362,7 +14255,7 @@
                         <a:t>(DGM)</a:t>
                       </a:r>
                       <a:r>
-                        <a:rPr kumimoji="1" lang="zh-CN" altLang="en-US" sz="1400" smtClean="0">
+                        <a:rPr kumimoji="1" lang="zh-CN" altLang="en-US" sz="1400">
                           <a:solidFill>
                             <a:schemeClr val="tx1"/>
                           </a:solidFill>
@@ -14396,7 +14289,7 @@
                         </a:lnSpc>
                       </a:pPr>
                       <a:r>
-                        <a:rPr kumimoji="1" lang="zh-CN" altLang="en-US" sz="1400" b="1" smtClean="0">
+                        <a:rPr kumimoji="1" lang="zh-CN" altLang="en-US" sz="1400" b="1">
                           <a:solidFill>
                             <a:schemeClr val="tx1"/>
                           </a:solidFill>
@@ -14406,7 +14299,7 @@
                         <a:t>目的：</a:t>
                       </a:r>
                       <a:r>
-                        <a:rPr kumimoji="1" lang="zh-CN" altLang="en-US" sz="1400" smtClean="0">
+                        <a:rPr kumimoji="1" lang="zh-CN" altLang="en-US" sz="1400">
                           <a:solidFill>
                             <a:schemeClr val="tx1"/>
                           </a:solidFill>
@@ -14430,7 +14323,7 @@
                     <p:cNvPr id="49" name="îśľiḑé">
                       <a:extLst>
                         <a:ext uri="{FF2B5EF4-FFF2-40B4-BE49-F238E27FC236}">
-                          <a16:creationId xmlns="" xmlns:a16="http://schemas.microsoft.com/office/drawing/2014/main" id="{0E6462C8-C06A-8EC8-8AF5-C5CFDC395C2E}"/>
+                          <a16:creationId xmlns:a16="http://schemas.microsoft.com/office/drawing/2014/main" id="{0E6462C8-C06A-8EC8-8AF5-C5CFDC395C2E}"/>
                         </a:ext>
                       </a:extLst>
                     </p:cNvPr>
@@ -14474,7 +14367,7 @@
                   <p:cNvPr id="47" name="i$ľîḓe">
                     <a:extLst>
                       <a:ext uri="{FF2B5EF4-FFF2-40B4-BE49-F238E27FC236}">
-                        <a16:creationId xmlns="" xmlns:a16="http://schemas.microsoft.com/office/drawing/2014/main" id="{C811E6ED-2E75-831D-FB5A-C582344FBCC6}"/>
+                        <a16:creationId xmlns:a16="http://schemas.microsoft.com/office/drawing/2014/main" id="{C811E6ED-2E75-831D-FB5A-C582344FBCC6}"/>
                       </a:ext>
                     </a:extLst>
                   </p:cNvPr>
@@ -14543,7 +14436,7 @@
                 <p:cNvPr id="41" name="isļíḍê">
                   <a:extLst>
                     <a:ext uri="{FF2B5EF4-FFF2-40B4-BE49-F238E27FC236}">
-                      <a16:creationId xmlns="" xmlns:a16="http://schemas.microsoft.com/office/drawing/2014/main" id="{89E83E33-78E9-F216-A995-308639DB293A}"/>
+                      <a16:creationId xmlns:a16="http://schemas.microsoft.com/office/drawing/2014/main" id="{89E83E33-78E9-F216-A995-308639DB293A}"/>
                     </a:ext>
                   </a:extLst>
                 </p:cNvPr>
@@ -14563,7 +14456,7 @@
                   <p:cNvPr id="42" name="îṡľïďe">
                     <a:extLst>
                       <a:ext uri="{FF2B5EF4-FFF2-40B4-BE49-F238E27FC236}">
-                        <a16:creationId xmlns="" xmlns:a16="http://schemas.microsoft.com/office/drawing/2014/main" id="{E6F7CE27-9227-C343-263A-3C07289CB3C5}"/>
+                        <a16:creationId xmlns:a16="http://schemas.microsoft.com/office/drawing/2014/main" id="{E6F7CE27-9227-C343-263A-3C07289CB3C5}"/>
                       </a:ext>
                     </a:extLst>
                   </p:cNvPr>
@@ -14583,7 +14476,7 @@
                     <p:cNvPr id="44" name="ïṡ1îḍé">
                       <a:extLst>
                         <a:ext uri="{FF2B5EF4-FFF2-40B4-BE49-F238E27FC236}">
-                          <a16:creationId xmlns="" xmlns:a16="http://schemas.microsoft.com/office/drawing/2014/main" id="{626607C6-0988-6E3A-FB7D-9EBB8AAE6AC4}"/>
+                          <a16:creationId xmlns:a16="http://schemas.microsoft.com/office/drawing/2014/main" id="{626607C6-0988-6E3A-FB7D-9EBB8AAE6AC4}"/>
                         </a:ext>
                       </a:extLst>
                     </p:cNvPr>
@@ -14691,7 +14584,7 @@
                         <a:t>NLP</a:t>
                       </a:r>
                       <a:r>
-                        <a:rPr kumimoji="1" lang="zh-CN" altLang="en-US" sz="1400" smtClean="0">
+                        <a:rPr kumimoji="1" lang="zh-CN" altLang="en-US" sz="1400">
                           <a:solidFill>
                             <a:schemeClr val="tx1"/>
                           </a:solidFill>
@@ -14742,20 +14635,10 @@
                           <a:cs typeface="+mn-ea"/>
                           <a:sym typeface="Wingdings" panose="05000000000000000000" pitchFamily="2" charset="2"/>
                         </a:rPr>
-                        <a:t>官方贴、商业帖、无内容贴、重复</a:t>
+                        <a:t>官方贴、商业帖、无内容贴、重复贴</a:t>
                       </a:r>
                       <a:r>
-                        <a:rPr kumimoji="1" lang="zh-CN" altLang="en-US" sz="1400" smtClean="0">
-                          <a:solidFill>
-                            <a:schemeClr val="tx1"/>
-                          </a:solidFill>
-                          <a:cs typeface="+mn-ea"/>
-                          <a:sym typeface="Wingdings" panose="05000000000000000000" pitchFamily="2" charset="2"/>
-                        </a:rPr>
-                        <a:t>贴</a:t>
-                      </a:r>
-                      <a:r>
-                        <a:rPr kumimoji="1" lang="zh-CN" altLang="en-US" sz="1200" smtClean="0">
+                        <a:rPr kumimoji="1" lang="zh-CN" altLang="en-US" sz="1200">
                           <a:solidFill>
                             <a:schemeClr val="tx1"/>
                           </a:solidFill>
@@ -14765,7 +14648,7 @@
                         <a:t>（剩余总计</a:t>
                       </a:r>
                       <a:r>
-                        <a:rPr kumimoji="1" lang="en-US" altLang="zh-CN" sz="1200" smtClean="0">
+                        <a:rPr kumimoji="1" lang="en-US" altLang="zh-CN" sz="1200">
                           <a:solidFill>
                             <a:schemeClr val="tx1"/>
                           </a:solidFill>
@@ -14775,7 +14658,7 @@
                         <a:t>35802</a:t>
                       </a:r>
                       <a:r>
-                        <a:rPr kumimoji="1" lang="zh-CN" altLang="en-US" sz="1200" smtClean="0">
+                        <a:rPr kumimoji="1" lang="zh-CN" altLang="en-US" sz="1200">
                           <a:solidFill>
                             <a:schemeClr val="tx1"/>
                           </a:solidFill>
@@ -14785,7 +14668,7 @@
                         <a:t>条，活动前</a:t>
                       </a:r>
                       <a:r>
-                        <a:rPr kumimoji="1" lang="en-US" altLang="zh-CN" sz="1200" smtClean="0">
+                        <a:rPr kumimoji="1" lang="en-US" altLang="zh-CN" sz="1200">
                           <a:solidFill>
                             <a:schemeClr val="tx1"/>
                           </a:solidFill>
@@ -14795,7 +14678,7 @@
                         <a:t>8953</a:t>
                       </a:r>
                       <a:r>
-                        <a:rPr kumimoji="1" lang="zh-CN" altLang="en-US" sz="1200" smtClean="0">
+                        <a:rPr kumimoji="1" lang="zh-CN" altLang="en-US" sz="1200">
                           <a:solidFill>
                             <a:schemeClr val="tx1"/>
                           </a:solidFill>
@@ -14805,7 +14688,7 @@
                         <a:t>条，活动中</a:t>
                       </a:r>
                       <a:r>
-                        <a:rPr kumimoji="1" lang="en-US" altLang="zh-CN" sz="1200" smtClean="0">
+                        <a:rPr kumimoji="1" lang="en-US" altLang="zh-CN" sz="1200">
                           <a:solidFill>
                             <a:schemeClr val="tx1"/>
                           </a:solidFill>
@@ -14815,7 +14698,7 @@
                         <a:t>2840</a:t>
                       </a:r>
                       <a:r>
-                        <a:rPr kumimoji="1" lang="zh-CN" altLang="en-US" sz="1200" smtClean="0">
+                        <a:rPr kumimoji="1" lang="zh-CN" altLang="en-US" sz="1200">
                           <a:solidFill>
                             <a:schemeClr val="tx1"/>
                           </a:solidFill>
@@ -14825,7 +14708,7 @@
                         <a:t>条，活动后</a:t>
                       </a:r>
                       <a:r>
-                        <a:rPr kumimoji="1" lang="en-US" altLang="zh-CN" sz="1200" smtClean="0">
+                        <a:rPr kumimoji="1" lang="en-US" altLang="zh-CN" sz="1200">
                           <a:solidFill>
                             <a:schemeClr val="tx1"/>
                           </a:solidFill>
@@ -14835,7 +14718,7 @@
                         <a:t>24009</a:t>
                       </a:r>
                       <a:r>
-                        <a:rPr kumimoji="1" lang="zh-CN" altLang="en-US" sz="1200" smtClean="0">
+                        <a:rPr kumimoji="1" lang="zh-CN" altLang="en-US" sz="1200">
                           <a:solidFill>
                             <a:schemeClr val="tx1"/>
                           </a:solidFill>
@@ -14859,7 +14742,7 @@
                     <p:cNvPr id="45" name="i$ľîďè">
                       <a:extLst>
                         <a:ext uri="{FF2B5EF4-FFF2-40B4-BE49-F238E27FC236}">
-                          <a16:creationId xmlns="" xmlns:a16="http://schemas.microsoft.com/office/drawing/2014/main" id="{22F3D61E-746A-DBE8-D7CE-48560803852D}"/>
+                          <a16:creationId xmlns:a16="http://schemas.microsoft.com/office/drawing/2014/main" id="{22F3D61E-746A-DBE8-D7CE-48560803852D}"/>
                         </a:ext>
                       </a:extLst>
                     </p:cNvPr>
@@ -14903,7 +14786,7 @@
                   <p:cNvPr id="43" name="iṥḷíḋé">
                     <a:extLst>
                       <a:ext uri="{FF2B5EF4-FFF2-40B4-BE49-F238E27FC236}">
-                        <a16:creationId xmlns="" xmlns:a16="http://schemas.microsoft.com/office/drawing/2014/main" id="{838AE801-2510-DA65-B22B-7CA65CCE8FFF}"/>
+                        <a16:creationId xmlns:a16="http://schemas.microsoft.com/office/drawing/2014/main" id="{838AE801-2510-DA65-B22B-7CA65CCE8FFF}"/>
                       </a:ext>
                     </a:extLst>
                   </p:cNvPr>
@@ -14977,7 +14860,7 @@
               <p:cNvPr id="38" name="íṩ1îḋé">
                 <a:extLst>
                   <a:ext uri="{FF2B5EF4-FFF2-40B4-BE49-F238E27FC236}">
-                    <a16:creationId xmlns="" xmlns:a16="http://schemas.microsoft.com/office/drawing/2014/main" id="{3C7F32EB-09A6-D875-9729-BE2E88B9E082}"/>
+                    <a16:creationId xmlns:a16="http://schemas.microsoft.com/office/drawing/2014/main" id="{3C7F32EB-09A6-D875-9729-BE2E88B9E082}"/>
                   </a:ext>
                 </a:extLst>
               </p:cNvPr>
@@ -15025,7 +14908,7 @@
           <p:cNvPr id="2" name="íşliḍé">
             <a:extLst>
               <a:ext uri="{FF2B5EF4-FFF2-40B4-BE49-F238E27FC236}">
-                <a16:creationId xmlns="" xmlns:a16="http://schemas.microsoft.com/office/drawing/2014/main" id="{6AD7DE2F-2C25-C25A-957B-4AC542D02BC6}"/>
+                <a16:creationId xmlns:a16="http://schemas.microsoft.com/office/drawing/2014/main" id="{6AD7DE2F-2C25-C25A-957B-4AC542D02BC6}"/>
               </a:ext>
             </a:extLst>
           </p:cNvPr>
@@ -15062,7 +14945,7 @@
           <p:cNvPr id="3" name="íṣľíḋe">
             <a:extLst>
               <a:ext uri="{FF2B5EF4-FFF2-40B4-BE49-F238E27FC236}">
-                <a16:creationId xmlns="" xmlns:a16="http://schemas.microsoft.com/office/drawing/2014/main" id="{6C1E965E-32BF-CEDA-DFEF-343213CC478F}"/>
+                <a16:creationId xmlns:a16="http://schemas.microsoft.com/office/drawing/2014/main" id="{6C1E965E-32BF-CEDA-DFEF-343213CC478F}"/>
               </a:ext>
             </a:extLst>
           </p:cNvPr>
@@ -15106,13 +14989,6 @@
   <p:clrMapOvr>
     <a:masterClrMapping/>
   </p:clrMapOvr>
-  <p:timing>
-    <p:tnLst>
-      <p:par>
-        <p:cTn id="1" dur="indefinite" restart="never" nodeType="tmRoot"/>
-      </p:par>
-    </p:tnLst>
-  </p:timing>
 </p:sld>
 </file>
 
@@ -15138,7 +15014,7 @@
           <p:cNvPr id="2" name="išľiḓe">
             <a:extLst>
               <a:ext uri="{FF2B5EF4-FFF2-40B4-BE49-F238E27FC236}">
-                <a16:creationId xmlns="" xmlns:a16="http://schemas.microsoft.com/office/drawing/2014/main" id="{6AD7DE2F-2C25-C25A-957B-4AC542D02BC6}"/>
+                <a16:creationId xmlns:a16="http://schemas.microsoft.com/office/drawing/2014/main" id="{6AD7DE2F-2C25-C25A-957B-4AC542D02BC6}"/>
               </a:ext>
             </a:extLst>
           </p:cNvPr>
@@ -15177,7 +15053,7 @@
           <p:cNvPr id="3" name="íşḻiḋè">
             <a:extLst>
               <a:ext uri="{FF2B5EF4-FFF2-40B4-BE49-F238E27FC236}">
-                <a16:creationId xmlns="" xmlns:a16="http://schemas.microsoft.com/office/drawing/2014/main" id="{294B5245-582E-1336-0B68-0CC92F780569}"/>
+                <a16:creationId xmlns:a16="http://schemas.microsoft.com/office/drawing/2014/main" id="{294B5245-582E-1336-0B68-0CC92F780569}"/>
               </a:ext>
             </a:extLst>
           </p:cNvPr>
@@ -15283,14 +15159,10 @@
             </a:r>
             <a:r>
               <a:rPr lang="zh-CN" altLang="en-US" sz="1600"/>
-              <a:t>深度拓扑数据分析的迭代框架</a:t>
+              <a:t>深度拓扑数据分析的迭代框架示意图</a:t>
             </a:r>
             <a:r>
-              <a:rPr lang="zh-CN" altLang="en-US" sz="1600" smtClean="0"/>
-              <a:t>示意图</a:t>
-            </a:r>
-            <a:r>
-              <a:rPr lang="en-US" altLang="zh-CN" sz="1600" smtClean="0"/>
+              <a:rPr lang="en-US" altLang="zh-CN" sz="1600"/>
               <a:t>(Page 4)</a:t>
             </a:r>
             <a:endParaRPr lang="zh-CN" altLang="en-US" sz="1600"/>
@@ -15310,13 +15182,6 @@
   <p:clrMapOvr>
     <a:masterClrMapping/>
   </p:clrMapOvr>
-  <p:timing>
-    <p:tnLst>
-      <p:par>
-        <p:cTn id="1" dur="indefinite" restart="never" nodeType="tmRoot"/>
-      </p:par>
-    </p:tnLst>
-  </p:timing>
 </p:sld>
 </file>
 
@@ -15342,7 +15207,7 @@
           <p:cNvPr id="2" name="íṧļîḍe">
             <a:extLst>
               <a:ext uri="{FF2B5EF4-FFF2-40B4-BE49-F238E27FC236}">
-                <a16:creationId xmlns="" xmlns:a16="http://schemas.microsoft.com/office/drawing/2014/main" id="{6AD7DE2F-2C25-C25A-957B-4AC542D02BC6}"/>
+                <a16:creationId xmlns:a16="http://schemas.microsoft.com/office/drawing/2014/main" id="{6AD7DE2F-2C25-C25A-957B-4AC542D02BC6}"/>
               </a:ext>
             </a:extLst>
           </p:cNvPr>
@@ -15381,7 +15246,7 @@
           <p:cNvPr id="3" name="ïśḷíḓè">
             <a:extLst>
               <a:ext uri="{FF2B5EF4-FFF2-40B4-BE49-F238E27FC236}">
-                <a16:creationId xmlns="" xmlns:a16="http://schemas.microsoft.com/office/drawing/2014/main" id="{8266A897-12C8-B861-AB61-6E0288D5149F}"/>
+                <a16:creationId xmlns:a16="http://schemas.microsoft.com/office/drawing/2014/main" id="{8266A897-12C8-B861-AB61-6E0288D5149F}"/>
               </a:ext>
             </a:extLst>
           </p:cNvPr>
@@ -15555,7 +15420,7 @@
           <p:cNvPr id="19" name="ïṡḻíḓè">
             <a:extLst>
               <a:ext uri="{FF2B5EF4-FFF2-40B4-BE49-F238E27FC236}">
-                <a16:creationId xmlns="" xmlns:a16="http://schemas.microsoft.com/office/drawing/2014/main" id="{E3F1BF33-4198-E081-096B-6BA54ADB36A3}"/>
+                <a16:creationId xmlns:a16="http://schemas.microsoft.com/office/drawing/2014/main" id="{E3F1BF33-4198-E081-096B-6BA54ADB36A3}"/>
               </a:ext>
             </a:extLst>
           </p:cNvPr>
@@ -15604,7 +15469,7 @@
               <a:buSzPct val="25000"/>
             </a:pPr>
             <a:r>
-              <a:rPr lang="zh-CN" altLang="en-US" sz="2000" smtClean="0">
+              <a:rPr lang="zh-CN" altLang="en-US" sz="2000">
                 <a:solidFill>
                   <a:schemeClr val="tx1"/>
                 </a:solidFill>
@@ -15614,7 +15479,7 @@
               <a:t>以环境心理学的理论框架为主导，基于对</a:t>
             </a:r>
             <a:r>
-              <a:rPr lang="en-US" altLang="zh-CN" sz="2000" smtClean="0">
+              <a:rPr lang="en-US" altLang="zh-CN" sz="2000">
                 <a:solidFill>
                   <a:schemeClr val="tx1"/>
                 </a:solidFill>
@@ -15624,7 +15489,7 @@
               <a:t>35802</a:t>
             </a:r>
             <a:r>
-              <a:rPr lang="zh-CN" altLang="en-US" sz="2000" smtClean="0">
+              <a:rPr lang="zh-CN" altLang="en-US" sz="2000">
                 <a:solidFill>
                   <a:schemeClr val="tx1"/>
                 </a:solidFill>
@@ -15634,7 +15499,7 @@
               <a:t>个</a:t>
             </a:r>
             <a:r>
-              <a:rPr lang="en-US" altLang="zh-CN" sz="2000" smtClean="0">
+              <a:rPr lang="en-US" altLang="zh-CN" sz="2000">
                 <a:solidFill>
                   <a:schemeClr val="tx1"/>
                 </a:solidFill>
@@ -15644,7 +15509,7 @@
               <a:t>Instagram</a:t>
             </a:r>
             <a:r>
-              <a:rPr lang="zh-CN" altLang="en-US" sz="2000" smtClean="0">
+              <a:rPr lang="zh-CN" altLang="en-US" sz="2000">
                 <a:solidFill>
                   <a:schemeClr val="tx1"/>
                 </a:solidFill>
@@ -15654,7 +15519,7 @@
               <a:t>帖子的分析，将</a:t>
             </a:r>
             <a:r>
-              <a:rPr lang="en-US" altLang="zh-CN" sz="2000" smtClean="0">
+              <a:rPr lang="en-US" altLang="zh-CN" sz="2000">
                 <a:solidFill>
                   <a:schemeClr val="tx1"/>
                 </a:solidFill>
@@ -15664,7 +15529,7 @@
               <a:t>30</a:t>
             </a:r>
             <a:r>
-              <a:rPr lang="zh-CN" altLang="en-US" sz="2000" smtClean="0">
+              <a:rPr lang="zh-CN" altLang="en-US" sz="2000">
                 <a:solidFill>
                   <a:schemeClr val="tx1"/>
                 </a:solidFill>
@@ -15674,7 +15539,7 @@
               <a:t>个已确定的聚类分为两个主要维度：</a:t>
             </a:r>
             <a:r>
-              <a:rPr lang="zh-CN" altLang="en-US" sz="2000" b="1" smtClean="0">
+              <a:rPr lang="zh-CN" altLang="en-US" sz="2000" b="1">
                 <a:solidFill>
                   <a:schemeClr val="tx1"/>
                 </a:solidFill>
@@ -15684,7 +15549,7 @@
               <a:t>（</a:t>
             </a:r>
             <a:r>
-              <a:rPr lang="en-US" altLang="zh-CN" sz="2000" b="1" smtClean="0">
+              <a:rPr lang="en-US" altLang="zh-CN" sz="2000" b="1">
                 <a:solidFill>
                   <a:schemeClr val="tx1"/>
                 </a:solidFill>
@@ -15694,7 +15559,7 @@
               <a:t>1</a:t>
             </a:r>
             <a:r>
-              <a:rPr lang="zh-CN" altLang="en-US" sz="2000" b="1" smtClean="0">
+              <a:rPr lang="zh-CN" altLang="en-US" sz="2000" b="1">
                 <a:solidFill>
                   <a:schemeClr val="tx1"/>
                 </a:solidFill>
@@ -15704,7 +15569,7 @@
               <a:t>）外部社会环境范畴；（</a:t>
             </a:r>
             <a:r>
-              <a:rPr lang="en-US" altLang="zh-CN" sz="2000" b="1" smtClean="0">
+              <a:rPr lang="en-US" altLang="zh-CN" sz="2000" b="1">
                 <a:solidFill>
                   <a:schemeClr val="tx1"/>
                 </a:solidFill>
@@ -15714,7 +15579,7 @@
               <a:t>2</a:t>
             </a:r>
             <a:r>
-              <a:rPr lang="zh-CN" altLang="en-US" sz="2000" b="1" smtClean="0">
+              <a:rPr lang="zh-CN" altLang="en-US" sz="2000" b="1">
                 <a:solidFill>
                   <a:schemeClr val="tx1"/>
                 </a:solidFill>
@@ -15805,14 +15670,10 @@
             </a:r>
             <a:r>
               <a:rPr lang="zh-CN" altLang="en-US" sz="1400"/>
-              <a:t>聚类可视化图。注：图表按聚类着色</a:t>
+              <a:t>聚类可视化图。注：图表按聚类着色。</a:t>
             </a:r>
             <a:r>
-              <a:rPr lang="zh-CN" altLang="en-US" sz="1400" smtClean="0"/>
-              <a:t>。</a:t>
-            </a:r>
-            <a:r>
-              <a:rPr lang="en-US" altLang="zh-CN" sz="1400" smtClean="0"/>
+              <a:rPr lang="en-US" altLang="zh-CN" sz="1400"/>
               <a:t>(Page 6)</a:t>
             </a:r>
             <a:endParaRPr lang="zh-CN" altLang="en-US" sz="1400"/>
@@ -15832,13 +15693,6 @@
   <p:clrMapOvr>
     <a:masterClrMapping/>
   </p:clrMapOvr>
-  <p:timing>
-    <p:tnLst>
-      <p:par>
-        <p:cTn id="1" dur="indefinite" restart="never" nodeType="tmRoot"/>
-      </p:par>
-    </p:tnLst>
-  </p:timing>
 </p:sld>
 </file>
 
@@ -15864,7 +15718,7 @@
           <p:cNvPr id="2" name="íṧļîḍe">
             <a:extLst>
               <a:ext uri="{FF2B5EF4-FFF2-40B4-BE49-F238E27FC236}">
-                <a16:creationId xmlns="" xmlns:a16="http://schemas.microsoft.com/office/drawing/2014/main" id="{6AD7DE2F-2C25-C25A-957B-4AC542D02BC6}"/>
+                <a16:creationId xmlns:a16="http://schemas.microsoft.com/office/drawing/2014/main" id="{6AD7DE2F-2C25-C25A-957B-4AC542D02BC6}"/>
               </a:ext>
             </a:extLst>
           </p:cNvPr>
@@ -15903,7 +15757,7 @@
           <p:cNvPr id="3" name="ïśḷíḓè">
             <a:extLst>
               <a:ext uri="{FF2B5EF4-FFF2-40B4-BE49-F238E27FC236}">
-                <a16:creationId xmlns="" xmlns:a16="http://schemas.microsoft.com/office/drawing/2014/main" id="{8266A897-12C8-B861-AB61-6E0288D5149F}"/>
+                <a16:creationId xmlns:a16="http://schemas.microsoft.com/office/drawing/2014/main" id="{8266A897-12C8-B861-AB61-6E0288D5149F}"/>
               </a:ext>
             </a:extLst>
           </p:cNvPr>
@@ -15994,32 +15848,16 @@
               <a:t>表</a:t>
             </a:r>
             <a:r>
-              <a:rPr lang="en-US" altLang="zh-CN" sz="1400" smtClean="0"/>
+              <a:rPr lang="en-US" altLang="zh-CN" sz="1400"/>
               <a:t>1.</a:t>
             </a:r>
             <a:r>
               <a:rPr lang="zh-CN" altLang="en-US" sz="1400"/>
-              <a:t>外部社会环境范畴与内部</a:t>
+              <a:t>外部社会环境范畴与内部社会心理范畴要素总表</a:t>
             </a:r>
             <a:r>
-              <a:rPr lang="zh-CN" altLang="en-US" sz="1400"/>
-              <a:t>社会</a:t>
-            </a:r>
-            <a:r>
-              <a:rPr lang="zh-CN" altLang="en-US" sz="1400" smtClean="0"/>
-              <a:t>心理范畴要素总表</a:t>
-            </a:r>
-            <a:r>
-              <a:rPr lang="en-US" altLang="zh-CN" sz="1400" smtClean="0"/>
-              <a:t>(</a:t>
-            </a:r>
-            <a:r>
-              <a:rPr lang="en-US" altLang="zh-CN" sz="1400" smtClean="0"/>
-              <a:t>Page </a:t>
-            </a:r>
-            <a:r>
-              <a:rPr lang="en-US" altLang="zh-CN" sz="1400" smtClean="0"/>
-              <a:t>7)</a:t>
+              <a:rPr lang="en-US" altLang="zh-CN" sz="1400"/>
+              <a:t>(Page 7)</a:t>
             </a:r>
             <a:endParaRPr lang="zh-CN" altLang="en-US" sz="1400"/>
           </a:p>
@@ -16038,13 +15876,6 @@
   <p:clrMapOvr>
     <a:masterClrMapping/>
   </p:clrMapOvr>
-  <p:timing>
-    <p:tnLst>
-      <p:par>
-        <p:cTn id="1" dur="indefinite" restart="never" nodeType="tmRoot"/>
-      </p:par>
-    </p:tnLst>
-  </p:timing>
 </p:sld>
 </file>
 
@@ -16070,7 +15901,7 @@
           <p:cNvPr id="2" name="íṧļîḍe">
             <a:extLst>
               <a:ext uri="{FF2B5EF4-FFF2-40B4-BE49-F238E27FC236}">
-                <a16:creationId xmlns="" xmlns:a16="http://schemas.microsoft.com/office/drawing/2014/main" id="{6AD7DE2F-2C25-C25A-957B-4AC542D02BC6}"/>
+                <a16:creationId xmlns:a16="http://schemas.microsoft.com/office/drawing/2014/main" id="{6AD7DE2F-2C25-C25A-957B-4AC542D02BC6}"/>
               </a:ext>
             </a:extLst>
           </p:cNvPr>
@@ -16109,7 +15940,7 @@
           <p:cNvPr id="3" name="ïśḷíḓè">
             <a:extLst>
               <a:ext uri="{FF2B5EF4-FFF2-40B4-BE49-F238E27FC236}">
-                <a16:creationId xmlns="" xmlns:a16="http://schemas.microsoft.com/office/drawing/2014/main" id="{8266A897-12C8-B861-AB61-6E0288D5149F}"/>
+                <a16:creationId xmlns:a16="http://schemas.microsoft.com/office/drawing/2014/main" id="{8266A897-12C8-B861-AB61-6E0288D5149F}"/>
               </a:ext>
             </a:extLst>
           </p:cNvPr>
@@ -16246,32 +16077,16 @@
               <a:t>表</a:t>
             </a:r>
             <a:r>
-              <a:rPr lang="en-US" altLang="zh-CN" sz="1400" smtClean="0"/>
+              <a:rPr lang="en-US" altLang="zh-CN" sz="1400"/>
               <a:t>1.</a:t>
             </a:r>
             <a:r>
               <a:rPr lang="zh-CN" altLang="en-US" sz="1400"/>
-              <a:t>外部社会环境范畴与内部</a:t>
+              <a:t>外部社会环境范畴与内部社会心理范畴聚类总表</a:t>
             </a:r>
             <a:r>
-              <a:rPr lang="zh-CN" altLang="en-US" sz="1400"/>
-              <a:t>社会</a:t>
-            </a:r>
-            <a:r>
-              <a:rPr lang="zh-CN" altLang="en-US" sz="1400" smtClean="0"/>
-              <a:t>心理范畴聚类总表</a:t>
-            </a:r>
-            <a:r>
-              <a:rPr lang="en-US" altLang="zh-CN" sz="1400" smtClean="0"/>
-              <a:t>(</a:t>
-            </a:r>
-            <a:r>
-              <a:rPr lang="en-US" altLang="zh-CN" sz="1400" smtClean="0"/>
-              <a:t>Page </a:t>
-            </a:r>
-            <a:r>
-              <a:rPr lang="en-US" altLang="zh-CN" sz="1400" smtClean="0"/>
-              <a:t>7)</a:t>
+              <a:rPr lang="en-US" altLang="zh-CN" sz="1400"/>
+              <a:t>(Page 7)</a:t>
             </a:r>
             <a:endParaRPr lang="zh-CN" altLang="en-US" sz="1400"/>
           </a:p>
@@ -16290,13 +16105,6 @@
   <p:clrMapOvr>
     <a:masterClrMapping/>
   </p:clrMapOvr>
-  <p:timing>
-    <p:tnLst>
-      <p:par>
-        <p:cTn id="1" dur="indefinite" restart="never" nodeType="tmRoot"/>
-      </p:par>
-    </p:tnLst>
-  </p:timing>
 </p:sld>
 </file>
 
@@ -16322,7 +16130,7 @@
           <p:cNvPr id="2" name="íṧļîḍe">
             <a:extLst>
               <a:ext uri="{FF2B5EF4-FFF2-40B4-BE49-F238E27FC236}">
-                <a16:creationId xmlns="" xmlns:a16="http://schemas.microsoft.com/office/drawing/2014/main" id="{6AD7DE2F-2C25-C25A-957B-4AC542D02BC6}"/>
+                <a16:creationId xmlns:a16="http://schemas.microsoft.com/office/drawing/2014/main" id="{6AD7DE2F-2C25-C25A-957B-4AC542D02BC6}"/>
               </a:ext>
             </a:extLst>
           </p:cNvPr>
@@ -16361,7 +16169,7 @@
           <p:cNvPr id="3" name="ïśḷíḓè">
             <a:extLst>
               <a:ext uri="{FF2B5EF4-FFF2-40B4-BE49-F238E27FC236}">
-                <a16:creationId xmlns="" xmlns:a16="http://schemas.microsoft.com/office/drawing/2014/main" id="{8266A897-12C8-B861-AB61-6E0288D5149F}"/>
+                <a16:creationId xmlns:a16="http://schemas.microsoft.com/office/drawing/2014/main" id="{8266A897-12C8-B861-AB61-6E0288D5149F}"/>
               </a:ext>
             </a:extLst>
           </p:cNvPr>
@@ -16431,20 +16239,10 @@
                   </a:schemeClr>
                 </a:solidFill>
               </a:rPr>
-              <a:t>社会环境</a:t>
+              <a:t>社会环境范畴</a:t>
             </a:r>
             <a:r>
-              <a:rPr lang="zh-CN" altLang="en-US" sz="2400" b="1" smtClean="0">
-                <a:solidFill>
-                  <a:schemeClr val="accent4">
-                    <a:lumMod val="75000"/>
-                  </a:schemeClr>
-                </a:solidFill>
-              </a:rPr>
-              <a:t>范畴</a:t>
-            </a:r>
-            <a:r>
-              <a:rPr lang="en-US" altLang="zh-CN" sz="2400" b="1" smtClean="0">
+              <a:rPr lang="en-US" altLang="zh-CN" sz="2400" b="1">
                 <a:solidFill>
                   <a:schemeClr val="accent4">
                     <a:lumMod val="75000"/>
@@ -16481,14 +16279,10 @@
             </a:r>
             <a:r>
               <a:rPr lang="zh-CN" altLang="en-US"/>
-              <a:t>互动</a:t>
+              <a:t>互动建筑</a:t>
             </a:r>
             <a:r>
-              <a:rPr lang="zh-CN" altLang="en-US" smtClean="0"/>
-              <a:t>建筑</a:t>
-            </a:r>
-            <a:r>
-              <a:rPr lang="en-US" altLang="zh-CN" smtClean="0"/>
+              <a:rPr lang="en-US" altLang="zh-CN"/>
               <a:t>(5.7%)</a:t>
             </a:r>
             <a:endParaRPr lang="en-US" altLang="zh-CN" dirty="0"/>
@@ -16503,14 +16297,10 @@
             </a:r>
             <a:r>
               <a:rPr lang="zh-CN" altLang="en-US"/>
-              <a:t>黑</a:t>
+              <a:t>黑石城</a:t>
             </a:r>
             <a:r>
-              <a:rPr lang="zh-CN" altLang="en-US" smtClean="0"/>
-              <a:t>石城</a:t>
-            </a:r>
-            <a:r>
-              <a:rPr lang="en-US" altLang="zh-CN" smtClean="0"/>
+              <a:rPr lang="en-US" altLang="zh-CN"/>
               <a:t>(5.0%)</a:t>
             </a:r>
             <a:endParaRPr lang="en-US" altLang="zh-CN" dirty="0"/>
@@ -16525,14 +16315,10 @@
             </a:r>
             <a:r>
               <a:rPr lang="zh-CN" altLang="en-US"/>
-              <a:t>与</a:t>
+              <a:t>与配饰</a:t>
             </a:r>
             <a:r>
-              <a:rPr lang="zh-CN" altLang="en-US" smtClean="0"/>
-              <a:t>配饰</a:t>
-            </a:r>
-            <a:r>
-              <a:rPr lang="en-US" altLang="zh-CN" smtClean="0"/>
+              <a:rPr lang="en-US" altLang="zh-CN"/>
               <a:t>(3.9%)</a:t>
             </a:r>
             <a:endParaRPr lang="en-US" altLang="zh-CN" dirty="0"/>
@@ -16543,11 +16329,7 @@
             </a:pPr>
             <a:r>
               <a:rPr lang="zh-CN" altLang="en-US"/>
-              <a:t>木偶人</a:t>
-            </a:r>
-            <a:r>
-              <a:rPr lang="zh-CN" altLang="en-US" smtClean="0"/>
-              <a:t>焚毁</a:t>
+              <a:t>木偶人焚毁</a:t>
             </a:r>
             <a:r>
               <a:rPr lang="zh-CN" altLang="en-US" dirty="0"/>
@@ -16555,14 +16337,10 @@
             </a:r>
             <a:r>
               <a:rPr lang="zh-CN" altLang="en-US"/>
-              <a:t>派</a:t>
+              <a:t>派对</a:t>
             </a:r>
             <a:r>
-              <a:rPr lang="zh-CN" altLang="en-US" smtClean="0"/>
-              <a:t>对</a:t>
-            </a:r>
-            <a:r>
-              <a:rPr lang="en-US" altLang="zh-CN" smtClean="0"/>
+              <a:rPr lang="en-US" altLang="zh-CN"/>
               <a:t>(2.5%)</a:t>
             </a:r>
             <a:endParaRPr lang="en-US" altLang="zh-CN" dirty="0"/>
@@ -16573,14 +16351,10 @@
             </a:pPr>
             <a:r>
               <a:rPr lang="zh-CN" altLang="en-US"/>
-              <a:t>氛围</a:t>
+              <a:t>氛围印象</a:t>
             </a:r>
             <a:r>
-              <a:rPr lang="zh-CN" altLang="en-US" smtClean="0"/>
-              <a:t>印象</a:t>
-            </a:r>
-            <a:r>
-              <a:rPr lang="en-US" altLang="zh-CN" smtClean="0"/>
+              <a:rPr lang="en-US" altLang="zh-CN"/>
               <a:t>(2.2%)</a:t>
             </a:r>
             <a:endParaRPr lang="en-US" altLang="zh-CN" dirty="0"/>
@@ -16595,14 +16369,10 @@
             </a:r>
             <a:r>
               <a:rPr lang="zh-CN" altLang="en-US"/>
-              <a:t>艺术</a:t>
+              <a:t>艺术装置</a:t>
             </a:r>
             <a:r>
-              <a:rPr lang="zh-CN" altLang="en-US" smtClean="0"/>
-              <a:t>装置</a:t>
-            </a:r>
-            <a:r>
-              <a:rPr lang="en-US" altLang="zh-CN" smtClean="0"/>
+              <a:rPr lang="en-US" altLang="zh-CN"/>
               <a:t>(2.1%)</a:t>
             </a:r>
             <a:endParaRPr lang="en-US" altLang="zh-CN" dirty="0"/>
@@ -16617,14 +16387,10 @@
             </a:r>
             <a:r>
               <a:rPr lang="zh-CN" altLang="en-US"/>
-              <a:t>和</a:t>
+              <a:t>和设计</a:t>
             </a:r>
             <a:r>
-              <a:rPr lang="zh-CN" altLang="en-US" smtClean="0"/>
-              <a:t>设计</a:t>
-            </a:r>
-            <a:r>
-              <a:rPr lang="en-US" altLang="zh-CN" smtClean="0"/>
+              <a:rPr lang="en-US" altLang="zh-CN"/>
               <a:t>(1.4%)</a:t>
             </a:r>
             <a:endParaRPr lang="en-US" altLang="zh-CN" dirty="0"/>
@@ -16639,14 +16405,10 @@
             </a:r>
             <a:r>
               <a:rPr lang="zh-CN" altLang="en-US"/>
-              <a:t>和</a:t>
+              <a:t>和艺术</a:t>
             </a:r>
             <a:r>
-              <a:rPr lang="zh-CN" altLang="en-US" smtClean="0"/>
-              <a:t>艺术</a:t>
-            </a:r>
-            <a:r>
-              <a:rPr lang="en-US" altLang="zh-CN" smtClean="0"/>
+              <a:rPr lang="en-US" altLang="zh-CN"/>
               <a:t>(1.3%)</a:t>
             </a:r>
             <a:endParaRPr lang="en-US" altLang="zh-CN" dirty="0"/>
@@ -16661,14 +16423,10 @@
             </a:r>
             <a:r>
               <a:rPr lang="zh-CN" altLang="en-US"/>
-              <a:t>家庭</a:t>
+              <a:t>家庭共同体</a:t>
             </a:r>
             <a:r>
-              <a:rPr lang="zh-CN" altLang="en-US" smtClean="0"/>
-              <a:t>共同体</a:t>
-            </a:r>
-            <a:r>
-              <a:rPr lang="en-US" altLang="zh-CN" smtClean="0"/>
+              <a:rPr lang="en-US" altLang="zh-CN"/>
               <a:t>(1.3%)</a:t>
             </a:r>
             <a:endParaRPr lang="en-US" altLang="zh-CN" dirty="0"/>
@@ -16679,14 +16437,10 @@
             </a:pPr>
             <a:r>
               <a:rPr lang="zh-CN" altLang="en-US"/>
-              <a:t>旅行</a:t>
+              <a:t>旅行途中</a:t>
             </a:r>
             <a:r>
-              <a:rPr lang="zh-CN" altLang="en-US" smtClean="0"/>
-              <a:t>途中</a:t>
-            </a:r>
-            <a:r>
-              <a:rPr lang="en-US" altLang="zh-CN" smtClean="0"/>
+              <a:rPr lang="en-US" altLang="zh-CN"/>
               <a:t>(1.2%)</a:t>
             </a:r>
             <a:endParaRPr lang="en-US" altLang="zh-CN" dirty="0"/>
@@ -16701,14 +16455,10 @@
             </a:r>
             <a:r>
               <a:rPr lang="zh-CN" altLang="en-US"/>
-              <a:t>和</a:t>
+              <a:t>和汽车</a:t>
             </a:r>
             <a:r>
-              <a:rPr lang="zh-CN" altLang="en-US" smtClean="0"/>
-              <a:t>汽车</a:t>
-            </a:r>
-            <a:r>
-              <a:rPr lang="en-US" altLang="zh-CN" smtClean="0"/>
+              <a:rPr lang="en-US" altLang="zh-CN"/>
               <a:t>(0.9%)</a:t>
             </a:r>
             <a:endParaRPr lang="en-US" altLang="zh-CN" dirty="0"/>
@@ -16723,14 +16473,10 @@
             </a:r>
             <a:r>
               <a:rPr lang="zh-CN" altLang="en-US"/>
-              <a:t>艺术</a:t>
+              <a:t>艺术作品</a:t>
             </a:r>
             <a:r>
-              <a:rPr lang="zh-CN" altLang="en-US" smtClean="0"/>
-              <a:t>作品</a:t>
-            </a:r>
-            <a:r>
-              <a:rPr lang="en-US" altLang="zh-CN" smtClean="0"/>
+              <a:rPr lang="en-US" altLang="zh-CN"/>
               <a:t>(0.6%)</a:t>
             </a:r>
             <a:endParaRPr lang="en-US" altLang="zh-CN" dirty="0"/>
@@ -16768,14 +16514,10 @@
             </a:r>
             <a:r>
               <a:rPr lang="zh-CN" altLang="en-US" sz="1400"/>
-              <a:t>历时研究中的外部社会环境范畴与内部社会心理范畴聚类贡献</a:t>
+              <a:t>历时研究中的外部社会环境范畴与内部社会心理范畴聚类贡献度</a:t>
             </a:r>
             <a:r>
-              <a:rPr lang="zh-CN" altLang="en-US" sz="1400" smtClean="0"/>
-              <a:t>度</a:t>
-            </a:r>
-            <a:r>
-              <a:rPr lang="en-US" altLang="zh-CN" sz="1400" smtClean="0"/>
+              <a:rPr lang="en-US" altLang="zh-CN" sz="1400"/>
               <a:t>(Page 8)</a:t>
             </a:r>
             <a:endParaRPr lang="zh-CN" altLang="en-US" sz="1400"/>
@@ -16836,13 +16578,6 @@
   <p:clrMapOvr>
     <a:masterClrMapping/>
   </p:clrMapOvr>
-  <p:timing>
-    <p:tnLst>
-      <p:par>
-        <p:cTn id="1" dur="indefinite" restart="never" nodeType="tmRoot"/>
-      </p:par>
-    </p:tnLst>
-  </p:timing>
 </p:sld>
 </file>
 
@@ -16868,7 +16603,7 @@
           <p:cNvPr id="2" name="íṧļîḍe">
             <a:extLst>
               <a:ext uri="{FF2B5EF4-FFF2-40B4-BE49-F238E27FC236}">
-                <a16:creationId xmlns="" xmlns:a16="http://schemas.microsoft.com/office/drawing/2014/main" id="{6AD7DE2F-2C25-C25A-957B-4AC542D02BC6}"/>
+                <a16:creationId xmlns:a16="http://schemas.microsoft.com/office/drawing/2014/main" id="{6AD7DE2F-2C25-C25A-957B-4AC542D02BC6}"/>
               </a:ext>
             </a:extLst>
           </p:cNvPr>
@@ -16907,7 +16642,7 @@
           <p:cNvPr id="3" name="ïśḷíḓè">
             <a:extLst>
               <a:ext uri="{FF2B5EF4-FFF2-40B4-BE49-F238E27FC236}">
-                <a16:creationId xmlns="" xmlns:a16="http://schemas.microsoft.com/office/drawing/2014/main" id="{8266A897-12C8-B861-AB61-6E0288D5149F}"/>
+                <a16:creationId xmlns:a16="http://schemas.microsoft.com/office/drawing/2014/main" id="{8266A897-12C8-B861-AB61-6E0288D5149F}"/>
               </a:ext>
             </a:extLst>
           </p:cNvPr>
@@ -16967,20 +16702,10 @@
                   </a:schemeClr>
                 </a:solidFill>
               </a:rPr>
-              <a:t>内部社会心理</a:t>
+              <a:t>内部社会心理范畴</a:t>
             </a:r>
             <a:r>
-              <a:rPr lang="zh-CN" altLang="en-US" sz="2400" b="1" smtClean="0">
-                <a:solidFill>
-                  <a:schemeClr val="accent4">
-                    <a:lumMod val="75000"/>
-                  </a:schemeClr>
-                </a:solidFill>
-              </a:rPr>
-              <a:t>范畴</a:t>
-            </a:r>
-            <a:r>
-              <a:rPr lang="en-US" altLang="zh-CN" sz="2400" b="1" smtClean="0">
+              <a:rPr lang="en-US" altLang="zh-CN" sz="2400" b="1">
                 <a:solidFill>
                   <a:schemeClr val="accent4">
                     <a:lumMod val="75000"/>
@@ -16989,13 +16714,6 @@
               </a:rPr>
               <a:t>(P7)</a:t>
             </a:r>
-            <a:endParaRPr lang="en-US" altLang="zh-CN" sz="2400" b="1">
-              <a:solidFill>
-                <a:schemeClr val="accent4">
-                  <a:lumMod val="75000"/>
-                </a:schemeClr>
-              </a:solidFill>
-            </a:endParaRPr>
           </a:p>
           <a:p>
             <a:endParaRPr lang="en-US" altLang="zh-CN" b="1" i="0">
@@ -17013,17 +16731,12 @@
             </a:pPr>
             <a:r>
               <a:rPr lang="zh-CN" altLang="en-US"/>
-              <a:t>期待</a:t>
+              <a:t>期待重游</a:t>
             </a:r>
             <a:r>
-              <a:rPr lang="zh-CN" altLang="en-US" smtClean="0"/>
-              <a:t>重游</a:t>
-            </a:r>
-            <a:r>
-              <a:rPr lang="en-US" altLang="zh-CN" smtClean="0"/>
+              <a:rPr lang="en-US" altLang="zh-CN"/>
               <a:t>(11%)</a:t>
             </a:r>
-            <a:endParaRPr lang="en-US" altLang="zh-CN"/>
           </a:p>
           <a:p>
             <a:pPr marL="342900" indent="-342900">
@@ -17031,17 +16744,12 @@
             </a:pPr>
             <a:r>
               <a:rPr lang="zh-CN" altLang="en-US"/>
-              <a:t>新奇的夜间</a:t>
+              <a:t>新奇的夜间体验</a:t>
             </a:r>
             <a:r>
-              <a:rPr lang="zh-CN" altLang="en-US" smtClean="0"/>
-              <a:t>体验</a:t>
-            </a:r>
-            <a:r>
-              <a:rPr lang="en-US" altLang="zh-CN" smtClean="0"/>
+              <a:rPr lang="en-US" altLang="zh-CN"/>
               <a:t>(7.2%)</a:t>
             </a:r>
-            <a:endParaRPr lang="en-US" altLang="zh-CN"/>
           </a:p>
           <a:p>
             <a:pPr marL="342900" indent="-342900">
@@ -17049,31 +16757,12 @@
             </a:pPr>
             <a:r>
               <a:rPr lang="zh-CN" altLang="en-US"/>
-              <a:t>感恩与</a:t>
+              <a:t>感恩与惊叹</a:t>
             </a:r>
             <a:r>
-              <a:rPr lang="zh-CN" altLang="en-US" smtClean="0"/>
-              <a:t>惊叹</a:t>
-            </a:r>
-            <a:r>
-              <a:rPr lang="en-US" altLang="zh-CN" smtClean="0"/>
+              <a:rPr lang="en-US" altLang="zh-CN"/>
               <a:t>(7.1%)</a:t>
             </a:r>
-            <a:endParaRPr lang="en-US" altLang="zh-CN"/>
-          </a:p>
-          <a:p>
-            <a:pPr marL="342900" indent="-342900">
-              <a:buAutoNum type="arabicPeriod"/>
-            </a:pPr>
-            <a:r>
-              <a:rPr lang="zh-CN" altLang="en-US" smtClean="0"/>
-              <a:t>准备参与火人节</a:t>
-            </a:r>
-            <a:r>
-              <a:rPr lang="en-US" altLang="zh-CN" smtClean="0"/>
-              <a:t>(5.9%)</a:t>
-            </a:r>
-            <a:endParaRPr lang="en-US" altLang="zh-CN"/>
           </a:p>
           <a:p>
             <a:pPr marL="342900" indent="-342900">
@@ -17081,17 +16770,12 @@
             </a:pPr>
             <a:r>
               <a:rPr lang="zh-CN" altLang="en-US"/>
-              <a:t>早晨日出与</a:t>
+              <a:t>准备参与火人节</a:t>
             </a:r>
             <a:r>
-              <a:rPr lang="zh-CN" altLang="en-US" smtClean="0"/>
-              <a:t>蜕变</a:t>
+              <a:rPr lang="en-US" altLang="zh-CN"/>
+              <a:t>(5.9%)</a:t>
             </a:r>
-            <a:r>
-              <a:rPr lang="en-US" altLang="zh-CN" smtClean="0"/>
-              <a:t>(3.6%)</a:t>
-            </a:r>
-            <a:endParaRPr lang="en-US" altLang="zh-CN"/>
           </a:p>
           <a:p>
             <a:pPr marL="342900" indent="-342900">
@@ -17099,17 +16783,12 @@
             </a:pPr>
             <a:r>
               <a:rPr lang="zh-CN" altLang="en-US"/>
-              <a:t>思考</a:t>
+              <a:t>早晨日出与蜕变</a:t>
             </a:r>
             <a:r>
-              <a:rPr lang="zh-CN" altLang="en-US" smtClean="0"/>
-              <a:t>人生</a:t>
+              <a:rPr lang="en-US" altLang="zh-CN"/>
+              <a:t>(3.6%)</a:t>
             </a:r>
-            <a:r>
-              <a:rPr lang="en-US" altLang="zh-CN" smtClean="0"/>
-              <a:t>(3.5%)</a:t>
-            </a:r>
-            <a:endParaRPr lang="en-US" altLang="zh-CN"/>
           </a:p>
           <a:p>
             <a:pPr marL="342900" indent="-342900">
@@ -17117,17 +16796,12 @@
             </a:pPr>
             <a:r>
               <a:rPr lang="zh-CN" altLang="en-US"/>
-              <a:t>跳舞</a:t>
+              <a:t>思考人生</a:t>
             </a:r>
             <a:r>
-              <a:rPr lang="zh-CN" altLang="en-US" smtClean="0"/>
-              <a:t>记忆</a:t>
-            </a:r>
-            <a:r>
-              <a:rPr lang="en-US" altLang="zh-CN" smtClean="0"/>
+              <a:rPr lang="en-US" altLang="zh-CN"/>
               <a:t>(3.5%)</a:t>
             </a:r>
-            <a:endParaRPr lang="en-US" altLang="zh-CN"/>
           </a:p>
           <a:p>
             <a:pPr marL="342900" indent="-342900">
@@ -17135,17 +16809,12 @@
             </a:pPr>
             <a:r>
               <a:rPr lang="zh-CN" altLang="en-US"/>
-              <a:t>活动</a:t>
+              <a:t>跳舞记忆</a:t>
             </a:r>
             <a:r>
-              <a:rPr lang="zh-CN" altLang="en-US" smtClean="0"/>
-              <a:t>倒计时</a:t>
+              <a:rPr lang="en-US" altLang="zh-CN"/>
+              <a:t>(3.5%)</a:t>
             </a:r>
-            <a:r>
-              <a:rPr lang="en-US" altLang="zh-CN" smtClean="0"/>
-              <a:t>(3.1%)</a:t>
-            </a:r>
-            <a:endParaRPr lang="en-US" altLang="zh-CN"/>
           </a:p>
           <a:p>
             <a:pPr marL="342900" indent="-342900">
@@ -17153,17 +16822,12 @@
             </a:pPr>
             <a:r>
               <a:rPr lang="zh-CN" altLang="en-US"/>
-              <a:t>回家与</a:t>
+              <a:t>活动倒计时</a:t>
             </a:r>
             <a:r>
-              <a:rPr lang="zh-CN" altLang="en-US" smtClean="0"/>
-              <a:t>意料改变</a:t>
+              <a:rPr lang="en-US" altLang="zh-CN"/>
+              <a:t>(3.1%)</a:t>
             </a:r>
-            <a:r>
-              <a:rPr lang="en-US" altLang="zh-CN" smtClean="0"/>
-              <a:t>(2.1%)</a:t>
-            </a:r>
-            <a:endParaRPr lang="en-US" altLang="zh-CN"/>
           </a:p>
           <a:p>
             <a:pPr marL="342900" indent="-342900">
@@ -17171,17 +16835,12 @@
             </a:pPr>
             <a:r>
               <a:rPr lang="zh-CN" altLang="en-US"/>
-              <a:t>如梦如幻</a:t>
+              <a:t>回家与意料改变</a:t>
             </a:r>
             <a:r>
-              <a:rPr lang="zh-CN" altLang="en-US" smtClean="0"/>
-              <a:t>与转型</a:t>
-            </a:r>
-            <a:r>
-              <a:rPr lang="en-US" altLang="zh-CN" smtClean="0"/>
+              <a:rPr lang="en-US" altLang="zh-CN"/>
               <a:t>(2.1%)</a:t>
             </a:r>
-            <a:endParaRPr lang="en-US" altLang="zh-CN"/>
           </a:p>
           <a:p>
             <a:pPr marL="342900" indent="-342900">
@@ -17189,17 +16848,12 @@
             </a:pPr>
             <a:r>
               <a:rPr lang="zh-CN" altLang="en-US"/>
-              <a:t>激进的自我表达，灵魂、他人、群体</a:t>
+              <a:t>如梦如幻与转型</a:t>
             </a:r>
             <a:r>
-              <a:rPr lang="zh-CN" altLang="en-US" smtClean="0"/>
-              <a:t>共同体</a:t>
+              <a:rPr lang="en-US" altLang="zh-CN"/>
+              <a:t>(2.1%)</a:t>
             </a:r>
-            <a:r>
-              <a:rPr lang="en-US" altLang="zh-CN" smtClean="0"/>
-              <a:t>(2.0%)</a:t>
-            </a:r>
-            <a:endParaRPr lang="en-US" altLang="zh-CN"/>
           </a:p>
           <a:p>
             <a:pPr marL="342900" indent="-342900">
@@ -17207,17 +16861,12 @@
             </a:pPr>
             <a:r>
               <a:rPr lang="zh-CN" altLang="en-US"/>
-              <a:t>探索与</a:t>
+              <a:t>激进的自我表达，灵魂、他人、群体共同体</a:t>
             </a:r>
             <a:r>
-              <a:rPr lang="zh-CN" altLang="en-US" smtClean="0"/>
-              <a:t>娱乐</a:t>
+              <a:rPr lang="en-US" altLang="zh-CN"/>
+              <a:t>(2.0%)</a:t>
             </a:r>
-            <a:r>
-              <a:rPr lang="en-US" altLang="zh-CN" smtClean="0"/>
-              <a:t>(1.8%)</a:t>
-            </a:r>
-            <a:endParaRPr lang="en-US" altLang="zh-CN"/>
           </a:p>
           <a:p>
             <a:pPr marL="342900" indent="-342900">
@@ -17225,17 +16874,12 @@
             </a:pPr>
             <a:r>
               <a:rPr lang="zh-CN" altLang="en-US"/>
-              <a:t>回顾与</a:t>
+              <a:t>探索与娱乐</a:t>
             </a:r>
             <a:r>
-              <a:rPr lang="zh-CN" altLang="en-US" smtClean="0"/>
-              <a:t>感恩</a:t>
+              <a:rPr lang="en-US" altLang="zh-CN"/>
+              <a:t>(1.8%)</a:t>
             </a:r>
-            <a:r>
-              <a:rPr lang="en-US" altLang="zh-CN" smtClean="0"/>
-              <a:t>(0.5%)</a:t>
-            </a:r>
-            <a:endParaRPr lang="en-US" altLang="zh-CN"/>
           </a:p>
           <a:p>
             <a:pPr marL="342900" indent="-342900">
@@ -17243,17 +16887,12 @@
             </a:pPr>
             <a:r>
               <a:rPr lang="zh-CN" altLang="en-US"/>
-              <a:t>场景照片和</a:t>
+              <a:t>回顾与感恩</a:t>
             </a:r>
             <a:r>
-              <a:rPr lang="zh-CN" altLang="en-US" smtClean="0"/>
-              <a:t>准备</a:t>
-            </a:r>
-            <a:r>
-              <a:rPr lang="en-US" altLang="zh-CN" smtClean="0"/>
+              <a:rPr lang="en-US" altLang="zh-CN"/>
               <a:t>(0.5%)</a:t>
             </a:r>
-            <a:endParaRPr lang="en-US" altLang="zh-CN"/>
           </a:p>
           <a:p>
             <a:pPr marL="342900" indent="-342900">
@@ -17261,17 +16900,25 @@
             </a:pPr>
             <a:r>
               <a:rPr lang="zh-CN" altLang="en-US"/>
-              <a:t>回忆时间和</a:t>
+              <a:t>场景照片和准备</a:t>
             </a:r>
             <a:r>
-              <a:rPr lang="zh-CN" altLang="en-US" smtClean="0"/>
-              <a:t>地点</a:t>
+              <a:rPr lang="en-US" altLang="zh-CN"/>
+              <a:t>(0.5%)</a:t>
+            </a:r>
+          </a:p>
+          <a:p>
+            <a:pPr marL="342900" indent="-342900">
+              <a:buAutoNum type="arabicPeriod"/>
+            </a:pPr>
+            <a:r>
+              <a:rPr lang="zh-CN" altLang="en-US"/>
+              <a:t>回忆时间和地点</a:t>
             </a:r>
             <a:r>
-              <a:rPr lang="en-US" altLang="zh-CN" smtClean="0"/>
+              <a:rPr lang="en-US" altLang="zh-CN"/>
               <a:t>(0.4%)</a:t>
             </a:r>
-            <a:endParaRPr lang="en-US" altLang="zh-CN"/>
           </a:p>
         </p:txBody>
       </p:sp>
@@ -17347,14 +16994,10 @@
             </a:r>
             <a:r>
               <a:rPr lang="zh-CN" altLang="en-US" sz="1400"/>
-              <a:t>历时研究中的外部社会环境范畴与内部社会心理范畴聚类贡献</a:t>
+              <a:t>历时研究中的外部社会环境范畴与内部社会心理范畴聚类贡献度</a:t>
             </a:r>
             <a:r>
-              <a:rPr lang="zh-CN" altLang="en-US" sz="1400" smtClean="0"/>
-              <a:t>度</a:t>
-            </a:r>
-            <a:r>
-              <a:rPr lang="en-US" altLang="zh-CN" sz="1400" smtClean="0"/>
+              <a:rPr lang="en-US" altLang="zh-CN" sz="1400"/>
               <a:t>(Page 8)</a:t>
             </a:r>
             <a:endParaRPr lang="zh-CN" altLang="en-US" sz="1400"/>
@@ -17374,13 +17017,6 @@
   <p:clrMapOvr>
     <a:masterClrMapping/>
   </p:clrMapOvr>
-  <p:timing>
-    <p:tnLst>
-      <p:par>
-        <p:cTn id="1" dur="indefinite" restart="never" nodeType="tmRoot"/>
-      </p:par>
-    </p:tnLst>
-  </p:timing>
 </p:sld>
 </file>
 
@@ -17406,7 +17042,7 @@
           <p:cNvPr id="4" name="íŝlïḍé">
             <a:extLst>
               <a:ext uri="{FF2B5EF4-FFF2-40B4-BE49-F238E27FC236}">
-                <a16:creationId xmlns="" xmlns:a16="http://schemas.microsoft.com/office/drawing/2014/main" id="{3E7816B9-4368-481C-AF7D-011CB1B5D3BB}"/>
+                <a16:creationId xmlns:a16="http://schemas.microsoft.com/office/drawing/2014/main" id="{3E7816B9-4368-481C-AF7D-011CB1B5D3BB}"/>
               </a:ext>
             </a:extLst>
           </p:cNvPr>
@@ -17450,7 +17086,7 @@
           <p:cNvPr id="6" name="îşḻídè">
             <a:extLst>
               <a:ext uri="{FF2B5EF4-FFF2-40B4-BE49-F238E27FC236}">
-                <a16:creationId xmlns="" xmlns:a16="http://schemas.microsoft.com/office/drawing/2014/main" id="{5993DD2D-064F-AF40-BEE1-F50A44BA2B04}"/>
+                <a16:creationId xmlns:a16="http://schemas.microsoft.com/office/drawing/2014/main" id="{5993DD2D-064F-AF40-BEE1-F50A44BA2B04}"/>
               </a:ext>
             </a:extLst>
           </p:cNvPr>
@@ -17485,7 +17121,7 @@
           <p:cNvPr id="7" name="ïsḻîdé">
             <a:extLst>
               <a:ext uri="{FF2B5EF4-FFF2-40B4-BE49-F238E27FC236}">
-                <a16:creationId xmlns="" xmlns:a16="http://schemas.microsoft.com/office/drawing/2014/main" id="{BB3C1547-9F10-6996-5762-660A9DB3A432}"/>
+                <a16:creationId xmlns:a16="http://schemas.microsoft.com/office/drawing/2014/main" id="{BB3C1547-9F10-6996-5762-660A9DB3A432}"/>
               </a:ext>
             </a:extLst>
           </p:cNvPr>
@@ -17558,13 +17194,6 @@
   <p:clrMapOvr>
     <a:masterClrMapping/>
   </p:clrMapOvr>
-  <p:timing>
-    <p:tnLst>
-      <p:par>
-        <p:cTn id="1" dur="indefinite" restart="never" nodeType="tmRoot"/>
-      </p:par>
-    </p:tnLst>
-  </p:timing>
 </p:sld>
 </file>
 
@@ -17590,7 +17219,7 @@
           <p:cNvPr id="29" name="ïSḻïdé">
             <a:extLst>
               <a:ext uri="{FF2B5EF4-FFF2-40B4-BE49-F238E27FC236}">
-                <a16:creationId xmlns="" xmlns:a16="http://schemas.microsoft.com/office/drawing/2014/main" id="{739B0083-62C7-13C6-C29E-E3A3F9D6E8C8}"/>
+                <a16:creationId xmlns:a16="http://schemas.microsoft.com/office/drawing/2014/main" id="{739B0083-62C7-13C6-C29E-E3A3F9D6E8C8}"/>
               </a:ext>
             </a:extLst>
           </p:cNvPr>
@@ -17629,7 +17258,7 @@
           <p:cNvPr id="2" name="iSľïďe">
             <a:extLst>
               <a:ext uri="{FF2B5EF4-FFF2-40B4-BE49-F238E27FC236}">
-                <a16:creationId xmlns="" xmlns:a16="http://schemas.microsoft.com/office/drawing/2014/main" id="{89B0AE59-C7E5-CAD8-1760-8D8F2F977A91}"/>
+                <a16:creationId xmlns:a16="http://schemas.microsoft.com/office/drawing/2014/main" id="{89B0AE59-C7E5-CAD8-1760-8D8F2F977A91}"/>
               </a:ext>
             </a:extLst>
           </p:cNvPr>
@@ -17688,23 +17317,7 @@
             </a:pPr>
             <a:r>
               <a:rPr lang="zh-CN" altLang="en-US" sz="2400" b="1"/>
-              <a:t>定性讨论：外部社会环境如何</a:t>
-            </a:r>
-            <a:r>
-              <a:rPr lang="zh-CN" altLang="en-US" sz="2400" b="1" smtClean="0"/>
-              <a:t>成为</a:t>
-            </a:r>
-            <a:r>
-              <a:rPr lang="zh-CN" altLang="en-US" sz="2400" b="1"/>
-              <a:t>人类</a:t>
-            </a:r>
-            <a:r>
-              <a:rPr lang="zh-CN" altLang="en-US" sz="2400" b="1" smtClean="0"/>
-              <a:t>转型</a:t>
-            </a:r>
-            <a:r>
-              <a:rPr lang="zh-CN" altLang="en-US" sz="2400" b="1"/>
-              <a:t>的触发器？</a:t>
+              <a:t>定性讨论：外部社会环境如何成为人类转型的触发器？</a:t>
             </a:r>
             <a:endParaRPr lang="en-US" altLang="zh-CN" sz="2400" b="1"/>
           </a:p>
@@ -17756,27 +17369,15 @@
             </a:r>
             <a:r>
               <a:rPr lang="zh-CN" altLang="en-US" sz="2000"/>
-              <a:t>情绪</a:t>
-            </a:r>
-            <a:r>
-              <a:rPr lang="zh-CN" altLang="en-US" sz="2000" smtClean="0"/>
-              <a:t>（</a:t>
+              <a:t>情绪（</a:t>
             </a:r>
             <a:r>
               <a:rPr lang="en-US" altLang="zh-CN" sz="2000"/>
               <a:t>e.g., love, amazing, incredible</a:t>
             </a:r>
             <a:r>
-              <a:rPr lang="zh-CN" altLang="en-US" sz="2000" smtClean="0"/>
-              <a:t>）密切相关</a:t>
-            </a:r>
-            <a:r>
               <a:rPr lang="zh-CN" altLang="en-US" sz="2000"/>
-              <a:t>，</a:t>
-            </a:r>
-            <a:r>
-              <a:rPr lang="zh-CN" altLang="en-US" sz="2000" smtClean="0"/>
-              <a:t>为</a:t>
+              <a:t>）密切相关，为</a:t>
             </a:r>
             <a:r>
               <a:rPr lang="zh-CN" altLang="en-US" sz="2000" dirty="0"/>
@@ -17784,18 +17385,14 @@
             </a:r>
             <a:r>
               <a:rPr lang="zh-CN" altLang="en-US" sz="2000"/>
-              <a:t>了</a:t>
-            </a:r>
-            <a:r>
-              <a:rPr lang="zh-CN" altLang="en-US" sz="2000" smtClean="0"/>
-              <a:t>“</a:t>
+              <a:t>了“</a:t>
             </a:r>
             <a:r>
               <a:rPr lang="en-US" altLang="zh-CN" sz="2000"/>
               <a:t>Would you like to swing in clouds?</a:t>
             </a:r>
             <a:r>
-              <a:rPr lang="zh-CN" altLang="en-US" sz="2000" smtClean="0"/>
+              <a:rPr lang="zh-CN" altLang="en-US" sz="2000"/>
               <a:t>”</a:t>
             </a:r>
             <a:r>
@@ -17832,20 +17429,10 @@
                   </a:schemeClr>
                 </a:solidFill>
               </a:rPr>
-              <a:t>性</a:t>
+              <a:t>性。</a:t>
             </a:r>
             <a:r>
-              <a:rPr lang="zh-CN" altLang="en-US" sz="2000" b="1" smtClean="0">
-                <a:solidFill>
-                  <a:schemeClr val="accent4">
-                    <a:lumMod val="75000"/>
-                  </a:schemeClr>
-                </a:solidFill>
-              </a:rPr>
-              <a:t>。</a:t>
-            </a:r>
-            <a:r>
-              <a:rPr lang="zh-CN" altLang="en-US" sz="2000" smtClean="0"/>
+              <a:rPr lang="zh-CN" altLang="en-US" sz="2000"/>
               <a:t>火</a:t>
             </a:r>
             <a:r>
@@ -17854,34 +17441,14 @@
             </a:r>
             <a:r>
               <a:rPr lang="zh-CN" altLang="en-US" sz="2000"/>
-              <a:t>且</a:t>
-            </a:r>
-            <a:r>
-              <a:rPr lang="zh-CN" altLang="en-US" sz="2000" smtClean="0"/>
-              <a:t>拥有</a:t>
-            </a:r>
-            <a:r>
-              <a:rPr lang="en-US" altLang="zh-CN" sz="2000" smtClean="0"/>
-              <a:t>”</a:t>
+              <a:t>且拥有</a:t>
             </a:r>
             <a:r>
               <a:rPr lang="en-US" altLang="zh-CN" sz="2000"/>
-              <a:t> Temple Burn</a:t>
+              <a:t>” Temple Burn”” Music &amp; Art”</a:t>
             </a:r>
             <a:r>
-              <a:rPr lang="en-US" altLang="zh-CN" sz="2000" smtClean="0"/>
-              <a:t>””</a:t>
-            </a:r>
-            <a:r>
-              <a:rPr lang="en-US" altLang="zh-CN" sz="2000"/>
-              <a:t> Music &amp; Art</a:t>
-            </a:r>
-            <a:r>
-              <a:rPr lang="en-US" altLang="zh-CN" sz="2000" smtClean="0"/>
-              <a:t>”</a:t>
-            </a:r>
-            <a:r>
-              <a:rPr lang="zh-CN" altLang="en-US" sz="2000" smtClean="0"/>
+              <a:rPr lang="zh-CN" altLang="en-US" sz="2000"/>
               <a:t>等</a:t>
             </a:r>
             <a:r>
@@ -17890,11 +17457,7 @@
             </a:r>
             <a:r>
               <a:rPr lang="zh-CN" altLang="en-US" sz="2000"/>
-              <a:t>活动</a:t>
-            </a:r>
-            <a:r>
-              <a:rPr lang="zh-CN" altLang="en-US" sz="2000" smtClean="0"/>
-              <a:t>，形成</a:t>
+              <a:t>活动，形成</a:t>
             </a:r>
             <a:r>
               <a:rPr lang="zh-CN" altLang="en-US" sz="2000" dirty="0"/>
@@ -17928,11 +17491,7 @@
             </a:r>
             <a:r>
               <a:rPr lang="zh-CN" altLang="en-US" sz="2000"/>
-              <a:t>集体感</a:t>
-            </a:r>
-            <a:r>
-              <a:rPr lang="zh-CN" altLang="en-US" sz="2000" smtClean="0"/>
-              <a:t>产生于活动</a:t>
+              <a:t>集体感产生于活动</a:t>
             </a:r>
             <a:r>
               <a:rPr lang="zh-CN" altLang="en-US" sz="2000" dirty="0"/>
@@ -17940,19 +17499,7 @@
             </a:r>
             <a:r>
               <a:rPr lang="zh-CN" altLang="en-US" sz="2000"/>
-              <a:t>活动</a:t>
-            </a:r>
-            <a:r>
-              <a:rPr lang="zh-CN" altLang="en-US" sz="2000" smtClean="0"/>
-              <a:t>后</a:t>
-            </a:r>
-            <a:r>
-              <a:rPr lang="zh-CN" altLang="en-US" sz="2000"/>
-              <a:t>人类</a:t>
-            </a:r>
-            <a:r>
-              <a:rPr lang="zh-CN" altLang="en-US" sz="2000" smtClean="0"/>
-              <a:t>转型</a:t>
+              <a:t>活动后人类转型</a:t>
             </a:r>
             <a:r>
               <a:rPr lang="zh-CN" altLang="en-US" sz="2000" dirty="0"/>
@@ -17975,13 +17522,6 @@
   <p:clrMapOvr>
     <a:masterClrMapping/>
   </p:clrMapOvr>
-  <p:timing>
-    <p:tnLst>
-      <p:par>
-        <p:cTn id="1" dur="indefinite" restart="never" nodeType="tmRoot"/>
-      </p:par>
-    </p:tnLst>
-  </p:timing>
 </p:sld>
 </file>
 
@@ -18007,7 +17547,7 @@
           <p:cNvPr id="3" name="îś1iḑe">
             <a:extLst>
               <a:ext uri="{FF2B5EF4-FFF2-40B4-BE49-F238E27FC236}">
-                <a16:creationId xmlns="" xmlns:a16="http://schemas.microsoft.com/office/drawing/2014/main" id="{D0354FBB-2958-5F50-F024-31B27882F4EE}"/>
+                <a16:creationId xmlns:a16="http://schemas.microsoft.com/office/drawing/2014/main" id="{D0354FBB-2958-5F50-F024-31B27882F4EE}"/>
               </a:ext>
             </a:extLst>
           </p:cNvPr>
@@ -18142,7 +17682,7 @@
           <p:cNvPr id="28" name="ïṡ1ïďê">
             <a:extLst>
               <a:ext uri="{FF2B5EF4-FFF2-40B4-BE49-F238E27FC236}">
-                <a16:creationId xmlns="" xmlns:a16="http://schemas.microsoft.com/office/drawing/2014/main" id="{401E74F1-26A2-4054-3FE5-34F17BBBD947}"/>
+                <a16:creationId xmlns:a16="http://schemas.microsoft.com/office/drawing/2014/main" id="{401E74F1-26A2-4054-3FE5-34F17BBBD947}"/>
               </a:ext>
             </a:extLst>
           </p:cNvPr>
@@ -18162,7 +17702,7 @@
             <p:cNvPr id="4" name="ïs1îdé">
               <a:extLst>
                 <a:ext uri="{FF2B5EF4-FFF2-40B4-BE49-F238E27FC236}">
-                  <a16:creationId xmlns="" xmlns:a16="http://schemas.microsoft.com/office/drawing/2014/main" id="{A59C4AA7-1E2D-9B78-4676-CAC1DD6A8512}"/>
+                  <a16:creationId xmlns:a16="http://schemas.microsoft.com/office/drawing/2014/main" id="{A59C4AA7-1E2D-9B78-4676-CAC1DD6A8512}"/>
                 </a:ext>
               </a:extLst>
             </p:cNvPr>
@@ -18182,7 +17722,7 @@
               <p:cNvPr id="23" name="îṡḷîḍê">
                 <a:extLst>
                   <a:ext uri="{FF2B5EF4-FFF2-40B4-BE49-F238E27FC236}">
-                    <a16:creationId xmlns="" xmlns:a16="http://schemas.microsoft.com/office/drawing/2014/main" id="{83A16A7A-BAB6-5F7E-B9C7-C9DF9D8C87FE}"/>
+                    <a16:creationId xmlns:a16="http://schemas.microsoft.com/office/drawing/2014/main" id="{83A16A7A-BAB6-5F7E-B9C7-C9DF9D8C87FE}"/>
                   </a:ext>
                 </a:extLst>
               </p:cNvPr>
@@ -18202,7 +17742,7 @@
                 <p:cNvPr id="26" name="îṡļîḍé">
                   <a:extLst>
                     <a:ext uri="{FF2B5EF4-FFF2-40B4-BE49-F238E27FC236}">
-                      <a16:creationId xmlns="" xmlns:a16="http://schemas.microsoft.com/office/drawing/2014/main" id="{974BC2CC-C69D-C78B-0327-CE16D187A56D}"/>
+                      <a16:creationId xmlns:a16="http://schemas.microsoft.com/office/drawing/2014/main" id="{974BC2CC-C69D-C78B-0327-CE16D187A56D}"/>
                     </a:ext>
                   </a:extLst>
                 </p:cNvPr>
@@ -18274,7 +17814,7 @@
                 <p:cNvPr id="27" name="íṣḷíḍê">
                   <a:extLst>
                     <a:ext uri="{FF2B5EF4-FFF2-40B4-BE49-F238E27FC236}">
-                      <a16:creationId xmlns="" xmlns:a16="http://schemas.microsoft.com/office/drawing/2014/main" id="{A0274DD3-C0CF-66A0-76C7-92563CE77AF4}"/>
+                      <a16:creationId xmlns:a16="http://schemas.microsoft.com/office/drawing/2014/main" id="{A0274DD3-C0CF-66A0-76C7-92563CE77AF4}"/>
                     </a:ext>
                   </a:extLst>
                 </p:cNvPr>
@@ -18302,28 +17842,7 @@
                       <a:cs typeface="+mn-ea"/>
                       <a:sym typeface="+mn-lt"/>
                     </a:rPr>
-                    <a:t>论文</a:t>
-                  </a:r>
-                  <a:r>
-                    <a:rPr kumimoji="1" lang="zh-CN" altLang="en-US" sz="2800" b="1" smtClean="0">
-                      <a:cs typeface="+mn-ea"/>
-                      <a:sym typeface="+mn-lt"/>
-                    </a:rPr>
-                    <a:t>摘要（</a:t>
-                  </a:r>
-                  <a:r>
-                    <a:rPr kumimoji="1" lang="zh-CN" altLang="en-US" sz="2800" b="1">
-                      <a:cs typeface="+mn-ea"/>
-                      <a:sym typeface="+mn-lt"/>
-                    </a:rPr>
-                    <a:t>总</a:t>
-                  </a:r>
-                  <a:r>
-                    <a:rPr kumimoji="1" lang="zh-CN" altLang="en-US" sz="2800" b="1" smtClean="0">
-                      <a:cs typeface="+mn-ea"/>
-                      <a:sym typeface="+mn-lt"/>
-                    </a:rPr>
-                    <a:t>）</a:t>
+                    <a:t>论文摘要（总）</a:t>
                   </a:r>
                   <a:endParaRPr kumimoji="1" lang="zh-CN" altLang="en-US" sz="2800" b="1" dirty="0">
                     <a:cs typeface="+mn-ea"/>
@@ -18338,7 +17857,7 @@
               <p:cNvPr id="24" name="í$ľîḑé">
                 <a:extLst>
                   <a:ext uri="{FF2B5EF4-FFF2-40B4-BE49-F238E27FC236}">
-                    <a16:creationId xmlns="" xmlns:a16="http://schemas.microsoft.com/office/drawing/2014/main" id="{979C6938-A6F8-AAF2-46B0-E3F2126FF04A}"/>
+                    <a16:creationId xmlns:a16="http://schemas.microsoft.com/office/drawing/2014/main" id="{979C6938-A6F8-AAF2-46B0-E3F2126FF04A}"/>
                   </a:ext>
                 </a:extLst>
               </p:cNvPr>
@@ -18379,7 +17898,7 @@
               <p:cNvPr id="25" name="ïş1íḍé">
                 <a:extLst>
                   <a:ext uri="{FF2B5EF4-FFF2-40B4-BE49-F238E27FC236}">
-                    <a16:creationId xmlns="" xmlns:a16="http://schemas.microsoft.com/office/drawing/2014/main" id="{D5825AA2-9950-0400-5DEF-2AF023D0C64C}"/>
+                    <a16:creationId xmlns:a16="http://schemas.microsoft.com/office/drawing/2014/main" id="{D5825AA2-9950-0400-5DEF-2AF023D0C64C}"/>
                   </a:ext>
                 </a:extLst>
               </p:cNvPr>
@@ -18425,7 +17944,7 @@
             <p:cNvPr id="5" name="işļïďe">
               <a:extLst>
                 <a:ext uri="{FF2B5EF4-FFF2-40B4-BE49-F238E27FC236}">
-                  <a16:creationId xmlns="" xmlns:a16="http://schemas.microsoft.com/office/drawing/2014/main" id="{680FF075-5785-C39F-CF6A-060A778FC165}"/>
+                  <a16:creationId xmlns:a16="http://schemas.microsoft.com/office/drawing/2014/main" id="{680FF075-5785-C39F-CF6A-060A778FC165}"/>
                 </a:ext>
               </a:extLst>
             </p:cNvPr>
@@ -18445,7 +17964,7 @@
               <p:cNvPr id="18" name="iṧḻiḑe">
                 <a:extLst>
                   <a:ext uri="{FF2B5EF4-FFF2-40B4-BE49-F238E27FC236}">
-                    <a16:creationId xmlns="" xmlns:a16="http://schemas.microsoft.com/office/drawing/2014/main" id="{70E30EDB-7B75-6D8A-1BBF-1A2FC1BEE801}"/>
+                    <a16:creationId xmlns:a16="http://schemas.microsoft.com/office/drawing/2014/main" id="{70E30EDB-7B75-6D8A-1BBF-1A2FC1BEE801}"/>
                   </a:ext>
                 </a:extLst>
               </p:cNvPr>
@@ -18465,7 +17984,7 @@
                 <p:cNvPr id="21" name="î$ḻíḓe">
                   <a:extLst>
                     <a:ext uri="{FF2B5EF4-FFF2-40B4-BE49-F238E27FC236}">
-                      <a16:creationId xmlns="" xmlns:a16="http://schemas.microsoft.com/office/drawing/2014/main" id="{2B4705B8-0650-B985-369F-C2EE665081DA}"/>
+                      <a16:creationId xmlns:a16="http://schemas.microsoft.com/office/drawing/2014/main" id="{2B4705B8-0650-B985-369F-C2EE665081DA}"/>
                     </a:ext>
                   </a:extLst>
                 </p:cNvPr>
@@ -18537,7 +18056,7 @@
                 <p:cNvPr id="22" name="ïṡḷiḋê">
                   <a:extLst>
                     <a:ext uri="{FF2B5EF4-FFF2-40B4-BE49-F238E27FC236}">
-                      <a16:creationId xmlns="" xmlns:a16="http://schemas.microsoft.com/office/drawing/2014/main" id="{08308386-E14E-B76B-24F2-4625C2F22BB8}"/>
+                      <a16:creationId xmlns:a16="http://schemas.microsoft.com/office/drawing/2014/main" id="{08308386-E14E-B76B-24F2-4625C2F22BB8}"/>
                     </a:ext>
                   </a:extLst>
                 </p:cNvPr>
@@ -18565,19 +18084,8 @@
                       <a:cs typeface="+mn-ea"/>
                       <a:sym typeface="+mn-lt"/>
                     </a:rPr>
-                    <a:t>研究背景与研究主题</a:t>
+                    <a:t>研究背景与研究主题（分）</a:t>
                   </a:r>
-                  <a:r>
-                    <a:rPr kumimoji="1" lang="zh-CN" altLang="en-US" sz="2800" b="1" smtClean="0">
-                      <a:cs typeface="+mn-ea"/>
-                      <a:sym typeface="+mn-lt"/>
-                    </a:rPr>
-                    <a:t>（分）</a:t>
-                  </a:r>
-                  <a:endParaRPr kumimoji="1" lang="zh-CN" altLang="en-US" sz="2800" b="1">
-                    <a:cs typeface="+mn-ea"/>
-                    <a:sym typeface="+mn-lt"/>
-                  </a:endParaRPr>
                 </a:p>
               </p:txBody>
             </p:sp>
@@ -18587,7 +18095,7 @@
               <p:cNvPr id="19" name="iSḷiḓè">
                 <a:extLst>
                   <a:ext uri="{FF2B5EF4-FFF2-40B4-BE49-F238E27FC236}">
-                    <a16:creationId xmlns="" xmlns:a16="http://schemas.microsoft.com/office/drawing/2014/main" id="{1C7B2D58-D572-5556-A2BE-70A6FFFFABEC}"/>
+                    <a16:creationId xmlns:a16="http://schemas.microsoft.com/office/drawing/2014/main" id="{1C7B2D58-D572-5556-A2BE-70A6FFFFABEC}"/>
                   </a:ext>
                 </a:extLst>
               </p:cNvPr>
@@ -18628,7 +18136,7 @@
               <p:cNvPr id="20" name="ïs1ïḑè">
                 <a:extLst>
                   <a:ext uri="{FF2B5EF4-FFF2-40B4-BE49-F238E27FC236}">
-                    <a16:creationId xmlns="" xmlns:a16="http://schemas.microsoft.com/office/drawing/2014/main" id="{833515B7-2AE8-189A-B30D-C1B938DA6302}"/>
+                    <a16:creationId xmlns:a16="http://schemas.microsoft.com/office/drawing/2014/main" id="{833515B7-2AE8-189A-B30D-C1B938DA6302}"/>
                   </a:ext>
                 </a:extLst>
               </p:cNvPr>
@@ -18674,7 +18182,7 @@
             <p:cNvPr id="6" name="iṩḷîḋé">
               <a:extLst>
                 <a:ext uri="{FF2B5EF4-FFF2-40B4-BE49-F238E27FC236}">
-                  <a16:creationId xmlns="" xmlns:a16="http://schemas.microsoft.com/office/drawing/2014/main" id="{6D098F7F-9C77-5459-2FAD-72CC6EDC7FA4}"/>
+                  <a16:creationId xmlns:a16="http://schemas.microsoft.com/office/drawing/2014/main" id="{6D098F7F-9C77-5459-2FAD-72CC6EDC7FA4}"/>
                 </a:ext>
               </a:extLst>
             </p:cNvPr>
@@ -18694,7 +18202,7 @@
               <p:cNvPr id="13" name="iṡḷiďè">
                 <a:extLst>
                   <a:ext uri="{FF2B5EF4-FFF2-40B4-BE49-F238E27FC236}">
-                    <a16:creationId xmlns="" xmlns:a16="http://schemas.microsoft.com/office/drawing/2014/main" id="{996B5D98-2A51-C0A3-4319-301329AF01F4}"/>
+                    <a16:creationId xmlns:a16="http://schemas.microsoft.com/office/drawing/2014/main" id="{996B5D98-2A51-C0A3-4319-301329AF01F4}"/>
                   </a:ext>
                 </a:extLst>
               </p:cNvPr>
@@ -18714,7 +18222,7 @@
                 <p:cNvPr id="16" name="îṥlïḍe">
                   <a:extLst>
                     <a:ext uri="{FF2B5EF4-FFF2-40B4-BE49-F238E27FC236}">
-                      <a16:creationId xmlns="" xmlns:a16="http://schemas.microsoft.com/office/drawing/2014/main" id="{8D74F945-68CE-99E6-1A41-77206B4DA5B8}"/>
+                      <a16:creationId xmlns:a16="http://schemas.microsoft.com/office/drawing/2014/main" id="{8D74F945-68CE-99E6-1A41-77206B4DA5B8}"/>
                     </a:ext>
                   </a:extLst>
                 </p:cNvPr>
@@ -18786,7 +18294,7 @@
                 <p:cNvPr id="17" name="iSḷîḑê">
                   <a:extLst>
                     <a:ext uri="{FF2B5EF4-FFF2-40B4-BE49-F238E27FC236}">
-                      <a16:creationId xmlns="" xmlns:a16="http://schemas.microsoft.com/office/drawing/2014/main" id="{87F9B404-1775-97DE-9D1D-0C35E29630ED}"/>
+                      <a16:creationId xmlns:a16="http://schemas.microsoft.com/office/drawing/2014/main" id="{87F9B404-1775-97DE-9D1D-0C35E29630ED}"/>
                     </a:ext>
                   </a:extLst>
                 </p:cNvPr>
@@ -18814,28 +18322,7 @@
                       <a:cs typeface="+mn-ea"/>
                       <a:sym typeface="+mn-lt"/>
                     </a:rPr>
-                    <a:t>研究方法与主要</a:t>
-                  </a:r>
-                  <a:r>
-                    <a:rPr kumimoji="1" lang="zh-CN" altLang="en-US" sz="2800" b="1" smtClean="0">
-                      <a:cs typeface="+mn-ea"/>
-                      <a:sym typeface="+mn-lt"/>
-                    </a:rPr>
-                    <a:t>结论（</a:t>
-                  </a:r>
-                  <a:r>
-                    <a:rPr kumimoji="1" lang="zh-CN" altLang="en-US" sz="2800" b="1">
-                      <a:cs typeface="+mn-ea"/>
-                      <a:sym typeface="+mn-lt"/>
-                    </a:rPr>
-                    <a:t>分</a:t>
-                  </a:r>
-                  <a:r>
-                    <a:rPr kumimoji="1" lang="zh-CN" altLang="en-US" sz="2800" b="1" smtClean="0">
-                      <a:cs typeface="+mn-ea"/>
-                      <a:sym typeface="+mn-lt"/>
-                    </a:rPr>
-                    <a:t>）</a:t>
+                    <a:t>研究方法与主要结论（分）</a:t>
                   </a:r>
                   <a:endParaRPr kumimoji="1" lang="zh-CN" altLang="en-US" sz="2800" b="1" dirty="0">
                     <a:cs typeface="+mn-ea"/>
@@ -18850,7 +18337,7 @@
               <p:cNvPr id="14" name="íSḻíḋè">
                 <a:extLst>
                   <a:ext uri="{FF2B5EF4-FFF2-40B4-BE49-F238E27FC236}">
-                    <a16:creationId xmlns="" xmlns:a16="http://schemas.microsoft.com/office/drawing/2014/main" id="{75931950-4D40-8687-2D8D-44E9A0839485}"/>
+                    <a16:creationId xmlns:a16="http://schemas.microsoft.com/office/drawing/2014/main" id="{75931950-4D40-8687-2D8D-44E9A0839485}"/>
                   </a:ext>
                 </a:extLst>
               </p:cNvPr>
@@ -18891,7 +18378,7 @@
               <p:cNvPr id="15" name="išļîde">
                 <a:extLst>
                   <a:ext uri="{FF2B5EF4-FFF2-40B4-BE49-F238E27FC236}">
-                    <a16:creationId xmlns="" xmlns:a16="http://schemas.microsoft.com/office/drawing/2014/main" id="{E8D3AF1E-1F3E-F6DB-B267-0393C1522B7F}"/>
+                    <a16:creationId xmlns:a16="http://schemas.microsoft.com/office/drawing/2014/main" id="{E8D3AF1E-1F3E-F6DB-B267-0393C1522B7F}"/>
                   </a:ext>
                 </a:extLst>
               </p:cNvPr>
@@ -18937,7 +18424,7 @@
             <p:cNvPr id="7" name="îś1idê">
               <a:extLst>
                 <a:ext uri="{FF2B5EF4-FFF2-40B4-BE49-F238E27FC236}">
-                  <a16:creationId xmlns="" xmlns:a16="http://schemas.microsoft.com/office/drawing/2014/main" id="{1412C11E-84B5-12D9-3749-B91867A79C1D}"/>
+                  <a16:creationId xmlns:a16="http://schemas.microsoft.com/office/drawing/2014/main" id="{1412C11E-84B5-12D9-3749-B91867A79C1D}"/>
                 </a:ext>
               </a:extLst>
             </p:cNvPr>
@@ -18957,7 +18444,7 @@
               <p:cNvPr id="8" name="iS1íḍe">
                 <a:extLst>
                   <a:ext uri="{FF2B5EF4-FFF2-40B4-BE49-F238E27FC236}">
-                    <a16:creationId xmlns="" xmlns:a16="http://schemas.microsoft.com/office/drawing/2014/main" id="{4928AA6A-28DD-B913-64B2-14161535DFE2}"/>
+                    <a16:creationId xmlns:a16="http://schemas.microsoft.com/office/drawing/2014/main" id="{4928AA6A-28DD-B913-64B2-14161535DFE2}"/>
                   </a:ext>
                 </a:extLst>
               </p:cNvPr>
@@ -18977,7 +18464,7 @@
                 <p:cNvPr id="11" name="iSļïḓé">
                   <a:extLst>
                     <a:ext uri="{FF2B5EF4-FFF2-40B4-BE49-F238E27FC236}">
-                      <a16:creationId xmlns="" xmlns:a16="http://schemas.microsoft.com/office/drawing/2014/main" id="{984ED1D8-BCB5-96B2-4C34-3A8FD6C27169}"/>
+                      <a16:creationId xmlns:a16="http://schemas.microsoft.com/office/drawing/2014/main" id="{984ED1D8-BCB5-96B2-4C34-3A8FD6C27169}"/>
                     </a:ext>
                   </a:extLst>
                 </p:cNvPr>
@@ -19049,7 +18536,7 @@
                 <p:cNvPr id="12" name="îṩḻïḋe">
                   <a:extLst>
                     <a:ext uri="{FF2B5EF4-FFF2-40B4-BE49-F238E27FC236}">
-                      <a16:creationId xmlns="" xmlns:a16="http://schemas.microsoft.com/office/drawing/2014/main" id="{DBA6279E-2EA4-29C7-9BFA-FF464E8B1CA7}"/>
+                      <a16:creationId xmlns:a16="http://schemas.microsoft.com/office/drawing/2014/main" id="{DBA6279E-2EA4-29C7-9BFA-FF464E8B1CA7}"/>
                     </a:ext>
                   </a:extLst>
                 </p:cNvPr>
@@ -19077,28 +18564,7 @@
                       <a:cs typeface="+mn-ea"/>
                       <a:sym typeface="+mn-lt"/>
                     </a:rPr>
-                    <a:t>研究讨论与未来</a:t>
-                  </a:r>
-                  <a:r>
-                    <a:rPr kumimoji="1" lang="zh-CN" altLang="en-US" sz="2800" b="1" smtClean="0">
-                      <a:cs typeface="+mn-ea"/>
-                      <a:sym typeface="+mn-lt"/>
-                    </a:rPr>
-                    <a:t>展望（</a:t>
-                  </a:r>
-                  <a:r>
-                    <a:rPr kumimoji="1" lang="zh-CN" altLang="en-US" sz="2800" b="1">
-                      <a:cs typeface="+mn-ea"/>
-                      <a:sym typeface="+mn-lt"/>
-                    </a:rPr>
-                    <a:t>分</a:t>
-                  </a:r>
-                  <a:r>
-                    <a:rPr kumimoji="1" lang="zh-CN" altLang="en-US" sz="2800" b="1" smtClean="0">
-                      <a:cs typeface="+mn-ea"/>
-                      <a:sym typeface="+mn-lt"/>
-                    </a:rPr>
-                    <a:t>）</a:t>
+                    <a:t>研究讨论与未来展望（分）</a:t>
                   </a:r>
                   <a:endParaRPr kumimoji="1" lang="zh-CN" altLang="en-US" sz="2800" b="1" dirty="0">
                     <a:cs typeface="+mn-ea"/>
@@ -19113,7 +18579,7 @@
               <p:cNvPr id="9" name="îṣ1íďe">
                 <a:extLst>
                   <a:ext uri="{FF2B5EF4-FFF2-40B4-BE49-F238E27FC236}">
-                    <a16:creationId xmlns="" xmlns:a16="http://schemas.microsoft.com/office/drawing/2014/main" id="{7FF47380-800B-B23A-2417-D7CE7AC57D9D}"/>
+                    <a16:creationId xmlns:a16="http://schemas.microsoft.com/office/drawing/2014/main" id="{7FF47380-800B-B23A-2417-D7CE7AC57D9D}"/>
                   </a:ext>
                 </a:extLst>
               </p:cNvPr>
@@ -19154,7 +18620,7 @@
               <p:cNvPr id="10" name="îsľiḍe">
                 <a:extLst>
                   <a:ext uri="{FF2B5EF4-FFF2-40B4-BE49-F238E27FC236}">
-                    <a16:creationId xmlns="" xmlns:a16="http://schemas.microsoft.com/office/drawing/2014/main" id="{684C9C73-BE0A-6D72-531F-BC3C57FBBFFE}"/>
+                    <a16:creationId xmlns:a16="http://schemas.microsoft.com/office/drawing/2014/main" id="{684C9C73-BE0A-6D72-531F-BC3C57FBBFFE}"/>
                   </a:ext>
                 </a:extLst>
               </p:cNvPr>
@@ -19201,7 +18667,7 @@
           <p:cNvPr id="29" name="ïş1ïḑé">
             <a:extLst>
               <a:ext uri="{FF2B5EF4-FFF2-40B4-BE49-F238E27FC236}">
-                <a16:creationId xmlns="" xmlns:a16="http://schemas.microsoft.com/office/drawing/2014/main" id="{F5C008A4-AC33-5C84-D26C-D1BB479E1BD9}"/>
+                <a16:creationId xmlns:a16="http://schemas.microsoft.com/office/drawing/2014/main" id="{F5C008A4-AC33-5C84-D26C-D1BB479E1BD9}"/>
               </a:ext>
             </a:extLst>
           </p:cNvPr>
@@ -19245,13 +18711,6 @@
   <p:clrMapOvr>
     <a:masterClrMapping/>
   </p:clrMapOvr>
-  <p:timing>
-    <p:tnLst>
-      <p:par>
-        <p:cTn id="1" dur="indefinite" restart="never" nodeType="tmRoot"/>
-      </p:par>
-    </p:tnLst>
-  </p:timing>
 </p:sld>
 </file>
 
@@ -19277,7 +18736,7 @@
           <p:cNvPr id="29" name="ïSḻïdé">
             <a:extLst>
               <a:ext uri="{FF2B5EF4-FFF2-40B4-BE49-F238E27FC236}">
-                <a16:creationId xmlns="" xmlns:a16="http://schemas.microsoft.com/office/drawing/2014/main" id="{739B0083-62C7-13C6-C29E-E3A3F9D6E8C8}"/>
+                <a16:creationId xmlns:a16="http://schemas.microsoft.com/office/drawing/2014/main" id="{739B0083-62C7-13C6-C29E-E3A3F9D6E8C8}"/>
               </a:ext>
             </a:extLst>
           </p:cNvPr>
@@ -19316,7 +18775,7 @@
           <p:cNvPr id="2" name="iSľïďe">
             <a:extLst>
               <a:ext uri="{FF2B5EF4-FFF2-40B4-BE49-F238E27FC236}">
-                <a16:creationId xmlns="" xmlns:a16="http://schemas.microsoft.com/office/drawing/2014/main" id="{89B0AE59-C7E5-CAD8-1760-8D8F2F977A91}"/>
+                <a16:creationId xmlns:a16="http://schemas.microsoft.com/office/drawing/2014/main" id="{89B0AE59-C7E5-CAD8-1760-8D8F2F977A91}"/>
               </a:ext>
             </a:extLst>
           </p:cNvPr>
@@ -19375,23 +18834,7 @@
             </a:pPr>
             <a:r>
               <a:rPr lang="zh-CN" altLang="en-US" sz="2400" b="1"/>
-              <a:t>定性讨论：内部社会心理如何</a:t>
-            </a:r>
-            <a:r>
-              <a:rPr lang="zh-CN" altLang="en-US" sz="2400" b="1" smtClean="0"/>
-              <a:t>成为</a:t>
-            </a:r>
-            <a:r>
-              <a:rPr lang="zh-CN" altLang="en-US" sz="2400" b="1"/>
-              <a:t>人类</a:t>
-            </a:r>
-            <a:r>
-              <a:rPr lang="zh-CN" altLang="en-US" sz="2400" b="1" smtClean="0"/>
-              <a:t>转型</a:t>
-            </a:r>
-            <a:r>
-              <a:rPr lang="zh-CN" altLang="en-US" sz="2400" b="1"/>
-              <a:t>的触发器？</a:t>
+              <a:t>定性讨论：内部社会心理如何成为人类转型的触发器？</a:t>
             </a:r>
             <a:endParaRPr lang="en-US" altLang="zh-CN" sz="2400" b="1"/>
           </a:p>
@@ -19428,7 +18871,7 @@
               <a:buSzPct val="25000"/>
             </a:pPr>
             <a:r>
-              <a:rPr lang="zh-CN" altLang="en-US" sz="2000" b="1" smtClean="0">
+              <a:rPr lang="zh-CN" altLang="en-US" sz="2000" b="1">
                 <a:solidFill>
                   <a:schemeClr val="accent4">
                     <a:lumMod val="75000"/>
@@ -19448,7 +18891,7 @@
               <a:t>Countdown</a:t>
             </a:r>
             <a:r>
-              <a:rPr lang="zh-CN" altLang="en-US" sz="2000" b="1" smtClean="0">
+              <a:rPr lang="zh-CN" altLang="en-US" sz="2000" b="1">
                 <a:solidFill>
                   <a:schemeClr val="accent4">
                     <a:lumMod val="75000"/>
@@ -19473,11 +18916,7 @@
             </a:r>
             <a:r>
               <a:rPr lang="zh-CN" altLang="en-US" sz="2000"/>
-              <a:t>持续</a:t>
-            </a:r>
-            <a:r>
-              <a:rPr lang="zh-CN" altLang="en-US" sz="2000" smtClean="0"/>
-              <a:t>到最后</a:t>
+              <a:t>持续到最后</a:t>
             </a:r>
             <a:r>
               <a:rPr lang="zh-CN" altLang="en-US" sz="2000" dirty="0"/>
@@ -19485,19 +18924,7 @@
             </a:r>
             <a:r>
               <a:rPr lang="zh-CN" altLang="en-US" sz="2000"/>
-              <a:t>表明</a:t>
-            </a:r>
-            <a:r>
-              <a:rPr lang="zh-CN" altLang="en-US" sz="2000" smtClean="0"/>
-              <a:t>参与者</a:t>
-            </a:r>
-            <a:r>
-              <a:rPr lang="zh-CN" altLang="en-US" sz="2000"/>
-              <a:t>期待</a:t>
-            </a:r>
-            <a:r>
-              <a:rPr lang="zh-CN" altLang="en-US" sz="2000" smtClean="0"/>
-              <a:t>值和参与制都很高，体现了</a:t>
+              <a:t>表明参与者期待值和参与制都很高，体现了</a:t>
             </a:r>
             <a:r>
               <a:rPr lang="zh-CN" altLang="en-US" sz="2000" dirty="0"/>
@@ -19531,26 +18958,14 @@
             </a:r>
             <a:r>
               <a:rPr lang="zh-CN" altLang="en-US" sz="2000"/>
-              <a:t>写</a:t>
-            </a:r>
-            <a:r>
-              <a:rPr lang="zh-CN" altLang="en-US" sz="2000" smtClean="0"/>
-              <a:t>到</a:t>
-            </a:r>
-            <a:r>
-              <a:rPr lang="en-US" altLang="zh-CN" sz="2000" smtClean="0"/>
-              <a:t>”</a:t>
+              <a:t>写到</a:t>
             </a:r>
             <a:r>
               <a:rPr lang="en-US" altLang="zh-CN" sz="2000"/>
-              <a:t> Everything in life is temporary and that is the beauty of it</a:t>
+              <a:t>” Everything in life is temporary and that is the beauty of it”</a:t>
             </a:r>
             <a:r>
-              <a:rPr lang="en-US" altLang="zh-CN" sz="2000" smtClean="0"/>
-              <a:t>”</a:t>
-            </a:r>
-            <a:r>
-              <a:rPr lang="zh-CN" altLang="en-US" sz="2000" smtClean="0"/>
+              <a:rPr lang="zh-CN" altLang="en-US" sz="2000"/>
               <a:t>，</a:t>
             </a:r>
             <a:r>
@@ -19587,20 +19002,10 @@
                   </a:schemeClr>
                 </a:solidFill>
               </a:rPr>
-              <a:t>相关</a:t>
+              <a:t>相关。</a:t>
             </a:r>
             <a:r>
-              <a:rPr lang="zh-CN" altLang="en-US" sz="2000" b="1" smtClean="0">
-                <a:solidFill>
-                  <a:schemeClr val="accent4">
-                    <a:lumMod val="75000"/>
-                  </a:schemeClr>
-                </a:solidFill>
-              </a:rPr>
-              <a:t>。</a:t>
-            </a:r>
-            <a:r>
-              <a:rPr lang="zh-CN" altLang="en-US" sz="2000" smtClean="0"/>
+              <a:rPr lang="zh-CN" altLang="en-US" sz="2000"/>
               <a:t>“感激”</a:t>
             </a:r>
             <a:r>
@@ -19609,34 +19014,22 @@
             </a:r>
             <a:r>
               <a:rPr lang="zh-CN" altLang="en-US" sz="2000"/>
-              <a:t>如</a:t>
-            </a:r>
-            <a:r>
-              <a:rPr lang="zh-CN" altLang="en-US" sz="2000" smtClean="0"/>
-              <a:t>“</a:t>
+              <a:t>如“</a:t>
             </a:r>
             <a:r>
               <a:rPr lang="en-US" altLang="zh-CN" sz="2000"/>
               <a:t>Such a beautiful time full of love and laughter</a:t>
             </a:r>
             <a:r>
-              <a:rPr lang="zh-CN" altLang="en-US" sz="2000" smtClean="0"/>
+              <a:rPr lang="zh-CN" altLang="en-US" sz="2000"/>
               <a:t>”和</a:t>
             </a:r>
             <a:r>
-              <a:rPr lang="en-US" altLang="zh-CN" sz="2000" smtClean="0"/>
-              <a:t>”</a:t>
+              <a:rPr lang="en-US" altLang="zh-CN" sz="2000"/>
+              <a:t>” Such a beautiful place to give thanks”</a:t>
             </a:r>
             <a:r>
-              <a:rPr lang="en-US" altLang="zh-CN" sz="2000"/>
-              <a:t> Such a beautiful place to give thanks</a:t>
-            </a:r>
-            <a:r>
-              <a:rPr lang="en-US" altLang="zh-CN" sz="2000" smtClean="0"/>
-              <a:t>”</a:t>
-            </a:r>
-            <a:r>
-              <a:rPr lang="zh-CN" altLang="en-US" sz="2000" smtClean="0"/>
+              <a:rPr lang="zh-CN" altLang="en-US" sz="2000"/>
               <a:t>。强烈情感</a:t>
             </a:r>
             <a:r>
@@ -19645,19 +19038,7 @@
             </a:r>
             <a:r>
               <a:rPr lang="zh-CN" altLang="en-US" sz="2000"/>
-              <a:t>社交</a:t>
-            </a:r>
-            <a:r>
-              <a:rPr lang="zh-CN" altLang="en-US" sz="2000" smtClean="0"/>
-              <a:t>实践</a:t>
-            </a:r>
-            <a:r>
-              <a:rPr lang="zh-CN" altLang="en-US" sz="2000"/>
-              <a:t>可能</a:t>
-            </a:r>
-            <a:r>
-              <a:rPr lang="zh-CN" altLang="en-US" sz="2000" smtClean="0"/>
-              <a:t>推动长期人类转型</a:t>
+              <a:t>社交实践可能推动长期人类转型</a:t>
             </a:r>
             <a:r>
               <a:rPr lang="zh-CN" altLang="en-US" sz="2000" dirty="0"/>
@@ -19680,13 +19061,6 @@
   <p:clrMapOvr>
     <a:masterClrMapping/>
   </p:clrMapOvr>
-  <p:timing>
-    <p:tnLst>
-      <p:par>
-        <p:cTn id="1" dur="indefinite" restart="never" nodeType="tmRoot"/>
-      </p:par>
-    </p:tnLst>
-  </p:timing>
 </p:sld>
 </file>
 
@@ -19712,7 +19086,7 @@
           <p:cNvPr id="2" name="ïṡḻïḓê">
             <a:extLst>
               <a:ext uri="{FF2B5EF4-FFF2-40B4-BE49-F238E27FC236}">
-                <a16:creationId xmlns="" xmlns:a16="http://schemas.microsoft.com/office/drawing/2014/main" id="{FA50EBB2-8FFA-9D47-A68A-ACED34B79B3A}"/>
+                <a16:creationId xmlns:a16="http://schemas.microsoft.com/office/drawing/2014/main" id="{FA50EBB2-8FFA-9D47-A68A-ACED34B79B3A}"/>
               </a:ext>
             </a:extLst>
           </p:cNvPr>
@@ -19751,7 +19125,7 @@
           <p:cNvPr id="3" name="iṡľïďe">
             <a:extLst>
               <a:ext uri="{FF2B5EF4-FFF2-40B4-BE49-F238E27FC236}">
-                <a16:creationId xmlns="" xmlns:a16="http://schemas.microsoft.com/office/drawing/2014/main" id="{9591A418-03ED-8F81-3AC6-C20EBC502C8A}"/>
+                <a16:creationId xmlns:a16="http://schemas.microsoft.com/office/drawing/2014/main" id="{9591A418-03ED-8F81-3AC6-C20EBC502C8A}"/>
               </a:ext>
             </a:extLst>
           </p:cNvPr>
@@ -19821,7 +19195,7 @@
           <p:cNvPr id="6" name="işļïḑe">
             <a:extLst>
               <a:ext uri="{FF2B5EF4-FFF2-40B4-BE49-F238E27FC236}">
-                <a16:creationId xmlns="" xmlns:a16="http://schemas.microsoft.com/office/drawing/2014/main" id="{89B1FB1D-55B4-EADB-A18E-7F95E2840C0E}"/>
+                <a16:creationId xmlns:a16="http://schemas.microsoft.com/office/drawing/2014/main" id="{89B1FB1D-55B4-EADB-A18E-7F95E2840C0E}"/>
               </a:ext>
             </a:extLst>
           </p:cNvPr>
@@ -19841,7 +19215,7 @@
             <p:cNvPr id="7" name="îşļîďè">
               <a:extLst>
                 <a:ext uri="{FF2B5EF4-FFF2-40B4-BE49-F238E27FC236}">
-                  <a16:creationId xmlns="" xmlns:a16="http://schemas.microsoft.com/office/drawing/2014/main" id="{A505410A-1EA3-C413-4DA3-F98073266F85}"/>
+                  <a16:creationId xmlns:a16="http://schemas.microsoft.com/office/drawing/2014/main" id="{A505410A-1EA3-C413-4DA3-F98073266F85}"/>
                 </a:ext>
               </a:extLst>
             </p:cNvPr>
@@ -19898,7 +19272,7 @@
             <p:cNvPr id="8" name="isľiḋê">
               <a:extLst>
                 <a:ext uri="{FF2B5EF4-FFF2-40B4-BE49-F238E27FC236}">
-                  <a16:creationId xmlns="" xmlns:a16="http://schemas.microsoft.com/office/drawing/2014/main" id="{C4B611F3-BC59-CBD2-EDC3-E3B43580BE87}"/>
+                  <a16:creationId xmlns:a16="http://schemas.microsoft.com/office/drawing/2014/main" id="{C4B611F3-BC59-CBD2-EDC3-E3B43580BE87}"/>
                 </a:ext>
               </a:extLst>
             </p:cNvPr>
@@ -19918,7 +19292,7 @@
               <p:cNvPr id="9" name="ïṡḷíḋé">
                 <a:extLst>
                   <a:ext uri="{FF2B5EF4-FFF2-40B4-BE49-F238E27FC236}">
-                    <a16:creationId xmlns="" xmlns:a16="http://schemas.microsoft.com/office/drawing/2014/main" id="{8875AC18-2574-7C0A-6C3A-24DFB615D50B}"/>
+                    <a16:creationId xmlns:a16="http://schemas.microsoft.com/office/drawing/2014/main" id="{8875AC18-2574-7C0A-6C3A-24DFB615D50B}"/>
                   </a:ext>
                 </a:extLst>
               </p:cNvPr>
@@ -19961,7 +19335,7 @@
               <p:cNvPr id="10" name="îṥḷiḋe">
                 <a:extLst>
                   <a:ext uri="{FF2B5EF4-FFF2-40B4-BE49-F238E27FC236}">
-                    <a16:creationId xmlns="" xmlns:a16="http://schemas.microsoft.com/office/drawing/2014/main" id="{F4EC30EA-8C0D-D546-30E8-CC0B5E4E9523}"/>
+                    <a16:creationId xmlns:a16="http://schemas.microsoft.com/office/drawing/2014/main" id="{F4EC30EA-8C0D-D546-30E8-CC0B5E4E9523}"/>
                   </a:ext>
                 </a:extLst>
               </p:cNvPr>
@@ -19981,7 +19355,7 @@
                 <p:cNvPr id="21" name="ïsľiďê">
                   <a:extLst>
                     <a:ext uri="{FF2B5EF4-FFF2-40B4-BE49-F238E27FC236}">
-                      <a16:creationId xmlns="" xmlns:a16="http://schemas.microsoft.com/office/drawing/2014/main" id="{20218E0D-7A42-C63C-9D9C-843CD974BACB}"/>
+                      <a16:creationId xmlns:a16="http://schemas.microsoft.com/office/drawing/2014/main" id="{20218E0D-7A42-C63C-9D9C-843CD974BACB}"/>
                     </a:ext>
                   </a:extLst>
                 </p:cNvPr>
@@ -20036,7 +19410,7 @@
                 <p:cNvPr id="22" name="îṩľîḓê">
                   <a:extLst>
                     <a:ext uri="{FF2B5EF4-FFF2-40B4-BE49-F238E27FC236}">
-                      <a16:creationId xmlns="" xmlns:a16="http://schemas.microsoft.com/office/drawing/2014/main" id="{A690867C-BF84-3B0F-69AE-6EAC60063086}"/>
+                      <a16:creationId xmlns:a16="http://schemas.microsoft.com/office/drawing/2014/main" id="{A690867C-BF84-3B0F-69AE-6EAC60063086}"/>
                     </a:ext>
                   </a:extLst>
                 </p:cNvPr>
@@ -20056,7 +19430,7 @@
                   <p:cNvPr id="23" name="îšḻiďè">
                     <a:extLst>
                       <a:ext uri="{FF2B5EF4-FFF2-40B4-BE49-F238E27FC236}">
-                        <a16:creationId xmlns="" xmlns:a16="http://schemas.microsoft.com/office/drawing/2014/main" id="{A42D4935-D4BA-4BD9-FC86-8825EDB25921}"/>
+                        <a16:creationId xmlns:a16="http://schemas.microsoft.com/office/drawing/2014/main" id="{A42D4935-D4BA-4BD9-FC86-8825EDB25921}"/>
                       </a:ext>
                     </a:extLst>
                   </p:cNvPr>
@@ -20123,7 +19497,7 @@
                   <p:cNvPr id="24" name="iṩḻídé">
                     <a:extLst>
                       <a:ext uri="{FF2B5EF4-FFF2-40B4-BE49-F238E27FC236}">
-                        <a16:creationId xmlns="" xmlns:a16="http://schemas.microsoft.com/office/drawing/2014/main" id="{1C599AF0-5BCD-F54D-1AD3-1F18793C8BA1}"/>
+                        <a16:creationId xmlns:a16="http://schemas.microsoft.com/office/drawing/2014/main" id="{1C599AF0-5BCD-F54D-1AD3-1F18793C8BA1}"/>
                       </a:ext>
                     </a:extLst>
                   </p:cNvPr>
@@ -20266,7 +19640,7 @@
               <p:cNvPr id="11" name="íṥḷiḋê">
                 <a:extLst>
                   <a:ext uri="{FF2B5EF4-FFF2-40B4-BE49-F238E27FC236}">
-                    <a16:creationId xmlns="" xmlns:a16="http://schemas.microsoft.com/office/drawing/2014/main" id="{6DC272CD-AC6C-A461-43C2-82B6BB6CC08B}"/>
+                    <a16:creationId xmlns:a16="http://schemas.microsoft.com/office/drawing/2014/main" id="{6DC272CD-AC6C-A461-43C2-82B6BB6CC08B}"/>
                   </a:ext>
                 </a:extLst>
               </p:cNvPr>
@@ -20286,7 +19660,7 @@
                 <p:cNvPr id="17" name="íṥḷíḓê">
                   <a:extLst>
                     <a:ext uri="{FF2B5EF4-FFF2-40B4-BE49-F238E27FC236}">
-                      <a16:creationId xmlns="" xmlns:a16="http://schemas.microsoft.com/office/drawing/2014/main" id="{8E995AC9-CBD6-8672-373F-B6EE5604C11B}"/>
+                      <a16:creationId xmlns:a16="http://schemas.microsoft.com/office/drawing/2014/main" id="{8E995AC9-CBD6-8672-373F-B6EE5604C11B}"/>
                     </a:ext>
                   </a:extLst>
                 </p:cNvPr>
@@ -20341,7 +19715,7 @@
                 <p:cNvPr id="18" name="ïšlíḑê">
                   <a:extLst>
                     <a:ext uri="{FF2B5EF4-FFF2-40B4-BE49-F238E27FC236}">
-                      <a16:creationId xmlns="" xmlns:a16="http://schemas.microsoft.com/office/drawing/2014/main" id="{E8B35005-8F4B-D2E3-DB94-51BD685FCAB9}"/>
+                      <a16:creationId xmlns:a16="http://schemas.microsoft.com/office/drawing/2014/main" id="{E8B35005-8F4B-D2E3-DB94-51BD685FCAB9}"/>
                     </a:ext>
                   </a:extLst>
                 </p:cNvPr>
@@ -20361,7 +19735,7 @@
                   <p:cNvPr id="19" name="íṡḷïďè">
                     <a:extLst>
                       <a:ext uri="{FF2B5EF4-FFF2-40B4-BE49-F238E27FC236}">
-                        <a16:creationId xmlns="" xmlns:a16="http://schemas.microsoft.com/office/drawing/2014/main" id="{89D0146D-5E18-BA40-783D-44B7BAE589FD}"/>
+                        <a16:creationId xmlns:a16="http://schemas.microsoft.com/office/drawing/2014/main" id="{89D0146D-5E18-BA40-783D-44B7BAE589FD}"/>
                       </a:ext>
                     </a:extLst>
                   </p:cNvPr>
@@ -20428,7 +19802,7 @@
                   <p:cNvPr id="20" name="îṥļídê">
                     <a:extLst>
                       <a:ext uri="{FF2B5EF4-FFF2-40B4-BE49-F238E27FC236}">
-                        <a16:creationId xmlns="" xmlns:a16="http://schemas.microsoft.com/office/drawing/2014/main" id="{CCF95BAF-EC76-7C12-D864-6ADE84589EC5}"/>
+                        <a16:creationId xmlns:a16="http://schemas.microsoft.com/office/drawing/2014/main" id="{CCF95BAF-EC76-7C12-D864-6ADE84589EC5}"/>
                       </a:ext>
                     </a:extLst>
                   </p:cNvPr>
@@ -20562,37 +19936,7 @@
                         <a:cs typeface="+mn-ea"/>
                         <a:sym typeface="+mn-lt"/>
                       </a:rPr>
-                      <a:t>元素</a:t>
-                    </a:r>
-                    <a:r>
-                      <a:rPr kumimoji="1" lang="zh-CN" altLang="en-US" smtClean="0">
-                        <a:solidFill>
-                          <a:schemeClr val="tx1"/>
-                        </a:solidFill>
-                        <a:cs typeface="+mn-ea"/>
-                        <a:sym typeface="+mn-lt"/>
-                      </a:rPr>
-                      <a:t>促使</a:t>
-                    </a:r>
-                    <a:r>
-                      <a:rPr kumimoji="1" lang="zh-CN" altLang="en-US">
-                        <a:solidFill>
-                          <a:schemeClr val="tx1"/>
-                        </a:solidFill>
-                        <a:cs typeface="+mn-ea"/>
-                        <a:sym typeface="+mn-lt"/>
-                      </a:rPr>
-                      <a:t>人类</a:t>
-                    </a:r>
-                    <a:r>
-                      <a:rPr kumimoji="1" lang="zh-CN" altLang="en-US" smtClean="0">
-                        <a:solidFill>
-                          <a:schemeClr val="tx1"/>
-                        </a:solidFill>
-                        <a:cs typeface="+mn-ea"/>
-                        <a:sym typeface="+mn-lt"/>
-                      </a:rPr>
-                      <a:t>转型</a:t>
+                      <a:t>元素促使人类转型</a:t>
                     </a:r>
                     <a:r>
                       <a:rPr kumimoji="1" lang="zh-CN" altLang="en-US" dirty="0">
@@ -20614,7 +19958,7 @@
               <p:cNvPr id="12" name="iṡ1îḓè">
                 <a:extLst>
                   <a:ext uri="{FF2B5EF4-FFF2-40B4-BE49-F238E27FC236}">
-                    <a16:creationId xmlns="" xmlns:a16="http://schemas.microsoft.com/office/drawing/2014/main" id="{BE188D93-93B5-68BF-B481-2A3CBD1B64D1}"/>
+                    <a16:creationId xmlns:a16="http://schemas.microsoft.com/office/drawing/2014/main" id="{BE188D93-93B5-68BF-B481-2A3CBD1B64D1}"/>
                   </a:ext>
                 </a:extLst>
               </p:cNvPr>
@@ -20634,7 +19978,7 @@
                 <p:cNvPr id="13" name="iṣlíḋe">
                   <a:extLst>
                     <a:ext uri="{FF2B5EF4-FFF2-40B4-BE49-F238E27FC236}">
-                      <a16:creationId xmlns="" xmlns:a16="http://schemas.microsoft.com/office/drawing/2014/main" id="{6B572B98-C7F6-923F-8C26-A0C516399C1C}"/>
+                      <a16:creationId xmlns:a16="http://schemas.microsoft.com/office/drawing/2014/main" id="{6B572B98-C7F6-923F-8C26-A0C516399C1C}"/>
                     </a:ext>
                   </a:extLst>
                 </p:cNvPr>
@@ -20689,7 +20033,7 @@
                 <p:cNvPr id="14" name="i$1idê">
                   <a:extLst>
                     <a:ext uri="{FF2B5EF4-FFF2-40B4-BE49-F238E27FC236}">
-                      <a16:creationId xmlns="" xmlns:a16="http://schemas.microsoft.com/office/drawing/2014/main" id="{9375BDB9-B0FD-62BD-895C-4815A67D503F}"/>
+                      <a16:creationId xmlns:a16="http://schemas.microsoft.com/office/drawing/2014/main" id="{9375BDB9-B0FD-62BD-895C-4815A67D503F}"/>
                     </a:ext>
                   </a:extLst>
                 </p:cNvPr>
@@ -20709,7 +20053,7 @@
                   <p:cNvPr id="15" name="iṣḻidê">
                     <a:extLst>
                       <a:ext uri="{FF2B5EF4-FFF2-40B4-BE49-F238E27FC236}">
-                        <a16:creationId xmlns="" xmlns:a16="http://schemas.microsoft.com/office/drawing/2014/main" id="{D6013189-32D1-A45A-24D0-586E3D91742A}"/>
+                        <a16:creationId xmlns:a16="http://schemas.microsoft.com/office/drawing/2014/main" id="{D6013189-32D1-A45A-24D0-586E3D91742A}"/>
                       </a:ext>
                     </a:extLst>
                   </p:cNvPr>
@@ -20776,7 +20120,7 @@
                   <p:cNvPr id="16" name="ïṡḷíḑé">
                     <a:extLst>
                       <a:ext uri="{FF2B5EF4-FFF2-40B4-BE49-F238E27FC236}">
-                        <a16:creationId xmlns="" xmlns:a16="http://schemas.microsoft.com/office/drawing/2014/main" id="{D2DBA0DE-1CB3-5FF5-5FF1-C1E9D53E01FA}"/>
+                        <a16:creationId xmlns:a16="http://schemas.microsoft.com/office/drawing/2014/main" id="{D2DBA0DE-1CB3-5FF5-5FF1-C1E9D53E01FA}"/>
                       </a:ext>
                     </a:extLst>
                   </p:cNvPr>
@@ -20910,17 +20254,7 @@
                         <a:cs typeface="+mn-ea"/>
                         <a:sym typeface="+mn-lt"/>
                       </a:rPr>
-                      <a:t>以</a:t>
-                    </a:r>
-                    <a:r>
-                      <a:rPr kumimoji="1" lang="zh-CN" altLang="en-US" smtClean="0">
-                        <a:solidFill>
-                          <a:schemeClr val="tx1"/>
-                        </a:solidFill>
-                        <a:cs typeface="+mn-ea"/>
-                        <a:sym typeface="+mn-lt"/>
-                      </a:rPr>
-                      <a:t>激发人类转型</a:t>
+                      <a:t>以激发人类转型</a:t>
                     </a:r>
                     <a:r>
                       <a:rPr kumimoji="1" lang="zh-CN" altLang="en-US" dirty="0">
@@ -20959,13 +20293,6 @@
   <p:clrMapOvr>
     <a:masterClrMapping/>
   </p:clrMapOvr>
-  <p:timing>
-    <p:tnLst>
-      <p:par>
-        <p:cTn id="1" dur="indefinite" restart="never" nodeType="tmRoot"/>
-      </p:par>
-    </p:tnLst>
-  </p:timing>
 </p:sld>
 </file>
 
@@ -20991,7 +20318,7 @@
           <p:cNvPr id="2" name="ïṡḻïḓê">
             <a:extLst>
               <a:ext uri="{FF2B5EF4-FFF2-40B4-BE49-F238E27FC236}">
-                <a16:creationId xmlns="" xmlns:a16="http://schemas.microsoft.com/office/drawing/2014/main" id="{FA50EBB2-8FFA-9D47-A68A-ACED34B79B3A}"/>
+                <a16:creationId xmlns:a16="http://schemas.microsoft.com/office/drawing/2014/main" id="{FA50EBB2-8FFA-9D47-A68A-ACED34B79B3A}"/>
               </a:ext>
             </a:extLst>
           </p:cNvPr>
@@ -21030,7 +20357,7 @@
           <p:cNvPr id="3" name="iṡľïďe">
             <a:extLst>
               <a:ext uri="{FF2B5EF4-FFF2-40B4-BE49-F238E27FC236}">
-                <a16:creationId xmlns="" xmlns:a16="http://schemas.microsoft.com/office/drawing/2014/main" id="{9591A418-03ED-8F81-3AC6-C20EBC502C8A}"/>
+                <a16:creationId xmlns:a16="http://schemas.microsoft.com/office/drawing/2014/main" id="{9591A418-03ED-8F81-3AC6-C20EBC502C8A}"/>
               </a:ext>
             </a:extLst>
           </p:cNvPr>
@@ -21066,7 +20393,7 @@
           <p:cNvPr id="4" name="išlïḑe">
             <a:extLst>
               <a:ext uri="{FF2B5EF4-FFF2-40B4-BE49-F238E27FC236}">
-                <a16:creationId xmlns="" xmlns:a16="http://schemas.microsoft.com/office/drawing/2014/main" id="{07C5C26C-DD0F-75D3-E06A-CE84998BB41F}"/>
+                <a16:creationId xmlns:a16="http://schemas.microsoft.com/office/drawing/2014/main" id="{07C5C26C-DD0F-75D3-E06A-CE84998BB41F}"/>
               </a:ext>
             </a:extLst>
           </p:cNvPr>
@@ -21086,7 +20413,7 @@
             <p:cNvPr id="5" name="íSľïḑé">
               <a:extLst>
                 <a:ext uri="{FF2B5EF4-FFF2-40B4-BE49-F238E27FC236}">
-                  <a16:creationId xmlns="" xmlns:a16="http://schemas.microsoft.com/office/drawing/2014/main" id="{6A96FD22-D81A-E6E5-FB70-D3FDBBF23A22}"/>
+                  <a16:creationId xmlns:a16="http://schemas.microsoft.com/office/drawing/2014/main" id="{6A96FD22-D81A-E6E5-FB70-D3FDBBF23A22}"/>
                 </a:ext>
               </a:extLst>
             </p:cNvPr>
@@ -21165,7 +20492,7 @@
             <p:cNvPr id="6" name="îṩḷîďê">
               <a:extLst>
                 <a:ext uri="{FF2B5EF4-FFF2-40B4-BE49-F238E27FC236}">
-                  <a16:creationId xmlns="" xmlns:a16="http://schemas.microsoft.com/office/drawing/2014/main" id="{6C9376F2-B627-B819-A0BB-BF2B4CE0CA43}"/>
+                  <a16:creationId xmlns:a16="http://schemas.microsoft.com/office/drawing/2014/main" id="{6C9376F2-B627-B819-A0BB-BF2B4CE0CA43}"/>
                 </a:ext>
               </a:extLst>
             </p:cNvPr>
@@ -21247,7 +20574,7 @@
             <p:cNvPr id="7" name="î$ḷïḍe">
               <a:extLst>
                 <a:ext uri="{FF2B5EF4-FFF2-40B4-BE49-F238E27FC236}">
-                  <a16:creationId xmlns="" xmlns:a16="http://schemas.microsoft.com/office/drawing/2014/main" id="{533285E1-D349-7DFE-2704-A6BA5D393422}"/>
+                  <a16:creationId xmlns:a16="http://schemas.microsoft.com/office/drawing/2014/main" id="{533285E1-D349-7DFE-2704-A6BA5D393422}"/>
                 </a:ext>
               </a:extLst>
             </p:cNvPr>
@@ -21330,7 +20657,7 @@
           <p:cNvPr id="8" name="ï$lïḋê">
             <a:extLst>
               <a:ext uri="{FF2B5EF4-FFF2-40B4-BE49-F238E27FC236}">
-                <a16:creationId xmlns="" xmlns:a16="http://schemas.microsoft.com/office/drawing/2014/main" id="{AE832189-17D0-326C-80B8-81226EFD58D5}"/>
+                <a16:creationId xmlns:a16="http://schemas.microsoft.com/office/drawing/2014/main" id="{AE832189-17D0-326C-80B8-81226EFD58D5}"/>
               </a:ext>
             </a:extLst>
           </p:cNvPr>
@@ -21396,7 +20723,7 @@
           <p:cNvPr id="9" name="íṩlïḓé">
             <a:extLst>
               <a:ext uri="{FF2B5EF4-FFF2-40B4-BE49-F238E27FC236}">
-                <a16:creationId xmlns="" xmlns:a16="http://schemas.microsoft.com/office/drawing/2014/main" id="{6E2F0697-54A8-1D49-FB51-34BFF0E41108}"/>
+                <a16:creationId xmlns:a16="http://schemas.microsoft.com/office/drawing/2014/main" id="{6E2F0697-54A8-1D49-FB51-34BFF0E41108}"/>
               </a:ext>
             </a:extLst>
           </p:cNvPr>
@@ -21416,7 +20743,7 @@
             <p:cNvPr id="10" name="íşļíḍê">
               <a:extLst>
                 <a:ext uri="{FF2B5EF4-FFF2-40B4-BE49-F238E27FC236}">
-                  <a16:creationId xmlns="" xmlns:a16="http://schemas.microsoft.com/office/drawing/2014/main" id="{27BC89B6-52BE-564B-E527-1A15362C0F1F}"/>
+                  <a16:creationId xmlns:a16="http://schemas.microsoft.com/office/drawing/2014/main" id="{27BC89B6-52BE-564B-E527-1A15362C0F1F}"/>
                 </a:ext>
               </a:extLst>
             </p:cNvPr>
@@ -21495,7 +20822,7 @@
             <p:cNvPr id="11" name="íş1iḓe">
               <a:extLst>
                 <a:ext uri="{FF2B5EF4-FFF2-40B4-BE49-F238E27FC236}">
-                  <a16:creationId xmlns="" xmlns:a16="http://schemas.microsoft.com/office/drawing/2014/main" id="{D4541F98-D6AB-D0E4-C6BA-15C570D7E68F}"/>
+                  <a16:creationId xmlns:a16="http://schemas.microsoft.com/office/drawing/2014/main" id="{D4541F98-D6AB-D0E4-C6BA-15C570D7E68F}"/>
                 </a:ext>
               </a:extLst>
             </p:cNvPr>
@@ -21570,15 +20897,7 @@
                     <a:schemeClr val="tx1"/>
                   </a:solidFill>
                 </a:rPr>
-                <a:t>人口</a:t>
-              </a:r>
-              <a:r>
-                <a:rPr kumimoji="1" lang="zh-CN" altLang="en-US" sz="1600" smtClean="0">
-                  <a:solidFill>
-                    <a:schemeClr val="tx1"/>
-                  </a:solidFill>
-                </a:rPr>
-                <a:t>背景、</a:t>
+                <a:t>人口背景、</a:t>
               </a:r>
               <a:r>
                 <a:rPr kumimoji="1" lang="zh-CN" altLang="en-US" sz="1600" dirty="0">
@@ -21594,15 +20913,7 @@
                     <a:schemeClr val="tx1"/>
                   </a:solidFill>
                 </a:rPr>
-                <a:t>旅游</a:t>
-              </a:r>
-              <a:r>
-                <a:rPr kumimoji="1" lang="zh-CN" altLang="en-US" sz="1600" smtClean="0">
-                  <a:solidFill>
-                    <a:schemeClr val="tx1"/>
-                  </a:solidFill>
-                </a:rPr>
-                <a:t>经验（如重复游客）和</a:t>
+                <a:t>旅游经验（如重复游客）和</a:t>
               </a:r>
               <a:r>
                 <a:rPr kumimoji="1" lang="zh-CN" altLang="en-US" sz="1600" dirty="0">
@@ -21625,7 +20936,7 @@
             <p:cNvPr id="12" name="ïṩḷiḍê">
               <a:extLst>
                 <a:ext uri="{FF2B5EF4-FFF2-40B4-BE49-F238E27FC236}">
-                  <a16:creationId xmlns="" xmlns:a16="http://schemas.microsoft.com/office/drawing/2014/main" id="{366C83F7-574C-9296-7DCD-0A4D648CF69F}"/>
+                  <a16:creationId xmlns:a16="http://schemas.microsoft.com/office/drawing/2014/main" id="{366C83F7-574C-9296-7DCD-0A4D648CF69F}"/>
                 </a:ext>
               </a:extLst>
             </p:cNvPr>
@@ -21700,15 +21011,7 @@
                     <a:schemeClr val="tx1"/>
                   </a:solidFill>
                 </a:rPr>
-                <a:t>如何</a:t>
-              </a:r>
-              <a:r>
-                <a:rPr kumimoji="1" lang="zh-CN" altLang="en-US" sz="1600" smtClean="0">
-                  <a:solidFill>
-                    <a:schemeClr val="tx1"/>
-                  </a:solidFill>
-                </a:rPr>
-                <a:t>发生及观察期间的重大事件，</a:t>
+                <a:t>如何发生及观察期间的重大事件，</a:t>
               </a:r>
               <a:r>
                 <a:rPr kumimoji="1" lang="zh-CN" altLang="en-US" sz="1600" dirty="0">
@@ -21740,13 +21043,6 @@
   <p:clrMapOvr>
     <a:masterClrMapping/>
   </p:clrMapOvr>
-  <p:timing>
-    <p:tnLst>
-      <p:par>
-        <p:cTn id="1" dur="indefinite" restart="never" nodeType="tmRoot"/>
-      </p:par>
-    </p:tnLst>
-  </p:timing>
 </p:sld>
 </file>
 
@@ -21772,7 +21068,7 @@
           <p:cNvPr id="2" name="ïṡḻïḓê">
             <a:extLst>
               <a:ext uri="{FF2B5EF4-FFF2-40B4-BE49-F238E27FC236}">
-                <a16:creationId xmlns="" xmlns:a16="http://schemas.microsoft.com/office/drawing/2014/main" id="{FA50EBB2-8FFA-9D47-A68A-ACED34B79B3A}"/>
+                <a16:creationId xmlns:a16="http://schemas.microsoft.com/office/drawing/2014/main" id="{FA50EBB2-8FFA-9D47-A68A-ACED34B79B3A}"/>
               </a:ext>
             </a:extLst>
           </p:cNvPr>
@@ -21805,7 +21101,7 @@
           <p:cNvPr id="3" name="iṡľïďe">
             <a:extLst>
               <a:ext uri="{FF2B5EF4-FFF2-40B4-BE49-F238E27FC236}">
-                <a16:creationId xmlns="" xmlns:a16="http://schemas.microsoft.com/office/drawing/2014/main" id="{9591A418-03ED-8F81-3AC6-C20EBC502C8A}"/>
+                <a16:creationId xmlns:a16="http://schemas.microsoft.com/office/drawing/2014/main" id="{9591A418-03ED-8F81-3AC6-C20EBC502C8A}"/>
               </a:ext>
             </a:extLst>
           </p:cNvPr>
@@ -21841,7 +21137,7 @@
           <p:cNvPr id="6" name="iṥ1iḋè">
             <a:extLst>
               <a:ext uri="{FF2B5EF4-FFF2-40B4-BE49-F238E27FC236}">
-                <a16:creationId xmlns="" xmlns:a16="http://schemas.microsoft.com/office/drawing/2014/main" id="{9815C744-A72F-BCC8-8878-625EC7434E60}"/>
+                <a16:creationId xmlns:a16="http://schemas.microsoft.com/office/drawing/2014/main" id="{9815C744-A72F-BCC8-8878-625EC7434E60}"/>
               </a:ext>
             </a:extLst>
           </p:cNvPr>
@@ -21861,7 +21157,7 @@
             <p:cNvPr id="7" name="íṩľîḋe">
               <a:extLst>
                 <a:ext uri="{FF2B5EF4-FFF2-40B4-BE49-F238E27FC236}">
-                  <a16:creationId xmlns="" xmlns:a16="http://schemas.microsoft.com/office/drawing/2014/main" id="{75DDE001-0EE1-35EE-0751-D9B952D4E148}"/>
+                  <a16:creationId xmlns:a16="http://schemas.microsoft.com/office/drawing/2014/main" id="{75DDE001-0EE1-35EE-0751-D9B952D4E148}"/>
                 </a:ext>
               </a:extLst>
             </p:cNvPr>
@@ -21881,7 +21177,7 @@
               <p:cNvPr id="11" name="íṧḻíḋé">
                 <a:extLst>
                   <a:ext uri="{FF2B5EF4-FFF2-40B4-BE49-F238E27FC236}">
-                    <a16:creationId xmlns="" xmlns:a16="http://schemas.microsoft.com/office/drawing/2014/main" id="{636C69DF-EB61-9BED-55F9-5CCAC1B36B66}"/>
+                    <a16:creationId xmlns:a16="http://schemas.microsoft.com/office/drawing/2014/main" id="{636C69DF-EB61-9BED-55F9-5CCAC1B36B66}"/>
                   </a:ext>
                 </a:extLst>
               </p:cNvPr>
@@ -21941,7 +21237,7 @@
               <p:cNvPr id="12" name="iś1ïḋé">
                 <a:extLst>
                   <a:ext uri="{FF2B5EF4-FFF2-40B4-BE49-F238E27FC236}">
-                    <a16:creationId xmlns="" xmlns:a16="http://schemas.microsoft.com/office/drawing/2014/main" id="{DF732461-4FA4-C21F-6794-CAA72212075A}"/>
+                    <a16:creationId xmlns:a16="http://schemas.microsoft.com/office/drawing/2014/main" id="{DF732461-4FA4-C21F-6794-CAA72212075A}"/>
                   </a:ext>
                 </a:extLst>
               </p:cNvPr>
@@ -22071,7 +21367,7 @@
             <p:cNvPr id="8" name="íṡļiḍé">
               <a:extLst>
                 <a:ext uri="{FF2B5EF4-FFF2-40B4-BE49-F238E27FC236}">
-                  <a16:creationId xmlns="" xmlns:a16="http://schemas.microsoft.com/office/drawing/2014/main" id="{7127F6F5-E7B3-0148-74E3-A9D860F1F9D8}"/>
+                  <a16:creationId xmlns:a16="http://schemas.microsoft.com/office/drawing/2014/main" id="{7127F6F5-E7B3-0148-74E3-A9D860F1F9D8}"/>
                 </a:ext>
               </a:extLst>
             </p:cNvPr>
@@ -22091,7 +21387,7 @@
               <p:cNvPr id="9" name="îSlïde">
                 <a:extLst>
                   <a:ext uri="{FF2B5EF4-FFF2-40B4-BE49-F238E27FC236}">
-                    <a16:creationId xmlns="" xmlns:a16="http://schemas.microsoft.com/office/drawing/2014/main" id="{342A2D93-85AE-6961-251A-49E6E660249E}"/>
+                    <a16:creationId xmlns:a16="http://schemas.microsoft.com/office/drawing/2014/main" id="{342A2D93-85AE-6961-251A-49E6E660249E}"/>
                   </a:ext>
                 </a:extLst>
               </p:cNvPr>
@@ -22151,7 +21447,7 @@
               <p:cNvPr id="10" name="íṣļiḍé">
                 <a:extLst>
                   <a:ext uri="{FF2B5EF4-FFF2-40B4-BE49-F238E27FC236}">
-                    <a16:creationId xmlns="" xmlns:a16="http://schemas.microsoft.com/office/drawing/2014/main" id="{8DFBB911-13C2-15EC-12AD-987FD10FAA3D}"/>
+                    <a16:creationId xmlns:a16="http://schemas.microsoft.com/office/drawing/2014/main" id="{8DFBB911-13C2-15EC-12AD-987FD10FAA3D}"/>
                   </a:ext>
                 </a:extLst>
               </p:cNvPr>
@@ -22269,7 +21565,7 @@
                   <a:t>理解</a:t>
                 </a:r>
                 <a:r>
-                  <a:rPr lang="zh-CN" altLang="en-US" smtClean="0"/>
+                  <a:rPr lang="zh-CN" altLang="en-US"/>
                   <a:t>聚类的分类和相关性</a:t>
                 </a:r>
                 <a:endParaRPr lang="en-US" altLang="zh-CN" sz="1800" dirty="0"/>
@@ -22283,7 +21579,7 @@
           <p:cNvPr id="1026" name="Picture 2">
             <a:extLst>
               <a:ext uri="{FF2B5EF4-FFF2-40B4-BE49-F238E27FC236}">
-                <a16:creationId xmlns="" xmlns:a16="http://schemas.microsoft.com/office/drawing/2014/main" id="{8EB9369D-30BD-A399-33BD-5CCD866E21A0}"/>
+                <a16:creationId xmlns:a16="http://schemas.microsoft.com/office/drawing/2014/main" id="{8EB9369D-30BD-A399-33BD-5CCD866E21A0}"/>
               </a:ext>
             </a:extLst>
           </p:cNvPr>
@@ -22345,69 +21641,35 @@
           <a:lstStyle/>
           <a:p>
             <a:r>
-              <a:rPr lang="en-US" altLang="zh-CN" sz="1400" smtClean="0"/>
+              <a:rPr lang="en-US" altLang="zh-CN" sz="1400"/>
               <a:t>TDA by Python</a:t>
             </a:r>
-            <a:endParaRPr lang="en-US" altLang="zh-CN" sz="1400" smtClean="0"/>
           </a:p>
           <a:p>
-            <a:r>
-              <a:rPr lang="zh-CN" altLang="en-US" sz="1400" smtClean="0">
-                <a:hlinkClick r:id="rId5"/>
-              </a:rPr>
-              <a:t>https</a:t>
-            </a:r>
             <a:r>
               <a:rPr lang="zh-CN" altLang="en-US" sz="1400">
                 <a:hlinkClick r:id="rId5"/>
               </a:rPr>
-              <a:t>://gudhi.inria.fr/introduction</a:t>
+              <a:t>https://gudhi.inria.fr/introduction/</a:t>
             </a:r>
             <a:r>
-              <a:rPr lang="zh-CN" altLang="en-US" sz="1400" smtClean="0">
-                <a:hlinkClick r:id="rId5"/>
-              </a:rPr>
-              <a:t>/</a:t>
-            </a:r>
-            <a:r>
-              <a:rPr lang="en-US" altLang="zh-CN" sz="1400" smtClean="0"/>
+              <a:rPr lang="en-US" altLang="zh-CN" sz="1400"/>
               <a:t>; </a:t>
-            </a:r>
-            <a:r>
-              <a:rPr lang="zh-CN" altLang="en-US" sz="1400" smtClean="0">
-                <a:hlinkClick r:id="rId6"/>
-              </a:rPr>
-              <a:t>https</a:t>
             </a:r>
             <a:r>
               <a:rPr lang="zh-CN" altLang="en-US" sz="1400">
                 <a:hlinkClick r:id="rId6"/>
               </a:rPr>
-              <a:t>://scikit-learn.org/stable</a:t>
+              <a:t>https://scikit-learn.org/stable/</a:t>
             </a:r>
             <a:r>
-              <a:rPr lang="zh-CN" altLang="en-US" sz="1400" smtClean="0">
-                <a:hlinkClick r:id="rId6"/>
-              </a:rPr>
-              <a:t>/</a:t>
-            </a:r>
-            <a:r>
-              <a:rPr lang="en-US" altLang="zh-CN" sz="1400" smtClean="0"/>
+              <a:rPr lang="en-US" altLang="zh-CN" sz="1400"/>
               <a:t>; </a:t>
             </a:r>
             <a:r>
-              <a:rPr lang="zh-CN" altLang="en-US" sz="1400" smtClean="0"/>
-              <a:t>https</a:t>
+              <a:rPr lang="zh-CN" altLang="en-US" sz="1400"/>
+              <a:t>https://www.tensorflow.org/?hl=zh-cn</a:t>
             </a:r>
-            <a:r>
-              <a:rPr lang="zh-CN" altLang="en-US" sz="1400"/>
-              <a:t>://www.tensorflow.org/?hl=zh-</a:t>
-            </a:r>
-            <a:r>
-              <a:rPr lang="zh-CN" altLang="en-US" sz="1400" smtClean="0"/>
-              <a:t>cn</a:t>
-            </a:r>
-            <a:endParaRPr lang="zh-CN" altLang="en-US" sz="1400"/>
           </a:p>
         </p:txBody>
       </p:sp>
@@ -22424,13 +21686,6 @@
   <p:clrMapOvr>
     <a:masterClrMapping/>
   </p:clrMapOvr>
-  <p:timing>
-    <p:tnLst>
-      <p:par>
-        <p:cTn id="1" dur="indefinite" restart="never" nodeType="tmRoot"/>
-      </p:par>
-    </p:tnLst>
-  </p:timing>
 </p:sld>
 </file>
 
@@ -22456,7 +21711,7 @@
           <p:cNvPr id="2" name="ïṡḻïḓê">
             <a:extLst>
               <a:ext uri="{FF2B5EF4-FFF2-40B4-BE49-F238E27FC236}">
-                <a16:creationId xmlns="" xmlns:a16="http://schemas.microsoft.com/office/drawing/2014/main" id="{FA50EBB2-8FFA-9D47-A68A-ACED34B79B3A}"/>
+                <a16:creationId xmlns:a16="http://schemas.microsoft.com/office/drawing/2014/main" id="{FA50EBB2-8FFA-9D47-A68A-ACED34B79B3A}"/>
               </a:ext>
             </a:extLst>
           </p:cNvPr>
@@ -22489,7 +21744,7 @@
           <p:cNvPr id="3" name="iṡľïďe">
             <a:extLst>
               <a:ext uri="{FF2B5EF4-FFF2-40B4-BE49-F238E27FC236}">
-                <a16:creationId xmlns="" xmlns:a16="http://schemas.microsoft.com/office/drawing/2014/main" id="{9591A418-03ED-8F81-3AC6-C20EBC502C8A}"/>
+                <a16:creationId xmlns:a16="http://schemas.microsoft.com/office/drawing/2014/main" id="{9591A418-03ED-8F81-3AC6-C20EBC502C8A}"/>
               </a:ext>
             </a:extLst>
           </p:cNvPr>
@@ -22522,47 +21777,24 @@
       </p:sp>
       <p:grpSp>
         <p:nvGrpSpPr>
-          <p:cNvPr id="13" name="组合 12"/>
+          <p:cNvPr id="7" name="组合 6">
+            <a:extLst>
+              <a:ext uri="{FF2B5EF4-FFF2-40B4-BE49-F238E27FC236}">
+                <a16:creationId xmlns:a16="http://schemas.microsoft.com/office/drawing/2014/main" id="{34FEE4D9-A5EB-DD5E-3E05-CA281128F607}"/>
+              </a:ext>
+            </a:extLst>
+          </p:cNvPr>
           <p:cNvGrpSpPr/>
           <p:nvPr/>
         </p:nvGrpSpPr>
         <p:grpSpPr>
           <a:xfrm>
-            <a:off x="433306" y="1307595"/>
-            <a:ext cx="11325388" cy="4832092"/>
-            <a:chOff x="193512" y="1246635"/>
-            <a:chExt cx="11325388" cy="4832092"/>
+            <a:off x="505095" y="1539235"/>
+            <a:ext cx="10731905" cy="4389129"/>
+            <a:chOff x="497600" y="1307942"/>
+            <a:chExt cx="10731905" cy="4389129"/>
           </a:xfrm>
         </p:grpSpPr>
-        <p:pic>
-          <p:nvPicPr>
-            <p:cNvPr id="14" name="图片 13"/>
-            <p:cNvPicPr>
-              <a:picLocks noChangeAspect="1"/>
-            </p:cNvPicPr>
-            <p:nvPr/>
-          </p:nvPicPr>
-          <p:blipFill rotWithShape="1">
-            <a:blip r:embed="rId5">
-              <a:extLst>
-                <a:ext uri="{28A0092B-C50C-407E-A947-70E740481C1C}">
-                  <a14:useLocalDpi xmlns:a14="http://schemas.microsoft.com/office/drawing/2010/main" val="0"/>
-                </a:ext>
-              </a:extLst>
-            </a:blip>
-            <a:srcRect l="5207" t="10304" r="8334" b="3350"/>
-            <a:stretch/>
-          </p:blipFill>
-          <p:spPr>
-            <a:xfrm>
-              <a:off x="5189606" y="1246635"/>
-              <a:ext cx="6329294" cy="4740701"/>
-            </a:xfrm>
-            <a:prstGeom prst="rect">
-              <a:avLst/>
-            </a:prstGeom>
-          </p:spPr>
-        </p:pic>
         <p:sp>
           <p:nvSpPr>
             <p:cNvPr id="5" name="矩形 4"/>
@@ -22571,8 +21803,8 @@
           </p:nvSpPr>
           <p:spPr>
             <a:xfrm>
-              <a:off x="193512" y="1246635"/>
-              <a:ext cx="4996094" cy="4832092"/>
+              <a:off x="497600" y="1599493"/>
+              <a:ext cx="8418741" cy="3806026"/>
             </a:xfrm>
             <a:prstGeom prst="rect">
               <a:avLst/>
@@ -22585,50 +21817,136 @@
             <a:lstStyle/>
             <a:p>
               <a:r>
-                <a:rPr lang="en-US" altLang="zh-CN" sz="1400">
+                <a:rPr lang="en-US" altLang="zh-CN" sz="1400" dirty="0">
                   <a:latin typeface="Consolas" panose="020B0609020204030204" pitchFamily="49" charset="0"/>
                 </a:rPr>
-                <a:t>import numpy as np</a:t>
+                <a:t>import </a:t>
+              </a:r>
+              <a:r>
+                <a:rPr lang="en-US" altLang="zh-CN" sz="1400" dirty="0" err="1">
+                  <a:latin typeface="Consolas" panose="020B0609020204030204" pitchFamily="49" charset="0"/>
+                </a:rPr>
+                <a:t>gudhi</a:t>
+              </a:r>
+              <a:endParaRPr lang="en-US" altLang="zh-CN" sz="1400" dirty="0">
+                <a:latin typeface="Consolas" panose="020B0609020204030204" pitchFamily="49" charset="0"/>
+              </a:endParaRPr>
+            </a:p>
+            <a:p>
+              <a:r>
+                <a:rPr lang="en-US" altLang="zh-CN" sz="1400" dirty="0">
+                  <a:latin typeface="Consolas" panose="020B0609020204030204" pitchFamily="49" charset="0"/>
+                </a:rPr>
+                <a:t>import </a:t>
+              </a:r>
+              <a:r>
+                <a:rPr lang="en-US" altLang="zh-CN" sz="1400" dirty="0" err="1">
+                  <a:latin typeface="Consolas" panose="020B0609020204030204" pitchFamily="49" charset="0"/>
+                </a:rPr>
+                <a:t>numpy</a:t>
+              </a:r>
+              <a:r>
+                <a:rPr lang="en-US" altLang="zh-CN" sz="1400" dirty="0">
+                  <a:latin typeface="Consolas" panose="020B0609020204030204" pitchFamily="49" charset="0"/>
+                </a:rPr>
+                <a:t> as np</a:t>
               </a:r>
             </a:p>
             <a:p>
               <a:r>
-                <a:rPr lang="en-US" altLang="zh-CN" sz="1400">
+                <a:rPr lang="en-US" altLang="zh-CN" sz="1400" dirty="0">
                   <a:latin typeface="Consolas" panose="020B0609020204030204" pitchFamily="49" charset="0"/>
                 </a:rPr>
-                <a:t>import gudhi as gd</a:t>
+                <a:t>from </a:t>
               </a:r>
+              <a:r>
+                <a:rPr lang="en-US" altLang="zh-CN" sz="1400" dirty="0" err="1">
+                  <a:latin typeface="Consolas" panose="020B0609020204030204" pitchFamily="49" charset="0"/>
+                </a:rPr>
+                <a:t>sklearn.cluster</a:t>
+              </a:r>
+              <a:r>
+                <a:rPr lang="en-US" altLang="zh-CN" sz="1400" dirty="0">
+                  <a:latin typeface="Consolas" panose="020B0609020204030204" pitchFamily="49" charset="0"/>
+                </a:rPr>
+                <a:t> import </a:t>
+              </a:r>
+              <a:r>
+                <a:rPr lang="en-US" altLang="zh-CN" sz="1400" dirty="0" err="1">
+                  <a:latin typeface="Consolas" panose="020B0609020204030204" pitchFamily="49" charset="0"/>
+                </a:rPr>
+                <a:t>KMeans</a:t>
+              </a:r>
+              <a:endParaRPr lang="en-US" altLang="zh-CN" sz="1400" dirty="0">
+                <a:latin typeface="Consolas" panose="020B0609020204030204" pitchFamily="49" charset="0"/>
+              </a:endParaRPr>
             </a:p>
             <a:p>
               <a:r>
-                <a:rPr lang="en-US" altLang="zh-CN" sz="1400">
+                <a:rPr lang="en-US" altLang="zh-CN" sz="1400" dirty="0">
                   <a:latin typeface="Consolas" panose="020B0609020204030204" pitchFamily="49" charset="0"/>
                 </a:rPr>
-                <a:t>from sklearn.cluster import KMeans</a:t>
+                <a:t>from </a:t>
               </a:r>
+              <a:r>
+                <a:rPr lang="en-US" altLang="zh-CN" sz="1400" dirty="0" err="1">
+                  <a:latin typeface="Consolas" panose="020B0609020204030204" pitchFamily="49" charset="0"/>
+                </a:rPr>
+                <a:t>sklearn.datasets</a:t>
+              </a:r>
+              <a:r>
+                <a:rPr lang="en-US" altLang="zh-CN" sz="1400" dirty="0">
+                  <a:latin typeface="Consolas" panose="020B0609020204030204" pitchFamily="49" charset="0"/>
+                </a:rPr>
+                <a:t> import </a:t>
+              </a:r>
+              <a:r>
+                <a:rPr lang="en-US" altLang="zh-CN" sz="1400" dirty="0" err="1">
+                  <a:latin typeface="Consolas" panose="020B0609020204030204" pitchFamily="49" charset="0"/>
+                </a:rPr>
+                <a:t>make_blobs</a:t>
+              </a:r>
+              <a:endParaRPr lang="en-US" altLang="zh-CN" sz="1400" dirty="0">
+                <a:latin typeface="Consolas" panose="020B0609020204030204" pitchFamily="49" charset="0"/>
+              </a:endParaRPr>
             </a:p>
             <a:p>
               <a:r>
-                <a:rPr lang="en-US" altLang="zh-CN" sz="1400">
+                <a:rPr lang="en-US" altLang="zh-CN" sz="1400" dirty="0">
                   <a:latin typeface="Consolas" panose="020B0609020204030204" pitchFamily="49" charset="0"/>
                 </a:rPr>
-                <a:t>import matplotlib.pyplot as plt</a:t>
+                <a:t>import </a:t>
               </a:r>
+              <a:r>
+                <a:rPr lang="en-US" altLang="zh-CN" sz="1400" dirty="0" err="1">
+                  <a:latin typeface="Consolas" panose="020B0609020204030204" pitchFamily="49" charset="0"/>
+                </a:rPr>
+                <a:t>matplotlib.pyplot</a:t>
+              </a:r>
+              <a:r>
+                <a:rPr lang="en-US" altLang="zh-CN" sz="1400" dirty="0">
+                  <a:latin typeface="Consolas" panose="020B0609020204030204" pitchFamily="49" charset="0"/>
+                </a:rPr>
+                <a:t> as </a:t>
+              </a:r>
+              <a:r>
+                <a:rPr lang="en-US" altLang="zh-CN" sz="1400" dirty="0" err="1">
+                  <a:latin typeface="Consolas" panose="020B0609020204030204" pitchFamily="49" charset="0"/>
+                </a:rPr>
+                <a:t>plt</a:t>
+              </a:r>
+              <a:endParaRPr lang="en-US" altLang="zh-CN" sz="1400" dirty="0">
+                <a:latin typeface="Consolas" panose="020B0609020204030204" pitchFamily="49" charset="0"/>
+              </a:endParaRPr>
+            </a:p>
+            <a:p>
+              <a:endParaRPr lang="en-US" altLang="zh-CN" sz="1400" dirty="0">
+                <a:latin typeface="Consolas" panose="020B0609020204030204" pitchFamily="49" charset="0"/>
+              </a:endParaRPr>
             </a:p>
             <a:p>
               <a:r>
-                <a:rPr lang="en-US" altLang="zh-CN" sz="1400">
-                  <a:latin typeface="Consolas" panose="020B0609020204030204" pitchFamily="49" charset="0"/>
-                </a:rPr>
-                <a:t/>
-              </a:r>
-              <a:br>
-                <a:rPr lang="en-US" altLang="zh-CN" sz="1400">
-                  <a:latin typeface="Consolas" panose="020B0609020204030204" pitchFamily="49" charset="0"/>
-                </a:rPr>
-              </a:br>
-              <a:r>
-                <a:rPr lang="en-US" altLang="zh-CN" sz="1400">
+                <a:rPr lang="en-US" altLang="zh-CN" sz="1400" dirty="0">
                   <a:solidFill>
                     <a:srgbClr val="00B050"/>
                   </a:solidFill>
@@ -22637,37 +21955,81 @@
                 <a:t># </a:t>
               </a:r>
               <a:r>
-                <a:rPr lang="zh-CN" altLang="en-US" sz="1400">
+                <a:rPr lang="zh-CN" altLang="en-US" sz="1400" dirty="0">
                   <a:solidFill>
                     <a:srgbClr val="00B050"/>
                   </a:solidFill>
                   <a:latin typeface="Consolas" panose="020B0609020204030204" pitchFamily="49" charset="0"/>
                 </a:rPr>
-                <a:t>生成示例数据</a:t>
+                <a:t>生成示范数据</a:t>
               </a:r>
             </a:p>
             <a:p>
               <a:r>
-                <a:rPr lang="en-US" altLang="zh-CN" sz="1400">
+                <a:rPr lang="en-US" altLang="zh-CN" sz="1400" dirty="0">
                   <a:latin typeface="Consolas" panose="020B0609020204030204" pitchFamily="49" charset="0"/>
                 </a:rPr>
-                <a:t>data = np.random.random((100, 2))</a:t>
+                <a:t>X, y = </a:t>
+              </a:r>
+              <a:r>
+                <a:rPr lang="en-US" altLang="zh-CN" sz="1400" dirty="0" err="1">
+                  <a:latin typeface="Consolas" panose="020B0609020204030204" pitchFamily="49" charset="0"/>
+                </a:rPr>
+                <a:t>make_blobs</a:t>
+              </a:r>
+              <a:r>
+                <a:rPr lang="en-US" altLang="zh-CN" sz="1400" dirty="0">
+                  <a:latin typeface="Consolas" panose="020B0609020204030204" pitchFamily="49" charset="0"/>
+                </a:rPr>
+                <a:t>(</a:t>
+              </a:r>
+              <a:r>
+                <a:rPr lang="en-US" altLang="zh-CN" sz="1400" dirty="0" err="1">
+                  <a:latin typeface="Consolas" panose="020B0609020204030204" pitchFamily="49" charset="0"/>
+                </a:rPr>
+                <a:t>n_samples</a:t>
+              </a:r>
+              <a:r>
+                <a:rPr lang="en-US" altLang="zh-CN" sz="1400" dirty="0">
+                  <a:latin typeface="Consolas" panose="020B0609020204030204" pitchFamily="49" charset="0"/>
+                </a:rPr>
+                <a:t>=1000, centers=3/</a:t>
               </a:r>
             </a:p>
             <a:p>
               <a:r>
-                <a:rPr lang="en-US" altLang="zh-CN" sz="1400">
+                <a:rPr lang="en-US" altLang="zh-CN" sz="1400" dirty="0" err="1">
                   <a:latin typeface="Consolas" panose="020B0609020204030204" pitchFamily="49" charset="0"/>
                 </a:rPr>
-                <a:t/>
+                <a:t>n_features</a:t>
               </a:r>
-              <a:br>
-                <a:rPr lang="en-US" altLang="zh-CN" sz="1400">
+              <a:r>
+                <a:rPr lang="en-US" altLang="zh-CN" sz="1400" dirty="0">
                   <a:latin typeface="Consolas" panose="020B0609020204030204" pitchFamily="49" charset="0"/>
                 </a:rPr>
-              </a:br>
+                <a:t>=2, </a:t>
+              </a:r>
               <a:r>
-                <a:rPr lang="en-US" altLang="zh-CN" sz="1400">
+                <a:rPr lang="en-US" altLang="zh-CN" sz="1400" dirty="0" err="1">
+                  <a:latin typeface="Consolas" panose="020B0609020204030204" pitchFamily="49" charset="0"/>
+                </a:rPr>
+                <a:t>random_state</a:t>
+              </a:r>
+              <a:r>
+                <a:rPr lang="en-US" altLang="zh-CN" sz="1400" dirty="0">
+                  <a:latin typeface="Consolas" panose="020B0609020204030204" pitchFamily="49" charset="0"/>
+                </a:rPr>
+                <a:t>=42)</a:t>
+              </a:r>
+            </a:p>
+            <a:p>
+              <a:endParaRPr lang="en-US" altLang="zh-CN" sz="1400" dirty="0">
+                <a:latin typeface="Consolas" panose="020B0609020204030204" pitchFamily="49" charset="0"/>
+              </a:endParaRPr>
+            </a:p>
+            <a:p>
+              <a:r>
+                <a:rPr lang="en-US" altLang="zh-CN" sz="1400" dirty="0">
                   <a:solidFill>
                     <a:srgbClr val="00B050"/>
                   </a:solidFill>
@@ -22676,53 +22038,75 @@
                 <a:t># </a:t>
               </a:r>
               <a:r>
-                <a:rPr lang="zh-CN" altLang="en-US" sz="1400">
+                <a:rPr lang="zh-CN" altLang="en-US" sz="1400" dirty="0">
                   <a:solidFill>
                     <a:srgbClr val="00B050"/>
                   </a:solidFill>
                   <a:latin typeface="Consolas" panose="020B0609020204030204" pitchFamily="49" charset="0"/>
                 </a:rPr>
-                <a:t>计算持久同调</a:t>
+                <a:t>进行聚类分析</a:t>
               </a:r>
             </a:p>
             <a:p>
               <a:r>
-                <a:rPr lang="en-US" altLang="zh-CN" sz="1400">
+                <a:rPr lang="en-US" altLang="zh-CN" sz="1400" dirty="0" err="1">
                   <a:latin typeface="Consolas" panose="020B0609020204030204" pitchFamily="49" charset="0"/>
                 </a:rPr>
-                <a:t>rips_complex = gd.RipsComplex(points=data)</a:t>
+                <a:t>kmeans</a:t>
+              </a:r>
+              <a:r>
+                <a:rPr lang="en-US" altLang="zh-CN" sz="1400" dirty="0">
+                  <a:latin typeface="Consolas" panose="020B0609020204030204" pitchFamily="49" charset="0"/>
+                </a:rPr>
+                <a:t> = </a:t>
+              </a:r>
+              <a:r>
+                <a:rPr lang="en-US" altLang="zh-CN" sz="1400" dirty="0" err="1">
+                  <a:latin typeface="Consolas" panose="020B0609020204030204" pitchFamily="49" charset="0"/>
+                </a:rPr>
+                <a:t>KMeans</a:t>
+              </a:r>
+              <a:r>
+                <a:rPr lang="en-US" altLang="zh-CN" sz="1400" dirty="0">
+                  <a:latin typeface="Consolas" panose="020B0609020204030204" pitchFamily="49" charset="0"/>
+                </a:rPr>
+                <a:t>(</a:t>
+              </a:r>
+              <a:r>
+                <a:rPr lang="en-US" altLang="zh-CN" sz="1400" dirty="0" err="1">
+                  <a:latin typeface="Consolas" panose="020B0609020204030204" pitchFamily="49" charset="0"/>
+                </a:rPr>
+                <a:t>n_clusters</a:t>
+              </a:r>
+              <a:r>
+                <a:rPr lang="en-US" altLang="zh-CN" sz="1400" dirty="0">
+                  <a:latin typeface="Consolas" panose="020B0609020204030204" pitchFamily="49" charset="0"/>
+                </a:rPr>
+                <a:t>=3)</a:t>
               </a:r>
             </a:p>
             <a:p>
               <a:r>
-                <a:rPr lang="en-US" altLang="zh-CN" sz="1400">
+                <a:rPr lang="en-US" altLang="zh-CN" sz="1400" dirty="0" err="1">
                   <a:latin typeface="Consolas" panose="020B0609020204030204" pitchFamily="49" charset="0"/>
                 </a:rPr>
-                <a:t>simplex_tree = rips_complex.create_simplex_tree(max_dimension=2)</a:t>
+                <a:t>kmeans.fit</a:t>
+              </a:r>
+              <a:r>
+                <a:rPr lang="en-US" altLang="zh-CN" sz="1400" dirty="0">
+                  <a:latin typeface="Consolas" panose="020B0609020204030204" pitchFamily="49" charset="0"/>
+                </a:rPr>
+                <a:t>(X)</a:t>
               </a:r>
             </a:p>
             <a:p>
-              <a:r>
-                <a:rPr lang="en-US" altLang="zh-CN" sz="1400">
-                  <a:latin typeface="Consolas" panose="020B0609020204030204" pitchFamily="49" charset="0"/>
-                </a:rPr>
-                <a:t>diag = simplex_tree.persistence()</a:t>
-              </a:r>
+              <a:endParaRPr lang="en-US" altLang="zh-CN" sz="1400" dirty="0">
+                <a:latin typeface="Consolas" panose="020B0609020204030204" pitchFamily="49" charset="0"/>
+              </a:endParaRPr>
             </a:p>
             <a:p>
               <a:r>
-                <a:rPr lang="en-US" altLang="zh-CN" sz="1400">
-                  <a:latin typeface="Consolas" panose="020B0609020204030204" pitchFamily="49" charset="0"/>
-                </a:rPr>
-                <a:t/>
-              </a:r>
-              <a:br>
-                <a:rPr lang="en-US" altLang="zh-CN" sz="1400">
-                  <a:latin typeface="Consolas" panose="020B0609020204030204" pitchFamily="49" charset="0"/>
-                </a:rPr>
-              </a:br>
-              <a:r>
-                <a:rPr lang="en-US" altLang="zh-CN" sz="1400">
+                <a:rPr lang="en-US" altLang="zh-CN" sz="1400" dirty="0">
                   <a:solidFill>
                     <a:srgbClr val="00B050"/>
                   </a:solidFill>
@@ -22731,84 +22115,97 @@
                 <a:t># </a:t>
               </a:r>
               <a:r>
-                <a:rPr lang="zh-CN" altLang="en-US" sz="1400">
+                <a:rPr lang="zh-CN" altLang="en-US" sz="1400" dirty="0">
                   <a:solidFill>
                     <a:srgbClr val="00B050"/>
                   </a:solidFill>
                   <a:latin typeface="Consolas" panose="020B0609020204030204" pitchFamily="49" charset="0"/>
                 </a:rPr>
-                <a:t>聚类分析</a:t>
+                <a:t>完成可视化展示</a:t>
               </a:r>
             </a:p>
             <a:p>
               <a:r>
-                <a:rPr lang="en-US" altLang="zh-CN" sz="1400">
+                <a:rPr lang="en-US" altLang="zh-CN" sz="1400" dirty="0" err="1">
                   <a:latin typeface="Consolas" panose="020B0609020204030204" pitchFamily="49" charset="0"/>
                 </a:rPr>
-                <a:t>kmeans = KMeans(n_clusters=3)</a:t>
+                <a:t>plt.scatter</a:t>
+              </a:r>
+              <a:r>
+                <a:rPr lang="en-US" altLang="zh-CN" sz="1400" dirty="0">
+                  <a:latin typeface="Consolas" panose="020B0609020204030204" pitchFamily="49" charset="0"/>
+                </a:rPr>
+                <a:t>(X[:, 0], X[:, 1], c=</a:t>
+              </a:r>
+              <a:r>
+                <a:rPr lang="en-US" altLang="zh-CN" sz="1400" dirty="0" err="1">
+                  <a:latin typeface="Consolas" panose="020B0609020204030204" pitchFamily="49" charset="0"/>
+                </a:rPr>
+                <a:t>kmeans.labels</a:t>
+              </a:r>
+              <a:r>
+                <a:rPr lang="en-US" altLang="zh-CN" sz="1400" dirty="0">
+                  <a:latin typeface="Consolas" panose="020B0609020204030204" pitchFamily="49" charset="0"/>
+                </a:rPr>
+                <a:t>_)</a:t>
               </a:r>
             </a:p>
             <a:p>
               <a:r>
-                <a:rPr lang="en-US" altLang="zh-CN" sz="1400">
+                <a:rPr lang="en-US" altLang="zh-CN" sz="1400" dirty="0" err="1">
                   <a:latin typeface="Consolas" panose="020B0609020204030204" pitchFamily="49" charset="0"/>
                 </a:rPr>
-                <a:t>kmeans.fit(data)</a:t>
+                <a:t>plt.show</a:t>
               </a:r>
-            </a:p>
-            <a:p>
               <a:r>
-                <a:rPr lang="en-US" altLang="zh-CN" sz="1400">
+                <a:rPr lang="en-US" altLang="zh-CN" sz="1400" dirty="0">
                   <a:latin typeface="Consolas" panose="020B0609020204030204" pitchFamily="49" charset="0"/>
                 </a:rPr>
-                <a:t/>
+                <a:t>()</a:t>
               </a:r>
-              <a:br>
-                <a:rPr lang="en-US" altLang="zh-CN" sz="1400">
-                  <a:latin typeface="Consolas" panose="020B0609020204030204" pitchFamily="49" charset="0"/>
-                </a:rPr>
-              </a:br>
-              <a:r>
-                <a:rPr lang="en-US" altLang="zh-CN" sz="1400">
-                  <a:solidFill>
-                    <a:srgbClr val="00B050"/>
-                  </a:solidFill>
-                  <a:latin typeface="Consolas" panose="020B0609020204030204" pitchFamily="49" charset="0"/>
-                </a:rPr>
-                <a:t># </a:t>
-              </a:r>
-              <a:r>
-                <a:rPr lang="zh-CN" altLang="en-US" sz="1400">
-                  <a:solidFill>
-                    <a:srgbClr val="00B050"/>
-                  </a:solidFill>
-                  <a:latin typeface="Consolas" panose="020B0609020204030204" pitchFamily="49" charset="0"/>
-                </a:rPr>
-                <a:t>可视化表达</a:t>
-              </a:r>
-            </a:p>
-            <a:p>
-              <a:r>
-                <a:rPr lang="en-US" altLang="zh-CN" sz="1400">
-                  <a:latin typeface="Consolas" panose="020B0609020204030204" pitchFamily="49" charset="0"/>
-                </a:rPr>
-                <a:t>plt.scatter(data[:, 0], data[:, 1], c=kmeans.labels_)</a:t>
-              </a:r>
-            </a:p>
-            <a:p>
-              <a:r>
-                <a:rPr lang="en-US" altLang="zh-CN" sz="1400">
-                  <a:latin typeface="Consolas" panose="020B0609020204030204" pitchFamily="49" charset="0"/>
-                </a:rPr>
-                <a:t>plt.show()</a:t>
-              </a:r>
-              <a:endParaRPr lang="en-US" altLang="zh-CN" sz="1400">
+              <a:endParaRPr lang="en-US" altLang="zh-CN" sz="1400" dirty="0">
                 <a:effectLst/>
                 <a:latin typeface="Consolas" panose="020B0609020204030204" pitchFamily="49" charset="0"/>
               </a:endParaRPr>
             </a:p>
           </p:txBody>
         </p:sp>
+        <p:pic>
+          <p:nvPicPr>
+            <p:cNvPr id="6" name="图片 5">
+              <a:extLst>
+                <a:ext uri="{FF2B5EF4-FFF2-40B4-BE49-F238E27FC236}">
+                  <a16:creationId xmlns:a16="http://schemas.microsoft.com/office/drawing/2014/main" id="{2AF5195C-AD30-024F-8E12-573F69EB509D}"/>
+                </a:ext>
+              </a:extLst>
+            </p:cNvPr>
+            <p:cNvPicPr>
+              <a:picLocks noChangeAspect="1"/>
+            </p:cNvPicPr>
+            <p:nvPr/>
+          </p:nvPicPr>
+          <p:blipFill>
+            <a:blip r:embed="rId5">
+              <a:extLst>
+                <a:ext uri="{28A0092B-C50C-407E-A947-70E740481C1C}">
+                  <a14:useLocalDpi xmlns:a14="http://schemas.microsoft.com/office/drawing/2010/main" val="0"/>
+                </a:ext>
+              </a:extLst>
+            </a:blip>
+            <a:stretch>
+              <a:fillRect/>
+            </a:stretch>
+          </p:blipFill>
+          <p:spPr>
+            <a:xfrm>
+              <a:off x="5377333" y="1307942"/>
+              <a:ext cx="5852172" cy="4389129"/>
+            </a:xfrm>
+            <a:prstGeom prst="rect">
+              <a:avLst/>
+            </a:prstGeom>
+          </p:spPr>
+        </p:pic>
       </p:grpSp>
     </p:spTree>
     <p:custDataLst>
@@ -22823,13 +22220,6 @@
   <p:clrMapOvr>
     <a:masterClrMapping/>
   </p:clrMapOvr>
-  <p:timing>
-    <p:tnLst>
-      <p:par>
-        <p:cTn id="1" dur="indefinite" restart="never" nodeType="tmRoot"/>
-      </p:par>
-    </p:tnLst>
-  </p:timing>
 </p:sld>
 </file>
 
@@ -22855,7 +22245,7 @@
           <p:cNvPr id="3" name="íṥ1íďê">
             <a:extLst>
               <a:ext uri="{FF2B5EF4-FFF2-40B4-BE49-F238E27FC236}">
-                <a16:creationId xmlns="" xmlns:a16="http://schemas.microsoft.com/office/drawing/2014/main" id="{E48EBB4C-11E6-4425-8F3E-32D84D37DDA8}"/>
+                <a16:creationId xmlns:a16="http://schemas.microsoft.com/office/drawing/2014/main" id="{E48EBB4C-11E6-4425-8F3E-32D84D37DDA8}"/>
               </a:ext>
             </a:extLst>
           </p:cNvPr>
@@ -22926,7 +22316,7 @@
           <p:cNvPr id="10" name="íSḻîďê">
             <a:extLst>
               <a:ext uri="{FF2B5EF4-FFF2-40B4-BE49-F238E27FC236}">
-                <a16:creationId xmlns="" xmlns:a16="http://schemas.microsoft.com/office/drawing/2014/main" id="{94053447-3F3F-4FA0-A3BF-A65449901A9B}"/>
+                <a16:creationId xmlns:a16="http://schemas.microsoft.com/office/drawing/2014/main" id="{94053447-3F3F-4FA0-A3BF-A65449901A9B}"/>
               </a:ext>
             </a:extLst>
           </p:cNvPr>
@@ -23125,7 +22515,7 @@
           <p:cNvPr id="11" name="Picture 6" descr="undefined">
             <a:extLst>
               <a:ext uri="{FF2B5EF4-FFF2-40B4-BE49-F238E27FC236}">
-                <a16:creationId xmlns="" xmlns:a16="http://schemas.microsoft.com/office/drawing/2014/main" id="{6B7CCF50-0D5F-EA74-6E6D-447AEFBB8E72}"/>
+                <a16:creationId xmlns:a16="http://schemas.microsoft.com/office/drawing/2014/main" id="{6B7CCF50-0D5F-EA74-6E6D-447AEFBB8E72}"/>
               </a:ext>
             </a:extLst>
           </p:cNvPr>
@@ -23205,13 +22595,6 @@
   <p:clrMapOvr>
     <a:masterClrMapping/>
   </p:clrMapOvr>
-  <p:timing>
-    <p:tnLst>
-      <p:par>
-        <p:cTn id="1" dur="indefinite" restart="never" nodeType="tmRoot"/>
-      </p:par>
-    </p:tnLst>
-  </p:timing>
 </p:sld>
 </file>
 
@@ -23237,7 +22620,7 @@
           <p:cNvPr id="4" name="ïśliďé">
             <a:extLst>
               <a:ext uri="{FF2B5EF4-FFF2-40B4-BE49-F238E27FC236}">
-                <a16:creationId xmlns="" xmlns:a16="http://schemas.microsoft.com/office/drawing/2014/main" id="{3E7816B9-4368-481C-AF7D-011CB1B5D3BB}"/>
+                <a16:creationId xmlns:a16="http://schemas.microsoft.com/office/drawing/2014/main" id="{3E7816B9-4368-481C-AF7D-011CB1B5D3BB}"/>
               </a:ext>
             </a:extLst>
           </p:cNvPr>
@@ -23259,7 +22642,7 @@
           <a:lstStyle/>
           <a:p>
             <a:r>
-              <a:rPr lang="zh-CN" altLang="en-US" sz="2800" smtClean="0">
+              <a:rPr lang="zh-CN" altLang="en-US" sz="2800">
                 <a:latin typeface="+mn-lt"/>
                 <a:ea typeface="+mn-ea"/>
                 <a:cs typeface="+mn-ea"/>
@@ -23281,7 +22664,7 @@
           <p:cNvPr id="6" name="íṣ1ïḍè">
             <a:extLst>
               <a:ext uri="{FF2B5EF4-FFF2-40B4-BE49-F238E27FC236}">
-                <a16:creationId xmlns="" xmlns:a16="http://schemas.microsoft.com/office/drawing/2014/main" id="{8494D12C-6F77-3B27-6913-2F49313369F9}"/>
+                <a16:creationId xmlns:a16="http://schemas.microsoft.com/office/drawing/2014/main" id="{8494D12C-6F77-3B27-6913-2F49313369F9}"/>
               </a:ext>
             </a:extLst>
           </p:cNvPr>
@@ -23332,7 +22715,7 @@
           <p:cNvPr id="7" name="îš1ïḑè">
             <a:extLst>
               <a:ext uri="{FF2B5EF4-FFF2-40B4-BE49-F238E27FC236}">
-                <a16:creationId xmlns="" xmlns:a16="http://schemas.microsoft.com/office/drawing/2014/main" id="{740B5416-9747-27DA-ABB3-C54A339C5BF0}"/>
+                <a16:creationId xmlns:a16="http://schemas.microsoft.com/office/drawing/2014/main" id="{740B5416-9747-27DA-ABB3-C54A339C5BF0}"/>
               </a:ext>
             </a:extLst>
           </p:cNvPr>
@@ -23405,13 +22788,6 @@
   <p:clrMapOvr>
     <a:masterClrMapping/>
   </p:clrMapOvr>
-  <p:timing>
-    <p:tnLst>
-      <p:par>
-        <p:cTn id="1" dur="indefinite" restart="never" nodeType="tmRoot"/>
-      </p:par>
-    </p:tnLst>
-  </p:timing>
 </p:sld>
 </file>
 
@@ -23437,7 +22813,7 @@
           <p:cNvPr id="2" name="îŝḻídè">
             <a:extLst>
               <a:ext uri="{FF2B5EF4-FFF2-40B4-BE49-F238E27FC236}">
-                <a16:creationId xmlns="" xmlns:a16="http://schemas.microsoft.com/office/drawing/2014/main" id="{3B287934-A5E4-3B78-144B-CD7974A95456}"/>
+                <a16:creationId xmlns:a16="http://schemas.microsoft.com/office/drawing/2014/main" id="{3B287934-A5E4-3B78-144B-CD7974A95456}"/>
               </a:ext>
             </a:extLst>
           </p:cNvPr>
@@ -23454,22 +22830,13 @@
           <a:lstStyle/>
           <a:p>
             <a:r>
-              <a:rPr lang="zh-CN" altLang="en-US" smtClean="0">
-                <a:latin typeface="+mn-lt"/>
-                <a:ea typeface="+mn-ea"/>
-                <a:cs typeface="+mn-ea"/>
-                <a:sym typeface="+mn-lt"/>
-              </a:rPr>
-              <a:t>论文</a:t>
-            </a:r>
-            <a:r>
               <a:rPr lang="zh-CN" altLang="en-US">
                 <a:latin typeface="+mn-lt"/>
                 <a:ea typeface="+mn-ea"/>
                 <a:cs typeface="+mn-ea"/>
                 <a:sym typeface="+mn-lt"/>
               </a:rPr>
-              <a:t>摘要</a:t>
+              <a:t>论文摘要</a:t>
             </a:r>
             <a:endParaRPr lang="zh-CN" altLang="en-US" dirty="0">
               <a:latin typeface="+mn-lt"/>
@@ -23485,7 +22852,7 @@
           <p:cNvPr id="40" name="íṩliďê">
             <a:extLst>
               <a:ext uri="{FF2B5EF4-FFF2-40B4-BE49-F238E27FC236}">
-                <a16:creationId xmlns="" xmlns:a16="http://schemas.microsoft.com/office/drawing/2014/main" id="{36762FE8-B9BE-692B-EC50-B96BF50C2D73}"/>
+                <a16:creationId xmlns:a16="http://schemas.microsoft.com/office/drawing/2014/main" id="{36762FE8-B9BE-692B-EC50-B96BF50C2D73}"/>
               </a:ext>
             </a:extLst>
           </p:cNvPr>
@@ -23521,7 +22888,7 @@
           <p:cNvPr id="98" name="îšľïḑé">
             <a:extLst>
               <a:ext uri="{FF2B5EF4-FFF2-40B4-BE49-F238E27FC236}">
-                <a16:creationId xmlns="" xmlns:a16="http://schemas.microsoft.com/office/drawing/2014/main" id="{7F57CDC5-9341-4F04-6E71-0483B4220763}"/>
+                <a16:creationId xmlns:a16="http://schemas.microsoft.com/office/drawing/2014/main" id="{7F57CDC5-9341-4F04-6E71-0483B4220763}"/>
               </a:ext>
             </a:extLst>
           </p:cNvPr>
@@ -23541,7 +22908,7 @@
             <p:cNvPr id="99" name="ïŝlïḓé">
               <a:extLst>
                 <a:ext uri="{FF2B5EF4-FFF2-40B4-BE49-F238E27FC236}">
-                  <a16:creationId xmlns="" xmlns:a16="http://schemas.microsoft.com/office/drawing/2014/main" id="{EA49B017-49AE-4E16-9E0E-41CCD689959C}"/>
+                  <a16:creationId xmlns:a16="http://schemas.microsoft.com/office/drawing/2014/main" id="{EA49B017-49AE-4E16-9E0E-41CCD689959C}"/>
                 </a:ext>
               </a:extLst>
             </p:cNvPr>
@@ -23561,7 +22928,7 @@
               <p:cNvPr id="101" name="isľîḋé">
                 <a:extLst>
                   <a:ext uri="{FF2B5EF4-FFF2-40B4-BE49-F238E27FC236}">
-                    <a16:creationId xmlns="" xmlns:a16="http://schemas.microsoft.com/office/drawing/2014/main" id="{71A6A5F9-04C3-62E3-528F-27A728C8B48F}"/>
+                    <a16:creationId xmlns:a16="http://schemas.microsoft.com/office/drawing/2014/main" id="{71A6A5F9-04C3-62E3-528F-27A728C8B48F}"/>
                   </a:ext>
                 </a:extLst>
               </p:cNvPr>
@@ -23740,7 +23107,7 @@
               <p:cNvPr id="102" name="íṧľiďe">
                 <a:extLst>
                   <a:ext uri="{FF2B5EF4-FFF2-40B4-BE49-F238E27FC236}">
-                    <a16:creationId xmlns="" xmlns:a16="http://schemas.microsoft.com/office/drawing/2014/main" id="{DB0B68AD-51A5-D8E5-0112-5E153E22A166}"/>
+                    <a16:creationId xmlns:a16="http://schemas.microsoft.com/office/drawing/2014/main" id="{DB0B68AD-51A5-D8E5-0112-5E153E22A166}"/>
                   </a:ext>
                 </a:extLst>
               </p:cNvPr>
@@ -23760,7 +23127,7 @@
                 <p:cNvPr id="106" name="îślíḍe">
                   <a:extLst>
                     <a:ext uri="{FF2B5EF4-FFF2-40B4-BE49-F238E27FC236}">
-                      <a16:creationId xmlns="" xmlns:a16="http://schemas.microsoft.com/office/drawing/2014/main" id="{C51D28BC-3098-F16B-FB94-713849011D2D}"/>
+                      <a16:creationId xmlns:a16="http://schemas.microsoft.com/office/drawing/2014/main" id="{C51D28BC-3098-F16B-FB94-713849011D2D}"/>
                     </a:ext>
                   </a:extLst>
                 </p:cNvPr>
@@ -23821,17 +23188,7 @@
                       <a:cs typeface="+mn-ea"/>
                       <a:sym typeface="+mn-lt"/>
                     </a:rPr>
-                    <a:t>人类</a:t>
-                  </a:r>
-                  <a:r>
-                    <a:rPr kumimoji="1" lang="zh-CN" altLang="en-US" sz="1600" smtClean="0">
-                      <a:solidFill>
-                        <a:schemeClr val="tx1"/>
-                      </a:solidFill>
-                      <a:cs typeface="+mn-ea"/>
-                      <a:sym typeface="+mn-lt"/>
-                    </a:rPr>
-                    <a:t>转型（</a:t>
+                    <a:t>人类转型（</a:t>
                   </a:r>
                   <a:r>
                     <a:rPr kumimoji="1" lang="en-US" altLang="zh-CN" sz="1600">
@@ -23841,20 +23198,10 @@
                       <a:cs typeface="+mn-ea"/>
                       <a:sym typeface="+mn-lt"/>
                     </a:rPr>
-                    <a:t> </a:t>
+                    <a:t> Human transformation </a:t>
                   </a:r>
                   <a:r>
-                    <a:rPr kumimoji="1" lang="en-US" altLang="zh-CN" sz="1600" smtClean="0">
-                      <a:solidFill>
-                        <a:schemeClr val="tx1"/>
-                      </a:solidFill>
-                      <a:cs typeface="+mn-ea"/>
-                      <a:sym typeface="+mn-lt"/>
-                    </a:rPr>
-                    <a:t>Human transformation </a:t>
-                  </a:r>
-                  <a:r>
-                    <a:rPr kumimoji="1" lang="zh-CN" altLang="en-US" sz="1600" smtClean="0">
+                    <a:rPr kumimoji="1" lang="zh-CN" altLang="en-US" sz="1600">
                       <a:solidFill>
                         <a:schemeClr val="tx1"/>
                       </a:solidFill>
@@ -23921,7 +23268,7 @@
                 <p:cNvPr id="107" name="ïšļîdé">
                   <a:extLst>
                     <a:ext uri="{FF2B5EF4-FFF2-40B4-BE49-F238E27FC236}">
-                      <a16:creationId xmlns="" xmlns:a16="http://schemas.microsoft.com/office/drawing/2014/main" id="{B7C04CA1-ED50-3846-AE6A-F8C1492B2000}"/>
+                      <a16:creationId xmlns:a16="http://schemas.microsoft.com/office/drawing/2014/main" id="{B7C04CA1-ED50-3846-AE6A-F8C1492B2000}"/>
                     </a:ext>
                   </a:extLst>
                 </p:cNvPr>
@@ -23986,17 +23333,7 @@
                       <a:cs typeface="+mn-ea"/>
                       <a:sym typeface="+mn-lt"/>
                     </a:rPr>
-                    <a:t>可</a:t>
-                  </a:r>
-                  <a:r>
-                    <a:rPr kumimoji="1" lang="zh-CN" altLang="en-US" b="1" smtClean="0">
-                      <a:solidFill>
-                        <a:srgbClr val="FFFFFF"/>
-                      </a:solidFill>
-                      <a:cs typeface="+mn-ea"/>
-                      <a:sym typeface="+mn-lt"/>
-                    </a:rPr>
-                    <a:t>被设计引导</a:t>
+                    <a:t>可被设计引导</a:t>
                   </a:r>
                   <a:endParaRPr kumimoji="1" lang="zh-CN" altLang="en-US" b="1" dirty="0">
                     <a:solidFill>
@@ -24014,7 +23351,7 @@
               <p:cNvPr id="103" name="ïṧlîdê">
                 <a:extLst>
                   <a:ext uri="{FF2B5EF4-FFF2-40B4-BE49-F238E27FC236}">
-                    <a16:creationId xmlns="" xmlns:a16="http://schemas.microsoft.com/office/drawing/2014/main" id="{7937A6BD-237C-108B-98FB-5DB6A41F2534}"/>
+                    <a16:creationId xmlns:a16="http://schemas.microsoft.com/office/drawing/2014/main" id="{7937A6BD-237C-108B-98FB-5DB6A41F2534}"/>
                   </a:ext>
                 </a:extLst>
               </p:cNvPr>
@@ -24034,7 +23371,7 @@
                 <p:cNvPr id="104" name="iSlïḍê">
                   <a:extLst>
                     <a:ext uri="{FF2B5EF4-FFF2-40B4-BE49-F238E27FC236}">
-                      <a16:creationId xmlns="" xmlns:a16="http://schemas.microsoft.com/office/drawing/2014/main" id="{8CA82F96-270B-B280-4AFE-4B62ADB327D6}"/>
+                      <a16:creationId xmlns:a16="http://schemas.microsoft.com/office/drawing/2014/main" id="{8CA82F96-270B-B280-4AFE-4B62ADB327D6}"/>
                     </a:ext>
                   </a:extLst>
                 </p:cNvPr>
@@ -24127,17 +23464,7 @@
                       <a:cs typeface="+mn-ea"/>
                       <a:sym typeface="+mn-lt"/>
                     </a:rPr>
-                    <a:t>人</a:t>
-                  </a:r>
-                  <a:r>
-                    <a:rPr kumimoji="1" lang="zh-CN" altLang="en-US" sz="1600" b="1" smtClean="0">
-                      <a:solidFill>
-                        <a:schemeClr val="tx1"/>
-                      </a:solidFill>
-                      <a:cs typeface="+mn-ea"/>
-                      <a:sym typeface="+mn-lt"/>
-                    </a:rPr>
-                    <a:t>节（</a:t>
+                    <a:t>人节（</a:t>
                   </a:r>
                   <a:r>
                     <a:rPr kumimoji="1" lang="en-US" altLang="zh-CN" sz="1600" b="1">
@@ -24150,7 +23477,7 @@
                     <a:t>Burning Man</a:t>
                   </a:r>
                   <a:r>
-                    <a:rPr kumimoji="1" lang="zh-CN" altLang="en-US" sz="1600" b="1" smtClean="0">
+                    <a:rPr kumimoji="1" lang="zh-CN" altLang="en-US" sz="1600" b="1">
                       <a:solidFill>
                         <a:schemeClr val="tx1"/>
                       </a:solidFill>
@@ -24160,7 +23487,7 @@
                     <a:t>）</a:t>
                   </a:r>
                   <a:r>
-                    <a:rPr kumimoji="1" lang="zh-CN" altLang="en-US" sz="1600" smtClean="0">
+                    <a:rPr kumimoji="1" lang="zh-CN" altLang="en-US" sz="1600">
                       <a:solidFill>
                         <a:schemeClr val="tx1"/>
                       </a:solidFill>
@@ -24187,7 +23514,7 @@
                 <p:cNvPr id="105" name="íšļidè">
                   <a:extLst>
                     <a:ext uri="{FF2B5EF4-FFF2-40B4-BE49-F238E27FC236}">
-                      <a16:creationId xmlns="" xmlns:a16="http://schemas.microsoft.com/office/drawing/2014/main" id="{06BABC7D-EF78-39D4-3C44-4C03BAA15B9F}"/>
+                      <a16:creationId xmlns:a16="http://schemas.microsoft.com/office/drawing/2014/main" id="{06BABC7D-EF78-39D4-3C44-4C03BAA15B9F}"/>
                     </a:ext>
                   </a:extLst>
                 </p:cNvPr>
@@ -24252,17 +23579,7 @@
                       <a:cs typeface="+mn-ea"/>
                       <a:sym typeface="+mn-lt"/>
                     </a:rPr>
-                    <a:t>人</a:t>
-                  </a:r>
-                  <a:r>
-                    <a:rPr kumimoji="1" lang="zh-CN" altLang="en-US" b="1" smtClean="0">
-                      <a:solidFill>
-                        <a:srgbClr val="FFFFFF"/>
-                      </a:solidFill>
-                      <a:cs typeface="+mn-ea"/>
-                      <a:sym typeface="+mn-lt"/>
-                    </a:rPr>
-                    <a:t>节是典型案例</a:t>
+                    <a:t>人节是典型案例</a:t>
                   </a:r>
                   <a:endParaRPr kumimoji="1" lang="zh-CN" altLang="en-US" b="1" dirty="0">
                     <a:solidFill>
@@ -24281,7 +23598,7 @@
             <p:cNvPr id="100" name="ïṥḻiḍè">
               <a:extLst>
                 <a:ext uri="{FF2B5EF4-FFF2-40B4-BE49-F238E27FC236}">
-                  <a16:creationId xmlns="" xmlns:a16="http://schemas.microsoft.com/office/drawing/2014/main" id="{23F17566-4A28-9CA3-2998-22F3E6D66111}"/>
+                  <a16:creationId xmlns:a16="http://schemas.microsoft.com/office/drawing/2014/main" id="{23F17566-4A28-9CA3-2998-22F3E6D66111}"/>
                 </a:ext>
               </a:extLst>
             </p:cNvPr>
@@ -24326,7 +23643,7 @@
           <p:cNvPr id="14" name="íṣḷíḍê">
             <a:extLst>
               <a:ext uri="{FF2B5EF4-FFF2-40B4-BE49-F238E27FC236}">
-                <a16:creationId xmlns="" xmlns:a16="http://schemas.microsoft.com/office/drawing/2014/main" id="{A0274DD3-C0CF-66A0-76C7-92563CE77AF4}"/>
+                <a16:creationId xmlns:a16="http://schemas.microsoft.com/office/drawing/2014/main" id="{A0274DD3-C0CF-66A0-76C7-92563CE77AF4}"/>
               </a:ext>
             </a:extLst>
           </p:cNvPr>
@@ -24351,21 +23668,21 @@
           <a:p>
             <a:pPr algn="ctr"/>
             <a:r>
-              <a:rPr kumimoji="1" lang="zh-CN" altLang="en-US" sz="1100" b="1" smtClean="0">
+              <a:rPr kumimoji="1" lang="zh-CN" altLang="en-US" sz="1100" b="1">
                 <a:cs typeface="+mn-ea"/>
                 <a:sym typeface="+mn-lt"/>
               </a:rPr>
               <a:t>关键词：</a:t>
             </a:r>
             <a:r>
-              <a:rPr kumimoji="1" lang="zh-CN" altLang="en-US" sz="1100" smtClean="0">
+              <a:rPr kumimoji="1" lang="zh-CN" altLang="en-US" sz="1100">
                 <a:cs typeface="+mn-ea"/>
                 <a:sym typeface="+mn-lt"/>
               </a:rPr>
               <a:t>人类转型</a:t>
             </a:r>
             <a:r>
-              <a:rPr kumimoji="1" lang="en-US" altLang="zh-CN" sz="1100" smtClean="0">
+              <a:rPr kumimoji="1" lang="en-US" altLang="zh-CN" sz="1100">
                 <a:cs typeface="+mn-ea"/>
                 <a:sym typeface="+mn-lt"/>
               </a:rPr>
@@ -24376,35 +23693,35 @@
               <a:t>Human transformation</a:t>
             </a:r>
             <a:r>
-              <a:rPr kumimoji="1" lang="en-US" altLang="zh-CN" sz="1100" smtClean="0">
+              <a:rPr kumimoji="1" lang="en-US" altLang="zh-CN" sz="1100">
                 <a:cs typeface="+mn-ea"/>
                 <a:sym typeface="+mn-lt"/>
               </a:rPr>
               <a:t>)</a:t>
             </a:r>
             <a:r>
-              <a:rPr kumimoji="1" lang="zh-CN" altLang="en-US" sz="1100" smtClean="0">
+              <a:rPr kumimoji="1" lang="zh-CN" altLang="en-US" sz="1100">
                 <a:cs typeface="+mn-ea"/>
                 <a:sym typeface="+mn-lt"/>
               </a:rPr>
               <a:t>、</a:t>
             </a:r>
             <a:r>
-              <a:rPr kumimoji="1" lang="en-US" altLang="zh-CN" sz="1100" smtClean="0">
+              <a:rPr kumimoji="1" lang="en-US" altLang="zh-CN" sz="1100">
                 <a:cs typeface="+mn-ea"/>
                 <a:sym typeface="+mn-lt"/>
               </a:rPr>
               <a:t>Instagram(INS)</a:t>
             </a:r>
             <a:r>
-              <a:rPr kumimoji="1" lang="zh-CN" altLang="en-US" sz="1100" smtClean="0">
+              <a:rPr kumimoji="1" lang="zh-CN" altLang="en-US" sz="1100">
                 <a:cs typeface="+mn-ea"/>
                 <a:sym typeface="+mn-lt"/>
               </a:rPr>
               <a:t>、体验设计</a:t>
             </a:r>
             <a:r>
-              <a:rPr kumimoji="1" lang="en-US" altLang="zh-CN" sz="1100" smtClean="0">
+              <a:rPr kumimoji="1" lang="en-US" altLang="zh-CN" sz="1100">
                 <a:cs typeface="+mn-ea"/>
                 <a:sym typeface="+mn-lt"/>
               </a:rPr>
@@ -24415,21 +23732,21 @@
               <a:t>Experience design</a:t>
             </a:r>
             <a:r>
-              <a:rPr kumimoji="1" lang="en-US" altLang="zh-CN" sz="1100" smtClean="0">
+              <a:rPr kumimoji="1" lang="en-US" altLang="zh-CN" sz="1100">
                 <a:cs typeface="+mn-ea"/>
                 <a:sym typeface="+mn-lt"/>
               </a:rPr>
               <a:t>)</a:t>
             </a:r>
             <a:r>
-              <a:rPr kumimoji="1" lang="zh-CN" altLang="en-US" sz="1100" smtClean="0">
+              <a:rPr kumimoji="1" lang="zh-CN" altLang="en-US" sz="1100">
                 <a:cs typeface="+mn-ea"/>
                 <a:sym typeface="+mn-lt"/>
               </a:rPr>
               <a:t>、转型设计</a:t>
             </a:r>
             <a:r>
-              <a:rPr kumimoji="1" lang="en-US" altLang="zh-CN" sz="1100" smtClean="0">
+              <a:rPr kumimoji="1" lang="en-US" altLang="zh-CN" sz="1100">
                 <a:cs typeface="+mn-ea"/>
                 <a:sym typeface="+mn-lt"/>
               </a:rPr>
@@ -24440,21 +23757,21 @@
               <a:t>Transformation design</a:t>
             </a:r>
             <a:r>
-              <a:rPr kumimoji="1" lang="en-US" altLang="zh-CN" sz="1100" smtClean="0">
+              <a:rPr kumimoji="1" lang="en-US" altLang="zh-CN" sz="1100">
                 <a:cs typeface="+mn-ea"/>
                 <a:sym typeface="+mn-lt"/>
               </a:rPr>
               <a:t>)</a:t>
             </a:r>
             <a:r>
-              <a:rPr kumimoji="1" lang="zh-CN" altLang="en-US" sz="1100" smtClean="0">
+              <a:rPr kumimoji="1" lang="zh-CN" altLang="en-US" sz="1100">
                 <a:cs typeface="+mn-ea"/>
                 <a:sym typeface="+mn-lt"/>
               </a:rPr>
               <a:t>、环境心理学</a:t>
             </a:r>
             <a:r>
-              <a:rPr kumimoji="1" lang="en-US" altLang="zh-CN" sz="1100" smtClean="0">
+              <a:rPr kumimoji="1" lang="en-US" altLang="zh-CN" sz="1100">
                 <a:cs typeface="+mn-ea"/>
                 <a:sym typeface="+mn-lt"/>
               </a:rPr>
@@ -24465,7 +23782,7 @@
               <a:t>Environmental psychology</a:t>
             </a:r>
             <a:r>
-              <a:rPr kumimoji="1" lang="en-US" altLang="zh-CN" sz="1100" smtClean="0">
+              <a:rPr kumimoji="1" lang="en-US" altLang="zh-CN" sz="1100">
                 <a:cs typeface="+mn-ea"/>
                 <a:sym typeface="+mn-lt"/>
               </a:rPr>
@@ -24491,13 +23808,6 @@
   <p:clrMapOvr>
     <a:masterClrMapping/>
   </p:clrMapOvr>
-  <p:timing>
-    <p:tnLst>
-      <p:par>
-        <p:cTn id="1" dur="indefinite" restart="never" nodeType="tmRoot"/>
-      </p:par>
-    </p:tnLst>
-  </p:timing>
 </p:sld>
 </file>
 
@@ -24523,7 +23833,7 @@
           <p:cNvPr id="2" name="îṣḻíḋé">
             <a:extLst>
               <a:ext uri="{FF2B5EF4-FFF2-40B4-BE49-F238E27FC236}">
-                <a16:creationId xmlns="" xmlns:a16="http://schemas.microsoft.com/office/drawing/2014/main" id="{3B287934-A5E4-3B78-144B-CD7974A95456}"/>
+                <a16:creationId xmlns:a16="http://schemas.microsoft.com/office/drawing/2014/main" id="{3B287934-A5E4-3B78-144B-CD7974A95456}"/>
               </a:ext>
             </a:extLst>
           </p:cNvPr>
@@ -24540,22 +23850,13 @@
           <a:lstStyle/>
           <a:p>
             <a:r>
-              <a:rPr lang="zh-CN" altLang="en-US" smtClean="0">
-                <a:latin typeface="+mn-lt"/>
-                <a:ea typeface="+mn-ea"/>
-                <a:cs typeface="+mn-ea"/>
-                <a:sym typeface="+mn-lt"/>
-              </a:rPr>
-              <a:t>论文</a:t>
-            </a:r>
-            <a:r>
               <a:rPr lang="zh-CN" altLang="en-US">
                 <a:latin typeface="+mn-lt"/>
                 <a:ea typeface="+mn-ea"/>
                 <a:cs typeface="+mn-ea"/>
                 <a:sym typeface="+mn-lt"/>
               </a:rPr>
-              <a:t>摘要</a:t>
+              <a:t>论文摘要</a:t>
             </a:r>
             <a:endParaRPr lang="zh-CN" altLang="en-US" dirty="0">
               <a:latin typeface="+mn-lt"/>
@@ -24571,7 +23872,7 @@
           <p:cNvPr id="20" name="îṩľíḑé">
             <a:extLst>
               <a:ext uri="{FF2B5EF4-FFF2-40B4-BE49-F238E27FC236}">
-                <a16:creationId xmlns="" xmlns:a16="http://schemas.microsoft.com/office/drawing/2014/main" id="{B1595B2C-2141-8572-1A41-74DD253C4FA8}"/>
+                <a16:creationId xmlns:a16="http://schemas.microsoft.com/office/drawing/2014/main" id="{B1595B2C-2141-8572-1A41-74DD253C4FA8}"/>
               </a:ext>
             </a:extLst>
           </p:cNvPr>
@@ -24607,7 +23908,7 @@
           <p:cNvPr id="21" name="组合 20">
             <a:extLst>
               <a:ext uri="{FF2B5EF4-FFF2-40B4-BE49-F238E27FC236}">
-                <a16:creationId xmlns="" xmlns:a16="http://schemas.microsoft.com/office/drawing/2014/main" id="{482AF35E-9D29-AC2C-989E-B98141106B44}"/>
+                <a16:creationId xmlns:a16="http://schemas.microsoft.com/office/drawing/2014/main" id="{482AF35E-9D29-AC2C-989E-B98141106B44}"/>
               </a:ext>
             </a:extLst>
           </p:cNvPr>
@@ -24627,7 +23928,7 @@
             <p:cNvPr id="22" name="íṣḷiḓé">
               <a:extLst>
                 <a:ext uri="{FF2B5EF4-FFF2-40B4-BE49-F238E27FC236}">
-                  <a16:creationId xmlns="" xmlns:a16="http://schemas.microsoft.com/office/drawing/2014/main" id="{001DD18B-D474-B6A1-40B6-2CB2253702F2}"/>
+                  <a16:creationId xmlns:a16="http://schemas.microsoft.com/office/drawing/2014/main" id="{001DD18B-D474-B6A1-40B6-2CB2253702F2}"/>
                 </a:ext>
               </a:extLst>
             </p:cNvPr>
@@ -24670,7 +23971,7 @@
             <p:cNvPr id="23" name="iṥlîḓè">
               <a:extLst>
                 <a:ext uri="{FF2B5EF4-FFF2-40B4-BE49-F238E27FC236}">
-                  <a16:creationId xmlns="" xmlns:a16="http://schemas.microsoft.com/office/drawing/2014/main" id="{4A90BBE1-E980-72FA-AF48-B41F31116C95}"/>
+                  <a16:creationId xmlns:a16="http://schemas.microsoft.com/office/drawing/2014/main" id="{4A90BBE1-E980-72FA-AF48-B41F31116C95}"/>
                 </a:ext>
               </a:extLst>
             </p:cNvPr>
@@ -24712,7 +24013,7 @@
             <p:cNvPr id="24" name="ïṩ1íďé">
               <a:extLst>
                 <a:ext uri="{FF2B5EF4-FFF2-40B4-BE49-F238E27FC236}">
-                  <a16:creationId xmlns="" xmlns:a16="http://schemas.microsoft.com/office/drawing/2014/main" id="{44EB9DBE-CE40-23C7-3499-58B681893C1A}"/>
+                  <a16:creationId xmlns:a16="http://schemas.microsoft.com/office/drawing/2014/main" id="{44EB9DBE-CE40-23C7-3499-58B681893C1A}"/>
                 </a:ext>
               </a:extLst>
             </p:cNvPr>
@@ -24732,7 +24033,7 @@
               <p:cNvPr id="37" name="ísļîďe">
                 <a:extLst>
                   <a:ext uri="{FF2B5EF4-FFF2-40B4-BE49-F238E27FC236}">
-                    <a16:creationId xmlns="" xmlns:a16="http://schemas.microsoft.com/office/drawing/2014/main" id="{8ACE611B-1953-D304-82C0-6D148A965F2A}"/>
+                    <a16:creationId xmlns:a16="http://schemas.microsoft.com/office/drawing/2014/main" id="{8ACE611B-1953-D304-82C0-6D148A965F2A}"/>
                   </a:ext>
                 </a:extLst>
               </p:cNvPr>
@@ -24752,7 +24053,7 @@
                 <p:cNvPr id="39" name="îṥľíďé">
                   <a:extLst>
                     <a:ext uri="{FF2B5EF4-FFF2-40B4-BE49-F238E27FC236}">
-                      <a16:creationId xmlns="" xmlns:a16="http://schemas.microsoft.com/office/drawing/2014/main" id="{A24B2346-17E6-1150-B61D-B4A5089D51AD}"/>
+                      <a16:creationId xmlns:a16="http://schemas.microsoft.com/office/drawing/2014/main" id="{A24B2346-17E6-1150-B61D-B4A5089D51AD}"/>
                     </a:ext>
                   </a:extLst>
                 </p:cNvPr>
@@ -24872,15 +24173,7 @@
                         <a:schemeClr val="tx1"/>
                       </a:solidFill>
                     </a:rPr>
-                    <a:t>基于</a:t>
-                  </a:r>
-                  <a:r>
-                    <a:rPr lang="zh-CN" altLang="en-US" sz="1400" kern="100" smtClean="0">
-                      <a:solidFill>
-                        <a:schemeClr val="tx1"/>
-                      </a:solidFill>
-                    </a:rPr>
-                    <a:t>环境心理学</a:t>
+                    <a:t>基于环境心理学</a:t>
                   </a:r>
                   <a:r>
                     <a:rPr lang="en-US" altLang="zh-CN" sz="1400" kern="100">
@@ -24891,47 +24184,15 @@
                     <a:t>(Environmental psychology)</a:t>
                   </a:r>
                   <a:r>
-                    <a:rPr lang="zh-CN" altLang="en-US" sz="1400" kern="100" smtClean="0">
-                      <a:solidFill>
-                        <a:schemeClr val="tx1"/>
-                      </a:solidFill>
-                    </a:rPr>
-                    <a:t>理论</a:t>
-                  </a:r>
-                  <a:r>
                     <a:rPr lang="zh-CN" altLang="en-US" sz="1400" kern="100">
                       <a:solidFill>
                         <a:schemeClr val="tx1"/>
                       </a:solidFill>
                     </a:rPr>
-                    <a:t>视角</a:t>
+                    <a:t>理论视角，深度拓扑分析</a:t>
                   </a:r>
                   <a:r>
-                    <a:rPr lang="zh-CN" altLang="en-US" sz="1400" kern="100" smtClean="0">
-                      <a:solidFill>
-                        <a:schemeClr val="tx1"/>
-                      </a:solidFill>
-                    </a:rPr>
-                    <a:t>，深度</a:t>
-                  </a:r>
-                  <a:r>
-                    <a:rPr lang="zh-CN" altLang="en-US" sz="1400" kern="100">
-                      <a:solidFill>
-                        <a:schemeClr val="tx1"/>
-                      </a:solidFill>
-                    </a:rPr>
-                    <a:t>拓扑</a:t>
-                  </a:r>
-                  <a:r>
-                    <a:rPr lang="zh-CN" altLang="en-US" sz="1400" kern="100" smtClean="0">
-                      <a:solidFill>
-                        <a:schemeClr val="tx1"/>
-                      </a:solidFill>
-                    </a:rPr>
-                    <a:t>分析</a:t>
-                  </a:r>
-                  <a:r>
-                    <a:rPr lang="en-US" altLang="zh-CN" sz="1400" kern="100" smtClean="0">
+                    <a:rPr lang="en-US" altLang="zh-CN" sz="1400" kern="100">
                       <a:solidFill>
                         <a:schemeClr val="tx1"/>
                       </a:solidFill>
@@ -24952,15 +24213,7 @@
                         <a:schemeClr val="tx1"/>
                       </a:solidFill>
                     </a:rPr>
-                    <a:t>表达</a:t>
-                  </a:r>
-                  <a:r>
-                    <a:rPr lang="zh-CN" altLang="en-US" sz="1400" kern="100" smtClean="0">
-                      <a:solidFill>
-                        <a:schemeClr val="tx1"/>
-                      </a:solidFill>
-                    </a:rPr>
-                    <a:t>，探寻</a:t>
+                    <a:t>表达，探寻</a:t>
                   </a:r>
                   <a:r>
                     <a:rPr lang="zh-CN" altLang="en-US" sz="1400" kern="100" dirty="0">
@@ -24984,7 +24237,7 @@
                 <p:cNvPr id="40" name="í$ḷîḍè">
                   <a:extLst>
                     <a:ext uri="{FF2B5EF4-FFF2-40B4-BE49-F238E27FC236}">
-                      <a16:creationId xmlns="" xmlns:a16="http://schemas.microsoft.com/office/drawing/2014/main" id="{12A3621C-87E1-A4C8-FA58-D86A1AC51E22}"/>
+                      <a16:creationId xmlns:a16="http://schemas.microsoft.com/office/drawing/2014/main" id="{12A3621C-87E1-A4C8-FA58-D86A1AC51E22}"/>
                     </a:ext>
                   </a:extLst>
                 </p:cNvPr>
@@ -25134,7 +24387,7 @@
                 <p:cNvPr id="41" name="îṡľïḋê">
                   <a:extLst>
                     <a:ext uri="{FF2B5EF4-FFF2-40B4-BE49-F238E27FC236}">
-                      <a16:creationId xmlns="" xmlns:a16="http://schemas.microsoft.com/office/drawing/2014/main" id="{4DB688CD-99C8-B8A2-217A-AF1CD12922B8}"/>
+                      <a16:creationId xmlns:a16="http://schemas.microsoft.com/office/drawing/2014/main" id="{4DB688CD-99C8-B8A2-217A-AF1CD12922B8}"/>
                     </a:ext>
                   </a:extLst>
                 </p:cNvPr>
@@ -25184,7 +24437,7 @@
               <p:cNvPr id="38" name="iS1iḍé">
                 <a:extLst>
                   <a:ext uri="{FF2B5EF4-FFF2-40B4-BE49-F238E27FC236}">
-                    <a16:creationId xmlns="" xmlns:a16="http://schemas.microsoft.com/office/drawing/2014/main" id="{94E1B758-7937-D51F-0435-5E2FEBBF8BC5}"/>
+                    <a16:creationId xmlns:a16="http://schemas.microsoft.com/office/drawing/2014/main" id="{94E1B758-7937-D51F-0435-5E2FEBBF8BC5}"/>
                   </a:ext>
                 </a:extLst>
               </p:cNvPr>
@@ -25230,7 +24483,7 @@
             <p:cNvPr id="25" name="íṩľiḋè">
               <a:extLst>
                 <a:ext uri="{FF2B5EF4-FFF2-40B4-BE49-F238E27FC236}">
-                  <a16:creationId xmlns="" xmlns:a16="http://schemas.microsoft.com/office/drawing/2014/main" id="{4358FF2A-7BDB-D3DE-C217-B8672C775EF6}"/>
+                  <a16:creationId xmlns:a16="http://schemas.microsoft.com/office/drawing/2014/main" id="{4358FF2A-7BDB-D3DE-C217-B8672C775EF6}"/>
                 </a:ext>
               </a:extLst>
             </p:cNvPr>
@@ -25250,7 +24503,7 @@
               <p:cNvPr id="32" name="ïṧḷîḍe">
                 <a:extLst>
                   <a:ext uri="{FF2B5EF4-FFF2-40B4-BE49-F238E27FC236}">
-                    <a16:creationId xmlns="" xmlns:a16="http://schemas.microsoft.com/office/drawing/2014/main" id="{AB61EB3D-43BB-9B4D-9D62-D7D9C41EA690}"/>
+                    <a16:creationId xmlns:a16="http://schemas.microsoft.com/office/drawing/2014/main" id="{AB61EB3D-43BB-9B4D-9D62-D7D9C41EA690}"/>
                   </a:ext>
                 </a:extLst>
               </p:cNvPr>
@@ -25270,7 +24523,7 @@
                 <p:cNvPr id="34" name="iṥļídé">
                   <a:extLst>
                     <a:ext uri="{FF2B5EF4-FFF2-40B4-BE49-F238E27FC236}">
-                      <a16:creationId xmlns="" xmlns:a16="http://schemas.microsoft.com/office/drawing/2014/main" id="{88097592-3276-BF9A-7FBF-8EBF91B64FD9}"/>
+                      <a16:creationId xmlns:a16="http://schemas.microsoft.com/office/drawing/2014/main" id="{88097592-3276-BF9A-7FBF-8EBF91B64FD9}"/>
                     </a:ext>
                   </a:extLst>
                 </p:cNvPr>
@@ -25385,7 +24638,7 @@
                     </a:lnSpc>
                   </a:pPr>
                   <a:r>
-                    <a:rPr lang="zh-CN" altLang="en-US" sz="1400" kern="100" smtClean="0">
+                    <a:rPr lang="zh-CN" altLang="en-US" sz="1400" kern="100">
                       <a:solidFill>
                         <a:schemeClr val="tx1"/>
                       </a:solidFill>
@@ -25398,15 +24651,15 @@
                         <a:schemeClr val="tx1"/>
                       </a:solidFill>
                     </a:rPr>
-                    <a:t>活动开始前半</a:t>
+                    <a:t>活动开始前半年内、活动进行中和活动结束后半年内</a:t>
                   </a:r>
                   <a:r>
-                    <a:rPr lang="zh-CN" altLang="en-US" sz="1400" b="1" kern="100" smtClean="0">
+                    <a:rPr lang="zh-CN" altLang="en-US" sz="1400" kern="100">
                       <a:solidFill>
                         <a:schemeClr val="tx1"/>
                       </a:solidFill>
                     </a:rPr>
-                    <a:t>年内、</a:t>
+                    <a:t>的</a:t>
                   </a:r>
                   <a:r>
                     <a:rPr lang="zh-CN" altLang="en-US" sz="1400" b="1" kern="100">
@@ -25414,31 +24667,7 @@
                         <a:schemeClr val="tx1"/>
                       </a:solidFill>
                     </a:rPr>
-                    <a:t>活动进行中和活动结束后半年内</a:t>
-                  </a:r>
-                  <a:r>
-                    <a:rPr lang="zh-CN" altLang="en-US" sz="1400" kern="100" smtClean="0">
-                      <a:solidFill>
-                        <a:schemeClr val="tx1"/>
-                      </a:solidFill>
-                    </a:rPr>
-                    <a:t>的</a:t>
-                  </a:r>
-                  <a:r>
-                    <a:rPr lang="zh-CN" altLang="en-US" sz="1400" b="1" kern="100" smtClean="0">
-                      <a:solidFill>
-                        <a:schemeClr val="tx1"/>
-                      </a:solidFill>
-                    </a:rPr>
-                    <a:t>社会环境</a:t>
-                  </a:r>
-                  <a:r>
-                    <a:rPr lang="zh-CN" altLang="en-US" sz="1400" b="1" kern="100">
-                      <a:solidFill>
-                        <a:schemeClr val="tx1"/>
-                      </a:solidFill>
-                    </a:rPr>
-                    <a:t>和社会心理</a:t>
+                    <a:t>社会环境和社会心理</a:t>
                   </a:r>
                   <a:r>
                     <a:rPr lang="zh-CN" altLang="en-US" sz="1400" kern="100">
@@ -25446,18 +24675,10 @@
                         <a:schemeClr val="tx1"/>
                       </a:solidFill>
                     </a:rPr>
-                    <a:t>因素，</a:t>
+                    <a:t>因素，形成</a:t>
                   </a:r>
                   <a:r>
-                    <a:rPr lang="zh-CN" altLang="en-US" sz="1400" kern="100" smtClean="0">
-                      <a:solidFill>
-                        <a:schemeClr val="tx1"/>
-                      </a:solidFill>
-                    </a:rPr>
-                    <a:t>形成</a:t>
-                  </a:r>
-                  <a:r>
-                    <a:rPr lang="en-US" altLang="zh-CN" sz="1400" b="1" kern="100" smtClean="0">
+                    <a:rPr lang="en-US" altLang="zh-CN" sz="1400" b="1" kern="100">
                       <a:solidFill>
                         <a:schemeClr val="tx1"/>
                       </a:solidFill>
@@ -25470,39 +24691,7 @@
                         <a:schemeClr val="tx1"/>
                       </a:solidFill>
                     </a:rPr>
-                    <a:t>个可能</a:t>
-                  </a:r>
-                  <a:r>
-                    <a:rPr lang="zh-CN" altLang="en-US" sz="1400" b="1" kern="100" smtClean="0">
-                      <a:solidFill>
-                        <a:schemeClr val="tx1"/>
-                      </a:solidFill>
-                    </a:rPr>
-                    <a:t>引发人类转型</a:t>
-                  </a:r>
-                  <a:r>
-                    <a:rPr lang="zh-CN" altLang="en-US" sz="1400" b="1" kern="100">
-                      <a:solidFill>
-                        <a:schemeClr val="tx1"/>
-                      </a:solidFill>
-                    </a:rPr>
-                    <a:t>的</a:t>
-                  </a:r>
-                  <a:r>
-                    <a:rPr lang="zh-CN" altLang="en-US" sz="1400" b="1" kern="100" smtClean="0">
-                      <a:solidFill>
-                        <a:schemeClr val="tx1"/>
-                      </a:solidFill>
-                    </a:rPr>
-                    <a:t>聚类</a:t>
-                  </a:r>
-                  <a:r>
-                    <a:rPr lang="en-US" altLang="zh-CN" sz="1400" b="1" kern="100" smtClean="0">
-                      <a:solidFill>
-                        <a:schemeClr val="tx1"/>
-                      </a:solidFill>
-                    </a:rPr>
-                    <a:t>(Clusters</a:t>
+                    <a:t>个可能引发人类转型的聚类</a:t>
                   </a:r>
                   <a:r>
                     <a:rPr lang="en-US" altLang="zh-CN" sz="1400" b="1" kern="100">
@@ -25510,10 +24699,10 @@
                         <a:schemeClr val="tx1"/>
                       </a:solidFill>
                     </a:rPr>
-                    <a:t>)</a:t>
+                    <a:t>(Clusters)</a:t>
                   </a:r>
                   <a:r>
-                    <a:rPr lang="zh-CN" altLang="en-US" sz="1400" kern="100" smtClean="0">
+                    <a:rPr lang="zh-CN" altLang="en-US" sz="1400" kern="100">
                       <a:solidFill>
                         <a:schemeClr val="tx1"/>
                       </a:solidFill>
@@ -25534,7 +24723,7 @@
                 <p:cNvPr id="35" name="íṡ1îḓé">
                   <a:extLst>
                     <a:ext uri="{FF2B5EF4-FFF2-40B4-BE49-F238E27FC236}">
-                      <a16:creationId xmlns="" xmlns:a16="http://schemas.microsoft.com/office/drawing/2014/main" id="{C4B4D434-674B-5CCC-0550-800741D4DE3D}"/>
+                      <a16:creationId xmlns:a16="http://schemas.microsoft.com/office/drawing/2014/main" id="{C4B4D434-674B-5CCC-0550-800741D4DE3D}"/>
                     </a:ext>
                   </a:extLst>
                 </p:cNvPr>
@@ -25684,7 +24873,7 @@
                 <p:cNvPr id="36" name="iṩḻîḋê">
                   <a:extLst>
                     <a:ext uri="{FF2B5EF4-FFF2-40B4-BE49-F238E27FC236}">
-                      <a16:creationId xmlns="" xmlns:a16="http://schemas.microsoft.com/office/drawing/2014/main" id="{58080082-4A5B-D1DD-630A-1C616C58EA4A}"/>
+                      <a16:creationId xmlns:a16="http://schemas.microsoft.com/office/drawing/2014/main" id="{58080082-4A5B-D1DD-630A-1C616C58EA4A}"/>
                     </a:ext>
                   </a:extLst>
                 </p:cNvPr>
@@ -25734,7 +24923,7 @@
               <p:cNvPr id="33" name="iṩ1ïdé">
                 <a:extLst>
                   <a:ext uri="{FF2B5EF4-FFF2-40B4-BE49-F238E27FC236}">
-                    <a16:creationId xmlns="" xmlns:a16="http://schemas.microsoft.com/office/drawing/2014/main" id="{3C9163EA-53CE-687A-82B4-63F1E0CD548C}"/>
+                    <a16:creationId xmlns:a16="http://schemas.microsoft.com/office/drawing/2014/main" id="{3C9163EA-53CE-687A-82B4-63F1E0CD548C}"/>
                   </a:ext>
                 </a:extLst>
               </p:cNvPr>
@@ -25780,7 +24969,7 @@
             <p:cNvPr id="26" name="íṩḻíḓé">
               <a:extLst>
                 <a:ext uri="{FF2B5EF4-FFF2-40B4-BE49-F238E27FC236}">
-                  <a16:creationId xmlns="" xmlns:a16="http://schemas.microsoft.com/office/drawing/2014/main" id="{37E2584C-A68A-18AA-4769-F8AD5C2C8B3C}"/>
+                  <a16:creationId xmlns:a16="http://schemas.microsoft.com/office/drawing/2014/main" id="{37E2584C-A68A-18AA-4769-F8AD5C2C8B3C}"/>
                 </a:ext>
               </a:extLst>
             </p:cNvPr>
@@ -25800,7 +24989,7 @@
               <p:cNvPr id="27" name="îSḻiďé">
                 <a:extLst>
                   <a:ext uri="{FF2B5EF4-FFF2-40B4-BE49-F238E27FC236}">
-                    <a16:creationId xmlns="" xmlns:a16="http://schemas.microsoft.com/office/drawing/2014/main" id="{7D95AD29-30D1-4957-811E-72C1CE2C93E5}"/>
+                    <a16:creationId xmlns:a16="http://schemas.microsoft.com/office/drawing/2014/main" id="{7D95AD29-30D1-4957-811E-72C1CE2C93E5}"/>
                   </a:ext>
                 </a:extLst>
               </p:cNvPr>
@@ -25820,7 +25009,7 @@
                 <p:cNvPr id="29" name="íŝ1íḓe">
                   <a:extLst>
                     <a:ext uri="{FF2B5EF4-FFF2-40B4-BE49-F238E27FC236}">
-                      <a16:creationId xmlns="" xmlns:a16="http://schemas.microsoft.com/office/drawing/2014/main" id="{635D8E1F-FCF3-F8CE-961A-7A6F6DA71BCB}"/>
+                      <a16:creationId xmlns:a16="http://schemas.microsoft.com/office/drawing/2014/main" id="{635D8E1F-FCF3-F8CE-961A-7A6F6DA71BCB}"/>
                     </a:ext>
                   </a:extLst>
                 </p:cNvPr>
@@ -25940,15 +25129,7 @@
                         <a:schemeClr val="tx1"/>
                       </a:solidFill>
                     </a:rPr>
-                    <a:t>该文</a:t>
-                  </a:r>
-                  <a:r>
-                    <a:rPr lang="zh-CN" altLang="en-US" sz="1400" kern="100" smtClean="0">
-                      <a:solidFill>
-                        <a:schemeClr val="tx1"/>
-                      </a:solidFill>
-                    </a:rPr>
-                    <a:t>是</a:t>
+                    <a:t>该文是</a:t>
                   </a:r>
                   <a:r>
                     <a:rPr lang="zh-CN" altLang="en-US" sz="1400" kern="100" dirty="0">
@@ -25964,15 +25145,7 @@
                         <a:schemeClr val="tx1"/>
                       </a:solidFill>
                     </a:rPr>
-                    <a:t>领域</a:t>
-                  </a:r>
-                  <a:r>
-                    <a:rPr lang="zh-CN" altLang="en-US" sz="1400" kern="100" smtClean="0">
-                      <a:solidFill>
-                        <a:schemeClr val="tx1"/>
-                      </a:solidFill>
-                    </a:rPr>
-                    <a:t>中，探讨人类转型</a:t>
+                    <a:t>领域中，探讨人类转型</a:t>
                   </a:r>
                   <a:r>
                     <a:rPr lang="en-US" altLang="zh-CN" sz="1400" kern="100">
@@ -25983,7 +25156,7 @@
                     <a:t>(Human transformation)</a:t>
                   </a:r>
                   <a:r>
-                    <a:rPr lang="zh-CN" altLang="en-US" sz="1400" kern="100" smtClean="0">
+                    <a:rPr lang="zh-CN" altLang="en-US" sz="1400" kern="100">
                       <a:solidFill>
                         <a:schemeClr val="tx1"/>
                       </a:solidFill>
@@ -25999,7 +25172,7 @@
                     <a:t>(Experience design)</a:t>
                   </a:r>
                   <a:r>
-                    <a:rPr lang="zh-CN" altLang="en-US" sz="1400" kern="100" smtClean="0">
+                    <a:rPr lang="zh-CN" altLang="en-US" sz="1400" kern="100">
                       <a:solidFill>
                         <a:schemeClr val="tx1"/>
                       </a:solidFill>
@@ -26028,7 +25201,7 @@
                 <p:cNvPr id="30" name="íŝḷïḓê">
                   <a:extLst>
                     <a:ext uri="{FF2B5EF4-FFF2-40B4-BE49-F238E27FC236}">
-                      <a16:creationId xmlns="" xmlns:a16="http://schemas.microsoft.com/office/drawing/2014/main" id="{5F3D30B8-10F7-07F6-817A-5B8789BF257D}"/>
+                      <a16:creationId xmlns:a16="http://schemas.microsoft.com/office/drawing/2014/main" id="{5F3D30B8-10F7-07F6-817A-5B8789BF257D}"/>
                     </a:ext>
                   </a:extLst>
                 </p:cNvPr>
@@ -26178,7 +25351,7 @@
                 <p:cNvPr id="31" name="îsļïḑe">
                   <a:extLst>
                     <a:ext uri="{FF2B5EF4-FFF2-40B4-BE49-F238E27FC236}">
-                      <a16:creationId xmlns="" xmlns:a16="http://schemas.microsoft.com/office/drawing/2014/main" id="{6B44AFA3-0084-8B43-8DA6-E69591F2CFF6}"/>
+                      <a16:creationId xmlns:a16="http://schemas.microsoft.com/office/drawing/2014/main" id="{6B44AFA3-0084-8B43-8DA6-E69591F2CFF6}"/>
                     </a:ext>
                   </a:extLst>
                 </p:cNvPr>
@@ -26228,7 +25401,7 @@
               <p:cNvPr id="28" name="i$ļïdé">
                 <a:extLst>
                   <a:ext uri="{FF2B5EF4-FFF2-40B4-BE49-F238E27FC236}">
-                    <a16:creationId xmlns="" xmlns:a16="http://schemas.microsoft.com/office/drawing/2014/main" id="{DD8557D0-2100-608A-F1A0-3B63E6000E1F}"/>
+                    <a16:creationId xmlns:a16="http://schemas.microsoft.com/office/drawing/2014/main" id="{DD8557D0-2100-608A-F1A0-3B63E6000E1F}"/>
                   </a:ext>
                 </a:extLst>
               </p:cNvPr>
@@ -26283,13 +25456,6 @@
   <p:clrMapOvr>
     <a:masterClrMapping/>
   </p:clrMapOvr>
-  <p:timing>
-    <p:tnLst>
-      <p:par>
-        <p:cTn id="1" dur="indefinite" restart="never" nodeType="tmRoot"/>
-      </p:par>
-    </p:tnLst>
-  </p:timing>
 </p:sld>
 </file>
 
@@ -26315,7 +25481,7 @@
           <p:cNvPr id="4" name="îSľidé">
             <a:extLst>
               <a:ext uri="{FF2B5EF4-FFF2-40B4-BE49-F238E27FC236}">
-                <a16:creationId xmlns="" xmlns:a16="http://schemas.microsoft.com/office/drawing/2014/main" id="{3E7816B9-4368-481C-AF7D-011CB1B5D3BB}"/>
+                <a16:creationId xmlns:a16="http://schemas.microsoft.com/office/drawing/2014/main" id="{3E7816B9-4368-481C-AF7D-011CB1B5D3BB}"/>
               </a:ext>
             </a:extLst>
           </p:cNvPr>
@@ -26355,7 +25521,7 @@
           <p:cNvPr id="5" name="iṩḷiḑê">
             <a:extLst>
               <a:ext uri="{FF2B5EF4-FFF2-40B4-BE49-F238E27FC236}">
-                <a16:creationId xmlns="" xmlns:a16="http://schemas.microsoft.com/office/drawing/2014/main" id="{FFB5A5B7-90C8-078E-6C5B-4F2652B88E9F}"/>
+                <a16:creationId xmlns:a16="http://schemas.microsoft.com/office/drawing/2014/main" id="{FFB5A5B7-90C8-078E-6C5B-4F2652B88E9F}"/>
               </a:ext>
             </a:extLst>
           </p:cNvPr>
@@ -26400,7 +25566,7 @@
           <p:cNvPr id="6" name="íṩ1îḍè">
             <a:extLst>
               <a:ext uri="{FF2B5EF4-FFF2-40B4-BE49-F238E27FC236}">
-                <a16:creationId xmlns="" xmlns:a16="http://schemas.microsoft.com/office/drawing/2014/main" id="{B68DAE73-8BC8-7807-0C08-C90012F6614E}"/>
+                <a16:creationId xmlns:a16="http://schemas.microsoft.com/office/drawing/2014/main" id="{B68DAE73-8BC8-7807-0C08-C90012F6614E}"/>
               </a:ext>
             </a:extLst>
           </p:cNvPr>
@@ -26473,13 +25639,6 @@
   <p:clrMapOvr>
     <a:masterClrMapping/>
   </p:clrMapOvr>
-  <p:timing>
-    <p:tnLst>
-      <p:par>
-        <p:cTn id="1" dur="indefinite" restart="never" nodeType="tmRoot"/>
-      </p:par>
-    </p:tnLst>
-  </p:timing>
 </p:sld>
 </file>
 
@@ -26505,7 +25664,7 @@
           <p:cNvPr id="2" name="îŝlíḋê">
             <a:extLst>
               <a:ext uri="{FF2B5EF4-FFF2-40B4-BE49-F238E27FC236}">
-                <a16:creationId xmlns="" xmlns:a16="http://schemas.microsoft.com/office/drawing/2014/main" id="{6AD7DE2F-2C25-C25A-957B-4AC542D02BC6}"/>
+                <a16:creationId xmlns:a16="http://schemas.microsoft.com/office/drawing/2014/main" id="{6AD7DE2F-2C25-C25A-957B-4AC542D02BC6}"/>
               </a:ext>
             </a:extLst>
           </p:cNvPr>
@@ -26544,7 +25703,7 @@
           <p:cNvPr id="3" name="i$1ïḑè">
             <a:extLst>
               <a:ext uri="{FF2B5EF4-FFF2-40B4-BE49-F238E27FC236}">
-                <a16:creationId xmlns="" xmlns:a16="http://schemas.microsoft.com/office/drawing/2014/main" id="{EE398945-B4F6-229D-8038-3D7AB4A4B18E}"/>
+                <a16:creationId xmlns:a16="http://schemas.microsoft.com/office/drawing/2014/main" id="{EE398945-B4F6-229D-8038-3D7AB4A4B18E}"/>
               </a:ext>
             </a:extLst>
           </p:cNvPr>
@@ -26580,7 +25739,7 @@
           <p:cNvPr id="46" name="灯片编号占位符 1">
             <a:extLst>
               <a:ext uri="{FF2B5EF4-FFF2-40B4-BE49-F238E27FC236}">
-                <a16:creationId xmlns="" xmlns:a16="http://schemas.microsoft.com/office/drawing/2014/main" id="{F50F31B1-2A21-0FFF-2F66-A3649473C736}"/>
+                <a16:creationId xmlns:a16="http://schemas.microsoft.com/office/drawing/2014/main" id="{F50F31B1-2A21-0FFF-2F66-A3649473C736}"/>
               </a:ext>
             </a:extLst>
           </p:cNvPr>
@@ -26705,7 +25864,7 @@
           <p:cNvPr id="48" name="文本框 47">
             <a:extLst>
               <a:ext uri="{FF2B5EF4-FFF2-40B4-BE49-F238E27FC236}">
-                <a16:creationId xmlns="" xmlns:a16="http://schemas.microsoft.com/office/drawing/2014/main" id="{33D56F3F-1A7B-EC8C-1469-CE1202203A9A}"/>
+                <a16:creationId xmlns:a16="http://schemas.microsoft.com/office/drawing/2014/main" id="{33D56F3F-1A7B-EC8C-1469-CE1202203A9A}"/>
               </a:ext>
             </a:extLst>
           </p:cNvPr>
@@ -26794,7 +25953,7 @@
           <p:cNvPr id="50" name="任意多边形: 形状 9">
             <a:extLst>
               <a:ext uri="{FF2B5EF4-FFF2-40B4-BE49-F238E27FC236}">
-                <a16:creationId xmlns="" xmlns:a16="http://schemas.microsoft.com/office/drawing/2014/main" id="{82C4FD03-54BC-4031-7205-323F32F2AA30}"/>
+                <a16:creationId xmlns:a16="http://schemas.microsoft.com/office/drawing/2014/main" id="{82C4FD03-54BC-4031-7205-323F32F2AA30}"/>
               </a:ext>
             </a:extLst>
           </p:cNvPr>
@@ -26950,7 +26109,7 @@
           <p:cNvPr id="51" name="矩形 50">
             <a:extLst>
               <a:ext uri="{FF2B5EF4-FFF2-40B4-BE49-F238E27FC236}">
-                <a16:creationId xmlns="" xmlns:a16="http://schemas.microsoft.com/office/drawing/2014/main" id="{40E5C2AC-F189-FD5A-5713-FCAACDB2114F}"/>
+                <a16:creationId xmlns:a16="http://schemas.microsoft.com/office/drawing/2014/main" id="{40E5C2AC-F189-FD5A-5713-FCAACDB2114F}"/>
               </a:ext>
             </a:extLst>
           </p:cNvPr>
@@ -27001,7 +26160,7 @@
           <p:cNvPr id="52" name="矩形 51">
             <a:extLst>
               <a:ext uri="{FF2B5EF4-FFF2-40B4-BE49-F238E27FC236}">
-                <a16:creationId xmlns="" xmlns:a16="http://schemas.microsoft.com/office/drawing/2014/main" id="{00C36A25-7227-C794-E60E-EAEA9B2D63BF}"/>
+                <a16:creationId xmlns:a16="http://schemas.microsoft.com/office/drawing/2014/main" id="{00C36A25-7227-C794-E60E-EAEA9B2D63BF}"/>
               </a:ext>
             </a:extLst>
           </p:cNvPr>
@@ -27059,7 +26218,7 @@
           <p:cNvPr id="53" name="Freeform 9">
             <a:extLst>
               <a:ext uri="{FF2B5EF4-FFF2-40B4-BE49-F238E27FC236}">
-                <a16:creationId xmlns="" xmlns:a16="http://schemas.microsoft.com/office/drawing/2014/main" id="{A76795E1-9DBE-2C85-BAC3-B6039EF5E6C5}"/>
+                <a16:creationId xmlns:a16="http://schemas.microsoft.com/office/drawing/2014/main" id="{A76795E1-9DBE-2C85-BAC3-B6039EF5E6C5}"/>
               </a:ext>
             </a:extLst>
           </p:cNvPr>
@@ -27145,7 +26304,7 @@
           <p:cNvPr id="54" name="矩形 53">
             <a:extLst>
               <a:ext uri="{FF2B5EF4-FFF2-40B4-BE49-F238E27FC236}">
-                <a16:creationId xmlns="" xmlns:a16="http://schemas.microsoft.com/office/drawing/2014/main" id="{80324389-A57C-193C-67E9-574C80224E87}"/>
+                <a16:creationId xmlns:a16="http://schemas.microsoft.com/office/drawing/2014/main" id="{80324389-A57C-193C-67E9-574C80224E87}"/>
               </a:ext>
             </a:extLst>
           </p:cNvPr>
@@ -27216,7 +26375,7 @@
           <p:cNvPr id="55" name="矩形 54">
             <a:extLst>
               <a:ext uri="{FF2B5EF4-FFF2-40B4-BE49-F238E27FC236}">
-                <a16:creationId xmlns="" xmlns:a16="http://schemas.microsoft.com/office/drawing/2014/main" id="{91EF8C5F-4364-6F74-08AF-28236D538B45}"/>
+                <a16:creationId xmlns:a16="http://schemas.microsoft.com/office/drawing/2014/main" id="{91EF8C5F-4364-6F74-08AF-28236D538B45}"/>
               </a:ext>
             </a:extLst>
           </p:cNvPr>
@@ -27287,7 +26446,7 @@
           <p:cNvPr id="56" name="矩形 55">
             <a:extLst>
               <a:ext uri="{FF2B5EF4-FFF2-40B4-BE49-F238E27FC236}">
-                <a16:creationId xmlns="" xmlns:a16="http://schemas.microsoft.com/office/drawing/2014/main" id="{15543904-2B31-4328-1F9E-7B384FC3D070}"/>
+                <a16:creationId xmlns:a16="http://schemas.microsoft.com/office/drawing/2014/main" id="{15543904-2B31-4328-1F9E-7B384FC3D070}"/>
               </a:ext>
             </a:extLst>
           </p:cNvPr>
@@ -27397,11 +26556,7 @@
             </a:r>
             <a:r>
               <a:rPr lang="zh-CN" altLang="en-US" sz="1400"/>
-              <a:t>研究</a:t>
-            </a:r>
-            <a:r>
-              <a:rPr lang="zh-CN" altLang="en-US" sz="1400" smtClean="0"/>
-              <a:t>：范畴定义与</a:t>
+              <a:t>研究：范畴定义与</a:t>
             </a:r>
             <a:r>
               <a:rPr lang="zh-CN" altLang="en-US" sz="1400" dirty="0"/>
@@ -27416,16 +26571,8 @@
               </a:lnSpc>
             </a:pPr>
             <a:r>
-              <a:rPr lang="zh-CN" altLang="en-US" sz="1400" smtClean="0"/>
-              <a:t>研究</a:t>
-            </a:r>
-            <a:r>
               <a:rPr lang="zh-CN" altLang="en-US" sz="1400"/>
-              <a:t>创新</a:t>
-            </a:r>
-            <a:r>
-              <a:rPr lang="zh-CN" altLang="en-US" sz="1400" smtClean="0"/>
-              <a:t>：</a:t>
+              <a:t>研究创新：</a:t>
             </a:r>
             <a:r>
               <a:rPr lang="zh-CN" altLang="en-US" sz="1400" dirty="0"/>
@@ -27433,11 +26580,7 @@
             </a:r>
             <a:r>
               <a:rPr lang="zh-CN" altLang="en-US" sz="1400"/>
-              <a:t>与</a:t>
-            </a:r>
-            <a:r>
-              <a:rPr lang="zh-CN" altLang="en-US" sz="1400" smtClean="0"/>
-              <a:t>技术发展</a:t>
+              <a:t>与技术发展</a:t>
             </a:r>
             <a:endParaRPr lang="en-US" altLang="zh-CN" sz="1400" dirty="0"/>
           </a:p>
@@ -27487,19 +26630,7 @@
             </a:r>
             <a:r>
               <a:rPr lang="zh-CN" altLang="en-US" sz="1400"/>
-              <a:t>设计</a:t>
-            </a:r>
-            <a:r>
-              <a:rPr lang="zh-CN" altLang="en-US" sz="1400" smtClean="0"/>
-              <a:t>引诱</a:t>
-            </a:r>
-            <a:r>
-              <a:rPr lang="zh-CN" altLang="en-US" sz="1400"/>
-              <a:t>人类</a:t>
-            </a:r>
-            <a:r>
-              <a:rPr lang="zh-CN" altLang="en-US" sz="1400" smtClean="0"/>
-              <a:t>转型</a:t>
+              <a:t>设计引诱人类转型</a:t>
             </a:r>
             <a:endParaRPr lang="en-US" altLang="zh-CN" sz="1400" dirty="0"/>
           </a:p>
@@ -27565,15 +26696,7 @@
                   <a:schemeClr val="bg1"/>
                 </a:solidFill>
               </a:rPr>
-              <a:t>人</a:t>
-            </a:r>
-            <a:r>
-              <a:rPr lang="zh-CN" altLang="en-US" sz="1400" smtClean="0">
-                <a:solidFill>
-                  <a:schemeClr val="bg1"/>
-                </a:solidFill>
-              </a:rPr>
-              <a:t>节</a:t>
+              <a:t>人节</a:t>
             </a:r>
             <a:r>
               <a:rPr lang="en-US" altLang="zh-CN" sz="1400">
@@ -27584,28 +26707,12 @@
               <a:t>, Burning Man</a:t>
             </a:r>
             <a:r>
-              <a:rPr lang="zh-CN" altLang="en-US" sz="1400" smtClean="0">
-                <a:solidFill>
-                  <a:schemeClr val="bg1"/>
-                </a:solidFill>
-              </a:rPr>
-              <a:t>），</a:t>
-            </a:r>
-            <a:r>
               <a:rPr lang="zh-CN" altLang="en-US" sz="1400">
                 <a:solidFill>
                   <a:schemeClr val="bg1"/>
                 </a:solidFill>
               </a:rPr>
-              <a:t>人类</a:t>
-            </a:r>
-            <a:r>
-              <a:rPr lang="zh-CN" altLang="en-US" sz="1400" smtClean="0">
-                <a:solidFill>
-                  <a:schemeClr val="bg1"/>
-                </a:solidFill>
-              </a:rPr>
-              <a:t>转型</a:t>
+              <a:t>），人类转型</a:t>
             </a:r>
             <a:r>
               <a:rPr lang="zh-CN" altLang="en-US" sz="1400" dirty="0">
@@ -27636,13 +26743,6 @@
   <p:clrMapOvr>
     <a:masterClrMapping/>
   </p:clrMapOvr>
-  <p:timing>
-    <p:tnLst>
-      <p:par>
-        <p:cTn id="1" dur="indefinite" restart="never" nodeType="tmRoot"/>
-      </p:par>
-    </p:tnLst>
-  </p:timing>
 </p:sld>
 </file>
 
@@ -27668,7 +26768,7 @@
           <p:cNvPr id="2" name="îṩļíďè">
             <a:extLst>
               <a:ext uri="{FF2B5EF4-FFF2-40B4-BE49-F238E27FC236}">
-                <a16:creationId xmlns="" xmlns:a16="http://schemas.microsoft.com/office/drawing/2014/main" id="{6AD7DE2F-2C25-C25A-957B-4AC542D02BC6}"/>
+                <a16:creationId xmlns:a16="http://schemas.microsoft.com/office/drawing/2014/main" id="{6AD7DE2F-2C25-C25A-957B-4AC542D02BC6}"/>
               </a:ext>
             </a:extLst>
           </p:cNvPr>
@@ -27707,7 +26807,7 @@
           <p:cNvPr id="3" name="îṧḻíďê">
             <a:extLst>
               <a:ext uri="{FF2B5EF4-FFF2-40B4-BE49-F238E27FC236}">
-                <a16:creationId xmlns="" xmlns:a16="http://schemas.microsoft.com/office/drawing/2014/main" id="{B375A7AD-1815-4FD5-7FFD-E47FC224BD70}"/>
+                <a16:creationId xmlns:a16="http://schemas.microsoft.com/office/drawing/2014/main" id="{B375A7AD-1815-4FD5-7FFD-E47FC224BD70}"/>
               </a:ext>
             </a:extLst>
           </p:cNvPr>
@@ -27743,7 +26843,7 @@
           <p:cNvPr id="168" name="îş1íďè">
             <a:extLst>
               <a:ext uri="{FF2B5EF4-FFF2-40B4-BE49-F238E27FC236}">
-                <a16:creationId xmlns="" xmlns:a16="http://schemas.microsoft.com/office/drawing/2014/main" id="{3EA0ED1E-6900-7DD9-9F3F-B4BBE09A031E}"/>
+                <a16:creationId xmlns:a16="http://schemas.microsoft.com/office/drawing/2014/main" id="{3EA0ED1E-6900-7DD9-9F3F-B4BBE09A031E}"/>
               </a:ext>
             </a:extLst>
           </p:cNvPr>
@@ -27763,7 +26863,7 @@
             <p:cNvPr id="167" name="îṧḻíḓé">
               <a:extLst>
                 <a:ext uri="{FF2B5EF4-FFF2-40B4-BE49-F238E27FC236}">
-                  <a16:creationId xmlns="" xmlns:a16="http://schemas.microsoft.com/office/drawing/2014/main" id="{5DB0B0EB-5534-D3B4-FC09-5E158D1E1962}"/>
+                  <a16:creationId xmlns:a16="http://schemas.microsoft.com/office/drawing/2014/main" id="{5DB0B0EB-5534-D3B4-FC09-5E158D1E1962}"/>
                 </a:ext>
               </a:extLst>
             </p:cNvPr>
@@ -27783,7 +26883,7 @@
               <p:cNvPr id="44" name="ïšļîḍê">
                 <a:extLst>
                   <a:ext uri="{FF2B5EF4-FFF2-40B4-BE49-F238E27FC236}">
-                    <a16:creationId xmlns="" xmlns:a16="http://schemas.microsoft.com/office/drawing/2014/main" id="{3F13DA88-A935-C429-47FC-E7189F342B09}"/>
+                    <a16:creationId xmlns:a16="http://schemas.microsoft.com/office/drawing/2014/main" id="{3F13DA88-A935-C429-47FC-E7189F342B09}"/>
                   </a:ext>
                 </a:extLst>
               </p:cNvPr>
@@ -27803,7 +26903,7 @@
                 <p:cNvPr id="89" name="ïşľiḋé">
                   <a:extLst>
                     <a:ext uri="{FF2B5EF4-FFF2-40B4-BE49-F238E27FC236}">
-                      <a16:creationId xmlns="" xmlns:a16="http://schemas.microsoft.com/office/drawing/2014/main" id="{5BD7ABC3-8CB0-00B9-E270-F655D6AEE9A4}"/>
+                      <a16:creationId xmlns:a16="http://schemas.microsoft.com/office/drawing/2014/main" id="{5BD7ABC3-8CB0-00B9-E270-F655D6AEE9A4}"/>
                     </a:ext>
                   </a:extLst>
                 </p:cNvPr>
@@ -27870,7 +26970,7 @@
                 <p:cNvPr id="90" name="íṡliḋè">
                   <a:extLst>
                     <a:ext uri="{FF2B5EF4-FFF2-40B4-BE49-F238E27FC236}">
-                      <a16:creationId xmlns="" xmlns:a16="http://schemas.microsoft.com/office/drawing/2014/main" id="{8A1DC3F0-EC64-87C1-CF03-190A038BED03}"/>
+                      <a16:creationId xmlns:a16="http://schemas.microsoft.com/office/drawing/2014/main" id="{8A1DC3F0-EC64-87C1-CF03-190A038BED03}"/>
                     </a:ext>
                   </a:extLst>
                 </p:cNvPr>
@@ -27935,7 +27035,7 @@
                 <p:cNvPr id="91" name="ïšľíḓe">
                   <a:extLst>
                     <a:ext uri="{FF2B5EF4-FFF2-40B4-BE49-F238E27FC236}">
-                      <a16:creationId xmlns="" xmlns:a16="http://schemas.microsoft.com/office/drawing/2014/main" id="{9DB4091B-45E7-8EF7-4490-A27FE913C53C}"/>
+                      <a16:creationId xmlns:a16="http://schemas.microsoft.com/office/drawing/2014/main" id="{9DB4091B-45E7-8EF7-4490-A27FE913C53C}"/>
                     </a:ext>
                   </a:extLst>
                 </p:cNvPr>
@@ -27979,7 +27079,7 @@
                 <p:cNvPr id="92" name="isḻíḓe">
                   <a:extLst>
                     <a:ext uri="{FF2B5EF4-FFF2-40B4-BE49-F238E27FC236}">
-                      <a16:creationId xmlns="" xmlns:a16="http://schemas.microsoft.com/office/drawing/2014/main" id="{5728AB50-B13D-04EB-287F-C5233805CB13}"/>
+                      <a16:creationId xmlns:a16="http://schemas.microsoft.com/office/drawing/2014/main" id="{5728AB50-B13D-04EB-287F-C5233805CB13}"/>
                     </a:ext>
                   </a:extLst>
                 </p:cNvPr>
@@ -28036,7 +27136,7 @@
               <p:cNvPr id="45" name="ïş1íḓe">
                 <a:extLst>
                   <a:ext uri="{FF2B5EF4-FFF2-40B4-BE49-F238E27FC236}">
-                    <a16:creationId xmlns="" xmlns:a16="http://schemas.microsoft.com/office/drawing/2014/main" id="{9BB20301-A707-F2A1-22F0-23AA4B44694D}"/>
+                    <a16:creationId xmlns:a16="http://schemas.microsoft.com/office/drawing/2014/main" id="{9BB20301-A707-F2A1-22F0-23AA4B44694D}"/>
                   </a:ext>
                 </a:extLst>
               </p:cNvPr>
@@ -28056,7 +27156,7 @@
                 <p:cNvPr id="85" name="ïşliḓe">
                   <a:extLst>
                     <a:ext uri="{FF2B5EF4-FFF2-40B4-BE49-F238E27FC236}">
-                      <a16:creationId xmlns="" xmlns:a16="http://schemas.microsoft.com/office/drawing/2014/main" id="{6F1D7BAD-BC81-A8AE-AC58-88CBFA0B9B6F}"/>
+                      <a16:creationId xmlns:a16="http://schemas.microsoft.com/office/drawing/2014/main" id="{6F1D7BAD-BC81-A8AE-AC58-88CBFA0B9B6F}"/>
                     </a:ext>
                   </a:extLst>
                 </p:cNvPr>
@@ -28123,7 +27223,7 @@
                 <p:cNvPr id="86" name="îṩļíďé">
                   <a:extLst>
                     <a:ext uri="{FF2B5EF4-FFF2-40B4-BE49-F238E27FC236}">
-                      <a16:creationId xmlns="" xmlns:a16="http://schemas.microsoft.com/office/drawing/2014/main" id="{FE7C2325-3A8E-FF3B-3589-4FD2040DA726}"/>
+                      <a16:creationId xmlns:a16="http://schemas.microsoft.com/office/drawing/2014/main" id="{FE7C2325-3A8E-FF3B-3589-4FD2040DA726}"/>
                     </a:ext>
                   </a:extLst>
                 </p:cNvPr>
@@ -28171,16 +27271,6 @@
                     </a:lnSpc>
                   </a:pPr>
                   <a:r>
-                    <a:rPr kumimoji="1" lang="zh-CN" altLang="en-US" sz="1400" smtClean="0">
-                      <a:solidFill>
-                        <a:schemeClr val="tx1"/>
-                      </a:solidFill>
-                      <a:cs typeface="+mn-ea"/>
-                      <a:sym typeface="+mn-lt"/>
-                    </a:rPr>
-                    <a:t>人类转型</a:t>
-                  </a:r>
-                  <a:r>
                     <a:rPr kumimoji="1" lang="zh-CN" altLang="en-US" sz="1400">
                       <a:solidFill>
                         <a:schemeClr val="tx1"/>
@@ -28188,7 +27278,7 @@
                       <a:cs typeface="+mn-ea"/>
                       <a:sym typeface="+mn-lt"/>
                     </a:rPr>
-                    <a:t>如何发生？</a:t>
+                    <a:t>人类转型如何发生？</a:t>
                   </a:r>
                   <a:endParaRPr kumimoji="1" lang="zh-CN" altLang="en-US" sz="1400" dirty="0">
                     <a:solidFill>
@@ -28205,7 +27295,7 @@
                 <p:cNvPr id="87" name="iṥļîḑê">
                   <a:extLst>
                     <a:ext uri="{FF2B5EF4-FFF2-40B4-BE49-F238E27FC236}">
-                      <a16:creationId xmlns="" xmlns:a16="http://schemas.microsoft.com/office/drawing/2014/main" id="{23715810-DC42-4F43-F31E-8DCEF64FBE29}"/>
+                      <a16:creationId xmlns:a16="http://schemas.microsoft.com/office/drawing/2014/main" id="{23715810-DC42-4F43-F31E-8DCEF64FBE29}"/>
                     </a:ext>
                   </a:extLst>
                 </p:cNvPr>
@@ -28249,7 +27339,7 @@
                 <p:cNvPr id="88" name="iṥ1íḍè">
                   <a:extLst>
                     <a:ext uri="{FF2B5EF4-FFF2-40B4-BE49-F238E27FC236}">
-                      <a16:creationId xmlns="" xmlns:a16="http://schemas.microsoft.com/office/drawing/2014/main" id="{DD875186-A82B-2FD0-2F2B-88377301E35C}"/>
+                      <a16:creationId xmlns:a16="http://schemas.microsoft.com/office/drawing/2014/main" id="{DD875186-A82B-2FD0-2F2B-88377301E35C}"/>
                     </a:ext>
                   </a:extLst>
                 </p:cNvPr>
@@ -28306,7 +27396,7 @@
               <p:cNvPr id="46" name="ïṡlidè">
                 <a:extLst>
                   <a:ext uri="{FF2B5EF4-FFF2-40B4-BE49-F238E27FC236}">
-                    <a16:creationId xmlns="" xmlns:a16="http://schemas.microsoft.com/office/drawing/2014/main" id="{791E67BC-D2F7-A516-49DD-03D3E8FF6397}"/>
+                    <a16:creationId xmlns:a16="http://schemas.microsoft.com/office/drawing/2014/main" id="{791E67BC-D2F7-A516-49DD-03D3E8FF6397}"/>
                   </a:ext>
                 </a:extLst>
               </p:cNvPr>
@@ -28326,7 +27416,7 @@
                 <p:cNvPr id="81" name="îsļidè">
                   <a:extLst>
                     <a:ext uri="{FF2B5EF4-FFF2-40B4-BE49-F238E27FC236}">
-                      <a16:creationId xmlns="" xmlns:a16="http://schemas.microsoft.com/office/drawing/2014/main" id="{86A13A20-1875-1378-50AC-58553A9739BB}"/>
+                      <a16:creationId xmlns:a16="http://schemas.microsoft.com/office/drawing/2014/main" id="{86A13A20-1875-1378-50AC-58553A9739BB}"/>
                     </a:ext>
                   </a:extLst>
                 </p:cNvPr>
@@ -28393,7 +27483,7 @@
                 <p:cNvPr id="82" name="iş1iḓè">
                   <a:extLst>
                     <a:ext uri="{FF2B5EF4-FFF2-40B4-BE49-F238E27FC236}">
-                      <a16:creationId xmlns="" xmlns:a16="http://schemas.microsoft.com/office/drawing/2014/main" id="{CAA6B156-3F34-1619-901D-599A03A95172}"/>
+                      <a16:creationId xmlns:a16="http://schemas.microsoft.com/office/drawing/2014/main" id="{CAA6B156-3F34-1619-901D-599A03A95172}"/>
                     </a:ext>
                   </a:extLst>
                 </p:cNvPr>
@@ -28478,17 +27568,7 @@
                       <a:cs typeface="+mn-ea"/>
                       <a:sym typeface="+mn-lt"/>
                     </a:rPr>
-                    <a:t>典型</a:t>
-                  </a:r>
-                  <a:r>
-                    <a:rPr kumimoji="1" lang="zh-CN" altLang="en-US" sz="1400" smtClean="0">
-                      <a:solidFill>
-                        <a:schemeClr val="tx1"/>
-                      </a:solidFill>
-                      <a:cs typeface="+mn-ea"/>
-                      <a:sym typeface="+mn-lt"/>
-                    </a:rPr>
-                    <a:t>的转型性活动。</a:t>
+                    <a:t>典型的转型性活动。</a:t>
                   </a:r>
                   <a:endParaRPr kumimoji="1" lang="zh-CN" altLang="en-US" sz="1400" dirty="0">
                     <a:solidFill>
@@ -28505,7 +27585,7 @@
                 <p:cNvPr id="83" name="íŝlíḋe">
                   <a:extLst>
                     <a:ext uri="{FF2B5EF4-FFF2-40B4-BE49-F238E27FC236}">
-                      <a16:creationId xmlns="" xmlns:a16="http://schemas.microsoft.com/office/drawing/2014/main" id="{110BA051-9CCF-A6D9-B69F-7DF4950589CD}"/>
+                      <a16:creationId xmlns:a16="http://schemas.microsoft.com/office/drawing/2014/main" id="{110BA051-9CCF-A6D9-B69F-7DF4950589CD}"/>
                     </a:ext>
                   </a:extLst>
                 </p:cNvPr>
@@ -28549,7 +27629,7 @@
                 <p:cNvPr id="84" name="îśľídè">
                   <a:extLst>
                     <a:ext uri="{FF2B5EF4-FFF2-40B4-BE49-F238E27FC236}">
-                      <a16:creationId xmlns="" xmlns:a16="http://schemas.microsoft.com/office/drawing/2014/main" id="{779512F8-4384-C71C-4750-54FA22F0CA77}"/>
+                      <a16:creationId xmlns:a16="http://schemas.microsoft.com/office/drawing/2014/main" id="{779512F8-4384-C71C-4750-54FA22F0CA77}"/>
                     </a:ext>
                   </a:extLst>
                 </p:cNvPr>
@@ -28606,7 +27686,7 @@
               <p:cNvPr id="47" name="iṩļïdè">
                 <a:extLst>
                   <a:ext uri="{FF2B5EF4-FFF2-40B4-BE49-F238E27FC236}">
-                    <a16:creationId xmlns="" xmlns:a16="http://schemas.microsoft.com/office/drawing/2014/main" id="{F5B82EF2-8F41-68AD-C416-951CBB233A02}"/>
+                    <a16:creationId xmlns:a16="http://schemas.microsoft.com/office/drawing/2014/main" id="{F5B82EF2-8F41-68AD-C416-951CBB233A02}"/>
                   </a:ext>
                 </a:extLst>
               </p:cNvPr>
@@ -28626,7 +27706,7 @@
                 <p:cNvPr id="77" name="ïṩľíḓê">
                   <a:extLst>
                     <a:ext uri="{FF2B5EF4-FFF2-40B4-BE49-F238E27FC236}">
-                      <a16:creationId xmlns="" xmlns:a16="http://schemas.microsoft.com/office/drawing/2014/main" id="{5A1E6E0E-A2C8-6A7D-D6DD-DCE63985E616}"/>
+                      <a16:creationId xmlns:a16="http://schemas.microsoft.com/office/drawing/2014/main" id="{5A1E6E0E-A2C8-6A7D-D6DD-DCE63985E616}"/>
                     </a:ext>
                   </a:extLst>
                 </p:cNvPr>
@@ -28693,7 +27773,7 @@
                 <p:cNvPr id="78" name="i$ľiḍé">
                   <a:extLst>
                     <a:ext uri="{FF2B5EF4-FFF2-40B4-BE49-F238E27FC236}">
-                      <a16:creationId xmlns="" xmlns:a16="http://schemas.microsoft.com/office/drawing/2014/main" id="{B279E95D-48A3-6A5C-03E9-67227F531275}"/>
+                      <a16:creationId xmlns:a16="http://schemas.microsoft.com/office/drawing/2014/main" id="{B279E95D-48A3-6A5C-03E9-67227F531275}"/>
                     </a:ext>
                   </a:extLst>
                 </p:cNvPr>
@@ -28741,7 +27821,7 @@
                     </a:lnSpc>
                   </a:pPr>
                   <a:r>
-                    <a:rPr kumimoji="1" lang="zh-CN" altLang="en-US" sz="1400" smtClean="0">
+                    <a:rPr kumimoji="1" lang="zh-CN" altLang="en-US" sz="1400">
                       <a:solidFill>
                         <a:schemeClr val="tx1"/>
                       </a:solidFill>
@@ -28751,7 +27831,7 @@
                     <a:t>基于</a:t>
                   </a:r>
                   <a:r>
-                    <a:rPr kumimoji="1" lang="en-US" altLang="zh-CN" sz="1400" smtClean="0">
+                    <a:rPr kumimoji="1" lang="en-US" altLang="zh-CN" sz="1400">
                       <a:solidFill>
                         <a:schemeClr val="tx1"/>
                       </a:solidFill>
@@ -28761,7 +27841,7 @@
                     <a:t>INS</a:t>
                   </a:r>
                   <a:r>
-                    <a:rPr kumimoji="1" lang="zh-CN" altLang="en-US" sz="1400" smtClean="0">
+                    <a:rPr kumimoji="1" lang="zh-CN" altLang="en-US" sz="1400">
                       <a:solidFill>
                         <a:schemeClr val="tx1"/>
                       </a:solidFill>
@@ -28795,7 +27875,7 @@
                 <p:cNvPr id="79" name="îşḻïdé">
                   <a:extLst>
                     <a:ext uri="{FF2B5EF4-FFF2-40B4-BE49-F238E27FC236}">
-                      <a16:creationId xmlns="" xmlns:a16="http://schemas.microsoft.com/office/drawing/2014/main" id="{C278251C-1CEF-9B07-2491-6368103B78AC}"/>
+                      <a16:creationId xmlns:a16="http://schemas.microsoft.com/office/drawing/2014/main" id="{C278251C-1CEF-9B07-2491-6368103B78AC}"/>
                     </a:ext>
                   </a:extLst>
                 </p:cNvPr>
@@ -28839,7 +27919,7 @@
                 <p:cNvPr id="80" name="iŝ1iḑê">
                   <a:extLst>
                     <a:ext uri="{FF2B5EF4-FFF2-40B4-BE49-F238E27FC236}">
-                      <a16:creationId xmlns="" xmlns:a16="http://schemas.microsoft.com/office/drawing/2014/main" id="{08E39FA5-5735-C93E-07EB-FC61C39C5704}"/>
+                      <a16:creationId xmlns:a16="http://schemas.microsoft.com/office/drawing/2014/main" id="{08E39FA5-5735-C93E-07EB-FC61C39C5704}"/>
                     </a:ext>
                   </a:extLst>
                 </p:cNvPr>
@@ -28897,7 +27977,7 @@
             <p:cNvPr id="93" name="ïśḻíďé">
               <a:extLst>
                 <a:ext uri="{FF2B5EF4-FFF2-40B4-BE49-F238E27FC236}">
-                  <a16:creationId xmlns="" xmlns:a16="http://schemas.microsoft.com/office/drawing/2014/main" id="{FE2411D6-1340-1529-40B3-B42B4260851B}"/>
+                  <a16:creationId xmlns:a16="http://schemas.microsoft.com/office/drawing/2014/main" id="{FE2411D6-1340-1529-40B3-B42B4260851B}"/>
                 </a:ext>
               </a:extLst>
             </p:cNvPr>
@@ -28917,7 +27997,7 @@
               <p:cNvPr id="94" name="ïśḻîḍe">
                 <a:extLst>
                   <a:ext uri="{FF2B5EF4-FFF2-40B4-BE49-F238E27FC236}">
-                    <a16:creationId xmlns="" xmlns:a16="http://schemas.microsoft.com/office/drawing/2014/main" id="{EE28FBA0-4473-782F-719B-56CD186E4869}"/>
+                    <a16:creationId xmlns:a16="http://schemas.microsoft.com/office/drawing/2014/main" id="{EE28FBA0-4473-782F-719B-56CD186E4869}"/>
                   </a:ext>
                 </a:extLst>
               </p:cNvPr>
@@ -29114,7 +28194,7 @@
               <p:cNvPr id="95" name="ïşḻíḋe">
                 <a:extLst>
                   <a:ext uri="{FF2B5EF4-FFF2-40B4-BE49-F238E27FC236}">
-                    <a16:creationId xmlns="" xmlns:a16="http://schemas.microsoft.com/office/drawing/2014/main" id="{AF09B3ED-69E6-2770-264A-93CFBC4710D9}"/>
+                    <a16:creationId xmlns:a16="http://schemas.microsoft.com/office/drawing/2014/main" id="{AF09B3ED-69E6-2770-264A-93CFBC4710D9}"/>
                   </a:ext>
                 </a:extLst>
               </p:cNvPr>
@@ -29361,7 +28441,7 @@
               <p:cNvPr id="96" name="îṩḻïḓe">
                 <a:extLst>
                   <a:ext uri="{FF2B5EF4-FFF2-40B4-BE49-F238E27FC236}">
-                    <a16:creationId xmlns="" xmlns:a16="http://schemas.microsoft.com/office/drawing/2014/main" id="{B2D5D9CE-1ADE-7C34-D7F4-D490B8E21412}"/>
+                    <a16:creationId xmlns:a16="http://schemas.microsoft.com/office/drawing/2014/main" id="{B2D5D9CE-1ADE-7C34-D7F4-D490B8E21412}"/>
                   </a:ext>
                 </a:extLst>
               </p:cNvPr>
@@ -29575,7 +28655,7 @@
               <p:cNvPr id="97" name="í$lïḓè">
                 <a:extLst>
                   <a:ext uri="{FF2B5EF4-FFF2-40B4-BE49-F238E27FC236}">
-                    <a16:creationId xmlns="" xmlns:a16="http://schemas.microsoft.com/office/drawing/2014/main" id="{F6E45DA4-0072-2B5E-4BB7-644C79F16BA8}"/>
+                    <a16:creationId xmlns:a16="http://schemas.microsoft.com/office/drawing/2014/main" id="{F6E45DA4-0072-2B5E-4BB7-644C79F16BA8}"/>
                   </a:ext>
                 </a:extLst>
               </p:cNvPr>
@@ -29822,7 +28902,7 @@
               <p:cNvPr id="98" name="íṣḻîḑé">
                 <a:extLst>
                   <a:ext uri="{FF2B5EF4-FFF2-40B4-BE49-F238E27FC236}">
-                    <a16:creationId xmlns="" xmlns:a16="http://schemas.microsoft.com/office/drawing/2014/main" id="{0374BB46-5B61-3230-7998-674E144AA338}"/>
+                    <a16:creationId xmlns:a16="http://schemas.microsoft.com/office/drawing/2014/main" id="{0374BB46-5B61-3230-7998-674E144AA338}"/>
                   </a:ext>
                 </a:extLst>
               </p:cNvPr>
@@ -30067,7 +29147,7 @@
               <p:cNvPr id="99" name="ïṧlïḍe">
                 <a:extLst>
                   <a:ext uri="{FF2B5EF4-FFF2-40B4-BE49-F238E27FC236}">
-                    <a16:creationId xmlns="" xmlns:a16="http://schemas.microsoft.com/office/drawing/2014/main" id="{D7C0D446-E280-84A5-B082-334EB626E243}"/>
+                    <a16:creationId xmlns:a16="http://schemas.microsoft.com/office/drawing/2014/main" id="{D7C0D446-E280-84A5-B082-334EB626E243}"/>
                   </a:ext>
                 </a:extLst>
               </p:cNvPr>
@@ -30274,7 +29354,7 @@
               <p:cNvPr id="100" name="îšļîďe">
                 <a:extLst>
                   <a:ext uri="{FF2B5EF4-FFF2-40B4-BE49-F238E27FC236}">
-                    <a16:creationId xmlns="" xmlns:a16="http://schemas.microsoft.com/office/drawing/2014/main" id="{DBA970DD-2DEC-53E0-99B6-AB017D3CD096}"/>
+                    <a16:creationId xmlns:a16="http://schemas.microsoft.com/office/drawing/2014/main" id="{DBA970DD-2DEC-53E0-99B6-AB017D3CD096}"/>
                   </a:ext>
                 </a:extLst>
               </p:cNvPr>
@@ -30294,7 +29374,7 @@
                 <p:cNvPr id="139" name="îṧľiḑe">
                   <a:extLst>
                     <a:ext uri="{FF2B5EF4-FFF2-40B4-BE49-F238E27FC236}">
-                      <a16:creationId xmlns="" xmlns:a16="http://schemas.microsoft.com/office/drawing/2014/main" id="{58DE9C55-B1B2-EC24-2C20-045765106168}"/>
+                      <a16:creationId xmlns:a16="http://schemas.microsoft.com/office/drawing/2014/main" id="{58DE9C55-B1B2-EC24-2C20-045765106168}"/>
                     </a:ext>
                   </a:extLst>
                 </p:cNvPr>
@@ -30383,7 +29463,7 @@
                 <p:cNvPr id="140" name="ïšļïḓé">
                   <a:extLst>
                     <a:ext uri="{FF2B5EF4-FFF2-40B4-BE49-F238E27FC236}">
-                      <a16:creationId xmlns="" xmlns:a16="http://schemas.microsoft.com/office/drawing/2014/main" id="{3DB7E4F0-240E-EDA6-5162-159B25E8B2B6}"/>
+                      <a16:creationId xmlns:a16="http://schemas.microsoft.com/office/drawing/2014/main" id="{3DB7E4F0-240E-EDA6-5162-159B25E8B2B6}"/>
                     </a:ext>
                   </a:extLst>
                 </p:cNvPr>
@@ -30512,7 +29592,7 @@
                 <p:cNvPr id="141" name="íşļíḍê">
                   <a:extLst>
                     <a:ext uri="{FF2B5EF4-FFF2-40B4-BE49-F238E27FC236}">
-                      <a16:creationId xmlns="" xmlns:a16="http://schemas.microsoft.com/office/drawing/2014/main" id="{4504A950-2869-8FBE-CF3F-BEB4A6833109}"/>
+                      <a16:creationId xmlns:a16="http://schemas.microsoft.com/office/drawing/2014/main" id="{4504A950-2869-8FBE-CF3F-BEB4A6833109}"/>
                     </a:ext>
                   </a:extLst>
                 </p:cNvPr>
@@ -30612,7 +29692,7 @@
                 <p:cNvPr id="142" name="íṡľíḍè">
                   <a:extLst>
                     <a:ext uri="{FF2B5EF4-FFF2-40B4-BE49-F238E27FC236}">
-                      <a16:creationId xmlns="" xmlns:a16="http://schemas.microsoft.com/office/drawing/2014/main" id="{C3F18867-073E-EC74-1995-918113489BB6}"/>
+                      <a16:creationId xmlns:a16="http://schemas.microsoft.com/office/drawing/2014/main" id="{C3F18867-073E-EC74-1995-918113489BB6}"/>
                     </a:ext>
                   </a:extLst>
                 </p:cNvPr>
@@ -30701,7 +29781,7 @@
                 <p:cNvPr id="143" name="ïš1îḋê">
                   <a:extLst>
                     <a:ext uri="{FF2B5EF4-FFF2-40B4-BE49-F238E27FC236}">
-                      <a16:creationId xmlns="" xmlns:a16="http://schemas.microsoft.com/office/drawing/2014/main" id="{6BF7DB7D-04B1-6CF7-1B09-BC740614B617}"/>
+                      <a16:creationId xmlns:a16="http://schemas.microsoft.com/office/drawing/2014/main" id="{6BF7DB7D-04B1-6CF7-1B09-BC740614B617}"/>
                     </a:ext>
                   </a:extLst>
                 </p:cNvPr>
@@ -30830,7 +29910,7 @@
                 <p:cNvPr id="144" name="îṧľidê">
                   <a:extLst>
                     <a:ext uri="{FF2B5EF4-FFF2-40B4-BE49-F238E27FC236}">
-                      <a16:creationId xmlns="" xmlns:a16="http://schemas.microsoft.com/office/drawing/2014/main" id="{731A45E5-FFF5-0E4F-D283-CAAD6BF8A422}"/>
+                      <a16:creationId xmlns:a16="http://schemas.microsoft.com/office/drawing/2014/main" id="{731A45E5-FFF5-0E4F-D283-CAAD6BF8A422}"/>
                     </a:ext>
                   </a:extLst>
                 </p:cNvPr>
@@ -30930,7 +30010,7 @@
                 <p:cNvPr id="145" name="ï$1ïḑé">
                   <a:extLst>
                     <a:ext uri="{FF2B5EF4-FFF2-40B4-BE49-F238E27FC236}">
-                      <a16:creationId xmlns="" xmlns:a16="http://schemas.microsoft.com/office/drawing/2014/main" id="{B16A8297-FD6F-E829-06CE-7AC57C7F3C52}"/>
+                      <a16:creationId xmlns:a16="http://schemas.microsoft.com/office/drawing/2014/main" id="{B16A8297-FD6F-E829-06CE-7AC57C7F3C52}"/>
                     </a:ext>
                   </a:extLst>
                 </p:cNvPr>
@@ -31029,7 +30109,7 @@
                 <p:cNvPr id="146" name="ïSḻîḍè">
                   <a:extLst>
                     <a:ext uri="{FF2B5EF4-FFF2-40B4-BE49-F238E27FC236}">
-                      <a16:creationId xmlns="" xmlns:a16="http://schemas.microsoft.com/office/drawing/2014/main" id="{F2FF6AAC-FF09-9E5B-D47F-3AC66BF5F303}"/>
+                      <a16:creationId xmlns:a16="http://schemas.microsoft.com/office/drawing/2014/main" id="{F2FF6AAC-FF09-9E5B-D47F-3AC66BF5F303}"/>
                     </a:ext>
                   </a:extLst>
                 </p:cNvPr>
@@ -31194,7 +30274,7 @@
                 <p:cNvPr id="147" name="î$ľïḋé">
                   <a:extLst>
                     <a:ext uri="{FF2B5EF4-FFF2-40B4-BE49-F238E27FC236}">
-                      <a16:creationId xmlns="" xmlns:a16="http://schemas.microsoft.com/office/drawing/2014/main" id="{06C2EF28-F847-CD38-CCC3-BEE6F3AF075E}"/>
+                      <a16:creationId xmlns:a16="http://schemas.microsoft.com/office/drawing/2014/main" id="{06C2EF28-F847-CD38-CCC3-BEE6F3AF075E}"/>
                     </a:ext>
                   </a:extLst>
                 </p:cNvPr>
@@ -31214,7 +30294,7 @@
                   <p:cNvPr id="153" name="îśľïḋé">
                     <a:extLst>
                       <a:ext uri="{FF2B5EF4-FFF2-40B4-BE49-F238E27FC236}">
-                        <a16:creationId xmlns="" xmlns:a16="http://schemas.microsoft.com/office/drawing/2014/main" id="{423D9E15-08D3-8861-2D84-6A7ABBF332D0}"/>
+                        <a16:creationId xmlns:a16="http://schemas.microsoft.com/office/drawing/2014/main" id="{423D9E15-08D3-8861-2D84-6A7ABBF332D0}"/>
                       </a:ext>
                     </a:extLst>
                   </p:cNvPr>
@@ -31333,7 +30413,7 @@
                   <p:cNvPr id="154" name="ïśļîḋe">
                     <a:extLst>
                       <a:ext uri="{FF2B5EF4-FFF2-40B4-BE49-F238E27FC236}">
-                        <a16:creationId xmlns="" xmlns:a16="http://schemas.microsoft.com/office/drawing/2014/main" id="{2A08C76F-4DB7-B8F8-2665-A1E6E8B6E9A6}"/>
+                        <a16:creationId xmlns:a16="http://schemas.microsoft.com/office/drawing/2014/main" id="{2A08C76F-4DB7-B8F8-2665-A1E6E8B6E9A6}"/>
                       </a:ext>
                     </a:extLst>
                   </p:cNvPr>
@@ -31410,7 +30490,7 @@
                   <p:cNvPr id="155" name="í$ḻîḍè">
                     <a:extLst>
                       <a:ext uri="{FF2B5EF4-FFF2-40B4-BE49-F238E27FC236}">
-                        <a16:creationId xmlns="" xmlns:a16="http://schemas.microsoft.com/office/drawing/2014/main" id="{3C7AE6D5-114F-F31C-C816-0A9328F348A1}"/>
+                        <a16:creationId xmlns:a16="http://schemas.microsoft.com/office/drawing/2014/main" id="{3C7AE6D5-114F-F31C-C816-0A9328F348A1}"/>
                       </a:ext>
                     </a:extLst>
                   </p:cNvPr>
@@ -31539,7 +30619,7 @@
                   <p:cNvPr id="156" name="ïṩḷïḍè">
                     <a:extLst>
                       <a:ext uri="{FF2B5EF4-FFF2-40B4-BE49-F238E27FC236}">
-                        <a16:creationId xmlns="" xmlns:a16="http://schemas.microsoft.com/office/drawing/2014/main" id="{D4FBB2C9-5527-EB55-F38C-1191F398430F}"/>
+                        <a16:creationId xmlns:a16="http://schemas.microsoft.com/office/drawing/2014/main" id="{D4FBB2C9-5527-EB55-F38C-1191F398430F}"/>
                       </a:ext>
                     </a:extLst>
                   </p:cNvPr>
@@ -31664,7 +30744,7 @@
                   <p:cNvPr id="157" name="îśľïďe">
                     <a:extLst>
                       <a:ext uri="{FF2B5EF4-FFF2-40B4-BE49-F238E27FC236}">
-                        <a16:creationId xmlns="" xmlns:a16="http://schemas.microsoft.com/office/drawing/2014/main" id="{06728DE8-FB5B-4EFE-922E-C97111AC2E5F}"/>
+                        <a16:creationId xmlns:a16="http://schemas.microsoft.com/office/drawing/2014/main" id="{06728DE8-FB5B-4EFE-922E-C97111AC2E5F}"/>
                       </a:ext>
                     </a:extLst>
                   </p:cNvPr>
@@ -31777,7 +30857,7 @@
                   <p:cNvPr id="158" name="íṧļïḍê">
                     <a:extLst>
                       <a:ext uri="{FF2B5EF4-FFF2-40B4-BE49-F238E27FC236}">
-                        <a16:creationId xmlns="" xmlns:a16="http://schemas.microsoft.com/office/drawing/2014/main" id="{E4027CA5-A09B-C952-BB29-9B95318492A7}"/>
+                        <a16:creationId xmlns:a16="http://schemas.microsoft.com/office/drawing/2014/main" id="{E4027CA5-A09B-C952-BB29-9B95318492A7}"/>
                       </a:ext>
                     </a:extLst>
                   </p:cNvPr>
@@ -31856,7 +30936,7 @@
                   <p:cNvPr id="159" name="îSḻíďè">
                     <a:extLst>
                       <a:ext uri="{FF2B5EF4-FFF2-40B4-BE49-F238E27FC236}">
-                        <a16:creationId xmlns="" xmlns:a16="http://schemas.microsoft.com/office/drawing/2014/main" id="{01BEA333-2FF9-8F65-9F91-5029BA483DD3}"/>
+                        <a16:creationId xmlns:a16="http://schemas.microsoft.com/office/drawing/2014/main" id="{01BEA333-2FF9-8F65-9F91-5029BA483DD3}"/>
                       </a:ext>
                     </a:extLst>
                   </p:cNvPr>
@@ -31935,7 +31015,7 @@
                   <p:cNvPr id="160" name="ï$ḷïdè">
                     <a:extLst>
                       <a:ext uri="{FF2B5EF4-FFF2-40B4-BE49-F238E27FC236}">
-                        <a16:creationId xmlns="" xmlns:a16="http://schemas.microsoft.com/office/drawing/2014/main" id="{FFB4352E-FCE7-7062-D2A3-670F329ABE82}"/>
+                        <a16:creationId xmlns:a16="http://schemas.microsoft.com/office/drawing/2014/main" id="{FFB4352E-FCE7-7062-D2A3-670F329ABE82}"/>
                       </a:ext>
                     </a:extLst>
                   </p:cNvPr>
@@ -32014,7 +31094,7 @@
                   <p:cNvPr id="161" name="ísḷidê">
                     <a:extLst>
                       <a:ext uri="{FF2B5EF4-FFF2-40B4-BE49-F238E27FC236}">
-                        <a16:creationId xmlns="" xmlns:a16="http://schemas.microsoft.com/office/drawing/2014/main" id="{3A2C2FF7-06E2-21D4-5CAB-8B47F4BBFF60}"/>
+                        <a16:creationId xmlns:a16="http://schemas.microsoft.com/office/drawing/2014/main" id="{3A2C2FF7-06E2-21D4-5CAB-8B47F4BBFF60}"/>
                       </a:ext>
                     </a:extLst>
                   </p:cNvPr>
@@ -32093,7 +31173,7 @@
                   <p:cNvPr id="162" name="ïšḻïḍe">
                     <a:extLst>
                       <a:ext uri="{FF2B5EF4-FFF2-40B4-BE49-F238E27FC236}">
-                        <a16:creationId xmlns="" xmlns:a16="http://schemas.microsoft.com/office/drawing/2014/main" id="{0112B776-B61E-FE84-EE2A-3FCD1588035C}"/>
+                        <a16:creationId xmlns:a16="http://schemas.microsoft.com/office/drawing/2014/main" id="{0112B776-B61E-FE84-EE2A-3FCD1588035C}"/>
                       </a:ext>
                     </a:extLst>
                   </p:cNvPr>
@@ -32182,7 +31262,7 @@
                   <p:cNvPr id="163" name="ísľîḋé">
                     <a:extLst>
                       <a:ext uri="{FF2B5EF4-FFF2-40B4-BE49-F238E27FC236}">
-                        <a16:creationId xmlns="" xmlns:a16="http://schemas.microsoft.com/office/drawing/2014/main" id="{D7150D90-1AE2-1790-B75F-3E3AE9EEC1F1}"/>
+                        <a16:creationId xmlns:a16="http://schemas.microsoft.com/office/drawing/2014/main" id="{D7150D90-1AE2-1790-B75F-3E3AE9EEC1F1}"/>
                       </a:ext>
                     </a:extLst>
                   </p:cNvPr>
@@ -32301,7 +31381,7 @@
                   <p:cNvPr id="164" name="íṥḷiďè">
                     <a:extLst>
                       <a:ext uri="{FF2B5EF4-FFF2-40B4-BE49-F238E27FC236}">
-                        <a16:creationId xmlns="" xmlns:a16="http://schemas.microsoft.com/office/drawing/2014/main" id="{C77D5FD2-7CDC-9FEC-8A62-251429873542}"/>
+                        <a16:creationId xmlns:a16="http://schemas.microsoft.com/office/drawing/2014/main" id="{C77D5FD2-7CDC-9FEC-8A62-251429873542}"/>
                       </a:ext>
                     </a:extLst>
                   </p:cNvPr>
@@ -32380,7 +31460,7 @@
                   <p:cNvPr id="165" name="íṩļíďe">
                     <a:extLst>
                       <a:ext uri="{FF2B5EF4-FFF2-40B4-BE49-F238E27FC236}">
-                        <a16:creationId xmlns="" xmlns:a16="http://schemas.microsoft.com/office/drawing/2014/main" id="{60FD68EE-3E23-B698-24D1-DB60AEA663D5}"/>
+                        <a16:creationId xmlns:a16="http://schemas.microsoft.com/office/drawing/2014/main" id="{60FD68EE-3E23-B698-24D1-DB60AEA663D5}"/>
                       </a:ext>
                     </a:extLst>
                   </p:cNvPr>
@@ -32459,7 +31539,7 @@
                   <p:cNvPr id="166" name="îṣ1iḋê">
                     <a:extLst>
                       <a:ext uri="{FF2B5EF4-FFF2-40B4-BE49-F238E27FC236}">
-                        <a16:creationId xmlns="" xmlns:a16="http://schemas.microsoft.com/office/drawing/2014/main" id="{E2150457-1D64-BCBA-696D-5FE0722031A0}"/>
+                        <a16:creationId xmlns:a16="http://schemas.microsoft.com/office/drawing/2014/main" id="{E2150457-1D64-BCBA-696D-5FE0722031A0}"/>
                       </a:ext>
                     </a:extLst>
                   </p:cNvPr>
@@ -32601,7 +31681,7 @@
                 <p:cNvPr id="148" name="íśḷîdé">
                   <a:extLst>
                     <a:ext uri="{FF2B5EF4-FFF2-40B4-BE49-F238E27FC236}">
-                      <a16:creationId xmlns="" xmlns:a16="http://schemas.microsoft.com/office/drawing/2014/main" id="{0071A499-7CFF-08B5-BC9A-27F77C108ACC}"/>
+                      <a16:creationId xmlns:a16="http://schemas.microsoft.com/office/drawing/2014/main" id="{0071A499-7CFF-08B5-BC9A-27F77C108ACC}"/>
                     </a:ext>
                   </a:extLst>
                 </p:cNvPr>
@@ -32708,7 +31788,7 @@
                 <p:cNvPr id="149" name="ïṣḷïďê">
                   <a:extLst>
                     <a:ext uri="{FF2B5EF4-FFF2-40B4-BE49-F238E27FC236}">
-                      <a16:creationId xmlns="" xmlns:a16="http://schemas.microsoft.com/office/drawing/2014/main" id="{1E4902F1-3E02-54C9-CC6A-5AB69FEF7B0C}"/>
+                      <a16:creationId xmlns:a16="http://schemas.microsoft.com/office/drawing/2014/main" id="{1E4902F1-3E02-54C9-CC6A-5AB69FEF7B0C}"/>
                     </a:ext>
                   </a:extLst>
                 </p:cNvPr>
@@ -32807,7 +31887,7 @@
                 <p:cNvPr id="150" name="ïṡḻíḍé">
                   <a:extLst>
                     <a:ext uri="{FF2B5EF4-FFF2-40B4-BE49-F238E27FC236}">
-                      <a16:creationId xmlns="" xmlns:a16="http://schemas.microsoft.com/office/drawing/2014/main" id="{DFB7B5F7-145D-C819-27C3-39758BE60DB2}"/>
+                      <a16:creationId xmlns:a16="http://schemas.microsoft.com/office/drawing/2014/main" id="{DFB7B5F7-145D-C819-27C3-39758BE60DB2}"/>
                     </a:ext>
                   </a:extLst>
                 </p:cNvPr>
@@ -32966,7 +32046,7 @@
                 <p:cNvPr id="151" name="îṡ1íḓé">
                   <a:extLst>
                     <a:ext uri="{FF2B5EF4-FFF2-40B4-BE49-F238E27FC236}">
-                      <a16:creationId xmlns="" xmlns:a16="http://schemas.microsoft.com/office/drawing/2014/main" id="{C87F2AAC-106C-8B9F-947B-13A35F29F2F4}"/>
+                      <a16:creationId xmlns:a16="http://schemas.microsoft.com/office/drawing/2014/main" id="{C87F2AAC-106C-8B9F-947B-13A35F29F2F4}"/>
                     </a:ext>
                   </a:extLst>
                 </p:cNvPr>
@@ -33073,7 +32153,7 @@
                 <p:cNvPr id="152" name="íṡ1îḍê">
                   <a:extLst>
                     <a:ext uri="{FF2B5EF4-FFF2-40B4-BE49-F238E27FC236}">
-                      <a16:creationId xmlns="" xmlns:a16="http://schemas.microsoft.com/office/drawing/2014/main" id="{686E004F-5688-3C96-1107-5D2316AB92FA}"/>
+                      <a16:creationId xmlns:a16="http://schemas.microsoft.com/office/drawing/2014/main" id="{686E004F-5688-3C96-1107-5D2316AB92FA}"/>
                     </a:ext>
                   </a:extLst>
                 </p:cNvPr>
@@ -33199,7 +32279,7 @@
               <p:cNvPr id="101" name="ï$ḷîḋê">
                 <a:extLst>
                   <a:ext uri="{FF2B5EF4-FFF2-40B4-BE49-F238E27FC236}">
-                    <a16:creationId xmlns="" xmlns:a16="http://schemas.microsoft.com/office/drawing/2014/main" id="{B36EA42A-6968-30A6-AB33-B37DDCADB1E7}"/>
+                    <a16:creationId xmlns:a16="http://schemas.microsoft.com/office/drawing/2014/main" id="{B36EA42A-6968-30A6-AB33-B37DDCADB1E7}"/>
                   </a:ext>
                 </a:extLst>
               </p:cNvPr>
@@ -33328,7 +32408,7 @@
               <p:cNvPr id="102" name="ïŝľiḋè">
                 <a:extLst>
                   <a:ext uri="{FF2B5EF4-FFF2-40B4-BE49-F238E27FC236}">
-                    <a16:creationId xmlns="" xmlns:a16="http://schemas.microsoft.com/office/drawing/2014/main" id="{7E4B627D-D327-2927-8559-1A7C58CE3391}"/>
+                    <a16:creationId xmlns:a16="http://schemas.microsoft.com/office/drawing/2014/main" id="{7E4B627D-D327-2927-8559-1A7C58CE3391}"/>
                   </a:ext>
                 </a:extLst>
               </p:cNvPr>
@@ -33439,7 +32519,7 @@
               <p:cNvPr id="103" name="ïṩľîḍè">
                 <a:extLst>
                   <a:ext uri="{FF2B5EF4-FFF2-40B4-BE49-F238E27FC236}">
-                    <a16:creationId xmlns="" xmlns:a16="http://schemas.microsoft.com/office/drawing/2014/main" id="{2C08E735-9119-98F0-CAE9-A14149846EA9}"/>
+                    <a16:creationId xmlns:a16="http://schemas.microsoft.com/office/drawing/2014/main" id="{2C08E735-9119-98F0-CAE9-A14149846EA9}"/>
                   </a:ext>
                 </a:extLst>
               </p:cNvPr>
@@ -33629,7 +32709,7 @@
               <p:cNvPr id="104" name="íś1îḑê">
                 <a:extLst>
                   <a:ext uri="{FF2B5EF4-FFF2-40B4-BE49-F238E27FC236}">
-                    <a16:creationId xmlns="" xmlns:a16="http://schemas.microsoft.com/office/drawing/2014/main" id="{4FE0EE6B-F9DE-BDE2-3C44-2DD79D2C961E}"/>
+                    <a16:creationId xmlns:a16="http://schemas.microsoft.com/office/drawing/2014/main" id="{4FE0EE6B-F9DE-BDE2-3C44-2DD79D2C961E}"/>
                   </a:ext>
                 </a:extLst>
               </p:cNvPr>
@@ -33778,7 +32858,7 @@
               <p:cNvPr id="105" name="îsļiḍé">
                 <a:extLst>
                   <a:ext uri="{FF2B5EF4-FFF2-40B4-BE49-F238E27FC236}">
-                    <a16:creationId xmlns="" xmlns:a16="http://schemas.microsoft.com/office/drawing/2014/main" id="{11C742D7-98A5-9C70-B98E-5323A6AACD78}"/>
+                    <a16:creationId xmlns:a16="http://schemas.microsoft.com/office/drawing/2014/main" id="{11C742D7-98A5-9C70-B98E-5323A6AACD78}"/>
                   </a:ext>
                 </a:extLst>
               </p:cNvPr>
@@ -33927,7 +33007,7 @@
               <p:cNvPr id="106" name="î$lïdé">
                 <a:extLst>
                   <a:ext uri="{FF2B5EF4-FFF2-40B4-BE49-F238E27FC236}">
-                    <a16:creationId xmlns="" xmlns:a16="http://schemas.microsoft.com/office/drawing/2014/main" id="{236E53F7-833F-063A-06B1-D5E3C555739D}"/>
+                    <a16:creationId xmlns:a16="http://schemas.microsoft.com/office/drawing/2014/main" id="{236E53F7-833F-063A-06B1-D5E3C555739D}"/>
                   </a:ext>
                 </a:extLst>
               </p:cNvPr>
@@ -34076,7 +33156,7 @@
               <p:cNvPr id="107" name="iślïḍé">
                 <a:extLst>
                   <a:ext uri="{FF2B5EF4-FFF2-40B4-BE49-F238E27FC236}">
-                    <a16:creationId xmlns="" xmlns:a16="http://schemas.microsoft.com/office/drawing/2014/main" id="{B229642E-3EBA-AC45-0E8D-1671B3C77099}"/>
+                    <a16:creationId xmlns:a16="http://schemas.microsoft.com/office/drawing/2014/main" id="{B229642E-3EBA-AC45-0E8D-1671B3C77099}"/>
                   </a:ext>
                 </a:extLst>
               </p:cNvPr>
@@ -34225,7 +33305,7 @@
               <p:cNvPr id="108" name="iṩlïḑè">
                 <a:extLst>
                   <a:ext uri="{FF2B5EF4-FFF2-40B4-BE49-F238E27FC236}">
-                    <a16:creationId xmlns="" xmlns:a16="http://schemas.microsoft.com/office/drawing/2014/main" id="{47BEAF46-CD76-A885-298D-20EF0872119B}"/>
+                    <a16:creationId xmlns:a16="http://schemas.microsoft.com/office/drawing/2014/main" id="{47BEAF46-CD76-A885-298D-20EF0872119B}"/>
                   </a:ext>
                 </a:extLst>
               </p:cNvPr>
@@ -34404,7 +33484,7 @@
               <p:cNvPr id="109" name="iṥḻîḍe">
                 <a:extLst>
                   <a:ext uri="{FF2B5EF4-FFF2-40B4-BE49-F238E27FC236}">
-                    <a16:creationId xmlns="" xmlns:a16="http://schemas.microsoft.com/office/drawing/2014/main" id="{3C3CD586-74D7-5DCF-A757-77A860538561}"/>
+                    <a16:creationId xmlns:a16="http://schemas.microsoft.com/office/drawing/2014/main" id="{3C3CD586-74D7-5DCF-A757-77A860538561}"/>
                   </a:ext>
                 </a:extLst>
               </p:cNvPr>
@@ -34594,7 +33674,7 @@
               <p:cNvPr id="110" name="îṡḷïďe">
                 <a:extLst>
                   <a:ext uri="{FF2B5EF4-FFF2-40B4-BE49-F238E27FC236}">
-                    <a16:creationId xmlns="" xmlns:a16="http://schemas.microsoft.com/office/drawing/2014/main" id="{B0787014-C3C1-3A77-856C-3313DC71781C}"/>
+                    <a16:creationId xmlns:a16="http://schemas.microsoft.com/office/drawing/2014/main" id="{B0787014-C3C1-3A77-856C-3313DC71781C}"/>
                   </a:ext>
                 </a:extLst>
               </p:cNvPr>
@@ -34743,7 +33823,7 @@
               <p:cNvPr id="111" name="íṣlïḑê">
                 <a:extLst>
                   <a:ext uri="{FF2B5EF4-FFF2-40B4-BE49-F238E27FC236}">
-                    <a16:creationId xmlns="" xmlns:a16="http://schemas.microsoft.com/office/drawing/2014/main" id="{8B2D54A4-58A2-7F0F-A607-A5AAC6888856}"/>
+                    <a16:creationId xmlns:a16="http://schemas.microsoft.com/office/drawing/2014/main" id="{8B2D54A4-58A2-7F0F-A607-A5AAC6888856}"/>
                   </a:ext>
                 </a:extLst>
               </p:cNvPr>
@@ -34892,7 +33972,7 @@
               <p:cNvPr id="112" name="išľîḓe">
                 <a:extLst>
                   <a:ext uri="{FF2B5EF4-FFF2-40B4-BE49-F238E27FC236}">
-                    <a16:creationId xmlns="" xmlns:a16="http://schemas.microsoft.com/office/drawing/2014/main" id="{218ED41D-A8FA-BEA8-07A4-53E3BC627CD6}"/>
+                    <a16:creationId xmlns:a16="http://schemas.microsoft.com/office/drawing/2014/main" id="{218ED41D-A8FA-BEA8-07A4-53E3BC627CD6}"/>
                   </a:ext>
                 </a:extLst>
               </p:cNvPr>
@@ -35041,7 +34121,7 @@
               <p:cNvPr id="113" name="íṡḻíḍe">
                 <a:extLst>
                   <a:ext uri="{FF2B5EF4-FFF2-40B4-BE49-F238E27FC236}">
-                    <a16:creationId xmlns="" xmlns:a16="http://schemas.microsoft.com/office/drawing/2014/main" id="{A8F000A2-05DB-FADD-5F63-75D5A7934CC4}"/>
+                    <a16:creationId xmlns:a16="http://schemas.microsoft.com/office/drawing/2014/main" id="{A8F000A2-05DB-FADD-5F63-75D5A7934CC4}"/>
                   </a:ext>
                 </a:extLst>
               </p:cNvPr>
@@ -35190,7 +34270,7 @@
               <p:cNvPr id="114" name="îšļídê">
                 <a:extLst>
                   <a:ext uri="{FF2B5EF4-FFF2-40B4-BE49-F238E27FC236}">
-                    <a16:creationId xmlns="" xmlns:a16="http://schemas.microsoft.com/office/drawing/2014/main" id="{237DD611-0EDF-C7D4-EF08-312548E95EA6}"/>
+                    <a16:creationId xmlns:a16="http://schemas.microsoft.com/office/drawing/2014/main" id="{237DD611-0EDF-C7D4-EF08-312548E95EA6}"/>
                   </a:ext>
                 </a:extLst>
               </p:cNvPr>
@@ -35369,7 +34449,7 @@
               <p:cNvPr id="115" name="îşḻiḋé">
                 <a:extLst>
                   <a:ext uri="{FF2B5EF4-FFF2-40B4-BE49-F238E27FC236}">
-                    <a16:creationId xmlns="" xmlns:a16="http://schemas.microsoft.com/office/drawing/2014/main" id="{4763D17C-F4F9-8EF0-CFD8-FCC6FE3DF716}"/>
+                    <a16:creationId xmlns:a16="http://schemas.microsoft.com/office/drawing/2014/main" id="{4763D17C-F4F9-8EF0-CFD8-FCC6FE3DF716}"/>
                   </a:ext>
                 </a:extLst>
               </p:cNvPr>
@@ -35559,7 +34639,7 @@
               <p:cNvPr id="116" name="isľiḍê">
                 <a:extLst>
                   <a:ext uri="{FF2B5EF4-FFF2-40B4-BE49-F238E27FC236}">
-                    <a16:creationId xmlns="" xmlns:a16="http://schemas.microsoft.com/office/drawing/2014/main" id="{D2326A30-53A7-FC4F-9DDC-A90CF72C2619}"/>
+                    <a16:creationId xmlns:a16="http://schemas.microsoft.com/office/drawing/2014/main" id="{D2326A30-53A7-FC4F-9DDC-A90CF72C2619}"/>
                   </a:ext>
                 </a:extLst>
               </p:cNvPr>
@@ -35708,7 +34788,7 @@
               <p:cNvPr id="117" name="íśḷíḑé">
                 <a:extLst>
                   <a:ext uri="{FF2B5EF4-FFF2-40B4-BE49-F238E27FC236}">
-                    <a16:creationId xmlns="" xmlns:a16="http://schemas.microsoft.com/office/drawing/2014/main" id="{283BCE6E-5C41-9629-34A7-A9058FC5A185}"/>
+                    <a16:creationId xmlns:a16="http://schemas.microsoft.com/office/drawing/2014/main" id="{283BCE6E-5C41-9629-34A7-A9058FC5A185}"/>
                   </a:ext>
                 </a:extLst>
               </p:cNvPr>
@@ -35857,7 +34937,7 @@
               <p:cNvPr id="118" name="ïṡḻîḍê">
                 <a:extLst>
                   <a:ext uri="{FF2B5EF4-FFF2-40B4-BE49-F238E27FC236}">
-                    <a16:creationId xmlns="" xmlns:a16="http://schemas.microsoft.com/office/drawing/2014/main" id="{03FB4F1E-2701-A67E-4A27-EB89E7625372}"/>
+                    <a16:creationId xmlns:a16="http://schemas.microsoft.com/office/drawing/2014/main" id="{03FB4F1E-2701-A67E-4A27-EB89E7625372}"/>
                   </a:ext>
                 </a:extLst>
               </p:cNvPr>
@@ -36006,7 +35086,7 @@
               <p:cNvPr id="119" name="i$ḻîḋe">
                 <a:extLst>
                   <a:ext uri="{FF2B5EF4-FFF2-40B4-BE49-F238E27FC236}">
-                    <a16:creationId xmlns="" xmlns:a16="http://schemas.microsoft.com/office/drawing/2014/main" id="{3187938A-F15B-0AD1-DEB2-723486B5E2EC}"/>
+                    <a16:creationId xmlns:a16="http://schemas.microsoft.com/office/drawing/2014/main" id="{3187938A-F15B-0AD1-DEB2-723486B5E2EC}"/>
                   </a:ext>
                 </a:extLst>
               </p:cNvPr>
@@ -36155,7 +35235,7 @@
               <p:cNvPr id="120" name="ísļídé">
                 <a:extLst>
                   <a:ext uri="{FF2B5EF4-FFF2-40B4-BE49-F238E27FC236}">
-                    <a16:creationId xmlns="" xmlns:a16="http://schemas.microsoft.com/office/drawing/2014/main" id="{2C47E5AD-D819-6C5D-A882-AC15409BE723}"/>
+                    <a16:creationId xmlns:a16="http://schemas.microsoft.com/office/drawing/2014/main" id="{2C47E5AD-D819-6C5D-A882-AC15409BE723}"/>
                   </a:ext>
                 </a:extLst>
               </p:cNvPr>
@@ -36334,7 +35414,7 @@
               <p:cNvPr id="121" name="išļïḓé">
                 <a:extLst>
                   <a:ext uri="{FF2B5EF4-FFF2-40B4-BE49-F238E27FC236}">
-                    <a16:creationId xmlns="" xmlns:a16="http://schemas.microsoft.com/office/drawing/2014/main" id="{6CA7C695-2AF3-D9C2-4676-00098ABCAE38}"/>
+                    <a16:creationId xmlns:a16="http://schemas.microsoft.com/office/drawing/2014/main" id="{6CA7C695-2AF3-D9C2-4676-00098ABCAE38}"/>
                   </a:ext>
                 </a:extLst>
               </p:cNvPr>
@@ -36524,7 +35604,7 @@
               <p:cNvPr id="122" name="ïsḻiďe">
                 <a:extLst>
                   <a:ext uri="{FF2B5EF4-FFF2-40B4-BE49-F238E27FC236}">
-                    <a16:creationId xmlns="" xmlns:a16="http://schemas.microsoft.com/office/drawing/2014/main" id="{9F59B8B5-4E41-D52B-D414-7A2F6DCE41D1}"/>
+                    <a16:creationId xmlns:a16="http://schemas.microsoft.com/office/drawing/2014/main" id="{9F59B8B5-4E41-D52B-D414-7A2F6DCE41D1}"/>
                   </a:ext>
                 </a:extLst>
               </p:cNvPr>
@@ -36673,7 +35753,7 @@
               <p:cNvPr id="123" name="íṡlïḍé">
                 <a:extLst>
                   <a:ext uri="{FF2B5EF4-FFF2-40B4-BE49-F238E27FC236}">
-                    <a16:creationId xmlns="" xmlns:a16="http://schemas.microsoft.com/office/drawing/2014/main" id="{195C0C35-2207-C6B7-1CBA-2A01DF03FCDE}"/>
+                    <a16:creationId xmlns:a16="http://schemas.microsoft.com/office/drawing/2014/main" id="{195C0C35-2207-C6B7-1CBA-2A01DF03FCDE}"/>
                   </a:ext>
                 </a:extLst>
               </p:cNvPr>
@@ -36822,7 +35902,7 @@
               <p:cNvPr id="124" name="iSļïdê">
                 <a:extLst>
                   <a:ext uri="{FF2B5EF4-FFF2-40B4-BE49-F238E27FC236}">
-                    <a16:creationId xmlns="" xmlns:a16="http://schemas.microsoft.com/office/drawing/2014/main" id="{6D75859C-9377-11A1-F9E3-D2E201C583B3}"/>
+                    <a16:creationId xmlns:a16="http://schemas.microsoft.com/office/drawing/2014/main" id="{6D75859C-9377-11A1-F9E3-D2E201C583B3}"/>
                   </a:ext>
                 </a:extLst>
               </p:cNvPr>
@@ -36971,7 +36051,7 @@
               <p:cNvPr id="125" name="îṡḻíḑè">
                 <a:extLst>
                   <a:ext uri="{FF2B5EF4-FFF2-40B4-BE49-F238E27FC236}">
-                    <a16:creationId xmlns="" xmlns:a16="http://schemas.microsoft.com/office/drawing/2014/main" id="{592AEBEC-4DA3-72A5-9EB2-0A4D2791D0D6}"/>
+                    <a16:creationId xmlns:a16="http://schemas.microsoft.com/office/drawing/2014/main" id="{592AEBEC-4DA3-72A5-9EB2-0A4D2791D0D6}"/>
                   </a:ext>
                 </a:extLst>
               </p:cNvPr>
@@ -37120,7 +36200,7 @@
               <p:cNvPr id="126" name="isliḋê">
                 <a:extLst>
                   <a:ext uri="{FF2B5EF4-FFF2-40B4-BE49-F238E27FC236}">
-                    <a16:creationId xmlns="" xmlns:a16="http://schemas.microsoft.com/office/drawing/2014/main" id="{C506F7FB-4124-F498-5C97-5A31729CB757}"/>
+                    <a16:creationId xmlns:a16="http://schemas.microsoft.com/office/drawing/2014/main" id="{C506F7FB-4124-F498-5C97-5A31729CB757}"/>
                   </a:ext>
                 </a:extLst>
               </p:cNvPr>
@@ -37299,7 +36379,7 @@
               <p:cNvPr id="127" name="iSḷíďe">
                 <a:extLst>
                   <a:ext uri="{FF2B5EF4-FFF2-40B4-BE49-F238E27FC236}">
-                    <a16:creationId xmlns="" xmlns:a16="http://schemas.microsoft.com/office/drawing/2014/main" id="{6FAFC2FA-9C5D-155E-8F45-4CD73077F723}"/>
+                    <a16:creationId xmlns:a16="http://schemas.microsoft.com/office/drawing/2014/main" id="{6FAFC2FA-9C5D-155E-8F45-4CD73077F723}"/>
                   </a:ext>
                 </a:extLst>
               </p:cNvPr>
@@ -37647,7 +36727,7 @@
               <p:cNvPr id="128" name="islîḋê">
                 <a:extLst>
                   <a:ext uri="{FF2B5EF4-FFF2-40B4-BE49-F238E27FC236}">
-                    <a16:creationId xmlns="" xmlns:a16="http://schemas.microsoft.com/office/drawing/2014/main" id="{C6F5F09A-B88F-AB22-ADCB-64BE12843231}"/>
+                    <a16:creationId xmlns:a16="http://schemas.microsoft.com/office/drawing/2014/main" id="{C6F5F09A-B88F-AB22-ADCB-64BE12843231}"/>
                   </a:ext>
                 </a:extLst>
               </p:cNvPr>
@@ -37796,7 +36876,7 @@
               <p:cNvPr id="129" name="ïṩḷiḋe">
                 <a:extLst>
                   <a:ext uri="{FF2B5EF4-FFF2-40B4-BE49-F238E27FC236}">
-                    <a16:creationId xmlns="" xmlns:a16="http://schemas.microsoft.com/office/drawing/2014/main" id="{65587A1F-D880-2569-292B-2947F354B760}"/>
+                    <a16:creationId xmlns:a16="http://schemas.microsoft.com/office/drawing/2014/main" id="{65587A1F-D880-2569-292B-2947F354B760}"/>
                   </a:ext>
                 </a:extLst>
               </p:cNvPr>
@@ -37816,7 +36896,7 @@
                 <p:cNvPr id="130" name="isḷîdè">
                   <a:extLst>
                     <a:ext uri="{FF2B5EF4-FFF2-40B4-BE49-F238E27FC236}">
-                      <a16:creationId xmlns="" xmlns:a16="http://schemas.microsoft.com/office/drawing/2014/main" id="{C54E6B0F-D428-7838-0AF5-5FF3A35977D2}"/>
+                      <a16:creationId xmlns:a16="http://schemas.microsoft.com/office/drawing/2014/main" id="{C54E6B0F-D428-7838-0AF5-5FF3A35977D2}"/>
                     </a:ext>
                   </a:extLst>
                 </p:cNvPr>
@@ -37917,7 +36997,7 @@
                 <p:cNvPr id="131" name="îṥļîďê">
                   <a:extLst>
                     <a:ext uri="{FF2B5EF4-FFF2-40B4-BE49-F238E27FC236}">
-                      <a16:creationId xmlns="" xmlns:a16="http://schemas.microsoft.com/office/drawing/2014/main" id="{40B857B9-CEEA-8926-1F76-0DDD0B8E1FB7}"/>
+                      <a16:creationId xmlns:a16="http://schemas.microsoft.com/office/drawing/2014/main" id="{40B857B9-CEEA-8926-1F76-0DDD0B8E1FB7}"/>
                     </a:ext>
                   </a:extLst>
                 </p:cNvPr>
@@ -38030,7 +37110,7 @@
                 <p:cNvPr id="132" name="ïs1íďè">
                   <a:extLst>
                     <a:ext uri="{FF2B5EF4-FFF2-40B4-BE49-F238E27FC236}">
-                      <a16:creationId xmlns="" xmlns:a16="http://schemas.microsoft.com/office/drawing/2014/main" id="{BBA8B6D1-6E92-C6A9-7C54-41615B20B63A}"/>
+                      <a16:creationId xmlns:a16="http://schemas.microsoft.com/office/drawing/2014/main" id="{BBA8B6D1-6E92-C6A9-7C54-41615B20B63A}"/>
                     </a:ext>
                   </a:extLst>
                 </p:cNvPr>
@@ -38163,7 +37243,7 @@
                 <p:cNvPr id="133" name="ïŝ1íḓê">
                   <a:extLst>
                     <a:ext uri="{FF2B5EF4-FFF2-40B4-BE49-F238E27FC236}">
-                      <a16:creationId xmlns="" xmlns:a16="http://schemas.microsoft.com/office/drawing/2014/main" id="{F7B86D8A-130C-DA61-CBDF-9DEDE95D3AE3}"/>
+                      <a16:creationId xmlns:a16="http://schemas.microsoft.com/office/drawing/2014/main" id="{F7B86D8A-130C-DA61-CBDF-9DEDE95D3AE3}"/>
                     </a:ext>
                   </a:extLst>
                 </p:cNvPr>
@@ -38296,7 +37376,7 @@
                 <p:cNvPr id="134" name="îS1iḍe">
                   <a:extLst>
                     <a:ext uri="{FF2B5EF4-FFF2-40B4-BE49-F238E27FC236}">
-                      <a16:creationId xmlns="" xmlns:a16="http://schemas.microsoft.com/office/drawing/2014/main" id="{8FEA7D61-C5CD-39F6-D407-C78F9E0919D6}"/>
+                      <a16:creationId xmlns:a16="http://schemas.microsoft.com/office/drawing/2014/main" id="{8FEA7D61-C5CD-39F6-D407-C78F9E0919D6}"/>
                     </a:ext>
                   </a:extLst>
                 </p:cNvPr>
@@ -38429,7 +37509,7 @@
                 <p:cNvPr id="135" name="îsḷide">
                   <a:extLst>
                     <a:ext uri="{FF2B5EF4-FFF2-40B4-BE49-F238E27FC236}">
-                      <a16:creationId xmlns="" xmlns:a16="http://schemas.microsoft.com/office/drawing/2014/main" id="{2699BE34-C6E5-B16D-8116-EDF2FCA82354}"/>
+                      <a16:creationId xmlns:a16="http://schemas.microsoft.com/office/drawing/2014/main" id="{2699BE34-C6E5-B16D-8116-EDF2FCA82354}"/>
                     </a:ext>
                   </a:extLst>
                 </p:cNvPr>
@@ -38562,7 +37642,7 @@
                 <p:cNvPr id="136" name="iṡḻíḓè">
                   <a:extLst>
                     <a:ext uri="{FF2B5EF4-FFF2-40B4-BE49-F238E27FC236}">
-                      <a16:creationId xmlns="" xmlns:a16="http://schemas.microsoft.com/office/drawing/2014/main" id="{EB9BE494-6E8E-B28E-BB94-E542BDA48FAF}"/>
+                      <a16:creationId xmlns:a16="http://schemas.microsoft.com/office/drawing/2014/main" id="{EB9BE494-6E8E-B28E-BB94-E542BDA48FAF}"/>
                     </a:ext>
                   </a:extLst>
                 </p:cNvPr>
@@ -38695,7 +37775,7 @@
                 <p:cNvPr id="137" name="îṥlíḓe">
                   <a:extLst>
                     <a:ext uri="{FF2B5EF4-FFF2-40B4-BE49-F238E27FC236}">
-                      <a16:creationId xmlns="" xmlns:a16="http://schemas.microsoft.com/office/drawing/2014/main" id="{6C3DE522-4622-E565-0B71-0AF85C658486}"/>
+                      <a16:creationId xmlns:a16="http://schemas.microsoft.com/office/drawing/2014/main" id="{6C3DE522-4622-E565-0B71-0AF85C658486}"/>
                     </a:ext>
                   </a:extLst>
                 </p:cNvPr>
@@ -38828,7 +37908,7 @@
                 <p:cNvPr id="138" name="îṡļidé">
                   <a:extLst>
                     <a:ext uri="{FF2B5EF4-FFF2-40B4-BE49-F238E27FC236}">
-                      <a16:creationId xmlns="" xmlns:a16="http://schemas.microsoft.com/office/drawing/2014/main" id="{8C9002C6-46A0-FC6C-EE3B-271529664BEF}"/>
+                      <a16:creationId xmlns:a16="http://schemas.microsoft.com/office/drawing/2014/main" id="{8C9002C6-46A0-FC6C-EE3B-271529664BEF}"/>
                     </a:ext>
                   </a:extLst>
                 </p:cNvPr>
@@ -38944,7 +38024,7 @@
           <p:cNvPr id="170" name="文本框 169">
             <a:extLst>
               <a:ext uri="{FF2B5EF4-FFF2-40B4-BE49-F238E27FC236}">
-                <a16:creationId xmlns="" xmlns:a16="http://schemas.microsoft.com/office/drawing/2014/main" id="{33D56F3F-1A7B-EC8C-1469-CE1202203A9A}"/>
+                <a16:creationId xmlns:a16="http://schemas.microsoft.com/office/drawing/2014/main" id="{33D56F3F-1A7B-EC8C-1469-CE1202203A9A}"/>
               </a:ext>
             </a:extLst>
           </p:cNvPr>
@@ -39041,13 +38121,6 @@
   <p:clrMapOvr>
     <a:masterClrMapping/>
   </p:clrMapOvr>
-  <p:timing>
-    <p:tnLst>
-      <p:par>
-        <p:cTn id="1" dur="indefinite" restart="never" nodeType="tmRoot"/>
-      </p:par>
-    </p:tnLst>
-  </p:timing>
 </p:sld>
 </file>
 
@@ -39073,7 +38146,7 @@
           <p:cNvPr id="2" name="îṩļíďè">
             <a:extLst>
               <a:ext uri="{FF2B5EF4-FFF2-40B4-BE49-F238E27FC236}">
-                <a16:creationId xmlns="" xmlns:a16="http://schemas.microsoft.com/office/drawing/2014/main" id="{6AD7DE2F-2C25-C25A-957B-4AC542D02BC6}"/>
+                <a16:creationId xmlns:a16="http://schemas.microsoft.com/office/drawing/2014/main" id="{6AD7DE2F-2C25-C25A-957B-4AC542D02BC6}"/>
               </a:ext>
             </a:extLst>
           </p:cNvPr>
@@ -39112,7 +38185,7 @@
           <p:cNvPr id="5" name="图片 4">
             <a:extLst>
               <a:ext uri="{FF2B5EF4-FFF2-40B4-BE49-F238E27FC236}">
-                <a16:creationId xmlns="" xmlns:a16="http://schemas.microsoft.com/office/drawing/2014/main" id="{26222E49-80FF-2E27-CFB9-5D3842019886}"/>
+                <a16:creationId xmlns:a16="http://schemas.microsoft.com/office/drawing/2014/main" id="{26222E49-80FF-2E27-CFB9-5D3842019886}"/>
               </a:ext>
             </a:extLst>
           </p:cNvPr>
@@ -39148,7 +38221,7 @@
           <p:cNvPr id="7" name="图片 6">
             <a:extLst>
               <a:ext uri="{FF2B5EF4-FFF2-40B4-BE49-F238E27FC236}">
-                <a16:creationId xmlns="" xmlns:a16="http://schemas.microsoft.com/office/drawing/2014/main" id="{940AB25B-87D8-C1E2-A157-18FD9D2E316F}"/>
+                <a16:creationId xmlns:a16="http://schemas.microsoft.com/office/drawing/2014/main" id="{940AB25B-87D8-C1E2-A157-18FD9D2E316F}"/>
               </a:ext>
             </a:extLst>
           </p:cNvPr>
@@ -39184,7 +38257,7 @@
           <p:cNvPr id="11" name="图片 10">
             <a:extLst>
               <a:ext uri="{FF2B5EF4-FFF2-40B4-BE49-F238E27FC236}">
-                <a16:creationId xmlns="" xmlns:a16="http://schemas.microsoft.com/office/drawing/2014/main" id="{9E43810F-5EE5-6F00-403A-5FCF88B4147C}"/>
+                <a16:creationId xmlns:a16="http://schemas.microsoft.com/office/drawing/2014/main" id="{9E43810F-5EE5-6F00-403A-5FCF88B4147C}"/>
               </a:ext>
             </a:extLst>
           </p:cNvPr>
@@ -39220,7 +38293,7 @@
           <p:cNvPr id="13" name="图片 12">
             <a:extLst>
               <a:ext uri="{FF2B5EF4-FFF2-40B4-BE49-F238E27FC236}">
-                <a16:creationId xmlns="" xmlns:a16="http://schemas.microsoft.com/office/drawing/2014/main" id="{C5D9107D-C0B0-21B9-915B-5A7BB8AC106C}"/>
+                <a16:creationId xmlns:a16="http://schemas.microsoft.com/office/drawing/2014/main" id="{C5D9107D-C0B0-21B9-915B-5A7BB8AC106C}"/>
               </a:ext>
             </a:extLst>
           </p:cNvPr>
@@ -39256,7 +38329,7 @@
           <p:cNvPr id="17" name="图片 16">
             <a:extLst>
               <a:ext uri="{FF2B5EF4-FFF2-40B4-BE49-F238E27FC236}">
-                <a16:creationId xmlns="" xmlns:a16="http://schemas.microsoft.com/office/drawing/2014/main" id="{9A8A6506-67DF-3137-7AD7-99A77ABE9FC9}"/>
+                <a16:creationId xmlns:a16="http://schemas.microsoft.com/office/drawing/2014/main" id="{9A8A6506-67DF-3137-7AD7-99A77ABE9FC9}"/>
               </a:ext>
             </a:extLst>
           </p:cNvPr>
@@ -39292,7 +38365,7 @@
           <p:cNvPr id="19" name="图片 18">
             <a:extLst>
               <a:ext uri="{FF2B5EF4-FFF2-40B4-BE49-F238E27FC236}">
-                <a16:creationId xmlns="" xmlns:a16="http://schemas.microsoft.com/office/drawing/2014/main" id="{E4B8D726-7469-6804-DB52-700A1C8A9C11}"/>
+                <a16:creationId xmlns:a16="http://schemas.microsoft.com/office/drawing/2014/main" id="{E4B8D726-7469-6804-DB52-700A1C8A9C11}"/>
               </a:ext>
             </a:extLst>
           </p:cNvPr>
@@ -39328,7 +38401,7 @@
           <p:cNvPr id="3" name="îSlïde">
             <a:extLst>
               <a:ext uri="{FF2B5EF4-FFF2-40B4-BE49-F238E27FC236}">
-                <a16:creationId xmlns="" xmlns:a16="http://schemas.microsoft.com/office/drawing/2014/main" id="{E9AA5D24-FF9A-B654-DF19-225D0537D0B9}"/>
+                <a16:creationId xmlns:a16="http://schemas.microsoft.com/office/drawing/2014/main" id="{E9AA5D24-FF9A-B654-DF19-225D0537D0B9}"/>
               </a:ext>
             </a:extLst>
           </p:cNvPr>
@@ -39417,13 +38490,6 @@
   <p:clrMapOvr>
     <a:masterClrMapping/>
   </p:clrMapOvr>
-  <p:timing>
-    <p:tnLst>
-      <p:par>
-        <p:cTn id="1" dur="indefinite" restart="never" nodeType="tmRoot"/>
-      </p:par>
-    </p:tnLst>
-  </p:timing>
 </p:sld>
 </file>
 

--- a/SSCI文章汇报-卢波.pptx
+++ b/SSCI文章汇报-卢波.pptx
@@ -21768,7 +21768,7 @@
               <a:pPr/>
               <a:t>24</a:t>
             </a:fld>
-            <a:endParaRPr lang="en-US" altLang="zh-CN">
+            <a:endParaRPr lang="en-US" altLang="zh-CN" dirty="0">
               <a:cs typeface="+mn-ea"/>
               <a:sym typeface="+mn-lt"/>
             </a:endParaRPr>
@@ -21993,10 +21993,16 @@
                 <a:rPr lang="en-US" altLang="zh-CN" sz="1400" dirty="0">
                   <a:latin typeface="Consolas" panose="020B0609020204030204" pitchFamily="49" charset="0"/>
                 </a:rPr>
-                <a:t>=1000, centers=3/</a:t>
+                <a:t>=1000, centers=3,\</a:t>
               </a:r>
             </a:p>
             <a:p>
+              <a:r>
+                <a:rPr lang="en-US" altLang="zh-CN" sz="1400" dirty="0">
+                  <a:latin typeface="Consolas" panose="020B0609020204030204" pitchFamily="49" charset="0"/>
+                </a:rPr>
+                <a:t>                  </a:t>
+              </a:r>
               <a:r>
                 <a:rPr lang="en-US" altLang="zh-CN" sz="1400" dirty="0" err="1">
                   <a:latin typeface="Consolas" panose="020B0609020204030204" pitchFamily="49" charset="0"/>

--- a/SSCI文章汇报-卢波.pptx
+++ b/SSCI文章汇报-卢波.pptx
@@ -239,7 +239,7 @@
           <a:p>
             <a:fld id="{D7BBE6FB-4983-42F5-B216-1A2ADEE7DF7A}" type="datetimeFigureOut">
               <a:rPr lang="zh-CN" altLang="en-US" smtClean="0"/>
-              <a:t>2023/4/17</a:t>
+              <a:t>2023/4/24</a:t>
             </a:fld>
             <a:endParaRPr lang="zh-CN" altLang="en-US"/>
           </a:p>
@@ -798,6 +798,90 @@
           <a:bodyPr/>
           <a:lstStyle/>
           <a:p>
+            <a:endParaRPr lang="zh-CN" altLang="en-US"/>
+          </a:p>
+        </p:txBody>
+      </p:sp>
+      <p:sp>
+        <p:nvSpPr>
+          <p:cNvPr id="4" name="灯片编号占位符 3"/>
+          <p:cNvSpPr>
+            <a:spLocks noGrp="1"/>
+          </p:cNvSpPr>
+          <p:nvPr>
+            <p:ph type="sldNum" sz="quarter" idx="10"/>
+          </p:nvPr>
+        </p:nvSpPr>
+        <p:spPr/>
+        <p:txBody>
+          <a:bodyPr/>
+          <a:lstStyle/>
+          <a:p>
+            <a:fld id="{2B735503-9D21-443F-BC18-5459550EB72F}" type="slidenum">
+              <a:rPr lang="zh-CN" altLang="en-US" smtClean="0"/>
+              <a:t>23</a:t>
+            </a:fld>
+            <a:endParaRPr lang="zh-CN" altLang="en-US"/>
+          </a:p>
+        </p:txBody>
+      </p:sp>
+    </p:spTree>
+    <p:extLst>
+      <p:ext uri="{BB962C8B-B14F-4D97-AF65-F5344CB8AC3E}">
+        <p14:creationId xmlns:p14="http://schemas.microsoft.com/office/powerpoint/2010/main" val="4082578865"/>
+      </p:ext>
+    </p:extLst>
+  </p:cSld>
+  <p:clrMapOvr>
+    <a:masterClrMapping/>
+  </p:clrMapOvr>
+</p:notes>
+</file>
+
+<file path=ppt/notesSlides/notesSlide13.xml><?xml version="1.0" encoding="utf-8"?>
+<p:notes xmlns:a="http://schemas.openxmlformats.org/drawingml/2006/main" xmlns:r="http://schemas.openxmlformats.org/officeDocument/2006/relationships" xmlns:p="http://schemas.openxmlformats.org/presentationml/2006/main">
+  <p:cSld>
+    <p:spTree>
+      <p:nvGrpSpPr>
+        <p:cNvPr id="1" name=""/>
+        <p:cNvGrpSpPr/>
+        <p:nvPr/>
+      </p:nvGrpSpPr>
+      <p:grpSpPr>
+        <a:xfrm>
+          <a:off x="0" y="0"/>
+          <a:ext cx="0" cy="0"/>
+          <a:chOff x="0" y="0"/>
+          <a:chExt cx="0" cy="0"/>
+        </a:xfrm>
+      </p:grpSpPr>
+      <p:sp>
+        <p:nvSpPr>
+          <p:cNvPr id="2" name="幻灯片图像占位符 1"/>
+          <p:cNvSpPr>
+            <a:spLocks noGrp="1" noRot="1" noChangeAspect="1"/>
+          </p:cNvSpPr>
+          <p:nvPr>
+            <p:ph type="sldImg"/>
+          </p:nvPr>
+        </p:nvSpPr>
+        <p:spPr/>
+      </p:sp>
+      <p:sp>
+        <p:nvSpPr>
+          <p:cNvPr id="3" name="备注占位符 2"/>
+          <p:cNvSpPr>
+            <a:spLocks noGrp="1"/>
+          </p:cNvSpPr>
+          <p:nvPr>
+            <p:ph type="body" idx="1"/>
+          </p:nvPr>
+        </p:nvSpPr>
+        <p:spPr/>
+        <p:txBody>
+          <a:bodyPr/>
+          <a:lstStyle/>
+          <a:p>
             <a:endParaRPr lang="zh-CN" altLang="en-US" sz="1200" b="0" i="0" kern="1200" smtClean="0">
               <a:solidFill>
                 <a:schemeClr val="tx1"/>
@@ -1067,7 +1151,7 @@
           <p:cNvPr id="5" name="页脚占位符 4">
             <a:extLst>
               <a:ext uri="{FF2B5EF4-FFF2-40B4-BE49-F238E27FC236}">
-                <a16:creationId xmlns="" xmlns:a16="http://schemas.microsoft.com/office/drawing/2014/main" id="{AD17ABA3-C525-329A-C352-C5F5E428645A}"/>
+                <a16:creationId xmlns:a16="http://schemas.microsoft.com/office/drawing/2014/main" xmlns="" id="{AD17ABA3-C525-329A-C352-C5F5E428645A}"/>
               </a:ext>
             </a:extLst>
           </p:cNvPr>
@@ -1153,7 +1237,7 @@
           <p:cNvPr id="5" name="页脚占位符 4">
             <a:extLst>
               <a:ext uri="{FF2B5EF4-FFF2-40B4-BE49-F238E27FC236}">
-                <a16:creationId xmlns="" xmlns:a16="http://schemas.microsoft.com/office/drawing/2014/main" id="{34E2B2ED-BCBA-6CD5-24CF-41B319692AA8}"/>
+                <a16:creationId xmlns:a16="http://schemas.microsoft.com/office/drawing/2014/main" xmlns="" id="{34E2B2ED-BCBA-6CD5-24CF-41B319692AA8}"/>
               </a:ext>
             </a:extLst>
           </p:cNvPr>
@@ -1239,7 +1323,7 @@
           <p:cNvPr id="5" name="页脚占位符 4">
             <a:extLst>
               <a:ext uri="{FF2B5EF4-FFF2-40B4-BE49-F238E27FC236}">
-                <a16:creationId xmlns="" xmlns:a16="http://schemas.microsoft.com/office/drawing/2014/main" id="{34E2B2ED-BCBA-6CD5-24CF-41B319692AA8}"/>
+                <a16:creationId xmlns:a16="http://schemas.microsoft.com/office/drawing/2014/main" xmlns="" id="{34E2B2ED-BCBA-6CD5-24CF-41B319692AA8}"/>
               </a:ext>
             </a:extLst>
           </p:cNvPr>
@@ -1325,7 +1409,7 @@
           <p:cNvPr id="5" name="页脚占位符 4">
             <a:extLst>
               <a:ext uri="{FF2B5EF4-FFF2-40B4-BE49-F238E27FC236}">
-                <a16:creationId xmlns="" xmlns:a16="http://schemas.microsoft.com/office/drawing/2014/main" id="{34E2B2ED-BCBA-6CD5-24CF-41B319692AA8}"/>
+                <a16:creationId xmlns:a16="http://schemas.microsoft.com/office/drawing/2014/main" xmlns="" id="{34E2B2ED-BCBA-6CD5-24CF-41B319692AA8}"/>
               </a:ext>
             </a:extLst>
           </p:cNvPr>
@@ -1411,7 +1495,7 @@
           <p:cNvPr id="5" name="页脚占位符 4">
             <a:extLst>
               <a:ext uri="{FF2B5EF4-FFF2-40B4-BE49-F238E27FC236}">
-                <a16:creationId xmlns="" xmlns:a16="http://schemas.microsoft.com/office/drawing/2014/main" id="{34E2B2ED-BCBA-6CD5-24CF-41B319692AA8}"/>
+                <a16:creationId xmlns:a16="http://schemas.microsoft.com/office/drawing/2014/main" xmlns="" id="{34E2B2ED-BCBA-6CD5-24CF-41B319692AA8}"/>
               </a:ext>
             </a:extLst>
           </p:cNvPr>
@@ -1497,7 +1581,7 @@
           <p:cNvPr id="5" name="页脚占位符 4">
             <a:extLst>
               <a:ext uri="{FF2B5EF4-FFF2-40B4-BE49-F238E27FC236}">
-                <a16:creationId xmlns="" xmlns:a16="http://schemas.microsoft.com/office/drawing/2014/main" id="{34E2B2ED-BCBA-6CD5-24CF-41B319692AA8}"/>
+                <a16:creationId xmlns:a16="http://schemas.microsoft.com/office/drawing/2014/main" xmlns="" id="{34E2B2ED-BCBA-6CD5-24CF-41B319692AA8}"/>
               </a:ext>
             </a:extLst>
           </p:cNvPr>
@@ -1564,7 +1648,7 @@
           <p:cNvPr id="75" name="îṥlíde">
             <a:extLst>
               <a:ext uri="{FF2B5EF4-FFF2-40B4-BE49-F238E27FC236}">
-                <a16:creationId xmlns="" xmlns:a16="http://schemas.microsoft.com/office/drawing/2014/main" id="{12A217FB-D0A5-B1FC-0A9C-09C81766B0EC}"/>
+                <a16:creationId xmlns:a16="http://schemas.microsoft.com/office/drawing/2014/main" xmlns="" id="{12A217FB-D0A5-B1FC-0A9C-09C81766B0EC}"/>
               </a:ext>
             </a:extLst>
           </p:cNvPr>
@@ -1692,7 +1776,7 @@
           <p:cNvPr id="2" name="标题 1">
             <a:extLst>
               <a:ext uri="{FF2B5EF4-FFF2-40B4-BE49-F238E27FC236}">
-                <a16:creationId xmlns="" xmlns:a16="http://schemas.microsoft.com/office/drawing/2014/main" id="{E545B57F-7D9D-4AD8-9FE4-E5267D65BB87}"/>
+                <a16:creationId xmlns:a16="http://schemas.microsoft.com/office/drawing/2014/main" xmlns="" id="{E545B57F-7D9D-4AD8-9FE4-E5267D65BB87}"/>
               </a:ext>
             </a:extLst>
           </p:cNvPr>
@@ -1743,7 +1827,7 @@
           <p:cNvPr id="3" name="副标题 2">
             <a:extLst>
               <a:ext uri="{FF2B5EF4-FFF2-40B4-BE49-F238E27FC236}">
-                <a16:creationId xmlns="" xmlns:a16="http://schemas.microsoft.com/office/drawing/2014/main" id="{42DDB65F-C302-4F35-9CCB-12FB82E2590D}"/>
+                <a16:creationId xmlns:a16="http://schemas.microsoft.com/office/drawing/2014/main" xmlns="" id="{42DDB65F-C302-4F35-9CCB-12FB82E2590D}"/>
               </a:ext>
             </a:extLst>
           </p:cNvPr>
@@ -1788,7 +1872,7 @@
           <p:cNvPr id="8" name="文本占位符 7">
             <a:extLst>
               <a:ext uri="{FF2B5EF4-FFF2-40B4-BE49-F238E27FC236}">
-                <a16:creationId xmlns="" xmlns:a16="http://schemas.microsoft.com/office/drawing/2014/main" id="{44C4A721-803B-47CB-B99E-1D01E8E0169F}"/>
+                <a16:creationId xmlns:a16="http://schemas.microsoft.com/office/drawing/2014/main" xmlns="" id="{44C4A721-803B-47CB-B99E-1D01E8E0169F}"/>
               </a:ext>
             </a:extLst>
           </p:cNvPr>
@@ -1840,7 +1924,7 @@
           <p:cNvPr id="9" name="文本占位符 8">
             <a:extLst>
               <a:ext uri="{FF2B5EF4-FFF2-40B4-BE49-F238E27FC236}">
-                <a16:creationId xmlns="" xmlns:a16="http://schemas.microsoft.com/office/drawing/2014/main" id="{CA939A61-406D-45DC-B757-059EFAA05866}"/>
+                <a16:creationId xmlns:a16="http://schemas.microsoft.com/office/drawing/2014/main" xmlns="" id="{CA939A61-406D-45DC-B757-059EFAA05866}"/>
               </a:ext>
             </a:extLst>
           </p:cNvPr>
@@ -1893,7 +1977,7 @@
           <p:cNvPr id="46" name="išḻîḓe">
             <a:extLst>
               <a:ext uri="{FF2B5EF4-FFF2-40B4-BE49-F238E27FC236}">
-                <a16:creationId xmlns="" xmlns:a16="http://schemas.microsoft.com/office/drawing/2014/main" id="{80AEC717-C4EE-1CC1-A470-5119FAB08767}"/>
+                <a16:creationId xmlns:a16="http://schemas.microsoft.com/office/drawing/2014/main" xmlns="" id="{80AEC717-C4EE-1CC1-A470-5119FAB08767}"/>
               </a:ext>
             </a:extLst>
           </p:cNvPr>
@@ -1971,7 +2055,7 @@
           <p:cNvPr id="102" name="组合 101">
             <a:extLst>
               <a:ext uri="{FF2B5EF4-FFF2-40B4-BE49-F238E27FC236}">
-                <a16:creationId xmlns="" xmlns:a16="http://schemas.microsoft.com/office/drawing/2014/main" id="{5ED31935-D353-C095-52C9-6F04B518D7F9}"/>
+                <a16:creationId xmlns:a16="http://schemas.microsoft.com/office/drawing/2014/main" xmlns="" id="{5ED31935-D353-C095-52C9-6F04B518D7F9}"/>
               </a:ext>
             </a:extLst>
           </p:cNvPr>
@@ -1994,7 +2078,7 @@
             <p:cNvPr id="61" name="íṥlíďê">
               <a:extLst>
                 <a:ext uri="{FF2B5EF4-FFF2-40B4-BE49-F238E27FC236}">
-                  <a16:creationId xmlns="" xmlns:a16="http://schemas.microsoft.com/office/drawing/2014/main" id="{170F4112-1C32-DD4B-B107-A3842CFD609D}"/>
+                  <a16:creationId xmlns:a16="http://schemas.microsoft.com/office/drawing/2014/main" xmlns="" id="{170F4112-1C32-DD4B-B107-A3842CFD609D}"/>
                 </a:ext>
               </a:extLst>
             </p:cNvPr>
@@ -2088,7 +2172,7 @@
             <p:cNvPr id="62" name="íṥ1iďê">
               <a:extLst>
                 <a:ext uri="{FF2B5EF4-FFF2-40B4-BE49-F238E27FC236}">
-                  <a16:creationId xmlns="" xmlns:a16="http://schemas.microsoft.com/office/drawing/2014/main" id="{CF4F3986-F688-E973-34A4-0F85C3D9BA51}"/>
+                  <a16:creationId xmlns:a16="http://schemas.microsoft.com/office/drawing/2014/main" xmlns="" id="{CF4F3986-F688-E973-34A4-0F85C3D9BA51}"/>
                 </a:ext>
               </a:extLst>
             </p:cNvPr>
@@ -2182,7 +2266,7 @@
             <p:cNvPr id="63" name="iṣľíḓe">
               <a:extLst>
                 <a:ext uri="{FF2B5EF4-FFF2-40B4-BE49-F238E27FC236}">
-                  <a16:creationId xmlns="" xmlns:a16="http://schemas.microsoft.com/office/drawing/2014/main" id="{943E6ED9-B168-9714-793B-9FD764097EA2}"/>
+                  <a16:creationId xmlns:a16="http://schemas.microsoft.com/office/drawing/2014/main" xmlns="" id="{943E6ED9-B168-9714-793B-9FD764097EA2}"/>
                 </a:ext>
               </a:extLst>
             </p:cNvPr>
@@ -2276,7 +2360,7 @@
             <p:cNvPr id="64" name="îśľîḍê">
               <a:extLst>
                 <a:ext uri="{FF2B5EF4-FFF2-40B4-BE49-F238E27FC236}">
-                  <a16:creationId xmlns="" xmlns:a16="http://schemas.microsoft.com/office/drawing/2014/main" id="{B21B8C84-5250-5732-8907-C6DD254E0911}"/>
+                  <a16:creationId xmlns:a16="http://schemas.microsoft.com/office/drawing/2014/main" xmlns="" id="{B21B8C84-5250-5732-8907-C6DD254E0911}"/>
                 </a:ext>
               </a:extLst>
             </p:cNvPr>
@@ -2370,7 +2454,7 @@
             <p:cNvPr id="65" name="íśļïḍè">
               <a:extLst>
                 <a:ext uri="{FF2B5EF4-FFF2-40B4-BE49-F238E27FC236}">
-                  <a16:creationId xmlns="" xmlns:a16="http://schemas.microsoft.com/office/drawing/2014/main" id="{397AFC15-6E03-DBDE-0527-948024A5559B}"/>
+                  <a16:creationId xmlns:a16="http://schemas.microsoft.com/office/drawing/2014/main" xmlns="" id="{397AFC15-6E03-DBDE-0527-948024A5559B}"/>
                 </a:ext>
               </a:extLst>
             </p:cNvPr>
@@ -2464,7 +2548,7 @@
             <p:cNvPr id="66" name="íṡḷïďê">
               <a:extLst>
                 <a:ext uri="{FF2B5EF4-FFF2-40B4-BE49-F238E27FC236}">
-                  <a16:creationId xmlns="" xmlns:a16="http://schemas.microsoft.com/office/drawing/2014/main" id="{392352D8-B171-08C3-8EC9-F089D139E3ED}"/>
+                  <a16:creationId xmlns:a16="http://schemas.microsoft.com/office/drawing/2014/main" xmlns="" id="{392352D8-B171-08C3-8EC9-F089D139E3ED}"/>
                 </a:ext>
               </a:extLst>
             </p:cNvPr>
@@ -2568,7 +2652,7 @@
             <p:cNvPr id="67" name="îṩḻiḋé">
               <a:extLst>
                 <a:ext uri="{FF2B5EF4-FFF2-40B4-BE49-F238E27FC236}">
-                  <a16:creationId xmlns="" xmlns:a16="http://schemas.microsoft.com/office/drawing/2014/main" id="{2E840FA0-A34F-0E3C-CD72-A3C9C9E21C75}"/>
+                  <a16:creationId xmlns:a16="http://schemas.microsoft.com/office/drawing/2014/main" xmlns="" id="{2E840FA0-A34F-0E3C-CD72-A3C9C9E21C75}"/>
                 </a:ext>
               </a:extLst>
             </p:cNvPr>
@@ -2662,7 +2746,7 @@
             <p:cNvPr id="68" name="iṩļíḋé">
               <a:extLst>
                 <a:ext uri="{FF2B5EF4-FFF2-40B4-BE49-F238E27FC236}">
-                  <a16:creationId xmlns="" xmlns:a16="http://schemas.microsoft.com/office/drawing/2014/main" id="{CB1404D4-E74D-F135-C33E-423931C8DC54}"/>
+                  <a16:creationId xmlns:a16="http://schemas.microsoft.com/office/drawing/2014/main" xmlns="" id="{CB1404D4-E74D-F135-C33E-423931C8DC54}"/>
                 </a:ext>
               </a:extLst>
             </p:cNvPr>
@@ -2766,7 +2850,7 @@
             <p:cNvPr id="69" name="îṣ1ïďé">
               <a:extLst>
                 <a:ext uri="{FF2B5EF4-FFF2-40B4-BE49-F238E27FC236}">
-                  <a16:creationId xmlns="" xmlns:a16="http://schemas.microsoft.com/office/drawing/2014/main" id="{C8CB8D5A-08BF-D381-FD99-C4FAC830C677}"/>
+                  <a16:creationId xmlns:a16="http://schemas.microsoft.com/office/drawing/2014/main" xmlns="" id="{C8CB8D5A-08BF-D381-FD99-C4FAC830C677}"/>
                 </a:ext>
               </a:extLst>
             </p:cNvPr>
@@ -2860,7 +2944,7 @@
             <p:cNvPr id="70" name="îŝ1íḓé">
               <a:extLst>
                 <a:ext uri="{FF2B5EF4-FFF2-40B4-BE49-F238E27FC236}">
-                  <a16:creationId xmlns="" xmlns:a16="http://schemas.microsoft.com/office/drawing/2014/main" id="{D207EB95-B23E-8A36-2D5A-6AD32DE39599}"/>
+                  <a16:creationId xmlns:a16="http://schemas.microsoft.com/office/drawing/2014/main" xmlns="" id="{D207EB95-B23E-8A36-2D5A-6AD32DE39599}"/>
                 </a:ext>
               </a:extLst>
             </p:cNvPr>
@@ -2954,7 +3038,7 @@
             <p:cNvPr id="71" name="iṩlîḓé">
               <a:extLst>
                 <a:ext uri="{FF2B5EF4-FFF2-40B4-BE49-F238E27FC236}">
-                  <a16:creationId xmlns="" xmlns:a16="http://schemas.microsoft.com/office/drawing/2014/main" id="{74E9B1BB-CD49-15D8-FB76-6B4A74302380}"/>
+                  <a16:creationId xmlns:a16="http://schemas.microsoft.com/office/drawing/2014/main" xmlns="" id="{74E9B1BB-CD49-15D8-FB76-6B4A74302380}"/>
                 </a:ext>
               </a:extLst>
             </p:cNvPr>
@@ -3048,7 +3132,7 @@
             <p:cNvPr id="72" name="iśļíďè">
               <a:extLst>
                 <a:ext uri="{FF2B5EF4-FFF2-40B4-BE49-F238E27FC236}">
-                  <a16:creationId xmlns="" xmlns:a16="http://schemas.microsoft.com/office/drawing/2014/main" id="{0EF3F4F0-E140-4ED3-2953-6910006204A5}"/>
+                  <a16:creationId xmlns:a16="http://schemas.microsoft.com/office/drawing/2014/main" xmlns="" id="{0EF3F4F0-E140-4ED3-2953-6910006204A5}"/>
                 </a:ext>
               </a:extLst>
             </p:cNvPr>
@@ -3142,7 +3226,7 @@
             <p:cNvPr id="73" name="iṩḻïḍe">
               <a:extLst>
                 <a:ext uri="{FF2B5EF4-FFF2-40B4-BE49-F238E27FC236}">
-                  <a16:creationId xmlns="" xmlns:a16="http://schemas.microsoft.com/office/drawing/2014/main" id="{3B8ECEE2-AF90-20F6-1816-D94D9BC00576}"/>
+                  <a16:creationId xmlns:a16="http://schemas.microsoft.com/office/drawing/2014/main" xmlns="" id="{3B8ECEE2-AF90-20F6-1816-D94D9BC00576}"/>
                 </a:ext>
               </a:extLst>
             </p:cNvPr>
@@ -3246,7 +3330,7 @@
             <p:cNvPr id="74" name="íS1iḋé">
               <a:extLst>
                 <a:ext uri="{FF2B5EF4-FFF2-40B4-BE49-F238E27FC236}">
-                  <a16:creationId xmlns="" xmlns:a16="http://schemas.microsoft.com/office/drawing/2014/main" id="{7874BC37-D362-2E46-BC5C-E01352414C6F}"/>
+                  <a16:creationId xmlns:a16="http://schemas.microsoft.com/office/drawing/2014/main" xmlns="" id="{7874BC37-D362-2E46-BC5C-E01352414C6F}"/>
                 </a:ext>
               </a:extLst>
             </p:cNvPr>
@@ -3341,7 +3425,7 @@
           <p:cNvPr id="77" name="íṣľiḋè">
             <a:extLst>
               <a:ext uri="{FF2B5EF4-FFF2-40B4-BE49-F238E27FC236}">
-                <a16:creationId xmlns="" xmlns:a16="http://schemas.microsoft.com/office/drawing/2014/main" id="{32E0C55D-7D9F-AF1E-4D42-F6F5CB490267}"/>
+                <a16:creationId xmlns:a16="http://schemas.microsoft.com/office/drawing/2014/main" xmlns="" id="{32E0C55D-7D9F-AF1E-4D42-F6F5CB490267}"/>
               </a:ext>
             </a:extLst>
           </p:cNvPr>
@@ -3469,7 +3553,7 @@
           <p:cNvPr id="25" name="ïsḷídê">
             <a:extLst>
               <a:ext uri="{FF2B5EF4-FFF2-40B4-BE49-F238E27FC236}">
-                <a16:creationId xmlns="" xmlns:a16="http://schemas.microsoft.com/office/drawing/2014/main" id="{4AD3E173-DEA6-52DC-101D-FC28146B5E21}"/>
+                <a16:creationId xmlns:a16="http://schemas.microsoft.com/office/drawing/2014/main" xmlns="" id="{4AD3E173-DEA6-52DC-101D-FC28146B5E21}"/>
               </a:ext>
             </a:extLst>
           </p:cNvPr>
@@ -3569,7 +3653,7 @@
           <p:cNvPr id="26" name="íṣḷïḍe">
             <a:extLst>
               <a:ext uri="{FF2B5EF4-FFF2-40B4-BE49-F238E27FC236}">
-                <a16:creationId xmlns="" xmlns:a16="http://schemas.microsoft.com/office/drawing/2014/main" id="{97B4B254-7339-6AD7-F5A7-44C5BB38510F}"/>
+                <a16:creationId xmlns:a16="http://schemas.microsoft.com/office/drawing/2014/main" xmlns="" id="{97B4B254-7339-6AD7-F5A7-44C5BB38510F}"/>
               </a:ext>
             </a:extLst>
           </p:cNvPr>
@@ -3649,7 +3733,7 @@
           <p:cNvPr id="27" name="ï$ḷîḓè">
             <a:extLst>
               <a:ext uri="{FF2B5EF4-FFF2-40B4-BE49-F238E27FC236}">
-                <a16:creationId xmlns="" xmlns:a16="http://schemas.microsoft.com/office/drawing/2014/main" id="{5CAE6D5F-289F-F240-0D3B-786902A6C861}"/>
+                <a16:creationId xmlns:a16="http://schemas.microsoft.com/office/drawing/2014/main" xmlns="" id="{5CAE6D5F-289F-F240-0D3B-786902A6C861}"/>
               </a:ext>
             </a:extLst>
           </p:cNvPr>
@@ -3739,7 +3823,7 @@
           <p:cNvPr id="28" name="îṣlidê">
             <a:extLst>
               <a:ext uri="{FF2B5EF4-FFF2-40B4-BE49-F238E27FC236}">
-                <a16:creationId xmlns="" xmlns:a16="http://schemas.microsoft.com/office/drawing/2014/main" id="{9F6C8D2B-C1B6-06EE-0945-EADF5D680BBC}"/>
+                <a16:creationId xmlns:a16="http://schemas.microsoft.com/office/drawing/2014/main" xmlns="" id="{9F6C8D2B-C1B6-06EE-0945-EADF5D680BBC}"/>
               </a:ext>
             </a:extLst>
           </p:cNvPr>
@@ -3776,7 +3860,7 @@
           <p:cNvPr id="30" name="îşlîde">
             <a:extLst>
               <a:ext uri="{FF2B5EF4-FFF2-40B4-BE49-F238E27FC236}">
-                <a16:creationId xmlns="" xmlns:a16="http://schemas.microsoft.com/office/drawing/2014/main" id="{BD06D9E2-4A0E-81FD-4F84-03F7D7FA4588}"/>
+                <a16:creationId xmlns:a16="http://schemas.microsoft.com/office/drawing/2014/main" xmlns="" id="{BD06D9E2-4A0E-81FD-4F84-03F7D7FA4588}"/>
               </a:ext>
             </a:extLst>
           </p:cNvPr>
@@ -3813,7 +3897,7 @@
           <p:cNvPr id="86" name="iş1íḑé">
             <a:extLst>
               <a:ext uri="{FF2B5EF4-FFF2-40B4-BE49-F238E27FC236}">
-                <a16:creationId xmlns="" xmlns:a16="http://schemas.microsoft.com/office/drawing/2014/main" id="{9EE12DE3-6D56-CDFB-5EC8-D37BF86EEDE5}"/>
+                <a16:creationId xmlns:a16="http://schemas.microsoft.com/office/drawing/2014/main" xmlns="" id="{9EE12DE3-6D56-CDFB-5EC8-D37BF86EEDE5}"/>
               </a:ext>
             </a:extLst>
           </p:cNvPr>
@@ -3958,7 +4042,7 @@
           <p:cNvPr id="121" name="îŝľiḓê">
             <a:extLst>
               <a:ext uri="{FF2B5EF4-FFF2-40B4-BE49-F238E27FC236}">
-                <a16:creationId xmlns="" xmlns:a16="http://schemas.microsoft.com/office/drawing/2014/main" id="{FD8054AF-9D46-E54E-FDD0-1D6436A080AE}"/>
+                <a16:creationId xmlns:a16="http://schemas.microsoft.com/office/drawing/2014/main" xmlns="" id="{FD8054AF-9D46-E54E-FDD0-1D6436A080AE}"/>
               </a:ext>
             </a:extLst>
           </p:cNvPr>
@@ -4048,7 +4132,7 @@
           <p:cNvPr id="88" name="组合 87">
             <a:extLst>
               <a:ext uri="{FF2B5EF4-FFF2-40B4-BE49-F238E27FC236}">
-                <a16:creationId xmlns="" xmlns:a16="http://schemas.microsoft.com/office/drawing/2014/main" id="{89CEE876-DCCB-5BC9-81E7-8096A2DFC556}"/>
+                <a16:creationId xmlns:a16="http://schemas.microsoft.com/office/drawing/2014/main" xmlns="" id="{89CEE876-DCCB-5BC9-81E7-8096A2DFC556}"/>
               </a:ext>
             </a:extLst>
           </p:cNvPr>
@@ -4068,7 +4152,7 @@
             <p:cNvPr id="78" name="iṡḷiḋe">
               <a:extLst>
                 <a:ext uri="{FF2B5EF4-FFF2-40B4-BE49-F238E27FC236}">
-                  <a16:creationId xmlns="" xmlns:a16="http://schemas.microsoft.com/office/drawing/2014/main" id="{162945E0-3623-82C9-E071-0D683009C3F9}"/>
+                  <a16:creationId xmlns:a16="http://schemas.microsoft.com/office/drawing/2014/main" xmlns="" id="{162945E0-3623-82C9-E071-0D683009C3F9}"/>
                 </a:ext>
               </a:extLst>
             </p:cNvPr>
@@ -4195,7 +4279,7 @@
             <p:cNvPr id="79" name="ïŝḷïḑé">
               <a:extLst>
                 <a:ext uri="{FF2B5EF4-FFF2-40B4-BE49-F238E27FC236}">
-                  <a16:creationId xmlns="" xmlns:a16="http://schemas.microsoft.com/office/drawing/2014/main" id="{A2C51E6F-85D1-F108-0B04-74473199E1F8}"/>
+                  <a16:creationId xmlns:a16="http://schemas.microsoft.com/office/drawing/2014/main" xmlns="" id="{A2C51E6F-85D1-F108-0B04-74473199E1F8}"/>
                 </a:ext>
               </a:extLst>
             </p:cNvPr>
@@ -4310,7 +4394,7 @@
             <p:cNvPr id="80" name="iš1ïḓe">
               <a:extLst>
                 <a:ext uri="{FF2B5EF4-FFF2-40B4-BE49-F238E27FC236}">
-                  <a16:creationId xmlns="" xmlns:a16="http://schemas.microsoft.com/office/drawing/2014/main" id="{92F436AE-C605-168A-78DD-9B14E2C9A8EA}"/>
+                  <a16:creationId xmlns:a16="http://schemas.microsoft.com/office/drawing/2014/main" xmlns="" id="{92F436AE-C605-168A-78DD-9B14E2C9A8EA}"/>
                 </a:ext>
               </a:extLst>
             </p:cNvPr>
@@ -4720,7 +4804,7 @@
             <p:cNvPr id="81" name="îŝļîďè">
               <a:extLst>
                 <a:ext uri="{FF2B5EF4-FFF2-40B4-BE49-F238E27FC236}">
-                  <a16:creationId xmlns="" xmlns:a16="http://schemas.microsoft.com/office/drawing/2014/main" id="{5B52A11E-8BA3-9C39-CF5E-D7451B460C08}"/>
+                  <a16:creationId xmlns:a16="http://schemas.microsoft.com/office/drawing/2014/main" xmlns="" id="{5B52A11E-8BA3-9C39-CF5E-D7451B460C08}"/>
                 </a:ext>
               </a:extLst>
             </p:cNvPr>
@@ -4803,7 +4887,7 @@
             <p:cNvPr id="82" name="ïṥļide">
               <a:extLst>
                 <a:ext uri="{FF2B5EF4-FFF2-40B4-BE49-F238E27FC236}">
-                  <a16:creationId xmlns="" xmlns:a16="http://schemas.microsoft.com/office/drawing/2014/main" id="{5C955823-5C23-803E-CA12-3DBCBE287A82}"/>
+                  <a16:creationId xmlns:a16="http://schemas.microsoft.com/office/drawing/2014/main" xmlns="" id="{5C955823-5C23-803E-CA12-3DBCBE287A82}"/>
                 </a:ext>
               </a:extLst>
             </p:cNvPr>
@@ -4883,7 +4967,7 @@
             <p:cNvPr id="83" name="iṥḻíḓé">
               <a:extLst>
                 <a:ext uri="{FF2B5EF4-FFF2-40B4-BE49-F238E27FC236}">
-                  <a16:creationId xmlns="" xmlns:a16="http://schemas.microsoft.com/office/drawing/2014/main" id="{0958D633-1F32-381D-B4C6-644DFF5B68D1}"/>
+                  <a16:creationId xmlns:a16="http://schemas.microsoft.com/office/drawing/2014/main" xmlns="" id="{0958D633-1F32-381D-B4C6-644DFF5B68D1}"/>
                 </a:ext>
               </a:extLst>
             </p:cNvPr>
@@ -5023,7 +5107,7 @@
             <p:cNvPr id="84" name="iṣḷiḑè">
               <a:extLst>
                 <a:ext uri="{FF2B5EF4-FFF2-40B4-BE49-F238E27FC236}">
-                  <a16:creationId xmlns="" xmlns:a16="http://schemas.microsoft.com/office/drawing/2014/main" id="{D96565D9-71AD-C5D2-5FA5-AF4C6622B9CD}"/>
+                  <a16:creationId xmlns:a16="http://schemas.microsoft.com/office/drawing/2014/main" xmlns="" id="{D96565D9-71AD-C5D2-5FA5-AF4C6622B9CD}"/>
                 </a:ext>
               </a:extLst>
             </p:cNvPr>
@@ -5164,7 +5248,7 @@
           <p:cNvPr id="97" name="组合 96">
             <a:extLst>
               <a:ext uri="{FF2B5EF4-FFF2-40B4-BE49-F238E27FC236}">
-                <a16:creationId xmlns="" xmlns:a16="http://schemas.microsoft.com/office/drawing/2014/main" id="{AE73A4EE-0452-FB26-3969-9CAD01CF09DA}"/>
+                <a16:creationId xmlns:a16="http://schemas.microsoft.com/office/drawing/2014/main" xmlns="" id="{AE73A4EE-0452-FB26-3969-9CAD01CF09DA}"/>
               </a:ext>
             </a:extLst>
           </p:cNvPr>
@@ -5184,7 +5268,7 @@
             <p:cNvPr id="14" name="ísľíḍé">
               <a:extLst>
                 <a:ext uri="{FF2B5EF4-FFF2-40B4-BE49-F238E27FC236}">
-                  <a16:creationId xmlns="" xmlns:a16="http://schemas.microsoft.com/office/drawing/2014/main" id="{23CAB1F0-2F9A-1151-E151-85AD5AE6CB00}"/>
+                  <a16:creationId xmlns:a16="http://schemas.microsoft.com/office/drawing/2014/main" xmlns="" id="{23CAB1F0-2F9A-1151-E151-85AD5AE6CB00}"/>
                 </a:ext>
               </a:extLst>
             </p:cNvPr>
@@ -5292,7 +5376,7 @@
             <p:cNvPr id="94" name="îŝḻíḍê">
               <a:extLst>
                 <a:ext uri="{FF2B5EF4-FFF2-40B4-BE49-F238E27FC236}">
-                  <a16:creationId xmlns="" xmlns:a16="http://schemas.microsoft.com/office/drawing/2014/main" id="{1CE40423-F8B7-ABA7-E389-20EFC902D7DE}"/>
+                  <a16:creationId xmlns:a16="http://schemas.microsoft.com/office/drawing/2014/main" xmlns="" id="{1CE40423-F8B7-ABA7-E389-20EFC902D7DE}"/>
                 </a:ext>
               </a:extLst>
             </p:cNvPr>
@@ -5388,7 +5472,7 @@
             <p:cNvPr id="17" name="íṥľídé">
               <a:extLst>
                 <a:ext uri="{FF2B5EF4-FFF2-40B4-BE49-F238E27FC236}">
-                  <a16:creationId xmlns="" xmlns:a16="http://schemas.microsoft.com/office/drawing/2014/main" id="{538CE06F-D033-E869-7802-5E57A07754C4}"/>
+                  <a16:creationId xmlns:a16="http://schemas.microsoft.com/office/drawing/2014/main" xmlns="" id="{538CE06F-D033-E869-7802-5E57A07754C4}"/>
                 </a:ext>
               </a:extLst>
             </p:cNvPr>
@@ -5425,7 +5509,7 @@
             <p:cNvPr id="18" name="íşļîďe">
               <a:extLst>
                 <a:ext uri="{FF2B5EF4-FFF2-40B4-BE49-F238E27FC236}">
-                  <a16:creationId xmlns="" xmlns:a16="http://schemas.microsoft.com/office/drawing/2014/main" id="{AF90DCF2-D861-8DC7-39D1-91F5366300D6}"/>
+                  <a16:creationId xmlns:a16="http://schemas.microsoft.com/office/drawing/2014/main" xmlns="" id="{AF90DCF2-D861-8DC7-39D1-91F5366300D6}"/>
                 </a:ext>
               </a:extLst>
             </p:cNvPr>
@@ -5545,7 +5629,7 @@
             <p:cNvPr id="19" name="îṣ1íďe">
               <a:extLst>
                 <a:ext uri="{FF2B5EF4-FFF2-40B4-BE49-F238E27FC236}">
-                  <a16:creationId xmlns="" xmlns:a16="http://schemas.microsoft.com/office/drawing/2014/main" id="{DCFCB9E0-6E7C-3437-2921-EA4A275F8C69}"/>
+                  <a16:creationId xmlns:a16="http://schemas.microsoft.com/office/drawing/2014/main" xmlns="" id="{DCFCB9E0-6E7C-3437-2921-EA4A275F8C69}"/>
                 </a:ext>
               </a:extLst>
             </p:cNvPr>
@@ -5656,7 +5740,7 @@
           <p:cNvPr id="2" name="标题 1">
             <a:extLst>
               <a:ext uri="{FF2B5EF4-FFF2-40B4-BE49-F238E27FC236}">
-                <a16:creationId xmlns="" xmlns:a16="http://schemas.microsoft.com/office/drawing/2014/main" id="{95DC6DA8-D137-41D2-A934-63CB8FFB8B81}"/>
+                <a16:creationId xmlns:a16="http://schemas.microsoft.com/office/drawing/2014/main" xmlns="" id="{95DC6DA8-D137-41D2-A934-63CB8FFB8B81}"/>
               </a:ext>
             </a:extLst>
           </p:cNvPr>
@@ -5685,7 +5769,7 @@
           <p:cNvPr id="3" name="内容占位符 2">
             <a:extLst>
               <a:ext uri="{FF2B5EF4-FFF2-40B4-BE49-F238E27FC236}">
-                <a16:creationId xmlns="" xmlns:a16="http://schemas.microsoft.com/office/drawing/2014/main" id="{0CED916A-3E34-4B9E-8F9F-7A8921A30F99}"/>
+                <a16:creationId xmlns:a16="http://schemas.microsoft.com/office/drawing/2014/main" xmlns="" id="{0CED916A-3E34-4B9E-8F9F-7A8921A30F99}"/>
               </a:ext>
             </a:extLst>
           </p:cNvPr>
@@ -5773,7 +5857,7 @@
           <p:cNvPr id="2" name="页脚占位符 1">
             <a:extLst>
               <a:ext uri="{FF2B5EF4-FFF2-40B4-BE49-F238E27FC236}">
-                <a16:creationId xmlns="" xmlns:a16="http://schemas.microsoft.com/office/drawing/2014/main" id="{6D160AEA-4983-67A9-19B6-ED8B1C254947}"/>
+                <a16:creationId xmlns:a16="http://schemas.microsoft.com/office/drawing/2014/main" xmlns="" id="{6D160AEA-4983-67A9-19B6-ED8B1C254947}"/>
               </a:ext>
             </a:extLst>
           </p:cNvPr>
@@ -5817,7 +5901,7 @@
           <p:cNvPr id="3" name="日期占位符 2">
             <a:extLst>
               <a:ext uri="{FF2B5EF4-FFF2-40B4-BE49-F238E27FC236}">
-                <a16:creationId xmlns="" xmlns:a16="http://schemas.microsoft.com/office/drawing/2014/main" id="{4DDED93D-2867-D391-5044-BA1D6CE379CA}"/>
+                <a16:creationId xmlns:a16="http://schemas.microsoft.com/office/drawing/2014/main" xmlns="" id="{4DDED93D-2867-D391-5044-BA1D6CE379CA}"/>
               </a:ext>
             </a:extLst>
           </p:cNvPr>
@@ -5854,7 +5938,7 @@
           <a:p>
             <a:fld id="{746E9CA2-B0E5-410E-8AE0-AC78A61787BF}" type="datetime1">
               <a:rPr lang="zh-CN" altLang="en-US" smtClean="0"/>
-              <a:t>2023/4/17</a:t>
+              <a:t>2023/4/24</a:t>
             </a:fld>
             <a:endParaRPr lang="en-US" altLang="zh-CN"/>
           </a:p>
@@ -5865,7 +5949,7 @@
           <p:cNvPr id="4" name="灯片编号占位符 3">
             <a:extLst>
               <a:ext uri="{FF2B5EF4-FFF2-40B4-BE49-F238E27FC236}">
-                <a16:creationId xmlns="" xmlns:a16="http://schemas.microsoft.com/office/drawing/2014/main" id="{D692E5A6-4C14-C05D-4BB2-4D73FC0FD7DC}"/>
+                <a16:creationId xmlns:a16="http://schemas.microsoft.com/office/drawing/2014/main" xmlns="" id="{D692E5A6-4C14-C05D-4BB2-4D73FC0FD7DC}"/>
               </a:ext>
             </a:extLst>
           </p:cNvPr>
@@ -5956,7 +6040,7 @@
           <p:cNvPr id="2" name="标题 1">
             <a:extLst>
               <a:ext uri="{FF2B5EF4-FFF2-40B4-BE49-F238E27FC236}">
-                <a16:creationId xmlns="" xmlns:a16="http://schemas.microsoft.com/office/drawing/2014/main" id="{000C7662-4F6D-4B06-BB36-235FC06BF816}"/>
+                <a16:creationId xmlns:a16="http://schemas.microsoft.com/office/drawing/2014/main" xmlns="" id="{000C7662-4F6D-4B06-BB36-235FC06BF816}"/>
               </a:ext>
             </a:extLst>
           </p:cNvPr>
@@ -5997,7 +6081,7 @@
           <p:cNvPr id="3" name="文本占位符 2">
             <a:extLst>
               <a:ext uri="{FF2B5EF4-FFF2-40B4-BE49-F238E27FC236}">
-                <a16:creationId xmlns="" xmlns:a16="http://schemas.microsoft.com/office/drawing/2014/main" id="{9FF9930E-40DF-417D-8161-BD38EB172DC1}"/>
+                <a16:creationId xmlns:a16="http://schemas.microsoft.com/office/drawing/2014/main" xmlns="" id="{9FF9930E-40DF-417D-8161-BD38EB172DC1}"/>
               </a:ext>
             </a:extLst>
           </p:cNvPr>
@@ -6125,7 +6209,7 @@
           <p:cNvPr id="4" name="组合 3">
             <a:extLst>
               <a:ext uri="{FF2B5EF4-FFF2-40B4-BE49-F238E27FC236}">
-                <a16:creationId xmlns="" xmlns:a16="http://schemas.microsoft.com/office/drawing/2014/main" id="{10AFC526-DAC5-EAAE-A5B3-463C8F4F9180}"/>
+                <a16:creationId xmlns:a16="http://schemas.microsoft.com/office/drawing/2014/main" xmlns="" id="{10AFC526-DAC5-EAAE-A5B3-463C8F4F9180}"/>
               </a:ext>
             </a:extLst>
           </p:cNvPr>
@@ -6145,7 +6229,7 @@
             <p:cNvPr id="5" name="组合 4">
               <a:extLst>
                 <a:ext uri="{FF2B5EF4-FFF2-40B4-BE49-F238E27FC236}">
-                  <a16:creationId xmlns="" xmlns:a16="http://schemas.microsoft.com/office/drawing/2014/main" id="{9D3AF3B7-4256-C455-5947-653FD6C4EA60}"/>
+                  <a16:creationId xmlns:a16="http://schemas.microsoft.com/office/drawing/2014/main" xmlns="" id="{9D3AF3B7-4256-C455-5947-653FD6C4EA60}"/>
                 </a:ext>
               </a:extLst>
             </p:cNvPr>
@@ -6165,7 +6249,7 @@
               <p:cNvPr id="12" name="iṥ1iḍê">
                 <a:extLst>
                   <a:ext uri="{FF2B5EF4-FFF2-40B4-BE49-F238E27FC236}">
-                    <a16:creationId xmlns="" xmlns:a16="http://schemas.microsoft.com/office/drawing/2014/main" id="{588A8CE3-1D73-022F-3A06-EF33CDB05929}"/>
+                    <a16:creationId xmlns:a16="http://schemas.microsoft.com/office/drawing/2014/main" xmlns="" id="{588A8CE3-1D73-022F-3A06-EF33CDB05929}"/>
                   </a:ext>
                 </a:extLst>
               </p:cNvPr>
@@ -6265,7 +6349,7 @@
               <p:cNvPr id="13" name="iṩlïḍè">
                 <a:extLst>
                   <a:ext uri="{FF2B5EF4-FFF2-40B4-BE49-F238E27FC236}">
-                    <a16:creationId xmlns="" xmlns:a16="http://schemas.microsoft.com/office/drawing/2014/main" id="{F3312BE4-1FA8-7BCF-9D15-AD4B7A82DAAB}"/>
+                    <a16:creationId xmlns:a16="http://schemas.microsoft.com/office/drawing/2014/main" xmlns="" id="{F3312BE4-1FA8-7BCF-9D15-AD4B7A82DAAB}"/>
                   </a:ext>
                 </a:extLst>
               </p:cNvPr>
@@ -6345,7 +6429,7 @@
               <p:cNvPr id="14" name="iŝ1ide">
                 <a:extLst>
                   <a:ext uri="{FF2B5EF4-FFF2-40B4-BE49-F238E27FC236}">
-                    <a16:creationId xmlns="" xmlns:a16="http://schemas.microsoft.com/office/drawing/2014/main" id="{E22BDA8B-F11B-159C-0F72-A1E6FD282A61}"/>
+                    <a16:creationId xmlns:a16="http://schemas.microsoft.com/office/drawing/2014/main" xmlns="" id="{E22BDA8B-F11B-159C-0F72-A1E6FD282A61}"/>
                   </a:ext>
                 </a:extLst>
               </p:cNvPr>
@@ -6435,7 +6519,7 @@
               <p:cNvPr id="15" name="íṧļiḑé">
                 <a:extLst>
                   <a:ext uri="{FF2B5EF4-FFF2-40B4-BE49-F238E27FC236}">
-                    <a16:creationId xmlns="" xmlns:a16="http://schemas.microsoft.com/office/drawing/2014/main" id="{240A2BD8-BAE7-F09E-16D2-A6ABB546D12D}"/>
+                    <a16:creationId xmlns:a16="http://schemas.microsoft.com/office/drawing/2014/main" xmlns="" id="{240A2BD8-BAE7-F09E-16D2-A6ABB546D12D}"/>
                   </a:ext>
                 </a:extLst>
               </p:cNvPr>
@@ -6472,7 +6556,7 @@
               <p:cNvPr id="16" name="ïṣlíďê">
                 <a:extLst>
                   <a:ext uri="{FF2B5EF4-FFF2-40B4-BE49-F238E27FC236}">
-                    <a16:creationId xmlns="" xmlns:a16="http://schemas.microsoft.com/office/drawing/2014/main" id="{6FA1E17C-96E8-4E0E-964B-870009C3F94D}"/>
+                    <a16:creationId xmlns:a16="http://schemas.microsoft.com/office/drawing/2014/main" xmlns="" id="{6FA1E17C-96E8-4E0E-964B-870009C3F94D}"/>
                   </a:ext>
                 </a:extLst>
               </p:cNvPr>
@@ -6509,7 +6593,7 @@
               <p:cNvPr id="17" name="î$ḻïdê">
                 <a:extLst>
                   <a:ext uri="{FF2B5EF4-FFF2-40B4-BE49-F238E27FC236}">
-                    <a16:creationId xmlns="" xmlns:a16="http://schemas.microsoft.com/office/drawing/2014/main" id="{17988211-5353-F8E3-E1DA-32CFB2E50A97}"/>
+                    <a16:creationId xmlns:a16="http://schemas.microsoft.com/office/drawing/2014/main" xmlns="" id="{17988211-5353-F8E3-E1DA-32CFB2E50A97}"/>
                   </a:ext>
                 </a:extLst>
               </p:cNvPr>
@@ -6654,7 +6738,7 @@
               <p:cNvPr id="18" name="ï$lîḋé">
                 <a:extLst>
                   <a:ext uri="{FF2B5EF4-FFF2-40B4-BE49-F238E27FC236}">
-                    <a16:creationId xmlns="" xmlns:a16="http://schemas.microsoft.com/office/drawing/2014/main" id="{9D74C169-F84B-223F-9CDA-038151BE1465}"/>
+                    <a16:creationId xmlns:a16="http://schemas.microsoft.com/office/drawing/2014/main" xmlns="" id="{9D74C169-F84B-223F-9CDA-038151BE1465}"/>
                   </a:ext>
                 </a:extLst>
               </p:cNvPr>
@@ -6744,7 +6828,7 @@
               <p:cNvPr id="19" name="组合 18">
                 <a:extLst>
                   <a:ext uri="{FF2B5EF4-FFF2-40B4-BE49-F238E27FC236}">
-                    <a16:creationId xmlns="" xmlns:a16="http://schemas.microsoft.com/office/drawing/2014/main" id="{B8A95CE0-17D8-C667-18A1-4CC27B8BBF64}"/>
+                    <a16:creationId xmlns:a16="http://schemas.microsoft.com/office/drawing/2014/main" xmlns="" id="{B8A95CE0-17D8-C667-18A1-4CC27B8BBF64}"/>
                   </a:ext>
                 </a:extLst>
               </p:cNvPr>
@@ -6764,7 +6848,7 @@
                 <p:cNvPr id="20" name="íṣļíḑe">
                   <a:extLst>
                     <a:ext uri="{FF2B5EF4-FFF2-40B4-BE49-F238E27FC236}">
-                      <a16:creationId xmlns="" xmlns:a16="http://schemas.microsoft.com/office/drawing/2014/main" id="{179573F6-886F-3E62-75EC-4096E140DA6D}"/>
+                      <a16:creationId xmlns:a16="http://schemas.microsoft.com/office/drawing/2014/main" xmlns="" id="{179573F6-886F-3E62-75EC-4096E140DA6D}"/>
                     </a:ext>
                   </a:extLst>
                 </p:cNvPr>
@@ -6891,7 +6975,7 @@
                 <p:cNvPr id="21" name="iṣľïde">
                   <a:extLst>
                     <a:ext uri="{FF2B5EF4-FFF2-40B4-BE49-F238E27FC236}">
-                      <a16:creationId xmlns="" xmlns:a16="http://schemas.microsoft.com/office/drawing/2014/main" id="{BFFACE22-EB54-F070-BB7B-C6C3E4640259}"/>
+                      <a16:creationId xmlns:a16="http://schemas.microsoft.com/office/drawing/2014/main" xmlns="" id="{BFFACE22-EB54-F070-BB7B-C6C3E4640259}"/>
                     </a:ext>
                   </a:extLst>
                 </p:cNvPr>
@@ -7006,7 +7090,7 @@
                 <p:cNvPr id="22" name="îsḻíḍé">
                   <a:extLst>
                     <a:ext uri="{FF2B5EF4-FFF2-40B4-BE49-F238E27FC236}">
-                      <a16:creationId xmlns="" xmlns:a16="http://schemas.microsoft.com/office/drawing/2014/main" id="{84FAA037-0A19-203C-FF51-85788C9C0650}"/>
+                      <a16:creationId xmlns:a16="http://schemas.microsoft.com/office/drawing/2014/main" xmlns="" id="{84FAA037-0A19-203C-FF51-85788C9C0650}"/>
                     </a:ext>
                   </a:extLst>
                 </p:cNvPr>
@@ -7416,7 +7500,7 @@
                 <p:cNvPr id="23" name="îŝļíḋe">
                   <a:extLst>
                     <a:ext uri="{FF2B5EF4-FFF2-40B4-BE49-F238E27FC236}">
-                      <a16:creationId xmlns="" xmlns:a16="http://schemas.microsoft.com/office/drawing/2014/main" id="{29E0F079-8C74-F278-978C-7E8D85A06FD0}"/>
+                      <a16:creationId xmlns:a16="http://schemas.microsoft.com/office/drawing/2014/main" xmlns="" id="{29E0F079-8C74-F278-978C-7E8D85A06FD0}"/>
                     </a:ext>
                   </a:extLst>
                 </p:cNvPr>
@@ -7499,7 +7583,7 @@
                 <p:cNvPr id="24" name="îśļiḋê">
                   <a:extLst>
                     <a:ext uri="{FF2B5EF4-FFF2-40B4-BE49-F238E27FC236}">
-                      <a16:creationId xmlns="" xmlns:a16="http://schemas.microsoft.com/office/drawing/2014/main" id="{25B6CA19-17AF-CC05-1740-3134AF62452B}"/>
+                      <a16:creationId xmlns:a16="http://schemas.microsoft.com/office/drawing/2014/main" xmlns="" id="{25B6CA19-17AF-CC05-1740-3134AF62452B}"/>
                     </a:ext>
                   </a:extLst>
                 </p:cNvPr>
@@ -7579,7 +7663,7 @@
                 <p:cNvPr id="25" name="iṣļïḓe">
                   <a:extLst>
                     <a:ext uri="{FF2B5EF4-FFF2-40B4-BE49-F238E27FC236}">
-                      <a16:creationId xmlns="" xmlns:a16="http://schemas.microsoft.com/office/drawing/2014/main" id="{B3253454-47EB-9207-B999-6E63FD295F02}"/>
+                      <a16:creationId xmlns:a16="http://schemas.microsoft.com/office/drawing/2014/main" xmlns="" id="{B3253454-47EB-9207-B999-6E63FD295F02}"/>
                     </a:ext>
                   </a:extLst>
                 </p:cNvPr>
@@ -7719,7 +7803,7 @@
                 <p:cNvPr id="26" name="iṥ1ïḋe">
                   <a:extLst>
                     <a:ext uri="{FF2B5EF4-FFF2-40B4-BE49-F238E27FC236}">
-                      <a16:creationId xmlns="" xmlns:a16="http://schemas.microsoft.com/office/drawing/2014/main" id="{FD08EE81-9525-410B-39BD-4067FBACC6BA}"/>
+                      <a16:creationId xmlns:a16="http://schemas.microsoft.com/office/drawing/2014/main" xmlns="" id="{FD08EE81-9525-410B-39BD-4067FBACC6BA}"/>
                     </a:ext>
                   </a:extLst>
                 </p:cNvPr>
@@ -7861,7 +7945,7 @@
             <p:cNvPr id="6" name="组合 5">
               <a:extLst>
                 <a:ext uri="{FF2B5EF4-FFF2-40B4-BE49-F238E27FC236}">
-                  <a16:creationId xmlns="" xmlns:a16="http://schemas.microsoft.com/office/drawing/2014/main" id="{62223DD0-7C40-8EC6-56D4-79A746581DD7}"/>
+                  <a16:creationId xmlns:a16="http://schemas.microsoft.com/office/drawing/2014/main" xmlns="" id="{62223DD0-7C40-8EC6-56D4-79A746581DD7}"/>
                 </a:ext>
               </a:extLst>
             </p:cNvPr>
@@ -7881,7 +7965,7 @@
               <p:cNvPr id="7" name="íṧ1ïḋe">
                 <a:extLst>
                   <a:ext uri="{FF2B5EF4-FFF2-40B4-BE49-F238E27FC236}">
-                    <a16:creationId xmlns="" xmlns:a16="http://schemas.microsoft.com/office/drawing/2014/main" id="{5256C40E-89C3-F351-16EF-5890495F4936}"/>
+                    <a16:creationId xmlns:a16="http://schemas.microsoft.com/office/drawing/2014/main" xmlns="" id="{5256C40E-89C3-F351-16EF-5890495F4936}"/>
                   </a:ext>
                 </a:extLst>
               </p:cNvPr>
@@ -7989,7 +8073,7 @@
               <p:cNvPr id="8" name="iśḻídé">
                 <a:extLst>
                   <a:ext uri="{FF2B5EF4-FFF2-40B4-BE49-F238E27FC236}">
-                    <a16:creationId xmlns="" xmlns:a16="http://schemas.microsoft.com/office/drawing/2014/main" id="{905B1235-6028-B16D-25F4-2A77EC2C9D69}"/>
+                    <a16:creationId xmlns:a16="http://schemas.microsoft.com/office/drawing/2014/main" xmlns="" id="{905B1235-6028-B16D-25F4-2A77EC2C9D69}"/>
                   </a:ext>
                 </a:extLst>
               </p:cNvPr>
@@ -8085,7 +8169,7 @@
               <p:cNvPr id="9" name="iSlíḓe">
                 <a:extLst>
                   <a:ext uri="{FF2B5EF4-FFF2-40B4-BE49-F238E27FC236}">
-                    <a16:creationId xmlns="" xmlns:a16="http://schemas.microsoft.com/office/drawing/2014/main" id="{3376EA8E-F34B-DB71-3415-1F057E04C432}"/>
+                    <a16:creationId xmlns:a16="http://schemas.microsoft.com/office/drawing/2014/main" xmlns="" id="{3376EA8E-F34B-DB71-3415-1F057E04C432}"/>
                   </a:ext>
                 </a:extLst>
               </p:cNvPr>
@@ -8122,7 +8206,7 @@
               <p:cNvPr id="10" name="îSľîḓé">
                 <a:extLst>
                   <a:ext uri="{FF2B5EF4-FFF2-40B4-BE49-F238E27FC236}">
-                    <a16:creationId xmlns="" xmlns:a16="http://schemas.microsoft.com/office/drawing/2014/main" id="{E4455960-7294-145B-29DA-6C274F2880A8}"/>
+                    <a16:creationId xmlns:a16="http://schemas.microsoft.com/office/drawing/2014/main" xmlns="" id="{E4455960-7294-145B-29DA-6C274F2880A8}"/>
                   </a:ext>
                 </a:extLst>
               </p:cNvPr>
@@ -8242,7 +8326,7 @@
               <p:cNvPr id="11" name="îŝľïḍê">
                 <a:extLst>
                   <a:ext uri="{FF2B5EF4-FFF2-40B4-BE49-F238E27FC236}">
-                    <a16:creationId xmlns="" xmlns:a16="http://schemas.microsoft.com/office/drawing/2014/main" id="{B8F31017-D5B3-C512-02C9-21ABD4953308}"/>
+                    <a16:creationId xmlns:a16="http://schemas.microsoft.com/office/drawing/2014/main" xmlns="" id="{B8F31017-D5B3-C512-02C9-21ABD4953308}"/>
                   </a:ext>
                 </a:extLst>
               </p:cNvPr>
@@ -8324,7 +8408,7 @@
           <p:cNvPr id="27" name="îṣľídé">
             <a:extLst>
               <a:ext uri="{FF2B5EF4-FFF2-40B4-BE49-F238E27FC236}">
-                <a16:creationId xmlns="" xmlns:a16="http://schemas.microsoft.com/office/drawing/2014/main" id="{D52A52CC-8962-A15D-B52A-F3F691402290}"/>
+                <a16:creationId xmlns:a16="http://schemas.microsoft.com/office/drawing/2014/main" xmlns="" id="{D52A52CC-8962-A15D-B52A-F3F691402290}"/>
               </a:ext>
             </a:extLst>
           </p:cNvPr>
@@ -8452,7 +8536,7 @@
           <p:cNvPr id="28" name="iŝ1îďê">
             <a:extLst>
               <a:ext uri="{FF2B5EF4-FFF2-40B4-BE49-F238E27FC236}">
-                <a16:creationId xmlns="" xmlns:a16="http://schemas.microsoft.com/office/drawing/2014/main" id="{72BCF91E-A67C-AE22-C004-5C2F1861DCF3}"/>
+                <a16:creationId xmlns:a16="http://schemas.microsoft.com/office/drawing/2014/main" xmlns="" id="{72BCF91E-A67C-AE22-C004-5C2F1861DCF3}"/>
               </a:ext>
             </a:extLst>
           </p:cNvPr>
@@ -8610,7 +8694,7 @@
           <p:cNvPr id="2" name="标题 1">
             <a:extLst>
               <a:ext uri="{FF2B5EF4-FFF2-40B4-BE49-F238E27FC236}">
-                <a16:creationId xmlns="" xmlns:a16="http://schemas.microsoft.com/office/drawing/2014/main" id="{652EDE83-63CC-4B33-B715-3953EADE2100}"/>
+                <a16:creationId xmlns:a16="http://schemas.microsoft.com/office/drawing/2014/main" xmlns="" id="{652EDE83-63CC-4B33-B715-3953EADE2100}"/>
               </a:ext>
             </a:extLst>
           </p:cNvPr>
@@ -8639,7 +8723,7 @@
           <p:cNvPr id="3" name="页脚占位符 2">
             <a:extLst>
               <a:ext uri="{FF2B5EF4-FFF2-40B4-BE49-F238E27FC236}">
-                <a16:creationId xmlns="" xmlns:a16="http://schemas.microsoft.com/office/drawing/2014/main" id="{FE5F449D-E441-3E44-B684-1CE68D0FEFAA}"/>
+                <a16:creationId xmlns:a16="http://schemas.microsoft.com/office/drawing/2014/main" xmlns="" id="{FE5F449D-E441-3E44-B684-1CE68D0FEFAA}"/>
               </a:ext>
             </a:extLst>
           </p:cNvPr>
@@ -8683,7 +8767,7 @@
           <p:cNvPr id="4" name="日期占位符 3">
             <a:extLst>
               <a:ext uri="{FF2B5EF4-FFF2-40B4-BE49-F238E27FC236}">
-                <a16:creationId xmlns="" xmlns:a16="http://schemas.microsoft.com/office/drawing/2014/main" id="{1DA3991D-E254-A726-0767-E24FAF08533E}"/>
+                <a16:creationId xmlns:a16="http://schemas.microsoft.com/office/drawing/2014/main" xmlns="" id="{1DA3991D-E254-A726-0767-E24FAF08533E}"/>
               </a:ext>
             </a:extLst>
           </p:cNvPr>
@@ -8720,7 +8804,7 @@
           <a:p>
             <a:fld id="{7FBEB200-0EF4-4FA7-80A0-EA7B9DEAFA33}" type="datetime1">
               <a:rPr lang="zh-CN" altLang="en-US" smtClean="0"/>
-              <a:t>2023/4/17</a:t>
+              <a:t>2023/4/24</a:t>
             </a:fld>
             <a:endParaRPr lang="en-US" altLang="zh-CN"/>
           </a:p>
@@ -8731,7 +8815,7 @@
           <p:cNvPr id="5" name="灯片编号占位符 4">
             <a:extLst>
               <a:ext uri="{FF2B5EF4-FFF2-40B4-BE49-F238E27FC236}">
-                <a16:creationId xmlns="" xmlns:a16="http://schemas.microsoft.com/office/drawing/2014/main" id="{7C9DB515-64BA-9BFC-76C7-2E4514D742AE}"/>
+                <a16:creationId xmlns:a16="http://schemas.microsoft.com/office/drawing/2014/main" xmlns="" id="{7C9DB515-64BA-9BFC-76C7-2E4514D742AE}"/>
               </a:ext>
             </a:extLst>
           </p:cNvPr>
@@ -8852,7 +8936,7 @@
           <p:cNvPr id="2" name="组合 1">
             <a:extLst>
               <a:ext uri="{FF2B5EF4-FFF2-40B4-BE49-F238E27FC236}">
-                <a16:creationId xmlns="" xmlns:a16="http://schemas.microsoft.com/office/drawing/2014/main" id="{DC965CDB-AA9E-09E9-6543-AC4EB155DAE9}"/>
+                <a16:creationId xmlns:a16="http://schemas.microsoft.com/office/drawing/2014/main" xmlns="" id="{DC965CDB-AA9E-09E9-6543-AC4EB155DAE9}"/>
               </a:ext>
             </a:extLst>
           </p:cNvPr>
@@ -8872,7 +8956,7 @@
             <p:cNvPr id="3" name="组合 2">
               <a:extLst>
                 <a:ext uri="{FF2B5EF4-FFF2-40B4-BE49-F238E27FC236}">
-                  <a16:creationId xmlns="" xmlns:a16="http://schemas.microsoft.com/office/drawing/2014/main" id="{E9B47411-3B9C-4D89-46F9-224244584C43}"/>
+                  <a16:creationId xmlns:a16="http://schemas.microsoft.com/office/drawing/2014/main" xmlns="" id="{E9B47411-3B9C-4D89-46F9-224244584C43}"/>
                 </a:ext>
               </a:extLst>
             </p:cNvPr>
@@ -8892,7 +8976,7 @@
               <p:cNvPr id="13" name="îŝľídê">
                 <a:extLst>
                   <a:ext uri="{FF2B5EF4-FFF2-40B4-BE49-F238E27FC236}">
-                    <a16:creationId xmlns="" xmlns:a16="http://schemas.microsoft.com/office/drawing/2014/main" id="{2BC344C3-B7D4-DFEC-B263-90E5CB4F781A}"/>
+                    <a16:creationId xmlns:a16="http://schemas.microsoft.com/office/drawing/2014/main" xmlns="" id="{2BC344C3-B7D4-DFEC-B263-90E5CB4F781A}"/>
                   </a:ext>
                 </a:extLst>
               </p:cNvPr>
@@ -8992,7 +9076,7 @@
               <p:cNvPr id="14" name="ï$lïḑê">
                 <a:extLst>
                   <a:ext uri="{FF2B5EF4-FFF2-40B4-BE49-F238E27FC236}">
-                    <a16:creationId xmlns="" xmlns:a16="http://schemas.microsoft.com/office/drawing/2014/main" id="{3150DA2F-697B-7D09-A839-CE3534481250}"/>
+                    <a16:creationId xmlns:a16="http://schemas.microsoft.com/office/drawing/2014/main" xmlns="" id="{3150DA2F-697B-7D09-A839-CE3534481250}"/>
                   </a:ext>
                 </a:extLst>
               </p:cNvPr>
@@ -9072,7 +9156,7 @@
               <p:cNvPr id="15" name="iSḷïḋè">
                 <a:extLst>
                   <a:ext uri="{FF2B5EF4-FFF2-40B4-BE49-F238E27FC236}">
-                    <a16:creationId xmlns="" xmlns:a16="http://schemas.microsoft.com/office/drawing/2014/main" id="{0E72B0EF-C0F0-217A-5888-8A58F0DF5B2A}"/>
+                    <a16:creationId xmlns:a16="http://schemas.microsoft.com/office/drawing/2014/main" xmlns="" id="{0E72B0EF-C0F0-217A-5888-8A58F0DF5B2A}"/>
                   </a:ext>
                 </a:extLst>
               </p:cNvPr>
@@ -9162,7 +9246,7 @@
               <p:cNvPr id="16" name="îṥlïďé">
                 <a:extLst>
                   <a:ext uri="{FF2B5EF4-FFF2-40B4-BE49-F238E27FC236}">
-                    <a16:creationId xmlns="" xmlns:a16="http://schemas.microsoft.com/office/drawing/2014/main" id="{A4BD8FD1-9ABB-648D-2F8C-8505B96E6FEF}"/>
+                    <a16:creationId xmlns:a16="http://schemas.microsoft.com/office/drawing/2014/main" xmlns="" id="{A4BD8FD1-9ABB-648D-2F8C-8505B96E6FEF}"/>
                   </a:ext>
                 </a:extLst>
               </p:cNvPr>
@@ -9199,7 +9283,7 @@
               <p:cNvPr id="17" name="isļíḋe">
                 <a:extLst>
                   <a:ext uri="{FF2B5EF4-FFF2-40B4-BE49-F238E27FC236}">
-                    <a16:creationId xmlns="" xmlns:a16="http://schemas.microsoft.com/office/drawing/2014/main" id="{BC09BA9A-2504-3A20-CC9D-EB6B71B2C4FE}"/>
+                    <a16:creationId xmlns:a16="http://schemas.microsoft.com/office/drawing/2014/main" xmlns="" id="{BC09BA9A-2504-3A20-CC9D-EB6B71B2C4FE}"/>
                   </a:ext>
                 </a:extLst>
               </p:cNvPr>
@@ -9236,7 +9320,7 @@
               <p:cNvPr id="18" name="íŝľîdé">
                 <a:extLst>
                   <a:ext uri="{FF2B5EF4-FFF2-40B4-BE49-F238E27FC236}">
-                    <a16:creationId xmlns="" xmlns:a16="http://schemas.microsoft.com/office/drawing/2014/main" id="{A310AE23-4614-6AB8-1FD6-8F35BE112830}"/>
+                    <a16:creationId xmlns:a16="http://schemas.microsoft.com/office/drawing/2014/main" xmlns="" id="{A310AE23-4614-6AB8-1FD6-8F35BE112830}"/>
                   </a:ext>
                 </a:extLst>
               </p:cNvPr>
@@ -9381,7 +9465,7 @@
               <p:cNvPr id="19" name="işḻïḍe">
                 <a:extLst>
                   <a:ext uri="{FF2B5EF4-FFF2-40B4-BE49-F238E27FC236}">
-                    <a16:creationId xmlns="" xmlns:a16="http://schemas.microsoft.com/office/drawing/2014/main" id="{8EE26B8E-4EE8-9232-E38F-242E00246AC8}"/>
+                    <a16:creationId xmlns:a16="http://schemas.microsoft.com/office/drawing/2014/main" xmlns="" id="{8EE26B8E-4EE8-9232-E38F-242E00246AC8}"/>
                   </a:ext>
                 </a:extLst>
               </p:cNvPr>
@@ -9471,7 +9555,7 @@
               <p:cNvPr id="20" name="组合 19">
                 <a:extLst>
                   <a:ext uri="{FF2B5EF4-FFF2-40B4-BE49-F238E27FC236}">
-                    <a16:creationId xmlns="" xmlns:a16="http://schemas.microsoft.com/office/drawing/2014/main" id="{50014DDC-BA0B-E3A8-6438-B57F368D1184}"/>
+                    <a16:creationId xmlns:a16="http://schemas.microsoft.com/office/drawing/2014/main" xmlns="" id="{50014DDC-BA0B-E3A8-6438-B57F368D1184}"/>
                   </a:ext>
                 </a:extLst>
               </p:cNvPr>
@@ -9491,7 +9575,7 @@
                 <p:cNvPr id="21" name="iṣľídê">
                   <a:extLst>
                     <a:ext uri="{FF2B5EF4-FFF2-40B4-BE49-F238E27FC236}">
-                      <a16:creationId xmlns="" xmlns:a16="http://schemas.microsoft.com/office/drawing/2014/main" id="{96B1E9F6-861C-2D74-736D-BB86A6E14193}"/>
+                      <a16:creationId xmlns:a16="http://schemas.microsoft.com/office/drawing/2014/main" xmlns="" id="{96B1E9F6-861C-2D74-736D-BB86A6E14193}"/>
                     </a:ext>
                   </a:extLst>
                 </p:cNvPr>
@@ -9618,7 +9702,7 @@
                 <p:cNvPr id="22" name="îṧľïḑê">
                   <a:extLst>
                     <a:ext uri="{FF2B5EF4-FFF2-40B4-BE49-F238E27FC236}">
-                      <a16:creationId xmlns="" xmlns:a16="http://schemas.microsoft.com/office/drawing/2014/main" id="{4FBE7095-1646-998C-8338-8C9DA182D928}"/>
+                      <a16:creationId xmlns:a16="http://schemas.microsoft.com/office/drawing/2014/main" xmlns="" id="{4FBE7095-1646-998C-8338-8C9DA182D928}"/>
                     </a:ext>
                   </a:extLst>
                 </p:cNvPr>
@@ -9733,7 +9817,7 @@
                 <p:cNvPr id="23" name="iṧḷîḋe">
                   <a:extLst>
                     <a:ext uri="{FF2B5EF4-FFF2-40B4-BE49-F238E27FC236}">
-                      <a16:creationId xmlns="" xmlns:a16="http://schemas.microsoft.com/office/drawing/2014/main" id="{EE356CDF-49B0-0E65-5160-E5ADC6081D37}"/>
+                      <a16:creationId xmlns:a16="http://schemas.microsoft.com/office/drawing/2014/main" xmlns="" id="{EE356CDF-49B0-0E65-5160-E5ADC6081D37}"/>
                     </a:ext>
                   </a:extLst>
                 </p:cNvPr>
@@ -10143,7 +10227,7 @@
                 <p:cNvPr id="24" name="íṩḻiḍê">
                   <a:extLst>
                     <a:ext uri="{FF2B5EF4-FFF2-40B4-BE49-F238E27FC236}">
-                      <a16:creationId xmlns="" xmlns:a16="http://schemas.microsoft.com/office/drawing/2014/main" id="{C5EB7D9D-ECE1-6FB4-AFB9-F07DBB62ADBA}"/>
+                      <a16:creationId xmlns:a16="http://schemas.microsoft.com/office/drawing/2014/main" xmlns="" id="{C5EB7D9D-ECE1-6FB4-AFB9-F07DBB62ADBA}"/>
                     </a:ext>
                   </a:extLst>
                 </p:cNvPr>
@@ -10226,7 +10310,7 @@
                 <p:cNvPr id="25" name="íṩḻiḓè">
                   <a:extLst>
                     <a:ext uri="{FF2B5EF4-FFF2-40B4-BE49-F238E27FC236}">
-                      <a16:creationId xmlns="" xmlns:a16="http://schemas.microsoft.com/office/drawing/2014/main" id="{8DBE0FFF-BADA-E707-86DC-BF9BEB0CD355}"/>
+                      <a16:creationId xmlns:a16="http://schemas.microsoft.com/office/drawing/2014/main" xmlns="" id="{8DBE0FFF-BADA-E707-86DC-BF9BEB0CD355}"/>
                     </a:ext>
                   </a:extLst>
                 </p:cNvPr>
@@ -10306,7 +10390,7 @@
                 <p:cNvPr id="26" name="íṧliďè">
                   <a:extLst>
                     <a:ext uri="{FF2B5EF4-FFF2-40B4-BE49-F238E27FC236}">
-                      <a16:creationId xmlns="" xmlns:a16="http://schemas.microsoft.com/office/drawing/2014/main" id="{874C2D24-4998-CEDA-040D-D878B9F9A102}"/>
+                      <a16:creationId xmlns:a16="http://schemas.microsoft.com/office/drawing/2014/main" xmlns="" id="{874C2D24-4998-CEDA-040D-D878B9F9A102}"/>
                     </a:ext>
                   </a:extLst>
                 </p:cNvPr>
@@ -10446,7 +10530,7 @@
                 <p:cNvPr id="27" name="íš1ïḑé">
                   <a:extLst>
                     <a:ext uri="{FF2B5EF4-FFF2-40B4-BE49-F238E27FC236}">
-                      <a16:creationId xmlns="" xmlns:a16="http://schemas.microsoft.com/office/drawing/2014/main" id="{B7768695-09CA-152E-5F07-ABAF4F574580}"/>
+                      <a16:creationId xmlns:a16="http://schemas.microsoft.com/office/drawing/2014/main" xmlns="" id="{B7768695-09CA-152E-5F07-ABAF4F574580}"/>
                     </a:ext>
                   </a:extLst>
                 </p:cNvPr>
@@ -10588,7 +10672,7 @@
             <p:cNvPr id="4" name="组合 3">
               <a:extLst>
                 <a:ext uri="{FF2B5EF4-FFF2-40B4-BE49-F238E27FC236}">
-                  <a16:creationId xmlns="" xmlns:a16="http://schemas.microsoft.com/office/drawing/2014/main" id="{02E00922-1735-CB0F-FCB9-9523384C0C2E}"/>
+                  <a16:creationId xmlns:a16="http://schemas.microsoft.com/office/drawing/2014/main" xmlns="" id="{02E00922-1735-CB0F-FCB9-9523384C0C2E}"/>
                 </a:ext>
               </a:extLst>
             </p:cNvPr>
@@ -10608,7 +10692,7 @@
               <p:cNvPr id="5" name="îṣ1îḑè">
                 <a:extLst>
                   <a:ext uri="{FF2B5EF4-FFF2-40B4-BE49-F238E27FC236}">
-                    <a16:creationId xmlns="" xmlns:a16="http://schemas.microsoft.com/office/drawing/2014/main" id="{2A252D04-C6EA-36E4-9EA8-273F582DE290}"/>
+                    <a16:creationId xmlns:a16="http://schemas.microsoft.com/office/drawing/2014/main" xmlns="" id="{2A252D04-C6EA-36E4-9EA8-273F582DE290}"/>
                   </a:ext>
                 </a:extLst>
               </p:cNvPr>
@@ -10716,7 +10800,7 @@
               <p:cNvPr id="6" name="ïṡļïḍê">
                 <a:extLst>
                   <a:ext uri="{FF2B5EF4-FFF2-40B4-BE49-F238E27FC236}">
-                    <a16:creationId xmlns="" xmlns:a16="http://schemas.microsoft.com/office/drawing/2014/main" id="{C8D9A68A-D2C5-1535-DBE4-EF7420E74078}"/>
+                    <a16:creationId xmlns:a16="http://schemas.microsoft.com/office/drawing/2014/main" xmlns="" id="{C8D9A68A-D2C5-1535-DBE4-EF7420E74078}"/>
                   </a:ext>
                 </a:extLst>
               </p:cNvPr>
@@ -10812,7 +10896,7 @@
               <p:cNvPr id="10" name="išlîďé">
                 <a:extLst>
                   <a:ext uri="{FF2B5EF4-FFF2-40B4-BE49-F238E27FC236}">
-                    <a16:creationId xmlns="" xmlns:a16="http://schemas.microsoft.com/office/drawing/2014/main" id="{E6146418-706F-9705-DFD1-9192E742F099}"/>
+                    <a16:creationId xmlns:a16="http://schemas.microsoft.com/office/drawing/2014/main" xmlns="" id="{E6146418-706F-9705-DFD1-9192E742F099}"/>
                   </a:ext>
                 </a:extLst>
               </p:cNvPr>
@@ -10849,7 +10933,7 @@
               <p:cNvPr id="11" name="ïṥ1iḍê">
                 <a:extLst>
                   <a:ext uri="{FF2B5EF4-FFF2-40B4-BE49-F238E27FC236}">
-                    <a16:creationId xmlns="" xmlns:a16="http://schemas.microsoft.com/office/drawing/2014/main" id="{06D0FD64-8ED1-22DE-FA58-6E2991A38E26}"/>
+                    <a16:creationId xmlns:a16="http://schemas.microsoft.com/office/drawing/2014/main" xmlns="" id="{06D0FD64-8ED1-22DE-FA58-6E2991A38E26}"/>
                   </a:ext>
                 </a:extLst>
               </p:cNvPr>
@@ -10969,7 +11053,7 @@
               <p:cNvPr id="12" name="îṧḻíḋè">
                 <a:extLst>
                   <a:ext uri="{FF2B5EF4-FFF2-40B4-BE49-F238E27FC236}">
-                    <a16:creationId xmlns="" xmlns:a16="http://schemas.microsoft.com/office/drawing/2014/main" id="{33C618C6-4891-7FAA-0D18-0D042E8CF2BD}"/>
+                    <a16:creationId xmlns:a16="http://schemas.microsoft.com/office/drawing/2014/main" xmlns="" id="{33C618C6-4891-7FAA-0D18-0D042E8CF2BD}"/>
                   </a:ext>
                 </a:extLst>
               </p:cNvPr>
@@ -11051,7 +11135,7 @@
           <p:cNvPr id="7" name="文本占位符 6">
             <a:extLst>
               <a:ext uri="{FF2B5EF4-FFF2-40B4-BE49-F238E27FC236}">
-                <a16:creationId xmlns="" xmlns:a16="http://schemas.microsoft.com/office/drawing/2014/main" id="{C2320649-ACD7-42E9-A261-E6ED46ACB452}"/>
+                <a16:creationId xmlns:a16="http://schemas.microsoft.com/office/drawing/2014/main" xmlns="" id="{C2320649-ACD7-42E9-A261-E6ED46ACB452}"/>
               </a:ext>
             </a:extLst>
           </p:cNvPr>
@@ -11113,7 +11197,7 @@
           <p:cNvPr id="8" name="文本占位符 7">
             <a:extLst>
               <a:ext uri="{FF2B5EF4-FFF2-40B4-BE49-F238E27FC236}">
-                <a16:creationId xmlns="" xmlns:a16="http://schemas.microsoft.com/office/drawing/2014/main" id="{DC428848-58C6-4501-8214-B803889F273E}"/>
+                <a16:creationId xmlns:a16="http://schemas.microsoft.com/office/drawing/2014/main" xmlns="" id="{DC428848-58C6-4501-8214-B803889F273E}"/>
               </a:ext>
             </a:extLst>
           </p:cNvPr>
@@ -11165,7 +11249,7 @@
           <p:cNvPr id="9" name="文本占位符 8">
             <a:extLst>
               <a:ext uri="{FF2B5EF4-FFF2-40B4-BE49-F238E27FC236}">
-                <a16:creationId xmlns="" xmlns:a16="http://schemas.microsoft.com/office/drawing/2014/main" id="{A01EED25-4D2A-435D-A5F9-01DCC2F07486}"/>
+                <a16:creationId xmlns:a16="http://schemas.microsoft.com/office/drawing/2014/main" xmlns="" id="{A01EED25-4D2A-435D-A5F9-01DCC2F07486}"/>
               </a:ext>
             </a:extLst>
           </p:cNvPr>
@@ -11218,7 +11302,7 @@
           <p:cNvPr id="28" name="ïṣḷíḍê">
             <a:extLst>
               <a:ext uri="{FF2B5EF4-FFF2-40B4-BE49-F238E27FC236}">
-                <a16:creationId xmlns="" xmlns:a16="http://schemas.microsoft.com/office/drawing/2014/main" id="{B0EC168C-2D07-3BD8-4053-9CD8A0FF27BD}"/>
+                <a16:creationId xmlns:a16="http://schemas.microsoft.com/office/drawing/2014/main" xmlns="" id="{B0EC168C-2D07-3BD8-4053-9CD8A0FF27BD}"/>
               </a:ext>
             </a:extLst>
           </p:cNvPr>
@@ -11346,7 +11430,7 @@
           <p:cNvPr id="29" name="îšḻîdè">
             <a:extLst>
               <a:ext uri="{FF2B5EF4-FFF2-40B4-BE49-F238E27FC236}">
-                <a16:creationId xmlns="" xmlns:a16="http://schemas.microsoft.com/office/drawing/2014/main" id="{29C37B12-F620-9EA1-8F28-DA1924C66FF6}"/>
+                <a16:creationId xmlns:a16="http://schemas.microsoft.com/office/drawing/2014/main" xmlns="" id="{29C37B12-F620-9EA1-8F28-DA1924C66FF6}"/>
               </a:ext>
             </a:extLst>
           </p:cNvPr>
@@ -11516,7 +11600,7 @@
           <p:cNvPr id="19" name="组合 18">
             <a:extLst>
               <a:ext uri="{FF2B5EF4-FFF2-40B4-BE49-F238E27FC236}">
-                <a16:creationId xmlns="" xmlns:a16="http://schemas.microsoft.com/office/drawing/2014/main" id="{65459514-128D-FF50-576A-9D6BAE41CC2D}"/>
+                <a16:creationId xmlns:a16="http://schemas.microsoft.com/office/drawing/2014/main" xmlns="" id="{65459514-128D-FF50-576A-9D6BAE41CC2D}"/>
               </a:ext>
             </a:extLst>
           </p:cNvPr>
@@ -11538,7 +11622,7 @@
             <p:cNvPr id="17" name="ï$ľîḑè">
               <a:extLst>
                 <a:ext uri="{FF2B5EF4-FFF2-40B4-BE49-F238E27FC236}">
-                  <a16:creationId xmlns="" xmlns:a16="http://schemas.microsoft.com/office/drawing/2014/main" id="{0E862B1A-D6A9-F1F0-DE44-EA7978337AFE}"/>
+                  <a16:creationId xmlns:a16="http://schemas.microsoft.com/office/drawing/2014/main" xmlns="" id="{0E862B1A-D6A9-F1F0-DE44-EA7978337AFE}"/>
                 </a:ext>
               </a:extLst>
             </p:cNvPr>
@@ -11577,7 +11661,7 @@
             <p:cNvPr id="18" name="îṥlîḑè">
               <a:extLst>
                 <a:ext uri="{FF2B5EF4-FFF2-40B4-BE49-F238E27FC236}">
-                  <a16:creationId xmlns="" xmlns:a16="http://schemas.microsoft.com/office/drawing/2014/main" id="{3A753439-39DC-55D0-EC08-316EA8E5CAFB}"/>
+                  <a16:creationId xmlns:a16="http://schemas.microsoft.com/office/drawing/2014/main" xmlns="" id="{3A753439-39DC-55D0-EC08-316EA8E5CAFB}"/>
                 </a:ext>
               </a:extLst>
             </p:cNvPr>
@@ -11670,7 +11754,7 @@
           <p:cNvPr id="2" name="标题占位符 1">
             <a:extLst>
               <a:ext uri="{FF2B5EF4-FFF2-40B4-BE49-F238E27FC236}">
-                <a16:creationId xmlns="" xmlns:a16="http://schemas.microsoft.com/office/drawing/2014/main" id="{89307103-D92B-4D3C-B386-9FD58793CACA}"/>
+                <a16:creationId xmlns:a16="http://schemas.microsoft.com/office/drawing/2014/main" xmlns="" id="{89307103-D92B-4D3C-B386-9FD58793CACA}"/>
               </a:ext>
             </a:extLst>
           </p:cNvPr>
@@ -11710,7 +11794,7 @@
           <p:cNvPr id="3" name="文本占位符 2">
             <a:extLst>
               <a:ext uri="{FF2B5EF4-FFF2-40B4-BE49-F238E27FC236}">
-                <a16:creationId xmlns="" xmlns:a16="http://schemas.microsoft.com/office/drawing/2014/main" id="{0F8920D0-E0E5-40BB-AEDA-3D7A0909240E}"/>
+                <a16:creationId xmlns:a16="http://schemas.microsoft.com/office/drawing/2014/main" xmlns="" id="{0F8920D0-E0E5-40BB-AEDA-3D7A0909240E}"/>
               </a:ext>
             </a:extLst>
           </p:cNvPr>
@@ -11778,7 +11862,7 @@
           <p:cNvPr id="5" name="页脚占位符 4">
             <a:extLst>
               <a:ext uri="{FF2B5EF4-FFF2-40B4-BE49-F238E27FC236}">
-                <a16:creationId xmlns="" xmlns:a16="http://schemas.microsoft.com/office/drawing/2014/main" id="{10B16C00-AE39-4635-9F10-B7233D2AC2F8}"/>
+                <a16:creationId xmlns:a16="http://schemas.microsoft.com/office/drawing/2014/main" xmlns="" id="{10B16C00-AE39-4635-9F10-B7233D2AC2F8}"/>
               </a:ext>
             </a:extLst>
           </p:cNvPr>
@@ -11822,7 +11906,7 @@
           <p:cNvPr id="4" name="日期占位符 3">
             <a:extLst>
               <a:ext uri="{FF2B5EF4-FFF2-40B4-BE49-F238E27FC236}">
-                <a16:creationId xmlns="" xmlns:a16="http://schemas.microsoft.com/office/drawing/2014/main" id="{0C12D871-753D-4991-B44B-EFAE9F8682B5}"/>
+                <a16:creationId xmlns:a16="http://schemas.microsoft.com/office/drawing/2014/main" xmlns="" id="{0C12D871-753D-4991-B44B-EFAE9F8682B5}"/>
               </a:ext>
             </a:extLst>
           </p:cNvPr>
@@ -11859,7 +11943,7 @@
           <a:p>
             <a:fld id="{A9F225B6-BD3F-45F9-A981-AB3B036D5350}" type="datetime1">
               <a:rPr lang="zh-CN" altLang="en-US" smtClean="0"/>
-              <a:t>2023/4/17</a:t>
+              <a:t>2023/4/24</a:t>
             </a:fld>
             <a:endParaRPr lang="en-US" altLang="zh-CN"/>
           </a:p>
@@ -11870,7 +11954,7 @@
           <p:cNvPr id="6" name="灯片编号占位符 5">
             <a:extLst>
               <a:ext uri="{FF2B5EF4-FFF2-40B4-BE49-F238E27FC236}">
-                <a16:creationId xmlns="" xmlns:a16="http://schemas.microsoft.com/office/drawing/2014/main" id="{6D23E9ED-4E00-42D1-BFBF-5EBD27D29806}"/>
+                <a16:creationId xmlns:a16="http://schemas.microsoft.com/office/drawing/2014/main" xmlns="" id="{6D23E9ED-4E00-42D1-BFBF-5EBD27D29806}"/>
               </a:ext>
             </a:extLst>
           </p:cNvPr>
@@ -11919,7 +12003,7 @@
           <p:cNvPr id="20" name="组合 19">
             <a:extLst>
               <a:ext uri="{FF2B5EF4-FFF2-40B4-BE49-F238E27FC236}">
-                <a16:creationId xmlns="" xmlns:a16="http://schemas.microsoft.com/office/drawing/2014/main" id="{506C399C-A235-2368-53A5-263656A044A8}"/>
+                <a16:creationId xmlns:a16="http://schemas.microsoft.com/office/drawing/2014/main" xmlns="" id="{506C399C-A235-2368-53A5-263656A044A8}"/>
               </a:ext>
             </a:extLst>
           </p:cNvPr>
@@ -11939,7 +12023,7 @@
             <p:cNvPr id="21" name="iṣḷïḓé">
               <a:extLst>
                 <a:ext uri="{FF2B5EF4-FFF2-40B4-BE49-F238E27FC236}">
-                  <a16:creationId xmlns="" xmlns:a16="http://schemas.microsoft.com/office/drawing/2014/main" id="{B01BEE72-C7D1-BBAC-61F0-1414A5728224}"/>
+                  <a16:creationId xmlns:a16="http://schemas.microsoft.com/office/drawing/2014/main" xmlns="" id="{B01BEE72-C7D1-BBAC-61F0-1414A5728224}"/>
                 </a:ext>
               </a:extLst>
             </p:cNvPr>
@@ -12047,7 +12131,7 @@
             <p:cNvPr id="22" name="ïṧḻïḍé">
               <a:extLst>
                 <a:ext uri="{FF2B5EF4-FFF2-40B4-BE49-F238E27FC236}">
-                  <a16:creationId xmlns="" xmlns:a16="http://schemas.microsoft.com/office/drawing/2014/main" id="{61654483-C666-8DD1-9A92-31F6449C17DD}"/>
+                  <a16:creationId xmlns:a16="http://schemas.microsoft.com/office/drawing/2014/main" xmlns="" id="{61654483-C666-8DD1-9A92-31F6449C17DD}"/>
                 </a:ext>
               </a:extLst>
             </p:cNvPr>
@@ -12143,7 +12227,7 @@
             <p:cNvPr id="23" name="ísḷiḋè">
               <a:extLst>
                 <a:ext uri="{FF2B5EF4-FFF2-40B4-BE49-F238E27FC236}">
-                  <a16:creationId xmlns="" xmlns:a16="http://schemas.microsoft.com/office/drawing/2014/main" id="{EE28AD1E-35EB-7912-9AFC-EB376C4CCF92}"/>
+                  <a16:creationId xmlns:a16="http://schemas.microsoft.com/office/drawing/2014/main" xmlns="" id="{EE28AD1E-35EB-7912-9AFC-EB376C4CCF92}"/>
                 </a:ext>
               </a:extLst>
             </p:cNvPr>
@@ -12180,7 +12264,7 @@
             <p:cNvPr id="24" name="îš1iďè">
               <a:extLst>
                 <a:ext uri="{FF2B5EF4-FFF2-40B4-BE49-F238E27FC236}">
-                  <a16:creationId xmlns="" xmlns:a16="http://schemas.microsoft.com/office/drawing/2014/main" id="{9248126E-0B4B-4A6D-789D-C8B9B4BE101D}"/>
+                  <a16:creationId xmlns:a16="http://schemas.microsoft.com/office/drawing/2014/main" xmlns="" id="{9248126E-0B4B-4A6D-789D-C8B9B4BE101D}"/>
                 </a:ext>
               </a:extLst>
             </p:cNvPr>
@@ -12300,7 +12384,7 @@
             <p:cNvPr id="25" name="îṣliḍè">
               <a:extLst>
                 <a:ext uri="{FF2B5EF4-FFF2-40B4-BE49-F238E27FC236}">
-                  <a16:creationId xmlns="" xmlns:a16="http://schemas.microsoft.com/office/drawing/2014/main" id="{2B989397-68D5-4C10-1326-5142E80DA1E2}"/>
+                  <a16:creationId xmlns:a16="http://schemas.microsoft.com/office/drawing/2014/main" xmlns="" id="{2B989397-68D5-4C10-1326-5142E80DA1E2}"/>
                 </a:ext>
               </a:extLst>
             </p:cNvPr>
@@ -12735,7 +12819,7 @@
           <p:cNvPr id="5" name="iṧļíďê">
             <a:extLst>
               <a:ext uri="{FF2B5EF4-FFF2-40B4-BE49-F238E27FC236}">
-                <a16:creationId xmlns="" xmlns:a16="http://schemas.microsoft.com/office/drawing/2014/main" id="{8CE23D49-F448-4BBF-A47A-77B2478718E0}"/>
+                <a16:creationId xmlns:a16="http://schemas.microsoft.com/office/drawing/2014/main" xmlns="" id="{8CE23D49-F448-4BBF-A47A-77B2478718E0}"/>
               </a:ext>
             </a:extLst>
           </p:cNvPr>
@@ -12848,90 +12932,10 @@
       </p:sp>
       <p:sp>
         <p:nvSpPr>
-          <p:cNvPr id="6" name="îśḻiḋé">
-            <a:extLst>
-              <a:ext uri="{FF2B5EF4-FFF2-40B4-BE49-F238E27FC236}">
-                <a16:creationId xmlns="" xmlns:a16="http://schemas.microsoft.com/office/drawing/2014/main" id="{DCDA415B-D2CA-4B5D-946C-BED37DC879BE}"/>
-              </a:ext>
-            </a:extLst>
-          </p:cNvPr>
-          <p:cNvSpPr>
-            <a:spLocks noGrp="1"/>
-          </p:cNvSpPr>
-          <p:nvPr>
-            <p:ph type="subTitle" idx="1"/>
-          </p:nvPr>
-        </p:nvSpPr>
-        <p:spPr>
-          <a:xfrm>
-            <a:off x="5109550" y="4072505"/>
-            <a:ext cx="4138082" cy="415788"/>
-          </a:xfrm>
-        </p:spPr>
-        <p:txBody>
-          <a:bodyPr>
-            <a:normAutofit fontScale="92500"/>
-          </a:bodyPr>
-          <a:lstStyle/>
-          <a:p>
-            <a:pPr algn="l"/>
-            <a:r>
-              <a:rPr lang="en-US" altLang="zh-CN" smtClean="0">
-                <a:solidFill>
-                  <a:srgbClr val="231F20"/>
-                </a:solidFill>
-                <a:effectLst/>
-              </a:rPr>
-              <a:t>Annals </a:t>
-            </a:r>
-            <a:r>
-              <a:rPr lang="en-US" altLang="zh-CN" dirty="0">
-                <a:solidFill>
-                  <a:srgbClr val="231F20"/>
-                </a:solidFill>
-                <a:effectLst/>
-              </a:rPr>
-              <a:t>of </a:t>
-            </a:r>
-            <a:r>
-              <a:rPr lang="en-US" altLang="zh-CN">
-                <a:solidFill>
-                  <a:srgbClr val="231F20"/>
-                </a:solidFill>
-                <a:effectLst/>
-              </a:rPr>
-              <a:t>Tourism </a:t>
-            </a:r>
-            <a:r>
-              <a:rPr lang="en-US" altLang="zh-CN" smtClean="0">
-                <a:solidFill>
-                  <a:srgbClr val="231F20"/>
-                </a:solidFill>
-                <a:effectLst/>
-              </a:rPr>
-              <a:t>Research</a:t>
-            </a:r>
-            <a:r>
-              <a:rPr lang="en-US" altLang="zh-CN">
-                <a:solidFill>
-                  <a:srgbClr val="231F20"/>
-                </a:solidFill>
-              </a:rPr>
-              <a:t>(2021, Volume 91)</a:t>
-            </a:r>
-            <a:endParaRPr lang="en-GB" sz="1400" dirty="0">
-              <a:cs typeface="+mn-ea"/>
-              <a:sym typeface="+mn-lt"/>
-            </a:endParaRPr>
-          </a:p>
-        </p:txBody>
-      </p:sp>
-      <p:sp>
-        <p:nvSpPr>
           <p:cNvPr id="7" name="íśľïḋé">
             <a:extLst>
               <a:ext uri="{FF2B5EF4-FFF2-40B4-BE49-F238E27FC236}">
-                <a16:creationId xmlns="" xmlns:a16="http://schemas.microsoft.com/office/drawing/2014/main" id="{2B0AB185-4AC2-48CD-88D7-90E0E8842ACB}"/>
+                <a16:creationId xmlns:a16="http://schemas.microsoft.com/office/drawing/2014/main" xmlns="" id="{2B0AB185-4AC2-48CD-88D7-90E0E8842ACB}"/>
               </a:ext>
             </a:extLst>
           </p:cNvPr>
@@ -12971,7 +12975,7 @@
           <p:cNvPr id="8" name="íSḻîďê">
             <a:extLst>
               <a:ext uri="{FF2B5EF4-FFF2-40B4-BE49-F238E27FC236}">
-                <a16:creationId xmlns="" xmlns:a16="http://schemas.microsoft.com/office/drawing/2014/main" id="{94053447-3F3F-4FA0-A3BF-A65449901A9B}"/>
+                <a16:creationId xmlns:a16="http://schemas.microsoft.com/office/drawing/2014/main" xmlns="" id="{94053447-3F3F-4FA0-A3BF-A65449901A9B}"/>
               </a:ext>
             </a:extLst>
           </p:cNvPr>
@@ -13011,7 +13015,7 @@
           <p:cNvPr id="1030" name="Picture 6" descr="undefined">
             <a:extLst>
               <a:ext uri="{FF2B5EF4-FFF2-40B4-BE49-F238E27FC236}">
-                <a16:creationId xmlns="" xmlns:a16="http://schemas.microsoft.com/office/drawing/2014/main" id="{6B7CCF50-0D5F-EA74-6E6D-447AEFBB8E72}"/>
+                <a16:creationId xmlns:a16="http://schemas.microsoft.com/office/drawing/2014/main" xmlns="" id="{6B7CCF50-0D5F-EA74-6E6D-447AEFBB8E72}"/>
               </a:ext>
             </a:extLst>
           </p:cNvPr>
@@ -13058,7 +13062,7 @@
           <p:cNvPr id="10" name="îśḻiḋé">
             <a:extLst>
               <a:ext uri="{FF2B5EF4-FFF2-40B4-BE49-F238E27FC236}">
-                <a16:creationId xmlns="" xmlns:a16="http://schemas.microsoft.com/office/drawing/2014/main" id="{DCDA415B-D2CA-4B5D-946C-BED37DC879BE}"/>
+                <a16:creationId xmlns:a16="http://schemas.microsoft.com/office/drawing/2014/main" xmlns="" id="{DCDA415B-D2CA-4B5D-946C-BED37DC879BE}"/>
               </a:ext>
             </a:extLst>
           </p:cNvPr>
@@ -13069,8 +13073,8 @@
         </p:nvSpPr>
         <p:spPr>
           <a:xfrm>
-            <a:off x="5109550" y="4438786"/>
-            <a:ext cx="3764574" cy="415788"/>
+            <a:off x="5099389" y="4057786"/>
+            <a:ext cx="5461655" cy="415788"/>
           </a:xfrm>
           <a:prstGeom prst="rect">
             <a:avLst/>
@@ -13251,12 +13255,40 @@
               </a:spcBef>
             </a:pPr>
             <a:r>
+              <a:rPr lang="en-US" altLang="zh-CN" sz="1200">
+                <a:solidFill>
+                  <a:srgbClr val="231F20"/>
+                </a:solidFill>
+              </a:rPr>
+              <a:t>Annals of Tourism Research(2021, Volume 91</a:t>
+            </a:r>
+            <a:r>
+              <a:rPr lang="en-US" altLang="zh-CN" sz="1200" smtClean="0">
+                <a:solidFill>
+                  <a:srgbClr val="231F20"/>
+                </a:solidFill>
+              </a:rPr>
+              <a:t>)</a:t>
+            </a:r>
+            <a:endParaRPr lang="en-US" altLang="zh-CN" sz="1200" smtClean="0"/>
+          </a:p>
+          <a:p>
+            <a:pPr algn="l">
+              <a:spcBef>
+                <a:spcPts val="600"/>
+              </a:spcBef>
+            </a:pPr>
+            <a:r>
+              <a:rPr lang="en-US" altLang="zh-CN" sz="1200" smtClean="0"/>
+              <a:t>Barbara</a:t>
+            </a:r>
+            <a:r>
               <a:rPr lang="en-US" altLang="zh-CN" sz="1200"/>
-              <a:t>Barbara </a:t>
+              <a:t> </a:t>
             </a:r>
             <a:r>
               <a:rPr lang="en-US" altLang="zh-CN" sz="1200" smtClean="0"/>
-              <a:t>Neuhofer</a:t>
+              <a:t>Neuhofer et al</a:t>
             </a:r>
             <a:endParaRPr lang="en-US" altLang="zh-CN" sz="1200"/>
           </a:p>
@@ -13267,24 +13299,20 @@
               </a:spcBef>
             </a:pPr>
             <a:r>
+              <a:rPr lang="zh-CN" altLang="en-US" sz="1200"/>
+              <a:t>萨尔茨堡应用科学</a:t>
+            </a:r>
+            <a:r>
+              <a:rPr lang="zh-CN" altLang="en-US" sz="1200" smtClean="0"/>
+              <a:t>大学</a:t>
+            </a:r>
+            <a:r>
+              <a:rPr lang="en-US" altLang="zh-CN" sz="1200"/>
+              <a:t> (Salzburg University of Applied </a:t>
+            </a:r>
+            <a:r>
               <a:rPr lang="en-US" altLang="zh-CN" sz="1200" smtClean="0"/>
-              <a:t>Salzburg </a:t>
-            </a:r>
-            <a:r>
-              <a:rPr lang="en-US" altLang="zh-CN" sz="1200"/>
-              <a:t>University of Applied </a:t>
-            </a:r>
-            <a:r>
-              <a:rPr lang="en-US" altLang="zh-CN" sz="1200" smtClean="0"/>
-              <a:t>Sciences(</a:t>
-            </a:r>
-            <a:r>
-              <a:rPr lang="en-US" altLang="zh-CN" sz="1200"/>
-              <a:t>Austria</a:t>
-            </a:r>
-            <a:r>
-              <a:rPr lang="en-US" altLang="zh-CN" sz="1200" smtClean="0"/>
-              <a:t>)</a:t>
+              <a:t>Sciences, Austria)</a:t>
             </a:r>
             <a:endParaRPr lang="en-US" sz="1200" dirty="0">
               <a:cs typeface="+mn-ea"/>
@@ -13338,7 +13366,7 @@
           <p:cNvPr id="4" name="îSļíďé">
             <a:extLst>
               <a:ext uri="{FF2B5EF4-FFF2-40B4-BE49-F238E27FC236}">
-                <a16:creationId xmlns="" xmlns:a16="http://schemas.microsoft.com/office/drawing/2014/main" id="{3E7816B9-4368-481C-AF7D-011CB1B5D3BB}"/>
+                <a16:creationId xmlns:a16="http://schemas.microsoft.com/office/drawing/2014/main" xmlns="" id="{3E7816B9-4368-481C-AF7D-011CB1B5D3BB}"/>
               </a:ext>
             </a:extLst>
           </p:cNvPr>
@@ -13378,7 +13406,7 @@
           <p:cNvPr id="6" name="íš1íďe">
             <a:extLst>
               <a:ext uri="{FF2B5EF4-FFF2-40B4-BE49-F238E27FC236}">
-                <a16:creationId xmlns="" xmlns:a16="http://schemas.microsoft.com/office/drawing/2014/main" id="{1FFCCE90-16F5-0303-15F0-CC1BF812DD35}"/>
+                <a16:creationId xmlns:a16="http://schemas.microsoft.com/office/drawing/2014/main" xmlns="" id="{1FFCCE90-16F5-0303-15F0-CC1BF812DD35}"/>
               </a:ext>
             </a:extLst>
           </p:cNvPr>
@@ -13423,7 +13451,7 @@
           <p:cNvPr id="7" name="iṩľîḍe">
             <a:extLst>
               <a:ext uri="{FF2B5EF4-FFF2-40B4-BE49-F238E27FC236}">
-                <a16:creationId xmlns="" xmlns:a16="http://schemas.microsoft.com/office/drawing/2014/main" id="{0E44FB1F-DB9A-86CB-C5F5-F71F31E4F62B}"/>
+                <a16:creationId xmlns:a16="http://schemas.microsoft.com/office/drawing/2014/main" xmlns="" id="{0E44FB1F-DB9A-86CB-C5F5-F71F31E4F62B}"/>
               </a:ext>
             </a:extLst>
           </p:cNvPr>
@@ -13528,7 +13556,7 @@
           <p:cNvPr id="56" name="iṡ1íďê">
             <a:extLst>
               <a:ext uri="{FF2B5EF4-FFF2-40B4-BE49-F238E27FC236}">
-                <a16:creationId xmlns="" xmlns:a16="http://schemas.microsoft.com/office/drawing/2014/main" id="{067962CB-5CA2-D1BB-2EE3-7CD79E9D52CC}"/>
+                <a16:creationId xmlns:a16="http://schemas.microsoft.com/office/drawing/2014/main" xmlns="" id="{067962CB-5CA2-D1BB-2EE3-7CD79E9D52CC}"/>
               </a:ext>
             </a:extLst>
           </p:cNvPr>
@@ -13548,7 +13576,7 @@
             <p:cNvPr id="34" name="iš1ïḍé">
               <a:extLst>
                 <a:ext uri="{FF2B5EF4-FFF2-40B4-BE49-F238E27FC236}">
-                  <a16:creationId xmlns="" xmlns:a16="http://schemas.microsoft.com/office/drawing/2014/main" id="{AC7AFC13-41B7-FD32-1A69-F3E6106B121E}"/>
+                  <a16:creationId xmlns:a16="http://schemas.microsoft.com/office/drawing/2014/main" xmlns="" id="{AC7AFC13-41B7-FD32-1A69-F3E6106B121E}"/>
                 </a:ext>
               </a:extLst>
             </p:cNvPr>
@@ -13568,7 +13596,7 @@
               <p:cNvPr id="54" name="îṥḻïḓè">
                 <a:extLst>
                   <a:ext uri="{FF2B5EF4-FFF2-40B4-BE49-F238E27FC236}">
-                    <a16:creationId xmlns="" xmlns:a16="http://schemas.microsoft.com/office/drawing/2014/main" id="{7B4FA2D9-736B-F588-2407-2334BB08DD30}"/>
+                    <a16:creationId xmlns:a16="http://schemas.microsoft.com/office/drawing/2014/main" xmlns="" id="{7B4FA2D9-736B-F588-2407-2334BB08DD30}"/>
                   </a:ext>
                 </a:extLst>
               </p:cNvPr>
@@ -13625,7 +13653,7 @@
               <p:cNvPr id="55" name="îṡlïḑe">
                 <a:extLst>
                   <a:ext uri="{FF2B5EF4-FFF2-40B4-BE49-F238E27FC236}">
-                    <a16:creationId xmlns="" xmlns:a16="http://schemas.microsoft.com/office/drawing/2014/main" id="{0766C71F-98DD-7977-550B-02FC5A1B259F}"/>
+                    <a16:creationId xmlns:a16="http://schemas.microsoft.com/office/drawing/2014/main" xmlns="" id="{0766C71F-98DD-7977-550B-02FC5A1B259F}"/>
                   </a:ext>
                 </a:extLst>
               </p:cNvPr>
@@ -13695,7 +13723,7 @@
             <p:cNvPr id="35" name="îṩḻíḋè">
               <a:extLst>
                 <a:ext uri="{FF2B5EF4-FFF2-40B4-BE49-F238E27FC236}">
-                  <a16:creationId xmlns="" xmlns:a16="http://schemas.microsoft.com/office/drawing/2014/main" id="{00A91AAC-144D-9617-78B3-48B8AE0E23D3}"/>
+                  <a16:creationId xmlns:a16="http://schemas.microsoft.com/office/drawing/2014/main" xmlns="" id="{00A91AAC-144D-9617-78B3-48B8AE0E23D3}"/>
                 </a:ext>
               </a:extLst>
             </p:cNvPr>
@@ -13715,7 +13743,7 @@
               <p:cNvPr id="36" name="ïsľïḋè">
                 <a:extLst>
                   <a:ext uri="{FF2B5EF4-FFF2-40B4-BE49-F238E27FC236}">
-                    <a16:creationId xmlns="" xmlns:a16="http://schemas.microsoft.com/office/drawing/2014/main" id="{27195CF6-D5F2-F5DC-7C55-C62BD567C441}"/>
+                    <a16:creationId xmlns:a16="http://schemas.microsoft.com/office/drawing/2014/main" xmlns="" id="{27195CF6-D5F2-F5DC-7C55-C62BD567C441}"/>
                   </a:ext>
                 </a:extLst>
               </p:cNvPr>
@@ -13761,7 +13789,7 @@
               <p:cNvPr id="37" name="í$ļíḍê">
                 <a:extLst>
                   <a:ext uri="{FF2B5EF4-FFF2-40B4-BE49-F238E27FC236}">
-                    <a16:creationId xmlns="" xmlns:a16="http://schemas.microsoft.com/office/drawing/2014/main" id="{67539E6D-2F08-CB63-2BF5-295ABF1CB561}"/>
+                    <a16:creationId xmlns:a16="http://schemas.microsoft.com/office/drawing/2014/main" xmlns="" id="{67539E6D-2F08-CB63-2BF5-295ABF1CB561}"/>
                   </a:ext>
                 </a:extLst>
               </p:cNvPr>
@@ -13781,7 +13809,7 @@
                 <p:cNvPr id="39" name="iŝḻïḓé">
                   <a:extLst>
                     <a:ext uri="{FF2B5EF4-FFF2-40B4-BE49-F238E27FC236}">
-                      <a16:creationId xmlns="" xmlns:a16="http://schemas.microsoft.com/office/drawing/2014/main" id="{EF37FFE4-A68E-CD29-28E7-32EF0AC0F801}"/>
+                      <a16:creationId xmlns:a16="http://schemas.microsoft.com/office/drawing/2014/main" xmlns="" id="{EF37FFE4-A68E-CD29-28E7-32EF0AC0F801}"/>
                     </a:ext>
                   </a:extLst>
                 </p:cNvPr>
@@ -13801,7 +13829,7 @@
                   <p:cNvPr id="50" name="îsḻidé">
                     <a:extLst>
                       <a:ext uri="{FF2B5EF4-FFF2-40B4-BE49-F238E27FC236}">
-                        <a16:creationId xmlns="" xmlns:a16="http://schemas.microsoft.com/office/drawing/2014/main" id="{4732832D-DB78-88D3-8B46-4AD3BAD4CB07}"/>
+                        <a16:creationId xmlns:a16="http://schemas.microsoft.com/office/drawing/2014/main" xmlns="" id="{4732832D-DB78-88D3-8B46-4AD3BAD4CB07}"/>
                       </a:ext>
                     </a:extLst>
                   </p:cNvPr>
@@ -13821,7 +13849,7 @@
                     <p:cNvPr id="52" name="ïśḷïḓè">
                       <a:extLst>
                         <a:ext uri="{FF2B5EF4-FFF2-40B4-BE49-F238E27FC236}">
-                          <a16:creationId xmlns="" xmlns:a16="http://schemas.microsoft.com/office/drawing/2014/main" id="{303B8D2E-0EE0-9806-2D6E-00EE54B0F17B}"/>
+                          <a16:creationId xmlns:a16="http://schemas.microsoft.com/office/drawing/2014/main" xmlns="" id="{303B8D2E-0EE0-9806-2D6E-00EE54B0F17B}"/>
                         </a:ext>
                       </a:extLst>
                     </p:cNvPr>
@@ -14071,7 +14099,7 @@
                     <p:cNvPr id="53" name="ïŝḷïḋè">
                       <a:extLst>
                         <a:ext uri="{FF2B5EF4-FFF2-40B4-BE49-F238E27FC236}">
-                          <a16:creationId xmlns="" xmlns:a16="http://schemas.microsoft.com/office/drawing/2014/main" id="{99D0B5A7-E621-4D8F-38AE-A63601378BF9}"/>
+                          <a16:creationId xmlns:a16="http://schemas.microsoft.com/office/drawing/2014/main" xmlns="" id="{99D0B5A7-E621-4D8F-38AE-A63601378BF9}"/>
                         </a:ext>
                       </a:extLst>
                     </p:cNvPr>
@@ -14115,7 +14143,7 @@
                   <p:cNvPr id="51" name="iṣľíḑé">
                     <a:extLst>
                       <a:ext uri="{FF2B5EF4-FFF2-40B4-BE49-F238E27FC236}">
-                        <a16:creationId xmlns="" xmlns:a16="http://schemas.microsoft.com/office/drawing/2014/main" id="{92A3B3F2-B4C5-3729-A799-F9E355A9F1C0}"/>
+                        <a16:creationId xmlns:a16="http://schemas.microsoft.com/office/drawing/2014/main" xmlns="" id="{92A3B3F2-B4C5-3729-A799-F9E355A9F1C0}"/>
                       </a:ext>
                     </a:extLst>
                   </p:cNvPr>
@@ -14184,7 +14212,7 @@
                 <p:cNvPr id="40" name="îśḻíďê">
                   <a:extLst>
                     <a:ext uri="{FF2B5EF4-FFF2-40B4-BE49-F238E27FC236}">
-                      <a16:creationId xmlns="" xmlns:a16="http://schemas.microsoft.com/office/drawing/2014/main" id="{8094C280-A5CA-6C91-1A42-4B5771D59C12}"/>
+                      <a16:creationId xmlns:a16="http://schemas.microsoft.com/office/drawing/2014/main" xmlns="" id="{8094C280-A5CA-6C91-1A42-4B5771D59C12}"/>
                     </a:ext>
                   </a:extLst>
                 </p:cNvPr>
@@ -14204,7 +14232,7 @@
                   <p:cNvPr id="46" name="iŝḷíḓe">
                     <a:extLst>
                       <a:ext uri="{FF2B5EF4-FFF2-40B4-BE49-F238E27FC236}">
-                        <a16:creationId xmlns="" xmlns:a16="http://schemas.microsoft.com/office/drawing/2014/main" id="{0CFDCB3A-B0E1-B5D4-5410-7B2E271CA9D6}"/>
+                        <a16:creationId xmlns:a16="http://schemas.microsoft.com/office/drawing/2014/main" xmlns="" id="{0CFDCB3A-B0E1-B5D4-5410-7B2E271CA9D6}"/>
                       </a:ext>
                     </a:extLst>
                   </p:cNvPr>
@@ -14224,7 +14252,7 @@
                     <p:cNvPr id="48" name="íŝ1ïdê">
                       <a:extLst>
                         <a:ext uri="{FF2B5EF4-FFF2-40B4-BE49-F238E27FC236}">
-                          <a16:creationId xmlns="" xmlns:a16="http://schemas.microsoft.com/office/drawing/2014/main" id="{2DD3AE0B-6EEF-27F2-BAAF-E7C321F1FC30}"/>
+                          <a16:creationId xmlns:a16="http://schemas.microsoft.com/office/drawing/2014/main" xmlns="" id="{2DD3AE0B-6EEF-27F2-BAAF-E7C321F1FC30}"/>
                         </a:ext>
                       </a:extLst>
                     </p:cNvPr>
@@ -14396,6 +14424,16 @@
                         </a:lnSpc>
                       </a:pPr>
                       <a:r>
+                        <a:rPr kumimoji="1" lang="zh-CN" altLang="en-US" sz="1400" b="1">
+                          <a:solidFill>
+                            <a:schemeClr val="tx1"/>
+                          </a:solidFill>
+                          <a:cs typeface="+mn-ea"/>
+                          <a:sym typeface="+mn-lt"/>
+                        </a:rPr>
+                        <a:t>方法</a:t>
+                      </a:r>
+                      <a:r>
                         <a:rPr kumimoji="1" lang="zh-CN" altLang="en-US" sz="1400" b="1" smtClean="0">
                           <a:solidFill>
                             <a:schemeClr val="tx1"/>
@@ -14403,19 +14441,29 @@
                           <a:cs typeface="+mn-ea"/>
                           <a:sym typeface="+mn-lt"/>
                         </a:rPr>
-                        <a:t>目的：</a:t>
+                        <a:t>：</a:t>
                       </a:r>
                       <a:r>
-                        <a:rPr kumimoji="1" lang="zh-CN" altLang="en-US" sz="1400" smtClean="0">
+                        <a:rPr kumimoji="1" lang="en-US" altLang="zh-CN" sz="1400">
                           <a:solidFill>
                             <a:schemeClr val="tx1"/>
                           </a:solidFill>
                           <a:cs typeface="+mn-ea"/>
                           <a:sym typeface="+mn-lt"/>
                         </a:rPr>
-                        <a:t>识别诱导人类转型的外部社会环境和内部社会心理因素</a:t>
+                        <a:t>Vietoris-Rips </a:t>
                       </a:r>
-                      <a:endParaRPr kumimoji="1" lang="en-US" altLang="zh-CN" sz="1400" dirty="0">
+                      <a:r>
+                        <a:rPr kumimoji="1" lang="en-US" altLang="zh-CN" sz="1400" smtClean="0">
+                          <a:solidFill>
+                            <a:schemeClr val="tx1"/>
+                          </a:solidFill>
+                          <a:cs typeface="+mn-ea"/>
+                          <a:sym typeface="+mn-lt"/>
+                        </a:rPr>
+                        <a:t>complex, Morse Theory, Manifolds learning</a:t>
+                      </a:r>
+                      <a:endParaRPr kumimoji="1" lang="zh-CN" altLang="en-US" sz="1400">
                         <a:solidFill>
                           <a:schemeClr val="tx1"/>
                         </a:solidFill>
@@ -14430,7 +14478,7 @@
                     <p:cNvPr id="49" name="îśľiḑé">
                       <a:extLst>
                         <a:ext uri="{FF2B5EF4-FFF2-40B4-BE49-F238E27FC236}">
-                          <a16:creationId xmlns="" xmlns:a16="http://schemas.microsoft.com/office/drawing/2014/main" id="{0E6462C8-C06A-8EC8-8AF5-C5CFDC395C2E}"/>
+                          <a16:creationId xmlns:a16="http://schemas.microsoft.com/office/drawing/2014/main" xmlns="" id="{0E6462C8-C06A-8EC8-8AF5-C5CFDC395C2E}"/>
                         </a:ext>
                       </a:extLst>
                     </p:cNvPr>
@@ -14474,7 +14522,7 @@
                   <p:cNvPr id="47" name="i$ľîḓe">
                     <a:extLst>
                       <a:ext uri="{FF2B5EF4-FFF2-40B4-BE49-F238E27FC236}">
-                        <a16:creationId xmlns="" xmlns:a16="http://schemas.microsoft.com/office/drawing/2014/main" id="{C811E6ED-2E75-831D-FB5A-C582344FBCC6}"/>
+                        <a16:creationId xmlns:a16="http://schemas.microsoft.com/office/drawing/2014/main" xmlns="" id="{C811E6ED-2E75-831D-FB5A-C582344FBCC6}"/>
                       </a:ext>
                     </a:extLst>
                   </p:cNvPr>
@@ -14543,7 +14591,7 @@
                 <p:cNvPr id="41" name="isļíḍê">
                   <a:extLst>
                     <a:ext uri="{FF2B5EF4-FFF2-40B4-BE49-F238E27FC236}">
-                      <a16:creationId xmlns="" xmlns:a16="http://schemas.microsoft.com/office/drawing/2014/main" id="{89E83E33-78E9-F216-A995-308639DB293A}"/>
+                      <a16:creationId xmlns:a16="http://schemas.microsoft.com/office/drawing/2014/main" xmlns="" id="{89E83E33-78E9-F216-A995-308639DB293A}"/>
                     </a:ext>
                   </a:extLst>
                 </p:cNvPr>
@@ -14563,7 +14611,7 @@
                   <p:cNvPr id="42" name="îṡľïďe">
                     <a:extLst>
                       <a:ext uri="{FF2B5EF4-FFF2-40B4-BE49-F238E27FC236}">
-                        <a16:creationId xmlns="" xmlns:a16="http://schemas.microsoft.com/office/drawing/2014/main" id="{E6F7CE27-9227-C343-263A-3C07289CB3C5}"/>
+                        <a16:creationId xmlns:a16="http://schemas.microsoft.com/office/drawing/2014/main" xmlns="" id="{E6F7CE27-9227-C343-263A-3C07289CB3C5}"/>
                       </a:ext>
                     </a:extLst>
                   </p:cNvPr>
@@ -14583,7 +14631,7 @@
                     <p:cNvPr id="44" name="ïṡ1îḍé">
                       <a:extLst>
                         <a:ext uri="{FF2B5EF4-FFF2-40B4-BE49-F238E27FC236}">
-                          <a16:creationId xmlns="" xmlns:a16="http://schemas.microsoft.com/office/drawing/2014/main" id="{626607C6-0988-6E3A-FB7D-9EBB8AAE6AC4}"/>
+                          <a16:creationId xmlns:a16="http://schemas.microsoft.com/office/drawing/2014/main" xmlns="" id="{626607C6-0988-6E3A-FB7D-9EBB8AAE6AC4}"/>
                         </a:ext>
                       </a:extLst>
                     </p:cNvPr>
@@ -14631,89 +14679,15 @@
                         </a:lnSpc>
                       </a:pPr>
                       <a:r>
-                        <a:rPr kumimoji="1" lang="zh-CN" altLang="en-US" sz="1400" b="1">
+                        <a:rPr kumimoji="1" lang="zh-CN" altLang="en-US" sz="1400" b="1" smtClean="0">
                           <a:solidFill>
                             <a:schemeClr val="tx1"/>
                           </a:solidFill>
                           <a:cs typeface="+mn-ea"/>
                           <a:sym typeface="+mn-lt"/>
                         </a:rPr>
-                        <a:t>语言识别：</a:t>
+                        <a:t>数据</a:t>
                       </a:r>
-                      <a:r>
-                        <a:rPr kumimoji="1" lang="en-US" altLang="zh-CN" sz="1400">
-                          <a:solidFill>
-                            <a:schemeClr val="tx1"/>
-                          </a:solidFill>
-                          <a:cs typeface="+mn-ea"/>
-                          <a:sym typeface="+mn-lt"/>
-                        </a:rPr>
-                        <a:t>Python</a:t>
-                      </a:r>
-                      <a:r>
-                        <a:rPr kumimoji="1" lang="zh-CN" altLang="en-US" sz="1400">
-                          <a:solidFill>
-                            <a:schemeClr val="tx1"/>
-                          </a:solidFill>
-                          <a:cs typeface="+mn-ea"/>
-                          <a:sym typeface="+mn-lt"/>
-                        </a:rPr>
-                        <a:t>中的</a:t>
-                      </a:r>
-                      <a:r>
-                        <a:rPr kumimoji="1" lang="en-US" altLang="zh-CN" sz="1400">
-                          <a:solidFill>
-                            <a:schemeClr val="tx1"/>
-                          </a:solidFill>
-                          <a:cs typeface="+mn-ea"/>
-                          <a:sym typeface="+mn-lt"/>
-                        </a:rPr>
-                        <a:t>Spacy</a:t>
-                      </a:r>
-                      <a:r>
-                        <a:rPr kumimoji="1" lang="zh-CN" altLang="en-US" sz="1400">
-                          <a:solidFill>
-                            <a:schemeClr val="tx1"/>
-                          </a:solidFill>
-                          <a:cs typeface="+mn-ea"/>
-                          <a:sym typeface="+mn-lt"/>
-                        </a:rPr>
-                        <a:t> </a:t>
-                      </a:r>
-                      <a:r>
-                        <a:rPr kumimoji="1" lang="en-US" altLang="zh-CN" sz="1400">
-                          <a:solidFill>
-                            <a:schemeClr val="tx1"/>
-                          </a:solidFill>
-                          <a:cs typeface="+mn-ea"/>
-                          <a:sym typeface="+mn-lt"/>
-                        </a:rPr>
-                        <a:t>NLP</a:t>
-                      </a:r>
-                      <a:r>
-                        <a:rPr kumimoji="1" lang="zh-CN" altLang="en-US" sz="1400" smtClean="0">
-                          <a:solidFill>
-                            <a:schemeClr val="tx1"/>
-                          </a:solidFill>
-                          <a:cs typeface="+mn-ea"/>
-                          <a:sym typeface="+mn-lt"/>
-                        </a:rPr>
-                        <a:t>库</a:t>
-                      </a:r>
-                      <a:endParaRPr kumimoji="1" lang="en-US" altLang="zh-CN" sz="1400">
-                        <a:solidFill>
-                          <a:schemeClr val="tx1"/>
-                        </a:solidFill>
-                        <a:cs typeface="+mn-ea"/>
-                        <a:sym typeface="+mn-lt"/>
-                      </a:endParaRPr>
-                    </a:p>
-                    <a:p>
-                      <a:pPr>
-                        <a:lnSpc>
-                          <a:spcPct val="130000"/>
-                        </a:lnSpc>
-                      </a:pPr>
                       <a:r>
                         <a:rPr kumimoji="1" lang="zh-CN" altLang="en-US" sz="1400" b="1">
                           <a:solidFill>
@@ -14722,7 +14696,7 @@
                           <a:cs typeface="+mn-ea"/>
                           <a:sym typeface="+mn-lt"/>
                         </a:rPr>
-                        <a:t>数据剔除</a:t>
+                        <a:t>剔除</a:t>
                       </a:r>
                       <a:r>
                         <a:rPr kumimoji="1" lang="zh-CN" altLang="en-US" sz="1400" b="1">
@@ -14844,7 +14818,81 @@
                         </a:rPr>
                         <a:t>条）</a:t>
                       </a:r>
-                      <a:endParaRPr kumimoji="1" lang="en-US" altLang="zh-CN" sz="1200" dirty="0">
+                      <a:endParaRPr kumimoji="1" lang="en-US" altLang="zh-CN" sz="1200" smtClean="0">
+                        <a:solidFill>
+                          <a:schemeClr val="tx1"/>
+                        </a:solidFill>
+                        <a:cs typeface="+mn-ea"/>
+                        <a:sym typeface="Wingdings" panose="05000000000000000000" pitchFamily="2" charset="2"/>
+                      </a:endParaRPr>
+                    </a:p>
+                    <a:p>
+                      <a:pPr>
+                        <a:lnSpc>
+                          <a:spcPct val="130000"/>
+                        </a:lnSpc>
+                      </a:pPr>
+                      <a:r>
+                        <a:rPr kumimoji="1" lang="zh-CN" altLang="en-US" sz="1400" b="1">
+                          <a:solidFill>
+                            <a:schemeClr val="tx1"/>
+                          </a:solidFill>
+                          <a:cs typeface="+mn-ea"/>
+                          <a:sym typeface="+mn-lt"/>
+                        </a:rPr>
+                        <a:t>转化识别：</a:t>
+                      </a:r>
+                      <a:r>
+                        <a:rPr kumimoji="1" lang="zh-CN" altLang="en-US" sz="1400" smtClean="0">
+                          <a:solidFill>
+                            <a:schemeClr val="tx1"/>
+                          </a:solidFill>
+                          <a:cs typeface="+mn-ea"/>
+                          <a:sym typeface="+mn-lt"/>
+                        </a:rPr>
+                        <a:t>转特殊</a:t>
+                      </a:r>
+                      <a:r>
+                        <a:rPr kumimoji="1" lang="zh-CN" altLang="en-US" sz="1400">
+                          <a:solidFill>
+                            <a:schemeClr val="tx1"/>
+                          </a:solidFill>
+                          <a:cs typeface="+mn-ea"/>
+                          <a:sym typeface="+mn-lt"/>
+                        </a:rPr>
+                        <a:t>词，</a:t>
+                      </a:r>
+                      <a:r>
+                        <a:rPr kumimoji="1" lang="en-US" altLang="zh-CN" sz="1400">
+                          <a:solidFill>
+                            <a:schemeClr val="tx1"/>
+                          </a:solidFill>
+                          <a:cs typeface="+mn-ea"/>
+                          <a:sym typeface="+mn-lt"/>
+                        </a:rPr>
+                        <a:t> Spacy</a:t>
+                      </a:r>
+                      <a:r>
+                        <a:rPr kumimoji="1" lang="zh-CN" altLang="en-US" sz="1400">
+                          <a:solidFill>
+                            <a:schemeClr val="tx1"/>
+                          </a:solidFill>
+                          <a:cs typeface="+mn-ea"/>
+                          <a:sym typeface="+mn-lt"/>
+                        </a:rPr>
+                        <a:t> </a:t>
+                      </a:r>
+                      <a:r>
+                        <a:rPr kumimoji="1" lang="zh-CN" altLang="en-US" sz="1400" smtClean="0">
+                          <a:solidFill>
+                            <a:schemeClr val="tx1"/>
+                          </a:solidFill>
+                          <a:cs typeface="+mn-ea"/>
+                          <a:sym typeface="+mn-lt"/>
+                        </a:rPr>
+                        <a:t>库识别</a:t>
+                      </a:r>
+                      <a:endParaRPr kumimoji="1" lang="en-US" altLang="zh-CN" sz="1400">
                         <a:solidFill>
                           <a:schemeClr val="tx1"/>
                         </a:solidFill>
@@ -14859,7 +14907,7 @@
                     <p:cNvPr id="45" name="i$ľîďè">
                       <a:extLst>
                         <a:ext uri="{FF2B5EF4-FFF2-40B4-BE49-F238E27FC236}">
-                          <a16:creationId xmlns="" xmlns:a16="http://schemas.microsoft.com/office/drawing/2014/main" id="{22F3D61E-746A-DBE8-D7CE-48560803852D}"/>
+                          <a16:creationId xmlns:a16="http://schemas.microsoft.com/office/drawing/2014/main" xmlns="" id="{22F3D61E-746A-DBE8-D7CE-48560803852D}"/>
                         </a:ext>
                       </a:extLst>
                     </p:cNvPr>
@@ -14903,7 +14951,7 @@
                   <p:cNvPr id="43" name="iṥḷíḋé">
                     <a:extLst>
                       <a:ext uri="{FF2B5EF4-FFF2-40B4-BE49-F238E27FC236}">
-                        <a16:creationId xmlns="" xmlns:a16="http://schemas.microsoft.com/office/drawing/2014/main" id="{838AE801-2510-DA65-B22B-7CA65CCE8FFF}"/>
+                        <a16:creationId xmlns:a16="http://schemas.microsoft.com/office/drawing/2014/main" xmlns="" id="{838AE801-2510-DA65-B22B-7CA65CCE8FFF}"/>
                       </a:ext>
                     </a:extLst>
                   </p:cNvPr>
@@ -14977,7 +15025,7 @@
               <p:cNvPr id="38" name="íṩ1îḋé">
                 <a:extLst>
                   <a:ext uri="{FF2B5EF4-FFF2-40B4-BE49-F238E27FC236}">
-                    <a16:creationId xmlns="" xmlns:a16="http://schemas.microsoft.com/office/drawing/2014/main" id="{3C7F32EB-09A6-D875-9729-BE2E88B9E082}"/>
+                    <a16:creationId xmlns:a16="http://schemas.microsoft.com/office/drawing/2014/main" xmlns="" id="{3C7F32EB-09A6-D875-9729-BE2E88B9E082}"/>
                   </a:ext>
                 </a:extLst>
               </p:cNvPr>
@@ -15025,7 +15073,7 @@
           <p:cNvPr id="2" name="íşliḍé">
             <a:extLst>
               <a:ext uri="{FF2B5EF4-FFF2-40B4-BE49-F238E27FC236}">
-                <a16:creationId xmlns="" xmlns:a16="http://schemas.microsoft.com/office/drawing/2014/main" id="{6AD7DE2F-2C25-C25A-957B-4AC542D02BC6}"/>
+                <a16:creationId xmlns:a16="http://schemas.microsoft.com/office/drawing/2014/main" xmlns="" id="{6AD7DE2F-2C25-C25A-957B-4AC542D02BC6}"/>
               </a:ext>
             </a:extLst>
           </p:cNvPr>
@@ -15062,7 +15110,7 @@
           <p:cNvPr id="3" name="íṣľíḋe">
             <a:extLst>
               <a:ext uri="{FF2B5EF4-FFF2-40B4-BE49-F238E27FC236}">
-                <a16:creationId xmlns="" xmlns:a16="http://schemas.microsoft.com/office/drawing/2014/main" id="{6C1E965E-32BF-CEDA-DFEF-343213CC478F}"/>
+                <a16:creationId xmlns:a16="http://schemas.microsoft.com/office/drawing/2014/main" xmlns="" id="{6C1E965E-32BF-CEDA-DFEF-343213CC478F}"/>
               </a:ext>
             </a:extLst>
           </p:cNvPr>
@@ -15090,6 +15138,93 @@
               <a:cs typeface="+mn-ea"/>
               <a:sym typeface="+mn-lt"/>
             </a:endParaRPr>
+          </a:p>
+        </p:txBody>
+      </p:sp>
+      <p:sp>
+        <p:nvSpPr>
+          <p:cNvPr id="28" name="矩形 27"/>
+          <p:cNvSpPr/>
+          <p:nvPr/>
+        </p:nvSpPr>
+        <p:spPr>
+          <a:xfrm>
+            <a:off x="811532" y="6201030"/>
+            <a:ext cx="11113768" cy="461665"/>
+          </a:xfrm>
+          <a:prstGeom prst="rect">
+            <a:avLst/>
+          </a:prstGeom>
+        </p:spPr>
+        <p:txBody>
+          <a:bodyPr wrap="square">
+            <a:spAutoFit/>
+          </a:bodyPr>
+          <a:lstStyle/>
+          <a:p>
+            <a:r>
+              <a:rPr lang="en-US" altLang="zh-CN" sz="1200"/>
+              <a:t>TDA</a:t>
+            </a:r>
+            <a:r>
+              <a:rPr lang="en-US" altLang="zh-CN" sz="1200" smtClean="0"/>
+              <a:t>: Topological </a:t>
+            </a:r>
+            <a:r>
+              <a:rPr lang="en-US" altLang="zh-CN" sz="1200"/>
+              <a:t>Data </a:t>
+            </a:r>
+            <a:r>
+              <a:rPr lang="en-US" altLang="zh-CN" sz="1200" smtClean="0"/>
+              <a:t>Analysis; DGM: Deep Generative Models. </a:t>
+            </a:r>
+          </a:p>
+          <a:p>
+            <a:r>
+              <a:rPr lang="en-US" altLang="zh-CN" sz="1200" smtClean="0"/>
+              <a:t>Vietoris-Rips </a:t>
+            </a:r>
+            <a:r>
+              <a:rPr lang="en-US" altLang="zh-CN" sz="1200" smtClean="0"/>
+              <a:t>complex</a:t>
+            </a:r>
+            <a:r>
+              <a:rPr lang="zh-CN" altLang="en-US" sz="1200" smtClean="0"/>
+              <a:t>（</a:t>
+            </a:r>
+            <a:r>
+              <a:rPr lang="zh-CN" altLang="en-US" sz="1200"/>
+              <a:t>维托里斯</a:t>
+            </a:r>
+            <a:r>
+              <a:rPr lang="en-US" altLang="zh-CN" sz="1200"/>
+              <a:t>-</a:t>
+            </a:r>
+            <a:r>
+              <a:rPr lang="zh-CN" altLang="en-US" sz="1200"/>
+              <a:t>里普斯复形</a:t>
+            </a:r>
+            <a:r>
+              <a:rPr lang="zh-CN" altLang="en-US" sz="1200" smtClean="0"/>
+              <a:t>）</a:t>
+            </a:r>
+            <a:r>
+              <a:rPr lang="en-US" altLang="zh-CN" sz="1200" smtClean="0"/>
+              <a:t>, Morse Theory</a:t>
+            </a:r>
+            <a:r>
+              <a:rPr lang="zh-CN" altLang="en-US" sz="1200" smtClean="0"/>
+              <a:t>（莫尔斯理论）</a:t>
+            </a:r>
+            <a:r>
+              <a:rPr lang="en-US" altLang="zh-CN" sz="1200" smtClean="0"/>
+              <a:t>, Manifolds learning</a:t>
+            </a:r>
+            <a:r>
+              <a:rPr lang="zh-CN" altLang="en-US" sz="1200" smtClean="0"/>
+              <a:t>（流形机器学习）</a:t>
+            </a:r>
+            <a:endParaRPr lang="zh-CN" altLang="en-US" sz="1200"/>
           </a:p>
         </p:txBody>
       </p:sp>
@@ -15138,7 +15273,7 @@
           <p:cNvPr id="2" name="išľiḓe">
             <a:extLst>
               <a:ext uri="{FF2B5EF4-FFF2-40B4-BE49-F238E27FC236}">
-                <a16:creationId xmlns="" xmlns:a16="http://schemas.microsoft.com/office/drawing/2014/main" id="{6AD7DE2F-2C25-C25A-957B-4AC542D02BC6}"/>
+                <a16:creationId xmlns:a16="http://schemas.microsoft.com/office/drawing/2014/main" xmlns="" id="{6AD7DE2F-2C25-C25A-957B-4AC542D02BC6}"/>
               </a:ext>
             </a:extLst>
           </p:cNvPr>
@@ -15177,7 +15312,7 @@
           <p:cNvPr id="3" name="íşḻiḋè">
             <a:extLst>
               <a:ext uri="{FF2B5EF4-FFF2-40B4-BE49-F238E27FC236}">
-                <a16:creationId xmlns="" xmlns:a16="http://schemas.microsoft.com/office/drawing/2014/main" id="{294B5245-582E-1336-0B68-0CC92F780569}"/>
+                <a16:creationId xmlns:a16="http://schemas.microsoft.com/office/drawing/2014/main" xmlns="" id="{294B5245-582E-1336-0B68-0CC92F780569}"/>
               </a:ext>
             </a:extLst>
           </p:cNvPr>
@@ -15291,7 +15426,7 @@
             </a:r>
             <a:r>
               <a:rPr lang="en-US" altLang="zh-CN" sz="1600" smtClean="0"/>
-              <a:t>(Page 4)</a:t>
+              <a:t>(P4)</a:t>
             </a:r>
             <a:endParaRPr lang="zh-CN" altLang="en-US" sz="1600"/>
           </a:p>
@@ -15342,7 +15477,7 @@
           <p:cNvPr id="2" name="íṧļîḍe">
             <a:extLst>
               <a:ext uri="{FF2B5EF4-FFF2-40B4-BE49-F238E27FC236}">
-                <a16:creationId xmlns="" xmlns:a16="http://schemas.microsoft.com/office/drawing/2014/main" id="{6AD7DE2F-2C25-C25A-957B-4AC542D02BC6}"/>
+                <a16:creationId xmlns:a16="http://schemas.microsoft.com/office/drawing/2014/main" xmlns="" id="{6AD7DE2F-2C25-C25A-957B-4AC542D02BC6}"/>
               </a:ext>
             </a:extLst>
           </p:cNvPr>
@@ -15381,7 +15516,7 @@
           <p:cNvPr id="3" name="ïśḷíḓè">
             <a:extLst>
               <a:ext uri="{FF2B5EF4-FFF2-40B4-BE49-F238E27FC236}">
-                <a16:creationId xmlns="" xmlns:a16="http://schemas.microsoft.com/office/drawing/2014/main" id="{8266A897-12C8-B861-AB61-6E0288D5149F}"/>
+                <a16:creationId xmlns:a16="http://schemas.microsoft.com/office/drawing/2014/main" xmlns="" id="{8266A897-12C8-B861-AB61-6E0288D5149F}"/>
               </a:ext>
             </a:extLst>
           </p:cNvPr>
@@ -15421,7 +15556,7 @@
         <p:spPr>
           <a:xfrm>
             <a:off x="6603836" y="3016358"/>
-            <a:ext cx="4605183" cy="2477601"/>
+            <a:ext cx="4915064" cy="2131353"/>
           </a:xfrm>
           <a:prstGeom prst="rect">
             <a:avLst/>
@@ -15469,7 +15604,7 @@
             </a:endParaRPr>
           </a:p>
           <a:p>
-            <a:pPr>
+            <a:pPr algn="just">
               <a:lnSpc>
                 <a:spcPct val="125000"/>
               </a:lnSpc>
@@ -15521,31 +15656,19 @@
               <a:rPr lang="zh-CN" altLang="en-US">
                 <a:cs typeface="+mn-ea"/>
               </a:rPr>
-              <a:t>个聚类（“票务和订购”（</a:t>
-            </a:r>
-            <a:r>
-              <a:rPr lang="en-US" altLang="zh-CN">
+              <a:t>个聚类（“票务和</a:t>
+            </a:r>
+            <a:r>
+              <a:rPr lang="zh-CN" altLang="en-US" smtClean="0">
                 <a:cs typeface="+mn-ea"/>
               </a:rPr>
-              <a:t>4.2</a:t>
+              <a:t>订购”“营销”“噪声”</a:t>
             </a:r>
             <a:r>
               <a:rPr lang="zh-CN" altLang="en-US">
                 <a:cs typeface="+mn-ea"/>
               </a:rPr>
-              <a:t>％），“营销”（</a:t>
-            </a:r>
-            <a:r>
-              <a:rPr lang="en-US" altLang="zh-CN">
-                <a:cs typeface="+mn-ea"/>
-              </a:rPr>
-              <a:t>3.9</a:t>
-            </a:r>
-            <a:r>
-              <a:rPr lang="zh-CN" altLang="en-US">
-                <a:cs typeface="+mn-ea"/>
-              </a:rPr>
-              <a:t>％）以及“噪声”聚类）因超出了研究范围被排除在外。</a:t>
+              <a:t>聚类）因超出了研究范围被排除在外。</a:t>
             </a:r>
           </a:p>
         </p:txBody>
@@ -15555,7 +15678,7 @@
           <p:cNvPr id="19" name="ïṡḻíḓè">
             <a:extLst>
               <a:ext uri="{FF2B5EF4-FFF2-40B4-BE49-F238E27FC236}">
-                <a16:creationId xmlns="" xmlns:a16="http://schemas.microsoft.com/office/drawing/2014/main" id="{E3F1BF33-4198-E081-096B-6BA54ADB36A3}"/>
+                <a16:creationId xmlns:a16="http://schemas.microsoft.com/office/drawing/2014/main" xmlns="" id="{E3F1BF33-4198-E081-096B-6BA54ADB36A3}"/>
               </a:ext>
             </a:extLst>
           </p:cNvPr>
@@ -15564,8 +15687,8 @@
         </p:nvSpPr>
         <p:spPr>
           <a:xfrm>
-            <a:off x="666750" y="1308022"/>
-            <a:ext cx="10858500" cy="861774"/>
+            <a:off x="666750" y="1286587"/>
+            <a:ext cx="10858500" cy="784830"/>
           </a:xfrm>
           <a:prstGeom prst="rect">
             <a:avLst/>
@@ -15604,17 +15727,17 @@
               <a:buSzPct val="25000"/>
             </a:pPr>
             <a:r>
-              <a:rPr lang="zh-CN" altLang="en-US" sz="2000" smtClean="0">
+              <a:rPr lang="zh-CN" altLang="en-US" smtClean="0">
                 <a:solidFill>
                   <a:schemeClr val="tx1"/>
                 </a:solidFill>
                 <a:cs typeface="+mn-ea"/>
                 <a:sym typeface="+mn-lt"/>
               </a:rPr>
-              <a:t>以环境心理学的理论框架为主导，基于对</a:t>
-            </a:r>
-            <a:r>
-              <a:rPr lang="en-US" altLang="zh-CN" sz="2000" smtClean="0">
+              <a:t>以环境心理学理论为框架，通过深度拓扑分析</a:t>
+            </a:r>
+            <a:r>
+              <a:rPr lang="en-US" altLang="zh-CN" smtClean="0">
                 <a:solidFill>
                   <a:schemeClr val="tx1"/>
                 </a:solidFill>
@@ -15624,7 +15747,7 @@
               <a:t>35802</a:t>
             </a:r>
             <a:r>
-              <a:rPr lang="zh-CN" altLang="en-US" sz="2000" smtClean="0">
+              <a:rPr lang="zh-CN" altLang="en-US" smtClean="0">
                 <a:solidFill>
                   <a:schemeClr val="tx1"/>
                 </a:solidFill>
@@ -15634,27 +15757,27 @@
               <a:t>个</a:t>
             </a:r>
             <a:r>
-              <a:rPr lang="en-US" altLang="zh-CN" sz="2000" smtClean="0">
+              <a:rPr lang="en-US" altLang="zh-CN" smtClean="0">
                 <a:solidFill>
                   <a:schemeClr val="tx1"/>
                 </a:solidFill>
                 <a:cs typeface="+mn-ea"/>
                 <a:sym typeface="+mn-lt"/>
               </a:rPr>
-              <a:t>Instagram</a:t>
-            </a:r>
-            <a:r>
-              <a:rPr lang="zh-CN" altLang="en-US" sz="2000" smtClean="0">
+              <a:t>INS</a:t>
+            </a:r>
+            <a:r>
+              <a:rPr lang="zh-CN" altLang="en-US" smtClean="0">
                 <a:solidFill>
                   <a:schemeClr val="tx1"/>
                 </a:solidFill>
                 <a:cs typeface="+mn-ea"/>
                 <a:sym typeface="+mn-lt"/>
               </a:rPr>
-              <a:t>帖子的分析，将</a:t>
-            </a:r>
-            <a:r>
-              <a:rPr lang="en-US" altLang="zh-CN" sz="2000" smtClean="0">
+              <a:t>帖子数据，形成</a:t>
+            </a:r>
+            <a:r>
+              <a:rPr lang="en-US" altLang="zh-CN" smtClean="0">
                 <a:solidFill>
                   <a:schemeClr val="tx1"/>
                 </a:solidFill>
@@ -15664,17 +15787,32 @@
               <a:t>30</a:t>
             </a:r>
             <a:r>
-              <a:rPr lang="zh-CN" altLang="en-US" sz="2000" smtClean="0">
+              <a:rPr lang="zh-CN" altLang="en-US" smtClean="0">
                 <a:solidFill>
                   <a:schemeClr val="tx1"/>
                 </a:solidFill>
                 <a:cs typeface="+mn-ea"/>
                 <a:sym typeface="+mn-lt"/>
               </a:rPr>
-              <a:t>个已确定的聚类分为两个主要维度：</a:t>
-            </a:r>
-            <a:r>
-              <a:rPr lang="zh-CN" altLang="en-US" sz="2000" b="1" smtClean="0">
+              <a:t>个聚类并分为两个维度：</a:t>
+            </a:r>
+            <a:endParaRPr lang="en-US" altLang="zh-CN" smtClean="0">
+              <a:solidFill>
+                <a:schemeClr val="tx1"/>
+              </a:solidFill>
+              <a:cs typeface="+mn-ea"/>
+              <a:sym typeface="+mn-lt"/>
+            </a:endParaRPr>
+          </a:p>
+          <a:p>
+            <a:pPr>
+              <a:lnSpc>
+                <a:spcPct val="125000"/>
+              </a:lnSpc>
+              <a:buSzPct val="25000"/>
+            </a:pPr>
+            <a:r>
+              <a:rPr lang="zh-CN" altLang="en-US" b="1" smtClean="0">
                 <a:solidFill>
                   <a:schemeClr val="tx1"/>
                 </a:solidFill>
@@ -15684,7 +15822,7 @@
               <a:t>（</a:t>
             </a:r>
             <a:r>
-              <a:rPr lang="en-US" altLang="zh-CN" sz="2000" b="1" smtClean="0">
+              <a:rPr lang="en-US" altLang="zh-CN" b="1" smtClean="0">
                 <a:solidFill>
                   <a:schemeClr val="tx1"/>
                 </a:solidFill>
@@ -15694,7 +15832,7 @@
               <a:t>1</a:t>
             </a:r>
             <a:r>
-              <a:rPr lang="zh-CN" altLang="en-US" sz="2000" b="1" smtClean="0">
+              <a:rPr lang="zh-CN" altLang="en-US" b="1" smtClean="0">
                 <a:solidFill>
                   <a:schemeClr val="tx1"/>
                 </a:solidFill>
@@ -15704,7 +15842,7 @@
               <a:t>）外部社会环境范畴；（</a:t>
             </a:r>
             <a:r>
-              <a:rPr lang="en-US" altLang="zh-CN" sz="2000" b="1" smtClean="0">
+              <a:rPr lang="en-US" altLang="zh-CN" b="1" smtClean="0">
                 <a:solidFill>
                   <a:schemeClr val="tx1"/>
                 </a:solidFill>
@@ -15714,7 +15852,7 @@
               <a:t>2</a:t>
             </a:r>
             <a:r>
-              <a:rPr lang="zh-CN" altLang="en-US" sz="2000" b="1" smtClean="0">
+              <a:rPr lang="zh-CN" altLang="en-US" b="1" smtClean="0">
                 <a:solidFill>
                   <a:schemeClr val="tx1"/>
                 </a:solidFill>
@@ -15723,7 +15861,7 @@
               </a:rPr>
               <a:t>）内部社会心理范畴。</a:t>
             </a:r>
-            <a:endParaRPr lang="zh-CN" altLang="en-US" sz="2000" b="1" dirty="0">
+            <a:endParaRPr lang="zh-CN" altLang="en-US" b="1" dirty="0">
               <a:solidFill>
                 <a:schemeClr val="tx1"/>
               </a:solidFill>
@@ -15813,7 +15951,7 @@
             </a:r>
             <a:r>
               <a:rPr lang="en-US" altLang="zh-CN" sz="1400" smtClean="0"/>
-              <a:t>(Page 6)</a:t>
+              <a:t>(P6)</a:t>
             </a:r>
             <a:endParaRPr lang="zh-CN" altLang="en-US" sz="1400"/>
           </a:p>
@@ -15864,7 +16002,7 @@
           <p:cNvPr id="2" name="íṧļîḍe">
             <a:extLst>
               <a:ext uri="{FF2B5EF4-FFF2-40B4-BE49-F238E27FC236}">
-                <a16:creationId xmlns="" xmlns:a16="http://schemas.microsoft.com/office/drawing/2014/main" id="{6AD7DE2F-2C25-C25A-957B-4AC542D02BC6}"/>
+                <a16:creationId xmlns:a16="http://schemas.microsoft.com/office/drawing/2014/main" xmlns="" id="{6AD7DE2F-2C25-C25A-957B-4AC542D02BC6}"/>
               </a:ext>
             </a:extLst>
           </p:cNvPr>
@@ -15903,7 +16041,7 @@
           <p:cNvPr id="3" name="ïśḷíḓè">
             <a:extLst>
               <a:ext uri="{FF2B5EF4-FFF2-40B4-BE49-F238E27FC236}">
-                <a16:creationId xmlns="" xmlns:a16="http://schemas.microsoft.com/office/drawing/2014/main" id="{8266A897-12C8-B861-AB61-6E0288D5149F}"/>
+                <a16:creationId xmlns:a16="http://schemas.microsoft.com/office/drawing/2014/main" xmlns="" id="{8266A897-12C8-B861-AB61-6E0288D5149F}"/>
               </a:ext>
             </a:extLst>
           </p:cNvPr>
@@ -15955,8 +16093,8 @@
         </p:blipFill>
         <p:spPr>
           <a:xfrm>
-            <a:off x="1016214" y="1028700"/>
-            <a:ext cx="9497392" cy="5199167"/>
+            <a:off x="985734" y="1028701"/>
+            <a:ext cx="9511699" cy="5206999"/>
           </a:xfrm>
           <a:prstGeom prst="rect">
             <a:avLst/>
@@ -15999,11 +16137,7 @@
             </a:r>
             <a:r>
               <a:rPr lang="zh-CN" altLang="en-US" sz="1400"/>
-              <a:t>外部社会环境范畴与内部</a:t>
-            </a:r>
-            <a:r>
-              <a:rPr lang="zh-CN" altLang="en-US" sz="1400"/>
-              <a:t>社会</a:t>
+              <a:t>外部社会环境范畴与内部社会</a:t>
             </a:r>
             <a:r>
               <a:rPr lang="zh-CN" altLang="en-US" sz="1400" smtClean="0"/>
@@ -16011,15 +16145,7 @@
             </a:r>
             <a:r>
               <a:rPr lang="en-US" altLang="zh-CN" sz="1400" smtClean="0"/>
-              <a:t>(</a:t>
-            </a:r>
-            <a:r>
-              <a:rPr lang="en-US" altLang="zh-CN" sz="1400" smtClean="0"/>
-              <a:t>Page </a:t>
-            </a:r>
-            <a:r>
-              <a:rPr lang="en-US" altLang="zh-CN" sz="1400" smtClean="0"/>
-              <a:t>7)</a:t>
+              <a:t>(P7)</a:t>
             </a:r>
             <a:endParaRPr lang="zh-CN" altLang="en-US" sz="1400"/>
           </a:p>
@@ -16070,7 +16196,7 @@
           <p:cNvPr id="2" name="íṧļîḍe">
             <a:extLst>
               <a:ext uri="{FF2B5EF4-FFF2-40B4-BE49-F238E27FC236}">
-                <a16:creationId xmlns="" xmlns:a16="http://schemas.microsoft.com/office/drawing/2014/main" id="{6AD7DE2F-2C25-C25A-957B-4AC542D02BC6}"/>
+                <a16:creationId xmlns:a16="http://schemas.microsoft.com/office/drawing/2014/main" xmlns="" id="{6AD7DE2F-2C25-C25A-957B-4AC542D02BC6}"/>
               </a:ext>
             </a:extLst>
           </p:cNvPr>
@@ -16109,7 +16235,7 @@
           <p:cNvPr id="3" name="ïśḷíḓè">
             <a:extLst>
               <a:ext uri="{FF2B5EF4-FFF2-40B4-BE49-F238E27FC236}">
-                <a16:creationId xmlns="" xmlns:a16="http://schemas.microsoft.com/office/drawing/2014/main" id="{8266A897-12C8-B861-AB61-6E0288D5149F}"/>
+                <a16:creationId xmlns:a16="http://schemas.microsoft.com/office/drawing/2014/main" xmlns="" id="{8266A897-12C8-B861-AB61-6E0288D5149F}"/>
               </a:ext>
             </a:extLst>
           </p:cNvPr>
@@ -16142,16 +16268,16 @@
       </p:sp>
       <p:grpSp>
         <p:nvGrpSpPr>
-          <p:cNvPr id="7" name="组合 6"/>
+          <p:cNvPr id="4" name="组合 3"/>
           <p:cNvGrpSpPr/>
           <p:nvPr/>
         </p:nvGrpSpPr>
         <p:grpSpPr>
           <a:xfrm>
-            <a:off x="2176780" y="1028700"/>
-            <a:ext cx="8659924" cy="5829300"/>
-            <a:chOff x="1055315" y="1200908"/>
-            <a:chExt cx="9651815" cy="6496977"/>
+            <a:off x="985734" y="1028700"/>
+            <a:ext cx="7871718" cy="5158740"/>
+            <a:chOff x="985734" y="1028700"/>
+            <a:chExt cx="7871718" cy="5158740"/>
           </a:xfrm>
         </p:grpSpPr>
         <p:pic>
@@ -16162,7 +16288,7 @@
             </p:cNvPicPr>
             <p:nvPr/>
           </p:nvPicPr>
-          <p:blipFill>
+          <p:blipFill rotWithShape="1">
             <a:blip r:embed="rId5">
               <a:extLst>
                 <a:ext uri="{28A0092B-C50C-407E-A947-70E740481C1C}">
@@ -16170,14 +16296,13 @@
                 </a:ext>
               </a:extLst>
             </a:blip>
-            <a:stretch>
-              <a:fillRect/>
-            </a:stretch>
+            <a:srcRect b="2999"/>
+            <a:stretch/>
           </p:blipFill>
           <p:spPr>
             <a:xfrm>
-              <a:off x="1055315" y="1973992"/>
-              <a:ext cx="9651815" cy="5723893"/>
+              <a:off x="985734" y="1659203"/>
+              <a:ext cx="7871718" cy="4528237"/>
             </a:xfrm>
             <a:prstGeom prst="rect">
               <a:avLst/>
@@ -16206,8 +16331,8 @@
           </p:blipFill>
           <p:spPr>
             <a:xfrm>
-              <a:off x="1055315" y="1200908"/>
-              <a:ext cx="9651815" cy="773083"/>
+              <a:off x="985734" y="1028700"/>
+              <a:ext cx="7871718" cy="630502"/>
             </a:xfrm>
             <a:prstGeom prst="rect">
               <a:avLst/>
@@ -16217,14 +16342,14 @@
       </p:grpSp>
       <p:sp>
         <p:nvSpPr>
-          <p:cNvPr id="8" name="矩形 7"/>
+          <p:cNvPr id="9" name="矩形 8"/>
           <p:cNvSpPr/>
           <p:nvPr/>
         </p:nvSpPr>
         <p:spPr>
           <a:xfrm>
-            <a:off x="127000" y="3389922"/>
-            <a:ext cx="2049780" cy="900246"/>
+            <a:off x="927100" y="6187540"/>
+            <a:ext cx="5405120" cy="361637"/>
           </a:xfrm>
           <a:prstGeom prst="rect">
             <a:avLst/>
@@ -16251,27 +16376,15 @@
             </a:r>
             <a:r>
               <a:rPr lang="zh-CN" altLang="en-US" sz="1400"/>
-              <a:t>外部社会环境范畴与内部</a:t>
-            </a:r>
-            <a:r>
-              <a:rPr lang="zh-CN" altLang="en-US" sz="1400"/>
-              <a:t>社会</a:t>
+              <a:t>外部社会环境范畴与内部社会</a:t>
             </a:r>
             <a:r>
               <a:rPr lang="zh-CN" altLang="en-US" sz="1400" smtClean="0"/>
-              <a:t>心理范畴聚类总表</a:t>
+              <a:t>心理范畴要素总表</a:t>
             </a:r>
             <a:r>
               <a:rPr lang="en-US" altLang="zh-CN" sz="1400" smtClean="0"/>
-              <a:t>(</a:t>
-            </a:r>
-            <a:r>
-              <a:rPr lang="en-US" altLang="zh-CN" sz="1400" smtClean="0"/>
-              <a:t>Page </a:t>
-            </a:r>
-            <a:r>
-              <a:rPr lang="en-US" altLang="zh-CN" sz="1400" smtClean="0"/>
-              <a:t>7)</a:t>
+              <a:t>(P7)</a:t>
             </a:r>
             <a:endParaRPr lang="zh-CN" altLang="en-US" sz="1400"/>
           </a:p>
@@ -16322,7 +16435,7 @@
           <p:cNvPr id="2" name="íṧļîḍe">
             <a:extLst>
               <a:ext uri="{FF2B5EF4-FFF2-40B4-BE49-F238E27FC236}">
-                <a16:creationId xmlns="" xmlns:a16="http://schemas.microsoft.com/office/drawing/2014/main" id="{6AD7DE2F-2C25-C25A-957B-4AC542D02BC6}"/>
+                <a16:creationId xmlns:a16="http://schemas.microsoft.com/office/drawing/2014/main" xmlns="" id="{6AD7DE2F-2C25-C25A-957B-4AC542D02BC6}"/>
               </a:ext>
             </a:extLst>
           </p:cNvPr>
@@ -16361,7 +16474,7 @@
           <p:cNvPr id="3" name="ïśḷíḓè">
             <a:extLst>
               <a:ext uri="{FF2B5EF4-FFF2-40B4-BE49-F238E27FC236}">
-                <a16:creationId xmlns="" xmlns:a16="http://schemas.microsoft.com/office/drawing/2014/main" id="{8266A897-12C8-B861-AB61-6E0288D5149F}"/>
+                <a16:creationId xmlns:a16="http://schemas.microsoft.com/office/drawing/2014/main" xmlns="" id="{8266A897-12C8-B861-AB61-6E0288D5149F}"/>
               </a:ext>
             </a:extLst>
           </p:cNvPr>
@@ -16543,14 +16656,18 @@
             </a:pPr>
             <a:r>
               <a:rPr lang="zh-CN" altLang="en-US"/>
-              <a:t>木偶人</a:t>
+              <a:t>木偶</a:t>
             </a:r>
             <a:r>
               <a:rPr lang="zh-CN" altLang="en-US" smtClean="0"/>
-              <a:t>焚毁</a:t>
-            </a:r>
-            <a:r>
-              <a:rPr lang="zh-CN" altLang="en-US" dirty="0"/>
+              <a:t>人</a:t>
+            </a:r>
+            <a:r>
+              <a:rPr lang="zh-CN" altLang="en-US"/>
+              <a:t>焚烧</a:t>
+            </a:r>
+            <a:r>
+              <a:rPr lang="zh-CN" altLang="en-US" smtClean="0"/>
               <a:t>和</a:t>
             </a:r>
             <a:r>
@@ -16776,7 +16893,7 @@
             </a:r>
             <a:r>
               <a:rPr lang="en-US" altLang="zh-CN" sz="1400" smtClean="0"/>
-              <a:t>(Page 8)</a:t>
+              <a:t>(P8)</a:t>
             </a:r>
             <a:endParaRPr lang="zh-CN" altLang="en-US" sz="1400"/>
           </a:p>
@@ -16868,7 +16985,7 @@
           <p:cNvPr id="2" name="íṧļîḍe">
             <a:extLst>
               <a:ext uri="{FF2B5EF4-FFF2-40B4-BE49-F238E27FC236}">
-                <a16:creationId xmlns="" xmlns:a16="http://schemas.microsoft.com/office/drawing/2014/main" id="{6AD7DE2F-2C25-C25A-957B-4AC542D02BC6}"/>
+                <a16:creationId xmlns:a16="http://schemas.microsoft.com/office/drawing/2014/main" xmlns="" id="{6AD7DE2F-2C25-C25A-957B-4AC542D02BC6}"/>
               </a:ext>
             </a:extLst>
           </p:cNvPr>
@@ -16907,7 +17024,7 @@
           <p:cNvPr id="3" name="ïśḷíḓè">
             <a:extLst>
               <a:ext uri="{FF2B5EF4-FFF2-40B4-BE49-F238E27FC236}">
-                <a16:creationId xmlns="" xmlns:a16="http://schemas.microsoft.com/office/drawing/2014/main" id="{8266A897-12C8-B861-AB61-6E0288D5149F}"/>
+                <a16:creationId xmlns:a16="http://schemas.microsoft.com/office/drawing/2014/main" xmlns="" id="{8266A897-12C8-B861-AB61-6E0288D5149F}"/>
               </a:ext>
             </a:extLst>
           </p:cNvPr>
@@ -17355,7 +17472,7 @@
             </a:r>
             <a:r>
               <a:rPr lang="en-US" altLang="zh-CN" sz="1400" smtClean="0"/>
-              <a:t>(Page 8)</a:t>
+              <a:t>(P8)</a:t>
             </a:r>
             <a:endParaRPr lang="zh-CN" altLang="en-US" sz="1400"/>
           </a:p>
@@ -17406,7 +17523,7 @@
           <p:cNvPr id="4" name="íŝlïḍé">
             <a:extLst>
               <a:ext uri="{FF2B5EF4-FFF2-40B4-BE49-F238E27FC236}">
-                <a16:creationId xmlns="" xmlns:a16="http://schemas.microsoft.com/office/drawing/2014/main" id="{3E7816B9-4368-481C-AF7D-011CB1B5D3BB}"/>
+                <a16:creationId xmlns:a16="http://schemas.microsoft.com/office/drawing/2014/main" xmlns="" id="{3E7816B9-4368-481C-AF7D-011CB1B5D3BB}"/>
               </a:ext>
             </a:extLst>
           </p:cNvPr>
@@ -17450,7 +17567,7 @@
           <p:cNvPr id="6" name="îşḻídè">
             <a:extLst>
               <a:ext uri="{FF2B5EF4-FFF2-40B4-BE49-F238E27FC236}">
-                <a16:creationId xmlns="" xmlns:a16="http://schemas.microsoft.com/office/drawing/2014/main" id="{5993DD2D-064F-AF40-BEE1-F50A44BA2B04}"/>
+                <a16:creationId xmlns:a16="http://schemas.microsoft.com/office/drawing/2014/main" xmlns="" id="{5993DD2D-064F-AF40-BEE1-F50A44BA2B04}"/>
               </a:ext>
             </a:extLst>
           </p:cNvPr>
@@ -17485,7 +17602,7 @@
           <p:cNvPr id="7" name="ïsḻîdé">
             <a:extLst>
               <a:ext uri="{FF2B5EF4-FFF2-40B4-BE49-F238E27FC236}">
-                <a16:creationId xmlns="" xmlns:a16="http://schemas.microsoft.com/office/drawing/2014/main" id="{BB3C1547-9F10-6996-5762-660A9DB3A432}"/>
+                <a16:creationId xmlns:a16="http://schemas.microsoft.com/office/drawing/2014/main" xmlns="" id="{BB3C1547-9F10-6996-5762-660A9DB3A432}"/>
               </a:ext>
             </a:extLst>
           </p:cNvPr>
@@ -17590,7 +17707,7 @@
           <p:cNvPr id="29" name="ïSḻïdé">
             <a:extLst>
               <a:ext uri="{FF2B5EF4-FFF2-40B4-BE49-F238E27FC236}">
-                <a16:creationId xmlns="" xmlns:a16="http://schemas.microsoft.com/office/drawing/2014/main" id="{739B0083-62C7-13C6-C29E-E3A3F9D6E8C8}"/>
+                <a16:creationId xmlns:a16="http://schemas.microsoft.com/office/drawing/2014/main" xmlns="" id="{739B0083-62C7-13C6-C29E-E3A3F9D6E8C8}"/>
               </a:ext>
             </a:extLst>
           </p:cNvPr>
@@ -17629,7 +17746,7 @@
           <p:cNvPr id="2" name="iSľïďe">
             <a:extLst>
               <a:ext uri="{FF2B5EF4-FFF2-40B4-BE49-F238E27FC236}">
-                <a16:creationId xmlns="" xmlns:a16="http://schemas.microsoft.com/office/drawing/2014/main" id="{89B0AE59-C7E5-CAD8-1760-8D8F2F977A91}"/>
+                <a16:creationId xmlns:a16="http://schemas.microsoft.com/office/drawing/2014/main" xmlns="" id="{89B0AE59-C7E5-CAD8-1760-8D8F2F977A91}"/>
               </a:ext>
             </a:extLst>
           </p:cNvPr>
@@ -17688,11 +17805,11 @@
             </a:pPr>
             <a:r>
               <a:rPr lang="zh-CN" altLang="en-US" sz="2400" b="1"/>
-              <a:t>定性讨论：外部社会环境如何</a:t>
+              <a:t>定性讨论：外部</a:t>
             </a:r>
             <a:r>
               <a:rPr lang="zh-CN" altLang="en-US" sz="2400" b="1" smtClean="0"/>
-              <a:t>成为</a:t>
+              <a:t>社会环境如何成为</a:t>
             </a:r>
             <a:r>
               <a:rPr lang="zh-CN" altLang="en-US" sz="2400" b="1"/>
@@ -17780,15 +17897,15 @@
             </a:r>
             <a:r>
               <a:rPr lang="zh-CN" altLang="en-US" sz="2000" dirty="0"/>
-              <a:t>参与者带来</a:t>
+              <a:t>参与者</a:t>
             </a:r>
             <a:r>
               <a:rPr lang="zh-CN" altLang="en-US" sz="2000"/>
-              <a:t>了</a:t>
+              <a:t>带来</a:t>
             </a:r>
             <a:r>
               <a:rPr lang="zh-CN" altLang="en-US" sz="2000" smtClean="0"/>
-              <a:t>“</a:t>
+              <a:t>了“</a:t>
             </a:r>
             <a:r>
               <a:rPr lang="en-US" altLang="zh-CN" sz="2000"/>
@@ -17796,11 +17913,11 @@
             </a:r>
             <a:r>
               <a:rPr lang="zh-CN" altLang="en-US" sz="2000" smtClean="0"/>
-              <a:t>”</a:t>
+              <a:t>”等</a:t>
             </a:r>
             <a:r>
               <a:rPr lang="zh-CN" altLang="en-US" sz="2000" dirty="0"/>
-              <a:t>等具有惊叹感、敬畏感的体验。</a:t>
+              <a:t>具有惊叹感、敬畏感的体验。</a:t>
             </a:r>
             <a:endParaRPr lang="en-US" altLang="zh-CN" sz="2000" dirty="0"/>
           </a:p>
@@ -17858,31 +17975,27 @@
             </a:r>
             <a:r>
               <a:rPr lang="zh-CN" altLang="en-US" sz="2000" smtClean="0"/>
-              <a:t>拥有</a:t>
+              <a:t>拥有“</a:t>
+            </a:r>
+            <a:r>
+              <a:rPr lang="en-US" altLang="zh-CN" sz="2000"/>
+              <a:t>Temple </a:t>
             </a:r>
             <a:r>
               <a:rPr lang="en-US" altLang="zh-CN" sz="2000" smtClean="0"/>
-              <a:t>”</a:t>
+              <a:t>Burn</a:t>
+            </a:r>
+            <a:r>
+              <a:rPr lang="zh-CN" altLang="en-US" sz="2000" smtClean="0"/>
+              <a:t>”“</a:t>
             </a:r>
             <a:r>
               <a:rPr lang="en-US" altLang="zh-CN" sz="2000"/>
-              <a:t> Temple Burn</a:t>
-            </a:r>
-            <a:r>
-              <a:rPr lang="en-US" altLang="zh-CN" sz="2000" smtClean="0"/>
-              <a:t>””</a:t>
-            </a:r>
-            <a:r>
-              <a:rPr lang="en-US" altLang="zh-CN" sz="2000"/>
-              <a:t> Music &amp; Art</a:t>
-            </a:r>
-            <a:r>
-              <a:rPr lang="en-US" altLang="zh-CN" sz="2000" smtClean="0"/>
-              <a:t>”</a:t>
+              <a:t>Music &amp; Art</a:t>
             </a:r>
             <a:r>
               <a:rPr lang="zh-CN" altLang="en-US" sz="2000" smtClean="0"/>
-              <a:t>等</a:t>
+              <a:t>”等</a:t>
             </a:r>
             <a:r>
               <a:rPr lang="zh-CN" altLang="en-US" sz="2000" dirty="0"/>
@@ -18007,7 +18120,7 @@
           <p:cNvPr id="3" name="îś1iḑe">
             <a:extLst>
               <a:ext uri="{FF2B5EF4-FFF2-40B4-BE49-F238E27FC236}">
-                <a16:creationId xmlns="" xmlns:a16="http://schemas.microsoft.com/office/drawing/2014/main" id="{D0354FBB-2958-5F50-F024-31B27882F4EE}"/>
+                <a16:creationId xmlns:a16="http://schemas.microsoft.com/office/drawing/2014/main" xmlns="" id="{D0354FBB-2958-5F50-F024-31B27882F4EE}"/>
               </a:ext>
             </a:extLst>
           </p:cNvPr>
@@ -18142,7 +18255,7 @@
           <p:cNvPr id="28" name="ïṡ1ïďê">
             <a:extLst>
               <a:ext uri="{FF2B5EF4-FFF2-40B4-BE49-F238E27FC236}">
-                <a16:creationId xmlns="" xmlns:a16="http://schemas.microsoft.com/office/drawing/2014/main" id="{401E74F1-26A2-4054-3FE5-34F17BBBD947}"/>
+                <a16:creationId xmlns:a16="http://schemas.microsoft.com/office/drawing/2014/main" xmlns="" id="{401E74F1-26A2-4054-3FE5-34F17BBBD947}"/>
               </a:ext>
             </a:extLst>
           </p:cNvPr>
@@ -18162,7 +18275,7 @@
             <p:cNvPr id="4" name="ïs1îdé">
               <a:extLst>
                 <a:ext uri="{FF2B5EF4-FFF2-40B4-BE49-F238E27FC236}">
-                  <a16:creationId xmlns="" xmlns:a16="http://schemas.microsoft.com/office/drawing/2014/main" id="{A59C4AA7-1E2D-9B78-4676-CAC1DD6A8512}"/>
+                  <a16:creationId xmlns:a16="http://schemas.microsoft.com/office/drawing/2014/main" xmlns="" id="{A59C4AA7-1E2D-9B78-4676-CAC1DD6A8512}"/>
                 </a:ext>
               </a:extLst>
             </p:cNvPr>
@@ -18182,7 +18295,7 @@
               <p:cNvPr id="23" name="îṡḷîḍê">
                 <a:extLst>
                   <a:ext uri="{FF2B5EF4-FFF2-40B4-BE49-F238E27FC236}">
-                    <a16:creationId xmlns="" xmlns:a16="http://schemas.microsoft.com/office/drawing/2014/main" id="{83A16A7A-BAB6-5F7E-B9C7-C9DF9D8C87FE}"/>
+                    <a16:creationId xmlns:a16="http://schemas.microsoft.com/office/drawing/2014/main" xmlns="" id="{83A16A7A-BAB6-5F7E-B9C7-C9DF9D8C87FE}"/>
                   </a:ext>
                 </a:extLst>
               </p:cNvPr>
@@ -18202,7 +18315,7 @@
                 <p:cNvPr id="26" name="îṡļîḍé">
                   <a:extLst>
                     <a:ext uri="{FF2B5EF4-FFF2-40B4-BE49-F238E27FC236}">
-                      <a16:creationId xmlns="" xmlns:a16="http://schemas.microsoft.com/office/drawing/2014/main" id="{974BC2CC-C69D-C78B-0327-CE16D187A56D}"/>
+                      <a16:creationId xmlns:a16="http://schemas.microsoft.com/office/drawing/2014/main" xmlns="" id="{974BC2CC-C69D-C78B-0327-CE16D187A56D}"/>
                     </a:ext>
                   </a:extLst>
                 </p:cNvPr>
@@ -18274,7 +18387,7 @@
                 <p:cNvPr id="27" name="íṣḷíḍê">
                   <a:extLst>
                     <a:ext uri="{FF2B5EF4-FFF2-40B4-BE49-F238E27FC236}">
-                      <a16:creationId xmlns="" xmlns:a16="http://schemas.microsoft.com/office/drawing/2014/main" id="{A0274DD3-C0CF-66A0-76C7-92563CE77AF4}"/>
+                      <a16:creationId xmlns:a16="http://schemas.microsoft.com/office/drawing/2014/main" xmlns="" id="{A0274DD3-C0CF-66A0-76C7-92563CE77AF4}"/>
                     </a:ext>
                   </a:extLst>
                 </p:cNvPr>
@@ -18338,7 +18451,7 @@
               <p:cNvPr id="24" name="í$ľîḑé">
                 <a:extLst>
                   <a:ext uri="{FF2B5EF4-FFF2-40B4-BE49-F238E27FC236}">
-                    <a16:creationId xmlns="" xmlns:a16="http://schemas.microsoft.com/office/drawing/2014/main" id="{979C6938-A6F8-AAF2-46B0-E3F2126FF04A}"/>
+                    <a16:creationId xmlns:a16="http://schemas.microsoft.com/office/drawing/2014/main" xmlns="" id="{979C6938-A6F8-AAF2-46B0-E3F2126FF04A}"/>
                   </a:ext>
                 </a:extLst>
               </p:cNvPr>
@@ -18379,7 +18492,7 @@
               <p:cNvPr id="25" name="ïş1íḍé">
                 <a:extLst>
                   <a:ext uri="{FF2B5EF4-FFF2-40B4-BE49-F238E27FC236}">
-                    <a16:creationId xmlns="" xmlns:a16="http://schemas.microsoft.com/office/drawing/2014/main" id="{D5825AA2-9950-0400-5DEF-2AF023D0C64C}"/>
+                    <a16:creationId xmlns:a16="http://schemas.microsoft.com/office/drawing/2014/main" xmlns="" id="{D5825AA2-9950-0400-5DEF-2AF023D0C64C}"/>
                   </a:ext>
                 </a:extLst>
               </p:cNvPr>
@@ -18425,7 +18538,7 @@
             <p:cNvPr id="5" name="işļïďe">
               <a:extLst>
                 <a:ext uri="{FF2B5EF4-FFF2-40B4-BE49-F238E27FC236}">
-                  <a16:creationId xmlns="" xmlns:a16="http://schemas.microsoft.com/office/drawing/2014/main" id="{680FF075-5785-C39F-CF6A-060A778FC165}"/>
+                  <a16:creationId xmlns:a16="http://schemas.microsoft.com/office/drawing/2014/main" xmlns="" id="{680FF075-5785-C39F-CF6A-060A778FC165}"/>
                 </a:ext>
               </a:extLst>
             </p:cNvPr>
@@ -18445,7 +18558,7 @@
               <p:cNvPr id="18" name="iṧḻiḑe">
                 <a:extLst>
                   <a:ext uri="{FF2B5EF4-FFF2-40B4-BE49-F238E27FC236}">
-                    <a16:creationId xmlns="" xmlns:a16="http://schemas.microsoft.com/office/drawing/2014/main" id="{70E30EDB-7B75-6D8A-1BBF-1A2FC1BEE801}"/>
+                    <a16:creationId xmlns:a16="http://schemas.microsoft.com/office/drawing/2014/main" xmlns="" id="{70E30EDB-7B75-6D8A-1BBF-1A2FC1BEE801}"/>
                   </a:ext>
                 </a:extLst>
               </p:cNvPr>
@@ -18465,7 +18578,7 @@
                 <p:cNvPr id="21" name="î$ḻíḓe">
                   <a:extLst>
                     <a:ext uri="{FF2B5EF4-FFF2-40B4-BE49-F238E27FC236}">
-                      <a16:creationId xmlns="" xmlns:a16="http://schemas.microsoft.com/office/drawing/2014/main" id="{2B4705B8-0650-B985-369F-C2EE665081DA}"/>
+                      <a16:creationId xmlns:a16="http://schemas.microsoft.com/office/drawing/2014/main" xmlns="" id="{2B4705B8-0650-B985-369F-C2EE665081DA}"/>
                     </a:ext>
                   </a:extLst>
                 </p:cNvPr>
@@ -18537,7 +18650,7 @@
                 <p:cNvPr id="22" name="ïṡḷiḋê">
                   <a:extLst>
                     <a:ext uri="{FF2B5EF4-FFF2-40B4-BE49-F238E27FC236}">
-                      <a16:creationId xmlns="" xmlns:a16="http://schemas.microsoft.com/office/drawing/2014/main" id="{08308386-E14E-B76B-24F2-4625C2F22BB8}"/>
+                      <a16:creationId xmlns:a16="http://schemas.microsoft.com/office/drawing/2014/main" xmlns="" id="{08308386-E14E-B76B-24F2-4625C2F22BB8}"/>
                     </a:ext>
                   </a:extLst>
                 </p:cNvPr>
@@ -18587,7 +18700,7 @@
               <p:cNvPr id="19" name="iSḷiḓè">
                 <a:extLst>
                   <a:ext uri="{FF2B5EF4-FFF2-40B4-BE49-F238E27FC236}">
-                    <a16:creationId xmlns="" xmlns:a16="http://schemas.microsoft.com/office/drawing/2014/main" id="{1C7B2D58-D572-5556-A2BE-70A6FFFFABEC}"/>
+                    <a16:creationId xmlns:a16="http://schemas.microsoft.com/office/drawing/2014/main" xmlns="" id="{1C7B2D58-D572-5556-A2BE-70A6FFFFABEC}"/>
                   </a:ext>
                 </a:extLst>
               </p:cNvPr>
@@ -18628,7 +18741,7 @@
               <p:cNvPr id="20" name="ïs1ïḑè">
                 <a:extLst>
                   <a:ext uri="{FF2B5EF4-FFF2-40B4-BE49-F238E27FC236}">
-                    <a16:creationId xmlns="" xmlns:a16="http://schemas.microsoft.com/office/drawing/2014/main" id="{833515B7-2AE8-189A-B30D-C1B938DA6302}"/>
+                    <a16:creationId xmlns:a16="http://schemas.microsoft.com/office/drawing/2014/main" xmlns="" id="{833515B7-2AE8-189A-B30D-C1B938DA6302}"/>
                   </a:ext>
                 </a:extLst>
               </p:cNvPr>
@@ -18674,7 +18787,7 @@
             <p:cNvPr id="6" name="iṩḷîḋé">
               <a:extLst>
                 <a:ext uri="{FF2B5EF4-FFF2-40B4-BE49-F238E27FC236}">
-                  <a16:creationId xmlns="" xmlns:a16="http://schemas.microsoft.com/office/drawing/2014/main" id="{6D098F7F-9C77-5459-2FAD-72CC6EDC7FA4}"/>
+                  <a16:creationId xmlns:a16="http://schemas.microsoft.com/office/drawing/2014/main" xmlns="" id="{6D098F7F-9C77-5459-2FAD-72CC6EDC7FA4}"/>
                 </a:ext>
               </a:extLst>
             </p:cNvPr>
@@ -18694,7 +18807,7 @@
               <p:cNvPr id="13" name="iṡḷiďè">
                 <a:extLst>
                   <a:ext uri="{FF2B5EF4-FFF2-40B4-BE49-F238E27FC236}">
-                    <a16:creationId xmlns="" xmlns:a16="http://schemas.microsoft.com/office/drawing/2014/main" id="{996B5D98-2A51-C0A3-4319-301329AF01F4}"/>
+                    <a16:creationId xmlns:a16="http://schemas.microsoft.com/office/drawing/2014/main" xmlns="" id="{996B5D98-2A51-C0A3-4319-301329AF01F4}"/>
                   </a:ext>
                 </a:extLst>
               </p:cNvPr>
@@ -18714,7 +18827,7 @@
                 <p:cNvPr id="16" name="îṥlïḍe">
                   <a:extLst>
                     <a:ext uri="{FF2B5EF4-FFF2-40B4-BE49-F238E27FC236}">
-                      <a16:creationId xmlns="" xmlns:a16="http://schemas.microsoft.com/office/drawing/2014/main" id="{8D74F945-68CE-99E6-1A41-77206B4DA5B8}"/>
+                      <a16:creationId xmlns:a16="http://schemas.microsoft.com/office/drawing/2014/main" xmlns="" id="{8D74F945-68CE-99E6-1A41-77206B4DA5B8}"/>
                     </a:ext>
                   </a:extLst>
                 </p:cNvPr>
@@ -18786,7 +18899,7 @@
                 <p:cNvPr id="17" name="iSḷîḑê">
                   <a:extLst>
                     <a:ext uri="{FF2B5EF4-FFF2-40B4-BE49-F238E27FC236}">
-                      <a16:creationId xmlns="" xmlns:a16="http://schemas.microsoft.com/office/drawing/2014/main" id="{87F9B404-1775-97DE-9D1D-0C35E29630ED}"/>
+                      <a16:creationId xmlns:a16="http://schemas.microsoft.com/office/drawing/2014/main" xmlns="" id="{87F9B404-1775-97DE-9D1D-0C35E29630ED}"/>
                     </a:ext>
                   </a:extLst>
                 </p:cNvPr>
@@ -18850,7 +18963,7 @@
               <p:cNvPr id="14" name="íSḻíḋè">
                 <a:extLst>
                   <a:ext uri="{FF2B5EF4-FFF2-40B4-BE49-F238E27FC236}">
-                    <a16:creationId xmlns="" xmlns:a16="http://schemas.microsoft.com/office/drawing/2014/main" id="{75931950-4D40-8687-2D8D-44E9A0839485}"/>
+                    <a16:creationId xmlns:a16="http://schemas.microsoft.com/office/drawing/2014/main" xmlns="" id="{75931950-4D40-8687-2D8D-44E9A0839485}"/>
                   </a:ext>
                 </a:extLst>
               </p:cNvPr>
@@ -18891,7 +19004,7 @@
               <p:cNvPr id="15" name="išļîde">
                 <a:extLst>
                   <a:ext uri="{FF2B5EF4-FFF2-40B4-BE49-F238E27FC236}">
-                    <a16:creationId xmlns="" xmlns:a16="http://schemas.microsoft.com/office/drawing/2014/main" id="{E8D3AF1E-1F3E-F6DB-B267-0393C1522B7F}"/>
+                    <a16:creationId xmlns:a16="http://schemas.microsoft.com/office/drawing/2014/main" xmlns="" id="{E8D3AF1E-1F3E-F6DB-B267-0393C1522B7F}"/>
                   </a:ext>
                 </a:extLst>
               </p:cNvPr>
@@ -18937,7 +19050,7 @@
             <p:cNvPr id="7" name="îś1idê">
               <a:extLst>
                 <a:ext uri="{FF2B5EF4-FFF2-40B4-BE49-F238E27FC236}">
-                  <a16:creationId xmlns="" xmlns:a16="http://schemas.microsoft.com/office/drawing/2014/main" id="{1412C11E-84B5-12D9-3749-B91867A79C1D}"/>
+                  <a16:creationId xmlns:a16="http://schemas.microsoft.com/office/drawing/2014/main" xmlns="" id="{1412C11E-84B5-12D9-3749-B91867A79C1D}"/>
                 </a:ext>
               </a:extLst>
             </p:cNvPr>
@@ -18957,7 +19070,7 @@
               <p:cNvPr id="8" name="iS1íḍe">
                 <a:extLst>
                   <a:ext uri="{FF2B5EF4-FFF2-40B4-BE49-F238E27FC236}">
-                    <a16:creationId xmlns="" xmlns:a16="http://schemas.microsoft.com/office/drawing/2014/main" id="{4928AA6A-28DD-B913-64B2-14161535DFE2}"/>
+                    <a16:creationId xmlns:a16="http://schemas.microsoft.com/office/drawing/2014/main" xmlns="" id="{4928AA6A-28DD-B913-64B2-14161535DFE2}"/>
                   </a:ext>
                 </a:extLst>
               </p:cNvPr>
@@ -18977,7 +19090,7 @@
                 <p:cNvPr id="11" name="iSļïḓé">
                   <a:extLst>
                     <a:ext uri="{FF2B5EF4-FFF2-40B4-BE49-F238E27FC236}">
-                      <a16:creationId xmlns="" xmlns:a16="http://schemas.microsoft.com/office/drawing/2014/main" id="{984ED1D8-BCB5-96B2-4C34-3A8FD6C27169}"/>
+                      <a16:creationId xmlns:a16="http://schemas.microsoft.com/office/drawing/2014/main" xmlns="" id="{984ED1D8-BCB5-96B2-4C34-3A8FD6C27169}"/>
                     </a:ext>
                   </a:extLst>
                 </p:cNvPr>
@@ -19049,7 +19162,7 @@
                 <p:cNvPr id="12" name="îṩḻïḋe">
                   <a:extLst>
                     <a:ext uri="{FF2B5EF4-FFF2-40B4-BE49-F238E27FC236}">
-                      <a16:creationId xmlns="" xmlns:a16="http://schemas.microsoft.com/office/drawing/2014/main" id="{DBA6279E-2EA4-29C7-9BFA-FF464E8B1CA7}"/>
+                      <a16:creationId xmlns:a16="http://schemas.microsoft.com/office/drawing/2014/main" xmlns="" id="{DBA6279E-2EA4-29C7-9BFA-FF464E8B1CA7}"/>
                     </a:ext>
                   </a:extLst>
                 </p:cNvPr>
@@ -19113,7 +19226,7 @@
               <p:cNvPr id="9" name="îṣ1íďe">
                 <a:extLst>
                   <a:ext uri="{FF2B5EF4-FFF2-40B4-BE49-F238E27FC236}">
-                    <a16:creationId xmlns="" xmlns:a16="http://schemas.microsoft.com/office/drawing/2014/main" id="{7FF47380-800B-B23A-2417-D7CE7AC57D9D}"/>
+                    <a16:creationId xmlns:a16="http://schemas.microsoft.com/office/drawing/2014/main" xmlns="" id="{7FF47380-800B-B23A-2417-D7CE7AC57D9D}"/>
                   </a:ext>
                 </a:extLst>
               </p:cNvPr>
@@ -19154,7 +19267,7 @@
               <p:cNvPr id="10" name="îsľiḍe">
                 <a:extLst>
                   <a:ext uri="{FF2B5EF4-FFF2-40B4-BE49-F238E27FC236}">
-                    <a16:creationId xmlns="" xmlns:a16="http://schemas.microsoft.com/office/drawing/2014/main" id="{684C9C73-BE0A-6D72-531F-BC3C57FBBFFE}"/>
+                    <a16:creationId xmlns:a16="http://schemas.microsoft.com/office/drawing/2014/main" xmlns="" id="{684C9C73-BE0A-6D72-531F-BC3C57FBBFFE}"/>
                   </a:ext>
                 </a:extLst>
               </p:cNvPr>
@@ -19201,7 +19314,7 @@
           <p:cNvPr id="29" name="ïş1ïḑé">
             <a:extLst>
               <a:ext uri="{FF2B5EF4-FFF2-40B4-BE49-F238E27FC236}">
-                <a16:creationId xmlns="" xmlns:a16="http://schemas.microsoft.com/office/drawing/2014/main" id="{F5C008A4-AC33-5C84-D26C-D1BB479E1BD9}"/>
+                <a16:creationId xmlns:a16="http://schemas.microsoft.com/office/drawing/2014/main" xmlns="" id="{F5C008A4-AC33-5C84-D26C-D1BB479E1BD9}"/>
               </a:ext>
             </a:extLst>
           </p:cNvPr>
@@ -19277,7 +19390,7 @@
           <p:cNvPr id="29" name="ïSḻïdé">
             <a:extLst>
               <a:ext uri="{FF2B5EF4-FFF2-40B4-BE49-F238E27FC236}">
-                <a16:creationId xmlns="" xmlns:a16="http://schemas.microsoft.com/office/drawing/2014/main" id="{739B0083-62C7-13C6-C29E-E3A3F9D6E8C8}"/>
+                <a16:creationId xmlns:a16="http://schemas.microsoft.com/office/drawing/2014/main" xmlns="" id="{739B0083-62C7-13C6-C29E-E3A3F9D6E8C8}"/>
               </a:ext>
             </a:extLst>
           </p:cNvPr>
@@ -19316,7 +19429,7 @@
           <p:cNvPr id="2" name="iSľïďe">
             <a:extLst>
               <a:ext uri="{FF2B5EF4-FFF2-40B4-BE49-F238E27FC236}">
-                <a16:creationId xmlns="" xmlns:a16="http://schemas.microsoft.com/office/drawing/2014/main" id="{89B0AE59-C7E5-CAD8-1760-8D8F2F977A91}"/>
+                <a16:creationId xmlns:a16="http://schemas.microsoft.com/office/drawing/2014/main" xmlns="" id="{89B0AE59-C7E5-CAD8-1760-8D8F2F977A91}"/>
               </a:ext>
             </a:extLst>
           </p:cNvPr>
@@ -19465,7 +19578,57 @@
                   </a:schemeClr>
                 </a:solidFill>
               </a:rPr>
-              <a:t>活动强烈反映了参与者在烧人节前的兴奋感。</a:t>
+              <a:t>活动强烈反映了</a:t>
+            </a:r>
+            <a:r>
+              <a:rPr lang="zh-CN" altLang="en-US" sz="2000" b="1">
+                <a:solidFill>
+                  <a:schemeClr val="accent4">
+                    <a:lumMod val="75000"/>
+                  </a:schemeClr>
+                </a:solidFill>
+              </a:rPr>
+              <a:t>参与者</a:t>
+            </a:r>
+            <a:r>
+              <a:rPr lang="zh-CN" altLang="en-US" sz="2000" b="1" smtClean="0">
+                <a:solidFill>
+                  <a:schemeClr val="accent4">
+                    <a:lumMod val="75000"/>
+                  </a:schemeClr>
+                </a:solidFill>
+              </a:rPr>
+              <a:t>在</a:t>
+            </a:r>
+            <a:r>
+              <a:rPr lang="zh-CN" altLang="en-US" sz="2000" b="1">
+                <a:solidFill>
+                  <a:schemeClr val="accent4">
+                    <a:lumMod val="75000"/>
+                  </a:schemeClr>
+                </a:solidFill>
+              </a:rPr>
+              <a:t>火人</a:t>
+            </a:r>
+            <a:r>
+              <a:rPr lang="zh-CN" altLang="en-US" sz="2000" b="1" smtClean="0">
+                <a:solidFill>
+                  <a:schemeClr val="accent4">
+                    <a:lumMod val="75000"/>
+                  </a:schemeClr>
+                </a:solidFill>
+              </a:rPr>
+              <a:t>节</a:t>
+            </a:r>
+            <a:r>
+              <a:rPr lang="zh-CN" altLang="en-US" sz="2000" b="1" dirty="0">
+                <a:solidFill>
+                  <a:schemeClr val="accent4">
+                    <a:lumMod val="75000"/>
+                  </a:schemeClr>
+                </a:solidFill>
+              </a:rPr>
+              <a:t>前的兴奋感。</a:t>
             </a:r>
             <a:r>
               <a:rPr lang="zh-CN" altLang="en-US" sz="2000" dirty="0"/>
@@ -19489,7 +19652,7 @@
             </a:r>
             <a:r>
               <a:rPr lang="zh-CN" altLang="en-US" sz="2000" smtClean="0"/>
-              <a:t>参与者</a:t>
+              <a:t>参与者的高</a:t>
             </a:r>
             <a:r>
               <a:rPr lang="zh-CN" altLang="en-US" sz="2000"/>
@@ -19497,7 +19660,7 @@
             </a:r>
             <a:r>
               <a:rPr lang="zh-CN" altLang="en-US" sz="2000" smtClean="0"/>
-              <a:t>值和参与制都很高，体现了</a:t>
+              <a:t>值与参与度，体现了</a:t>
             </a:r>
             <a:r>
               <a:rPr lang="zh-CN" altLang="en-US" sz="2000" dirty="0"/>
@@ -19523,7 +19686,37 @@
                   </a:schemeClr>
                 </a:solidFill>
               </a:rPr>
-              <a:t>心理情感变化进一步引发了对生命、宇宙和自我的反思。</a:t>
+              <a:t>心理</a:t>
+            </a:r>
+            <a:r>
+              <a:rPr lang="zh-CN" altLang="en-US" sz="2000" b="1">
+                <a:solidFill>
+                  <a:schemeClr val="accent4">
+                    <a:lumMod val="75000"/>
+                  </a:schemeClr>
+                </a:solidFill>
+              </a:rPr>
+              <a:t>情感</a:t>
+            </a:r>
+            <a:r>
+              <a:rPr lang="zh-CN" altLang="en-US" sz="2000" b="1" smtClean="0">
+                <a:solidFill>
+                  <a:schemeClr val="accent4">
+                    <a:lumMod val="75000"/>
+                  </a:schemeClr>
+                </a:solidFill>
+              </a:rPr>
+              <a:t>变化引发对</a:t>
+            </a:r>
+            <a:r>
+              <a:rPr lang="zh-CN" altLang="en-US" sz="2000" b="1" dirty="0">
+                <a:solidFill>
+                  <a:schemeClr val="accent4">
+                    <a:lumMod val="75000"/>
+                  </a:schemeClr>
+                </a:solidFill>
+              </a:rPr>
+              <a:t>生命、宇宙和自我的反思。</a:t>
             </a:r>
             <a:r>
               <a:rPr lang="zh-CN" altLang="en-US" sz="2000" dirty="0"/>
@@ -19535,23 +19728,15 @@
             </a:r>
             <a:r>
               <a:rPr lang="zh-CN" altLang="en-US" sz="2000" smtClean="0"/>
-              <a:t>到</a:t>
-            </a:r>
-            <a:r>
-              <a:rPr lang="en-US" altLang="zh-CN" sz="2000" smtClean="0"/>
-              <a:t>”</a:t>
+              <a:t>到“</a:t>
             </a:r>
             <a:r>
               <a:rPr lang="en-US" altLang="zh-CN" sz="2000"/>
-              <a:t> Everything in life is temporary and that is the beauty of it</a:t>
-            </a:r>
-            <a:r>
-              <a:rPr lang="en-US" altLang="zh-CN" sz="2000" smtClean="0"/>
-              <a:t>”</a:t>
+              <a:t>Everything in life is temporary and that is the beauty of it</a:t>
             </a:r>
             <a:r>
               <a:rPr lang="zh-CN" altLang="en-US" sz="2000" smtClean="0"/>
-              <a:t>，</a:t>
+              <a:t>”，</a:t>
             </a:r>
             <a:r>
               <a:rPr lang="zh-CN" altLang="en-US" sz="2000" dirty="0"/>
@@ -19605,15 +19790,15 @@
             </a:r>
             <a:r>
               <a:rPr lang="zh-CN" altLang="en-US" sz="2000" dirty="0"/>
-              <a:t>“爱”和“启发”等高频关键词直观表现了参与者的积极情绪。</a:t>
+              <a:t>“爱”和“启发”等高频关键词直观表现了参与者的</a:t>
             </a:r>
             <a:r>
               <a:rPr lang="zh-CN" altLang="en-US" sz="2000"/>
-              <a:t>如</a:t>
+              <a:t>积极</a:t>
             </a:r>
             <a:r>
               <a:rPr lang="zh-CN" altLang="en-US" sz="2000" smtClean="0"/>
-              <a:t>“</a:t>
+              <a:t>情绪，如“</a:t>
             </a:r>
             <a:r>
               <a:rPr lang="en-US" altLang="zh-CN" sz="2000"/>
@@ -19621,23 +19806,15 @@
             </a:r>
             <a:r>
               <a:rPr lang="zh-CN" altLang="en-US" sz="2000" smtClean="0"/>
-              <a:t>”和</a:t>
-            </a:r>
-            <a:r>
-              <a:rPr lang="en-US" altLang="zh-CN" sz="2000" smtClean="0"/>
-              <a:t>”</a:t>
+              <a:t>”和“</a:t>
             </a:r>
             <a:r>
               <a:rPr lang="en-US" altLang="zh-CN" sz="2000"/>
-              <a:t> Such a beautiful place to give thanks</a:t>
-            </a:r>
-            <a:r>
-              <a:rPr lang="en-US" altLang="zh-CN" sz="2000" smtClean="0"/>
-              <a:t>”</a:t>
+              <a:t>Such a beautiful place to give thanks</a:t>
             </a:r>
             <a:r>
               <a:rPr lang="zh-CN" altLang="en-US" sz="2000" smtClean="0"/>
-              <a:t>。强烈情感</a:t>
+              <a:t>”。强烈情感</a:t>
             </a:r>
             <a:r>
               <a:rPr lang="zh-CN" altLang="en-US" sz="2000" dirty="0"/>
@@ -19712,7 +19889,7 @@
           <p:cNvPr id="2" name="ïṡḻïḓê">
             <a:extLst>
               <a:ext uri="{FF2B5EF4-FFF2-40B4-BE49-F238E27FC236}">
-                <a16:creationId xmlns="" xmlns:a16="http://schemas.microsoft.com/office/drawing/2014/main" id="{FA50EBB2-8FFA-9D47-A68A-ACED34B79B3A}"/>
+                <a16:creationId xmlns:a16="http://schemas.microsoft.com/office/drawing/2014/main" xmlns="" id="{FA50EBB2-8FFA-9D47-A68A-ACED34B79B3A}"/>
               </a:ext>
             </a:extLst>
           </p:cNvPr>
@@ -19751,7 +19928,7 @@
           <p:cNvPr id="3" name="iṡľïďe">
             <a:extLst>
               <a:ext uri="{FF2B5EF4-FFF2-40B4-BE49-F238E27FC236}">
-                <a16:creationId xmlns="" xmlns:a16="http://schemas.microsoft.com/office/drawing/2014/main" id="{9591A418-03ED-8F81-3AC6-C20EBC502C8A}"/>
+                <a16:creationId xmlns:a16="http://schemas.microsoft.com/office/drawing/2014/main" xmlns="" id="{9591A418-03ED-8F81-3AC6-C20EBC502C8A}"/>
               </a:ext>
             </a:extLst>
           </p:cNvPr>
@@ -19821,7 +19998,7 @@
           <p:cNvPr id="6" name="işļïḑe">
             <a:extLst>
               <a:ext uri="{FF2B5EF4-FFF2-40B4-BE49-F238E27FC236}">
-                <a16:creationId xmlns="" xmlns:a16="http://schemas.microsoft.com/office/drawing/2014/main" id="{89B1FB1D-55B4-EADB-A18E-7F95E2840C0E}"/>
+                <a16:creationId xmlns:a16="http://schemas.microsoft.com/office/drawing/2014/main" xmlns="" id="{89B1FB1D-55B4-EADB-A18E-7F95E2840C0E}"/>
               </a:ext>
             </a:extLst>
           </p:cNvPr>
@@ -19841,7 +20018,7 @@
             <p:cNvPr id="7" name="îşļîďè">
               <a:extLst>
                 <a:ext uri="{FF2B5EF4-FFF2-40B4-BE49-F238E27FC236}">
-                  <a16:creationId xmlns="" xmlns:a16="http://schemas.microsoft.com/office/drawing/2014/main" id="{A505410A-1EA3-C413-4DA3-F98073266F85}"/>
+                  <a16:creationId xmlns:a16="http://schemas.microsoft.com/office/drawing/2014/main" xmlns="" id="{A505410A-1EA3-C413-4DA3-F98073266F85}"/>
                 </a:ext>
               </a:extLst>
             </p:cNvPr>
@@ -19898,7 +20075,7 @@
             <p:cNvPr id="8" name="isľiḋê">
               <a:extLst>
                 <a:ext uri="{FF2B5EF4-FFF2-40B4-BE49-F238E27FC236}">
-                  <a16:creationId xmlns="" xmlns:a16="http://schemas.microsoft.com/office/drawing/2014/main" id="{C4B611F3-BC59-CBD2-EDC3-E3B43580BE87}"/>
+                  <a16:creationId xmlns:a16="http://schemas.microsoft.com/office/drawing/2014/main" xmlns="" id="{C4B611F3-BC59-CBD2-EDC3-E3B43580BE87}"/>
                 </a:ext>
               </a:extLst>
             </p:cNvPr>
@@ -19918,7 +20095,7 @@
               <p:cNvPr id="9" name="ïṡḷíḋé">
                 <a:extLst>
                   <a:ext uri="{FF2B5EF4-FFF2-40B4-BE49-F238E27FC236}">
-                    <a16:creationId xmlns="" xmlns:a16="http://schemas.microsoft.com/office/drawing/2014/main" id="{8875AC18-2574-7C0A-6C3A-24DFB615D50B}"/>
+                    <a16:creationId xmlns:a16="http://schemas.microsoft.com/office/drawing/2014/main" xmlns="" id="{8875AC18-2574-7C0A-6C3A-24DFB615D50B}"/>
                   </a:ext>
                 </a:extLst>
               </p:cNvPr>
@@ -19961,7 +20138,7 @@
               <p:cNvPr id="10" name="îṥḷiḋe">
                 <a:extLst>
                   <a:ext uri="{FF2B5EF4-FFF2-40B4-BE49-F238E27FC236}">
-                    <a16:creationId xmlns="" xmlns:a16="http://schemas.microsoft.com/office/drawing/2014/main" id="{F4EC30EA-8C0D-D546-30E8-CC0B5E4E9523}"/>
+                    <a16:creationId xmlns:a16="http://schemas.microsoft.com/office/drawing/2014/main" xmlns="" id="{F4EC30EA-8C0D-D546-30E8-CC0B5E4E9523}"/>
                   </a:ext>
                 </a:extLst>
               </p:cNvPr>
@@ -19981,7 +20158,7 @@
                 <p:cNvPr id="21" name="ïsľiďê">
                   <a:extLst>
                     <a:ext uri="{FF2B5EF4-FFF2-40B4-BE49-F238E27FC236}">
-                      <a16:creationId xmlns="" xmlns:a16="http://schemas.microsoft.com/office/drawing/2014/main" id="{20218E0D-7A42-C63C-9D9C-843CD974BACB}"/>
+                      <a16:creationId xmlns:a16="http://schemas.microsoft.com/office/drawing/2014/main" xmlns="" id="{20218E0D-7A42-C63C-9D9C-843CD974BACB}"/>
                     </a:ext>
                   </a:extLst>
                 </p:cNvPr>
@@ -20036,7 +20213,7 @@
                 <p:cNvPr id="22" name="îṩľîḓê">
                   <a:extLst>
                     <a:ext uri="{FF2B5EF4-FFF2-40B4-BE49-F238E27FC236}">
-                      <a16:creationId xmlns="" xmlns:a16="http://schemas.microsoft.com/office/drawing/2014/main" id="{A690867C-BF84-3B0F-69AE-6EAC60063086}"/>
+                      <a16:creationId xmlns:a16="http://schemas.microsoft.com/office/drawing/2014/main" xmlns="" id="{A690867C-BF84-3B0F-69AE-6EAC60063086}"/>
                     </a:ext>
                   </a:extLst>
                 </p:cNvPr>
@@ -20056,7 +20233,7 @@
                   <p:cNvPr id="23" name="îšḻiďè">
                     <a:extLst>
                       <a:ext uri="{FF2B5EF4-FFF2-40B4-BE49-F238E27FC236}">
-                        <a16:creationId xmlns="" xmlns:a16="http://schemas.microsoft.com/office/drawing/2014/main" id="{A42D4935-D4BA-4BD9-FC86-8825EDB25921}"/>
+                        <a16:creationId xmlns:a16="http://schemas.microsoft.com/office/drawing/2014/main" xmlns="" id="{A42D4935-D4BA-4BD9-FC86-8825EDB25921}"/>
                       </a:ext>
                     </a:extLst>
                   </p:cNvPr>
@@ -20123,7 +20300,7 @@
                   <p:cNvPr id="24" name="iṩḻídé">
                     <a:extLst>
                       <a:ext uri="{FF2B5EF4-FFF2-40B4-BE49-F238E27FC236}">
-                        <a16:creationId xmlns="" xmlns:a16="http://schemas.microsoft.com/office/drawing/2014/main" id="{1C599AF0-5BCD-F54D-1AD3-1F18793C8BA1}"/>
+                        <a16:creationId xmlns:a16="http://schemas.microsoft.com/office/drawing/2014/main" xmlns="" id="{1C599AF0-5BCD-F54D-1AD3-1F18793C8BA1}"/>
                       </a:ext>
                     </a:extLst>
                   </p:cNvPr>
@@ -20266,7 +20443,7 @@
               <p:cNvPr id="11" name="íṥḷiḋê">
                 <a:extLst>
                   <a:ext uri="{FF2B5EF4-FFF2-40B4-BE49-F238E27FC236}">
-                    <a16:creationId xmlns="" xmlns:a16="http://schemas.microsoft.com/office/drawing/2014/main" id="{6DC272CD-AC6C-A461-43C2-82B6BB6CC08B}"/>
+                    <a16:creationId xmlns:a16="http://schemas.microsoft.com/office/drawing/2014/main" xmlns="" id="{6DC272CD-AC6C-A461-43C2-82B6BB6CC08B}"/>
                   </a:ext>
                 </a:extLst>
               </p:cNvPr>
@@ -20286,7 +20463,7 @@
                 <p:cNvPr id="17" name="íṥḷíḓê">
                   <a:extLst>
                     <a:ext uri="{FF2B5EF4-FFF2-40B4-BE49-F238E27FC236}">
-                      <a16:creationId xmlns="" xmlns:a16="http://schemas.microsoft.com/office/drawing/2014/main" id="{8E995AC9-CBD6-8672-373F-B6EE5604C11B}"/>
+                      <a16:creationId xmlns:a16="http://schemas.microsoft.com/office/drawing/2014/main" xmlns="" id="{8E995AC9-CBD6-8672-373F-B6EE5604C11B}"/>
                     </a:ext>
                   </a:extLst>
                 </p:cNvPr>
@@ -20341,7 +20518,7 @@
                 <p:cNvPr id="18" name="ïšlíḑê">
                   <a:extLst>
                     <a:ext uri="{FF2B5EF4-FFF2-40B4-BE49-F238E27FC236}">
-                      <a16:creationId xmlns="" xmlns:a16="http://schemas.microsoft.com/office/drawing/2014/main" id="{E8B35005-8F4B-D2E3-DB94-51BD685FCAB9}"/>
+                      <a16:creationId xmlns:a16="http://schemas.microsoft.com/office/drawing/2014/main" xmlns="" id="{E8B35005-8F4B-D2E3-DB94-51BD685FCAB9}"/>
                     </a:ext>
                   </a:extLst>
                 </p:cNvPr>
@@ -20361,7 +20538,7 @@
                   <p:cNvPr id="19" name="íṡḷïďè">
                     <a:extLst>
                       <a:ext uri="{FF2B5EF4-FFF2-40B4-BE49-F238E27FC236}">
-                        <a16:creationId xmlns="" xmlns:a16="http://schemas.microsoft.com/office/drawing/2014/main" id="{89D0146D-5E18-BA40-783D-44B7BAE589FD}"/>
+                        <a16:creationId xmlns:a16="http://schemas.microsoft.com/office/drawing/2014/main" xmlns="" id="{89D0146D-5E18-BA40-783D-44B7BAE589FD}"/>
                       </a:ext>
                     </a:extLst>
                   </p:cNvPr>
@@ -20428,7 +20605,7 @@
                   <p:cNvPr id="20" name="îṥļídê">
                     <a:extLst>
                       <a:ext uri="{FF2B5EF4-FFF2-40B4-BE49-F238E27FC236}">
-                        <a16:creationId xmlns="" xmlns:a16="http://schemas.microsoft.com/office/drawing/2014/main" id="{CCF95BAF-EC76-7C12-D864-6ADE84589EC5}"/>
+                        <a16:creationId xmlns:a16="http://schemas.microsoft.com/office/drawing/2014/main" xmlns="" id="{CCF95BAF-EC76-7C12-D864-6ADE84589EC5}"/>
                       </a:ext>
                     </a:extLst>
                   </p:cNvPr>
@@ -20614,7 +20791,7 @@
               <p:cNvPr id="12" name="iṡ1îḓè">
                 <a:extLst>
                   <a:ext uri="{FF2B5EF4-FFF2-40B4-BE49-F238E27FC236}">
-                    <a16:creationId xmlns="" xmlns:a16="http://schemas.microsoft.com/office/drawing/2014/main" id="{BE188D93-93B5-68BF-B481-2A3CBD1B64D1}"/>
+                    <a16:creationId xmlns:a16="http://schemas.microsoft.com/office/drawing/2014/main" xmlns="" id="{BE188D93-93B5-68BF-B481-2A3CBD1B64D1}"/>
                   </a:ext>
                 </a:extLst>
               </p:cNvPr>
@@ -20634,7 +20811,7 @@
                 <p:cNvPr id="13" name="iṣlíḋe">
                   <a:extLst>
                     <a:ext uri="{FF2B5EF4-FFF2-40B4-BE49-F238E27FC236}">
-                      <a16:creationId xmlns="" xmlns:a16="http://schemas.microsoft.com/office/drawing/2014/main" id="{6B572B98-C7F6-923F-8C26-A0C516399C1C}"/>
+                      <a16:creationId xmlns:a16="http://schemas.microsoft.com/office/drawing/2014/main" xmlns="" id="{6B572B98-C7F6-923F-8C26-A0C516399C1C}"/>
                     </a:ext>
                   </a:extLst>
                 </p:cNvPr>
@@ -20689,7 +20866,7 @@
                 <p:cNvPr id="14" name="i$1idê">
                   <a:extLst>
                     <a:ext uri="{FF2B5EF4-FFF2-40B4-BE49-F238E27FC236}">
-                      <a16:creationId xmlns="" xmlns:a16="http://schemas.microsoft.com/office/drawing/2014/main" id="{9375BDB9-B0FD-62BD-895C-4815A67D503F}"/>
+                      <a16:creationId xmlns:a16="http://schemas.microsoft.com/office/drawing/2014/main" xmlns="" id="{9375BDB9-B0FD-62BD-895C-4815A67D503F}"/>
                     </a:ext>
                   </a:extLst>
                 </p:cNvPr>
@@ -20709,7 +20886,7 @@
                   <p:cNvPr id="15" name="iṣḻidê">
                     <a:extLst>
                       <a:ext uri="{FF2B5EF4-FFF2-40B4-BE49-F238E27FC236}">
-                        <a16:creationId xmlns="" xmlns:a16="http://schemas.microsoft.com/office/drawing/2014/main" id="{D6013189-32D1-A45A-24D0-586E3D91742A}"/>
+                        <a16:creationId xmlns:a16="http://schemas.microsoft.com/office/drawing/2014/main" xmlns="" id="{D6013189-32D1-A45A-24D0-586E3D91742A}"/>
                       </a:ext>
                     </a:extLst>
                   </p:cNvPr>
@@ -20776,7 +20953,7 @@
                   <p:cNvPr id="16" name="ïṡḷíḑé">
                     <a:extLst>
                       <a:ext uri="{FF2B5EF4-FFF2-40B4-BE49-F238E27FC236}">
-                        <a16:creationId xmlns="" xmlns:a16="http://schemas.microsoft.com/office/drawing/2014/main" id="{D2DBA0DE-1CB3-5FF5-5FF1-C1E9D53E01FA}"/>
+                        <a16:creationId xmlns:a16="http://schemas.microsoft.com/office/drawing/2014/main" xmlns="" id="{D2DBA0DE-1CB3-5FF5-5FF1-C1E9D53E01FA}"/>
                       </a:ext>
                     </a:extLst>
                   </p:cNvPr>
@@ -20991,7 +21168,7 @@
           <p:cNvPr id="2" name="ïṡḻïḓê">
             <a:extLst>
               <a:ext uri="{FF2B5EF4-FFF2-40B4-BE49-F238E27FC236}">
-                <a16:creationId xmlns="" xmlns:a16="http://schemas.microsoft.com/office/drawing/2014/main" id="{FA50EBB2-8FFA-9D47-A68A-ACED34B79B3A}"/>
+                <a16:creationId xmlns:a16="http://schemas.microsoft.com/office/drawing/2014/main" xmlns="" id="{FA50EBB2-8FFA-9D47-A68A-ACED34B79B3A}"/>
               </a:ext>
             </a:extLst>
           </p:cNvPr>
@@ -21008,13 +21185,13 @@
           <a:lstStyle/>
           <a:p>
             <a:r>
-              <a:rPr lang="zh-CN" altLang="en-US" sz="2800">
+              <a:rPr lang="zh-CN" altLang="en-US">
                 <a:latin typeface="+mn-lt"/>
                 <a:ea typeface="+mn-ea"/>
                 <a:cs typeface="+mn-ea"/>
                 <a:sym typeface="+mn-lt"/>
               </a:rPr>
-              <a:t>研究讨论</a:t>
+              <a:t>未来展望</a:t>
             </a:r>
             <a:endParaRPr lang="zh-CN" altLang="en-US" dirty="0">
               <a:latin typeface="+mn-lt"/>
@@ -21030,7 +21207,7 @@
           <p:cNvPr id="3" name="iṡľïďe">
             <a:extLst>
               <a:ext uri="{FF2B5EF4-FFF2-40B4-BE49-F238E27FC236}">
-                <a16:creationId xmlns="" xmlns:a16="http://schemas.microsoft.com/office/drawing/2014/main" id="{9591A418-03ED-8F81-3AC6-C20EBC502C8A}"/>
+                <a16:creationId xmlns:a16="http://schemas.microsoft.com/office/drawing/2014/main" xmlns="" id="{9591A418-03ED-8F81-3AC6-C20EBC502C8A}"/>
               </a:ext>
             </a:extLst>
           </p:cNvPr>
@@ -21066,7 +21243,7 @@
           <p:cNvPr id="4" name="išlïḑe">
             <a:extLst>
               <a:ext uri="{FF2B5EF4-FFF2-40B4-BE49-F238E27FC236}">
-                <a16:creationId xmlns="" xmlns:a16="http://schemas.microsoft.com/office/drawing/2014/main" id="{07C5C26C-DD0F-75D3-E06A-CE84998BB41F}"/>
+                <a16:creationId xmlns:a16="http://schemas.microsoft.com/office/drawing/2014/main" xmlns="" id="{07C5C26C-DD0F-75D3-E06A-CE84998BB41F}"/>
               </a:ext>
             </a:extLst>
           </p:cNvPr>
@@ -21086,7 +21263,7 @@
             <p:cNvPr id="5" name="íSľïḑé">
               <a:extLst>
                 <a:ext uri="{FF2B5EF4-FFF2-40B4-BE49-F238E27FC236}">
-                  <a16:creationId xmlns="" xmlns:a16="http://schemas.microsoft.com/office/drawing/2014/main" id="{6A96FD22-D81A-E6E5-FB70-D3FDBBF23A22}"/>
+                  <a16:creationId xmlns:a16="http://schemas.microsoft.com/office/drawing/2014/main" xmlns="" id="{6A96FD22-D81A-E6E5-FB70-D3FDBBF23A22}"/>
                 </a:ext>
               </a:extLst>
             </p:cNvPr>
@@ -21165,7 +21342,7 @@
             <p:cNvPr id="6" name="îṩḷîďê">
               <a:extLst>
                 <a:ext uri="{FF2B5EF4-FFF2-40B4-BE49-F238E27FC236}">
-                  <a16:creationId xmlns="" xmlns:a16="http://schemas.microsoft.com/office/drawing/2014/main" id="{6C9376F2-B627-B819-A0BB-BF2B4CE0CA43}"/>
+                  <a16:creationId xmlns:a16="http://schemas.microsoft.com/office/drawing/2014/main" xmlns="" id="{6C9376F2-B627-B819-A0BB-BF2B4CE0CA43}"/>
                 </a:ext>
               </a:extLst>
             </p:cNvPr>
@@ -21247,7 +21424,7 @@
             <p:cNvPr id="7" name="î$ḷïḍe">
               <a:extLst>
                 <a:ext uri="{FF2B5EF4-FFF2-40B4-BE49-F238E27FC236}">
-                  <a16:creationId xmlns="" xmlns:a16="http://schemas.microsoft.com/office/drawing/2014/main" id="{533285E1-D349-7DFE-2704-A6BA5D393422}"/>
+                  <a16:creationId xmlns:a16="http://schemas.microsoft.com/office/drawing/2014/main" xmlns="" id="{533285E1-D349-7DFE-2704-A6BA5D393422}"/>
                 </a:ext>
               </a:extLst>
             </p:cNvPr>
@@ -21330,7 +21507,7 @@
           <p:cNvPr id="8" name="ï$lïḋê">
             <a:extLst>
               <a:ext uri="{FF2B5EF4-FFF2-40B4-BE49-F238E27FC236}">
-                <a16:creationId xmlns="" xmlns:a16="http://schemas.microsoft.com/office/drawing/2014/main" id="{AE832189-17D0-326C-80B8-81226EFD58D5}"/>
+                <a16:creationId xmlns:a16="http://schemas.microsoft.com/office/drawing/2014/main" xmlns="" id="{AE832189-17D0-326C-80B8-81226EFD58D5}"/>
               </a:ext>
             </a:extLst>
           </p:cNvPr>
@@ -21396,7 +21573,7 @@
           <p:cNvPr id="9" name="íṩlïḓé">
             <a:extLst>
               <a:ext uri="{FF2B5EF4-FFF2-40B4-BE49-F238E27FC236}">
-                <a16:creationId xmlns="" xmlns:a16="http://schemas.microsoft.com/office/drawing/2014/main" id="{6E2F0697-54A8-1D49-FB51-34BFF0E41108}"/>
+                <a16:creationId xmlns:a16="http://schemas.microsoft.com/office/drawing/2014/main" xmlns="" id="{6E2F0697-54A8-1D49-FB51-34BFF0E41108}"/>
               </a:ext>
             </a:extLst>
           </p:cNvPr>
@@ -21416,7 +21593,7 @@
             <p:cNvPr id="10" name="íşļíḍê">
               <a:extLst>
                 <a:ext uri="{FF2B5EF4-FFF2-40B4-BE49-F238E27FC236}">
-                  <a16:creationId xmlns="" xmlns:a16="http://schemas.microsoft.com/office/drawing/2014/main" id="{27BC89B6-52BE-564B-E527-1A15362C0F1F}"/>
+                  <a16:creationId xmlns:a16="http://schemas.microsoft.com/office/drawing/2014/main" xmlns="" id="{27BC89B6-52BE-564B-E527-1A15362C0F1F}"/>
                 </a:ext>
               </a:extLst>
             </p:cNvPr>
@@ -21495,7 +21672,7 @@
             <p:cNvPr id="11" name="íş1iḓe">
               <a:extLst>
                 <a:ext uri="{FF2B5EF4-FFF2-40B4-BE49-F238E27FC236}">
-                  <a16:creationId xmlns="" xmlns:a16="http://schemas.microsoft.com/office/drawing/2014/main" id="{D4541F98-D6AB-D0E4-C6BA-15C570D7E68F}"/>
+                  <a16:creationId xmlns:a16="http://schemas.microsoft.com/office/drawing/2014/main" xmlns="" id="{D4541F98-D6AB-D0E4-C6BA-15C570D7E68F}"/>
                 </a:ext>
               </a:extLst>
             </p:cNvPr>
@@ -21625,7 +21802,7 @@
             <p:cNvPr id="12" name="ïṩḷiḍê">
               <a:extLst>
                 <a:ext uri="{FF2B5EF4-FFF2-40B4-BE49-F238E27FC236}">
-                  <a16:creationId xmlns="" xmlns:a16="http://schemas.microsoft.com/office/drawing/2014/main" id="{366C83F7-574C-9296-7DCD-0A4D648CF69F}"/>
+                  <a16:creationId xmlns:a16="http://schemas.microsoft.com/office/drawing/2014/main" xmlns="" id="{366C83F7-574C-9296-7DCD-0A4D648CF69F}"/>
                 </a:ext>
               </a:extLst>
             </p:cNvPr>
@@ -21772,7 +21949,7 @@
           <p:cNvPr id="2" name="ïṡḻïḓê">
             <a:extLst>
               <a:ext uri="{FF2B5EF4-FFF2-40B4-BE49-F238E27FC236}">
-                <a16:creationId xmlns="" xmlns:a16="http://schemas.microsoft.com/office/drawing/2014/main" id="{FA50EBB2-8FFA-9D47-A68A-ACED34B79B3A}"/>
+                <a16:creationId xmlns:a16="http://schemas.microsoft.com/office/drawing/2014/main" xmlns="" id="{FA50EBB2-8FFA-9D47-A68A-ACED34B79B3A}"/>
               </a:ext>
             </a:extLst>
           </p:cNvPr>
@@ -21805,7 +21982,7 @@
           <p:cNvPr id="3" name="iṡľïďe">
             <a:extLst>
               <a:ext uri="{FF2B5EF4-FFF2-40B4-BE49-F238E27FC236}">
-                <a16:creationId xmlns="" xmlns:a16="http://schemas.microsoft.com/office/drawing/2014/main" id="{9591A418-03ED-8F81-3AC6-C20EBC502C8A}"/>
+                <a16:creationId xmlns:a16="http://schemas.microsoft.com/office/drawing/2014/main" xmlns="" id="{9591A418-03ED-8F81-3AC6-C20EBC502C8A}"/>
               </a:ext>
             </a:extLst>
           </p:cNvPr>
@@ -21841,7 +22018,7 @@
           <p:cNvPr id="6" name="iṥ1iḋè">
             <a:extLst>
               <a:ext uri="{FF2B5EF4-FFF2-40B4-BE49-F238E27FC236}">
-                <a16:creationId xmlns="" xmlns:a16="http://schemas.microsoft.com/office/drawing/2014/main" id="{9815C744-A72F-BCC8-8878-625EC7434E60}"/>
+                <a16:creationId xmlns:a16="http://schemas.microsoft.com/office/drawing/2014/main" xmlns="" id="{9815C744-A72F-BCC8-8878-625EC7434E60}"/>
               </a:ext>
             </a:extLst>
           </p:cNvPr>
@@ -21861,7 +22038,7 @@
             <p:cNvPr id="7" name="íṩľîḋe">
               <a:extLst>
                 <a:ext uri="{FF2B5EF4-FFF2-40B4-BE49-F238E27FC236}">
-                  <a16:creationId xmlns="" xmlns:a16="http://schemas.microsoft.com/office/drawing/2014/main" id="{75DDE001-0EE1-35EE-0751-D9B952D4E148}"/>
+                  <a16:creationId xmlns:a16="http://schemas.microsoft.com/office/drawing/2014/main" xmlns="" id="{75DDE001-0EE1-35EE-0751-D9B952D4E148}"/>
                 </a:ext>
               </a:extLst>
             </p:cNvPr>
@@ -21871,9 +22048,9 @@
           <p:grpSpPr>
             <a:xfrm>
               <a:off x="4784556" y="1945633"/>
-              <a:ext cx="6457970" cy="1378880"/>
+              <a:ext cx="6457970" cy="1428253"/>
               <a:chOff x="4652279" y="1097960"/>
-              <a:chExt cx="6457970" cy="1378880"/>
+              <a:chExt cx="6457970" cy="1428253"/>
             </a:xfrm>
           </p:grpSpPr>
           <p:sp>
@@ -21881,7 +22058,7 @@
               <p:cNvPr id="11" name="íṧḻíḋé">
                 <a:extLst>
                   <a:ext uri="{FF2B5EF4-FFF2-40B4-BE49-F238E27FC236}">
-                    <a16:creationId xmlns="" xmlns:a16="http://schemas.microsoft.com/office/drawing/2014/main" id="{636C69DF-EB61-9BED-55F9-5CCAC1B36B66}"/>
+                    <a16:creationId xmlns:a16="http://schemas.microsoft.com/office/drawing/2014/main" xmlns="" id="{636C69DF-EB61-9BED-55F9-5CCAC1B36B66}"/>
                   </a:ext>
                 </a:extLst>
               </p:cNvPr>
@@ -21941,7 +22118,7 @@
               <p:cNvPr id="12" name="iś1ïḋé">
                 <a:extLst>
                   <a:ext uri="{FF2B5EF4-FFF2-40B4-BE49-F238E27FC236}">
-                    <a16:creationId xmlns="" xmlns:a16="http://schemas.microsoft.com/office/drawing/2014/main" id="{DF732461-4FA4-C21F-6794-CAA72212075A}"/>
+                    <a16:creationId xmlns:a16="http://schemas.microsoft.com/office/drawing/2014/main" xmlns="" id="{DF732461-4FA4-C21F-6794-CAA72212075A}"/>
                   </a:ext>
                 </a:extLst>
               </p:cNvPr>
@@ -21951,7 +22128,7 @@
             <p:spPr>
               <a:xfrm flipH="1">
                 <a:off x="4652279" y="1097960"/>
-                <a:ext cx="4809220" cy="1378880"/>
+                <a:ext cx="4809220" cy="1428253"/>
               </a:xfrm>
               <a:prstGeom prst="rect">
                 <a:avLst/>
@@ -21976,7 +22153,7 @@
                   <a:defRPr/>
                 </a:pPr>
                 <a:r>
-                  <a:rPr kumimoji="0" lang="en-US" altLang="zh-CN" b="0" i="0" u="none" strike="noStrike" kern="1200" cap="none" spc="0" normalizeH="0" baseline="0" noProof="0" dirty="0">
+                  <a:rPr kumimoji="0" lang="en-US" altLang="zh-CN" b="0" i="0" u="none" strike="noStrike" kern="1200" cap="none" spc="0" normalizeH="0" baseline="0" noProof="0" smtClean="0">
                     <a:ln>
                       <a:noFill/>
                     </a:ln>
@@ -21987,6 +22164,21 @@
                   <a:t>1</a:t>
                 </a:r>
                 <a:r>
+                  <a:rPr lang="en-US" altLang="zh-CN" smtClean="0"/>
+                  <a:t>. </a:t>
+                </a:r>
+                <a:r>
+                  <a:rPr kumimoji="0" lang="zh-CN" altLang="en-US" b="0" i="0" u="none" strike="noStrike" kern="1200" cap="none" spc="0" normalizeH="0" baseline="0" noProof="0" smtClean="0">
+                    <a:ln>
+                      <a:noFill/>
+                    </a:ln>
+                    <a:effectLst/>
+                    <a:uLnTx/>
+                    <a:uFillTx/>
+                  </a:rPr>
+                  <a:t>研究</a:t>
+                </a:r>
+                <a:r>
                   <a:rPr kumimoji="0" lang="zh-CN" altLang="en-US" b="0" i="0" u="none" strike="noStrike" kern="1200" cap="none" spc="0" normalizeH="0" baseline="0" noProof="0" dirty="0">
                     <a:ln>
                       <a:noFill/>
@@ -21995,7 +22187,29 @@
                     <a:uLnTx/>
                     <a:uFillTx/>
                   </a:rPr>
-                  <a:t>、研究对象形式新颖和定位典型</a:t>
+                  <a:t>对象</a:t>
+                </a:r>
+                <a:r>
+                  <a:rPr kumimoji="0" lang="zh-CN" altLang="en-US" b="0" i="0" u="none" strike="noStrike" kern="1200" cap="none" spc="0" normalizeH="0" baseline="0" noProof="0">
+                    <a:ln>
+                      <a:noFill/>
+                    </a:ln>
+                    <a:effectLst/>
+                    <a:uLnTx/>
+                    <a:uFillTx/>
+                  </a:rPr>
+                  <a:t>形式</a:t>
+                </a:r>
+                <a:r>
+                  <a:rPr kumimoji="0" lang="zh-CN" altLang="en-US" b="0" i="0" u="none" strike="noStrike" kern="1200" cap="none" spc="0" normalizeH="0" baseline="0" noProof="0" smtClean="0">
+                    <a:ln>
+                      <a:noFill/>
+                    </a:ln>
+                    <a:effectLst/>
+                    <a:uLnTx/>
+                    <a:uFillTx/>
+                  </a:rPr>
+                  <a:t>新颖、特征突出</a:t>
                 </a:r>
                 <a:endParaRPr kumimoji="0" lang="en-US" altLang="zh-CN" b="0" i="0" u="none" strike="noStrike" kern="1200" cap="none" spc="0" normalizeH="0" baseline="0" noProof="0" dirty="0">
                   <a:ln>
@@ -22015,12 +22229,16 @@
                   <a:defRPr/>
                 </a:pPr>
                 <a:r>
-                  <a:rPr lang="en-US" altLang="zh-CN" dirty="0"/>
-                  <a:t>2</a:t>
+                  <a:rPr lang="en-US" altLang="zh-CN" smtClean="0"/>
+                  <a:t>2. </a:t>
+                </a:r>
+                <a:r>
+                  <a:rPr lang="zh-CN" altLang="en-US" smtClean="0"/>
+                  <a:t>定量</a:t>
                 </a:r>
                 <a:r>
                   <a:rPr lang="zh-CN" altLang="en-US" dirty="0"/>
-                  <a:t>、定量方法实现定性研究之目的</a:t>
+                  <a:t>方法实现定性研究之目的</a:t>
                 </a:r>
                 <a:endParaRPr lang="en-US" altLang="zh-CN" dirty="0"/>
               </a:p>
@@ -22033,7 +22251,7 @@
                   <a:defRPr/>
                 </a:pPr>
                 <a:r>
-                  <a:rPr kumimoji="0" lang="en-US" altLang="zh-CN" b="0" i="0" u="none" strike="noStrike" kern="1200" cap="none" spc="0" normalizeH="0" baseline="0" noProof="0" dirty="0">
+                  <a:rPr kumimoji="0" lang="en-US" altLang="zh-CN" b="0" i="0" u="none" strike="noStrike" kern="1200" cap="none" spc="0" normalizeH="0" baseline="0" noProof="0" smtClean="0">
                     <a:ln>
                       <a:noFill/>
                     </a:ln>
@@ -22044,7 +22262,11 @@
                   <a:t>3</a:t>
                 </a:r>
                 <a:r>
-                  <a:rPr kumimoji="0" lang="zh-CN" altLang="en-US" b="0" i="0" u="none" strike="noStrike" kern="1200" cap="none" spc="0" normalizeH="0" baseline="0" noProof="0" dirty="0">
+                  <a:rPr lang="en-US" altLang="zh-CN" noProof="0" smtClean="0"/>
+                  <a:t>. </a:t>
+                </a:r>
+                <a:r>
+                  <a:rPr kumimoji="0" lang="zh-CN" altLang="en-US" b="0" i="0" u="none" strike="noStrike" kern="1200" cap="none" spc="0" normalizeH="0" baseline="0" noProof="0" smtClean="0">
                     <a:ln>
                       <a:noFill/>
                     </a:ln>
@@ -22052,7 +22274,11 @@
                     <a:uLnTx/>
                     <a:uFillTx/>
                   </a:rPr>
-                  <a:t>、实证方法揭示设计同转型相关</a:t>
+                  <a:t>分</a:t>
+                </a:r>
+                <a:r>
+                  <a:rPr lang="zh-CN" altLang="en-US" smtClean="0"/>
+                  <a:t>阶段研究体现活动前后变化</a:t>
                 </a:r>
                 <a:endParaRPr kumimoji="0" lang="en-US" altLang="zh-CN" b="0" i="0" u="none" strike="noStrike" kern="1200" cap="none" spc="0" normalizeH="0" baseline="0" noProof="0" dirty="0">
                   <a:ln>
@@ -22071,7 +22297,7 @@
             <p:cNvPr id="8" name="íṡļiḍé">
               <a:extLst>
                 <a:ext uri="{FF2B5EF4-FFF2-40B4-BE49-F238E27FC236}">
-                  <a16:creationId xmlns="" xmlns:a16="http://schemas.microsoft.com/office/drawing/2014/main" id="{7127F6F5-E7B3-0148-74E3-A9D860F1F9D8}"/>
+                  <a16:creationId xmlns:a16="http://schemas.microsoft.com/office/drawing/2014/main" xmlns="" id="{7127F6F5-E7B3-0148-74E3-A9D860F1F9D8}"/>
                 </a:ext>
               </a:extLst>
             </p:cNvPr>
@@ -22091,7 +22317,7 @@
               <p:cNvPr id="9" name="îSlïde">
                 <a:extLst>
                   <a:ext uri="{FF2B5EF4-FFF2-40B4-BE49-F238E27FC236}">
-                    <a16:creationId xmlns="" xmlns:a16="http://schemas.microsoft.com/office/drawing/2014/main" id="{342A2D93-85AE-6961-251A-49E6E660249E}"/>
+                    <a16:creationId xmlns:a16="http://schemas.microsoft.com/office/drawing/2014/main" xmlns="" id="{342A2D93-85AE-6961-251A-49E6E660249E}"/>
                   </a:ext>
                 </a:extLst>
               </p:cNvPr>
@@ -22151,7 +22377,7 @@
               <p:cNvPr id="10" name="íṣļiḍé">
                 <a:extLst>
                   <a:ext uri="{FF2B5EF4-FFF2-40B4-BE49-F238E27FC236}">
-                    <a16:creationId xmlns="" xmlns:a16="http://schemas.microsoft.com/office/drawing/2014/main" id="{8DFBB911-13C2-15EC-12AD-987FD10FAA3D}"/>
+                    <a16:creationId xmlns:a16="http://schemas.microsoft.com/office/drawing/2014/main" xmlns="" id="{8DFBB911-13C2-15EC-12AD-987FD10FAA3D}"/>
                   </a:ext>
                 </a:extLst>
               </p:cNvPr>
@@ -22186,7 +22412,15 @@
                   <a:defRPr/>
                 </a:pPr>
                 <a:r>
-                  <a:rPr kumimoji="0" lang="en-US" altLang="zh-CN" sz="1800" b="0" i="0" u="none" strike="noStrike" kern="1200" cap="none" spc="0" normalizeH="0" baseline="0" noProof="0" dirty="0">
+                  <a:rPr lang="en-US" altLang="zh-CN"/>
+                  <a:t>a</a:t>
+                </a:r>
+                <a:r>
+                  <a:rPr lang="en-US" altLang="zh-CN" smtClean="0"/>
+                  <a:t>. </a:t>
+                </a:r>
+                <a:r>
+                  <a:rPr kumimoji="0" lang="zh-CN" altLang="en-US" sz="1800" b="0" i="0" u="none" strike="noStrike" kern="1200" cap="none" spc="0" normalizeH="0" baseline="0" noProof="0" smtClean="0">
                     <a:ln>
                       <a:noFill/>
                     </a:ln>
@@ -22194,7 +22428,7 @@
                     <a:uLnTx/>
                     <a:uFillTx/>
                   </a:rPr>
-                  <a:t>1</a:t>
+                  <a:t>难以</a:t>
                 </a:r>
                 <a:r>
                   <a:rPr kumimoji="0" lang="zh-CN" altLang="en-US" sz="1800" b="0" i="0" u="none" strike="noStrike" kern="1200" cap="none" spc="0" normalizeH="0" baseline="0" noProof="0" dirty="0">
@@ -22205,7 +22439,7 @@
                     <a:uLnTx/>
                     <a:uFillTx/>
                   </a:rPr>
-                  <a:t>、难以理解部分段落的内部逻辑</a:t>
+                  <a:t>理解部分段落的内部逻辑</a:t>
                 </a:r>
                 <a:endParaRPr kumimoji="0" lang="en-US" altLang="zh-CN" sz="1800" b="0" i="0" u="none" strike="noStrike" kern="1200" cap="none" spc="0" normalizeH="0" baseline="0" noProof="0" dirty="0">
                   <a:ln>
@@ -22225,8 +22459,38 @@
                   <a:defRPr/>
                 </a:pPr>
                 <a:r>
-                  <a:rPr lang="en-US" altLang="zh-CN" dirty="0"/>
-                  <a:t>2</a:t>
+                  <a:rPr lang="en-US" altLang="zh-CN"/>
+                  <a:t>b</a:t>
+                </a:r>
+                <a:r>
+                  <a:rPr lang="en-US" altLang="zh-CN" smtClean="0"/>
+                  <a:t>. </a:t>
+                </a:r>
+                <a:r>
+                  <a:rPr kumimoji="0" lang="zh-CN" altLang="en-US" sz="1800" b="0" i="0" u="none" strike="noStrike" kern="1200" cap="none" spc="0" normalizeH="0" baseline="0" noProof="0" smtClean="0">
+                    <a:ln>
+                      <a:noFill/>
+                    </a:ln>
+                    <a:effectLst/>
+                    <a:uLnTx/>
+                    <a:uFillTx/>
+                  </a:rPr>
+                  <a:t>难以理解</a:t>
+                </a:r>
+                <a:r>
+                  <a:rPr lang="zh-CN" altLang="en-US"/>
+                  <a:t>深度拓扑</a:t>
+                </a:r>
+                <a:r>
+                  <a:rPr kumimoji="0" lang="zh-CN" altLang="en-US" sz="1800" b="0" i="0" u="none" strike="noStrike" kern="1200" cap="none" spc="0" normalizeH="0" baseline="0" noProof="0" smtClean="0">
+                    <a:ln>
+                      <a:noFill/>
+                    </a:ln>
+                    <a:effectLst/>
+                    <a:uLnTx/>
+                    <a:uFillTx/>
+                  </a:rPr>
+                  <a:t>的</a:t>
                 </a:r>
                 <a:r>
                   <a:rPr kumimoji="0" lang="zh-CN" altLang="en-US" sz="1800" b="0" i="0" u="none" strike="noStrike" kern="1200" cap="none" spc="0" normalizeH="0" baseline="0" noProof="0" dirty="0">
@@ -22237,7 +22501,7 @@
                     <a:uLnTx/>
                     <a:uFillTx/>
                   </a:rPr>
-                  <a:t>、难以理解拓扑数据的分析原理</a:t>
+                  <a:t>分析原理</a:t>
                 </a:r>
                 <a:endParaRPr kumimoji="0" lang="en-US" altLang="zh-CN" sz="1800" b="0" i="0" u="none" strike="noStrike" kern="1200" cap="none" spc="0" normalizeH="0" baseline="0" noProof="0" dirty="0">
                   <a:ln>
@@ -22257,12 +22521,16 @@
                   <a:defRPr/>
                 </a:pPr>
                 <a:r>
-                  <a:rPr lang="en-US" altLang="zh-CN" dirty="0"/>
-                  <a:t>3</a:t>
+                  <a:rPr lang="en-US" altLang="zh-CN"/>
+                  <a:t>c</a:t>
                 </a:r>
                 <a:r>
-                  <a:rPr lang="zh-CN" altLang="en-US" sz="1800" dirty="0"/>
-                  <a:t>、难以</a:t>
+                  <a:rPr lang="en-US" altLang="zh-CN" smtClean="0"/>
+                  <a:t>. </a:t>
+                </a:r>
+                <a:r>
+                  <a:rPr lang="zh-CN" altLang="en-US" sz="1800" smtClean="0"/>
+                  <a:t>难以</a:t>
                 </a:r>
                 <a:r>
                   <a:rPr lang="zh-CN" altLang="en-US" sz="1800"/>
@@ -22283,7 +22551,7 @@
           <p:cNvPr id="1026" name="Picture 2">
             <a:extLst>
               <a:ext uri="{FF2B5EF4-FFF2-40B4-BE49-F238E27FC236}">
-                <a16:creationId xmlns="" xmlns:a16="http://schemas.microsoft.com/office/drawing/2014/main" id="{8EB9369D-30BD-A399-33BD-5CCD866E21A0}"/>
+                <a16:creationId xmlns:a16="http://schemas.microsoft.com/office/drawing/2014/main" xmlns="" id="{8EB9369D-30BD-A399-33BD-5CCD866E21A0}"/>
               </a:ext>
             </a:extLst>
           </p:cNvPr>
@@ -22293,7 +22561,7 @@
           <p:nvPr/>
         </p:nvPicPr>
         <p:blipFill rotWithShape="1">
-          <a:blip r:embed="rId4">
+          <a:blip r:embed="rId5">
             <a:extLst>
               <a:ext uri="{28A0092B-C50C-407E-A947-70E740481C1C}">
                 <a14:useLocalDpi xmlns:a14="http://schemas.microsoft.com/office/drawing/2010/main" val="0"/>
@@ -22325,13 +22593,13 @@
       </p:pic>
       <p:sp>
         <p:nvSpPr>
-          <p:cNvPr id="4" name="矩形 3"/>
+          <p:cNvPr id="13" name="矩形 12"/>
           <p:cNvSpPr/>
           <p:nvPr/>
         </p:nvSpPr>
         <p:spPr>
           <a:xfrm>
-            <a:off x="660400" y="5634750"/>
+            <a:off x="560192" y="5686598"/>
             <a:ext cx="10858500" cy="523220"/>
           </a:xfrm>
           <a:prstGeom prst="rect">
@@ -22348,52 +22616,43 @@
               <a:rPr lang="en-US" altLang="zh-CN" sz="1400" smtClean="0"/>
               <a:t>TDA by Python</a:t>
             </a:r>
-            <a:endParaRPr lang="en-US" altLang="zh-CN" sz="1400" smtClean="0"/>
           </a:p>
           <a:p>
             <a:r>
-              <a:rPr lang="zh-CN" altLang="en-US" sz="1400" smtClean="0">
-                <a:hlinkClick r:id="rId5"/>
-              </a:rPr>
+              <a:rPr lang="en-US" altLang="zh-CN" sz="1400" smtClean="0"/>
+              <a:t>(1) </a:t>
+            </a:r>
+            <a:r>
+              <a:rPr lang="zh-CN" altLang="en-US" sz="1400" smtClean="0"/>
               <a:t>https</a:t>
             </a:r>
             <a:r>
-              <a:rPr lang="zh-CN" altLang="en-US" sz="1400">
-                <a:hlinkClick r:id="rId5"/>
-              </a:rPr>
+              <a:rPr lang="zh-CN" altLang="en-US" sz="1400"/>
               <a:t>://gudhi.inria.fr/introduction</a:t>
             </a:r>
             <a:r>
-              <a:rPr lang="zh-CN" altLang="en-US" sz="1400" smtClean="0">
-                <a:hlinkClick r:id="rId5"/>
-              </a:rPr>
+              <a:rPr lang="zh-CN" altLang="en-US" sz="1400" smtClean="0"/>
               <a:t>/</a:t>
             </a:r>
             <a:r>
               <a:rPr lang="en-US" altLang="zh-CN" sz="1400" smtClean="0"/>
-              <a:t>; </a:t>
-            </a:r>
-            <a:r>
-              <a:rPr lang="zh-CN" altLang="en-US" sz="1400" smtClean="0">
-                <a:hlinkClick r:id="rId6"/>
-              </a:rPr>
+              <a:t>; (2) </a:t>
+            </a:r>
+            <a:r>
+              <a:rPr lang="zh-CN" altLang="en-US" sz="1400" smtClean="0"/>
               <a:t>https</a:t>
             </a:r>
             <a:r>
-              <a:rPr lang="zh-CN" altLang="en-US" sz="1400">
-                <a:hlinkClick r:id="rId6"/>
-              </a:rPr>
+              <a:rPr lang="zh-CN" altLang="en-US" sz="1400"/>
               <a:t>://scikit-learn.org/stable</a:t>
             </a:r>
             <a:r>
-              <a:rPr lang="zh-CN" altLang="en-US" sz="1400" smtClean="0">
-                <a:hlinkClick r:id="rId6"/>
-              </a:rPr>
+              <a:rPr lang="zh-CN" altLang="en-US" sz="1400" smtClean="0"/>
               <a:t>/</a:t>
             </a:r>
             <a:r>
               <a:rPr lang="en-US" altLang="zh-CN" sz="1400" smtClean="0"/>
-              <a:t>; </a:t>
+              <a:t>;  (3) </a:t>
             </a:r>
             <a:r>
               <a:rPr lang="zh-CN" altLang="en-US" sz="1400" smtClean="0"/>
@@ -22456,7 +22715,7 @@
           <p:cNvPr id="2" name="ïṡḻïḓê">
             <a:extLst>
               <a:ext uri="{FF2B5EF4-FFF2-40B4-BE49-F238E27FC236}">
-                <a16:creationId xmlns="" xmlns:a16="http://schemas.microsoft.com/office/drawing/2014/main" id="{FA50EBB2-8FFA-9D47-A68A-ACED34B79B3A}"/>
+                <a16:creationId xmlns:a16="http://schemas.microsoft.com/office/drawing/2014/main" xmlns="" id="{FA50EBB2-8FFA-9D47-A68A-ACED34B79B3A}"/>
               </a:ext>
             </a:extLst>
           </p:cNvPr>
@@ -22489,7 +22748,7 @@
           <p:cNvPr id="3" name="iṡľïďe">
             <a:extLst>
               <a:ext uri="{FF2B5EF4-FFF2-40B4-BE49-F238E27FC236}">
-                <a16:creationId xmlns="" xmlns:a16="http://schemas.microsoft.com/office/drawing/2014/main" id="{9591A418-03ED-8F81-3AC6-C20EBC502C8A}"/>
+                <a16:creationId xmlns:a16="http://schemas.microsoft.com/office/drawing/2014/main" xmlns="" id="{9591A418-03ED-8F81-3AC6-C20EBC502C8A}"/>
               </a:ext>
             </a:extLst>
           </p:cNvPr>
@@ -22522,57 +22781,34 @@
       </p:sp>
       <p:grpSp>
         <p:nvGrpSpPr>
-          <p:cNvPr id="13" name="组合 12"/>
+          <p:cNvPr id="7" name="组合 6">
+            <a:extLst>
+              <a:ext uri="{FF2B5EF4-FFF2-40B4-BE49-F238E27FC236}">
+                <a16:creationId xmlns="" xmlns:a16="http://schemas.microsoft.com/office/drawing/2014/main" id="{34FEE4D9-A5EB-DD5E-3E05-CA281128F607}"/>
+              </a:ext>
+            </a:extLst>
+          </p:cNvPr>
           <p:cNvGrpSpPr/>
           <p:nvPr/>
         </p:nvGrpSpPr>
         <p:grpSpPr>
           <a:xfrm>
-            <a:off x="433306" y="1307595"/>
-            <a:ext cx="11325388" cy="4832092"/>
-            <a:chOff x="193512" y="1246635"/>
-            <a:chExt cx="11325388" cy="4832092"/>
+            <a:off x="505095" y="1539235"/>
+            <a:ext cx="10731905" cy="4389129"/>
+            <a:chOff x="497600" y="1307942"/>
+            <a:chExt cx="10731905" cy="4389129"/>
           </a:xfrm>
         </p:grpSpPr>
-        <p:pic>
-          <p:nvPicPr>
-            <p:cNvPr id="14" name="图片 13"/>
-            <p:cNvPicPr>
-              <a:picLocks noChangeAspect="1"/>
-            </p:cNvPicPr>
-            <p:nvPr/>
-          </p:nvPicPr>
-          <p:blipFill rotWithShape="1">
-            <a:blip r:embed="rId5">
-              <a:extLst>
-                <a:ext uri="{28A0092B-C50C-407E-A947-70E740481C1C}">
-                  <a14:useLocalDpi xmlns:a14="http://schemas.microsoft.com/office/drawing/2010/main" val="0"/>
-                </a:ext>
-              </a:extLst>
-            </a:blip>
-            <a:srcRect l="5207" t="10304" r="8334" b="3350"/>
-            <a:stretch/>
-          </p:blipFill>
-          <p:spPr>
-            <a:xfrm>
-              <a:off x="5189606" y="1246635"/>
-              <a:ext cx="6329294" cy="4740701"/>
-            </a:xfrm>
-            <a:prstGeom prst="rect">
-              <a:avLst/>
-            </a:prstGeom>
-          </p:spPr>
-        </p:pic>
         <p:sp>
           <p:nvSpPr>
-            <p:cNvPr id="5" name="矩形 4"/>
+            <p:cNvPr id="8" name="矩形 7"/>
             <p:cNvSpPr/>
             <p:nvPr/>
           </p:nvSpPr>
           <p:spPr>
             <a:xfrm>
-              <a:off x="193512" y="1246635"/>
-              <a:ext cx="4996094" cy="4832092"/>
+              <a:off x="497600" y="1599493"/>
+              <a:ext cx="8418741" cy="3806026"/>
             </a:xfrm>
             <a:prstGeom prst="rect">
               <a:avLst/>
@@ -22585,50 +22821,136 @@
             <a:lstStyle/>
             <a:p>
               <a:r>
-                <a:rPr lang="en-US" altLang="zh-CN" sz="1400">
+                <a:rPr lang="en-US" altLang="zh-CN" sz="1400" dirty="0">
                   <a:latin typeface="Consolas" panose="020B0609020204030204" pitchFamily="49" charset="0"/>
                 </a:rPr>
-                <a:t>import numpy as np</a:t>
+                <a:t>import </a:t>
+              </a:r>
+              <a:r>
+                <a:rPr lang="en-US" altLang="zh-CN" sz="1400" dirty="0" err="1">
+                  <a:latin typeface="Consolas" panose="020B0609020204030204" pitchFamily="49" charset="0"/>
+                </a:rPr>
+                <a:t>gudhi</a:t>
+              </a:r>
+              <a:endParaRPr lang="en-US" altLang="zh-CN" sz="1400" dirty="0">
+                <a:latin typeface="Consolas" panose="020B0609020204030204" pitchFamily="49" charset="0"/>
+              </a:endParaRPr>
+            </a:p>
+            <a:p>
+              <a:r>
+                <a:rPr lang="en-US" altLang="zh-CN" sz="1400" dirty="0">
+                  <a:latin typeface="Consolas" panose="020B0609020204030204" pitchFamily="49" charset="0"/>
+                </a:rPr>
+                <a:t>import </a:t>
+              </a:r>
+              <a:r>
+                <a:rPr lang="en-US" altLang="zh-CN" sz="1400" dirty="0" err="1">
+                  <a:latin typeface="Consolas" panose="020B0609020204030204" pitchFamily="49" charset="0"/>
+                </a:rPr>
+                <a:t>numpy</a:t>
+              </a:r>
+              <a:r>
+                <a:rPr lang="en-US" altLang="zh-CN" sz="1400" dirty="0">
+                  <a:latin typeface="Consolas" panose="020B0609020204030204" pitchFamily="49" charset="0"/>
+                </a:rPr>
+                <a:t> as np</a:t>
               </a:r>
             </a:p>
             <a:p>
               <a:r>
-                <a:rPr lang="en-US" altLang="zh-CN" sz="1400">
+                <a:rPr lang="en-US" altLang="zh-CN" sz="1400" dirty="0">
                   <a:latin typeface="Consolas" panose="020B0609020204030204" pitchFamily="49" charset="0"/>
                 </a:rPr>
-                <a:t>import gudhi as gd</a:t>
+                <a:t>from </a:t>
               </a:r>
+              <a:r>
+                <a:rPr lang="en-US" altLang="zh-CN" sz="1400" dirty="0" err="1">
+                  <a:latin typeface="Consolas" panose="020B0609020204030204" pitchFamily="49" charset="0"/>
+                </a:rPr>
+                <a:t>sklearn.cluster</a:t>
+              </a:r>
+              <a:r>
+                <a:rPr lang="en-US" altLang="zh-CN" sz="1400" dirty="0">
+                  <a:latin typeface="Consolas" panose="020B0609020204030204" pitchFamily="49" charset="0"/>
+                </a:rPr>
+                <a:t> import </a:t>
+              </a:r>
+              <a:r>
+                <a:rPr lang="en-US" altLang="zh-CN" sz="1400" dirty="0" err="1">
+                  <a:latin typeface="Consolas" panose="020B0609020204030204" pitchFamily="49" charset="0"/>
+                </a:rPr>
+                <a:t>KMeans</a:t>
+              </a:r>
+              <a:endParaRPr lang="en-US" altLang="zh-CN" sz="1400" dirty="0">
+                <a:latin typeface="Consolas" panose="020B0609020204030204" pitchFamily="49" charset="0"/>
+              </a:endParaRPr>
             </a:p>
             <a:p>
               <a:r>
-                <a:rPr lang="en-US" altLang="zh-CN" sz="1400">
+                <a:rPr lang="en-US" altLang="zh-CN" sz="1400" dirty="0">
                   <a:latin typeface="Consolas" panose="020B0609020204030204" pitchFamily="49" charset="0"/>
                 </a:rPr>
-                <a:t>from sklearn.cluster import KMeans</a:t>
+                <a:t>from </a:t>
               </a:r>
+              <a:r>
+                <a:rPr lang="en-US" altLang="zh-CN" sz="1400" dirty="0" err="1">
+                  <a:latin typeface="Consolas" panose="020B0609020204030204" pitchFamily="49" charset="0"/>
+                </a:rPr>
+                <a:t>sklearn.datasets</a:t>
+              </a:r>
+              <a:r>
+                <a:rPr lang="en-US" altLang="zh-CN" sz="1400" dirty="0">
+                  <a:latin typeface="Consolas" panose="020B0609020204030204" pitchFamily="49" charset="0"/>
+                </a:rPr>
+                <a:t> import </a:t>
+              </a:r>
+              <a:r>
+                <a:rPr lang="en-US" altLang="zh-CN" sz="1400" dirty="0" err="1">
+                  <a:latin typeface="Consolas" panose="020B0609020204030204" pitchFamily="49" charset="0"/>
+                </a:rPr>
+                <a:t>make_blobs</a:t>
+              </a:r>
+              <a:endParaRPr lang="en-US" altLang="zh-CN" sz="1400" dirty="0">
+                <a:latin typeface="Consolas" panose="020B0609020204030204" pitchFamily="49" charset="0"/>
+              </a:endParaRPr>
             </a:p>
             <a:p>
               <a:r>
-                <a:rPr lang="en-US" altLang="zh-CN" sz="1400">
+                <a:rPr lang="en-US" altLang="zh-CN" sz="1400" dirty="0">
                   <a:latin typeface="Consolas" panose="020B0609020204030204" pitchFamily="49" charset="0"/>
                 </a:rPr>
-                <a:t>import matplotlib.pyplot as plt</a:t>
+                <a:t>import </a:t>
               </a:r>
+              <a:r>
+                <a:rPr lang="en-US" altLang="zh-CN" sz="1400" dirty="0" err="1">
+                  <a:latin typeface="Consolas" panose="020B0609020204030204" pitchFamily="49" charset="0"/>
+                </a:rPr>
+                <a:t>matplotlib.pyplot</a:t>
+              </a:r>
+              <a:r>
+                <a:rPr lang="en-US" altLang="zh-CN" sz="1400" dirty="0">
+                  <a:latin typeface="Consolas" panose="020B0609020204030204" pitchFamily="49" charset="0"/>
+                </a:rPr>
+                <a:t> as </a:t>
+              </a:r>
+              <a:r>
+                <a:rPr lang="en-US" altLang="zh-CN" sz="1400" dirty="0" err="1">
+                  <a:latin typeface="Consolas" panose="020B0609020204030204" pitchFamily="49" charset="0"/>
+                </a:rPr>
+                <a:t>plt</a:t>
+              </a:r>
+              <a:endParaRPr lang="en-US" altLang="zh-CN" sz="1400" dirty="0">
+                <a:latin typeface="Consolas" panose="020B0609020204030204" pitchFamily="49" charset="0"/>
+              </a:endParaRPr>
+            </a:p>
+            <a:p>
+              <a:endParaRPr lang="en-US" altLang="zh-CN" sz="1400" dirty="0">
+                <a:latin typeface="Consolas" panose="020B0609020204030204" pitchFamily="49" charset="0"/>
+              </a:endParaRPr>
             </a:p>
             <a:p>
               <a:r>
-                <a:rPr lang="en-US" altLang="zh-CN" sz="1400">
-                  <a:latin typeface="Consolas" panose="020B0609020204030204" pitchFamily="49" charset="0"/>
-                </a:rPr>
-                <a:t/>
-              </a:r>
-              <a:br>
-                <a:rPr lang="en-US" altLang="zh-CN" sz="1400">
-                  <a:latin typeface="Consolas" panose="020B0609020204030204" pitchFamily="49" charset="0"/>
-                </a:rPr>
-              </a:br>
-              <a:r>
-                <a:rPr lang="en-US" altLang="zh-CN" sz="1400">
+                <a:rPr lang="en-US" altLang="zh-CN" sz="1400" b="1" dirty="0">
                   <a:solidFill>
                     <a:srgbClr val="00B050"/>
                   </a:solidFill>
@@ -22637,37 +22959,87 @@
                 <a:t># </a:t>
               </a:r>
               <a:r>
-                <a:rPr lang="zh-CN" altLang="en-US" sz="1400">
+                <a:rPr lang="zh-CN" altLang="en-US" sz="1400" b="1" dirty="0">
                   <a:solidFill>
                     <a:srgbClr val="00B050"/>
                   </a:solidFill>
                   <a:latin typeface="Consolas" panose="020B0609020204030204" pitchFamily="49" charset="0"/>
                 </a:rPr>
-                <a:t>生成示例数据</a:t>
+                <a:t>生成示范数据</a:t>
               </a:r>
             </a:p>
             <a:p>
               <a:r>
-                <a:rPr lang="en-US" altLang="zh-CN" sz="1400">
+                <a:rPr lang="en-US" altLang="zh-CN" sz="1400" dirty="0">
                   <a:latin typeface="Consolas" panose="020B0609020204030204" pitchFamily="49" charset="0"/>
                 </a:rPr>
-                <a:t>data = np.random.random((100, 2))</a:t>
+                <a:t>X, y = </a:t>
+              </a:r>
+              <a:r>
+                <a:rPr lang="en-US" altLang="zh-CN" sz="1400" dirty="0" err="1">
+                  <a:latin typeface="Consolas" panose="020B0609020204030204" pitchFamily="49" charset="0"/>
+                </a:rPr>
+                <a:t>make_blobs</a:t>
+              </a:r>
+              <a:r>
+                <a:rPr lang="en-US" altLang="zh-CN" sz="1400" dirty="0">
+                  <a:latin typeface="Consolas" panose="020B0609020204030204" pitchFamily="49" charset="0"/>
+                </a:rPr>
+                <a:t>(</a:t>
+              </a:r>
+              <a:r>
+                <a:rPr lang="en-US" altLang="zh-CN" sz="1400" dirty="0" err="1">
+                  <a:latin typeface="Consolas" panose="020B0609020204030204" pitchFamily="49" charset="0"/>
+                </a:rPr>
+                <a:t>n_samples</a:t>
+              </a:r>
+              <a:r>
+                <a:rPr lang="en-US" altLang="zh-CN" sz="1400" dirty="0">
+                  <a:latin typeface="Consolas" panose="020B0609020204030204" pitchFamily="49" charset="0"/>
+                </a:rPr>
+                <a:t>=1000, centers=3,\</a:t>
               </a:r>
             </a:p>
             <a:p>
               <a:r>
-                <a:rPr lang="en-US" altLang="zh-CN" sz="1400">
+                <a:rPr lang="en-US" altLang="zh-CN" sz="1400" dirty="0">
                   <a:latin typeface="Consolas" panose="020B0609020204030204" pitchFamily="49" charset="0"/>
                 </a:rPr>
-                <a:t/>
+                <a:t>                  </a:t>
               </a:r>
-              <a:br>
-                <a:rPr lang="en-US" altLang="zh-CN" sz="1400">
+              <a:r>
+                <a:rPr lang="en-US" altLang="zh-CN" sz="1400" dirty="0" err="1">
                   <a:latin typeface="Consolas" panose="020B0609020204030204" pitchFamily="49" charset="0"/>
                 </a:rPr>
-              </a:br>
+                <a:t>n_features</a:t>
+              </a:r>
               <a:r>
-                <a:rPr lang="en-US" altLang="zh-CN" sz="1400">
+                <a:rPr lang="en-US" altLang="zh-CN" sz="1400" dirty="0">
+                  <a:latin typeface="Consolas" panose="020B0609020204030204" pitchFamily="49" charset="0"/>
+                </a:rPr>
+                <a:t>=2, </a:t>
+              </a:r>
+              <a:r>
+                <a:rPr lang="en-US" altLang="zh-CN" sz="1400" dirty="0" err="1">
+                  <a:latin typeface="Consolas" panose="020B0609020204030204" pitchFamily="49" charset="0"/>
+                </a:rPr>
+                <a:t>random_state</a:t>
+              </a:r>
+              <a:r>
+                <a:rPr lang="en-US" altLang="zh-CN" sz="1400" dirty="0">
+                  <a:latin typeface="Consolas" panose="020B0609020204030204" pitchFamily="49" charset="0"/>
+                </a:rPr>
+                <a:t>=42)</a:t>
+              </a:r>
+            </a:p>
+            <a:p>
+              <a:endParaRPr lang="en-US" altLang="zh-CN" sz="1400" dirty="0">
+                <a:latin typeface="Consolas" panose="020B0609020204030204" pitchFamily="49" charset="0"/>
+              </a:endParaRPr>
+            </a:p>
+            <a:p>
+              <a:r>
+                <a:rPr lang="en-US" altLang="zh-CN" sz="1400" b="1" dirty="0">
                   <a:solidFill>
                     <a:srgbClr val="00B050"/>
                   </a:solidFill>
@@ -22676,53 +23048,75 @@
                 <a:t># </a:t>
               </a:r>
               <a:r>
-                <a:rPr lang="zh-CN" altLang="en-US" sz="1400">
+                <a:rPr lang="zh-CN" altLang="en-US" sz="1400" b="1" dirty="0">
                   <a:solidFill>
                     <a:srgbClr val="00B050"/>
                   </a:solidFill>
                   <a:latin typeface="Consolas" panose="020B0609020204030204" pitchFamily="49" charset="0"/>
                 </a:rPr>
-                <a:t>计算持久同调</a:t>
+                <a:t>进行聚类分析</a:t>
               </a:r>
             </a:p>
             <a:p>
               <a:r>
-                <a:rPr lang="en-US" altLang="zh-CN" sz="1400">
+                <a:rPr lang="en-US" altLang="zh-CN" sz="1400" dirty="0" err="1">
                   <a:latin typeface="Consolas" panose="020B0609020204030204" pitchFamily="49" charset="0"/>
                 </a:rPr>
-                <a:t>rips_complex = gd.RipsComplex(points=data)</a:t>
+                <a:t>kmeans</a:t>
+              </a:r>
+              <a:r>
+                <a:rPr lang="en-US" altLang="zh-CN" sz="1400" dirty="0">
+                  <a:latin typeface="Consolas" panose="020B0609020204030204" pitchFamily="49" charset="0"/>
+                </a:rPr>
+                <a:t> = </a:t>
+              </a:r>
+              <a:r>
+                <a:rPr lang="en-US" altLang="zh-CN" sz="1400" dirty="0" err="1">
+                  <a:latin typeface="Consolas" panose="020B0609020204030204" pitchFamily="49" charset="0"/>
+                </a:rPr>
+                <a:t>KMeans</a:t>
+              </a:r>
+              <a:r>
+                <a:rPr lang="en-US" altLang="zh-CN" sz="1400" dirty="0">
+                  <a:latin typeface="Consolas" panose="020B0609020204030204" pitchFamily="49" charset="0"/>
+                </a:rPr>
+                <a:t>(</a:t>
+              </a:r>
+              <a:r>
+                <a:rPr lang="en-US" altLang="zh-CN" sz="1400" dirty="0" err="1">
+                  <a:latin typeface="Consolas" panose="020B0609020204030204" pitchFamily="49" charset="0"/>
+                </a:rPr>
+                <a:t>n_clusters</a:t>
+              </a:r>
+              <a:r>
+                <a:rPr lang="en-US" altLang="zh-CN" sz="1400" dirty="0">
+                  <a:latin typeface="Consolas" panose="020B0609020204030204" pitchFamily="49" charset="0"/>
+                </a:rPr>
+                <a:t>=3)</a:t>
               </a:r>
             </a:p>
             <a:p>
               <a:r>
-                <a:rPr lang="en-US" altLang="zh-CN" sz="1400">
+                <a:rPr lang="en-US" altLang="zh-CN" sz="1400" dirty="0" err="1">
                   <a:latin typeface="Consolas" panose="020B0609020204030204" pitchFamily="49" charset="0"/>
                 </a:rPr>
-                <a:t>simplex_tree = rips_complex.create_simplex_tree(max_dimension=2)</a:t>
+                <a:t>kmeans.fit</a:t>
+              </a:r>
+              <a:r>
+                <a:rPr lang="en-US" altLang="zh-CN" sz="1400" dirty="0">
+                  <a:latin typeface="Consolas" panose="020B0609020204030204" pitchFamily="49" charset="0"/>
+                </a:rPr>
+                <a:t>(X)</a:t>
               </a:r>
             </a:p>
             <a:p>
-              <a:r>
-                <a:rPr lang="en-US" altLang="zh-CN" sz="1400">
-                  <a:latin typeface="Consolas" panose="020B0609020204030204" pitchFamily="49" charset="0"/>
-                </a:rPr>
-                <a:t>diag = simplex_tree.persistence()</a:t>
-              </a:r>
+              <a:endParaRPr lang="en-US" altLang="zh-CN" sz="1400" dirty="0">
+                <a:latin typeface="Consolas" panose="020B0609020204030204" pitchFamily="49" charset="0"/>
+              </a:endParaRPr>
             </a:p>
             <a:p>
               <a:r>
-                <a:rPr lang="en-US" altLang="zh-CN" sz="1400">
-                  <a:latin typeface="Consolas" panose="020B0609020204030204" pitchFamily="49" charset="0"/>
-                </a:rPr>
-                <a:t/>
-              </a:r>
-              <a:br>
-                <a:rPr lang="en-US" altLang="zh-CN" sz="1400">
-                  <a:latin typeface="Consolas" panose="020B0609020204030204" pitchFamily="49" charset="0"/>
-                </a:rPr>
-              </a:br>
-              <a:r>
-                <a:rPr lang="en-US" altLang="zh-CN" sz="1400">
+                <a:rPr lang="en-US" altLang="zh-CN" sz="1400" b="1" dirty="0">
                   <a:solidFill>
                     <a:srgbClr val="00B050"/>
                   </a:solidFill>
@@ -22731,84 +23125,97 @@
                 <a:t># </a:t>
               </a:r>
               <a:r>
-                <a:rPr lang="zh-CN" altLang="en-US" sz="1400">
+                <a:rPr lang="zh-CN" altLang="en-US" sz="1400" b="1" dirty="0">
                   <a:solidFill>
                     <a:srgbClr val="00B050"/>
                   </a:solidFill>
                   <a:latin typeface="Consolas" panose="020B0609020204030204" pitchFamily="49" charset="0"/>
                 </a:rPr>
-                <a:t>聚类分析</a:t>
+                <a:t>完成可视化展示</a:t>
               </a:r>
             </a:p>
             <a:p>
               <a:r>
-                <a:rPr lang="en-US" altLang="zh-CN" sz="1400">
+                <a:rPr lang="en-US" altLang="zh-CN" sz="1400" dirty="0" err="1">
                   <a:latin typeface="Consolas" panose="020B0609020204030204" pitchFamily="49" charset="0"/>
                 </a:rPr>
-                <a:t>kmeans = KMeans(n_clusters=3)</a:t>
+                <a:t>plt.scatter</a:t>
+              </a:r>
+              <a:r>
+                <a:rPr lang="en-US" altLang="zh-CN" sz="1400" dirty="0">
+                  <a:latin typeface="Consolas" panose="020B0609020204030204" pitchFamily="49" charset="0"/>
+                </a:rPr>
+                <a:t>(X[:, 0], X[:, 1], c=</a:t>
+              </a:r>
+              <a:r>
+                <a:rPr lang="en-US" altLang="zh-CN" sz="1400" dirty="0" err="1">
+                  <a:latin typeface="Consolas" panose="020B0609020204030204" pitchFamily="49" charset="0"/>
+                </a:rPr>
+                <a:t>kmeans.labels</a:t>
+              </a:r>
+              <a:r>
+                <a:rPr lang="en-US" altLang="zh-CN" sz="1400" dirty="0">
+                  <a:latin typeface="Consolas" panose="020B0609020204030204" pitchFamily="49" charset="0"/>
+                </a:rPr>
+                <a:t>_)</a:t>
               </a:r>
             </a:p>
             <a:p>
               <a:r>
-                <a:rPr lang="en-US" altLang="zh-CN" sz="1400">
+                <a:rPr lang="en-US" altLang="zh-CN" sz="1400" dirty="0" err="1">
                   <a:latin typeface="Consolas" panose="020B0609020204030204" pitchFamily="49" charset="0"/>
                 </a:rPr>
-                <a:t>kmeans.fit(data)</a:t>
+                <a:t>plt.show</a:t>
               </a:r>
-            </a:p>
-            <a:p>
               <a:r>
-                <a:rPr lang="en-US" altLang="zh-CN" sz="1400">
+                <a:rPr lang="en-US" altLang="zh-CN" sz="1400" dirty="0">
                   <a:latin typeface="Consolas" panose="020B0609020204030204" pitchFamily="49" charset="0"/>
                 </a:rPr>
-                <a:t/>
+                <a:t>()</a:t>
               </a:r>
-              <a:br>
-                <a:rPr lang="en-US" altLang="zh-CN" sz="1400">
-                  <a:latin typeface="Consolas" panose="020B0609020204030204" pitchFamily="49" charset="0"/>
-                </a:rPr>
-              </a:br>
-              <a:r>
-                <a:rPr lang="en-US" altLang="zh-CN" sz="1400">
-                  <a:solidFill>
-                    <a:srgbClr val="00B050"/>
-                  </a:solidFill>
-                  <a:latin typeface="Consolas" panose="020B0609020204030204" pitchFamily="49" charset="0"/>
-                </a:rPr>
-                <a:t># </a:t>
-              </a:r>
-              <a:r>
-                <a:rPr lang="zh-CN" altLang="en-US" sz="1400">
-                  <a:solidFill>
-                    <a:srgbClr val="00B050"/>
-                  </a:solidFill>
-                  <a:latin typeface="Consolas" panose="020B0609020204030204" pitchFamily="49" charset="0"/>
-                </a:rPr>
-                <a:t>可视化表达</a:t>
-              </a:r>
-            </a:p>
-            <a:p>
-              <a:r>
-                <a:rPr lang="en-US" altLang="zh-CN" sz="1400">
-                  <a:latin typeface="Consolas" panose="020B0609020204030204" pitchFamily="49" charset="0"/>
-                </a:rPr>
-                <a:t>plt.scatter(data[:, 0], data[:, 1], c=kmeans.labels_)</a:t>
-              </a:r>
-            </a:p>
-            <a:p>
-              <a:r>
-                <a:rPr lang="en-US" altLang="zh-CN" sz="1400">
-                  <a:latin typeface="Consolas" panose="020B0609020204030204" pitchFamily="49" charset="0"/>
-                </a:rPr>
-                <a:t>plt.show()</a:t>
-              </a:r>
-              <a:endParaRPr lang="en-US" altLang="zh-CN" sz="1400">
+              <a:endParaRPr lang="en-US" altLang="zh-CN" sz="1400" dirty="0">
                 <a:effectLst/>
                 <a:latin typeface="Consolas" panose="020B0609020204030204" pitchFamily="49" charset="0"/>
               </a:endParaRPr>
             </a:p>
           </p:txBody>
         </p:sp>
+        <p:pic>
+          <p:nvPicPr>
+            <p:cNvPr id="9" name="图片 8">
+              <a:extLst>
+                <a:ext uri="{FF2B5EF4-FFF2-40B4-BE49-F238E27FC236}">
+                  <a16:creationId xmlns="" xmlns:a16="http://schemas.microsoft.com/office/drawing/2014/main" id="{2AF5195C-AD30-024F-8E12-573F69EB509D}"/>
+                </a:ext>
+              </a:extLst>
+            </p:cNvPr>
+            <p:cNvPicPr>
+              <a:picLocks noChangeAspect="1"/>
+            </p:cNvPicPr>
+            <p:nvPr/>
+          </p:nvPicPr>
+          <p:blipFill>
+            <a:blip r:embed="rId5">
+              <a:extLst>
+                <a:ext uri="{28A0092B-C50C-407E-A947-70E740481C1C}">
+                  <a14:useLocalDpi xmlns:a14="http://schemas.microsoft.com/office/drawing/2010/main" val="0"/>
+                </a:ext>
+              </a:extLst>
+            </a:blip>
+            <a:stretch>
+              <a:fillRect/>
+            </a:stretch>
+          </p:blipFill>
+          <p:spPr>
+            <a:xfrm>
+              <a:off x="5377333" y="1307942"/>
+              <a:ext cx="5852172" cy="4389129"/>
+            </a:xfrm>
+            <a:prstGeom prst="rect">
+              <a:avLst/>
+            </a:prstGeom>
+          </p:spPr>
+        </p:pic>
       </p:grpSp>
     </p:spTree>
     <p:custDataLst>
@@ -22855,7 +23262,7 @@
           <p:cNvPr id="3" name="íṥ1íďê">
             <a:extLst>
               <a:ext uri="{FF2B5EF4-FFF2-40B4-BE49-F238E27FC236}">
-                <a16:creationId xmlns="" xmlns:a16="http://schemas.microsoft.com/office/drawing/2014/main" id="{E48EBB4C-11E6-4425-8F3E-32D84D37DDA8}"/>
+                <a16:creationId xmlns:a16="http://schemas.microsoft.com/office/drawing/2014/main" xmlns="" id="{E48EBB4C-11E6-4425-8F3E-32D84D37DDA8}"/>
               </a:ext>
             </a:extLst>
           </p:cNvPr>
@@ -22926,7 +23333,7 @@
           <p:cNvPr id="10" name="íSḻîďê">
             <a:extLst>
               <a:ext uri="{FF2B5EF4-FFF2-40B4-BE49-F238E27FC236}">
-                <a16:creationId xmlns="" xmlns:a16="http://schemas.microsoft.com/office/drawing/2014/main" id="{94053447-3F3F-4FA0-A3BF-A65449901A9B}"/>
+                <a16:creationId xmlns:a16="http://schemas.microsoft.com/office/drawing/2014/main" xmlns="" id="{94053447-3F3F-4FA0-A3BF-A65449901A9B}"/>
               </a:ext>
             </a:extLst>
           </p:cNvPr>
@@ -23125,7 +23532,7 @@
           <p:cNvPr id="11" name="Picture 6" descr="undefined">
             <a:extLst>
               <a:ext uri="{FF2B5EF4-FFF2-40B4-BE49-F238E27FC236}">
-                <a16:creationId xmlns="" xmlns:a16="http://schemas.microsoft.com/office/drawing/2014/main" id="{6B7CCF50-0D5F-EA74-6E6D-447AEFBB8E72}"/>
+                <a16:creationId xmlns:a16="http://schemas.microsoft.com/office/drawing/2014/main" xmlns="" id="{6B7CCF50-0D5F-EA74-6E6D-447AEFBB8E72}"/>
               </a:ext>
             </a:extLst>
           </p:cNvPr>
@@ -23237,7 +23644,7 @@
           <p:cNvPr id="4" name="ïśliďé">
             <a:extLst>
               <a:ext uri="{FF2B5EF4-FFF2-40B4-BE49-F238E27FC236}">
-                <a16:creationId xmlns="" xmlns:a16="http://schemas.microsoft.com/office/drawing/2014/main" id="{3E7816B9-4368-481C-AF7D-011CB1B5D3BB}"/>
+                <a16:creationId xmlns:a16="http://schemas.microsoft.com/office/drawing/2014/main" xmlns="" id="{3E7816B9-4368-481C-AF7D-011CB1B5D3BB}"/>
               </a:ext>
             </a:extLst>
           </p:cNvPr>
@@ -23281,7 +23688,7 @@
           <p:cNvPr id="6" name="íṣ1ïḍè">
             <a:extLst>
               <a:ext uri="{FF2B5EF4-FFF2-40B4-BE49-F238E27FC236}">
-                <a16:creationId xmlns="" xmlns:a16="http://schemas.microsoft.com/office/drawing/2014/main" id="{8494D12C-6F77-3B27-6913-2F49313369F9}"/>
+                <a16:creationId xmlns:a16="http://schemas.microsoft.com/office/drawing/2014/main" xmlns="" id="{8494D12C-6F77-3B27-6913-2F49313369F9}"/>
               </a:ext>
             </a:extLst>
           </p:cNvPr>
@@ -23332,7 +23739,7 @@
           <p:cNvPr id="7" name="îš1ïḑè">
             <a:extLst>
               <a:ext uri="{FF2B5EF4-FFF2-40B4-BE49-F238E27FC236}">
-                <a16:creationId xmlns="" xmlns:a16="http://schemas.microsoft.com/office/drawing/2014/main" id="{740B5416-9747-27DA-ABB3-C54A339C5BF0}"/>
+                <a16:creationId xmlns:a16="http://schemas.microsoft.com/office/drawing/2014/main" xmlns="" id="{740B5416-9747-27DA-ABB3-C54A339C5BF0}"/>
               </a:ext>
             </a:extLst>
           </p:cNvPr>
@@ -23437,7 +23844,7 @@
           <p:cNvPr id="2" name="îŝḻídè">
             <a:extLst>
               <a:ext uri="{FF2B5EF4-FFF2-40B4-BE49-F238E27FC236}">
-                <a16:creationId xmlns="" xmlns:a16="http://schemas.microsoft.com/office/drawing/2014/main" id="{3B287934-A5E4-3B78-144B-CD7974A95456}"/>
+                <a16:creationId xmlns:a16="http://schemas.microsoft.com/office/drawing/2014/main" xmlns="" id="{3B287934-A5E4-3B78-144B-CD7974A95456}"/>
               </a:ext>
             </a:extLst>
           </p:cNvPr>
@@ -23485,7 +23892,7 @@
           <p:cNvPr id="40" name="íṩliďê">
             <a:extLst>
               <a:ext uri="{FF2B5EF4-FFF2-40B4-BE49-F238E27FC236}">
-                <a16:creationId xmlns="" xmlns:a16="http://schemas.microsoft.com/office/drawing/2014/main" id="{36762FE8-B9BE-692B-EC50-B96BF50C2D73}"/>
+                <a16:creationId xmlns:a16="http://schemas.microsoft.com/office/drawing/2014/main" xmlns="" id="{36762FE8-B9BE-692B-EC50-B96BF50C2D73}"/>
               </a:ext>
             </a:extLst>
           </p:cNvPr>
@@ -23521,7 +23928,7 @@
           <p:cNvPr id="98" name="îšľïḑé">
             <a:extLst>
               <a:ext uri="{FF2B5EF4-FFF2-40B4-BE49-F238E27FC236}">
-                <a16:creationId xmlns="" xmlns:a16="http://schemas.microsoft.com/office/drawing/2014/main" id="{7F57CDC5-9341-4F04-6E71-0483B4220763}"/>
+                <a16:creationId xmlns:a16="http://schemas.microsoft.com/office/drawing/2014/main" xmlns="" id="{7F57CDC5-9341-4F04-6E71-0483B4220763}"/>
               </a:ext>
             </a:extLst>
           </p:cNvPr>
@@ -23541,7 +23948,7 @@
             <p:cNvPr id="99" name="ïŝlïḓé">
               <a:extLst>
                 <a:ext uri="{FF2B5EF4-FFF2-40B4-BE49-F238E27FC236}">
-                  <a16:creationId xmlns="" xmlns:a16="http://schemas.microsoft.com/office/drawing/2014/main" id="{EA49B017-49AE-4E16-9E0E-41CCD689959C}"/>
+                  <a16:creationId xmlns:a16="http://schemas.microsoft.com/office/drawing/2014/main" xmlns="" id="{EA49B017-49AE-4E16-9E0E-41CCD689959C}"/>
                 </a:ext>
               </a:extLst>
             </p:cNvPr>
@@ -23561,7 +23968,7 @@
               <p:cNvPr id="101" name="isľîḋé">
                 <a:extLst>
                   <a:ext uri="{FF2B5EF4-FFF2-40B4-BE49-F238E27FC236}">
-                    <a16:creationId xmlns="" xmlns:a16="http://schemas.microsoft.com/office/drawing/2014/main" id="{71A6A5F9-04C3-62E3-528F-27A728C8B48F}"/>
+                    <a16:creationId xmlns:a16="http://schemas.microsoft.com/office/drawing/2014/main" xmlns="" id="{71A6A5F9-04C3-62E3-528F-27A728C8B48F}"/>
                   </a:ext>
                 </a:extLst>
               </p:cNvPr>
@@ -23740,7 +24147,7 @@
               <p:cNvPr id="102" name="íṧľiďe">
                 <a:extLst>
                   <a:ext uri="{FF2B5EF4-FFF2-40B4-BE49-F238E27FC236}">
-                    <a16:creationId xmlns="" xmlns:a16="http://schemas.microsoft.com/office/drawing/2014/main" id="{DB0B68AD-51A5-D8E5-0112-5E153E22A166}"/>
+                    <a16:creationId xmlns:a16="http://schemas.microsoft.com/office/drawing/2014/main" xmlns="" id="{DB0B68AD-51A5-D8E5-0112-5E153E22A166}"/>
                   </a:ext>
                 </a:extLst>
               </p:cNvPr>
@@ -23760,7 +24167,7 @@
                 <p:cNvPr id="106" name="îślíḍe">
                   <a:extLst>
                     <a:ext uri="{FF2B5EF4-FFF2-40B4-BE49-F238E27FC236}">
-                      <a16:creationId xmlns="" xmlns:a16="http://schemas.microsoft.com/office/drawing/2014/main" id="{C51D28BC-3098-F16B-FB94-713849011D2D}"/>
+                      <a16:creationId xmlns:a16="http://schemas.microsoft.com/office/drawing/2014/main" xmlns="" id="{C51D28BC-3098-F16B-FB94-713849011D2D}"/>
                     </a:ext>
                   </a:extLst>
                 </p:cNvPr>
@@ -23881,17 +24288,37 @@
                       <a:cs typeface="+mn-ea"/>
                       <a:sym typeface="+mn-lt"/>
                     </a:rPr>
-                    <a:t>转型功能的体验</a:t>
+                    <a:t>转型功能的</a:t>
                   </a:r>
                   <a:r>
-                    <a:rPr kumimoji="1" lang="zh-CN" altLang="en-US" sz="1600" dirty="0">
+                    <a:rPr kumimoji="1" lang="zh-CN" altLang="en-US" sz="1600" b="1">
                       <a:solidFill>
                         <a:schemeClr val="tx1"/>
                       </a:solidFill>
                       <a:cs typeface="+mn-ea"/>
                       <a:sym typeface="+mn-lt"/>
                     </a:rPr>
-                    <a:t>不仅是偶然发生的，更是</a:t>
+                    <a:t>体验</a:t>
+                  </a:r>
+                  <a:r>
+                    <a:rPr kumimoji="1" lang="zh-CN" altLang="en-US" sz="1600" smtClean="0">
+                      <a:solidFill>
+                        <a:schemeClr val="tx1"/>
+                      </a:solidFill>
+                      <a:cs typeface="+mn-ea"/>
+                      <a:sym typeface="+mn-lt"/>
+                    </a:rPr>
+                    <a:t>不仅偶然发生，更可</a:t>
+                  </a:r>
+                  <a:r>
+                    <a:rPr kumimoji="1" lang="zh-CN" altLang="en-US" sz="1600" b="1" smtClean="0">
+                      <a:solidFill>
+                        <a:schemeClr val="tx1"/>
+                      </a:solidFill>
+                      <a:cs typeface="+mn-ea"/>
+                      <a:sym typeface="+mn-lt"/>
+                    </a:rPr>
+                    <a:t>通过</a:t>
                   </a:r>
                   <a:r>
                     <a:rPr kumimoji="1" lang="zh-CN" altLang="en-US" sz="1600" b="1" dirty="0">
@@ -23901,10 +24328,30 @@
                       <a:cs typeface="+mn-ea"/>
                       <a:sym typeface="+mn-lt"/>
                     </a:rPr>
-                    <a:t>通过有意识的设计引导实现的</a:t>
+                    <a:t>有意识的设计</a:t>
                   </a:r>
                   <a:r>
-                    <a:rPr kumimoji="1" lang="zh-CN" altLang="en-US" sz="1400" dirty="0">
+                    <a:rPr kumimoji="1" lang="zh-CN" altLang="en-US" sz="1600" b="1">
+                      <a:solidFill>
+                        <a:schemeClr val="tx1"/>
+                      </a:solidFill>
+                      <a:cs typeface="+mn-ea"/>
+                      <a:sym typeface="+mn-lt"/>
+                    </a:rPr>
+                    <a:t>引导</a:t>
+                  </a:r>
+                  <a:r>
+                    <a:rPr kumimoji="1" lang="zh-CN" altLang="en-US" sz="1600" b="1" smtClean="0">
+                      <a:solidFill>
+                        <a:schemeClr val="tx1"/>
+                      </a:solidFill>
+                      <a:cs typeface="+mn-ea"/>
+                      <a:sym typeface="+mn-lt"/>
+                    </a:rPr>
+                    <a:t>实现</a:t>
+                  </a:r>
+                  <a:r>
+                    <a:rPr kumimoji="1" lang="zh-CN" altLang="en-US" sz="1400" smtClean="0">
                       <a:solidFill>
                         <a:schemeClr val="tx1"/>
                       </a:solidFill>
@@ -23913,6 +24360,13 @@
                     </a:rPr>
                     <a:t>。</a:t>
                   </a:r>
+                  <a:endParaRPr kumimoji="1" lang="zh-CN" altLang="en-US" sz="1400" dirty="0">
+                    <a:solidFill>
+                      <a:schemeClr val="tx1"/>
+                    </a:solidFill>
+                    <a:cs typeface="+mn-ea"/>
+                    <a:sym typeface="+mn-lt"/>
+                  </a:endParaRPr>
                 </a:p>
               </p:txBody>
             </p:sp>
@@ -23921,7 +24375,7 @@
                 <p:cNvPr id="107" name="ïšļîdé">
                   <a:extLst>
                     <a:ext uri="{FF2B5EF4-FFF2-40B4-BE49-F238E27FC236}">
-                      <a16:creationId xmlns="" xmlns:a16="http://schemas.microsoft.com/office/drawing/2014/main" id="{B7C04CA1-ED50-3846-AE6A-F8C1492B2000}"/>
+                      <a16:creationId xmlns:a16="http://schemas.microsoft.com/office/drawing/2014/main" xmlns="" id="{B7C04CA1-ED50-3846-AE6A-F8C1492B2000}"/>
                     </a:ext>
                   </a:extLst>
                 </p:cNvPr>
@@ -23969,14 +24423,14 @@
                 <a:p>
                   <a:pPr algn="ctr"/>
                   <a:r>
-                    <a:rPr kumimoji="1" lang="zh-CN" altLang="en-US" b="1" dirty="0">
+                    <a:rPr kumimoji="1" lang="zh-CN" altLang="en-US" b="1" smtClean="0">
                       <a:solidFill>
                         <a:srgbClr val="FFFFFF"/>
                       </a:solidFill>
                       <a:cs typeface="+mn-ea"/>
                       <a:sym typeface="+mn-lt"/>
                     </a:rPr>
-                    <a:t>转型</a:t>
+                    <a:t>人类转型</a:t>
                   </a:r>
                   <a:r>
                     <a:rPr kumimoji="1" lang="zh-CN" altLang="en-US" b="1">
@@ -23996,7 +24450,7 @@
                       <a:cs typeface="+mn-ea"/>
                       <a:sym typeface="+mn-lt"/>
                     </a:rPr>
-                    <a:t>被设计引导</a:t>
+                    <a:t>被引导</a:t>
                   </a:r>
                   <a:endParaRPr kumimoji="1" lang="zh-CN" altLang="en-US" b="1" dirty="0">
                     <a:solidFill>
@@ -24014,7 +24468,7 @@
               <p:cNvPr id="103" name="ïṧlîdê">
                 <a:extLst>
                   <a:ext uri="{FF2B5EF4-FFF2-40B4-BE49-F238E27FC236}">
-                    <a16:creationId xmlns="" xmlns:a16="http://schemas.microsoft.com/office/drawing/2014/main" id="{7937A6BD-237C-108B-98FB-5DB6A41F2534}"/>
+                    <a16:creationId xmlns:a16="http://schemas.microsoft.com/office/drawing/2014/main" xmlns="" id="{7937A6BD-237C-108B-98FB-5DB6A41F2534}"/>
                   </a:ext>
                 </a:extLst>
               </p:cNvPr>
@@ -24034,7 +24488,7 @@
                 <p:cNvPr id="104" name="iSlïḍê">
                   <a:extLst>
                     <a:ext uri="{FF2B5EF4-FFF2-40B4-BE49-F238E27FC236}">
-                      <a16:creationId xmlns="" xmlns:a16="http://schemas.microsoft.com/office/drawing/2014/main" id="{8CA82F96-270B-B280-4AFE-4B62ADB327D6}"/>
+                      <a16:creationId xmlns:a16="http://schemas.microsoft.com/office/drawing/2014/main" xmlns="" id="{8CA82F96-270B-B280-4AFE-4B62ADB327D6}"/>
                     </a:ext>
                   </a:extLst>
                 </p:cNvPr>
@@ -24187,7 +24641,7 @@
                 <p:cNvPr id="105" name="íšļidè">
                   <a:extLst>
                     <a:ext uri="{FF2B5EF4-FFF2-40B4-BE49-F238E27FC236}">
-                      <a16:creationId xmlns="" xmlns:a16="http://schemas.microsoft.com/office/drawing/2014/main" id="{06BABC7D-EF78-39D4-3C44-4C03BAA15B9F}"/>
+                      <a16:creationId xmlns:a16="http://schemas.microsoft.com/office/drawing/2014/main" xmlns="" id="{06BABC7D-EF78-39D4-3C44-4C03BAA15B9F}"/>
                     </a:ext>
                   </a:extLst>
                 </p:cNvPr>
@@ -24281,7 +24735,7 @@
             <p:cNvPr id="100" name="ïṥḻiḍè">
               <a:extLst>
                 <a:ext uri="{FF2B5EF4-FFF2-40B4-BE49-F238E27FC236}">
-                  <a16:creationId xmlns="" xmlns:a16="http://schemas.microsoft.com/office/drawing/2014/main" id="{23F17566-4A28-9CA3-2998-22F3E6D66111}"/>
+                  <a16:creationId xmlns:a16="http://schemas.microsoft.com/office/drawing/2014/main" xmlns="" id="{23F17566-4A28-9CA3-2998-22F3E6D66111}"/>
                 </a:ext>
               </a:extLst>
             </p:cNvPr>
@@ -24311,7 +24765,21 @@
                   <a:cs typeface="+mn-ea"/>
                   <a:sym typeface="+mn-lt"/>
                 </a:rPr>
-                <a:t>研究背景与研究对象</a:t>
+                <a:t>研究</a:t>
+              </a:r>
+              <a:r>
+                <a:rPr lang="zh-CN" altLang="en-US" sz="3200" b="1" smtClean="0">
+                  <a:cs typeface="+mn-ea"/>
+                  <a:sym typeface="+mn-lt"/>
+                </a:rPr>
+                <a:t>背景与研究</a:t>
+              </a:r>
+              <a:r>
+                <a:rPr lang="zh-CN" altLang="en-US" sz="3200" b="1">
+                  <a:cs typeface="+mn-ea"/>
+                  <a:sym typeface="+mn-lt"/>
+                </a:rPr>
+                <a:t>对象</a:t>
               </a:r>
               <a:endParaRPr lang="zh-CN" altLang="en-US" sz="3200" b="1" dirty="0">
                 <a:cs typeface="+mn-ea"/>
@@ -24326,7 +24794,7 @@
           <p:cNvPr id="14" name="íṣḷíḍê">
             <a:extLst>
               <a:ext uri="{FF2B5EF4-FFF2-40B4-BE49-F238E27FC236}">
-                <a16:creationId xmlns="" xmlns:a16="http://schemas.microsoft.com/office/drawing/2014/main" id="{A0274DD3-C0CF-66A0-76C7-92563CE77AF4}"/>
+                <a16:creationId xmlns:a16="http://schemas.microsoft.com/office/drawing/2014/main" xmlns="" id="{A0274DD3-C0CF-66A0-76C7-92563CE77AF4}"/>
               </a:ext>
             </a:extLst>
           </p:cNvPr>
@@ -24523,7 +24991,7 @@
           <p:cNvPr id="2" name="îṣḻíḋé">
             <a:extLst>
               <a:ext uri="{FF2B5EF4-FFF2-40B4-BE49-F238E27FC236}">
-                <a16:creationId xmlns="" xmlns:a16="http://schemas.microsoft.com/office/drawing/2014/main" id="{3B287934-A5E4-3B78-144B-CD7974A95456}"/>
+                <a16:creationId xmlns:a16="http://schemas.microsoft.com/office/drawing/2014/main" xmlns="" id="{3B287934-A5E4-3B78-144B-CD7974A95456}"/>
               </a:ext>
             </a:extLst>
           </p:cNvPr>
@@ -24571,7 +25039,7 @@
           <p:cNvPr id="20" name="îṩľíḑé">
             <a:extLst>
               <a:ext uri="{FF2B5EF4-FFF2-40B4-BE49-F238E27FC236}">
-                <a16:creationId xmlns="" xmlns:a16="http://schemas.microsoft.com/office/drawing/2014/main" id="{B1595B2C-2141-8572-1A41-74DD253C4FA8}"/>
+                <a16:creationId xmlns:a16="http://schemas.microsoft.com/office/drawing/2014/main" xmlns="" id="{B1595B2C-2141-8572-1A41-74DD253C4FA8}"/>
               </a:ext>
             </a:extLst>
           </p:cNvPr>
@@ -24607,7 +25075,7 @@
           <p:cNvPr id="21" name="组合 20">
             <a:extLst>
               <a:ext uri="{FF2B5EF4-FFF2-40B4-BE49-F238E27FC236}">
-                <a16:creationId xmlns="" xmlns:a16="http://schemas.microsoft.com/office/drawing/2014/main" id="{482AF35E-9D29-AC2C-989E-B98141106B44}"/>
+                <a16:creationId xmlns:a16="http://schemas.microsoft.com/office/drawing/2014/main" xmlns="" id="{482AF35E-9D29-AC2C-989E-B98141106B44}"/>
               </a:ext>
             </a:extLst>
           </p:cNvPr>
@@ -24617,9 +25085,9 @@
         <p:grpSpPr>
           <a:xfrm>
             <a:off x="501135" y="1153890"/>
-            <a:ext cx="11189730" cy="4383300"/>
+            <a:ext cx="11189730" cy="4641832"/>
             <a:chOff x="660400" y="1153890"/>
-            <a:chExt cx="11189730" cy="4383300"/>
+            <a:chExt cx="11189730" cy="4641832"/>
           </a:xfrm>
         </p:grpSpPr>
         <p:cxnSp>
@@ -24627,7 +25095,7 @@
             <p:cNvPr id="22" name="íṣḷiḓé">
               <a:extLst>
                 <a:ext uri="{FF2B5EF4-FFF2-40B4-BE49-F238E27FC236}">
-                  <a16:creationId xmlns="" xmlns:a16="http://schemas.microsoft.com/office/drawing/2014/main" id="{001DD18B-D474-B6A1-40B6-2CB2253702F2}"/>
+                  <a16:creationId xmlns:a16="http://schemas.microsoft.com/office/drawing/2014/main" xmlns="" id="{001DD18B-D474-B6A1-40B6-2CB2253702F2}"/>
                 </a:ext>
               </a:extLst>
             </p:cNvPr>
@@ -24670,7 +25138,7 @@
             <p:cNvPr id="23" name="iṥlîḓè">
               <a:extLst>
                 <a:ext uri="{FF2B5EF4-FFF2-40B4-BE49-F238E27FC236}">
-                  <a16:creationId xmlns="" xmlns:a16="http://schemas.microsoft.com/office/drawing/2014/main" id="{4A90BBE1-E980-72FA-AF48-B41F31116C95}"/>
+                  <a16:creationId xmlns:a16="http://schemas.microsoft.com/office/drawing/2014/main" xmlns="" id="{4A90BBE1-E980-72FA-AF48-B41F31116C95}"/>
                 </a:ext>
               </a:extLst>
             </p:cNvPr>
@@ -24697,7 +25165,15 @@
               </a:pPr>
               <a:r>
                 <a:rPr lang="zh-CN" altLang="en-US" sz="3200" b="1"/>
-                <a:t>研究方法、主要结论、研究贡献</a:t>
+                <a:t>研究方法、主要</a:t>
+              </a:r>
+              <a:r>
+                <a:rPr lang="zh-CN" altLang="en-US" sz="3200" b="1" smtClean="0"/>
+                <a:t>结论与研究</a:t>
+              </a:r>
+              <a:r>
+                <a:rPr lang="zh-CN" altLang="en-US" sz="3200" b="1"/>
+                <a:t>贡献</a:t>
               </a:r>
               <a:endParaRPr lang="en-US" altLang="zh-CN" sz="3200" b="1" dirty="0">
                 <a:solidFill>
@@ -24712,7 +25188,7 @@
             <p:cNvPr id="24" name="ïṩ1íďé">
               <a:extLst>
                 <a:ext uri="{FF2B5EF4-FFF2-40B4-BE49-F238E27FC236}">
-                  <a16:creationId xmlns="" xmlns:a16="http://schemas.microsoft.com/office/drawing/2014/main" id="{44EB9DBE-CE40-23C7-3499-58B681893C1A}"/>
+                  <a16:creationId xmlns:a16="http://schemas.microsoft.com/office/drawing/2014/main" xmlns="" id="{44EB9DBE-CE40-23C7-3499-58B681893C1A}"/>
                 </a:ext>
               </a:extLst>
             </p:cNvPr>
@@ -24722,9 +25198,9 @@
           <p:grpSpPr>
             <a:xfrm>
               <a:off x="887363" y="2679544"/>
-              <a:ext cx="6655011" cy="1495413"/>
+              <a:ext cx="4739767" cy="1495413"/>
               <a:chOff x="887363" y="2679544"/>
-              <a:chExt cx="6655011" cy="1495413"/>
+              <a:chExt cx="4739767" cy="1495413"/>
             </a:xfrm>
           </p:grpSpPr>
           <p:grpSp>
@@ -24732,7 +25208,7 @@
               <p:cNvPr id="37" name="ísļîďe">
                 <a:extLst>
                   <a:ext uri="{FF2B5EF4-FFF2-40B4-BE49-F238E27FC236}">
-                    <a16:creationId xmlns="" xmlns:a16="http://schemas.microsoft.com/office/drawing/2014/main" id="{8ACE611B-1953-D304-82C0-6D148A965F2A}"/>
+                    <a16:creationId xmlns:a16="http://schemas.microsoft.com/office/drawing/2014/main" xmlns="" id="{8ACE611B-1953-D304-82C0-6D148A965F2A}"/>
                   </a:ext>
                 </a:extLst>
               </p:cNvPr>
@@ -24742,9 +25218,9 @@
             <p:grpSpPr>
               <a:xfrm>
                 <a:off x="887363" y="2679544"/>
-                <a:ext cx="6655011" cy="1495413"/>
+                <a:ext cx="4739767" cy="1495413"/>
                 <a:chOff x="1893968" y="5190837"/>
-                <a:chExt cx="6655011" cy="1495413"/>
+                <a:chExt cx="4739767" cy="1495413"/>
               </a:xfrm>
             </p:grpSpPr>
             <p:sp>
@@ -24752,7 +25228,7 @@
                 <p:cNvPr id="39" name="îṥľíďé">
                   <a:extLst>
                     <a:ext uri="{FF2B5EF4-FFF2-40B4-BE49-F238E27FC236}">
-                      <a16:creationId xmlns="" xmlns:a16="http://schemas.microsoft.com/office/drawing/2014/main" id="{A24B2346-17E6-1150-B61D-B4A5089D51AD}"/>
+                      <a16:creationId xmlns:a16="http://schemas.microsoft.com/office/drawing/2014/main" xmlns="" id="{A24B2346-17E6-1150-B61D-B4A5089D51AD}"/>
                     </a:ext>
                   </a:extLst>
                 </p:cNvPr>
@@ -24762,7 +25238,7 @@
               <p:spPr>
                 <a:xfrm>
                   <a:off x="2234748" y="5646572"/>
-                  <a:ext cx="6314231" cy="993706"/>
+                  <a:ext cx="4398987" cy="993706"/>
                 </a:xfrm>
                 <a:prstGeom prst="rect">
                   <a:avLst/>
@@ -24896,23 +25372,7 @@
                         <a:schemeClr val="tx1"/>
                       </a:solidFill>
                     </a:rPr>
-                    <a:t>理论</a:t>
-                  </a:r>
-                  <a:r>
-                    <a:rPr lang="zh-CN" altLang="en-US" sz="1400" kern="100">
-                      <a:solidFill>
-                        <a:schemeClr val="tx1"/>
-                      </a:solidFill>
-                    </a:rPr>
-                    <a:t>视角</a:t>
-                  </a:r>
-                  <a:r>
-                    <a:rPr lang="zh-CN" altLang="en-US" sz="1400" kern="100" smtClean="0">
-                      <a:solidFill>
-                        <a:schemeClr val="tx1"/>
-                      </a:solidFill>
-                    </a:rPr>
-                    <a:t>，深度</a:t>
+                    <a:t>理论，深度</a:t>
                   </a:r>
                   <a:r>
                     <a:rPr lang="zh-CN" altLang="en-US" sz="1400" kern="100">
@@ -24984,7 +25444,7 @@
                 <p:cNvPr id="40" name="í$ḷîḍè">
                   <a:extLst>
                     <a:ext uri="{FF2B5EF4-FFF2-40B4-BE49-F238E27FC236}">
-                      <a16:creationId xmlns="" xmlns:a16="http://schemas.microsoft.com/office/drawing/2014/main" id="{12A3621C-87E1-A4C8-FA58-D86A1AC51E22}"/>
+                      <a16:creationId xmlns:a16="http://schemas.microsoft.com/office/drawing/2014/main" xmlns="" id="{12A3621C-87E1-A4C8-FA58-D86A1AC51E22}"/>
                     </a:ext>
                   </a:extLst>
                 </p:cNvPr>
@@ -25134,7 +25594,7 @@
                 <p:cNvPr id="41" name="îṡľïḋê">
                   <a:extLst>
                     <a:ext uri="{FF2B5EF4-FFF2-40B4-BE49-F238E27FC236}">
-                      <a16:creationId xmlns="" xmlns:a16="http://schemas.microsoft.com/office/drawing/2014/main" id="{4DB688CD-99C8-B8A2-217A-AF1CD12922B8}"/>
+                      <a16:creationId xmlns:a16="http://schemas.microsoft.com/office/drawing/2014/main" xmlns="" id="{4DB688CD-99C8-B8A2-217A-AF1CD12922B8}"/>
                     </a:ext>
                   </a:extLst>
                 </p:cNvPr>
@@ -25184,7 +25644,7 @@
               <p:cNvPr id="38" name="iS1iḍé">
                 <a:extLst>
                   <a:ext uri="{FF2B5EF4-FFF2-40B4-BE49-F238E27FC236}">
-                    <a16:creationId xmlns="" xmlns:a16="http://schemas.microsoft.com/office/drawing/2014/main" id="{94E1B758-7937-D51F-0435-5E2FEBBF8BC5}"/>
+                    <a16:creationId xmlns:a16="http://schemas.microsoft.com/office/drawing/2014/main" xmlns="" id="{94E1B758-7937-D51F-0435-5E2FEBBF8BC5}"/>
                   </a:ext>
                 </a:extLst>
               </p:cNvPr>
@@ -25230,7 +25690,7 @@
             <p:cNvPr id="25" name="íṩľiḋè">
               <a:extLst>
                 <a:ext uri="{FF2B5EF4-FFF2-40B4-BE49-F238E27FC236}">
-                  <a16:creationId xmlns="" xmlns:a16="http://schemas.microsoft.com/office/drawing/2014/main" id="{4358FF2A-7BDB-D3DE-C217-B8672C775EF6}"/>
+                  <a16:creationId xmlns:a16="http://schemas.microsoft.com/office/drawing/2014/main" xmlns="" id="{4358FF2A-7BDB-D3DE-C217-B8672C775EF6}"/>
                 </a:ext>
               </a:extLst>
             </p:cNvPr>
@@ -25240,9 +25700,9 @@
           <p:grpSpPr>
             <a:xfrm>
               <a:off x="4250798" y="4031239"/>
-              <a:ext cx="6453003" cy="1505951"/>
+              <a:ext cx="4765919" cy="1764483"/>
               <a:chOff x="887363" y="2190902"/>
-              <a:chExt cx="6453003" cy="1505951"/>
+              <a:chExt cx="4765919" cy="1764483"/>
             </a:xfrm>
           </p:grpSpPr>
           <p:grpSp>
@@ -25250,7 +25710,7 @@
               <p:cNvPr id="32" name="ïṧḷîḍe">
                 <a:extLst>
                   <a:ext uri="{FF2B5EF4-FFF2-40B4-BE49-F238E27FC236}">
-                    <a16:creationId xmlns="" xmlns:a16="http://schemas.microsoft.com/office/drawing/2014/main" id="{AB61EB3D-43BB-9B4D-9D62-D7D9C41EA690}"/>
+                    <a16:creationId xmlns:a16="http://schemas.microsoft.com/office/drawing/2014/main" xmlns="" id="{AB61EB3D-43BB-9B4D-9D62-D7D9C41EA690}"/>
                   </a:ext>
                 </a:extLst>
               </p:cNvPr>
@@ -25260,9 +25720,9 @@
             <p:grpSpPr>
               <a:xfrm>
                 <a:off x="887363" y="2190902"/>
-                <a:ext cx="6453003" cy="1505951"/>
+                <a:ext cx="4765919" cy="1764483"/>
                 <a:chOff x="1893968" y="4702195"/>
-                <a:chExt cx="6453003" cy="1505951"/>
+                <a:chExt cx="4765919" cy="1764483"/>
               </a:xfrm>
             </p:grpSpPr>
             <p:sp>
@@ -25270,7 +25730,7 @@
                 <p:cNvPr id="34" name="iṥļídé">
                   <a:extLst>
                     <a:ext uri="{FF2B5EF4-FFF2-40B4-BE49-F238E27FC236}">
-                      <a16:creationId xmlns="" xmlns:a16="http://schemas.microsoft.com/office/drawing/2014/main" id="{88097592-3276-BF9A-7FBF-8EBF91B64FD9}"/>
+                      <a16:creationId xmlns:a16="http://schemas.microsoft.com/office/drawing/2014/main" xmlns="" id="{88097592-3276-BF9A-7FBF-8EBF91B64FD9}"/>
                     </a:ext>
                   </a:extLst>
                 </p:cNvPr>
@@ -25280,7 +25740,7 @@
               <p:spPr>
                 <a:xfrm>
                   <a:off x="2234748" y="5472972"/>
-                  <a:ext cx="6112223" cy="735174"/>
+                  <a:ext cx="4425139" cy="993706"/>
                 </a:xfrm>
                 <a:prstGeom prst="rect">
                   <a:avLst/>
@@ -25446,7 +25906,7 @@
                         <a:schemeClr val="tx1"/>
                       </a:solidFill>
                     </a:rPr>
-                    <a:t>因素，</a:t>
+                    <a:t>因素</a:t>
                   </a:r>
                   <a:r>
                     <a:rPr lang="zh-CN" altLang="en-US" sz="1400" kern="100" smtClean="0">
@@ -25454,7 +25914,7 @@
                         <a:schemeClr val="tx1"/>
                       </a:solidFill>
                     </a:rPr>
-                    <a:t>形成</a:t>
+                    <a:t>，总结形成</a:t>
                   </a:r>
                   <a:r>
                     <a:rPr lang="en-US" altLang="zh-CN" sz="1400" b="1" kern="100" smtClean="0">
@@ -25534,7 +25994,7 @@
                 <p:cNvPr id="35" name="íṡ1îḓé">
                   <a:extLst>
                     <a:ext uri="{FF2B5EF4-FFF2-40B4-BE49-F238E27FC236}">
-                      <a16:creationId xmlns="" xmlns:a16="http://schemas.microsoft.com/office/drawing/2014/main" id="{C4B4D434-674B-5CCC-0550-800741D4DE3D}"/>
+                      <a16:creationId xmlns:a16="http://schemas.microsoft.com/office/drawing/2014/main" xmlns="" id="{C4B4D434-674B-5CCC-0550-800741D4DE3D}"/>
                     </a:ext>
                   </a:extLst>
                 </p:cNvPr>
@@ -25660,7 +26120,41 @@
                         </a:outerShdw>
                       </a:effectLst>
                     </a:rPr>
-                    <a:t>三阶段、两范畴、三十聚类</a:t>
+                    <a:t>三</a:t>
+                  </a:r>
+                  <a:r>
+                    <a:rPr kumimoji="1" lang="zh-CN" altLang="en-US" sz="2000" b="1" smtClean="0">
+                      <a:solidFill>
+                        <a:schemeClr val="accent3">
+                          <a:lumMod val="75000"/>
+                        </a:schemeClr>
+                      </a:solidFill>
+                      <a:effectLst>
+                        <a:outerShdw blurRad="127000" dist="63500" dir="2700000" algn="ctr" rotWithShape="0">
+                          <a:schemeClr val="accent3">
+                            <a:alpha val="40000"/>
+                          </a:schemeClr>
+                        </a:outerShdw>
+                      </a:effectLst>
+                    </a:rPr>
+                    <a:t>阶段；两</a:t>
+                  </a:r>
+                  <a:r>
+                    <a:rPr kumimoji="1" lang="zh-CN" altLang="en-US" sz="2000" b="1">
+                      <a:solidFill>
+                        <a:schemeClr val="accent3">
+                          <a:lumMod val="75000"/>
+                        </a:schemeClr>
+                      </a:solidFill>
+                      <a:effectLst>
+                        <a:outerShdw blurRad="127000" dist="63500" dir="2700000" algn="ctr" rotWithShape="0">
+                          <a:schemeClr val="accent3">
+                            <a:alpha val="40000"/>
+                          </a:schemeClr>
+                        </a:outerShdw>
+                      </a:effectLst>
+                    </a:rPr>
+                    <a:t>范畴、三十聚类</a:t>
                   </a:r>
                   <a:endParaRPr kumimoji="1" lang="en-US" altLang="zh-CN" sz="2000" b="1" dirty="0">
                     <a:solidFill>
@@ -25684,7 +26178,7 @@
                 <p:cNvPr id="36" name="iṩḻîḋê">
                   <a:extLst>
                     <a:ext uri="{FF2B5EF4-FFF2-40B4-BE49-F238E27FC236}">
-                      <a16:creationId xmlns="" xmlns:a16="http://schemas.microsoft.com/office/drawing/2014/main" id="{58080082-4A5B-D1DD-630A-1C616C58EA4A}"/>
+                      <a16:creationId xmlns:a16="http://schemas.microsoft.com/office/drawing/2014/main" xmlns="" id="{58080082-4A5B-D1DD-630A-1C616C58EA4A}"/>
                     </a:ext>
                   </a:extLst>
                 </p:cNvPr>
@@ -25734,7 +26228,7 @@
               <p:cNvPr id="33" name="iṩ1ïdé">
                 <a:extLst>
                   <a:ext uri="{FF2B5EF4-FFF2-40B4-BE49-F238E27FC236}">
-                    <a16:creationId xmlns="" xmlns:a16="http://schemas.microsoft.com/office/drawing/2014/main" id="{3C9163EA-53CE-687A-82B4-63F1E0CD548C}"/>
+                    <a16:creationId xmlns:a16="http://schemas.microsoft.com/office/drawing/2014/main" xmlns="" id="{3C9163EA-53CE-687A-82B4-63F1E0CD548C}"/>
                   </a:ext>
                 </a:extLst>
               </p:cNvPr>
@@ -25780,7 +26274,7 @@
             <p:cNvPr id="26" name="íṩḻíḓé">
               <a:extLst>
                 <a:ext uri="{FF2B5EF4-FFF2-40B4-BE49-F238E27FC236}">
-                  <a16:creationId xmlns="" xmlns:a16="http://schemas.microsoft.com/office/drawing/2014/main" id="{37E2584C-A68A-18AA-4769-F8AD5C2C8B3C}"/>
+                  <a16:creationId xmlns:a16="http://schemas.microsoft.com/office/drawing/2014/main" xmlns="" id="{37E2584C-A68A-18AA-4769-F8AD5C2C8B3C}"/>
                 </a:ext>
               </a:extLst>
             </p:cNvPr>
@@ -25800,7 +26294,7 @@
               <p:cNvPr id="27" name="îSḻiďé">
                 <a:extLst>
                   <a:ext uri="{FF2B5EF4-FFF2-40B4-BE49-F238E27FC236}">
-                    <a16:creationId xmlns="" xmlns:a16="http://schemas.microsoft.com/office/drawing/2014/main" id="{7D95AD29-30D1-4957-811E-72C1CE2C93E5}"/>
+                    <a16:creationId xmlns:a16="http://schemas.microsoft.com/office/drawing/2014/main" xmlns="" id="{7D95AD29-30D1-4957-811E-72C1CE2C93E5}"/>
                   </a:ext>
                 </a:extLst>
               </p:cNvPr>
@@ -25820,7 +26314,7 @@
                 <p:cNvPr id="29" name="íŝ1íḓe">
                   <a:extLst>
                     <a:ext uri="{FF2B5EF4-FFF2-40B4-BE49-F238E27FC236}">
-                      <a16:creationId xmlns="" xmlns:a16="http://schemas.microsoft.com/office/drawing/2014/main" id="{635D8E1F-FCF3-F8CE-961A-7A6F6DA71BCB}"/>
+                      <a16:creationId xmlns:a16="http://schemas.microsoft.com/office/drawing/2014/main" xmlns="" id="{635D8E1F-FCF3-F8CE-961A-7A6F6DA71BCB}"/>
                     </a:ext>
                   </a:extLst>
                 </p:cNvPr>
@@ -26028,7 +26522,7 @@
                 <p:cNvPr id="30" name="íŝḷïḓê">
                   <a:extLst>
                     <a:ext uri="{FF2B5EF4-FFF2-40B4-BE49-F238E27FC236}">
-                      <a16:creationId xmlns="" xmlns:a16="http://schemas.microsoft.com/office/drawing/2014/main" id="{5F3D30B8-10F7-07F6-817A-5B8789BF257D}"/>
+                      <a16:creationId xmlns:a16="http://schemas.microsoft.com/office/drawing/2014/main" xmlns="" id="{5F3D30B8-10F7-07F6-817A-5B8789BF257D}"/>
                     </a:ext>
                   </a:extLst>
                 </p:cNvPr>
@@ -26178,7 +26672,7 @@
                 <p:cNvPr id="31" name="îsļïḑe">
                   <a:extLst>
                     <a:ext uri="{FF2B5EF4-FFF2-40B4-BE49-F238E27FC236}">
-                      <a16:creationId xmlns="" xmlns:a16="http://schemas.microsoft.com/office/drawing/2014/main" id="{6B44AFA3-0084-8B43-8DA6-E69591F2CFF6}"/>
+                      <a16:creationId xmlns:a16="http://schemas.microsoft.com/office/drawing/2014/main" xmlns="" id="{6B44AFA3-0084-8B43-8DA6-E69591F2CFF6}"/>
                     </a:ext>
                   </a:extLst>
                 </p:cNvPr>
@@ -26228,7 +26722,7 @@
               <p:cNvPr id="28" name="i$ļïdé">
                 <a:extLst>
                   <a:ext uri="{FF2B5EF4-FFF2-40B4-BE49-F238E27FC236}">
-                    <a16:creationId xmlns="" xmlns:a16="http://schemas.microsoft.com/office/drawing/2014/main" id="{DD8557D0-2100-608A-F1A0-3B63E6000E1F}"/>
+                    <a16:creationId xmlns:a16="http://schemas.microsoft.com/office/drawing/2014/main" xmlns="" id="{DD8557D0-2100-608A-F1A0-3B63E6000E1F}"/>
                   </a:ext>
                 </a:extLst>
               </p:cNvPr>
@@ -26315,7 +26809,7 @@
           <p:cNvPr id="4" name="îSľidé">
             <a:extLst>
               <a:ext uri="{FF2B5EF4-FFF2-40B4-BE49-F238E27FC236}">
-                <a16:creationId xmlns="" xmlns:a16="http://schemas.microsoft.com/office/drawing/2014/main" id="{3E7816B9-4368-481C-AF7D-011CB1B5D3BB}"/>
+                <a16:creationId xmlns:a16="http://schemas.microsoft.com/office/drawing/2014/main" xmlns="" id="{3E7816B9-4368-481C-AF7D-011CB1B5D3BB}"/>
               </a:ext>
             </a:extLst>
           </p:cNvPr>
@@ -26355,7 +26849,7 @@
           <p:cNvPr id="5" name="iṩḷiḑê">
             <a:extLst>
               <a:ext uri="{FF2B5EF4-FFF2-40B4-BE49-F238E27FC236}">
-                <a16:creationId xmlns="" xmlns:a16="http://schemas.microsoft.com/office/drawing/2014/main" id="{FFB5A5B7-90C8-078E-6C5B-4F2652B88E9F}"/>
+                <a16:creationId xmlns:a16="http://schemas.microsoft.com/office/drawing/2014/main" xmlns="" id="{FFB5A5B7-90C8-078E-6C5B-4F2652B88E9F}"/>
               </a:ext>
             </a:extLst>
           </p:cNvPr>
@@ -26400,7 +26894,7 @@
           <p:cNvPr id="6" name="íṩ1îḍè">
             <a:extLst>
               <a:ext uri="{FF2B5EF4-FFF2-40B4-BE49-F238E27FC236}">
-                <a16:creationId xmlns="" xmlns:a16="http://schemas.microsoft.com/office/drawing/2014/main" id="{B68DAE73-8BC8-7807-0C08-C90012F6614E}"/>
+                <a16:creationId xmlns:a16="http://schemas.microsoft.com/office/drawing/2014/main" xmlns="" id="{B68DAE73-8BC8-7807-0C08-C90012F6614E}"/>
               </a:ext>
             </a:extLst>
           </p:cNvPr>
@@ -26505,7 +26999,7 @@
           <p:cNvPr id="2" name="îŝlíḋê">
             <a:extLst>
               <a:ext uri="{FF2B5EF4-FFF2-40B4-BE49-F238E27FC236}">
-                <a16:creationId xmlns="" xmlns:a16="http://schemas.microsoft.com/office/drawing/2014/main" id="{6AD7DE2F-2C25-C25A-957B-4AC542D02BC6}"/>
+                <a16:creationId xmlns:a16="http://schemas.microsoft.com/office/drawing/2014/main" xmlns="" id="{6AD7DE2F-2C25-C25A-957B-4AC542D02BC6}"/>
               </a:ext>
             </a:extLst>
           </p:cNvPr>
@@ -26544,7 +27038,7 @@
           <p:cNvPr id="3" name="i$1ïḑè">
             <a:extLst>
               <a:ext uri="{FF2B5EF4-FFF2-40B4-BE49-F238E27FC236}">
-                <a16:creationId xmlns="" xmlns:a16="http://schemas.microsoft.com/office/drawing/2014/main" id="{EE398945-B4F6-229D-8038-3D7AB4A4B18E}"/>
+                <a16:creationId xmlns:a16="http://schemas.microsoft.com/office/drawing/2014/main" xmlns="" id="{EE398945-B4F6-229D-8038-3D7AB4A4B18E}"/>
               </a:ext>
             </a:extLst>
           </p:cNvPr>
@@ -26580,7 +27074,7 @@
           <p:cNvPr id="46" name="灯片编号占位符 1">
             <a:extLst>
               <a:ext uri="{FF2B5EF4-FFF2-40B4-BE49-F238E27FC236}">
-                <a16:creationId xmlns="" xmlns:a16="http://schemas.microsoft.com/office/drawing/2014/main" id="{F50F31B1-2A21-0FFF-2F66-A3649473C736}"/>
+                <a16:creationId xmlns:a16="http://schemas.microsoft.com/office/drawing/2014/main" xmlns="" id="{F50F31B1-2A21-0FFF-2F66-A3649473C736}"/>
               </a:ext>
             </a:extLst>
           </p:cNvPr>
@@ -26705,7 +27199,7 @@
           <p:cNvPr id="48" name="文本框 47">
             <a:extLst>
               <a:ext uri="{FF2B5EF4-FFF2-40B4-BE49-F238E27FC236}">
-                <a16:creationId xmlns="" xmlns:a16="http://schemas.microsoft.com/office/drawing/2014/main" id="{33D56F3F-1A7B-EC8C-1469-CE1202203A9A}"/>
+                <a16:creationId xmlns:a16="http://schemas.microsoft.com/office/drawing/2014/main" xmlns="" id="{33D56F3F-1A7B-EC8C-1469-CE1202203A9A}"/>
               </a:ext>
             </a:extLst>
           </p:cNvPr>
@@ -26794,7 +27288,7 @@
           <p:cNvPr id="50" name="任意多边形: 形状 9">
             <a:extLst>
               <a:ext uri="{FF2B5EF4-FFF2-40B4-BE49-F238E27FC236}">
-                <a16:creationId xmlns="" xmlns:a16="http://schemas.microsoft.com/office/drawing/2014/main" id="{82C4FD03-54BC-4031-7205-323F32F2AA30}"/>
+                <a16:creationId xmlns:a16="http://schemas.microsoft.com/office/drawing/2014/main" xmlns="" id="{82C4FD03-54BC-4031-7205-323F32F2AA30}"/>
               </a:ext>
             </a:extLst>
           </p:cNvPr>
@@ -26950,7 +27444,7 @@
           <p:cNvPr id="51" name="矩形 50">
             <a:extLst>
               <a:ext uri="{FF2B5EF4-FFF2-40B4-BE49-F238E27FC236}">
-                <a16:creationId xmlns="" xmlns:a16="http://schemas.microsoft.com/office/drawing/2014/main" id="{40E5C2AC-F189-FD5A-5713-FCAACDB2114F}"/>
+                <a16:creationId xmlns:a16="http://schemas.microsoft.com/office/drawing/2014/main" xmlns="" id="{40E5C2AC-F189-FD5A-5713-FCAACDB2114F}"/>
               </a:ext>
             </a:extLst>
           </p:cNvPr>
@@ -27001,7 +27495,7 @@
           <p:cNvPr id="52" name="矩形 51">
             <a:extLst>
               <a:ext uri="{FF2B5EF4-FFF2-40B4-BE49-F238E27FC236}">
-                <a16:creationId xmlns="" xmlns:a16="http://schemas.microsoft.com/office/drawing/2014/main" id="{00C36A25-7227-C794-E60E-EAEA9B2D63BF}"/>
+                <a16:creationId xmlns:a16="http://schemas.microsoft.com/office/drawing/2014/main" xmlns="" id="{00C36A25-7227-C794-E60E-EAEA9B2D63BF}"/>
               </a:ext>
             </a:extLst>
           </p:cNvPr>
@@ -27059,7 +27553,7 @@
           <p:cNvPr id="53" name="Freeform 9">
             <a:extLst>
               <a:ext uri="{FF2B5EF4-FFF2-40B4-BE49-F238E27FC236}">
-                <a16:creationId xmlns="" xmlns:a16="http://schemas.microsoft.com/office/drawing/2014/main" id="{A76795E1-9DBE-2C85-BAC3-B6039EF5E6C5}"/>
+                <a16:creationId xmlns:a16="http://schemas.microsoft.com/office/drawing/2014/main" xmlns="" id="{A76795E1-9DBE-2C85-BAC3-B6039EF5E6C5}"/>
               </a:ext>
             </a:extLst>
           </p:cNvPr>
@@ -27145,7 +27639,7 @@
           <p:cNvPr id="54" name="矩形 53">
             <a:extLst>
               <a:ext uri="{FF2B5EF4-FFF2-40B4-BE49-F238E27FC236}">
-                <a16:creationId xmlns="" xmlns:a16="http://schemas.microsoft.com/office/drawing/2014/main" id="{80324389-A57C-193C-67E9-574C80224E87}"/>
+                <a16:creationId xmlns:a16="http://schemas.microsoft.com/office/drawing/2014/main" xmlns="" id="{80324389-A57C-193C-67E9-574C80224E87}"/>
               </a:ext>
             </a:extLst>
           </p:cNvPr>
@@ -27216,7 +27710,7 @@
           <p:cNvPr id="55" name="矩形 54">
             <a:extLst>
               <a:ext uri="{FF2B5EF4-FFF2-40B4-BE49-F238E27FC236}">
-                <a16:creationId xmlns="" xmlns:a16="http://schemas.microsoft.com/office/drawing/2014/main" id="{91EF8C5F-4364-6F74-08AF-28236D538B45}"/>
+                <a16:creationId xmlns:a16="http://schemas.microsoft.com/office/drawing/2014/main" xmlns="" id="{91EF8C5F-4364-6F74-08AF-28236D538B45}"/>
               </a:ext>
             </a:extLst>
           </p:cNvPr>
@@ -27287,7 +27781,7 @@
           <p:cNvPr id="56" name="矩形 55">
             <a:extLst>
               <a:ext uri="{FF2B5EF4-FFF2-40B4-BE49-F238E27FC236}">
-                <a16:creationId xmlns="" xmlns:a16="http://schemas.microsoft.com/office/drawing/2014/main" id="{15543904-2B31-4328-1F9E-7B384FC3D070}"/>
+                <a16:creationId xmlns:a16="http://schemas.microsoft.com/office/drawing/2014/main" xmlns="" id="{15543904-2B31-4328-1F9E-7B384FC3D070}"/>
               </a:ext>
             </a:extLst>
           </p:cNvPr>
@@ -27608,12 +28102,28 @@
               <a:t>转型</a:t>
             </a:r>
             <a:r>
+              <a:rPr lang="en-US" altLang="zh-CN" sz="1400">
+                <a:solidFill>
+                  <a:schemeClr val="bg1"/>
+                </a:solidFill>
+              </a:rPr>
+              <a:t>(Human transformation)</a:t>
+            </a:r>
+            <a:r>
+              <a:rPr lang="zh-CN" altLang="en-US" sz="1400" smtClean="0">
+                <a:solidFill>
+                  <a:schemeClr val="bg1"/>
+                </a:solidFill>
+              </a:rPr>
+              <a:t>如何</a:t>
+            </a:r>
+            <a:r>
               <a:rPr lang="zh-CN" altLang="en-US" sz="1400" dirty="0">
                 <a:solidFill>
                   <a:schemeClr val="bg1"/>
                 </a:solidFill>
               </a:rPr>
-              <a:t>如何发生？</a:t>
+              <a:t>发生？</a:t>
             </a:r>
             <a:endParaRPr lang="en-US" altLang="zh-CN" sz="1400" dirty="0">
               <a:solidFill>
@@ -27668,7 +28178,7 @@
           <p:cNvPr id="2" name="îṩļíďè">
             <a:extLst>
               <a:ext uri="{FF2B5EF4-FFF2-40B4-BE49-F238E27FC236}">
-                <a16:creationId xmlns="" xmlns:a16="http://schemas.microsoft.com/office/drawing/2014/main" id="{6AD7DE2F-2C25-C25A-957B-4AC542D02BC6}"/>
+                <a16:creationId xmlns:a16="http://schemas.microsoft.com/office/drawing/2014/main" xmlns="" id="{6AD7DE2F-2C25-C25A-957B-4AC542D02BC6}"/>
               </a:ext>
             </a:extLst>
           </p:cNvPr>
@@ -27707,7 +28217,7 @@
           <p:cNvPr id="3" name="îṧḻíďê">
             <a:extLst>
               <a:ext uri="{FF2B5EF4-FFF2-40B4-BE49-F238E27FC236}">
-                <a16:creationId xmlns="" xmlns:a16="http://schemas.microsoft.com/office/drawing/2014/main" id="{B375A7AD-1815-4FD5-7FFD-E47FC224BD70}"/>
+                <a16:creationId xmlns:a16="http://schemas.microsoft.com/office/drawing/2014/main" xmlns="" id="{B375A7AD-1815-4FD5-7FFD-E47FC224BD70}"/>
               </a:ext>
             </a:extLst>
           </p:cNvPr>
@@ -27743,7 +28253,7 @@
           <p:cNvPr id="168" name="îş1íďè">
             <a:extLst>
               <a:ext uri="{FF2B5EF4-FFF2-40B4-BE49-F238E27FC236}">
-                <a16:creationId xmlns="" xmlns:a16="http://schemas.microsoft.com/office/drawing/2014/main" id="{3EA0ED1E-6900-7DD9-9F3F-B4BBE09A031E}"/>
+                <a16:creationId xmlns:a16="http://schemas.microsoft.com/office/drawing/2014/main" xmlns="" id="{3EA0ED1E-6900-7DD9-9F3F-B4BBE09A031E}"/>
               </a:ext>
             </a:extLst>
           </p:cNvPr>
@@ -27763,7 +28273,7 @@
             <p:cNvPr id="167" name="îṧḻíḓé">
               <a:extLst>
                 <a:ext uri="{FF2B5EF4-FFF2-40B4-BE49-F238E27FC236}">
-                  <a16:creationId xmlns="" xmlns:a16="http://schemas.microsoft.com/office/drawing/2014/main" id="{5DB0B0EB-5534-D3B4-FC09-5E158D1E1962}"/>
+                  <a16:creationId xmlns:a16="http://schemas.microsoft.com/office/drawing/2014/main" xmlns="" id="{5DB0B0EB-5534-D3B4-FC09-5E158D1E1962}"/>
                 </a:ext>
               </a:extLst>
             </p:cNvPr>
@@ -27783,7 +28293,7 @@
               <p:cNvPr id="44" name="ïšļîḍê">
                 <a:extLst>
                   <a:ext uri="{FF2B5EF4-FFF2-40B4-BE49-F238E27FC236}">
-                    <a16:creationId xmlns="" xmlns:a16="http://schemas.microsoft.com/office/drawing/2014/main" id="{3F13DA88-A935-C429-47FC-E7189F342B09}"/>
+                    <a16:creationId xmlns:a16="http://schemas.microsoft.com/office/drawing/2014/main" xmlns="" id="{3F13DA88-A935-C429-47FC-E7189F342B09}"/>
                   </a:ext>
                 </a:extLst>
               </p:cNvPr>
@@ -27803,7 +28313,7 @@
                 <p:cNvPr id="89" name="ïşľiḋé">
                   <a:extLst>
                     <a:ext uri="{FF2B5EF4-FFF2-40B4-BE49-F238E27FC236}">
-                      <a16:creationId xmlns="" xmlns:a16="http://schemas.microsoft.com/office/drawing/2014/main" id="{5BD7ABC3-8CB0-00B9-E270-F655D6AEE9A4}"/>
+                      <a16:creationId xmlns:a16="http://schemas.microsoft.com/office/drawing/2014/main" xmlns="" id="{5BD7ABC3-8CB0-00B9-E270-F655D6AEE9A4}"/>
                     </a:ext>
                   </a:extLst>
                 </p:cNvPr>
@@ -27870,7 +28380,7 @@
                 <p:cNvPr id="90" name="íṡliḋè">
                   <a:extLst>
                     <a:ext uri="{FF2B5EF4-FFF2-40B4-BE49-F238E27FC236}">
-                      <a16:creationId xmlns="" xmlns:a16="http://schemas.microsoft.com/office/drawing/2014/main" id="{8A1DC3F0-EC64-87C1-CF03-190A038BED03}"/>
+                      <a16:creationId xmlns:a16="http://schemas.microsoft.com/office/drawing/2014/main" xmlns="" id="{8A1DC3F0-EC64-87C1-CF03-190A038BED03}"/>
                     </a:ext>
                   </a:extLst>
                 </p:cNvPr>
@@ -27935,7 +28445,7 @@
                 <p:cNvPr id="91" name="ïšľíḓe">
                   <a:extLst>
                     <a:ext uri="{FF2B5EF4-FFF2-40B4-BE49-F238E27FC236}">
-                      <a16:creationId xmlns="" xmlns:a16="http://schemas.microsoft.com/office/drawing/2014/main" id="{9DB4091B-45E7-8EF7-4490-A27FE913C53C}"/>
+                      <a16:creationId xmlns:a16="http://schemas.microsoft.com/office/drawing/2014/main" xmlns="" id="{9DB4091B-45E7-8EF7-4490-A27FE913C53C}"/>
                     </a:ext>
                   </a:extLst>
                 </p:cNvPr>
@@ -27979,7 +28489,7 @@
                 <p:cNvPr id="92" name="isḻíḓe">
                   <a:extLst>
                     <a:ext uri="{FF2B5EF4-FFF2-40B4-BE49-F238E27FC236}">
-                      <a16:creationId xmlns="" xmlns:a16="http://schemas.microsoft.com/office/drawing/2014/main" id="{5728AB50-B13D-04EB-287F-C5233805CB13}"/>
+                      <a16:creationId xmlns:a16="http://schemas.microsoft.com/office/drawing/2014/main" xmlns="" id="{5728AB50-B13D-04EB-287F-C5233805CB13}"/>
                     </a:ext>
                   </a:extLst>
                 </p:cNvPr>
@@ -28036,7 +28546,7 @@
               <p:cNvPr id="45" name="ïş1íḓe">
                 <a:extLst>
                   <a:ext uri="{FF2B5EF4-FFF2-40B4-BE49-F238E27FC236}">
-                    <a16:creationId xmlns="" xmlns:a16="http://schemas.microsoft.com/office/drawing/2014/main" id="{9BB20301-A707-F2A1-22F0-23AA4B44694D}"/>
+                    <a16:creationId xmlns:a16="http://schemas.microsoft.com/office/drawing/2014/main" xmlns="" id="{9BB20301-A707-F2A1-22F0-23AA4B44694D}"/>
                   </a:ext>
                 </a:extLst>
               </p:cNvPr>
@@ -28046,9 +28556,9 @@
             <p:grpSpPr>
               <a:xfrm>
                 <a:off x="9135369" y="4028155"/>
-                <a:ext cx="2486035" cy="1967638"/>
+                <a:ext cx="2486035" cy="2527791"/>
                 <a:chOff x="3498432" y="2995492"/>
-                <a:chExt cx="2486035" cy="1967638"/>
+                <a:chExt cx="2486035" cy="2527791"/>
               </a:xfrm>
             </p:grpSpPr>
             <p:sp>
@@ -28056,7 +28566,7 @@
                 <p:cNvPr id="85" name="ïşliḓe">
                   <a:extLst>
                     <a:ext uri="{FF2B5EF4-FFF2-40B4-BE49-F238E27FC236}">
-                      <a16:creationId xmlns="" xmlns:a16="http://schemas.microsoft.com/office/drawing/2014/main" id="{6F1D7BAD-BC81-A8AE-AC58-88CBFA0B9B6F}"/>
+                      <a16:creationId xmlns:a16="http://schemas.microsoft.com/office/drawing/2014/main" xmlns="" id="{6F1D7BAD-BC81-A8AE-AC58-88CBFA0B9B6F}"/>
                     </a:ext>
                   </a:extLst>
                 </p:cNvPr>
@@ -28106,7 +28616,27 @@
                       <a:cs typeface="+mn-ea"/>
                       <a:sym typeface="+mn-lt"/>
                     </a:rPr>
-                    <a:t>目的：转型驱动因素</a:t>
+                    <a:t>目标</a:t>
+                  </a:r>
+                  <a:r>
+                    <a:rPr kumimoji="1" lang="zh-CN" altLang="en-US" sz="2000" b="1" smtClean="0">
+                      <a:solidFill>
+                        <a:schemeClr val="tx1"/>
+                      </a:solidFill>
+                      <a:cs typeface="+mn-ea"/>
+                      <a:sym typeface="+mn-lt"/>
+                    </a:rPr>
+                    <a:t>：</a:t>
+                  </a:r>
+                  <a:r>
+                    <a:rPr kumimoji="1" lang="zh-CN" altLang="en-US" sz="2000" b="1">
+                      <a:solidFill>
+                        <a:schemeClr val="tx1"/>
+                      </a:solidFill>
+                      <a:cs typeface="+mn-ea"/>
+                      <a:sym typeface="+mn-lt"/>
+                    </a:rPr>
+                    <a:t>转型驱动因素</a:t>
                   </a:r>
                   <a:endParaRPr kumimoji="1" lang="zh-CN" altLang="en-US" sz="2000" b="1" dirty="0">
                     <a:solidFill>
@@ -28123,7 +28653,7 @@
                 <p:cNvPr id="86" name="îṩļíďé">
                   <a:extLst>
                     <a:ext uri="{FF2B5EF4-FFF2-40B4-BE49-F238E27FC236}">
-                      <a16:creationId xmlns="" xmlns:a16="http://schemas.microsoft.com/office/drawing/2014/main" id="{FE7C2325-3A8E-FF3B-3589-4FD2040DA726}"/>
+                      <a16:creationId xmlns:a16="http://schemas.microsoft.com/office/drawing/2014/main" xmlns="" id="{FE7C2325-3A8E-FF3B-3589-4FD2040DA726}"/>
                     </a:ext>
                   </a:extLst>
                 </p:cNvPr>
@@ -28133,7 +28663,7 @@
               <p:spPr>
                 <a:xfrm>
                   <a:off x="3498433" y="4590720"/>
-                  <a:ext cx="2344400" cy="372410"/>
+                  <a:ext cx="2344400" cy="932563"/>
                 </a:xfrm>
                 <a:prstGeom prst="rect">
                   <a:avLst/>
@@ -28178,7 +28708,47 @@
                       <a:cs typeface="+mn-ea"/>
                       <a:sym typeface="+mn-lt"/>
                     </a:rPr>
-                    <a:t>人类转型</a:t>
+                    <a:t>火人节</a:t>
+                  </a:r>
+                  <a:r>
+                    <a:rPr kumimoji="1" lang="en-US" altLang="zh-CN" sz="1400">
+                      <a:solidFill>
+                        <a:schemeClr val="tx1"/>
+                      </a:solidFill>
+                      <a:cs typeface="+mn-ea"/>
+                      <a:sym typeface="+mn-lt"/>
+                    </a:rPr>
+                    <a:t>(Burning Man)</a:t>
+                  </a:r>
+                  <a:r>
+                    <a:rPr kumimoji="1" lang="zh-CN" altLang="en-US" sz="1400" smtClean="0">
+                      <a:solidFill>
+                        <a:schemeClr val="tx1"/>
+                      </a:solidFill>
+                      <a:cs typeface="+mn-ea"/>
+                      <a:sym typeface="+mn-lt"/>
+                    </a:rPr>
+                    <a:t>前中后期，人类转型</a:t>
+                  </a:r>
+                  <a:r>
+                    <a:rPr kumimoji="1" lang="en-US" altLang="zh-CN" sz="1400">
+                      <a:solidFill>
+                        <a:schemeClr val="tx1"/>
+                      </a:solidFill>
+                      <a:cs typeface="+mn-ea"/>
+                      <a:sym typeface="+mn-lt"/>
+                    </a:rPr>
+                    <a:t>(Human </a:t>
+                  </a:r>
+                  <a:r>
+                    <a:rPr kumimoji="1" lang="en-US" altLang="zh-CN" sz="1400" smtClean="0">
+                      <a:solidFill>
+                        <a:schemeClr val="tx1"/>
+                      </a:solidFill>
+                      <a:cs typeface="+mn-ea"/>
+                      <a:sym typeface="+mn-lt"/>
+                    </a:rPr>
+                    <a:t>transformation)</a:t>
                   </a:r>
                   <a:r>
                     <a:rPr kumimoji="1" lang="zh-CN" altLang="en-US" sz="1400">
@@ -28188,7 +28758,27 @@
                       <a:cs typeface="+mn-ea"/>
                       <a:sym typeface="+mn-lt"/>
                     </a:rPr>
-                    <a:t>如何发生？</a:t>
+                    <a:t>如何</a:t>
+                  </a:r>
+                  <a:r>
+                    <a:rPr kumimoji="1" lang="zh-CN" altLang="en-US" sz="1400" smtClean="0">
+                      <a:solidFill>
+                        <a:schemeClr val="tx1"/>
+                      </a:solidFill>
+                      <a:cs typeface="+mn-ea"/>
+                      <a:sym typeface="+mn-lt"/>
+                    </a:rPr>
+                    <a:t>发生</a:t>
+                  </a:r>
+                  <a:r>
+                    <a:rPr kumimoji="1" lang="zh-CN" altLang="en-US" sz="1400">
+                      <a:solidFill>
+                        <a:schemeClr val="tx1"/>
+                      </a:solidFill>
+                      <a:cs typeface="+mn-ea"/>
+                      <a:sym typeface="+mn-lt"/>
+                    </a:rPr>
+                    <a:t>？</a:t>
                   </a:r>
                   <a:endParaRPr kumimoji="1" lang="zh-CN" altLang="en-US" sz="1400" dirty="0">
                     <a:solidFill>
@@ -28205,7 +28795,7 @@
                 <p:cNvPr id="87" name="iṥļîḑê">
                   <a:extLst>
                     <a:ext uri="{FF2B5EF4-FFF2-40B4-BE49-F238E27FC236}">
-                      <a16:creationId xmlns="" xmlns:a16="http://schemas.microsoft.com/office/drawing/2014/main" id="{23715810-DC42-4F43-F31E-8DCEF64FBE29}"/>
+                      <a16:creationId xmlns:a16="http://schemas.microsoft.com/office/drawing/2014/main" xmlns="" id="{23715810-DC42-4F43-F31E-8DCEF64FBE29}"/>
                     </a:ext>
                   </a:extLst>
                 </p:cNvPr>
@@ -28249,7 +28839,7 @@
                 <p:cNvPr id="88" name="iṥ1íḍè">
                   <a:extLst>
                     <a:ext uri="{FF2B5EF4-FFF2-40B4-BE49-F238E27FC236}">
-                      <a16:creationId xmlns="" xmlns:a16="http://schemas.microsoft.com/office/drawing/2014/main" id="{DD875186-A82B-2FD0-2F2B-88377301E35C}"/>
+                      <a16:creationId xmlns:a16="http://schemas.microsoft.com/office/drawing/2014/main" xmlns="" id="{DD875186-A82B-2FD0-2F2B-88377301E35C}"/>
                     </a:ext>
                   </a:extLst>
                 </p:cNvPr>
@@ -28306,7 +28896,7 @@
               <p:cNvPr id="46" name="ïṡlidè">
                 <a:extLst>
                   <a:ext uri="{FF2B5EF4-FFF2-40B4-BE49-F238E27FC236}">
-                    <a16:creationId xmlns="" xmlns:a16="http://schemas.microsoft.com/office/drawing/2014/main" id="{791E67BC-D2F7-A516-49DD-03D3E8FF6397}"/>
+                    <a16:creationId xmlns:a16="http://schemas.microsoft.com/office/drawing/2014/main" xmlns="" id="{791E67BC-D2F7-A516-49DD-03D3E8FF6397}"/>
                   </a:ext>
                 </a:extLst>
               </p:cNvPr>
@@ -28326,7 +28916,7 @@
                 <p:cNvPr id="81" name="îsļidè">
                   <a:extLst>
                     <a:ext uri="{FF2B5EF4-FFF2-40B4-BE49-F238E27FC236}">
-                      <a16:creationId xmlns="" xmlns:a16="http://schemas.microsoft.com/office/drawing/2014/main" id="{86A13A20-1875-1378-50AC-58553A9739BB}"/>
+                      <a16:creationId xmlns:a16="http://schemas.microsoft.com/office/drawing/2014/main" xmlns="" id="{86A13A20-1875-1378-50AC-58553A9739BB}"/>
                     </a:ext>
                   </a:extLst>
                 </p:cNvPr>
@@ -28393,7 +28983,7 @@
                 <p:cNvPr id="82" name="iş1iḓè">
                   <a:extLst>
                     <a:ext uri="{FF2B5EF4-FFF2-40B4-BE49-F238E27FC236}">
-                      <a16:creationId xmlns="" xmlns:a16="http://schemas.microsoft.com/office/drawing/2014/main" id="{CAA6B156-3F34-1619-901D-599A03A95172}"/>
+                      <a16:creationId xmlns:a16="http://schemas.microsoft.com/office/drawing/2014/main" xmlns="" id="{CAA6B156-3F34-1619-901D-599A03A95172}"/>
                     </a:ext>
                   </a:extLst>
                 </p:cNvPr>
@@ -28448,7 +29038,27 @@
                       <a:cs typeface="+mn-ea"/>
                       <a:sym typeface="+mn-lt"/>
                     </a:rPr>
-                    <a:t>火人节是一个促使人类转型的临界时空</a:t>
+                    <a:t>火人节是一个促使人类转型的临界</a:t>
+                  </a:r>
+                  <a:r>
+                    <a:rPr kumimoji="1" lang="zh-CN" altLang="en-US" sz="1400">
+                      <a:solidFill>
+                        <a:schemeClr val="tx1"/>
+                      </a:solidFill>
+                      <a:cs typeface="+mn-ea"/>
+                      <a:sym typeface="+mn-lt"/>
+                    </a:rPr>
+                    <a:t>时空</a:t>
+                  </a:r>
+                  <a:r>
+                    <a:rPr kumimoji="1" lang="en-US" altLang="zh-CN" sz="1400" smtClean="0">
+                      <a:solidFill>
+                        <a:schemeClr val="tx1"/>
+                      </a:solidFill>
+                      <a:cs typeface="+mn-ea"/>
+                      <a:sym typeface="+mn-lt"/>
+                    </a:rPr>
+                    <a:t>(Liminal </a:t>
                   </a:r>
                   <a:r>
                     <a:rPr kumimoji="1" lang="en-US" altLang="zh-CN" sz="1400" dirty="0">
@@ -28458,7 +29068,7 @@
                       <a:cs typeface="+mn-ea"/>
                       <a:sym typeface="+mn-lt"/>
                     </a:rPr>
-                    <a:t>(liminal time-space),</a:t>
+                    <a:t>time-space),</a:t>
                   </a:r>
                   <a:r>
                     <a:rPr kumimoji="1" lang="zh-CN" altLang="en-US" sz="1400" dirty="0">
@@ -28505,7 +29115,7 @@
                 <p:cNvPr id="83" name="íŝlíḋe">
                   <a:extLst>
                     <a:ext uri="{FF2B5EF4-FFF2-40B4-BE49-F238E27FC236}">
-                      <a16:creationId xmlns="" xmlns:a16="http://schemas.microsoft.com/office/drawing/2014/main" id="{110BA051-9CCF-A6D9-B69F-7DF4950589CD}"/>
+                      <a16:creationId xmlns:a16="http://schemas.microsoft.com/office/drawing/2014/main" xmlns="" id="{110BA051-9CCF-A6D9-B69F-7DF4950589CD}"/>
                     </a:ext>
                   </a:extLst>
                 </p:cNvPr>
@@ -28549,7 +29159,7 @@
                 <p:cNvPr id="84" name="îśľídè">
                   <a:extLst>
                     <a:ext uri="{FF2B5EF4-FFF2-40B4-BE49-F238E27FC236}">
-                      <a16:creationId xmlns="" xmlns:a16="http://schemas.microsoft.com/office/drawing/2014/main" id="{779512F8-4384-C71C-4750-54FA22F0CA77}"/>
+                      <a16:creationId xmlns:a16="http://schemas.microsoft.com/office/drawing/2014/main" xmlns="" id="{779512F8-4384-C71C-4750-54FA22F0CA77}"/>
                     </a:ext>
                   </a:extLst>
                 </p:cNvPr>
@@ -28606,7 +29216,7 @@
               <p:cNvPr id="47" name="iṩļïdè">
                 <a:extLst>
                   <a:ext uri="{FF2B5EF4-FFF2-40B4-BE49-F238E27FC236}">
-                    <a16:creationId xmlns="" xmlns:a16="http://schemas.microsoft.com/office/drawing/2014/main" id="{F5B82EF2-8F41-68AD-C416-951CBB233A02}"/>
+                    <a16:creationId xmlns:a16="http://schemas.microsoft.com/office/drawing/2014/main" xmlns="" id="{F5B82EF2-8F41-68AD-C416-951CBB233A02}"/>
                   </a:ext>
                 </a:extLst>
               </p:cNvPr>
@@ -28626,7 +29236,7 @@
                 <p:cNvPr id="77" name="ïṩľíḓê">
                   <a:extLst>
                     <a:ext uri="{FF2B5EF4-FFF2-40B4-BE49-F238E27FC236}">
-                      <a16:creationId xmlns="" xmlns:a16="http://schemas.microsoft.com/office/drawing/2014/main" id="{5A1E6E0E-A2C8-6A7D-D6DD-DCE63985E616}"/>
+                      <a16:creationId xmlns:a16="http://schemas.microsoft.com/office/drawing/2014/main" xmlns="" id="{5A1E6E0E-A2C8-6A7D-D6DD-DCE63985E616}"/>
                     </a:ext>
                   </a:extLst>
                 </p:cNvPr>
@@ -28693,7 +29303,7 @@
                 <p:cNvPr id="78" name="i$ľiḍé">
                   <a:extLst>
                     <a:ext uri="{FF2B5EF4-FFF2-40B4-BE49-F238E27FC236}">
-                      <a16:creationId xmlns="" xmlns:a16="http://schemas.microsoft.com/office/drawing/2014/main" id="{B279E95D-48A3-6A5C-03E9-67227F531275}"/>
+                      <a16:creationId xmlns:a16="http://schemas.microsoft.com/office/drawing/2014/main" xmlns="" id="{B279E95D-48A3-6A5C-03E9-67227F531275}"/>
                     </a:ext>
                   </a:extLst>
                 </p:cNvPr>
@@ -28795,7 +29405,7 @@
                 <p:cNvPr id="79" name="îşḻïdé">
                   <a:extLst>
                     <a:ext uri="{FF2B5EF4-FFF2-40B4-BE49-F238E27FC236}">
-                      <a16:creationId xmlns="" xmlns:a16="http://schemas.microsoft.com/office/drawing/2014/main" id="{C278251C-1CEF-9B07-2491-6368103B78AC}"/>
+                      <a16:creationId xmlns:a16="http://schemas.microsoft.com/office/drawing/2014/main" xmlns="" id="{C278251C-1CEF-9B07-2491-6368103B78AC}"/>
                     </a:ext>
                   </a:extLst>
                 </p:cNvPr>
@@ -28839,7 +29449,7 @@
                 <p:cNvPr id="80" name="iŝ1iḑê">
                   <a:extLst>
                     <a:ext uri="{FF2B5EF4-FFF2-40B4-BE49-F238E27FC236}">
-                      <a16:creationId xmlns="" xmlns:a16="http://schemas.microsoft.com/office/drawing/2014/main" id="{08E39FA5-5735-C93E-07EB-FC61C39C5704}"/>
+                      <a16:creationId xmlns:a16="http://schemas.microsoft.com/office/drawing/2014/main" xmlns="" id="{08E39FA5-5735-C93E-07EB-FC61C39C5704}"/>
                     </a:ext>
                   </a:extLst>
                 </p:cNvPr>
@@ -28897,7 +29507,7 @@
             <p:cNvPr id="93" name="ïśḻíďé">
               <a:extLst>
                 <a:ext uri="{FF2B5EF4-FFF2-40B4-BE49-F238E27FC236}">
-                  <a16:creationId xmlns="" xmlns:a16="http://schemas.microsoft.com/office/drawing/2014/main" id="{FE2411D6-1340-1529-40B3-B42B4260851B}"/>
+                  <a16:creationId xmlns:a16="http://schemas.microsoft.com/office/drawing/2014/main" xmlns="" id="{FE2411D6-1340-1529-40B3-B42B4260851B}"/>
                 </a:ext>
               </a:extLst>
             </p:cNvPr>
@@ -28917,7 +29527,7 @@
               <p:cNvPr id="94" name="ïśḻîḍe">
                 <a:extLst>
                   <a:ext uri="{FF2B5EF4-FFF2-40B4-BE49-F238E27FC236}">
-                    <a16:creationId xmlns="" xmlns:a16="http://schemas.microsoft.com/office/drawing/2014/main" id="{EE28FBA0-4473-782F-719B-56CD186E4869}"/>
+                    <a16:creationId xmlns:a16="http://schemas.microsoft.com/office/drawing/2014/main" xmlns="" id="{EE28FBA0-4473-782F-719B-56CD186E4869}"/>
                   </a:ext>
                 </a:extLst>
               </p:cNvPr>
@@ -29114,7 +29724,7 @@
               <p:cNvPr id="95" name="ïşḻíḋe">
                 <a:extLst>
                   <a:ext uri="{FF2B5EF4-FFF2-40B4-BE49-F238E27FC236}">
-                    <a16:creationId xmlns="" xmlns:a16="http://schemas.microsoft.com/office/drawing/2014/main" id="{AF09B3ED-69E6-2770-264A-93CFBC4710D9}"/>
+                    <a16:creationId xmlns:a16="http://schemas.microsoft.com/office/drawing/2014/main" xmlns="" id="{AF09B3ED-69E6-2770-264A-93CFBC4710D9}"/>
                   </a:ext>
                 </a:extLst>
               </p:cNvPr>
@@ -29361,7 +29971,7 @@
               <p:cNvPr id="96" name="îṩḻïḓe">
                 <a:extLst>
                   <a:ext uri="{FF2B5EF4-FFF2-40B4-BE49-F238E27FC236}">
-                    <a16:creationId xmlns="" xmlns:a16="http://schemas.microsoft.com/office/drawing/2014/main" id="{B2D5D9CE-1ADE-7C34-D7F4-D490B8E21412}"/>
+                    <a16:creationId xmlns:a16="http://schemas.microsoft.com/office/drawing/2014/main" xmlns="" id="{B2D5D9CE-1ADE-7C34-D7F4-D490B8E21412}"/>
                   </a:ext>
                 </a:extLst>
               </p:cNvPr>
@@ -29575,7 +30185,7 @@
               <p:cNvPr id="97" name="í$lïḓè">
                 <a:extLst>
                   <a:ext uri="{FF2B5EF4-FFF2-40B4-BE49-F238E27FC236}">
-                    <a16:creationId xmlns="" xmlns:a16="http://schemas.microsoft.com/office/drawing/2014/main" id="{F6E45DA4-0072-2B5E-4BB7-644C79F16BA8}"/>
+                    <a16:creationId xmlns:a16="http://schemas.microsoft.com/office/drawing/2014/main" xmlns="" id="{F6E45DA4-0072-2B5E-4BB7-644C79F16BA8}"/>
                   </a:ext>
                 </a:extLst>
               </p:cNvPr>
@@ -29822,7 +30432,7 @@
               <p:cNvPr id="98" name="íṣḻîḑé">
                 <a:extLst>
                   <a:ext uri="{FF2B5EF4-FFF2-40B4-BE49-F238E27FC236}">
-                    <a16:creationId xmlns="" xmlns:a16="http://schemas.microsoft.com/office/drawing/2014/main" id="{0374BB46-5B61-3230-7998-674E144AA338}"/>
+                    <a16:creationId xmlns:a16="http://schemas.microsoft.com/office/drawing/2014/main" xmlns="" id="{0374BB46-5B61-3230-7998-674E144AA338}"/>
                   </a:ext>
                 </a:extLst>
               </p:cNvPr>
@@ -30067,7 +30677,7 @@
               <p:cNvPr id="99" name="ïṧlïḍe">
                 <a:extLst>
                   <a:ext uri="{FF2B5EF4-FFF2-40B4-BE49-F238E27FC236}">
-                    <a16:creationId xmlns="" xmlns:a16="http://schemas.microsoft.com/office/drawing/2014/main" id="{D7C0D446-E280-84A5-B082-334EB626E243}"/>
+                    <a16:creationId xmlns:a16="http://schemas.microsoft.com/office/drawing/2014/main" xmlns="" id="{D7C0D446-E280-84A5-B082-334EB626E243}"/>
                   </a:ext>
                 </a:extLst>
               </p:cNvPr>
@@ -30274,7 +30884,7 @@
               <p:cNvPr id="100" name="îšļîďe">
                 <a:extLst>
                   <a:ext uri="{FF2B5EF4-FFF2-40B4-BE49-F238E27FC236}">
-                    <a16:creationId xmlns="" xmlns:a16="http://schemas.microsoft.com/office/drawing/2014/main" id="{DBA970DD-2DEC-53E0-99B6-AB017D3CD096}"/>
+                    <a16:creationId xmlns:a16="http://schemas.microsoft.com/office/drawing/2014/main" xmlns="" id="{DBA970DD-2DEC-53E0-99B6-AB017D3CD096}"/>
                   </a:ext>
                 </a:extLst>
               </p:cNvPr>
@@ -30294,7 +30904,7 @@
                 <p:cNvPr id="139" name="îṧľiḑe">
                   <a:extLst>
                     <a:ext uri="{FF2B5EF4-FFF2-40B4-BE49-F238E27FC236}">
-                      <a16:creationId xmlns="" xmlns:a16="http://schemas.microsoft.com/office/drawing/2014/main" id="{58DE9C55-B1B2-EC24-2C20-045765106168}"/>
+                      <a16:creationId xmlns:a16="http://schemas.microsoft.com/office/drawing/2014/main" xmlns="" id="{58DE9C55-B1B2-EC24-2C20-045765106168}"/>
                     </a:ext>
                   </a:extLst>
                 </p:cNvPr>
@@ -30383,7 +30993,7 @@
                 <p:cNvPr id="140" name="ïšļïḓé">
                   <a:extLst>
                     <a:ext uri="{FF2B5EF4-FFF2-40B4-BE49-F238E27FC236}">
-                      <a16:creationId xmlns="" xmlns:a16="http://schemas.microsoft.com/office/drawing/2014/main" id="{3DB7E4F0-240E-EDA6-5162-159B25E8B2B6}"/>
+                      <a16:creationId xmlns:a16="http://schemas.microsoft.com/office/drawing/2014/main" xmlns="" id="{3DB7E4F0-240E-EDA6-5162-159B25E8B2B6}"/>
                     </a:ext>
                   </a:extLst>
                 </p:cNvPr>
@@ -30512,7 +31122,7 @@
                 <p:cNvPr id="141" name="íşļíḍê">
                   <a:extLst>
                     <a:ext uri="{FF2B5EF4-FFF2-40B4-BE49-F238E27FC236}">
-                      <a16:creationId xmlns="" xmlns:a16="http://schemas.microsoft.com/office/drawing/2014/main" id="{4504A950-2869-8FBE-CF3F-BEB4A6833109}"/>
+                      <a16:creationId xmlns:a16="http://schemas.microsoft.com/office/drawing/2014/main" xmlns="" id="{4504A950-2869-8FBE-CF3F-BEB4A6833109}"/>
                     </a:ext>
                   </a:extLst>
                 </p:cNvPr>
@@ -30612,7 +31222,7 @@
                 <p:cNvPr id="142" name="íṡľíḍè">
                   <a:extLst>
                     <a:ext uri="{FF2B5EF4-FFF2-40B4-BE49-F238E27FC236}">
-                      <a16:creationId xmlns="" xmlns:a16="http://schemas.microsoft.com/office/drawing/2014/main" id="{C3F18867-073E-EC74-1995-918113489BB6}"/>
+                      <a16:creationId xmlns:a16="http://schemas.microsoft.com/office/drawing/2014/main" xmlns="" id="{C3F18867-073E-EC74-1995-918113489BB6}"/>
                     </a:ext>
                   </a:extLst>
                 </p:cNvPr>
@@ -30701,7 +31311,7 @@
                 <p:cNvPr id="143" name="ïš1îḋê">
                   <a:extLst>
                     <a:ext uri="{FF2B5EF4-FFF2-40B4-BE49-F238E27FC236}">
-                      <a16:creationId xmlns="" xmlns:a16="http://schemas.microsoft.com/office/drawing/2014/main" id="{6BF7DB7D-04B1-6CF7-1B09-BC740614B617}"/>
+                      <a16:creationId xmlns:a16="http://schemas.microsoft.com/office/drawing/2014/main" xmlns="" id="{6BF7DB7D-04B1-6CF7-1B09-BC740614B617}"/>
                     </a:ext>
                   </a:extLst>
                 </p:cNvPr>
@@ -30830,7 +31440,7 @@
                 <p:cNvPr id="144" name="îṧľidê">
                   <a:extLst>
                     <a:ext uri="{FF2B5EF4-FFF2-40B4-BE49-F238E27FC236}">
-                      <a16:creationId xmlns="" xmlns:a16="http://schemas.microsoft.com/office/drawing/2014/main" id="{731A45E5-FFF5-0E4F-D283-CAAD6BF8A422}"/>
+                      <a16:creationId xmlns:a16="http://schemas.microsoft.com/office/drawing/2014/main" xmlns="" id="{731A45E5-FFF5-0E4F-D283-CAAD6BF8A422}"/>
                     </a:ext>
                   </a:extLst>
                 </p:cNvPr>
@@ -30930,7 +31540,7 @@
                 <p:cNvPr id="145" name="ï$1ïḑé">
                   <a:extLst>
                     <a:ext uri="{FF2B5EF4-FFF2-40B4-BE49-F238E27FC236}">
-                      <a16:creationId xmlns="" xmlns:a16="http://schemas.microsoft.com/office/drawing/2014/main" id="{B16A8297-FD6F-E829-06CE-7AC57C7F3C52}"/>
+                      <a16:creationId xmlns:a16="http://schemas.microsoft.com/office/drawing/2014/main" xmlns="" id="{B16A8297-FD6F-E829-06CE-7AC57C7F3C52}"/>
                     </a:ext>
                   </a:extLst>
                 </p:cNvPr>
@@ -31029,7 +31639,7 @@
                 <p:cNvPr id="146" name="ïSḻîḍè">
                   <a:extLst>
                     <a:ext uri="{FF2B5EF4-FFF2-40B4-BE49-F238E27FC236}">
-                      <a16:creationId xmlns="" xmlns:a16="http://schemas.microsoft.com/office/drawing/2014/main" id="{F2FF6AAC-FF09-9E5B-D47F-3AC66BF5F303}"/>
+                      <a16:creationId xmlns:a16="http://schemas.microsoft.com/office/drawing/2014/main" xmlns="" id="{F2FF6AAC-FF09-9E5B-D47F-3AC66BF5F303}"/>
                     </a:ext>
                   </a:extLst>
                 </p:cNvPr>
@@ -31194,7 +31804,7 @@
                 <p:cNvPr id="147" name="î$ľïḋé">
                   <a:extLst>
                     <a:ext uri="{FF2B5EF4-FFF2-40B4-BE49-F238E27FC236}">
-                      <a16:creationId xmlns="" xmlns:a16="http://schemas.microsoft.com/office/drawing/2014/main" id="{06C2EF28-F847-CD38-CCC3-BEE6F3AF075E}"/>
+                      <a16:creationId xmlns:a16="http://schemas.microsoft.com/office/drawing/2014/main" xmlns="" id="{06C2EF28-F847-CD38-CCC3-BEE6F3AF075E}"/>
                     </a:ext>
                   </a:extLst>
                 </p:cNvPr>
@@ -31214,7 +31824,7 @@
                   <p:cNvPr id="153" name="îśľïḋé">
                     <a:extLst>
                       <a:ext uri="{FF2B5EF4-FFF2-40B4-BE49-F238E27FC236}">
-                        <a16:creationId xmlns="" xmlns:a16="http://schemas.microsoft.com/office/drawing/2014/main" id="{423D9E15-08D3-8861-2D84-6A7ABBF332D0}"/>
+                        <a16:creationId xmlns:a16="http://schemas.microsoft.com/office/drawing/2014/main" xmlns="" id="{423D9E15-08D3-8861-2D84-6A7ABBF332D0}"/>
                       </a:ext>
                     </a:extLst>
                   </p:cNvPr>
@@ -31333,7 +31943,7 @@
                   <p:cNvPr id="154" name="ïśļîḋe">
                     <a:extLst>
                       <a:ext uri="{FF2B5EF4-FFF2-40B4-BE49-F238E27FC236}">
-                        <a16:creationId xmlns="" xmlns:a16="http://schemas.microsoft.com/office/drawing/2014/main" id="{2A08C76F-4DB7-B8F8-2665-A1E6E8B6E9A6}"/>
+                        <a16:creationId xmlns:a16="http://schemas.microsoft.com/office/drawing/2014/main" xmlns="" id="{2A08C76F-4DB7-B8F8-2665-A1E6E8B6E9A6}"/>
                       </a:ext>
                     </a:extLst>
                   </p:cNvPr>
@@ -31410,7 +32020,7 @@
                   <p:cNvPr id="155" name="í$ḻîḍè">
                     <a:extLst>
                       <a:ext uri="{FF2B5EF4-FFF2-40B4-BE49-F238E27FC236}">
-                        <a16:creationId xmlns="" xmlns:a16="http://schemas.microsoft.com/office/drawing/2014/main" id="{3C7AE6D5-114F-F31C-C816-0A9328F348A1}"/>
+                        <a16:creationId xmlns:a16="http://schemas.microsoft.com/office/drawing/2014/main" xmlns="" id="{3C7AE6D5-114F-F31C-C816-0A9328F348A1}"/>
                       </a:ext>
                     </a:extLst>
                   </p:cNvPr>
@@ -31539,7 +32149,7 @@
                   <p:cNvPr id="156" name="ïṩḷïḍè">
                     <a:extLst>
                       <a:ext uri="{FF2B5EF4-FFF2-40B4-BE49-F238E27FC236}">
-                        <a16:creationId xmlns="" xmlns:a16="http://schemas.microsoft.com/office/drawing/2014/main" id="{D4FBB2C9-5527-EB55-F38C-1191F398430F}"/>
+                        <a16:creationId xmlns:a16="http://schemas.microsoft.com/office/drawing/2014/main" xmlns="" id="{D4FBB2C9-5527-EB55-F38C-1191F398430F}"/>
                       </a:ext>
                     </a:extLst>
                   </p:cNvPr>
@@ -31664,7 +32274,7 @@
                   <p:cNvPr id="157" name="îśľïďe">
                     <a:extLst>
                       <a:ext uri="{FF2B5EF4-FFF2-40B4-BE49-F238E27FC236}">
-                        <a16:creationId xmlns="" xmlns:a16="http://schemas.microsoft.com/office/drawing/2014/main" id="{06728DE8-FB5B-4EFE-922E-C97111AC2E5F}"/>
+                        <a16:creationId xmlns:a16="http://schemas.microsoft.com/office/drawing/2014/main" xmlns="" id="{06728DE8-FB5B-4EFE-922E-C97111AC2E5F}"/>
                       </a:ext>
                     </a:extLst>
                   </p:cNvPr>
@@ -31777,7 +32387,7 @@
                   <p:cNvPr id="158" name="íṧļïḍê">
                     <a:extLst>
                       <a:ext uri="{FF2B5EF4-FFF2-40B4-BE49-F238E27FC236}">
-                        <a16:creationId xmlns="" xmlns:a16="http://schemas.microsoft.com/office/drawing/2014/main" id="{E4027CA5-A09B-C952-BB29-9B95318492A7}"/>
+                        <a16:creationId xmlns:a16="http://schemas.microsoft.com/office/drawing/2014/main" xmlns="" id="{E4027CA5-A09B-C952-BB29-9B95318492A7}"/>
                       </a:ext>
                     </a:extLst>
                   </p:cNvPr>
@@ -31856,7 +32466,7 @@
                   <p:cNvPr id="159" name="îSḻíďè">
                     <a:extLst>
                       <a:ext uri="{FF2B5EF4-FFF2-40B4-BE49-F238E27FC236}">
-                        <a16:creationId xmlns="" xmlns:a16="http://schemas.microsoft.com/office/drawing/2014/main" id="{01BEA333-2FF9-8F65-9F91-5029BA483DD3}"/>
+                        <a16:creationId xmlns:a16="http://schemas.microsoft.com/office/drawing/2014/main" xmlns="" id="{01BEA333-2FF9-8F65-9F91-5029BA483DD3}"/>
                       </a:ext>
                     </a:extLst>
                   </p:cNvPr>
@@ -31935,7 +32545,7 @@
                   <p:cNvPr id="160" name="ï$ḷïdè">
                     <a:extLst>
                       <a:ext uri="{FF2B5EF4-FFF2-40B4-BE49-F238E27FC236}">
-                        <a16:creationId xmlns="" xmlns:a16="http://schemas.microsoft.com/office/drawing/2014/main" id="{FFB4352E-FCE7-7062-D2A3-670F329ABE82}"/>
+                        <a16:creationId xmlns:a16="http://schemas.microsoft.com/office/drawing/2014/main" xmlns="" id="{FFB4352E-FCE7-7062-D2A3-670F329ABE82}"/>
                       </a:ext>
                     </a:extLst>
                   </p:cNvPr>
@@ -32014,7 +32624,7 @@
                   <p:cNvPr id="161" name="ísḷidê">
                     <a:extLst>
                       <a:ext uri="{FF2B5EF4-FFF2-40B4-BE49-F238E27FC236}">
-                        <a16:creationId xmlns="" xmlns:a16="http://schemas.microsoft.com/office/drawing/2014/main" id="{3A2C2FF7-06E2-21D4-5CAB-8B47F4BBFF60}"/>
+                        <a16:creationId xmlns:a16="http://schemas.microsoft.com/office/drawing/2014/main" xmlns="" id="{3A2C2FF7-06E2-21D4-5CAB-8B47F4BBFF60}"/>
                       </a:ext>
                     </a:extLst>
                   </p:cNvPr>
@@ -32093,7 +32703,7 @@
                   <p:cNvPr id="162" name="ïšḻïḍe">
                     <a:extLst>
                       <a:ext uri="{FF2B5EF4-FFF2-40B4-BE49-F238E27FC236}">
-                        <a16:creationId xmlns="" xmlns:a16="http://schemas.microsoft.com/office/drawing/2014/main" id="{0112B776-B61E-FE84-EE2A-3FCD1588035C}"/>
+                        <a16:creationId xmlns:a16="http://schemas.microsoft.com/office/drawing/2014/main" xmlns="" id="{0112B776-B61E-FE84-EE2A-3FCD1588035C}"/>
                       </a:ext>
                     </a:extLst>
                   </p:cNvPr>
@@ -32182,7 +32792,7 @@
                   <p:cNvPr id="163" name="ísľîḋé">
                     <a:extLst>
                       <a:ext uri="{FF2B5EF4-FFF2-40B4-BE49-F238E27FC236}">
-                        <a16:creationId xmlns="" xmlns:a16="http://schemas.microsoft.com/office/drawing/2014/main" id="{D7150D90-1AE2-1790-B75F-3E3AE9EEC1F1}"/>
+                        <a16:creationId xmlns:a16="http://schemas.microsoft.com/office/drawing/2014/main" xmlns="" id="{D7150D90-1AE2-1790-B75F-3E3AE9EEC1F1}"/>
                       </a:ext>
                     </a:extLst>
                   </p:cNvPr>
@@ -32301,7 +32911,7 @@
                   <p:cNvPr id="164" name="íṥḷiďè">
                     <a:extLst>
                       <a:ext uri="{FF2B5EF4-FFF2-40B4-BE49-F238E27FC236}">
-                        <a16:creationId xmlns="" xmlns:a16="http://schemas.microsoft.com/office/drawing/2014/main" id="{C77D5FD2-7CDC-9FEC-8A62-251429873542}"/>
+                        <a16:creationId xmlns:a16="http://schemas.microsoft.com/office/drawing/2014/main" xmlns="" id="{C77D5FD2-7CDC-9FEC-8A62-251429873542}"/>
                       </a:ext>
                     </a:extLst>
                   </p:cNvPr>
@@ -32380,7 +32990,7 @@
                   <p:cNvPr id="165" name="íṩļíďe">
                     <a:extLst>
                       <a:ext uri="{FF2B5EF4-FFF2-40B4-BE49-F238E27FC236}">
-                        <a16:creationId xmlns="" xmlns:a16="http://schemas.microsoft.com/office/drawing/2014/main" id="{60FD68EE-3E23-B698-24D1-DB60AEA663D5}"/>
+                        <a16:creationId xmlns:a16="http://schemas.microsoft.com/office/drawing/2014/main" xmlns="" id="{60FD68EE-3E23-B698-24D1-DB60AEA663D5}"/>
                       </a:ext>
                     </a:extLst>
                   </p:cNvPr>
@@ -32459,7 +33069,7 @@
                   <p:cNvPr id="166" name="îṣ1iḋê">
                     <a:extLst>
                       <a:ext uri="{FF2B5EF4-FFF2-40B4-BE49-F238E27FC236}">
-                        <a16:creationId xmlns="" xmlns:a16="http://schemas.microsoft.com/office/drawing/2014/main" id="{E2150457-1D64-BCBA-696D-5FE0722031A0}"/>
+                        <a16:creationId xmlns:a16="http://schemas.microsoft.com/office/drawing/2014/main" xmlns="" id="{E2150457-1D64-BCBA-696D-5FE0722031A0}"/>
                       </a:ext>
                     </a:extLst>
                   </p:cNvPr>
@@ -32601,7 +33211,7 @@
                 <p:cNvPr id="148" name="íśḷîdé">
                   <a:extLst>
                     <a:ext uri="{FF2B5EF4-FFF2-40B4-BE49-F238E27FC236}">
-                      <a16:creationId xmlns="" xmlns:a16="http://schemas.microsoft.com/office/drawing/2014/main" id="{0071A499-7CFF-08B5-BC9A-27F77C108ACC}"/>
+                      <a16:creationId xmlns:a16="http://schemas.microsoft.com/office/drawing/2014/main" xmlns="" id="{0071A499-7CFF-08B5-BC9A-27F77C108ACC}"/>
                     </a:ext>
                   </a:extLst>
                 </p:cNvPr>
@@ -32708,7 +33318,7 @@
                 <p:cNvPr id="149" name="ïṣḷïďê">
                   <a:extLst>
                     <a:ext uri="{FF2B5EF4-FFF2-40B4-BE49-F238E27FC236}">
-                      <a16:creationId xmlns="" xmlns:a16="http://schemas.microsoft.com/office/drawing/2014/main" id="{1E4902F1-3E02-54C9-CC6A-5AB69FEF7B0C}"/>
+                      <a16:creationId xmlns:a16="http://schemas.microsoft.com/office/drawing/2014/main" xmlns="" id="{1E4902F1-3E02-54C9-CC6A-5AB69FEF7B0C}"/>
                     </a:ext>
                   </a:extLst>
                 </p:cNvPr>
@@ -32807,7 +33417,7 @@
                 <p:cNvPr id="150" name="ïṡḻíḍé">
                   <a:extLst>
                     <a:ext uri="{FF2B5EF4-FFF2-40B4-BE49-F238E27FC236}">
-                      <a16:creationId xmlns="" xmlns:a16="http://schemas.microsoft.com/office/drawing/2014/main" id="{DFB7B5F7-145D-C819-27C3-39758BE60DB2}"/>
+                      <a16:creationId xmlns:a16="http://schemas.microsoft.com/office/drawing/2014/main" xmlns="" id="{DFB7B5F7-145D-C819-27C3-39758BE60DB2}"/>
                     </a:ext>
                   </a:extLst>
                 </p:cNvPr>
@@ -32966,7 +33576,7 @@
                 <p:cNvPr id="151" name="îṡ1íḓé">
                   <a:extLst>
                     <a:ext uri="{FF2B5EF4-FFF2-40B4-BE49-F238E27FC236}">
-                      <a16:creationId xmlns="" xmlns:a16="http://schemas.microsoft.com/office/drawing/2014/main" id="{C87F2AAC-106C-8B9F-947B-13A35F29F2F4}"/>
+                      <a16:creationId xmlns:a16="http://schemas.microsoft.com/office/drawing/2014/main" xmlns="" id="{C87F2AAC-106C-8B9F-947B-13A35F29F2F4}"/>
                     </a:ext>
                   </a:extLst>
                 </p:cNvPr>
@@ -33073,7 +33683,7 @@
                 <p:cNvPr id="152" name="íṡ1îḍê">
                   <a:extLst>
                     <a:ext uri="{FF2B5EF4-FFF2-40B4-BE49-F238E27FC236}">
-                      <a16:creationId xmlns="" xmlns:a16="http://schemas.microsoft.com/office/drawing/2014/main" id="{686E004F-5688-3C96-1107-5D2316AB92FA}"/>
+                      <a16:creationId xmlns:a16="http://schemas.microsoft.com/office/drawing/2014/main" xmlns="" id="{686E004F-5688-3C96-1107-5D2316AB92FA}"/>
                     </a:ext>
                   </a:extLst>
                 </p:cNvPr>
@@ -33199,7 +33809,7 @@
               <p:cNvPr id="101" name="ï$ḷîḋê">
                 <a:extLst>
                   <a:ext uri="{FF2B5EF4-FFF2-40B4-BE49-F238E27FC236}">
-                    <a16:creationId xmlns="" xmlns:a16="http://schemas.microsoft.com/office/drawing/2014/main" id="{B36EA42A-6968-30A6-AB33-B37DDCADB1E7}"/>
+                    <a16:creationId xmlns:a16="http://schemas.microsoft.com/office/drawing/2014/main" xmlns="" id="{B36EA42A-6968-30A6-AB33-B37DDCADB1E7}"/>
                   </a:ext>
                 </a:extLst>
               </p:cNvPr>
@@ -33328,7 +33938,7 @@
               <p:cNvPr id="102" name="ïŝľiḋè">
                 <a:extLst>
                   <a:ext uri="{FF2B5EF4-FFF2-40B4-BE49-F238E27FC236}">
-                    <a16:creationId xmlns="" xmlns:a16="http://schemas.microsoft.com/office/drawing/2014/main" id="{7E4B627D-D327-2927-8559-1A7C58CE3391}"/>
+                    <a16:creationId xmlns:a16="http://schemas.microsoft.com/office/drawing/2014/main" xmlns="" id="{7E4B627D-D327-2927-8559-1A7C58CE3391}"/>
                   </a:ext>
                 </a:extLst>
               </p:cNvPr>
@@ -33439,7 +34049,7 @@
               <p:cNvPr id="103" name="ïṩľîḍè">
                 <a:extLst>
                   <a:ext uri="{FF2B5EF4-FFF2-40B4-BE49-F238E27FC236}">
-                    <a16:creationId xmlns="" xmlns:a16="http://schemas.microsoft.com/office/drawing/2014/main" id="{2C08E735-9119-98F0-CAE9-A14149846EA9}"/>
+                    <a16:creationId xmlns:a16="http://schemas.microsoft.com/office/drawing/2014/main" xmlns="" id="{2C08E735-9119-98F0-CAE9-A14149846EA9}"/>
                   </a:ext>
                 </a:extLst>
               </p:cNvPr>
@@ -33629,7 +34239,7 @@
               <p:cNvPr id="104" name="íś1îḑê">
                 <a:extLst>
                   <a:ext uri="{FF2B5EF4-FFF2-40B4-BE49-F238E27FC236}">
-                    <a16:creationId xmlns="" xmlns:a16="http://schemas.microsoft.com/office/drawing/2014/main" id="{4FE0EE6B-F9DE-BDE2-3C44-2DD79D2C961E}"/>
+                    <a16:creationId xmlns:a16="http://schemas.microsoft.com/office/drawing/2014/main" xmlns="" id="{4FE0EE6B-F9DE-BDE2-3C44-2DD79D2C961E}"/>
                   </a:ext>
                 </a:extLst>
               </p:cNvPr>
@@ -33778,7 +34388,7 @@
               <p:cNvPr id="105" name="îsļiḍé">
                 <a:extLst>
                   <a:ext uri="{FF2B5EF4-FFF2-40B4-BE49-F238E27FC236}">
-                    <a16:creationId xmlns="" xmlns:a16="http://schemas.microsoft.com/office/drawing/2014/main" id="{11C742D7-98A5-9C70-B98E-5323A6AACD78}"/>
+                    <a16:creationId xmlns:a16="http://schemas.microsoft.com/office/drawing/2014/main" xmlns="" id="{11C742D7-98A5-9C70-B98E-5323A6AACD78}"/>
                   </a:ext>
                 </a:extLst>
               </p:cNvPr>
@@ -33927,7 +34537,7 @@
               <p:cNvPr id="106" name="î$lïdé">
                 <a:extLst>
                   <a:ext uri="{FF2B5EF4-FFF2-40B4-BE49-F238E27FC236}">
-                    <a16:creationId xmlns="" xmlns:a16="http://schemas.microsoft.com/office/drawing/2014/main" id="{236E53F7-833F-063A-06B1-D5E3C555739D}"/>
+                    <a16:creationId xmlns:a16="http://schemas.microsoft.com/office/drawing/2014/main" xmlns="" id="{236E53F7-833F-063A-06B1-D5E3C555739D}"/>
                   </a:ext>
                 </a:extLst>
               </p:cNvPr>
@@ -34076,7 +34686,7 @@
               <p:cNvPr id="107" name="iślïḍé">
                 <a:extLst>
                   <a:ext uri="{FF2B5EF4-FFF2-40B4-BE49-F238E27FC236}">
-                    <a16:creationId xmlns="" xmlns:a16="http://schemas.microsoft.com/office/drawing/2014/main" id="{B229642E-3EBA-AC45-0E8D-1671B3C77099}"/>
+                    <a16:creationId xmlns:a16="http://schemas.microsoft.com/office/drawing/2014/main" xmlns="" id="{B229642E-3EBA-AC45-0E8D-1671B3C77099}"/>
                   </a:ext>
                 </a:extLst>
               </p:cNvPr>
@@ -34225,7 +34835,7 @@
               <p:cNvPr id="108" name="iṩlïḑè">
                 <a:extLst>
                   <a:ext uri="{FF2B5EF4-FFF2-40B4-BE49-F238E27FC236}">
-                    <a16:creationId xmlns="" xmlns:a16="http://schemas.microsoft.com/office/drawing/2014/main" id="{47BEAF46-CD76-A885-298D-20EF0872119B}"/>
+                    <a16:creationId xmlns:a16="http://schemas.microsoft.com/office/drawing/2014/main" xmlns="" id="{47BEAF46-CD76-A885-298D-20EF0872119B}"/>
                   </a:ext>
                 </a:extLst>
               </p:cNvPr>
@@ -34404,7 +35014,7 @@
               <p:cNvPr id="109" name="iṥḻîḍe">
                 <a:extLst>
                   <a:ext uri="{FF2B5EF4-FFF2-40B4-BE49-F238E27FC236}">
-                    <a16:creationId xmlns="" xmlns:a16="http://schemas.microsoft.com/office/drawing/2014/main" id="{3C3CD586-74D7-5DCF-A757-77A860538561}"/>
+                    <a16:creationId xmlns:a16="http://schemas.microsoft.com/office/drawing/2014/main" xmlns="" id="{3C3CD586-74D7-5DCF-A757-77A860538561}"/>
                   </a:ext>
                 </a:extLst>
               </p:cNvPr>
@@ -34594,7 +35204,7 @@
               <p:cNvPr id="110" name="îṡḷïďe">
                 <a:extLst>
                   <a:ext uri="{FF2B5EF4-FFF2-40B4-BE49-F238E27FC236}">
-                    <a16:creationId xmlns="" xmlns:a16="http://schemas.microsoft.com/office/drawing/2014/main" id="{B0787014-C3C1-3A77-856C-3313DC71781C}"/>
+                    <a16:creationId xmlns:a16="http://schemas.microsoft.com/office/drawing/2014/main" xmlns="" id="{B0787014-C3C1-3A77-856C-3313DC71781C}"/>
                   </a:ext>
                 </a:extLst>
               </p:cNvPr>
@@ -34743,7 +35353,7 @@
               <p:cNvPr id="111" name="íṣlïḑê">
                 <a:extLst>
                   <a:ext uri="{FF2B5EF4-FFF2-40B4-BE49-F238E27FC236}">
-                    <a16:creationId xmlns="" xmlns:a16="http://schemas.microsoft.com/office/drawing/2014/main" id="{8B2D54A4-58A2-7F0F-A607-A5AAC6888856}"/>
+                    <a16:creationId xmlns:a16="http://schemas.microsoft.com/office/drawing/2014/main" xmlns="" id="{8B2D54A4-58A2-7F0F-A607-A5AAC6888856}"/>
                   </a:ext>
                 </a:extLst>
               </p:cNvPr>
@@ -34892,7 +35502,7 @@
               <p:cNvPr id="112" name="išľîḓe">
                 <a:extLst>
                   <a:ext uri="{FF2B5EF4-FFF2-40B4-BE49-F238E27FC236}">
-                    <a16:creationId xmlns="" xmlns:a16="http://schemas.microsoft.com/office/drawing/2014/main" id="{218ED41D-A8FA-BEA8-07A4-53E3BC627CD6}"/>
+                    <a16:creationId xmlns:a16="http://schemas.microsoft.com/office/drawing/2014/main" xmlns="" id="{218ED41D-A8FA-BEA8-07A4-53E3BC627CD6}"/>
                   </a:ext>
                 </a:extLst>
               </p:cNvPr>
@@ -35041,7 +35651,7 @@
               <p:cNvPr id="113" name="íṡḻíḍe">
                 <a:extLst>
                   <a:ext uri="{FF2B5EF4-FFF2-40B4-BE49-F238E27FC236}">
-                    <a16:creationId xmlns="" xmlns:a16="http://schemas.microsoft.com/office/drawing/2014/main" id="{A8F000A2-05DB-FADD-5F63-75D5A7934CC4}"/>
+                    <a16:creationId xmlns:a16="http://schemas.microsoft.com/office/drawing/2014/main" xmlns="" id="{A8F000A2-05DB-FADD-5F63-75D5A7934CC4}"/>
                   </a:ext>
                 </a:extLst>
               </p:cNvPr>
@@ -35190,7 +35800,7 @@
               <p:cNvPr id="114" name="îšļídê">
                 <a:extLst>
                   <a:ext uri="{FF2B5EF4-FFF2-40B4-BE49-F238E27FC236}">
-                    <a16:creationId xmlns="" xmlns:a16="http://schemas.microsoft.com/office/drawing/2014/main" id="{237DD611-0EDF-C7D4-EF08-312548E95EA6}"/>
+                    <a16:creationId xmlns:a16="http://schemas.microsoft.com/office/drawing/2014/main" xmlns="" id="{237DD611-0EDF-C7D4-EF08-312548E95EA6}"/>
                   </a:ext>
                 </a:extLst>
               </p:cNvPr>
@@ -35369,7 +35979,7 @@
               <p:cNvPr id="115" name="îşḻiḋé">
                 <a:extLst>
                   <a:ext uri="{FF2B5EF4-FFF2-40B4-BE49-F238E27FC236}">
-                    <a16:creationId xmlns="" xmlns:a16="http://schemas.microsoft.com/office/drawing/2014/main" id="{4763D17C-F4F9-8EF0-CFD8-FCC6FE3DF716}"/>
+                    <a16:creationId xmlns:a16="http://schemas.microsoft.com/office/drawing/2014/main" xmlns="" id="{4763D17C-F4F9-8EF0-CFD8-FCC6FE3DF716}"/>
                   </a:ext>
                 </a:extLst>
               </p:cNvPr>
@@ -35559,7 +36169,7 @@
               <p:cNvPr id="116" name="isľiḍê">
                 <a:extLst>
                   <a:ext uri="{FF2B5EF4-FFF2-40B4-BE49-F238E27FC236}">
-                    <a16:creationId xmlns="" xmlns:a16="http://schemas.microsoft.com/office/drawing/2014/main" id="{D2326A30-53A7-FC4F-9DDC-A90CF72C2619}"/>
+                    <a16:creationId xmlns:a16="http://schemas.microsoft.com/office/drawing/2014/main" xmlns="" id="{D2326A30-53A7-FC4F-9DDC-A90CF72C2619}"/>
                   </a:ext>
                 </a:extLst>
               </p:cNvPr>
@@ -35708,7 +36318,7 @@
               <p:cNvPr id="117" name="íśḷíḑé">
                 <a:extLst>
                   <a:ext uri="{FF2B5EF4-FFF2-40B4-BE49-F238E27FC236}">
-                    <a16:creationId xmlns="" xmlns:a16="http://schemas.microsoft.com/office/drawing/2014/main" id="{283BCE6E-5C41-9629-34A7-A9058FC5A185}"/>
+                    <a16:creationId xmlns:a16="http://schemas.microsoft.com/office/drawing/2014/main" xmlns="" id="{283BCE6E-5C41-9629-34A7-A9058FC5A185}"/>
                   </a:ext>
                 </a:extLst>
               </p:cNvPr>
@@ -35857,7 +36467,7 @@
               <p:cNvPr id="118" name="ïṡḻîḍê">
                 <a:extLst>
                   <a:ext uri="{FF2B5EF4-FFF2-40B4-BE49-F238E27FC236}">
-                    <a16:creationId xmlns="" xmlns:a16="http://schemas.microsoft.com/office/drawing/2014/main" id="{03FB4F1E-2701-A67E-4A27-EB89E7625372}"/>
+                    <a16:creationId xmlns:a16="http://schemas.microsoft.com/office/drawing/2014/main" xmlns="" id="{03FB4F1E-2701-A67E-4A27-EB89E7625372}"/>
                   </a:ext>
                 </a:extLst>
               </p:cNvPr>
@@ -36006,7 +36616,7 @@
               <p:cNvPr id="119" name="i$ḻîḋe">
                 <a:extLst>
                   <a:ext uri="{FF2B5EF4-FFF2-40B4-BE49-F238E27FC236}">
-                    <a16:creationId xmlns="" xmlns:a16="http://schemas.microsoft.com/office/drawing/2014/main" id="{3187938A-F15B-0AD1-DEB2-723486B5E2EC}"/>
+                    <a16:creationId xmlns:a16="http://schemas.microsoft.com/office/drawing/2014/main" xmlns="" id="{3187938A-F15B-0AD1-DEB2-723486B5E2EC}"/>
                   </a:ext>
                 </a:extLst>
               </p:cNvPr>
@@ -36155,7 +36765,7 @@
               <p:cNvPr id="120" name="ísļídé">
                 <a:extLst>
                   <a:ext uri="{FF2B5EF4-FFF2-40B4-BE49-F238E27FC236}">
-                    <a16:creationId xmlns="" xmlns:a16="http://schemas.microsoft.com/office/drawing/2014/main" id="{2C47E5AD-D819-6C5D-A882-AC15409BE723}"/>
+                    <a16:creationId xmlns:a16="http://schemas.microsoft.com/office/drawing/2014/main" xmlns="" id="{2C47E5AD-D819-6C5D-A882-AC15409BE723}"/>
                   </a:ext>
                 </a:extLst>
               </p:cNvPr>
@@ -36334,7 +36944,7 @@
               <p:cNvPr id="121" name="išļïḓé">
                 <a:extLst>
                   <a:ext uri="{FF2B5EF4-FFF2-40B4-BE49-F238E27FC236}">
-                    <a16:creationId xmlns="" xmlns:a16="http://schemas.microsoft.com/office/drawing/2014/main" id="{6CA7C695-2AF3-D9C2-4676-00098ABCAE38}"/>
+                    <a16:creationId xmlns:a16="http://schemas.microsoft.com/office/drawing/2014/main" xmlns="" id="{6CA7C695-2AF3-D9C2-4676-00098ABCAE38}"/>
                   </a:ext>
                 </a:extLst>
               </p:cNvPr>
@@ -36524,7 +37134,7 @@
               <p:cNvPr id="122" name="ïsḻiďe">
                 <a:extLst>
                   <a:ext uri="{FF2B5EF4-FFF2-40B4-BE49-F238E27FC236}">
-                    <a16:creationId xmlns="" xmlns:a16="http://schemas.microsoft.com/office/drawing/2014/main" id="{9F59B8B5-4E41-D52B-D414-7A2F6DCE41D1}"/>
+                    <a16:creationId xmlns:a16="http://schemas.microsoft.com/office/drawing/2014/main" xmlns="" id="{9F59B8B5-4E41-D52B-D414-7A2F6DCE41D1}"/>
                   </a:ext>
                 </a:extLst>
               </p:cNvPr>
@@ -36673,7 +37283,7 @@
               <p:cNvPr id="123" name="íṡlïḍé">
                 <a:extLst>
                   <a:ext uri="{FF2B5EF4-FFF2-40B4-BE49-F238E27FC236}">
-                    <a16:creationId xmlns="" xmlns:a16="http://schemas.microsoft.com/office/drawing/2014/main" id="{195C0C35-2207-C6B7-1CBA-2A01DF03FCDE}"/>
+                    <a16:creationId xmlns:a16="http://schemas.microsoft.com/office/drawing/2014/main" xmlns="" id="{195C0C35-2207-C6B7-1CBA-2A01DF03FCDE}"/>
                   </a:ext>
                 </a:extLst>
               </p:cNvPr>
@@ -36822,7 +37432,7 @@
               <p:cNvPr id="124" name="iSļïdê">
                 <a:extLst>
                   <a:ext uri="{FF2B5EF4-FFF2-40B4-BE49-F238E27FC236}">
-                    <a16:creationId xmlns="" xmlns:a16="http://schemas.microsoft.com/office/drawing/2014/main" id="{6D75859C-9377-11A1-F9E3-D2E201C583B3}"/>
+                    <a16:creationId xmlns:a16="http://schemas.microsoft.com/office/drawing/2014/main" xmlns="" id="{6D75859C-9377-11A1-F9E3-D2E201C583B3}"/>
                   </a:ext>
                 </a:extLst>
               </p:cNvPr>
@@ -36971,7 +37581,7 @@
               <p:cNvPr id="125" name="îṡḻíḑè">
                 <a:extLst>
                   <a:ext uri="{FF2B5EF4-FFF2-40B4-BE49-F238E27FC236}">
-                    <a16:creationId xmlns="" xmlns:a16="http://schemas.microsoft.com/office/drawing/2014/main" id="{592AEBEC-4DA3-72A5-9EB2-0A4D2791D0D6}"/>
+                    <a16:creationId xmlns:a16="http://schemas.microsoft.com/office/drawing/2014/main" xmlns="" id="{592AEBEC-4DA3-72A5-9EB2-0A4D2791D0D6}"/>
                   </a:ext>
                 </a:extLst>
               </p:cNvPr>
@@ -37120,7 +37730,7 @@
               <p:cNvPr id="126" name="isliḋê">
                 <a:extLst>
                   <a:ext uri="{FF2B5EF4-FFF2-40B4-BE49-F238E27FC236}">
-                    <a16:creationId xmlns="" xmlns:a16="http://schemas.microsoft.com/office/drawing/2014/main" id="{C506F7FB-4124-F498-5C97-5A31729CB757}"/>
+                    <a16:creationId xmlns:a16="http://schemas.microsoft.com/office/drawing/2014/main" xmlns="" id="{C506F7FB-4124-F498-5C97-5A31729CB757}"/>
                   </a:ext>
                 </a:extLst>
               </p:cNvPr>
@@ -37299,7 +37909,7 @@
               <p:cNvPr id="127" name="iSḷíďe">
                 <a:extLst>
                   <a:ext uri="{FF2B5EF4-FFF2-40B4-BE49-F238E27FC236}">
-                    <a16:creationId xmlns="" xmlns:a16="http://schemas.microsoft.com/office/drawing/2014/main" id="{6FAFC2FA-9C5D-155E-8F45-4CD73077F723}"/>
+                    <a16:creationId xmlns:a16="http://schemas.microsoft.com/office/drawing/2014/main" xmlns="" id="{6FAFC2FA-9C5D-155E-8F45-4CD73077F723}"/>
                   </a:ext>
                 </a:extLst>
               </p:cNvPr>
@@ -37647,7 +38257,7 @@
               <p:cNvPr id="128" name="islîḋê">
                 <a:extLst>
                   <a:ext uri="{FF2B5EF4-FFF2-40B4-BE49-F238E27FC236}">
-                    <a16:creationId xmlns="" xmlns:a16="http://schemas.microsoft.com/office/drawing/2014/main" id="{C6F5F09A-B88F-AB22-ADCB-64BE12843231}"/>
+                    <a16:creationId xmlns:a16="http://schemas.microsoft.com/office/drawing/2014/main" xmlns="" id="{C6F5F09A-B88F-AB22-ADCB-64BE12843231}"/>
                   </a:ext>
                 </a:extLst>
               </p:cNvPr>
@@ -37796,7 +38406,7 @@
               <p:cNvPr id="129" name="ïṩḷiḋe">
                 <a:extLst>
                   <a:ext uri="{FF2B5EF4-FFF2-40B4-BE49-F238E27FC236}">
-                    <a16:creationId xmlns="" xmlns:a16="http://schemas.microsoft.com/office/drawing/2014/main" id="{65587A1F-D880-2569-292B-2947F354B760}"/>
+                    <a16:creationId xmlns:a16="http://schemas.microsoft.com/office/drawing/2014/main" xmlns="" id="{65587A1F-D880-2569-292B-2947F354B760}"/>
                   </a:ext>
                 </a:extLst>
               </p:cNvPr>
@@ -37816,7 +38426,7 @@
                 <p:cNvPr id="130" name="isḷîdè">
                   <a:extLst>
                     <a:ext uri="{FF2B5EF4-FFF2-40B4-BE49-F238E27FC236}">
-                      <a16:creationId xmlns="" xmlns:a16="http://schemas.microsoft.com/office/drawing/2014/main" id="{C54E6B0F-D428-7838-0AF5-5FF3A35977D2}"/>
+                      <a16:creationId xmlns:a16="http://schemas.microsoft.com/office/drawing/2014/main" xmlns="" id="{C54E6B0F-D428-7838-0AF5-5FF3A35977D2}"/>
                     </a:ext>
                   </a:extLst>
                 </p:cNvPr>
@@ -37917,7 +38527,7 @@
                 <p:cNvPr id="131" name="îṥļîďê">
                   <a:extLst>
                     <a:ext uri="{FF2B5EF4-FFF2-40B4-BE49-F238E27FC236}">
-                      <a16:creationId xmlns="" xmlns:a16="http://schemas.microsoft.com/office/drawing/2014/main" id="{40B857B9-CEEA-8926-1F76-0DDD0B8E1FB7}"/>
+                      <a16:creationId xmlns:a16="http://schemas.microsoft.com/office/drawing/2014/main" xmlns="" id="{40B857B9-CEEA-8926-1F76-0DDD0B8E1FB7}"/>
                     </a:ext>
                   </a:extLst>
                 </p:cNvPr>
@@ -38030,7 +38640,7 @@
                 <p:cNvPr id="132" name="ïs1íďè">
                   <a:extLst>
                     <a:ext uri="{FF2B5EF4-FFF2-40B4-BE49-F238E27FC236}">
-                      <a16:creationId xmlns="" xmlns:a16="http://schemas.microsoft.com/office/drawing/2014/main" id="{BBA8B6D1-6E92-C6A9-7C54-41615B20B63A}"/>
+                      <a16:creationId xmlns:a16="http://schemas.microsoft.com/office/drawing/2014/main" xmlns="" id="{BBA8B6D1-6E92-C6A9-7C54-41615B20B63A}"/>
                     </a:ext>
                   </a:extLst>
                 </p:cNvPr>
@@ -38163,7 +38773,7 @@
                 <p:cNvPr id="133" name="ïŝ1íḓê">
                   <a:extLst>
                     <a:ext uri="{FF2B5EF4-FFF2-40B4-BE49-F238E27FC236}">
-                      <a16:creationId xmlns="" xmlns:a16="http://schemas.microsoft.com/office/drawing/2014/main" id="{F7B86D8A-130C-DA61-CBDF-9DEDE95D3AE3}"/>
+                      <a16:creationId xmlns:a16="http://schemas.microsoft.com/office/drawing/2014/main" xmlns="" id="{F7B86D8A-130C-DA61-CBDF-9DEDE95D3AE3}"/>
                     </a:ext>
                   </a:extLst>
                 </p:cNvPr>
@@ -38296,7 +38906,7 @@
                 <p:cNvPr id="134" name="îS1iḍe">
                   <a:extLst>
                     <a:ext uri="{FF2B5EF4-FFF2-40B4-BE49-F238E27FC236}">
-                      <a16:creationId xmlns="" xmlns:a16="http://schemas.microsoft.com/office/drawing/2014/main" id="{8FEA7D61-C5CD-39F6-D407-C78F9E0919D6}"/>
+                      <a16:creationId xmlns:a16="http://schemas.microsoft.com/office/drawing/2014/main" xmlns="" id="{8FEA7D61-C5CD-39F6-D407-C78F9E0919D6}"/>
                     </a:ext>
                   </a:extLst>
                 </p:cNvPr>
@@ -38429,7 +39039,7 @@
                 <p:cNvPr id="135" name="îsḷide">
                   <a:extLst>
                     <a:ext uri="{FF2B5EF4-FFF2-40B4-BE49-F238E27FC236}">
-                      <a16:creationId xmlns="" xmlns:a16="http://schemas.microsoft.com/office/drawing/2014/main" id="{2699BE34-C6E5-B16D-8116-EDF2FCA82354}"/>
+                      <a16:creationId xmlns:a16="http://schemas.microsoft.com/office/drawing/2014/main" xmlns="" id="{2699BE34-C6E5-B16D-8116-EDF2FCA82354}"/>
                     </a:ext>
                   </a:extLst>
                 </p:cNvPr>
@@ -38562,7 +39172,7 @@
                 <p:cNvPr id="136" name="iṡḻíḓè">
                   <a:extLst>
                     <a:ext uri="{FF2B5EF4-FFF2-40B4-BE49-F238E27FC236}">
-                      <a16:creationId xmlns="" xmlns:a16="http://schemas.microsoft.com/office/drawing/2014/main" id="{EB9BE494-6E8E-B28E-BB94-E542BDA48FAF}"/>
+                      <a16:creationId xmlns:a16="http://schemas.microsoft.com/office/drawing/2014/main" xmlns="" id="{EB9BE494-6E8E-B28E-BB94-E542BDA48FAF}"/>
                     </a:ext>
                   </a:extLst>
                 </p:cNvPr>
@@ -38695,7 +39305,7 @@
                 <p:cNvPr id="137" name="îṥlíḓe">
                   <a:extLst>
                     <a:ext uri="{FF2B5EF4-FFF2-40B4-BE49-F238E27FC236}">
-                      <a16:creationId xmlns="" xmlns:a16="http://schemas.microsoft.com/office/drawing/2014/main" id="{6C3DE522-4622-E565-0B71-0AF85C658486}"/>
+                      <a16:creationId xmlns:a16="http://schemas.microsoft.com/office/drawing/2014/main" xmlns="" id="{6C3DE522-4622-E565-0B71-0AF85C658486}"/>
                     </a:ext>
                   </a:extLst>
                 </p:cNvPr>
@@ -38828,7 +39438,7 @@
                 <p:cNvPr id="138" name="îṡļidé">
                   <a:extLst>
                     <a:ext uri="{FF2B5EF4-FFF2-40B4-BE49-F238E27FC236}">
-                      <a16:creationId xmlns="" xmlns:a16="http://schemas.microsoft.com/office/drawing/2014/main" id="{8C9002C6-46A0-FC6C-EE3B-271529664BEF}"/>
+                      <a16:creationId xmlns:a16="http://schemas.microsoft.com/office/drawing/2014/main" xmlns="" id="{8C9002C6-46A0-FC6C-EE3B-271529664BEF}"/>
                     </a:ext>
                   </a:extLst>
                 </p:cNvPr>
@@ -38944,7 +39554,7 @@
           <p:cNvPr id="170" name="文本框 169">
             <a:extLst>
               <a:ext uri="{FF2B5EF4-FFF2-40B4-BE49-F238E27FC236}">
-                <a16:creationId xmlns="" xmlns:a16="http://schemas.microsoft.com/office/drawing/2014/main" id="{33D56F3F-1A7B-EC8C-1469-CE1202203A9A}"/>
+                <a16:creationId xmlns:a16="http://schemas.microsoft.com/office/drawing/2014/main" xmlns="" id="{33D56F3F-1A7B-EC8C-1469-CE1202203A9A}"/>
               </a:ext>
             </a:extLst>
           </p:cNvPr>
@@ -39073,7 +39683,7 @@
           <p:cNvPr id="2" name="îṩļíďè">
             <a:extLst>
               <a:ext uri="{FF2B5EF4-FFF2-40B4-BE49-F238E27FC236}">
-                <a16:creationId xmlns="" xmlns:a16="http://schemas.microsoft.com/office/drawing/2014/main" id="{6AD7DE2F-2C25-C25A-957B-4AC542D02BC6}"/>
+                <a16:creationId xmlns:a16="http://schemas.microsoft.com/office/drawing/2014/main" xmlns="" id="{6AD7DE2F-2C25-C25A-957B-4AC542D02BC6}"/>
               </a:ext>
             </a:extLst>
           </p:cNvPr>
@@ -39112,7 +39722,7 @@
           <p:cNvPr id="5" name="图片 4">
             <a:extLst>
               <a:ext uri="{FF2B5EF4-FFF2-40B4-BE49-F238E27FC236}">
-                <a16:creationId xmlns="" xmlns:a16="http://schemas.microsoft.com/office/drawing/2014/main" id="{26222E49-80FF-2E27-CFB9-5D3842019886}"/>
+                <a16:creationId xmlns:a16="http://schemas.microsoft.com/office/drawing/2014/main" xmlns="" id="{26222E49-80FF-2E27-CFB9-5D3842019886}"/>
               </a:ext>
             </a:extLst>
           </p:cNvPr>
@@ -39148,7 +39758,7 @@
           <p:cNvPr id="7" name="图片 6">
             <a:extLst>
               <a:ext uri="{FF2B5EF4-FFF2-40B4-BE49-F238E27FC236}">
-                <a16:creationId xmlns="" xmlns:a16="http://schemas.microsoft.com/office/drawing/2014/main" id="{940AB25B-87D8-C1E2-A157-18FD9D2E316F}"/>
+                <a16:creationId xmlns:a16="http://schemas.microsoft.com/office/drawing/2014/main" xmlns="" id="{940AB25B-87D8-C1E2-A157-18FD9D2E316F}"/>
               </a:ext>
             </a:extLst>
           </p:cNvPr>
@@ -39184,7 +39794,7 @@
           <p:cNvPr id="11" name="图片 10">
             <a:extLst>
               <a:ext uri="{FF2B5EF4-FFF2-40B4-BE49-F238E27FC236}">
-                <a16:creationId xmlns="" xmlns:a16="http://schemas.microsoft.com/office/drawing/2014/main" id="{9E43810F-5EE5-6F00-403A-5FCF88B4147C}"/>
+                <a16:creationId xmlns:a16="http://schemas.microsoft.com/office/drawing/2014/main" xmlns="" id="{9E43810F-5EE5-6F00-403A-5FCF88B4147C}"/>
               </a:ext>
             </a:extLst>
           </p:cNvPr>
@@ -39220,7 +39830,7 @@
           <p:cNvPr id="13" name="图片 12">
             <a:extLst>
               <a:ext uri="{FF2B5EF4-FFF2-40B4-BE49-F238E27FC236}">
-                <a16:creationId xmlns="" xmlns:a16="http://schemas.microsoft.com/office/drawing/2014/main" id="{C5D9107D-C0B0-21B9-915B-5A7BB8AC106C}"/>
+                <a16:creationId xmlns:a16="http://schemas.microsoft.com/office/drawing/2014/main" xmlns="" id="{C5D9107D-C0B0-21B9-915B-5A7BB8AC106C}"/>
               </a:ext>
             </a:extLst>
           </p:cNvPr>
@@ -39256,7 +39866,7 @@
           <p:cNvPr id="17" name="图片 16">
             <a:extLst>
               <a:ext uri="{FF2B5EF4-FFF2-40B4-BE49-F238E27FC236}">
-                <a16:creationId xmlns="" xmlns:a16="http://schemas.microsoft.com/office/drawing/2014/main" id="{9A8A6506-67DF-3137-7AD7-99A77ABE9FC9}"/>
+                <a16:creationId xmlns:a16="http://schemas.microsoft.com/office/drawing/2014/main" xmlns="" id="{9A8A6506-67DF-3137-7AD7-99A77ABE9FC9}"/>
               </a:ext>
             </a:extLst>
           </p:cNvPr>
@@ -39292,7 +39902,7 @@
           <p:cNvPr id="19" name="图片 18">
             <a:extLst>
               <a:ext uri="{FF2B5EF4-FFF2-40B4-BE49-F238E27FC236}">
-                <a16:creationId xmlns="" xmlns:a16="http://schemas.microsoft.com/office/drawing/2014/main" id="{E4B8D726-7469-6804-DB52-700A1C8A9C11}"/>
+                <a16:creationId xmlns:a16="http://schemas.microsoft.com/office/drawing/2014/main" xmlns="" id="{E4B8D726-7469-6804-DB52-700A1C8A9C11}"/>
               </a:ext>
             </a:extLst>
           </p:cNvPr>
@@ -39328,7 +39938,7 @@
           <p:cNvPr id="3" name="îSlïde">
             <a:extLst>
               <a:ext uri="{FF2B5EF4-FFF2-40B4-BE49-F238E27FC236}">
-                <a16:creationId xmlns="" xmlns:a16="http://schemas.microsoft.com/office/drawing/2014/main" id="{E9AA5D24-FF9A-B654-DF19-225D0537D0B9}"/>
+                <a16:creationId xmlns:a16="http://schemas.microsoft.com/office/drawing/2014/main" xmlns="" id="{E9AA5D24-FF9A-B654-DF19-225D0537D0B9}"/>
               </a:ext>
             </a:extLst>
           </p:cNvPr>
@@ -39338,7 +39948,7 @@
         <p:spPr>
           <a:xfrm>
             <a:off x="7752102" y="4750123"/>
-            <a:ext cx="2177711" cy="1200329"/>
+            <a:ext cx="2342646" cy="1200329"/>
           </a:xfrm>
           <a:prstGeom prst="rect">
             <a:avLst/>
@@ -39391,7 +40001,7 @@
           </a:p>
           <a:p>
             <a:r>
-              <a:rPr lang="zh-CN" altLang="en-US" sz="3600" dirty="0">
+              <a:rPr lang="zh-CN" altLang="en-US" sz="3600">
                 <a:solidFill>
                   <a:schemeClr val="accent1">
                     <a:lumMod val="75000"/>
@@ -39399,8 +40009,75 @@
                 </a:solidFill>
                 <a:effectLst/>
               </a:rPr>
-              <a:t>艺术现场</a:t>
-            </a:r>
+              <a:t>艺术</a:t>
+            </a:r>
+            <a:r>
+              <a:rPr lang="zh-CN" altLang="en-US" sz="3600" smtClean="0">
+                <a:solidFill>
+                  <a:schemeClr val="accent1">
+                    <a:lumMod val="75000"/>
+                  </a:schemeClr>
+                </a:solidFill>
+                <a:effectLst/>
+              </a:rPr>
+              <a:t>现场</a:t>
+            </a:r>
+            <a:endParaRPr lang="en-US" altLang="zh-CN" sz="3600" smtClean="0">
+              <a:solidFill>
+                <a:schemeClr val="accent1">
+                  <a:lumMod val="75000"/>
+                </a:schemeClr>
+              </a:solidFill>
+              <a:effectLst/>
+            </a:endParaRPr>
+          </a:p>
+        </p:txBody>
+      </p:sp>
+      <p:sp>
+        <p:nvSpPr>
+          <p:cNvPr id="4" name="矩形 3"/>
+          <p:cNvSpPr/>
+          <p:nvPr/>
+        </p:nvSpPr>
+        <p:spPr>
+          <a:xfrm>
+            <a:off x="7752102" y="5826323"/>
+            <a:ext cx="3153642" cy="461665"/>
+          </a:xfrm>
+          <a:prstGeom prst="rect">
+            <a:avLst/>
+          </a:prstGeom>
+        </p:spPr>
+        <p:txBody>
+          <a:bodyPr wrap="square">
+            <a:spAutoFit/>
+          </a:bodyPr>
+          <a:lstStyle/>
+          <a:p>
+            <a:r>
+              <a:rPr lang="zh-CN" altLang="en-US" sz="1200"/>
+              <a:t>https://burningman.org</a:t>
+            </a:r>
+            <a:r>
+              <a:rPr lang="zh-CN" altLang="en-US" sz="1200" smtClean="0"/>
+              <a:t>/</a:t>
+            </a:r>
+            <a:endParaRPr lang="en-US" altLang="zh-CN" sz="1200" smtClean="0"/>
+          </a:p>
+          <a:p>
+            <a:r>
+              <a:rPr lang="en-US" altLang="zh-CN" sz="1200"/>
+              <a:t>Black Rock Desert</a:t>
+            </a:r>
+            <a:r>
+              <a:rPr lang="en-US" altLang="zh-CN" sz="1200" smtClean="0"/>
+              <a:t>, Nevada</a:t>
+            </a:r>
+            <a:r>
+              <a:rPr lang="en-US" altLang="zh-CN" sz="1200"/>
+              <a:t>, USA</a:t>
+            </a:r>
+            <a:endParaRPr lang="zh-CN" altLang="en-US" sz="1200"/>
           </a:p>
         </p:txBody>
       </p:sp>
